--- a/발표양식.pptx
+++ b/발표양식.pptx
@@ -1,22 +1,22 @@
 
 <file path=ppt/presentation.xml><?xml version="1.0" encoding="utf-8"?>
-<p:presentation xmlns:a="http://schemas.openxmlformats.org/drawingml/2006/main" xmlns:r="http://schemas.openxmlformats.org/officeDocument/2006/relationships" xmlns:mc="http://schemas.openxmlformats.org/markup-compatibility/2006" xmlns:mv="urn:schemas-microsoft-com:mac:vml" xmlns:p="http://schemas.openxmlformats.org/presentationml/2006/main" xmlns:c="http://schemas.openxmlformats.org/drawingml/2006/chart" xmlns:dgm="http://schemas.openxmlformats.org/drawingml/2006/diagram" xmlns:o="urn:schemas-microsoft-com:office:office" xmlns:v="urn:schemas-microsoft-com:vml" xmlns:pvml="urn:schemas-microsoft-com:office:powerpoint" xmlns:com="http://schemas.openxmlformats.org/drawingml/2006/compatibility" xmlns:p14="http://schemas.microsoft.com/office/powerpoint/2010/main" xmlns:p15="http://schemas.microsoft.com/office/powerpoint/2012/main" xmlns:ahyp="http://schemas.microsoft.com/office/drawing/2018/hyperlinkcolor" autoCompressPictures="0" strictFirstAndLastChars="0" saveSubsetFonts="1">
+<p:presentation xmlns:a="http://schemas.openxmlformats.org/drawingml/2006/main" xmlns:r="http://schemas.openxmlformats.org/officeDocument/2006/relationships" xmlns:p="http://schemas.openxmlformats.org/presentationml/2006/main" strictFirstAndLastChars="0" saveSubsetFonts="1" autoCompressPictures="0">
   <p:sldMasterIdLst>
-    <p:sldMasterId id="2147483648" r:id="rId3"/>
+    <p:sldMasterId id="2147483648" r:id="rId1"/>
   </p:sldMasterIdLst>
   <p:notesMasterIdLst>
-    <p:notesMasterId r:id="rId4"/>
+    <p:notesMasterId r:id="rId6"/>
   </p:notesMasterIdLst>
   <p:sldIdLst>
-    <p:sldId id="256" r:id="rId5"/>
-    <p:sldId id="257" r:id="rId6"/>
-    <p:sldId id="258" r:id="rId7"/>
-    <p:sldId id="259" r:id="rId8"/>
+    <p:sldId id="256" r:id="rId2"/>
+    <p:sldId id="257" r:id="rId3"/>
+    <p:sldId id="258" r:id="rId4"/>
+    <p:sldId id="259" r:id="rId5"/>
   </p:sldIdLst>
-  <p:sldSz cy="6858000" cx="12192000"/>
+  <p:sldSz cx="12192000" cy="6858000"/>
   <p:notesSz cx="6858000" cy="9144000"/>
   <p:defaultTextStyle>
-    <a:defPPr lvl="0" marR="0" rtl="0" algn="l">
+    <a:defPPr marR="0" lvl="0" algn="l" rtl="0">
       <a:lnSpc>
         <a:spcPct val="100000"/>
       </a:lnSpc>
@@ -27,7 +27,7 @@
         <a:spcPts val="0"/>
       </a:spcAft>
     </a:defPPr>
-    <a:lvl1pPr lvl="0" marR="0" rtl="0" algn="l">
+    <a:lvl1pPr marR="0" lvl="0" algn="l" rtl="0">
       <a:lnSpc>
         <a:spcPct val="100000"/>
       </a:lnSpc>
@@ -41,7 +41,7 @@
         <a:srgbClr val="000000"/>
       </a:buClr>
       <a:buFont typeface="Arial"/>
-      <a:defRPr b="0" i="0" sz="1400" u="none" cap="none" strike="noStrike">
+      <a:defRPr sz="1400" b="0" i="0" u="none" strike="noStrike" cap="none">
         <a:solidFill>
           <a:srgbClr val="000000"/>
         </a:solidFill>
@@ -51,7 +51,7 @@
         <a:sym typeface="Arial"/>
       </a:defRPr>
     </a:lvl1pPr>
-    <a:lvl2pPr lvl="1" marR="0" rtl="0" algn="l">
+    <a:lvl2pPr marR="0" lvl="1" algn="l" rtl="0">
       <a:lnSpc>
         <a:spcPct val="100000"/>
       </a:lnSpc>
@@ -65,7 +65,7 @@
         <a:srgbClr val="000000"/>
       </a:buClr>
       <a:buFont typeface="Arial"/>
-      <a:defRPr b="0" i="0" sz="1400" u="none" cap="none" strike="noStrike">
+      <a:defRPr sz="1400" b="0" i="0" u="none" strike="noStrike" cap="none">
         <a:solidFill>
           <a:srgbClr val="000000"/>
         </a:solidFill>
@@ -75,7 +75,7 @@
         <a:sym typeface="Arial"/>
       </a:defRPr>
     </a:lvl2pPr>
-    <a:lvl3pPr lvl="2" marR="0" rtl="0" algn="l">
+    <a:lvl3pPr marR="0" lvl="2" algn="l" rtl="0">
       <a:lnSpc>
         <a:spcPct val="100000"/>
       </a:lnSpc>
@@ -89,7 +89,7 @@
         <a:srgbClr val="000000"/>
       </a:buClr>
       <a:buFont typeface="Arial"/>
-      <a:defRPr b="0" i="0" sz="1400" u="none" cap="none" strike="noStrike">
+      <a:defRPr sz="1400" b="0" i="0" u="none" strike="noStrike" cap="none">
         <a:solidFill>
           <a:srgbClr val="000000"/>
         </a:solidFill>
@@ -99,7 +99,7 @@
         <a:sym typeface="Arial"/>
       </a:defRPr>
     </a:lvl3pPr>
-    <a:lvl4pPr lvl="3" marR="0" rtl="0" algn="l">
+    <a:lvl4pPr marR="0" lvl="3" algn="l" rtl="0">
       <a:lnSpc>
         <a:spcPct val="100000"/>
       </a:lnSpc>
@@ -113,7 +113,7 @@
         <a:srgbClr val="000000"/>
       </a:buClr>
       <a:buFont typeface="Arial"/>
-      <a:defRPr b="0" i="0" sz="1400" u="none" cap="none" strike="noStrike">
+      <a:defRPr sz="1400" b="0" i="0" u="none" strike="noStrike" cap="none">
         <a:solidFill>
           <a:srgbClr val="000000"/>
         </a:solidFill>
@@ -123,7 +123,7 @@
         <a:sym typeface="Arial"/>
       </a:defRPr>
     </a:lvl4pPr>
-    <a:lvl5pPr lvl="4" marR="0" rtl="0" algn="l">
+    <a:lvl5pPr marR="0" lvl="4" algn="l" rtl="0">
       <a:lnSpc>
         <a:spcPct val="100000"/>
       </a:lnSpc>
@@ -137,7 +137,7 @@
         <a:srgbClr val="000000"/>
       </a:buClr>
       <a:buFont typeface="Arial"/>
-      <a:defRPr b="0" i="0" sz="1400" u="none" cap="none" strike="noStrike">
+      <a:defRPr sz="1400" b="0" i="0" u="none" strike="noStrike" cap="none">
         <a:solidFill>
           <a:srgbClr val="000000"/>
         </a:solidFill>
@@ -147,7 +147,7 @@
         <a:sym typeface="Arial"/>
       </a:defRPr>
     </a:lvl5pPr>
-    <a:lvl6pPr lvl="5" marR="0" rtl="0" algn="l">
+    <a:lvl6pPr marR="0" lvl="5" algn="l" rtl="0">
       <a:lnSpc>
         <a:spcPct val="100000"/>
       </a:lnSpc>
@@ -161,7 +161,7 @@
         <a:srgbClr val="000000"/>
       </a:buClr>
       <a:buFont typeface="Arial"/>
-      <a:defRPr b="0" i="0" sz="1400" u="none" cap="none" strike="noStrike">
+      <a:defRPr sz="1400" b="0" i="0" u="none" strike="noStrike" cap="none">
         <a:solidFill>
           <a:srgbClr val="000000"/>
         </a:solidFill>
@@ -171,7 +171,7 @@
         <a:sym typeface="Arial"/>
       </a:defRPr>
     </a:lvl6pPr>
-    <a:lvl7pPr lvl="6" marR="0" rtl="0" algn="l">
+    <a:lvl7pPr marR="0" lvl="6" algn="l" rtl="0">
       <a:lnSpc>
         <a:spcPct val="100000"/>
       </a:lnSpc>
@@ -185,7 +185,7 @@
         <a:srgbClr val="000000"/>
       </a:buClr>
       <a:buFont typeface="Arial"/>
-      <a:defRPr b="0" i="0" sz="1400" u="none" cap="none" strike="noStrike">
+      <a:defRPr sz="1400" b="0" i="0" u="none" strike="noStrike" cap="none">
         <a:solidFill>
           <a:srgbClr val="000000"/>
         </a:solidFill>
@@ -195,7 +195,7 @@
         <a:sym typeface="Arial"/>
       </a:defRPr>
     </a:lvl7pPr>
-    <a:lvl8pPr lvl="7" marR="0" rtl="0" algn="l">
+    <a:lvl8pPr marR="0" lvl="7" algn="l" rtl="0">
       <a:lnSpc>
         <a:spcPct val="100000"/>
       </a:lnSpc>
@@ -209,7 +209,7 @@
         <a:srgbClr val="000000"/>
       </a:buClr>
       <a:buFont typeface="Arial"/>
-      <a:defRPr b="0" i="0" sz="1400" u="none" cap="none" strike="noStrike">
+      <a:defRPr sz="1400" b="0" i="0" u="none" strike="noStrike" cap="none">
         <a:solidFill>
           <a:srgbClr val="000000"/>
         </a:solidFill>
@@ -219,7 +219,7 @@
         <a:sym typeface="Arial"/>
       </a:defRPr>
     </a:lvl8pPr>
-    <a:lvl9pPr lvl="8" marR="0" rtl="0" algn="l">
+    <a:lvl9pPr marR="0" lvl="8" algn="l" rtl="0">
       <a:lnSpc>
         <a:spcPct val="100000"/>
       </a:lnSpc>
@@ -233,7 +233,7 @@
         <a:srgbClr val="000000"/>
       </a:buClr>
       <a:buFont typeface="Arial"/>
-      <a:defRPr b="0" i="0" sz="1400" u="none" cap="none" strike="noStrike">
+      <a:defRPr sz="1400" b="0" i="0" u="none" strike="noStrike" cap="none">
         <a:solidFill>
           <a:srgbClr val="000000"/>
         </a:solidFill>
@@ -246,18 +246,23 @@
   </p:defaultTextStyle>
   <p:extLst>
     <p:ext uri="GoogleSlidesCustomDataVersion2">
-      <go:slidesCustomData xmlns:go="http://customooxmlschemas.google.com/" r:id="rId9" roundtripDataSignature="AMtx7mj5GdbxsaFl02bTEFBl/9s84/Z/Bw=="/>
+      <go:slidesCustomData xmlns:go="http://customooxmlschemas.google.com/" xmlns:ahyp="http://schemas.microsoft.com/office/drawing/2018/hyperlinkcolor" xmlns:p15="http://schemas.microsoft.com/office/powerpoint/2012/main" xmlns:p14="http://schemas.microsoft.com/office/powerpoint/2010/main" xmlns:com="http://schemas.openxmlformats.org/drawingml/2006/compatibility" xmlns:pvml="urn:schemas-microsoft-com:office:powerpoint" xmlns:v="urn:schemas-microsoft-com:vml" xmlns:o="urn:schemas-microsoft-com:office:office" xmlns:dgm="http://schemas.openxmlformats.org/drawingml/2006/diagram" xmlns:c="http://schemas.openxmlformats.org/drawingml/2006/chart" xmlns:mv="urn:schemas-microsoft-com:mac:vml" xmlns:mc="http://schemas.openxmlformats.org/markup-compatibility/2006" xmlns="" r:id="rId9" roundtripDataSignature="AMtx7mj5GdbxsaFl02bTEFBl/9s84/Z/Bw=="/>
     </p:ext>
   </p:extLst>
 </p:presentation>
 </file>
 
 <file path=ppt/notesMasters/notesMaster1.xml><?xml version="1.0" encoding="utf-8"?>
-<p:notesMaster xmlns:a="http://schemas.openxmlformats.org/drawingml/2006/main" xmlns:r="http://schemas.openxmlformats.org/officeDocument/2006/relationships" xmlns:mc="http://schemas.openxmlformats.org/markup-compatibility/2006" xmlns:mv="urn:schemas-microsoft-com:mac:vml" xmlns:p="http://schemas.openxmlformats.org/presentationml/2006/main" xmlns:c="http://schemas.openxmlformats.org/drawingml/2006/chart" xmlns:dgm="http://schemas.openxmlformats.org/drawingml/2006/diagram" xmlns:o="urn:schemas-microsoft-com:office:office" xmlns:v="urn:schemas-microsoft-com:vml" xmlns:pvml="urn:schemas-microsoft-com:office:powerpoint" xmlns:com="http://schemas.openxmlformats.org/drawingml/2006/compatibility" xmlns:p14="http://schemas.microsoft.com/office/powerpoint/2010/main" xmlns:p15="http://schemas.microsoft.com/office/powerpoint/2012/main" xmlns:ahyp="http://schemas.microsoft.com/office/drawing/2018/hyperlinkcolor">
+<p:notesMaster xmlns:a="http://schemas.openxmlformats.org/drawingml/2006/main" xmlns:r="http://schemas.openxmlformats.org/officeDocument/2006/relationships" xmlns:p="http://schemas.openxmlformats.org/presentationml/2006/main">
   <p:cSld>
+    <p:bg>
+      <p:bgRef idx="1001">
+        <a:schemeClr val="bg1"/>
+      </p:bgRef>
+    </p:bg>
     <p:spTree>
       <p:nvGrpSpPr>
-        <p:cNvPr id="2" name="Shape 2"/>
+        <p:cNvPr id="1" name="Shape 2"/>
         <p:cNvGrpSpPr/>
         <p:nvPr/>
       </p:nvGrpSpPr>
@@ -272,9 +277,11 @@
       <p:sp>
         <p:nvSpPr>
           <p:cNvPr id="3" name="Google Shape;3;n"/>
-          <p:cNvSpPr/>
+          <p:cNvSpPr>
+            <a:spLocks noGrp="1" noRot="1" noChangeAspect="1"/>
+          </p:cNvSpPr>
           <p:nvPr>
-            <p:ph idx="2" type="sldImg"/>
+            <p:ph type="sldImg" idx="2"/>
           </p:nvPr>
         </p:nvSpPr>
         <p:spPr>
@@ -283,9 +290,13 @@
             <a:ext cx="4572225" cy="3429000"/>
           </a:xfrm>
           <a:custGeom>
-            <a:rect b="b" l="l" r="r" t="t"/>
+            <a:avLst/>
+            <a:gdLst/>
+            <a:ahLst/>
+            <a:cxnLst/>
+            <a:rect l="l" t="t" r="r" b="b"/>
             <a:pathLst>
-              <a:path extrusionOk="0" h="120000" w="120000">
+              <a:path w="120000" h="120000" extrusionOk="0">
                 <a:moveTo>
                   <a:pt x="0" y="0"/>
                 </a:moveTo>
@@ -303,23 +314,25 @@
             </a:pathLst>
           </a:custGeom>
           <a:noFill/>
-          <a:ln cap="flat" cmpd="sng" w="9525">
+          <a:ln w="9525" cap="flat" cmpd="sng">
             <a:solidFill>
               <a:srgbClr val="000000"/>
             </a:solidFill>
             <a:prstDash val="solid"/>
             <a:round/>
-            <a:headEnd len="sm" w="sm" type="none"/>
-            <a:tailEnd len="sm" w="sm" type="none"/>
+            <a:headEnd type="none" w="sm" len="sm"/>
+            <a:tailEnd type="none" w="sm" len="sm"/>
           </a:ln>
         </p:spPr>
       </p:sp>
       <p:sp>
         <p:nvSpPr>
           <p:cNvPr id="4" name="Google Shape;4;n"/>
-          <p:cNvSpPr txBox="1"/>
+          <p:cNvSpPr txBox="1">
+            <a:spLocks noGrp="1"/>
+          </p:cNvSpPr>
           <p:nvPr>
-            <p:ph idx="1" type="body"/>
+            <p:ph type="body" idx="1"/>
           </p:nvPr>
         </p:nvSpPr>
         <p:spPr>
@@ -336,11 +349,11 @@
           </a:ln>
         </p:spPr>
         <p:txBody>
-          <a:bodyPr anchorCtr="0" anchor="t" bIns="91425" lIns="91425" spcFirstLastPara="1" rIns="91425" wrap="square" tIns="91425">
+          <a:bodyPr spcFirstLastPara="1" wrap="square" lIns="91425" tIns="91425" rIns="91425" bIns="91425" anchor="t" anchorCtr="0">
             <a:noAutofit/>
           </a:bodyPr>
           <a:lstStyle>
-            <a:lvl1pPr indent="-298450" lvl="0" marL="457200">
+            <a:lvl1pPr marL="457200" lvl="0" indent="-298450">
               <a:spcBef>
                 <a:spcPts val="0"/>
               </a:spcBef>
@@ -351,7 +364,7 @@
               <a:buChar char="●"/>
               <a:defRPr sz="1100"/>
             </a:lvl1pPr>
-            <a:lvl2pPr indent="-298450" lvl="1" marL="914400">
+            <a:lvl2pPr marL="914400" lvl="1" indent="-298450">
               <a:spcBef>
                 <a:spcPts val="0"/>
               </a:spcBef>
@@ -362,7 +375,7 @@
               <a:buChar char="○"/>
               <a:defRPr sz="1100"/>
             </a:lvl2pPr>
-            <a:lvl3pPr indent="-298450" lvl="2" marL="1371600">
+            <a:lvl3pPr marL="1371600" lvl="2" indent="-298450">
               <a:spcBef>
                 <a:spcPts val="0"/>
               </a:spcBef>
@@ -373,7 +386,7 @@
               <a:buChar char="■"/>
               <a:defRPr sz="1100"/>
             </a:lvl3pPr>
-            <a:lvl4pPr indent="-298450" lvl="3" marL="1828800">
+            <a:lvl4pPr marL="1828800" lvl="3" indent="-298450">
               <a:spcBef>
                 <a:spcPts val="0"/>
               </a:spcBef>
@@ -384,7 +397,7 @@
               <a:buChar char="●"/>
               <a:defRPr sz="1100"/>
             </a:lvl4pPr>
-            <a:lvl5pPr indent="-298450" lvl="4" marL="2286000">
+            <a:lvl5pPr marL="2286000" lvl="4" indent="-298450">
               <a:spcBef>
                 <a:spcPts val="0"/>
               </a:spcBef>
@@ -395,7 +408,7 @@
               <a:buChar char="○"/>
               <a:defRPr sz="1100"/>
             </a:lvl5pPr>
-            <a:lvl6pPr indent="-298450" lvl="5" marL="2743200">
+            <a:lvl6pPr marL="2743200" lvl="5" indent="-298450">
               <a:spcBef>
                 <a:spcPts val="0"/>
               </a:spcBef>
@@ -406,7 +419,7 @@
               <a:buChar char="■"/>
               <a:defRPr sz="1100"/>
             </a:lvl6pPr>
-            <a:lvl7pPr indent="-298450" lvl="6" marL="3200400">
+            <a:lvl7pPr marL="3200400" lvl="6" indent="-298450">
               <a:spcBef>
                 <a:spcPts val="0"/>
               </a:spcBef>
@@ -417,7 +430,7 @@
               <a:buChar char="●"/>
               <a:defRPr sz="1100"/>
             </a:lvl7pPr>
-            <a:lvl8pPr indent="-298450" lvl="7" marL="3657600">
+            <a:lvl8pPr marL="3657600" lvl="7" indent="-298450">
               <a:spcBef>
                 <a:spcPts val="0"/>
               </a:spcBef>
@@ -428,7 +441,7 @@
               <a:buChar char="○"/>
               <a:defRPr sz="1100"/>
             </a:lvl8pPr>
-            <a:lvl9pPr indent="-298450" lvl="8" marL="4114800">
+            <a:lvl9pPr marL="4114800" lvl="8" indent="-298450">
               <a:spcBef>
                 <a:spcPts val="0"/>
               </a:spcBef>
@@ -440,14 +453,16 @@
               <a:defRPr sz="1100"/>
             </a:lvl9pPr>
           </a:lstStyle>
-          <a:p/>
+          <a:p>
+            <a:endParaRPr/>
+          </a:p>
         </p:txBody>
       </p:sp>
     </p:spTree>
   </p:cSld>
-  <p:clrMap accent1="accent1" accent2="accent2" accent3="accent3" accent4="accent4" accent5="accent5" accent6="accent6" bg1="lt1" bg2="dk2" tx1="dk1" tx2="lt2" folHlink="folHlink" hlink="hlink"/>
+  <p:clrMap bg1="lt1" tx1="dk1" bg2="dk2" tx2="lt2" accent1="accent1" accent2="accent2" accent3="accent3" accent4="accent4" accent5="accent5" accent6="accent6" hlink="hlink" folHlink="folHlink"/>
   <p:notesStyle>
-    <a:defPPr lvl="0" marR="0" rtl="0" algn="l">
+    <a:defPPr marR="0" lvl="0" algn="l" rtl="0">
       <a:lnSpc>
         <a:spcPct val="100000"/>
       </a:lnSpc>
@@ -458,7 +473,7 @@
         <a:spcPts val="0"/>
       </a:spcAft>
     </a:defPPr>
-    <a:lvl1pPr lvl="0" marR="0" rtl="0" algn="l">
+    <a:lvl1pPr marR="0" lvl="0" algn="l" rtl="0">
       <a:lnSpc>
         <a:spcPct val="100000"/>
       </a:lnSpc>
@@ -472,7 +487,7 @@
         <a:srgbClr val="000000"/>
       </a:buClr>
       <a:buFont typeface="Arial"/>
-      <a:defRPr b="0" i="0" sz="1400" u="none" cap="none" strike="noStrike">
+      <a:defRPr sz="1400" b="0" i="0" u="none" strike="noStrike" cap="none">
         <a:solidFill>
           <a:srgbClr val="000000"/>
         </a:solidFill>
@@ -482,7 +497,7 @@
         <a:sym typeface="Arial"/>
       </a:defRPr>
     </a:lvl1pPr>
-    <a:lvl2pPr lvl="1" marR="0" rtl="0" algn="l">
+    <a:lvl2pPr marR="0" lvl="1" algn="l" rtl="0">
       <a:lnSpc>
         <a:spcPct val="100000"/>
       </a:lnSpc>
@@ -496,7 +511,7 @@
         <a:srgbClr val="000000"/>
       </a:buClr>
       <a:buFont typeface="Arial"/>
-      <a:defRPr b="0" i="0" sz="1400" u="none" cap="none" strike="noStrike">
+      <a:defRPr sz="1400" b="0" i="0" u="none" strike="noStrike" cap="none">
         <a:solidFill>
           <a:srgbClr val="000000"/>
         </a:solidFill>
@@ -506,7 +521,7 @@
         <a:sym typeface="Arial"/>
       </a:defRPr>
     </a:lvl2pPr>
-    <a:lvl3pPr lvl="2" marR="0" rtl="0" algn="l">
+    <a:lvl3pPr marR="0" lvl="2" algn="l" rtl="0">
       <a:lnSpc>
         <a:spcPct val="100000"/>
       </a:lnSpc>
@@ -520,7 +535,7 @@
         <a:srgbClr val="000000"/>
       </a:buClr>
       <a:buFont typeface="Arial"/>
-      <a:defRPr b="0" i="0" sz="1400" u="none" cap="none" strike="noStrike">
+      <a:defRPr sz="1400" b="0" i="0" u="none" strike="noStrike" cap="none">
         <a:solidFill>
           <a:srgbClr val="000000"/>
         </a:solidFill>
@@ -530,7 +545,7 @@
         <a:sym typeface="Arial"/>
       </a:defRPr>
     </a:lvl3pPr>
-    <a:lvl4pPr lvl="3" marR="0" rtl="0" algn="l">
+    <a:lvl4pPr marR="0" lvl="3" algn="l" rtl="0">
       <a:lnSpc>
         <a:spcPct val="100000"/>
       </a:lnSpc>
@@ -544,7 +559,7 @@
         <a:srgbClr val="000000"/>
       </a:buClr>
       <a:buFont typeface="Arial"/>
-      <a:defRPr b="0" i="0" sz="1400" u="none" cap="none" strike="noStrike">
+      <a:defRPr sz="1400" b="0" i="0" u="none" strike="noStrike" cap="none">
         <a:solidFill>
           <a:srgbClr val="000000"/>
         </a:solidFill>
@@ -554,7 +569,7 @@
         <a:sym typeface="Arial"/>
       </a:defRPr>
     </a:lvl4pPr>
-    <a:lvl5pPr lvl="4" marR="0" rtl="0" algn="l">
+    <a:lvl5pPr marR="0" lvl="4" algn="l" rtl="0">
       <a:lnSpc>
         <a:spcPct val="100000"/>
       </a:lnSpc>
@@ -568,7 +583,7 @@
         <a:srgbClr val="000000"/>
       </a:buClr>
       <a:buFont typeface="Arial"/>
-      <a:defRPr b="0" i="0" sz="1400" u="none" cap="none" strike="noStrike">
+      <a:defRPr sz="1400" b="0" i="0" u="none" strike="noStrike" cap="none">
         <a:solidFill>
           <a:srgbClr val="000000"/>
         </a:solidFill>
@@ -578,7 +593,7 @@
         <a:sym typeface="Arial"/>
       </a:defRPr>
     </a:lvl5pPr>
-    <a:lvl6pPr lvl="5" marR="0" rtl="0" algn="l">
+    <a:lvl6pPr marR="0" lvl="5" algn="l" rtl="0">
       <a:lnSpc>
         <a:spcPct val="100000"/>
       </a:lnSpc>
@@ -592,7 +607,7 @@
         <a:srgbClr val="000000"/>
       </a:buClr>
       <a:buFont typeface="Arial"/>
-      <a:defRPr b="0" i="0" sz="1400" u="none" cap="none" strike="noStrike">
+      <a:defRPr sz="1400" b="0" i="0" u="none" strike="noStrike" cap="none">
         <a:solidFill>
           <a:srgbClr val="000000"/>
         </a:solidFill>
@@ -602,7 +617,7 @@
         <a:sym typeface="Arial"/>
       </a:defRPr>
     </a:lvl6pPr>
-    <a:lvl7pPr lvl="6" marR="0" rtl="0" algn="l">
+    <a:lvl7pPr marR="0" lvl="6" algn="l" rtl="0">
       <a:lnSpc>
         <a:spcPct val="100000"/>
       </a:lnSpc>
@@ -616,7 +631,7 @@
         <a:srgbClr val="000000"/>
       </a:buClr>
       <a:buFont typeface="Arial"/>
-      <a:defRPr b="0" i="0" sz="1400" u="none" cap="none" strike="noStrike">
+      <a:defRPr sz="1400" b="0" i="0" u="none" strike="noStrike" cap="none">
         <a:solidFill>
           <a:srgbClr val="000000"/>
         </a:solidFill>
@@ -626,7 +641,7 @@
         <a:sym typeface="Arial"/>
       </a:defRPr>
     </a:lvl7pPr>
-    <a:lvl8pPr lvl="7" marR="0" rtl="0" algn="l">
+    <a:lvl8pPr marR="0" lvl="7" algn="l" rtl="0">
       <a:lnSpc>
         <a:spcPct val="100000"/>
       </a:lnSpc>
@@ -640,7 +655,7 @@
         <a:srgbClr val="000000"/>
       </a:buClr>
       <a:buFont typeface="Arial"/>
-      <a:defRPr b="0" i="0" sz="1400" u="none" cap="none" strike="noStrike">
+      <a:defRPr sz="1400" b="0" i="0" u="none" strike="noStrike" cap="none">
         <a:solidFill>
           <a:srgbClr val="000000"/>
         </a:solidFill>
@@ -650,7 +665,7 @@
         <a:sym typeface="Arial"/>
       </a:defRPr>
     </a:lvl8pPr>
-    <a:lvl9pPr lvl="8" marR="0" rtl="0" algn="l">
+    <a:lvl9pPr marR="0" lvl="8" algn="l" rtl="0">
       <a:lnSpc>
         <a:spcPct val="100000"/>
       </a:lnSpc>
@@ -664,7 +679,7 @@
         <a:srgbClr val="000000"/>
       </a:buClr>
       <a:buFont typeface="Arial"/>
-      <a:defRPr b="0" i="0" sz="1400" u="none" cap="none" strike="noStrike">
+      <a:defRPr sz="1400" b="0" i="0" u="none" strike="noStrike" cap="none">
         <a:solidFill>
           <a:srgbClr val="000000"/>
         </a:solidFill>
@@ -679,11 +694,11 @@
 </file>
 
 <file path=ppt/notesSlides/notesSlide1.xml><?xml version="1.0" encoding="utf-8"?>
-<p:notes xmlns:a="http://schemas.openxmlformats.org/drawingml/2006/main" xmlns:r="http://schemas.openxmlformats.org/officeDocument/2006/relationships" xmlns:mc="http://schemas.openxmlformats.org/markup-compatibility/2006" xmlns:mv="urn:schemas-microsoft-com:mac:vml" xmlns:p="http://schemas.openxmlformats.org/presentationml/2006/main" xmlns:c="http://schemas.openxmlformats.org/drawingml/2006/chart" xmlns:dgm="http://schemas.openxmlformats.org/drawingml/2006/diagram" xmlns:o="urn:schemas-microsoft-com:office:office" xmlns:v="urn:schemas-microsoft-com:vml" xmlns:pvml="urn:schemas-microsoft-com:office:powerpoint" xmlns:com="http://schemas.openxmlformats.org/drawingml/2006/compatibility" xmlns:p14="http://schemas.microsoft.com/office/powerpoint/2010/main" xmlns:p15="http://schemas.microsoft.com/office/powerpoint/2012/main" xmlns:ahyp="http://schemas.microsoft.com/office/drawing/2018/hyperlinkcolor" showMasterPhAnim="0" showMasterSp="0">
+<p:notes xmlns:a="http://schemas.openxmlformats.org/drawingml/2006/main" xmlns:r="http://schemas.openxmlformats.org/officeDocument/2006/relationships" xmlns:p="http://schemas.openxmlformats.org/presentationml/2006/main" showMasterSp="0" showMasterPhAnim="0">
   <p:cSld>
     <p:spTree>
       <p:nvGrpSpPr>
-        <p:cNvPr id="42" name="Shape 42"/>
+        <p:cNvPr id="1" name="Shape 42"/>
         <p:cNvGrpSpPr/>
         <p:nvPr/>
       </p:nvGrpSpPr>
@@ -698,9 +713,11 @@
       <p:sp>
         <p:nvSpPr>
           <p:cNvPr id="43" name="Google Shape;43;p1:notes"/>
-          <p:cNvSpPr txBox="1"/>
+          <p:cNvSpPr txBox="1">
+            <a:spLocks noGrp="1"/>
+          </p:cNvSpPr>
           <p:nvPr>
-            <p:ph idx="1" type="body"/>
+            <p:ph type="body" idx="1"/>
           </p:nvPr>
         </p:nvSpPr>
         <p:spPr>
@@ -713,12 +730,12 @@
           </a:prstGeom>
         </p:spPr>
         <p:txBody>
-          <a:bodyPr anchorCtr="0" anchor="t" bIns="91425" lIns="91425" spcFirstLastPara="1" rIns="91425" wrap="square" tIns="91425">
+          <a:bodyPr spcFirstLastPara="1" wrap="square" lIns="91425" tIns="91425" rIns="91425" bIns="91425" anchor="t" anchorCtr="0">
             <a:noAutofit/>
           </a:bodyPr>
           <a:lstStyle/>
           <a:p>
-            <a:pPr indent="0" lvl="0" marL="0" rtl="0" algn="l">
+            <a:pPr marL="0" lvl="0" indent="0" algn="l" rtl="0">
               <a:spcBef>
                 <a:spcPts val="0"/>
               </a:spcBef>
@@ -727,9 +744,6 @@
               </a:spcAft>
               <a:buNone/>
             </a:pPr>
-            <a:r>
-              <a:t/>
-            </a:r>
             <a:endParaRPr/>
           </a:p>
         </p:txBody>
@@ -737,20 +751,26 @@
       <p:sp>
         <p:nvSpPr>
           <p:cNvPr id="44" name="Google Shape;44;p1:notes"/>
-          <p:cNvSpPr/>
+          <p:cNvSpPr>
+            <a:spLocks noGrp="1" noRot="1" noChangeAspect="1"/>
+          </p:cNvSpPr>
           <p:nvPr>
-            <p:ph idx="2" type="sldImg"/>
+            <p:ph type="sldImg" idx="2"/>
           </p:nvPr>
         </p:nvSpPr>
         <p:spPr>
           <a:xfrm>
-            <a:off x="1143225" y="685800"/>
-            <a:ext cx="4572225" cy="3429000"/>
+            <a:off x="381000" y="685800"/>
+            <a:ext cx="6096000" cy="3429000"/>
           </a:xfrm>
           <a:custGeom>
-            <a:rect b="b" l="l" r="r" t="t"/>
+            <a:avLst/>
+            <a:gdLst/>
+            <a:ahLst/>
+            <a:cxnLst/>
+            <a:rect l="l" t="t" r="r" b="b"/>
             <a:pathLst>
-              <a:path extrusionOk="0" h="120000" w="120000">
+              <a:path w="120000" h="120000" extrusionOk="0">
                 <a:moveTo>
                   <a:pt x="0" y="0"/>
                 </a:moveTo>
@@ -778,11 +798,11 @@
 </file>
 
 <file path=ppt/notesSlides/notesSlide2.xml><?xml version="1.0" encoding="utf-8"?>
-<p:notes xmlns:a="http://schemas.openxmlformats.org/drawingml/2006/main" xmlns:r="http://schemas.openxmlformats.org/officeDocument/2006/relationships" xmlns:mc="http://schemas.openxmlformats.org/markup-compatibility/2006" xmlns:mv="urn:schemas-microsoft-com:mac:vml" xmlns:p="http://schemas.openxmlformats.org/presentationml/2006/main" xmlns:c="http://schemas.openxmlformats.org/drawingml/2006/chart" xmlns:dgm="http://schemas.openxmlformats.org/drawingml/2006/diagram" xmlns:o="urn:schemas-microsoft-com:office:office" xmlns:v="urn:schemas-microsoft-com:vml" xmlns:pvml="urn:schemas-microsoft-com:office:powerpoint" xmlns:com="http://schemas.openxmlformats.org/drawingml/2006/compatibility" xmlns:p14="http://schemas.microsoft.com/office/powerpoint/2010/main" xmlns:p15="http://schemas.microsoft.com/office/powerpoint/2012/main" xmlns:ahyp="http://schemas.microsoft.com/office/drawing/2018/hyperlinkcolor" showMasterPhAnim="0" showMasterSp="0">
+<p:notes xmlns:a="http://schemas.openxmlformats.org/drawingml/2006/main" xmlns:r="http://schemas.openxmlformats.org/officeDocument/2006/relationships" xmlns:p="http://schemas.openxmlformats.org/presentationml/2006/main" showMasterSp="0" showMasterPhAnim="0">
   <p:cSld>
     <p:spTree>
       <p:nvGrpSpPr>
-        <p:cNvPr id="50" name="Shape 50"/>
+        <p:cNvPr id="1" name="Shape 50"/>
         <p:cNvGrpSpPr/>
         <p:nvPr/>
       </p:nvGrpSpPr>
@@ -797,9 +817,11 @@
       <p:sp>
         <p:nvSpPr>
           <p:cNvPr id="51" name="Google Shape;51;p2:notes"/>
-          <p:cNvSpPr txBox="1"/>
+          <p:cNvSpPr txBox="1">
+            <a:spLocks noGrp="1"/>
+          </p:cNvSpPr>
           <p:nvPr>
-            <p:ph idx="1" type="body"/>
+            <p:ph type="body" idx="1"/>
           </p:nvPr>
         </p:nvSpPr>
         <p:spPr>
@@ -812,12 +834,12 @@
           </a:prstGeom>
         </p:spPr>
         <p:txBody>
-          <a:bodyPr anchorCtr="0" anchor="t" bIns="91425" lIns="91425" spcFirstLastPara="1" rIns="91425" wrap="square" tIns="91425">
+          <a:bodyPr spcFirstLastPara="1" wrap="square" lIns="91425" tIns="91425" rIns="91425" bIns="91425" anchor="t" anchorCtr="0">
             <a:noAutofit/>
           </a:bodyPr>
           <a:lstStyle/>
           <a:p>
-            <a:pPr indent="0" lvl="0" marL="0" rtl="0" algn="l">
+            <a:pPr marL="0" lvl="0" indent="0" algn="l" rtl="0">
               <a:spcBef>
                 <a:spcPts val="0"/>
               </a:spcBef>
@@ -826,9 +848,6 @@
               </a:spcAft>
               <a:buNone/>
             </a:pPr>
-            <a:r>
-              <a:t/>
-            </a:r>
             <a:endParaRPr/>
           </a:p>
         </p:txBody>
@@ -836,9 +855,11 @@
       <p:sp>
         <p:nvSpPr>
           <p:cNvPr id="52" name="Google Shape;52;p2:notes"/>
-          <p:cNvSpPr/>
+          <p:cNvSpPr>
+            <a:spLocks noGrp="1" noRot="1" noChangeAspect="1"/>
+          </p:cNvSpPr>
           <p:nvPr>
-            <p:ph idx="2" type="sldImg"/>
+            <p:ph type="sldImg" idx="2"/>
           </p:nvPr>
         </p:nvSpPr>
         <p:spPr>
@@ -847,9 +868,13 @@
             <a:ext cx="4572225" cy="3429000"/>
           </a:xfrm>
           <a:custGeom>
-            <a:rect b="b" l="l" r="r" t="t"/>
+            <a:avLst/>
+            <a:gdLst/>
+            <a:ahLst/>
+            <a:cxnLst/>
+            <a:rect l="l" t="t" r="r" b="b"/>
             <a:pathLst>
-              <a:path extrusionOk="0" h="120000" w="120000">
+              <a:path w="120000" h="120000" extrusionOk="0">
                 <a:moveTo>
                   <a:pt x="0" y="0"/>
                 </a:moveTo>
@@ -877,11 +902,11 @@
 </file>
 
 <file path=ppt/notesSlides/notesSlide3.xml><?xml version="1.0" encoding="utf-8"?>
-<p:notes xmlns:a="http://schemas.openxmlformats.org/drawingml/2006/main" xmlns:r="http://schemas.openxmlformats.org/officeDocument/2006/relationships" xmlns:mc="http://schemas.openxmlformats.org/markup-compatibility/2006" xmlns:mv="urn:schemas-microsoft-com:mac:vml" xmlns:p="http://schemas.openxmlformats.org/presentationml/2006/main" xmlns:c="http://schemas.openxmlformats.org/drawingml/2006/chart" xmlns:dgm="http://schemas.openxmlformats.org/drawingml/2006/diagram" xmlns:o="urn:schemas-microsoft-com:office:office" xmlns:v="urn:schemas-microsoft-com:vml" xmlns:pvml="urn:schemas-microsoft-com:office:powerpoint" xmlns:com="http://schemas.openxmlformats.org/drawingml/2006/compatibility" xmlns:p14="http://schemas.microsoft.com/office/powerpoint/2010/main" xmlns:p15="http://schemas.microsoft.com/office/powerpoint/2012/main" xmlns:ahyp="http://schemas.microsoft.com/office/drawing/2018/hyperlinkcolor" showMasterPhAnim="0" showMasterSp="0">
+<p:notes xmlns:a="http://schemas.openxmlformats.org/drawingml/2006/main" xmlns:r="http://schemas.openxmlformats.org/officeDocument/2006/relationships" xmlns:p="http://schemas.openxmlformats.org/presentationml/2006/main" showMasterSp="0" showMasterPhAnim="0">
   <p:cSld>
     <p:spTree>
       <p:nvGrpSpPr>
-        <p:cNvPr id="55" name="Shape 55"/>
+        <p:cNvPr id="1" name="Shape 55"/>
         <p:cNvGrpSpPr/>
         <p:nvPr/>
       </p:nvGrpSpPr>
@@ -896,9 +921,11 @@
       <p:sp>
         <p:nvSpPr>
           <p:cNvPr id="56" name="Google Shape;56;p3:notes"/>
-          <p:cNvSpPr txBox="1"/>
+          <p:cNvSpPr txBox="1">
+            <a:spLocks noGrp="1"/>
+          </p:cNvSpPr>
           <p:nvPr>
-            <p:ph idx="1" type="body"/>
+            <p:ph type="body" idx="1"/>
           </p:nvPr>
         </p:nvSpPr>
         <p:spPr>
@@ -911,12 +938,12 @@
           </a:prstGeom>
         </p:spPr>
         <p:txBody>
-          <a:bodyPr anchorCtr="0" anchor="t" bIns="91425" lIns="91425" spcFirstLastPara="1" rIns="91425" wrap="square" tIns="91425">
+          <a:bodyPr spcFirstLastPara="1" wrap="square" lIns="91425" tIns="91425" rIns="91425" bIns="91425" anchor="t" anchorCtr="0">
             <a:noAutofit/>
           </a:bodyPr>
           <a:lstStyle/>
           <a:p>
-            <a:pPr indent="0" lvl="0" marL="0" rtl="0" algn="l">
+            <a:pPr marL="0" lvl="0" indent="0" algn="l" rtl="0">
               <a:spcBef>
                 <a:spcPts val="0"/>
               </a:spcBef>
@@ -925,9 +952,6 @@
               </a:spcAft>
               <a:buNone/>
             </a:pPr>
-            <a:r>
-              <a:t/>
-            </a:r>
             <a:endParaRPr/>
           </a:p>
         </p:txBody>
@@ -935,9 +959,11 @@
       <p:sp>
         <p:nvSpPr>
           <p:cNvPr id="57" name="Google Shape;57;p3:notes"/>
-          <p:cNvSpPr/>
+          <p:cNvSpPr>
+            <a:spLocks noGrp="1" noRot="1" noChangeAspect="1"/>
+          </p:cNvSpPr>
           <p:nvPr>
-            <p:ph idx="2" type="sldImg"/>
+            <p:ph type="sldImg" idx="2"/>
           </p:nvPr>
         </p:nvSpPr>
         <p:spPr>
@@ -946,9 +972,13 @@
             <a:ext cx="4572300" cy="3429000"/>
           </a:xfrm>
           <a:custGeom>
-            <a:rect b="b" l="l" r="r" t="t"/>
+            <a:avLst/>
+            <a:gdLst/>
+            <a:ahLst/>
+            <a:cxnLst/>
+            <a:rect l="l" t="t" r="r" b="b"/>
             <a:pathLst>
-              <a:path extrusionOk="0" h="120000" w="120000">
+              <a:path w="120000" h="120000" extrusionOk="0">
                 <a:moveTo>
                   <a:pt x="0" y="0"/>
                 </a:moveTo>
@@ -976,11 +1006,11 @@
 </file>
 
 <file path=ppt/notesSlides/notesSlide4.xml><?xml version="1.0" encoding="utf-8"?>
-<p:notes xmlns:a="http://schemas.openxmlformats.org/drawingml/2006/main" xmlns:r="http://schemas.openxmlformats.org/officeDocument/2006/relationships" xmlns:mc="http://schemas.openxmlformats.org/markup-compatibility/2006" xmlns:mv="urn:schemas-microsoft-com:mac:vml" xmlns:p="http://schemas.openxmlformats.org/presentationml/2006/main" xmlns:c="http://schemas.openxmlformats.org/drawingml/2006/chart" xmlns:dgm="http://schemas.openxmlformats.org/drawingml/2006/diagram" xmlns:o="urn:schemas-microsoft-com:office:office" xmlns:v="urn:schemas-microsoft-com:vml" xmlns:pvml="urn:schemas-microsoft-com:office:powerpoint" xmlns:com="http://schemas.openxmlformats.org/drawingml/2006/compatibility" xmlns:p14="http://schemas.microsoft.com/office/powerpoint/2010/main" xmlns:p15="http://schemas.microsoft.com/office/powerpoint/2012/main" xmlns:ahyp="http://schemas.microsoft.com/office/drawing/2018/hyperlinkcolor" showMasterPhAnim="0" showMasterSp="0">
+<p:notes xmlns:a="http://schemas.openxmlformats.org/drawingml/2006/main" xmlns:r="http://schemas.openxmlformats.org/officeDocument/2006/relationships" xmlns:p="http://schemas.openxmlformats.org/presentationml/2006/main" showMasterSp="0" showMasterPhAnim="0">
   <p:cSld>
     <p:spTree>
       <p:nvGrpSpPr>
-        <p:cNvPr id="61" name="Shape 61"/>
+        <p:cNvPr id="1" name="Shape 61"/>
         <p:cNvGrpSpPr/>
         <p:nvPr/>
       </p:nvGrpSpPr>
@@ -995,9 +1025,11 @@
       <p:sp>
         <p:nvSpPr>
           <p:cNvPr id="62" name="Google Shape;62;p4:notes"/>
-          <p:cNvSpPr txBox="1"/>
+          <p:cNvSpPr txBox="1">
+            <a:spLocks noGrp="1"/>
+          </p:cNvSpPr>
           <p:nvPr>
-            <p:ph idx="1" type="body"/>
+            <p:ph type="body" idx="1"/>
           </p:nvPr>
         </p:nvSpPr>
         <p:spPr>
@@ -1010,12 +1042,12 @@
           </a:prstGeom>
         </p:spPr>
         <p:txBody>
-          <a:bodyPr anchorCtr="0" anchor="t" bIns="91425" lIns="91425" spcFirstLastPara="1" rIns="91425" wrap="square" tIns="91425">
+          <a:bodyPr spcFirstLastPara="1" wrap="square" lIns="91425" tIns="91425" rIns="91425" bIns="91425" anchor="t" anchorCtr="0">
             <a:noAutofit/>
           </a:bodyPr>
           <a:lstStyle/>
           <a:p>
-            <a:pPr indent="0" lvl="0" marL="0" rtl="0" algn="l">
+            <a:pPr marL="0" lvl="0" indent="0" algn="l" rtl="0">
               <a:spcBef>
                 <a:spcPts val="0"/>
               </a:spcBef>
@@ -1024,9 +1056,6 @@
               </a:spcAft>
               <a:buNone/>
             </a:pPr>
-            <a:r>
-              <a:t/>
-            </a:r>
             <a:endParaRPr/>
           </a:p>
         </p:txBody>
@@ -1034,9 +1063,11 @@
       <p:sp>
         <p:nvSpPr>
           <p:cNvPr id="63" name="Google Shape;63;p4:notes"/>
-          <p:cNvSpPr/>
+          <p:cNvSpPr>
+            <a:spLocks noGrp="1" noRot="1" noChangeAspect="1"/>
+          </p:cNvSpPr>
           <p:nvPr>
-            <p:ph idx="2" type="sldImg"/>
+            <p:ph type="sldImg" idx="2"/>
           </p:nvPr>
         </p:nvSpPr>
         <p:spPr>
@@ -1045,9 +1076,13 @@
             <a:ext cx="4572225" cy="3429000"/>
           </a:xfrm>
           <a:custGeom>
-            <a:rect b="b" l="l" r="r" t="t"/>
+            <a:avLst/>
+            <a:gdLst/>
+            <a:ahLst/>
+            <a:cxnLst/>
+            <a:rect l="l" t="t" r="r" b="b"/>
             <a:pathLst>
-              <a:path extrusionOk="0" h="120000" w="120000">
+              <a:path w="120000" h="120000" extrusionOk="0">
                 <a:moveTo>
                   <a:pt x="0" y="0"/>
                 </a:moveTo>
@@ -1075,11 +1110,11 @@
 </file>
 
 <file path=ppt/slideLayouts/slideLayout1.xml><?xml version="1.0" encoding="utf-8"?>
-<p:sldLayout xmlns:a="http://schemas.openxmlformats.org/drawingml/2006/main" xmlns:r="http://schemas.openxmlformats.org/officeDocument/2006/relationships" xmlns:mc="http://schemas.openxmlformats.org/markup-compatibility/2006" xmlns:mv="urn:schemas-microsoft-com:mac:vml" xmlns:p="http://schemas.openxmlformats.org/presentationml/2006/main" xmlns:c="http://schemas.openxmlformats.org/drawingml/2006/chart" xmlns:dgm="http://schemas.openxmlformats.org/drawingml/2006/diagram" xmlns:o="urn:schemas-microsoft-com:office:office" xmlns:v="urn:schemas-microsoft-com:vml" xmlns:pvml="urn:schemas-microsoft-com:office:powerpoint" xmlns:com="http://schemas.openxmlformats.org/drawingml/2006/compatibility" xmlns:p14="http://schemas.microsoft.com/office/powerpoint/2010/main" xmlns:p15="http://schemas.microsoft.com/office/powerpoint/2012/main" xmlns:ahyp="http://schemas.microsoft.com/office/drawing/2018/hyperlinkcolor" matchingName="제목 슬라이드">
+<p:sldLayout xmlns:a="http://schemas.openxmlformats.org/drawingml/2006/main" xmlns:r="http://schemas.openxmlformats.org/officeDocument/2006/relationships" xmlns:p="http://schemas.openxmlformats.org/presentationml/2006/main" matchingName="제목 슬라이드">
   <p:cSld name="제목 슬라이드">
     <p:spTree>
       <p:nvGrpSpPr>
-        <p:cNvPr id="11" name="Shape 11"/>
+        <p:cNvPr id="1" name="Shape 11"/>
         <p:cNvGrpSpPr/>
         <p:nvPr/>
       </p:nvGrpSpPr>
@@ -1094,9 +1129,11 @@
       <p:sp>
         <p:nvSpPr>
           <p:cNvPr id="12" name="Google Shape;12;p6"/>
-          <p:cNvSpPr txBox="1"/>
+          <p:cNvSpPr txBox="1">
+            <a:spLocks noGrp="1"/>
+          </p:cNvSpPr>
           <p:nvPr>
-            <p:ph idx="1" type="body"/>
+            <p:ph type="body" idx="1"/>
           </p:nvPr>
         </p:nvSpPr>
         <p:spPr>
@@ -1113,11 +1150,11 @@
           </a:ln>
         </p:spPr>
         <p:txBody>
-          <a:bodyPr anchorCtr="0" anchor="t" bIns="45700" lIns="0" spcFirstLastPara="1" rIns="91425" wrap="square" tIns="45700">
+          <a:bodyPr spcFirstLastPara="1" wrap="square" lIns="0" tIns="45700" rIns="91425" bIns="45700" anchor="t" anchorCtr="0">
             <a:normAutofit/>
           </a:bodyPr>
           <a:lstStyle>
-            <a:lvl1pPr indent="-228600" lvl="0" marL="457200" algn="r">
+            <a:lvl1pPr marL="457200" lvl="0" indent="-228600" algn="r">
               <a:lnSpc>
                 <a:spcPct val="90000"/>
               </a:lnSpc>
@@ -1132,7 +1169,7 @@
               </a:buClr>
               <a:buSzPts val="1500"/>
               <a:buNone/>
-              <a:defRPr b="0" sz="1500">
+              <a:defRPr sz="1500" b="0">
                 <a:solidFill>
                   <a:srgbClr val="262626"/>
                 </a:solidFill>
@@ -1142,7 +1179,7 @@
                 <a:sym typeface="Malgun Gothic"/>
               </a:defRPr>
             </a:lvl1pPr>
-            <a:lvl2pPr indent="-381000" lvl="1" marL="914400" algn="l">
+            <a:lvl2pPr marL="914400" lvl="1" indent="-381000" algn="l">
               <a:lnSpc>
                 <a:spcPct val="90000"/>
               </a:lnSpc>
@@ -1163,7 +1200,7 @@
                 </a:solidFill>
               </a:defRPr>
             </a:lvl2pPr>
-            <a:lvl3pPr indent="-355600" lvl="2" marL="1371600" algn="l">
+            <a:lvl3pPr marL="1371600" lvl="2" indent="-355600" algn="l">
               <a:lnSpc>
                 <a:spcPct val="90000"/>
               </a:lnSpc>
@@ -1184,7 +1221,7 @@
                 </a:solidFill>
               </a:defRPr>
             </a:lvl3pPr>
-            <a:lvl4pPr indent="-342900" lvl="3" marL="1828800" algn="l">
+            <a:lvl4pPr marL="1828800" lvl="3" indent="-342900" algn="l">
               <a:lnSpc>
                 <a:spcPct val="90000"/>
               </a:lnSpc>
@@ -1205,7 +1242,7 @@
                 </a:solidFill>
               </a:defRPr>
             </a:lvl4pPr>
-            <a:lvl5pPr indent="-342900" lvl="4" marL="2286000" algn="l">
+            <a:lvl5pPr marL="2286000" lvl="4" indent="-342900" algn="l">
               <a:lnSpc>
                 <a:spcPct val="90000"/>
               </a:lnSpc>
@@ -1226,7 +1263,7 @@
                 </a:solidFill>
               </a:defRPr>
             </a:lvl5pPr>
-            <a:lvl6pPr indent="-342900" lvl="5" marL="2743200" algn="l">
+            <a:lvl6pPr marL="2743200" lvl="5" indent="-342900" algn="l">
               <a:lnSpc>
                 <a:spcPct val="90000"/>
               </a:lnSpc>
@@ -1243,7 +1280,7 @@
               <a:buChar char="•"/>
               <a:defRPr/>
             </a:lvl6pPr>
-            <a:lvl7pPr indent="-342900" lvl="6" marL="3200400" algn="l">
+            <a:lvl7pPr marL="3200400" lvl="6" indent="-342900" algn="l">
               <a:lnSpc>
                 <a:spcPct val="90000"/>
               </a:lnSpc>
@@ -1260,7 +1297,7 @@
               <a:buChar char="•"/>
               <a:defRPr/>
             </a:lvl7pPr>
-            <a:lvl8pPr indent="-342900" lvl="7" marL="3657600" algn="l">
+            <a:lvl8pPr marL="3657600" lvl="7" indent="-342900" algn="l">
               <a:lnSpc>
                 <a:spcPct val="90000"/>
               </a:lnSpc>
@@ -1277,7 +1314,7 @@
               <a:buChar char="•"/>
               <a:defRPr/>
             </a:lvl8pPr>
-            <a:lvl9pPr indent="-342900" lvl="8" marL="4114800" algn="l">
+            <a:lvl9pPr marL="4114800" lvl="8" indent="-342900" algn="l">
               <a:lnSpc>
                 <a:spcPct val="90000"/>
               </a:lnSpc>
@@ -1295,7 +1332,9 @@
               <a:defRPr/>
             </a:lvl9pPr>
           </a:lstStyle>
-          <a:p/>
+          <a:p>
+            <a:endParaRPr/>
+          </a:p>
         </p:txBody>
       </p:sp>
       <p:sp>
@@ -1318,12 +1357,12 @@
           </a:ln>
         </p:spPr>
         <p:txBody>
-          <a:bodyPr anchorCtr="0" anchor="t" bIns="0" lIns="0" spcFirstLastPara="1" rIns="0" wrap="square" tIns="0">
+          <a:bodyPr spcFirstLastPara="1" wrap="square" lIns="0" tIns="0" rIns="0" bIns="0" anchor="t" anchorCtr="0">
             <a:spAutoFit/>
           </a:bodyPr>
           <a:lstStyle/>
           <a:p>
-            <a:pPr indent="0" lvl="0" marL="0" marR="0" rtl="0" algn="ctr">
+            <a:pPr marL="0" marR="0" lvl="0" indent="0" algn="ctr" rtl="0">
               <a:spcBef>
                 <a:spcPts val="0"/>
               </a:spcBef>
@@ -1338,7 +1377,7 @@
               <a:buNone/>
             </a:pPr>
             <a:r>
-              <a:rPr b="1" i="0" lang="ko-KR" sz="1600" u="none" cap="none" strike="noStrike">
+              <a:rPr lang="ko-KR" sz="1600" b="1" i="0" u="none" strike="noStrike" cap="none">
                 <a:solidFill>
                   <a:schemeClr val="dk1"/>
                 </a:solidFill>
@@ -1349,7 +1388,7 @@
               </a:rPr>
               <a:t>Create your value </a:t>
             </a:r>
-            <a:endParaRPr b="1" i="0" sz="1600" u="none" cap="none" strike="noStrike">
+            <a:endParaRPr sz="1600" b="1" i="0" u="none" strike="noStrike" cap="none">
               <a:solidFill>
                 <a:schemeClr val="dk1"/>
               </a:solidFill>
@@ -1364,9 +1403,11 @@
       <p:sp>
         <p:nvSpPr>
           <p:cNvPr id="14" name="Google Shape;14;p6"/>
-          <p:cNvSpPr txBox="1"/>
+          <p:cNvSpPr txBox="1">
+            <a:spLocks noGrp="1"/>
+          </p:cNvSpPr>
           <p:nvPr>
-            <p:ph idx="2" type="body"/>
+            <p:ph type="body" idx="2"/>
           </p:nvPr>
         </p:nvSpPr>
         <p:spPr>
@@ -1383,11 +1424,11 @@
           </a:ln>
         </p:spPr>
         <p:txBody>
-          <a:bodyPr anchorCtr="0" anchor="ctr" bIns="45700" lIns="0" spcFirstLastPara="1" rIns="91425" wrap="square" tIns="45700">
+          <a:bodyPr spcFirstLastPara="1" wrap="square" lIns="0" tIns="45700" rIns="91425" bIns="45700" anchor="ctr" anchorCtr="0">
             <a:noAutofit/>
           </a:bodyPr>
           <a:lstStyle>
-            <a:lvl1pPr indent="-228600" lvl="0" marL="457200" algn="l">
+            <a:lvl1pPr marL="457200" lvl="0" indent="-228600" algn="l">
               <a:lnSpc>
                 <a:spcPct val="90000"/>
               </a:lnSpc>
@@ -1402,7 +1443,7 @@
               </a:buClr>
               <a:buSzPts val="3200"/>
               <a:buNone/>
-              <a:defRPr b="1" sz="3200">
+              <a:defRPr sz="3200" b="1">
                 <a:solidFill>
                   <a:schemeClr val="dk1"/>
                 </a:solidFill>
@@ -1412,7 +1453,7 @@
                 <a:sym typeface="Malgun Gothic"/>
               </a:defRPr>
             </a:lvl1pPr>
-            <a:lvl2pPr indent="-342900" lvl="1" marL="914400" algn="l">
+            <a:lvl2pPr marL="914400" lvl="1" indent="-342900" algn="l">
               <a:lnSpc>
                 <a:spcPct val="90000"/>
               </a:lnSpc>
@@ -1429,7 +1470,7 @@
               <a:buChar char="•"/>
               <a:defRPr/>
             </a:lvl2pPr>
-            <a:lvl3pPr indent="-342900" lvl="2" marL="1371600" algn="l">
+            <a:lvl3pPr marL="1371600" lvl="2" indent="-342900" algn="l">
               <a:lnSpc>
                 <a:spcPct val="90000"/>
               </a:lnSpc>
@@ -1446,7 +1487,7 @@
               <a:buChar char="•"/>
               <a:defRPr/>
             </a:lvl3pPr>
-            <a:lvl4pPr indent="-342900" lvl="3" marL="1828800" algn="l">
+            <a:lvl4pPr marL="1828800" lvl="3" indent="-342900" algn="l">
               <a:lnSpc>
                 <a:spcPct val="90000"/>
               </a:lnSpc>
@@ -1463,7 +1504,7 @@
               <a:buChar char="•"/>
               <a:defRPr/>
             </a:lvl4pPr>
-            <a:lvl5pPr indent="-342900" lvl="4" marL="2286000" algn="l">
+            <a:lvl5pPr marL="2286000" lvl="4" indent="-342900" algn="l">
               <a:lnSpc>
                 <a:spcPct val="90000"/>
               </a:lnSpc>
@@ -1480,7 +1521,7 @@
               <a:buChar char="•"/>
               <a:defRPr/>
             </a:lvl5pPr>
-            <a:lvl6pPr indent="-342900" lvl="5" marL="2743200" algn="l">
+            <a:lvl6pPr marL="2743200" lvl="5" indent="-342900" algn="l">
               <a:lnSpc>
                 <a:spcPct val="90000"/>
               </a:lnSpc>
@@ -1497,7 +1538,7 @@
               <a:buChar char="•"/>
               <a:defRPr/>
             </a:lvl6pPr>
-            <a:lvl7pPr indent="-342900" lvl="6" marL="3200400" algn="l">
+            <a:lvl7pPr marL="3200400" lvl="6" indent="-342900" algn="l">
               <a:lnSpc>
                 <a:spcPct val="90000"/>
               </a:lnSpc>
@@ -1514,7 +1555,7 @@
               <a:buChar char="•"/>
               <a:defRPr/>
             </a:lvl7pPr>
-            <a:lvl8pPr indent="-342900" lvl="7" marL="3657600" algn="l">
+            <a:lvl8pPr marL="3657600" lvl="7" indent="-342900" algn="l">
               <a:lnSpc>
                 <a:spcPct val="90000"/>
               </a:lnSpc>
@@ -1531,7 +1572,7 @@
               <a:buChar char="•"/>
               <a:defRPr/>
             </a:lvl8pPr>
-            <a:lvl9pPr indent="-342900" lvl="8" marL="4114800" algn="l">
+            <a:lvl9pPr marL="4114800" lvl="8" indent="-342900" algn="l">
               <a:lnSpc>
                 <a:spcPct val="90000"/>
               </a:lnSpc>
@@ -1549,7 +1590,9 @@
               <a:defRPr/>
             </a:lvl9pPr>
           </a:lstStyle>
-          <a:p/>
+          <a:p>
+            <a:endParaRPr/>
+          </a:p>
         </p:txBody>
       </p:sp>
       <p:grpSp>
@@ -1602,12 +1645,12 @@
               </a:ln>
             </p:spPr>
             <p:txBody>
-              <a:bodyPr anchorCtr="0" anchor="ctr" bIns="45700" lIns="91425" spcFirstLastPara="1" rIns="91425" wrap="square" tIns="45700">
+              <a:bodyPr spcFirstLastPara="1" wrap="square" lIns="91425" tIns="45700" rIns="91425" bIns="45700" anchor="ctr" anchorCtr="0">
                 <a:noAutofit/>
               </a:bodyPr>
               <a:lstStyle/>
               <a:p>
-                <a:pPr indent="0" lvl="0" marL="0" marR="0" rtl="0" algn="ctr">
+                <a:pPr marL="0" marR="0" lvl="0" indent="0" algn="ctr" rtl="0">
                   <a:spcBef>
                     <a:spcPts val="0"/>
                   </a:spcBef>
@@ -1616,10 +1659,7 @@
                   </a:spcAft>
                   <a:buNone/>
                 </a:pPr>
-                <a:r>
-                  <a:t/>
-                </a:r>
-                <a:endParaRPr b="0" i="0" sz="1800" u="none" cap="none" strike="noStrike">
+                <a:endParaRPr sz="1800" b="0" i="0" u="none" strike="noStrike" cap="none">
                   <a:solidFill>
                     <a:schemeClr val="lt1"/>
                   </a:solidFill>
@@ -1653,12 +1693,12 @@
               </a:ln>
             </p:spPr>
             <p:txBody>
-              <a:bodyPr anchorCtr="0" anchor="ctr" bIns="45700" lIns="91425" spcFirstLastPara="1" rIns="91425" wrap="square" tIns="45700">
+              <a:bodyPr spcFirstLastPara="1" wrap="square" lIns="91425" tIns="45700" rIns="91425" bIns="45700" anchor="ctr" anchorCtr="0">
                 <a:noAutofit/>
               </a:bodyPr>
               <a:lstStyle/>
               <a:p>
-                <a:pPr indent="0" lvl="0" marL="0" marR="0" rtl="0" algn="ctr">
+                <a:pPr marL="0" marR="0" lvl="0" indent="0" algn="ctr" rtl="0">
                   <a:spcBef>
                     <a:spcPts val="0"/>
                   </a:spcBef>
@@ -1667,10 +1707,7 @@
                   </a:spcAft>
                   <a:buNone/>
                 </a:pPr>
-                <a:r>
-                  <a:t/>
-                </a:r>
-                <a:endParaRPr b="0" i="0" sz="1800" u="none" cap="none" strike="noStrike">
+                <a:endParaRPr sz="1800" b="0" i="0" u="none" strike="noStrike" cap="none">
                   <a:solidFill>
                     <a:schemeClr val="lt1"/>
                   </a:solidFill>
@@ -1719,12 +1756,12 @@
               </a:ln>
             </p:spPr>
             <p:txBody>
-              <a:bodyPr anchorCtr="0" anchor="ctr" bIns="45700" lIns="91425" spcFirstLastPara="1" rIns="91425" wrap="square" tIns="45700">
+              <a:bodyPr spcFirstLastPara="1" wrap="square" lIns="91425" tIns="45700" rIns="91425" bIns="45700" anchor="ctr" anchorCtr="0">
                 <a:noAutofit/>
               </a:bodyPr>
               <a:lstStyle/>
               <a:p>
-                <a:pPr indent="0" lvl="0" marL="0" marR="0" rtl="0" algn="ctr">
+                <a:pPr marL="0" marR="0" lvl="0" indent="0" algn="ctr" rtl="0">
                   <a:spcBef>
                     <a:spcPts val="0"/>
                   </a:spcBef>
@@ -1733,10 +1770,7 @@
                   </a:spcAft>
                   <a:buNone/>
                 </a:pPr>
-                <a:r>
-                  <a:t/>
-                </a:r>
-                <a:endParaRPr b="0" i="0" sz="1800" u="none" cap="none" strike="noStrike">
+                <a:endParaRPr sz="1800" b="0" i="0" u="none" strike="noStrike" cap="none">
                   <a:solidFill>
                     <a:srgbClr val="005AB4"/>
                   </a:solidFill>
@@ -1784,12 +1818,12 @@
                 </a:ln>
               </p:spPr>
               <p:txBody>
-                <a:bodyPr anchorCtr="0" anchor="ctr" bIns="45700" lIns="91425" spcFirstLastPara="1" rIns="91425" wrap="square" tIns="45700">
+                <a:bodyPr spcFirstLastPara="1" wrap="square" lIns="91425" tIns="45700" rIns="91425" bIns="45700" anchor="ctr" anchorCtr="0">
                   <a:noAutofit/>
                 </a:bodyPr>
                 <a:lstStyle/>
                 <a:p>
-                  <a:pPr indent="0" lvl="0" marL="0" marR="0" rtl="0" algn="ctr">
+                  <a:pPr marL="0" marR="0" lvl="0" indent="0" algn="ctr" rtl="0">
                     <a:spcBef>
                       <a:spcPts val="0"/>
                     </a:spcBef>
@@ -1798,10 +1832,7 @@
                     </a:spcAft>
                     <a:buNone/>
                   </a:pPr>
-                  <a:r>
-                    <a:t/>
-                  </a:r>
-                  <a:endParaRPr b="0" i="0" sz="1800" u="none" cap="none" strike="noStrike">
+                  <a:endParaRPr sz="1800" b="0" i="0" u="none" strike="noStrike" cap="none">
                     <a:solidFill>
                       <a:schemeClr val="lt1"/>
                     </a:solidFill>
@@ -1835,12 +1866,12 @@
                 </a:ln>
               </p:spPr>
               <p:txBody>
-                <a:bodyPr anchorCtr="0" anchor="ctr" bIns="45700" lIns="91425" spcFirstLastPara="1" rIns="91425" wrap="square" tIns="45700">
+                <a:bodyPr spcFirstLastPara="1" wrap="square" lIns="91425" tIns="45700" rIns="91425" bIns="45700" anchor="ctr" anchorCtr="0">
                   <a:noAutofit/>
                 </a:bodyPr>
                 <a:lstStyle/>
                 <a:p>
-                  <a:pPr indent="0" lvl="0" marL="0" marR="0" rtl="0" algn="ctr">
+                  <a:pPr marL="0" marR="0" lvl="0" indent="0" algn="ctr" rtl="0">
                     <a:spcBef>
                       <a:spcPts val="0"/>
                     </a:spcBef>
@@ -1849,10 +1880,7 @@
                     </a:spcAft>
                     <a:buNone/>
                   </a:pPr>
-                  <a:r>
-                    <a:t/>
-                  </a:r>
-                  <a:endParaRPr b="0" i="0" sz="1800" u="none" cap="none" strike="noStrike">
+                  <a:endParaRPr sz="1800" b="0" i="0" u="none" strike="noStrike" cap="none">
                     <a:solidFill>
                       <a:schemeClr val="lt1"/>
                     </a:solidFill>
@@ -1887,12 +1915,12 @@
               </a:ln>
             </p:spPr>
             <p:txBody>
-              <a:bodyPr anchorCtr="0" anchor="ctr" bIns="45700" lIns="91425" spcFirstLastPara="1" rIns="91425" wrap="square" tIns="45700">
+              <a:bodyPr spcFirstLastPara="1" wrap="square" lIns="91425" tIns="45700" rIns="91425" bIns="45700" anchor="ctr" anchorCtr="0">
                 <a:noAutofit/>
               </a:bodyPr>
               <a:lstStyle/>
               <a:p>
-                <a:pPr indent="0" lvl="0" marL="0" marR="0" rtl="0" algn="ctr">
+                <a:pPr marL="0" marR="0" lvl="0" indent="0" algn="ctr" rtl="0">
                   <a:spcBef>
                     <a:spcPts val="0"/>
                   </a:spcBef>
@@ -1901,10 +1929,7 @@
                   </a:spcAft>
                   <a:buNone/>
                 </a:pPr>
-                <a:r>
-                  <a:t/>
-                </a:r>
-                <a:endParaRPr b="0" i="0" sz="1800" u="none" cap="none" strike="noStrike">
+                <a:endParaRPr sz="1800" b="0" i="0" u="none" strike="noStrike" cap="none">
                   <a:solidFill>
                     <a:schemeClr val="lt1"/>
                   </a:solidFill>
@@ -1921,9 +1946,11 @@
       <p:sp>
         <p:nvSpPr>
           <p:cNvPr id="25" name="Google Shape;25;p6"/>
-          <p:cNvSpPr txBox="1"/>
+          <p:cNvSpPr txBox="1">
+            <a:spLocks noGrp="1"/>
+          </p:cNvSpPr>
           <p:nvPr>
-            <p:ph idx="3" type="body"/>
+            <p:ph type="body" idx="3"/>
           </p:nvPr>
         </p:nvSpPr>
         <p:spPr>
@@ -1940,11 +1967,11 @@
           </a:ln>
         </p:spPr>
         <p:txBody>
-          <a:bodyPr anchorCtr="0" anchor="ctr" bIns="45700" lIns="0" spcFirstLastPara="1" rIns="91425" wrap="square" tIns="45700">
+          <a:bodyPr spcFirstLastPara="1" wrap="square" lIns="0" tIns="45700" rIns="91425" bIns="45700" anchor="ctr" anchorCtr="0">
             <a:noAutofit/>
           </a:bodyPr>
           <a:lstStyle>
-            <a:lvl1pPr indent="-228600" lvl="0" marL="457200" algn="l">
+            <a:lvl1pPr marL="457200" lvl="0" indent="-228600" algn="l">
               <a:lnSpc>
                 <a:spcPct val="90000"/>
               </a:lnSpc>
@@ -1959,7 +1986,7 @@
               </a:buClr>
               <a:buSzPts val="2000"/>
               <a:buNone/>
-              <a:defRPr b="1" sz="2000">
+              <a:defRPr sz="2000" b="1">
                 <a:solidFill>
                   <a:srgbClr val="7F7F7F"/>
                 </a:solidFill>
@@ -1969,7 +1996,7 @@
                 <a:sym typeface="Malgun Gothic"/>
               </a:defRPr>
             </a:lvl1pPr>
-            <a:lvl2pPr indent="-342900" lvl="1" marL="914400" algn="l">
+            <a:lvl2pPr marL="914400" lvl="1" indent="-342900" algn="l">
               <a:lnSpc>
                 <a:spcPct val="90000"/>
               </a:lnSpc>
@@ -1986,7 +2013,7 @@
               <a:buChar char="•"/>
               <a:defRPr/>
             </a:lvl2pPr>
-            <a:lvl3pPr indent="-342900" lvl="2" marL="1371600" algn="l">
+            <a:lvl3pPr marL="1371600" lvl="2" indent="-342900" algn="l">
               <a:lnSpc>
                 <a:spcPct val="90000"/>
               </a:lnSpc>
@@ -2003,7 +2030,7 @@
               <a:buChar char="•"/>
               <a:defRPr/>
             </a:lvl3pPr>
-            <a:lvl4pPr indent="-342900" lvl="3" marL="1828800" algn="l">
+            <a:lvl4pPr marL="1828800" lvl="3" indent="-342900" algn="l">
               <a:lnSpc>
                 <a:spcPct val="90000"/>
               </a:lnSpc>
@@ -2020,7 +2047,7 @@
               <a:buChar char="•"/>
               <a:defRPr/>
             </a:lvl4pPr>
-            <a:lvl5pPr indent="-342900" lvl="4" marL="2286000" algn="l">
+            <a:lvl5pPr marL="2286000" lvl="4" indent="-342900" algn="l">
               <a:lnSpc>
                 <a:spcPct val="90000"/>
               </a:lnSpc>
@@ -2037,7 +2064,7 @@
               <a:buChar char="•"/>
               <a:defRPr/>
             </a:lvl5pPr>
-            <a:lvl6pPr indent="-342900" lvl="5" marL="2743200" algn="l">
+            <a:lvl6pPr marL="2743200" lvl="5" indent="-342900" algn="l">
               <a:lnSpc>
                 <a:spcPct val="90000"/>
               </a:lnSpc>
@@ -2054,7 +2081,7 @@
               <a:buChar char="•"/>
               <a:defRPr/>
             </a:lvl6pPr>
-            <a:lvl7pPr indent="-342900" lvl="6" marL="3200400" algn="l">
+            <a:lvl7pPr marL="3200400" lvl="6" indent="-342900" algn="l">
               <a:lnSpc>
                 <a:spcPct val="90000"/>
               </a:lnSpc>
@@ -2071,7 +2098,7 @@
               <a:buChar char="•"/>
               <a:defRPr/>
             </a:lvl7pPr>
-            <a:lvl8pPr indent="-342900" lvl="7" marL="3657600" algn="l">
+            <a:lvl8pPr marL="3657600" lvl="7" indent="-342900" algn="l">
               <a:lnSpc>
                 <a:spcPct val="90000"/>
               </a:lnSpc>
@@ -2088,7 +2115,7 @@
               <a:buChar char="•"/>
               <a:defRPr/>
             </a:lvl8pPr>
-            <a:lvl9pPr indent="-342900" lvl="8" marL="4114800" algn="l">
+            <a:lvl9pPr marL="4114800" lvl="8" indent="-342900" algn="l">
               <a:lnSpc>
                 <a:spcPct val="90000"/>
               </a:lnSpc>
@@ -2106,15 +2133,19 @@
               <a:defRPr/>
             </a:lvl9pPr>
           </a:lstStyle>
-          <a:p/>
+          <a:p>
+            <a:endParaRPr/>
+          </a:p>
         </p:txBody>
       </p:sp>
       <p:sp>
         <p:nvSpPr>
           <p:cNvPr id="26" name="Google Shape;26;p6"/>
-          <p:cNvSpPr txBox="1"/>
+          <p:cNvSpPr txBox="1">
+            <a:spLocks noGrp="1"/>
+          </p:cNvSpPr>
           <p:nvPr>
-            <p:ph idx="4" type="body"/>
+            <p:ph type="body" idx="4"/>
           </p:nvPr>
         </p:nvSpPr>
         <p:spPr>
@@ -2131,11 +2162,11 @@
           </a:ln>
         </p:spPr>
         <p:txBody>
-          <a:bodyPr anchorCtr="0" anchor="t" bIns="45700" lIns="0" spcFirstLastPara="1" rIns="91425" wrap="square" tIns="45700">
+          <a:bodyPr spcFirstLastPara="1" wrap="square" lIns="0" tIns="45700" rIns="91425" bIns="45700" anchor="t" anchorCtr="0">
             <a:normAutofit/>
           </a:bodyPr>
           <a:lstStyle>
-            <a:lvl1pPr indent="-228600" lvl="0" marL="457200" algn="r">
+            <a:lvl1pPr marL="457200" lvl="0" indent="-228600" algn="r">
               <a:lnSpc>
                 <a:spcPct val="90000"/>
               </a:lnSpc>
@@ -2150,7 +2181,7 @@
               </a:buClr>
               <a:buSzPts val="1600"/>
               <a:buNone/>
-              <a:defRPr b="0" sz="1600">
+              <a:defRPr sz="1600" b="0">
                 <a:solidFill>
                   <a:srgbClr val="262626"/>
                 </a:solidFill>
@@ -2160,7 +2191,7 @@
                 <a:sym typeface="Malgun Gothic"/>
               </a:defRPr>
             </a:lvl1pPr>
-            <a:lvl2pPr indent="-381000" lvl="1" marL="914400" algn="l">
+            <a:lvl2pPr marL="914400" lvl="1" indent="-381000" algn="l">
               <a:lnSpc>
                 <a:spcPct val="90000"/>
               </a:lnSpc>
@@ -2181,7 +2212,7 @@
                 </a:solidFill>
               </a:defRPr>
             </a:lvl2pPr>
-            <a:lvl3pPr indent="-355600" lvl="2" marL="1371600" algn="l">
+            <a:lvl3pPr marL="1371600" lvl="2" indent="-355600" algn="l">
               <a:lnSpc>
                 <a:spcPct val="90000"/>
               </a:lnSpc>
@@ -2202,7 +2233,7 @@
                 </a:solidFill>
               </a:defRPr>
             </a:lvl3pPr>
-            <a:lvl4pPr indent="-342900" lvl="3" marL="1828800" algn="l">
+            <a:lvl4pPr marL="1828800" lvl="3" indent="-342900" algn="l">
               <a:lnSpc>
                 <a:spcPct val="90000"/>
               </a:lnSpc>
@@ -2223,7 +2254,7 @@
                 </a:solidFill>
               </a:defRPr>
             </a:lvl4pPr>
-            <a:lvl5pPr indent="-342900" lvl="4" marL="2286000" algn="l">
+            <a:lvl5pPr marL="2286000" lvl="4" indent="-342900" algn="l">
               <a:lnSpc>
                 <a:spcPct val="90000"/>
               </a:lnSpc>
@@ -2244,7 +2275,7 @@
                 </a:solidFill>
               </a:defRPr>
             </a:lvl5pPr>
-            <a:lvl6pPr indent="-342900" lvl="5" marL="2743200" algn="l">
+            <a:lvl6pPr marL="2743200" lvl="5" indent="-342900" algn="l">
               <a:lnSpc>
                 <a:spcPct val="90000"/>
               </a:lnSpc>
@@ -2261,7 +2292,7 @@
               <a:buChar char="•"/>
               <a:defRPr/>
             </a:lvl6pPr>
-            <a:lvl7pPr indent="-342900" lvl="6" marL="3200400" algn="l">
+            <a:lvl7pPr marL="3200400" lvl="6" indent="-342900" algn="l">
               <a:lnSpc>
                 <a:spcPct val="90000"/>
               </a:lnSpc>
@@ -2278,7 +2309,7 @@
               <a:buChar char="•"/>
               <a:defRPr/>
             </a:lvl7pPr>
-            <a:lvl8pPr indent="-342900" lvl="7" marL="3657600" algn="l">
+            <a:lvl8pPr marL="3657600" lvl="7" indent="-342900" algn="l">
               <a:lnSpc>
                 <a:spcPct val="90000"/>
               </a:lnSpc>
@@ -2295,7 +2326,7 @@
               <a:buChar char="•"/>
               <a:defRPr/>
             </a:lvl8pPr>
-            <a:lvl9pPr indent="-342900" lvl="8" marL="4114800" algn="l">
+            <a:lvl9pPr marL="4114800" lvl="8" indent="-342900" algn="l">
               <a:lnSpc>
                 <a:spcPct val="90000"/>
               </a:lnSpc>
@@ -2313,7 +2344,9 @@
               <a:defRPr/>
             </a:lvl9pPr>
           </a:lstStyle>
-          <a:p/>
+          <a:p>
+            <a:endParaRPr/>
+          </a:p>
         </p:txBody>
       </p:sp>
     </p:spTree>
@@ -2325,11 +2358,11 @@
 </file>
 
 <file path=ppt/slideLayouts/slideLayout2.xml><?xml version="1.0" encoding="utf-8"?>
-<p:sldLayout xmlns:a="http://schemas.openxmlformats.org/drawingml/2006/main" xmlns:r="http://schemas.openxmlformats.org/officeDocument/2006/relationships" xmlns:mc="http://schemas.openxmlformats.org/markup-compatibility/2006" xmlns:mv="urn:schemas-microsoft-com:mac:vml" xmlns:p="http://schemas.openxmlformats.org/presentationml/2006/main" xmlns:c="http://schemas.openxmlformats.org/drawingml/2006/chart" xmlns:dgm="http://schemas.openxmlformats.org/drawingml/2006/diagram" xmlns:o="urn:schemas-microsoft-com:office:office" xmlns:v="urn:schemas-microsoft-com:vml" xmlns:pvml="urn:schemas-microsoft-com:office:powerpoint" xmlns:com="http://schemas.openxmlformats.org/drawingml/2006/compatibility" xmlns:p14="http://schemas.microsoft.com/office/powerpoint/2010/main" xmlns:p15="http://schemas.microsoft.com/office/powerpoint/2012/main" xmlns:ahyp="http://schemas.microsoft.com/office/drawing/2018/hyperlinkcolor" matchingName="1_제목 슬라이드">
+<p:sldLayout xmlns:a="http://schemas.openxmlformats.org/drawingml/2006/main" xmlns:r="http://schemas.openxmlformats.org/officeDocument/2006/relationships" xmlns:p="http://schemas.openxmlformats.org/presentationml/2006/main" matchingName="1_제목 슬라이드">
   <p:cSld name="1_제목 슬라이드">
     <p:spTree>
       <p:nvGrpSpPr>
-        <p:cNvPr id="27" name="Shape 27"/>
+        <p:cNvPr id="1" name="Shape 27"/>
         <p:cNvGrpSpPr/>
         <p:nvPr/>
       </p:nvGrpSpPr>
@@ -2344,9 +2377,11 @@
       <p:sp>
         <p:nvSpPr>
           <p:cNvPr id="28" name="Google Shape;28;p7"/>
-          <p:cNvSpPr txBox="1"/>
+          <p:cNvSpPr txBox="1">
+            <a:spLocks noGrp="1"/>
+          </p:cNvSpPr>
           <p:nvPr>
-            <p:ph idx="1" type="body"/>
+            <p:ph type="body" idx="1"/>
           </p:nvPr>
         </p:nvSpPr>
         <p:spPr>
@@ -2363,11 +2398,11 @@
           </a:ln>
         </p:spPr>
         <p:txBody>
-          <a:bodyPr anchorCtr="0" anchor="ctr" bIns="45700" lIns="0" spcFirstLastPara="1" rIns="91425" wrap="square" tIns="45700">
+          <a:bodyPr spcFirstLastPara="1" wrap="square" lIns="0" tIns="45700" rIns="91425" bIns="45700" anchor="ctr" anchorCtr="0">
             <a:noAutofit/>
           </a:bodyPr>
           <a:lstStyle>
-            <a:lvl1pPr indent="-228600" lvl="0" marL="457200" algn="ctr">
+            <a:lvl1pPr marL="457200" lvl="0" indent="-228600" algn="ctr">
               <a:lnSpc>
                 <a:spcPct val="90000"/>
               </a:lnSpc>
@@ -2382,7 +2417,7 @@
               </a:buClr>
               <a:buSzPts val="3200"/>
               <a:buNone/>
-              <a:defRPr b="1" sz="3200">
+              <a:defRPr sz="3200" b="1">
                 <a:solidFill>
                   <a:schemeClr val="dk1"/>
                 </a:solidFill>
@@ -2392,7 +2427,7 @@
                 <a:sym typeface="Malgun Gothic"/>
               </a:defRPr>
             </a:lvl1pPr>
-            <a:lvl2pPr indent="-342900" lvl="1" marL="914400" algn="l">
+            <a:lvl2pPr marL="914400" lvl="1" indent="-342900" algn="l">
               <a:lnSpc>
                 <a:spcPct val="90000"/>
               </a:lnSpc>
@@ -2409,7 +2444,7 @@
               <a:buChar char="•"/>
               <a:defRPr/>
             </a:lvl2pPr>
-            <a:lvl3pPr indent="-342900" lvl="2" marL="1371600" algn="l">
+            <a:lvl3pPr marL="1371600" lvl="2" indent="-342900" algn="l">
               <a:lnSpc>
                 <a:spcPct val="90000"/>
               </a:lnSpc>
@@ -2426,7 +2461,7 @@
               <a:buChar char="•"/>
               <a:defRPr/>
             </a:lvl3pPr>
-            <a:lvl4pPr indent="-342900" lvl="3" marL="1828800" algn="l">
+            <a:lvl4pPr marL="1828800" lvl="3" indent="-342900" algn="l">
               <a:lnSpc>
                 <a:spcPct val="90000"/>
               </a:lnSpc>
@@ -2443,7 +2478,7 @@
               <a:buChar char="•"/>
               <a:defRPr/>
             </a:lvl4pPr>
-            <a:lvl5pPr indent="-342900" lvl="4" marL="2286000" algn="l">
+            <a:lvl5pPr marL="2286000" lvl="4" indent="-342900" algn="l">
               <a:lnSpc>
                 <a:spcPct val="90000"/>
               </a:lnSpc>
@@ -2460,7 +2495,7 @@
               <a:buChar char="•"/>
               <a:defRPr/>
             </a:lvl5pPr>
-            <a:lvl6pPr indent="-342900" lvl="5" marL="2743200" algn="l">
+            <a:lvl6pPr marL="2743200" lvl="5" indent="-342900" algn="l">
               <a:lnSpc>
                 <a:spcPct val="90000"/>
               </a:lnSpc>
@@ -2477,7 +2512,7 @@
               <a:buChar char="•"/>
               <a:defRPr/>
             </a:lvl6pPr>
-            <a:lvl7pPr indent="-342900" lvl="6" marL="3200400" algn="l">
+            <a:lvl7pPr marL="3200400" lvl="6" indent="-342900" algn="l">
               <a:lnSpc>
                 <a:spcPct val="90000"/>
               </a:lnSpc>
@@ -2494,7 +2529,7 @@
               <a:buChar char="•"/>
               <a:defRPr/>
             </a:lvl7pPr>
-            <a:lvl8pPr indent="-342900" lvl="7" marL="3657600" algn="l">
+            <a:lvl8pPr marL="3657600" lvl="7" indent="-342900" algn="l">
               <a:lnSpc>
                 <a:spcPct val="90000"/>
               </a:lnSpc>
@@ -2511,7 +2546,7 @@
               <a:buChar char="•"/>
               <a:defRPr/>
             </a:lvl8pPr>
-            <a:lvl9pPr indent="-342900" lvl="8" marL="4114800" algn="l">
+            <a:lvl9pPr marL="4114800" lvl="8" indent="-342900" algn="l">
               <a:lnSpc>
                 <a:spcPct val="90000"/>
               </a:lnSpc>
@@ -2529,7 +2564,9 @@
               <a:defRPr/>
             </a:lvl9pPr>
           </a:lstStyle>
-          <a:p/>
+          <a:p>
+            <a:endParaRPr/>
+          </a:p>
         </p:txBody>
       </p:sp>
       <p:grpSp>
@@ -2568,12 +2605,12 @@
             </a:ln>
           </p:spPr>
           <p:txBody>
-            <a:bodyPr anchorCtr="0" anchor="ctr" bIns="45700" lIns="91425" spcFirstLastPara="1" rIns="91425" wrap="square" tIns="45700">
+            <a:bodyPr spcFirstLastPara="1" wrap="square" lIns="91425" tIns="45700" rIns="91425" bIns="45700" anchor="ctr" anchorCtr="0">
               <a:noAutofit/>
             </a:bodyPr>
             <a:lstStyle/>
             <a:p>
-              <a:pPr indent="0" lvl="0" marL="0" marR="0" rtl="0" algn="ctr">
+              <a:pPr marL="0" marR="0" lvl="0" indent="0" algn="ctr" rtl="0">
                 <a:spcBef>
                   <a:spcPts val="0"/>
                 </a:spcBef>
@@ -2582,10 +2619,7 @@
                 </a:spcAft>
                 <a:buNone/>
               </a:pPr>
-              <a:r>
-                <a:t/>
-              </a:r>
-              <a:endParaRPr b="0" i="0" sz="1800" u="none" cap="none" strike="noStrike">
+              <a:endParaRPr sz="1800" b="0" i="0" u="none" strike="noStrike" cap="none">
                 <a:solidFill>
                   <a:schemeClr val="lt1"/>
                 </a:solidFill>
@@ -2647,12 +2681,12 @@
                 </a:ln>
               </p:spPr>
               <p:txBody>
-                <a:bodyPr anchorCtr="0" anchor="ctr" bIns="45700" lIns="91425" spcFirstLastPara="1" rIns="91425" wrap="square" tIns="45700">
+                <a:bodyPr spcFirstLastPara="1" wrap="square" lIns="91425" tIns="45700" rIns="91425" bIns="45700" anchor="ctr" anchorCtr="0">
                   <a:noAutofit/>
                 </a:bodyPr>
                 <a:lstStyle/>
                 <a:p>
-                  <a:pPr indent="0" lvl="0" marL="0" marR="0" rtl="0" algn="ctr">
+                  <a:pPr marL="0" marR="0" lvl="0" indent="0" algn="ctr" rtl="0">
                     <a:spcBef>
                       <a:spcPts val="0"/>
                     </a:spcBef>
@@ -2661,10 +2695,7 @@
                     </a:spcAft>
                     <a:buNone/>
                   </a:pPr>
-                  <a:r>
-                    <a:t/>
-                  </a:r>
-                  <a:endParaRPr b="0" i="0" sz="1800" u="none" cap="none" strike="noStrike">
+                  <a:endParaRPr sz="1800" b="0" i="0" u="none" strike="noStrike" cap="none">
                     <a:solidFill>
                       <a:schemeClr val="lt1"/>
                     </a:solidFill>
@@ -2698,12 +2729,12 @@
                 </a:ln>
               </p:spPr>
               <p:txBody>
-                <a:bodyPr anchorCtr="0" anchor="ctr" bIns="45700" lIns="91425" spcFirstLastPara="1" rIns="91425" wrap="square" tIns="45700">
+                <a:bodyPr spcFirstLastPara="1" wrap="square" lIns="91425" tIns="45700" rIns="91425" bIns="45700" anchor="ctr" anchorCtr="0">
                   <a:noAutofit/>
                 </a:bodyPr>
                 <a:lstStyle/>
                 <a:p>
-                  <a:pPr indent="0" lvl="0" marL="0" marR="0" rtl="0" algn="ctr">
+                  <a:pPr marL="0" marR="0" lvl="0" indent="0" algn="ctr" rtl="0">
                     <a:spcBef>
                       <a:spcPts val="0"/>
                     </a:spcBef>
@@ -2712,10 +2743,7 @@
                     </a:spcAft>
                     <a:buNone/>
                   </a:pPr>
-                  <a:r>
-                    <a:t/>
-                  </a:r>
-                  <a:endParaRPr b="0" i="0" sz="1800" u="none" cap="none" strike="noStrike">
+                  <a:endParaRPr sz="1800" b="0" i="0" u="none" strike="noStrike" cap="none">
                     <a:solidFill>
                       <a:schemeClr val="lt1"/>
                     </a:solidFill>
@@ -2750,12 +2778,12 @@
               </a:ln>
             </p:spPr>
             <p:txBody>
-              <a:bodyPr anchorCtr="0" anchor="ctr" bIns="45700" lIns="91425" spcFirstLastPara="1" rIns="91425" wrap="square" tIns="45700">
+              <a:bodyPr spcFirstLastPara="1" wrap="square" lIns="91425" tIns="45700" rIns="91425" bIns="45700" anchor="ctr" anchorCtr="0">
                 <a:noAutofit/>
               </a:bodyPr>
               <a:lstStyle/>
               <a:p>
-                <a:pPr indent="0" lvl="0" marL="0" marR="0" rtl="0" algn="ctr">
+                <a:pPr marL="0" marR="0" lvl="0" indent="0" algn="ctr" rtl="0">
                   <a:spcBef>
                     <a:spcPts val="0"/>
                   </a:spcBef>
@@ -2764,10 +2792,7 @@
                   </a:spcAft>
                   <a:buNone/>
                 </a:pPr>
-                <a:r>
-                  <a:t/>
-                </a:r>
-                <a:endParaRPr b="0" i="0" sz="1800" u="none" cap="none" strike="noStrike">
+                <a:endParaRPr sz="1800" b="0" i="0" u="none" strike="noStrike" cap="none">
                   <a:solidFill>
                     <a:schemeClr val="lt1"/>
                   </a:solidFill>
@@ -2790,11 +2815,11 @@
 </file>
 
 <file path=ppt/slideLayouts/slideLayout3.xml><?xml version="1.0" encoding="utf-8"?>
-<p:sldLayout xmlns:a="http://schemas.openxmlformats.org/drawingml/2006/main" xmlns:r="http://schemas.openxmlformats.org/officeDocument/2006/relationships" xmlns:mc="http://schemas.openxmlformats.org/markup-compatibility/2006" xmlns:mv="urn:schemas-microsoft-com:mac:vml" xmlns:p="http://schemas.openxmlformats.org/presentationml/2006/main" xmlns:c="http://schemas.openxmlformats.org/drawingml/2006/chart" xmlns:dgm="http://schemas.openxmlformats.org/drawingml/2006/diagram" xmlns:o="urn:schemas-microsoft-com:office:office" xmlns:v="urn:schemas-microsoft-com:vml" xmlns:pvml="urn:schemas-microsoft-com:office:powerpoint" xmlns:com="http://schemas.openxmlformats.org/drawingml/2006/compatibility" xmlns:p14="http://schemas.microsoft.com/office/powerpoint/2010/main" xmlns:p15="http://schemas.microsoft.com/office/powerpoint/2012/main" xmlns:ahyp="http://schemas.microsoft.com/office/drawing/2018/hyperlinkcolor" matchingName="2_제목 슬라이드">
+<p:sldLayout xmlns:a="http://schemas.openxmlformats.org/drawingml/2006/main" xmlns:r="http://schemas.openxmlformats.org/officeDocument/2006/relationships" xmlns:p="http://schemas.openxmlformats.org/presentationml/2006/main" matchingName="2_제목 슬라이드">
   <p:cSld name="2_제목 슬라이드">
     <p:spTree>
       <p:nvGrpSpPr>
-        <p:cNvPr id="36" name="Shape 36"/>
+        <p:cNvPr id="1" name="Shape 36"/>
         <p:cNvGrpSpPr/>
         <p:nvPr/>
       </p:nvGrpSpPr>
@@ -2809,7 +2834,9 @@
       <p:sp>
         <p:nvSpPr>
           <p:cNvPr id="37" name="Google Shape;37;p8"/>
-          <p:cNvSpPr txBox="1"/>
+          <p:cNvSpPr txBox="1">
+            <a:spLocks noGrp="1"/>
+          </p:cNvSpPr>
           <p:nvPr>
             <p:ph type="title"/>
           </p:nvPr>
@@ -2828,7 +2855,7 @@
           </a:ln>
         </p:spPr>
         <p:txBody>
-          <a:bodyPr anchorCtr="0" anchor="ctr" bIns="45700" lIns="91425" spcFirstLastPara="1" rIns="91425" wrap="square" tIns="45700">
+          <a:bodyPr spcFirstLastPara="1" wrap="square" lIns="91425" tIns="45700" rIns="91425" bIns="45700" anchor="ctr" anchorCtr="0">
             <a:normAutofit/>
           </a:bodyPr>
           <a:lstStyle>
@@ -2938,7 +2965,9 @@
               <a:defRPr/>
             </a:lvl9pPr>
           </a:lstStyle>
-          <a:p/>
+          <a:p>
+            <a:endParaRPr/>
+          </a:p>
         </p:txBody>
       </p:sp>
       <p:sp>
@@ -2963,12 +2992,12 @@
           </a:ln>
         </p:spPr>
         <p:txBody>
-          <a:bodyPr anchorCtr="0" anchor="ctr" bIns="45700" lIns="91425" spcFirstLastPara="1" rIns="91425" wrap="square" tIns="45700">
+          <a:bodyPr spcFirstLastPara="1" wrap="square" lIns="91425" tIns="45700" rIns="91425" bIns="45700" anchor="ctr" anchorCtr="0">
             <a:noAutofit/>
           </a:bodyPr>
           <a:lstStyle/>
           <a:p>
-            <a:pPr indent="0" lvl="0" marL="0" marR="0" rtl="0" algn="ctr">
+            <a:pPr marL="0" marR="0" lvl="0" indent="0" algn="ctr" rtl="0">
               <a:spcBef>
                 <a:spcPts val="0"/>
               </a:spcBef>
@@ -2977,10 +3006,7 @@
               </a:spcAft>
               <a:buNone/>
             </a:pPr>
-            <a:r>
-              <a:t/>
-            </a:r>
-            <a:endParaRPr b="0" i="0" sz="1800" u="none" cap="none" strike="noStrike">
+            <a:endParaRPr sz="1800" b="0" i="0" u="none" strike="noStrike" cap="none">
               <a:solidFill>
                 <a:schemeClr val="lt1"/>
               </a:solidFill>
@@ -2995,9 +3021,11 @@
       <p:sp>
         <p:nvSpPr>
           <p:cNvPr id="39" name="Google Shape;39;p8"/>
-          <p:cNvSpPr txBox="1"/>
+          <p:cNvSpPr txBox="1">
+            <a:spLocks noGrp="1"/>
+          </p:cNvSpPr>
           <p:nvPr>
-            <p:ph idx="1" type="body"/>
+            <p:ph type="body" idx="1"/>
           </p:nvPr>
         </p:nvSpPr>
         <p:spPr>
@@ -3014,11 +3042,11 @@
           </a:ln>
         </p:spPr>
         <p:txBody>
-          <a:bodyPr anchorCtr="0" anchor="t" bIns="45700" lIns="91425" spcFirstLastPara="1" rIns="91425" wrap="square" tIns="45700">
+          <a:bodyPr spcFirstLastPara="1" wrap="square" lIns="91425" tIns="45700" rIns="91425" bIns="45700" anchor="t" anchorCtr="0">
             <a:normAutofit/>
           </a:bodyPr>
           <a:lstStyle>
-            <a:lvl1pPr indent="-342900" lvl="0" marL="457200" algn="l">
+            <a:lvl1pPr marL="457200" lvl="0" indent="-342900" algn="l">
               <a:lnSpc>
                 <a:spcPct val="90000"/>
               </a:lnSpc>
@@ -3035,7 +3063,7 @@
               <a:buChar char="•"/>
               <a:defRPr/>
             </a:lvl1pPr>
-            <a:lvl2pPr indent="-342900" lvl="1" marL="914400" algn="l">
+            <a:lvl2pPr marL="914400" lvl="1" indent="-342900" algn="l">
               <a:lnSpc>
                 <a:spcPct val="90000"/>
               </a:lnSpc>
@@ -3052,7 +3080,7 @@
               <a:buChar char="•"/>
               <a:defRPr/>
             </a:lvl2pPr>
-            <a:lvl3pPr indent="-342900" lvl="2" marL="1371600" algn="l">
+            <a:lvl3pPr marL="1371600" lvl="2" indent="-342900" algn="l">
               <a:lnSpc>
                 <a:spcPct val="90000"/>
               </a:lnSpc>
@@ -3069,7 +3097,7 @@
               <a:buChar char="•"/>
               <a:defRPr/>
             </a:lvl3pPr>
-            <a:lvl4pPr indent="-342900" lvl="3" marL="1828800" algn="l">
+            <a:lvl4pPr marL="1828800" lvl="3" indent="-342900" algn="l">
               <a:lnSpc>
                 <a:spcPct val="90000"/>
               </a:lnSpc>
@@ -3086,7 +3114,7 @@
               <a:buChar char="•"/>
               <a:defRPr/>
             </a:lvl4pPr>
-            <a:lvl5pPr indent="-342900" lvl="4" marL="2286000" algn="l">
+            <a:lvl5pPr marL="2286000" lvl="4" indent="-342900" algn="l">
               <a:lnSpc>
                 <a:spcPct val="90000"/>
               </a:lnSpc>
@@ -3103,7 +3131,7 @@
               <a:buChar char="•"/>
               <a:defRPr/>
             </a:lvl5pPr>
-            <a:lvl6pPr indent="-342900" lvl="5" marL="2743200" algn="l">
+            <a:lvl6pPr marL="2743200" lvl="5" indent="-342900" algn="l">
               <a:lnSpc>
                 <a:spcPct val="90000"/>
               </a:lnSpc>
@@ -3120,7 +3148,7 @@
               <a:buChar char="•"/>
               <a:defRPr/>
             </a:lvl6pPr>
-            <a:lvl7pPr indent="-342900" lvl="6" marL="3200400" algn="l">
+            <a:lvl7pPr marL="3200400" lvl="6" indent="-342900" algn="l">
               <a:lnSpc>
                 <a:spcPct val="90000"/>
               </a:lnSpc>
@@ -3137,7 +3165,7 @@
               <a:buChar char="•"/>
               <a:defRPr/>
             </a:lvl7pPr>
-            <a:lvl8pPr indent="-342900" lvl="7" marL="3657600" algn="l">
+            <a:lvl8pPr marL="3657600" lvl="7" indent="-342900" algn="l">
               <a:lnSpc>
                 <a:spcPct val="90000"/>
               </a:lnSpc>
@@ -3154,7 +3182,7 @@
               <a:buChar char="•"/>
               <a:defRPr/>
             </a:lvl8pPr>
-            <a:lvl9pPr indent="-342900" lvl="8" marL="4114800" algn="l">
+            <a:lvl9pPr marL="4114800" lvl="8" indent="-342900" algn="l">
               <a:lnSpc>
                 <a:spcPct val="90000"/>
               </a:lnSpc>
@@ -3172,7 +3200,9 @@
               <a:defRPr/>
             </a:lvl9pPr>
           </a:lstStyle>
-          <a:p/>
+          <a:p>
+            <a:endParaRPr/>
+          </a:p>
         </p:txBody>
       </p:sp>
       <p:cxnSp>
@@ -3190,14 +3220,14 @@
             <a:avLst/>
           </a:prstGeom>
           <a:noFill/>
-          <a:ln cap="flat" cmpd="sng" w="19050">
+          <a:ln w="19050" cap="flat" cmpd="sng">
             <a:solidFill>
               <a:schemeClr val="accent1"/>
             </a:solidFill>
             <a:prstDash val="solid"/>
             <a:miter lim="800000"/>
-            <a:headEnd len="sm" w="sm" type="none"/>
-            <a:tailEnd len="sm" w="sm" type="none"/>
+            <a:headEnd type="none" w="sm" len="sm"/>
+            <a:tailEnd type="none" w="sm" len="sm"/>
           </a:ln>
         </p:spPr>
       </p:cxnSp>
@@ -3210,11 +3240,11 @@
 </file>
 
 <file path=ppt/slideLayouts/slideLayout4.xml><?xml version="1.0" encoding="utf-8"?>
-<p:sldLayout xmlns:a="http://schemas.openxmlformats.org/drawingml/2006/main" xmlns:r="http://schemas.openxmlformats.org/officeDocument/2006/relationships" xmlns:mc="http://schemas.openxmlformats.org/markup-compatibility/2006" xmlns:mv="urn:schemas-microsoft-com:mac:vml" xmlns:p="http://schemas.openxmlformats.org/presentationml/2006/main" xmlns:c="http://schemas.openxmlformats.org/drawingml/2006/chart" xmlns:dgm="http://schemas.openxmlformats.org/drawingml/2006/diagram" xmlns:o="urn:schemas-microsoft-com:office:office" xmlns:v="urn:schemas-microsoft-com:vml" xmlns:pvml="urn:schemas-microsoft-com:office:powerpoint" xmlns:com="http://schemas.openxmlformats.org/drawingml/2006/compatibility" xmlns:p14="http://schemas.microsoft.com/office/powerpoint/2010/main" xmlns:p15="http://schemas.microsoft.com/office/powerpoint/2012/main" xmlns:ahyp="http://schemas.microsoft.com/office/drawing/2018/hyperlinkcolor" matchingName="1_사용자 지정 레이아웃">
+<p:sldLayout xmlns:a="http://schemas.openxmlformats.org/drawingml/2006/main" xmlns:r="http://schemas.openxmlformats.org/officeDocument/2006/relationships" xmlns:p="http://schemas.openxmlformats.org/presentationml/2006/main" matchingName="1_사용자 지정 레이아웃">
   <p:cSld name="1_사용자 지정 레이아웃">
     <p:spTree>
       <p:nvGrpSpPr>
-        <p:cNvPr id="41" name="Shape 41"/>
+        <p:cNvPr id="1" name="Shape 41"/>
         <p:cNvGrpSpPr/>
         <p:nvPr/>
       </p:nvGrpSpPr>
@@ -3235,18 +3265,19 @@
 </file>
 
 <file path=ppt/slideMasters/slideMaster1.xml><?xml version="1.0" encoding="utf-8"?>
-<p:sldMaster xmlns:a="http://schemas.openxmlformats.org/drawingml/2006/main" xmlns:r="http://schemas.openxmlformats.org/officeDocument/2006/relationships" xmlns:mc="http://schemas.openxmlformats.org/markup-compatibility/2006" xmlns:mv="urn:schemas-microsoft-com:mac:vml" xmlns:p="http://schemas.openxmlformats.org/presentationml/2006/main" xmlns:c="http://schemas.openxmlformats.org/drawingml/2006/chart" xmlns:dgm="http://schemas.openxmlformats.org/drawingml/2006/diagram" xmlns:o="urn:schemas-microsoft-com:office:office" xmlns:v="urn:schemas-microsoft-com:vml" xmlns:pvml="urn:schemas-microsoft-com:office:powerpoint" xmlns:com="http://schemas.openxmlformats.org/drawingml/2006/compatibility" xmlns:p14="http://schemas.microsoft.com/office/powerpoint/2010/main" xmlns:p15="http://schemas.microsoft.com/office/powerpoint/2012/main" xmlns:ahyp="http://schemas.microsoft.com/office/drawing/2018/hyperlinkcolor">
+<p:sldMaster xmlns:a="http://schemas.openxmlformats.org/drawingml/2006/main" xmlns:r="http://schemas.openxmlformats.org/officeDocument/2006/relationships" xmlns:p="http://schemas.openxmlformats.org/presentationml/2006/main">
   <p:cSld>
     <p:bg>
       <p:bgPr>
         <a:solidFill>
           <a:schemeClr val="lt1"/>
         </a:solidFill>
+        <a:effectLst/>
       </p:bgPr>
     </p:bg>
     <p:spTree>
       <p:nvGrpSpPr>
-        <p:cNvPr id="5" name="Shape 5"/>
+        <p:cNvPr id="1" name="Shape 5"/>
         <p:cNvGrpSpPr/>
         <p:nvPr/>
       </p:nvGrpSpPr>
@@ -3261,7 +3292,9 @@
       <p:sp>
         <p:nvSpPr>
           <p:cNvPr id="6" name="Google Shape;6;p5"/>
-          <p:cNvSpPr txBox="1"/>
+          <p:cNvSpPr txBox="1">
+            <a:spLocks noGrp="1"/>
+          </p:cNvSpPr>
           <p:nvPr>
             <p:ph type="title"/>
           </p:nvPr>
@@ -3280,11 +3313,11 @@
           </a:ln>
         </p:spPr>
         <p:txBody>
-          <a:bodyPr anchorCtr="0" anchor="ctr" bIns="45700" lIns="91425" spcFirstLastPara="1" rIns="91425" wrap="square" tIns="45700">
+          <a:bodyPr spcFirstLastPara="1" wrap="square" lIns="91425" tIns="45700" rIns="91425" bIns="45700" anchor="ctr" anchorCtr="0">
             <a:normAutofit/>
           </a:bodyPr>
           <a:lstStyle>
-            <a:lvl1pPr lvl="0" marR="0" rtl="0" algn="l">
+            <a:lvl1pPr marR="0" lvl="0" algn="l" rtl="0">
               <a:lnSpc>
                 <a:spcPct val="90000"/>
               </a:lnSpc>
@@ -3300,7 +3333,7 @@
               <a:buSzPts val="4400"/>
               <a:buFont typeface="Malgun Gothic"/>
               <a:buNone/>
-              <a:defRPr b="0" i="0" sz="4400" u="none" cap="none" strike="noStrike">
+              <a:defRPr sz="4400" b="0" i="0" u="none" strike="noStrike" cap="none">
                 <a:solidFill>
                   <a:schemeClr val="dk1"/>
                 </a:solidFill>
@@ -3399,15 +3432,19 @@
               <a:defRPr sz="1800"/>
             </a:lvl9pPr>
           </a:lstStyle>
-          <a:p/>
+          <a:p>
+            <a:endParaRPr/>
+          </a:p>
         </p:txBody>
       </p:sp>
       <p:sp>
         <p:nvSpPr>
           <p:cNvPr id="7" name="Google Shape;7;p5"/>
-          <p:cNvSpPr txBox="1"/>
+          <p:cNvSpPr txBox="1">
+            <a:spLocks noGrp="1"/>
+          </p:cNvSpPr>
           <p:nvPr>
-            <p:ph idx="1" type="body"/>
+            <p:ph type="body" idx="1"/>
           </p:nvPr>
         </p:nvSpPr>
         <p:spPr>
@@ -3424,11 +3461,11 @@
           </a:ln>
         </p:spPr>
         <p:txBody>
-          <a:bodyPr anchorCtr="0" anchor="t" bIns="45700" lIns="91425" spcFirstLastPara="1" rIns="91425" wrap="square" tIns="45700">
+          <a:bodyPr spcFirstLastPara="1" wrap="square" lIns="91425" tIns="45700" rIns="91425" bIns="45700" anchor="t" anchorCtr="0">
             <a:normAutofit/>
           </a:bodyPr>
           <a:lstStyle>
-            <a:lvl1pPr indent="-406400" lvl="0" marL="457200" marR="0" rtl="0" algn="l">
+            <a:lvl1pPr marL="457200" marR="0" lvl="0" indent="-406400" algn="l" rtl="0">
               <a:lnSpc>
                 <a:spcPct val="90000"/>
               </a:lnSpc>
@@ -3444,7 +3481,7 @@
               <a:buSzPts val="2800"/>
               <a:buFont typeface="Arial"/>
               <a:buChar char="•"/>
-              <a:defRPr b="0" i="0" sz="2800" u="none" cap="none" strike="noStrike">
+              <a:defRPr sz="2800" b="0" i="0" u="none" strike="noStrike" cap="none">
                 <a:solidFill>
                   <a:schemeClr val="dk1"/>
                 </a:solidFill>
@@ -3454,7 +3491,7 @@
                 <a:sym typeface="Malgun Gothic"/>
               </a:defRPr>
             </a:lvl1pPr>
-            <a:lvl2pPr indent="-381000" lvl="1" marL="914400" marR="0" rtl="0" algn="l">
+            <a:lvl2pPr marL="914400" marR="0" lvl="1" indent="-381000" algn="l" rtl="0">
               <a:lnSpc>
                 <a:spcPct val="90000"/>
               </a:lnSpc>
@@ -3470,7 +3507,7 @@
               <a:buSzPts val="2400"/>
               <a:buFont typeface="Arial"/>
               <a:buChar char="•"/>
-              <a:defRPr b="0" i="0" sz="2400" u="none" cap="none" strike="noStrike">
+              <a:defRPr sz="2400" b="0" i="0" u="none" strike="noStrike" cap="none">
                 <a:solidFill>
                   <a:schemeClr val="dk1"/>
                 </a:solidFill>
@@ -3480,7 +3517,7 @@
                 <a:sym typeface="Malgun Gothic"/>
               </a:defRPr>
             </a:lvl2pPr>
-            <a:lvl3pPr indent="-355600" lvl="2" marL="1371600" marR="0" rtl="0" algn="l">
+            <a:lvl3pPr marL="1371600" marR="0" lvl="2" indent="-355600" algn="l" rtl="0">
               <a:lnSpc>
                 <a:spcPct val="90000"/>
               </a:lnSpc>
@@ -3496,7 +3533,7 @@
               <a:buSzPts val="2000"/>
               <a:buFont typeface="Arial"/>
               <a:buChar char="•"/>
-              <a:defRPr b="0" i="0" sz="2000" u="none" cap="none" strike="noStrike">
+              <a:defRPr sz="2000" b="0" i="0" u="none" strike="noStrike" cap="none">
                 <a:solidFill>
                   <a:schemeClr val="dk1"/>
                 </a:solidFill>
@@ -3506,7 +3543,7 @@
                 <a:sym typeface="Malgun Gothic"/>
               </a:defRPr>
             </a:lvl3pPr>
-            <a:lvl4pPr indent="-342900" lvl="3" marL="1828800" marR="0" rtl="0" algn="l">
+            <a:lvl4pPr marL="1828800" marR="0" lvl="3" indent="-342900" algn="l" rtl="0">
               <a:lnSpc>
                 <a:spcPct val="90000"/>
               </a:lnSpc>
@@ -3522,7 +3559,7 @@
               <a:buSzPts val="1800"/>
               <a:buFont typeface="Arial"/>
               <a:buChar char="•"/>
-              <a:defRPr b="0" i="0" sz="1800" u="none" cap="none" strike="noStrike">
+              <a:defRPr sz="1800" b="0" i="0" u="none" strike="noStrike" cap="none">
                 <a:solidFill>
                   <a:schemeClr val="dk1"/>
                 </a:solidFill>
@@ -3532,7 +3569,7 @@
                 <a:sym typeface="Malgun Gothic"/>
               </a:defRPr>
             </a:lvl4pPr>
-            <a:lvl5pPr indent="-342900" lvl="4" marL="2286000" marR="0" rtl="0" algn="l">
+            <a:lvl5pPr marL="2286000" marR="0" lvl="4" indent="-342900" algn="l" rtl="0">
               <a:lnSpc>
                 <a:spcPct val="90000"/>
               </a:lnSpc>
@@ -3548,7 +3585,7 @@
               <a:buSzPts val="1800"/>
               <a:buFont typeface="Arial"/>
               <a:buChar char="•"/>
-              <a:defRPr b="0" i="0" sz="1800" u="none" cap="none" strike="noStrike">
+              <a:defRPr sz="1800" b="0" i="0" u="none" strike="noStrike" cap="none">
                 <a:solidFill>
                   <a:schemeClr val="dk1"/>
                 </a:solidFill>
@@ -3558,7 +3595,7 @@
                 <a:sym typeface="Malgun Gothic"/>
               </a:defRPr>
             </a:lvl5pPr>
-            <a:lvl6pPr indent="-342900" lvl="5" marL="2743200" marR="0" rtl="0" algn="l">
+            <a:lvl6pPr marL="2743200" marR="0" lvl="5" indent="-342900" algn="l" rtl="0">
               <a:lnSpc>
                 <a:spcPct val="90000"/>
               </a:lnSpc>
@@ -3574,7 +3611,7 @@
               <a:buSzPts val="1800"/>
               <a:buFont typeface="Arial"/>
               <a:buChar char="•"/>
-              <a:defRPr b="0" i="0" sz="1800" u="none" cap="none" strike="noStrike">
+              <a:defRPr sz="1800" b="0" i="0" u="none" strike="noStrike" cap="none">
                 <a:solidFill>
                   <a:schemeClr val="dk1"/>
                 </a:solidFill>
@@ -3584,7 +3621,7 @@
                 <a:sym typeface="Malgun Gothic"/>
               </a:defRPr>
             </a:lvl6pPr>
-            <a:lvl7pPr indent="-342900" lvl="6" marL="3200400" marR="0" rtl="0" algn="l">
+            <a:lvl7pPr marL="3200400" marR="0" lvl="6" indent="-342900" algn="l" rtl="0">
               <a:lnSpc>
                 <a:spcPct val="90000"/>
               </a:lnSpc>
@@ -3600,7 +3637,7 @@
               <a:buSzPts val="1800"/>
               <a:buFont typeface="Arial"/>
               <a:buChar char="•"/>
-              <a:defRPr b="0" i="0" sz="1800" u="none" cap="none" strike="noStrike">
+              <a:defRPr sz="1800" b="0" i="0" u="none" strike="noStrike" cap="none">
                 <a:solidFill>
                   <a:schemeClr val="dk1"/>
                 </a:solidFill>
@@ -3610,7 +3647,7 @@
                 <a:sym typeface="Malgun Gothic"/>
               </a:defRPr>
             </a:lvl7pPr>
-            <a:lvl8pPr indent="-342900" lvl="7" marL="3657600" marR="0" rtl="0" algn="l">
+            <a:lvl8pPr marL="3657600" marR="0" lvl="7" indent="-342900" algn="l" rtl="0">
               <a:lnSpc>
                 <a:spcPct val="90000"/>
               </a:lnSpc>
@@ -3626,7 +3663,7 @@
               <a:buSzPts val="1800"/>
               <a:buFont typeface="Arial"/>
               <a:buChar char="•"/>
-              <a:defRPr b="0" i="0" sz="1800" u="none" cap="none" strike="noStrike">
+              <a:defRPr sz="1800" b="0" i="0" u="none" strike="noStrike" cap="none">
                 <a:solidFill>
                   <a:schemeClr val="dk1"/>
                 </a:solidFill>
@@ -3636,7 +3673,7 @@
                 <a:sym typeface="Malgun Gothic"/>
               </a:defRPr>
             </a:lvl8pPr>
-            <a:lvl9pPr indent="-342900" lvl="8" marL="4114800" marR="0" rtl="0" algn="l">
+            <a:lvl9pPr marL="4114800" marR="0" lvl="8" indent="-342900" algn="l" rtl="0">
               <a:lnSpc>
                 <a:spcPct val="90000"/>
               </a:lnSpc>
@@ -3652,7 +3689,7 @@
               <a:buSzPts val="1800"/>
               <a:buFont typeface="Arial"/>
               <a:buChar char="•"/>
-              <a:defRPr b="0" i="0" sz="1800" u="none" cap="none" strike="noStrike">
+              <a:defRPr sz="1800" b="0" i="0" u="none" strike="noStrike" cap="none">
                 <a:solidFill>
                   <a:schemeClr val="dk1"/>
                 </a:solidFill>
@@ -3663,15 +3700,19 @@
               </a:defRPr>
             </a:lvl9pPr>
           </a:lstStyle>
-          <a:p/>
+          <a:p>
+            <a:endParaRPr/>
+          </a:p>
         </p:txBody>
       </p:sp>
       <p:sp>
         <p:nvSpPr>
           <p:cNvPr id="8" name="Google Shape;8;p5"/>
-          <p:cNvSpPr txBox="1"/>
+          <p:cNvSpPr txBox="1">
+            <a:spLocks noGrp="1"/>
+          </p:cNvSpPr>
           <p:nvPr>
-            <p:ph idx="10" type="dt"/>
+            <p:ph type="dt" idx="10"/>
           </p:nvPr>
         </p:nvSpPr>
         <p:spPr>
@@ -3688,11 +3729,11 @@
           </a:ln>
         </p:spPr>
         <p:txBody>
-          <a:bodyPr anchorCtr="0" anchor="ctr" bIns="45700" lIns="91425" spcFirstLastPara="1" rIns="91425" wrap="square" tIns="45700">
+          <a:bodyPr spcFirstLastPara="1" wrap="square" lIns="91425" tIns="45700" rIns="91425" bIns="45700" anchor="ctr" anchorCtr="0">
             <a:noAutofit/>
           </a:bodyPr>
           <a:lstStyle>
-            <a:lvl1pPr lvl="0" marR="0" rtl="0" algn="l">
+            <a:lvl1pPr marR="0" lvl="0" algn="l" rtl="0">
               <a:spcBef>
                 <a:spcPts val="0"/>
               </a:spcBef>
@@ -3701,7 +3742,7 @@
               </a:spcAft>
               <a:buSzPts val="1400"/>
               <a:buNone/>
-              <a:defRPr b="0" i="0" sz="1200" u="none" cap="none" strike="noStrike">
+              <a:defRPr sz="1200" b="0" i="0" u="none" strike="noStrike" cap="none">
                 <a:solidFill>
                   <a:srgbClr val="757575"/>
                 </a:solidFill>
@@ -3711,7 +3752,7 @@
                 <a:sym typeface="Malgun Gothic"/>
               </a:defRPr>
             </a:lvl1pPr>
-            <a:lvl2pPr lvl="1" marR="0" rtl="0" algn="l">
+            <a:lvl2pPr marR="0" lvl="1" algn="l" rtl="0">
               <a:spcBef>
                 <a:spcPts val="0"/>
               </a:spcBef>
@@ -3720,7 +3761,7 @@
               </a:spcAft>
               <a:buSzPts val="1400"/>
               <a:buNone/>
-              <a:defRPr b="0" i="0" sz="1800" u="none" cap="none" strike="noStrike">
+              <a:defRPr sz="1800" b="0" i="0" u="none" strike="noStrike" cap="none">
                 <a:solidFill>
                   <a:schemeClr val="dk1"/>
                 </a:solidFill>
@@ -3730,7 +3771,7 @@
                 <a:sym typeface="Malgun Gothic"/>
               </a:defRPr>
             </a:lvl2pPr>
-            <a:lvl3pPr lvl="2" marR="0" rtl="0" algn="l">
+            <a:lvl3pPr marR="0" lvl="2" algn="l" rtl="0">
               <a:spcBef>
                 <a:spcPts val="0"/>
               </a:spcBef>
@@ -3739,7 +3780,7 @@
               </a:spcAft>
               <a:buSzPts val="1400"/>
               <a:buNone/>
-              <a:defRPr b="0" i="0" sz="1800" u="none" cap="none" strike="noStrike">
+              <a:defRPr sz="1800" b="0" i="0" u="none" strike="noStrike" cap="none">
                 <a:solidFill>
                   <a:schemeClr val="dk1"/>
                 </a:solidFill>
@@ -3749,7 +3790,7 @@
                 <a:sym typeface="Malgun Gothic"/>
               </a:defRPr>
             </a:lvl3pPr>
-            <a:lvl4pPr lvl="3" marR="0" rtl="0" algn="l">
+            <a:lvl4pPr marR="0" lvl="3" algn="l" rtl="0">
               <a:spcBef>
                 <a:spcPts val="0"/>
               </a:spcBef>
@@ -3758,7 +3799,7 @@
               </a:spcAft>
               <a:buSzPts val="1400"/>
               <a:buNone/>
-              <a:defRPr b="0" i="0" sz="1800" u="none" cap="none" strike="noStrike">
+              <a:defRPr sz="1800" b="0" i="0" u="none" strike="noStrike" cap="none">
                 <a:solidFill>
                   <a:schemeClr val="dk1"/>
                 </a:solidFill>
@@ -3768,7 +3809,7 @@
                 <a:sym typeface="Malgun Gothic"/>
               </a:defRPr>
             </a:lvl4pPr>
-            <a:lvl5pPr lvl="4" marR="0" rtl="0" algn="l">
+            <a:lvl5pPr marR="0" lvl="4" algn="l" rtl="0">
               <a:spcBef>
                 <a:spcPts val="0"/>
               </a:spcBef>
@@ -3777,7 +3818,7 @@
               </a:spcAft>
               <a:buSzPts val="1400"/>
               <a:buNone/>
-              <a:defRPr b="0" i="0" sz="1800" u="none" cap="none" strike="noStrike">
+              <a:defRPr sz="1800" b="0" i="0" u="none" strike="noStrike" cap="none">
                 <a:solidFill>
                   <a:schemeClr val="dk1"/>
                 </a:solidFill>
@@ -3787,7 +3828,7 @@
                 <a:sym typeface="Malgun Gothic"/>
               </a:defRPr>
             </a:lvl5pPr>
-            <a:lvl6pPr lvl="5" marR="0" rtl="0" algn="l">
+            <a:lvl6pPr marR="0" lvl="5" algn="l" rtl="0">
               <a:spcBef>
                 <a:spcPts val="0"/>
               </a:spcBef>
@@ -3796,7 +3837,7 @@
               </a:spcAft>
               <a:buSzPts val="1400"/>
               <a:buNone/>
-              <a:defRPr b="0" i="0" sz="1800" u="none" cap="none" strike="noStrike">
+              <a:defRPr sz="1800" b="0" i="0" u="none" strike="noStrike" cap="none">
                 <a:solidFill>
                   <a:schemeClr val="dk1"/>
                 </a:solidFill>
@@ -3806,7 +3847,7 @@
                 <a:sym typeface="Malgun Gothic"/>
               </a:defRPr>
             </a:lvl6pPr>
-            <a:lvl7pPr lvl="6" marR="0" rtl="0" algn="l">
+            <a:lvl7pPr marR="0" lvl="6" algn="l" rtl="0">
               <a:spcBef>
                 <a:spcPts val="0"/>
               </a:spcBef>
@@ -3815,7 +3856,7 @@
               </a:spcAft>
               <a:buSzPts val="1400"/>
               <a:buNone/>
-              <a:defRPr b="0" i="0" sz="1800" u="none" cap="none" strike="noStrike">
+              <a:defRPr sz="1800" b="0" i="0" u="none" strike="noStrike" cap="none">
                 <a:solidFill>
                   <a:schemeClr val="dk1"/>
                 </a:solidFill>
@@ -3825,7 +3866,7 @@
                 <a:sym typeface="Malgun Gothic"/>
               </a:defRPr>
             </a:lvl7pPr>
-            <a:lvl8pPr lvl="7" marR="0" rtl="0" algn="l">
+            <a:lvl8pPr marR="0" lvl="7" algn="l" rtl="0">
               <a:spcBef>
                 <a:spcPts val="0"/>
               </a:spcBef>
@@ -3834,7 +3875,7 @@
               </a:spcAft>
               <a:buSzPts val="1400"/>
               <a:buNone/>
-              <a:defRPr b="0" i="0" sz="1800" u="none" cap="none" strike="noStrike">
+              <a:defRPr sz="1800" b="0" i="0" u="none" strike="noStrike" cap="none">
                 <a:solidFill>
                   <a:schemeClr val="dk1"/>
                 </a:solidFill>
@@ -3844,7 +3885,7 @@
                 <a:sym typeface="Malgun Gothic"/>
               </a:defRPr>
             </a:lvl8pPr>
-            <a:lvl9pPr lvl="8" marR="0" rtl="0" algn="l">
+            <a:lvl9pPr marR="0" lvl="8" algn="l" rtl="0">
               <a:spcBef>
                 <a:spcPts val="0"/>
               </a:spcBef>
@@ -3853,7 +3894,7 @@
               </a:spcAft>
               <a:buSzPts val="1400"/>
               <a:buNone/>
-              <a:defRPr b="0" i="0" sz="1800" u="none" cap="none" strike="noStrike">
+              <a:defRPr sz="1800" b="0" i="0" u="none" strike="noStrike" cap="none">
                 <a:solidFill>
                   <a:schemeClr val="dk1"/>
                 </a:solidFill>
@@ -3864,15 +3905,19 @@
               </a:defRPr>
             </a:lvl9pPr>
           </a:lstStyle>
-          <a:p/>
+          <a:p>
+            <a:endParaRPr/>
+          </a:p>
         </p:txBody>
       </p:sp>
       <p:sp>
         <p:nvSpPr>
           <p:cNvPr id="9" name="Google Shape;9;p5"/>
-          <p:cNvSpPr txBox="1"/>
+          <p:cNvSpPr txBox="1">
+            <a:spLocks noGrp="1"/>
+          </p:cNvSpPr>
           <p:nvPr>
-            <p:ph idx="11" type="ftr"/>
+            <p:ph type="ftr" idx="11"/>
           </p:nvPr>
         </p:nvSpPr>
         <p:spPr>
@@ -3889,11 +3934,11 @@
           </a:ln>
         </p:spPr>
         <p:txBody>
-          <a:bodyPr anchorCtr="0" anchor="ctr" bIns="45700" lIns="91425" spcFirstLastPara="1" rIns="91425" wrap="square" tIns="45700">
+          <a:bodyPr spcFirstLastPara="1" wrap="square" lIns="91425" tIns="45700" rIns="91425" bIns="45700" anchor="ctr" anchorCtr="0">
             <a:noAutofit/>
           </a:bodyPr>
           <a:lstStyle>
-            <a:lvl1pPr lvl="0" marR="0" rtl="0" algn="ctr">
+            <a:lvl1pPr marR="0" lvl="0" algn="ctr" rtl="0">
               <a:spcBef>
                 <a:spcPts val="0"/>
               </a:spcBef>
@@ -3902,7 +3947,7 @@
               </a:spcAft>
               <a:buSzPts val="1400"/>
               <a:buNone/>
-              <a:defRPr b="0" i="0" sz="1200" u="none" cap="none" strike="noStrike">
+              <a:defRPr sz="1200" b="0" i="0" u="none" strike="noStrike" cap="none">
                 <a:solidFill>
                   <a:srgbClr val="757575"/>
                 </a:solidFill>
@@ -3912,7 +3957,7 @@
                 <a:sym typeface="Malgun Gothic"/>
               </a:defRPr>
             </a:lvl1pPr>
-            <a:lvl2pPr lvl="1" marR="0" rtl="0" algn="l">
+            <a:lvl2pPr marR="0" lvl="1" algn="l" rtl="0">
               <a:spcBef>
                 <a:spcPts val="0"/>
               </a:spcBef>
@@ -3921,7 +3966,7 @@
               </a:spcAft>
               <a:buSzPts val="1400"/>
               <a:buNone/>
-              <a:defRPr b="0" i="0" sz="1800" u="none" cap="none" strike="noStrike">
+              <a:defRPr sz="1800" b="0" i="0" u="none" strike="noStrike" cap="none">
                 <a:solidFill>
                   <a:schemeClr val="dk1"/>
                 </a:solidFill>
@@ -3931,7 +3976,7 @@
                 <a:sym typeface="Malgun Gothic"/>
               </a:defRPr>
             </a:lvl2pPr>
-            <a:lvl3pPr lvl="2" marR="0" rtl="0" algn="l">
+            <a:lvl3pPr marR="0" lvl="2" algn="l" rtl="0">
               <a:spcBef>
                 <a:spcPts val="0"/>
               </a:spcBef>
@@ -3940,7 +3985,7 @@
               </a:spcAft>
               <a:buSzPts val="1400"/>
               <a:buNone/>
-              <a:defRPr b="0" i="0" sz="1800" u="none" cap="none" strike="noStrike">
+              <a:defRPr sz="1800" b="0" i="0" u="none" strike="noStrike" cap="none">
                 <a:solidFill>
                   <a:schemeClr val="dk1"/>
                 </a:solidFill>
@@ -3950,7 +3995,7 @@
                 <a:sym typeface="Malgun Gothic"/>
               </a:defRPr>
             </a:lvl3pPr>
-            <a:lvl4pPr lvl="3" marR="0" rtl="0" algn="l">
+            <a:lvl4pPr marR="0" lvl="3" algn="l" rtl="0">
               <a:spcBef>
                 <a:spcPts val="0"/>
               </a:spcBef>
@@ -3959,7 +4004,7 @@
               </a:spcAft>
               <a:buSzPts val="1400"/>
               <a:buNone/>
-              <a:defRPr b="0" i="0" sz="1800" u="none" cap="none" strike="noStrike">
+              <a:defRPr sz="1800" b="0" i="0" u="none" strike="noStrike" cap="none">
                 <a:solidFill>
                   <a:schemeClr val="dk1"/>
                 </a:solidFill>
@@ -3969,7 +4014,7 @@
                 <a:sym typeface="Malgun Gothic"/>
               </a:defRPr>
             </a:lvl4pPr>
-            <a:lvl5pPr lvl="4" marR="0" rtl="0" algn="l">
+            <a:lvl5pPr marR="0" lvl="4" algn="l" rtl="0">
               <a:spcBef>
                 <a:spcPts val="0"/>
               </a:spcBef>
@@ -3978,7 +4023,7 @@
               </a:spcAft>
               <a:buSzPts val="1400"/>
               <a:buNone/>
-              <a:defRPr b="0" i="0" sz="1800" u="none" cap="none" strike="noStrike">
+              <a:defRPr sz="1800" b="0" i="0" u="none" strike="noStrike" cap="none">
                 <a:solidFill>
                   <a:schemeClr val="dk1"/>
                 </a:solidFill>
@@ -3988,7 +4033,7 @@
                 <a:sym typeface="Malgun Gothic"/>
               </a:defRPr>
             </a:lvl5pPr>
-            <a:lvl6pPr lvl="5" marR="0" rtl="0" algn="l">
+            <a:lvl6pPr marR="0" lvl="5" algn="l" rtl="0">
               <a:spcBef>
                 <a:spcPts val="0"/>
               </a:spcBef>
@@ -3997,7 +4042,7 @@
               </a:spcAft>
               <a:buSzPts val="1400"/>
               <a:buNone/>
-              <a:defRPr b="0" i="0" sz="1800" u="none" cap="none" strike="noStrike">
+              <a:defRPr sz="1800" b="0" i="0" u="none" strike="noStrike" cap="none">
                 <a:solidFill>
                   <a:schemeClr val="dk1"/>
                 </a:solidFill>
@@ -4007,7 +4052,7 @@
                 <a:sym typeface="Malgun Gothic"/>
               </a:defRPr>
             </a:lvl6pPr>
-            <a:lvl7pPr lvl="6" marR="0" rtl="0" algn="l">
+            <a:lvl7pPr marR="0" lvl="6" algn="l" rtl="0">
               <a:spcBef>
                 <a:spcPts val="0"/>
               </a:spcBef>
@@ -4016,7 +4061,7 @@
               </a:spcAft>
               <a:buSzPts val="1400"/>
               <a:buNone/>
-              <a:defRPr b="0" i="0" sz="1800" u="none" cap="none" strike="noStrike">
+              <a:defRPr sz="1800" b="0" i="0" u="none" strike="noStrike" cap="none">
                 <a:solidFill>
                   <a:schemeClr val="dk1"/>
                 </a:solidFill>
@@ -4026,7 +4071,7 @@
                 <a:sym typeface="Malgun Gothic"/>
               </a:defRPr>
             </a:lvl7pPr>
-            <a:lvl8pPr lvl="7" marR="0" rtl="0" algn="l">
+            <a:lvl8pPr marR="0" lvl="7" algn="l" rtl="0">
               <a:spcBef>
                 <a:spcPts val="0"/>
               </a:spcBef>
@@ -4035,7 +4080,7 @@
               </a:spcAft>
               <a:buSzPts val="1400"/>
               <a:buNone/>
-              <a:defRPr b="0" i="0" sz="1800" u="none" cap="none" strike="noStrike">
+              <a:defRPr sz="1800" b="0" i="0" u="none" strike="noStrike" cap="none">
                 <a:solidFill>
                   <a:schemeClr val="dk1"/>
                 </a:solidFill>
@@ -4045,7 +4090,7 @@
                 <a:sym typeface="Malgun Gothic"/>
               </a:defRPr>
             </a:lvl8pPr>
-            <a:lvl9pPr lvl="8" marR="0" rtl="0" algn="l">
+            <a:lvl9pPr marR="0" lvl="8" algn="l" rtl="0">
               <a:spcBef>
                 <a:spcPts val="0"/>
               </a:spcBef>
@@ -4054,7 +4099,7 @@
               </a:spcAft>
               <a:buSzPts val="1400"/>
               <a:buNone/>
-              <a:defRPr b="0" i="0" sz="1800" u="none" cap="none" strike="noStrike">
+              <a:defRPr sz="1800" b="0" i="0" u="none" strike="noStrike" cap="none">
                 <a:solidFill>
                   <a:schemeClr val="dk1"/>
                 </a:solidFill>
@@ -4065,15 +4110,19 @@
               </a:defRPr>
             </a:lvl9pPr>
           </a:lstStyle>
-          <a:p/>
+          <a:p>
+            <a:endParaRPr/>
+          </a:p>
         </p:txBody>
       </p:sp>
       <p:sp>
         <p:nvSpPr>
           <p:cNvPr id="10" name="Google Shape;10;p5"/>
-          <p:cNvSpPr txBox="1"/>
+          <p:cNvSpPr txBox="1">
+            <a:spLocks noGrp="1"/>
+          </p:cNvSpPr>
           <p:nvPr>
-            <p:ph idx="12" type="sldNum"/>
+            <p:ph type="sldNum" idx="12"/>
           </p:nvPr>
         </p:nvSpPr>
         <p:spPr>
@@ -4090,16 +4139,16 @@
           </a:ln>
         </p:spPr>
         <p:txBody>
-          <a:bodyPr anchorCtr="0" anchor="ctr" bIns="45700" lIns="91425" spcFirstLastPara="1" rIns="91425" wrap="square" tIns="45700">
+          <a:bodyPr spcFirstLastPara="1" wrap="square" lIns="91425" tIns="45700" rIns="91425" bIns="45700" anchor="ctr" anchorCtr="0">
             <a:noAutofit/>
           </a:bodyPr>
           <a:lstStyle>
-            <a:lvl1pPr indent="0" lvl="0" marL="0" marR="0" rtl="0" algn="r">
-              <a:spcBef>
-                <a:spcPts val="0"/>
-              </a:spcBef>
-              <a:buNone/>
-              <a:defRPr b="0" i="0" sz="1200" u="none" cap="none" strike="noStrike">
+            <a:lvl1pPr marL="0" marR="0" lvl="0" indent="0" algn="r" rtl="0">
+              <a:spcBef>
+                <a:spcPts val="0"/>
+              </a:spcBef>
+              <a:buNone/>
+              <a:defRPr sz="1200" b="0" i="0" u="none" strike="noStrike" cap="none">
                 <a:solidFill>
                   <a:srgbClr val="757575"/>
                 </a:solidFill>
@@ -4109,12 +4158,12 @@
                 <a:sym typeface="Malgun Gothic"/>
               </a:defRPr>
             </a:lvl1pPr>
-            <a:lvl2pPr indent="0" lvl="1" marL="0" marR="0" rtl="0" algn="r">
-              <a:spcBef>
-                <a:spcPts val="0"/>
-              </a:spcBef>
-              <a:buNone/>
-              <a:defRPr b="0" i="0" sz="1200" u="none" cap="none" strike="noStrike">
+            <a:lvl2pPr marL="0" marR="0" lvl="1" indent="0" algn="r" rtl="0">
+              <a:spcBef>
+                <a:spcPts val="0"/>
+              </a:spcBef>
+              <a:buNone/>
+              <a:defRPr sz="1200" b="0" i="0" u="none" strike="noStrike" cap="none">
                 <a:solidFill>
                   <a:srgbClr val="757575"/>
                 </a:solidFill>
@@ -4124,12 +4173,12 @@
                 <a:sym typeface="Malgun Gothic"/>
               </a:defRPr>
             </a:lvl2pPr>
-            <a:lvl3pPr indent="0" lvl="2" marL="0" marR="0" rtl="0" algn="r">
-              <a:spcBef>
-                <a:spcPts val="0"/>
-              </a:spcBef>
-              <a:buNone/>
-              <a:defRPr b="0" i="0" sz="1200" u="none" cap="none" strike="noStrike">
+            <a:lvl3pPr marL="0" marR="0" lvl="2" indent="0" algn="r" rtl="0">
+              <a:spcBef>
+                <a:spcPts val="0"/>
+              </a:spcBef>
+              <a:buNone/>
+              <a:defRPr sz="1200" b="0" i="0" u="none" strike="noStrike" cap="none">
                 <a:solidFill>
                   <a:srgbClr val="757575"/>
                 </a:solidFill>
@@ -4139,12 +4188,12 @@
                 <a:sym typeface="Malgun Gothic"/>
               </a:defRPr>
             </a:lvl3pPr>
-            <a:lvl4pPr indent="0" lvl="3" marL="0" marR="0" rtl="0" algn="r">
-              <a:spcBef>
-                <a:spcPts val="0"/>
-              </a:spcBef>
-              <a:buNone/>
-              <a:defRPr b="0" i="0" sz="1200" u="none" cap="none" strike="noStrike">
+            <a:lvl4pPr marL="0" marR="0" lvl="3" indent="0" algn="r" rtl="0">
+              <a:spcBef>
+                <a:spcPts val="0"/>
+              </a:spcBef>
+              <a:buNone/>
+              <a:defRPr sz="1200" b="0" i="0" u="none" strike="noStrike" cap="none">
                 <a:solidFill>
                   <a:srgbClr val="757575"/>
                 </a:solidFill>
@@ -4154,12 +4203,12 @@
                 <a:sym typeface="Malgun Gothic"/>
               </a:defRPr>
             </a:lvl4pPr>
-            <a:lvl5pPr indent="0" lvl="4" marL="0" marR="0" rtl="0" algn="r">
-              <a:spcBef>
-                <a:spcPts val="0"/>
-              </a:spcBef>
-              <a:buNone/>
-              <a:defRPr b="0" i="0" sz="1200" u="none" cap="none" strike="noStrike">
+            <a:lvl5pPr marL="0" marR="0" lvl="4" indent="0" algn="r" rtl="0">
+              <a:spcBef>
+                <a:spcPts val="0"/>
+              </a:spcBef>
+              <a:buNone/>
+              <a:defRPr sz="1200" b="0" i="0" u="none" strike="noStrike" cap="none">
                 <a:solidFill>
                   <a:srgbClr val="757575"/>
                 </a:solidFill>
@@ -4169,12 +4218,12 @@
                 <a:sym typeface="Malgun Gothic"/>
               </a:defRPr>
             </a:lvl5pPr>
-            <a:lvl6pPr indent="0" lvl="5" marL="0" marR="0" rtl="0" algn="r">
-              <a:spcBef>
-                <a:spcPts val="0"/>
-              </a:spcBef>
-              <a:buNone/>
-              <a:defRPr b="0" i="0" sz="1200" u="none" cap="none" strike="noStrike">
+            <a:lvl6pPr marL="0" marR="0" lvl="5" indent="0" algn="r" rtl="0">
+              <a:spcBef>
+                <a:spcPts val="0"/>
+              </a:spcBef>
+              <a:buNone/>
+              <a:defRPr sz="1200" b="0" i="0" u="none" strike="noStrike" cap="none">
                 <a:solidFill>
                   <a:srgbClr val="757575"/>
                 </a:solidFill>
@@ -4184,12 +4233,12 @@
                 <a:sym typeface="Malgun Gothic"/>
               </a:defRPr>
             </a:lvl6pPr>
-            <a:lvl7pPr indent="0" lvl="6" marL="0" marR="0" rtl="0" algn="r">
-              <a:spcBef>
-                <a:spcPts val="0"/>
-              </a:spcBef>
-              <a:buNone/>
-              <a:defRPr b="0" i="0" sz="1200" u="none" cap="none" strike="noStrike">
+            <a:lvl7pPr marL="0" marR="0" lvl="6" indent="0" algn="r" rtl="0">
+              <a:spcBef>
+                <a:spcPts val="0"/>
+              </a:spcBef>
+              <a:buNone/>
+              <a:defRPr sz="1200" b="0" i="0" u="none" strike="noStrike" cap="none">
                 <a:solidFill>
                   <a:srgbClr val="757575"/>
                 </a:solidFill>
@@ -4199,12 +4248,12 @@
                 <a:sym typeface="Malgun Gothic"/>
               </a:defRPr>
             </a:lvl7pPr>
-            <a:lvl8pPr indent="0" lvl="7" marL="0" marR="0" rtl="0" algn="r">
-              <a:spcBef>
-                <a:spcPts val="0"/>
-              </a:spcBef>
-              <a:buNone/>
-              <a:defRPr b="0" i="0" sz="1200" u="none" cap="none" strike="noStrike">
+            <a:lvl8pPr marL="0" marR="0" lvl="7" indent="0" algn="r" rtl="0">
+              <a:spcBef>
+                <a:spcPts val="0"/>
+              </a:spcBef>
+              <a:buNone/>
+              <a:defRPr sz="1200" b="0" i="0" u="none" strike="noStrike" cap="none">
                 <a:solidFill>
                   <a:srgbClr val="757575"/>
                 </a:solidFill>
@@ -4214,12 +4263,12 @@
                 <a:sym typeface="Malgun Gothic"/>
               </a:defRPr>
             </a:lvl8pPr>
-            <a:lvl9pPr indent="0" lvl="8" marL="0" marR="0" rtl="0" algn="r">
-              <a:spcBef>
-                <a:spcPts val="0"/>
-              </a:spcBef>
-              <a:buNone/>
-              <a:defRPr b="0" i="0" sz="1200" u="none" cap="none" strike="noStrike">
+            <a:lvl9pPr marL="0" marR="0" lvl="8" indent="0" algn="r" rtl="0">
+              <a:spcBef>
+                <a:spcPts val="0"/>
+              </a:spcBef>
+              <a:buNone/>
+              <a:defRPr sz="1200" b="0" i="0" u="none" strike="noStrike" cap="none">
                 <a:solidFill>
                   <a:srgbClr val="757575"/>
                 </a:solidFill>
@@ -4231,7 +4280,7 @@
             </a:lvl9pPr>
           </a:lstStyle>
           <a:p>
-            <a:pPr indent="0" lvl="0" marL="0" rtl="0" algn="r">
+            <a:pPr marL="0" lvl="0" indent="0" algn="r" rtl="0">
               <a:spcBef>
                 <a:spcPts val="0"/>
               </a:spcBef>
@@ -4250,17 +4299,17 @@
       </p:sp>
     </p:spTree>
   </p:cSld>
-  <p:clrMap accent1="accent1" accent2="accent2" accent3="accent3" accent4="accent4" accent5="accent5" accent6="accent6" bg1="lt1" bg2="dk2" tx1="dk1" tx2="lt2" folHlink="folHlink" hlink="hlink"/>
+  <p:clrMap bg1="lt1" tx1="dk1" bg2="dk2" tx2="lt2" accent1="accent1" accent2="accent2" accent3="accent3" accent4="accent4" accent5="accent5" accent6="accent6" hlink="hlink" folHlink="folHlink"/>
   <p:sldLayoutIdLst>
     <p:sldLayoutId id="2147483649" r:id="rId1"/>
     <p:sldLayoutId id="2147483650" r:id="rId2"/>
     <p:sldLayoutId id="2147483651" r:id="rId3"/>
     <p:sldLayoutId id="2147483652" r:id="rId4"/>
   </p:sldLayoutIdLst>
-  <p:hf dt="0" ftr="0" hdr="0" sldNum="0"/>
+  <p:hf sldNum="0" hdr="0" ftr="0" dt="0"/>
   <p:txStyles>
     <p:titleStyle>
-      <a:defPPr lvl="0" marR="0" rtl="0" algn="l">
+      <a:defPPr marR="0" lvl="0" algn="l" rtl="0">
         <a:lnSpc>
           <a:spcPct val="100000"/>
         </a:lnSpc>
@@ -4271,7 +4320,7 @@
           <a:spcPts val="0"/>
         </a:spcAft>
       </a:defPPr>
-      <a:lvl1pPr lvl="0" marR="0" rtl="0" algn="l">
+      <a:lvl1pPr marR="0" lvl="0" algn="l" rtl="0">
         <a:lnSpc>
           <a:spcPct val="100000"/>
         </a:lnSpc>
@@ -4285,7 +4334,7 @@
           <a:srgbClr val="000000"/>
         </a:buClr>
         <a:buFont typeface="Arial"/>
-        <a:defRPr b="0" i="0" sz="1400" u="none" cap="none" strike="noStrike">
+        <a:defRPr sz="1400" b="0" i="0" u="none" strike="noStrike" cap="none">
           <a:solidFill>
             <a:srgbClr val="000000"/>
           </a:solidFill>
@@ -4295,7 +4344,7 @@
           <a:sym typeface="Arial"/>
         </a:defRPr>
       </a:lvl1pPr>
-      <a:lvl2pPr lvl="1" marR="0" rtl="0" algn="l">
+      <a:lvl2pPr marR="0" lvl="1" algn="l" rtl="0">
         <a:lnSpc>
           <a:spcPct val="100000"/>
         </a:lnSpc>
@@ -4309,7 +4358,7 @@
           <a:srgbClr val="000000"/>
         </a:buClr>
         <a:buFont typeface="Arial"/>
-        <a:defRPr b="0" i="0" sz="1400" u="none" cap="none" strike="noStrike">
+        <a:defRPr sz="1400" b="0" i="0" u="none" strike="noStrike" cap="none">
           <a:solidFill>
             <a:srgbClr val="000000"/>
           </a:solidFill>
@@ -4319,7 +4368,7 @@
           <a:sym typeface="Arial"/>
         </a:defRPr>
       </a:lvl2pPr>
-      <a:lvl3pPr lvl="2" marR="0" rtl="0" algn="l">
+      <a:lvl3pPr marR="0" lvl="2" algn="l" rtl="0">
         <a:lnSpc>
           <a:spcPct val="100000"/>
         </a:lnSpc>
@@ -4333,7 +4382,7 @@
           <a:srgbClr val="000000"/>
         </a:buClr>
         <a:buFont typeface="Arial"/>
-        <a:defRPr b="0" i="0" sz="1400" u="none" cap="none" strike="noStrike">
+        <a:defRPr sz="1400" b="0" i="0" u="none" strike="noStrike" cap="none">
           <a:solidFill>
             <a:srgbClr val="000000"/>
           </a:solidFill>
@@ -4343,7 +4392,7 @@
           <a:sym typeface="Arial"/>
         </a:defRPr>
       </a:lvl3pPr>
-      <a:lvl4pPr lvl="3" marR="0" rtl="0" algn="l">
+      <a:lvl4pPr marR="0" lvl="3" algn="l" rtl="0">
         <a:lnSpc>
           <a:spcPct val="100000"/>
         </a:lnSpc>
@@ -4357,7 +4406,7 @@
           <a:srgbClr val="000000"/>
         </a:buClr>
         <a:buFont typeface="Arial"/>
-        <a:defRPr b="0" i="0" sz="1400" u="none" cap="none" strike="noStrike">
+        <a:defRPr sz="1400" b="0" i="0" u="none" strike="noStrike" cap="none">
           <a:solidFill>
             <a:srgbClr val="000000"/>
           </a:solidFill>
@@ -4367,7 +4416,7 @@
           <a:sym typeface="Arial"/>
         </a:defRPr>
       </a:lvl4pPr>
-      <a:lvl5pPr lvl="4" marR="0" rtl="0" algn="l">
+      <a:lvl5pPr marR="0" lvl="4" algn="l" rtl="0">
         <a:lnSpc>
           <a:spcPct val="100000"/>
         </a:lnSpc>
@@ -4381,7 +4430,7 @@
           <a:srgbClr val="000000"/>
         </a:buClr>
         <a:buFont typeface="Arial"/>
-        <a:defRPr b="0" i="0" sz="1400" u="none" cap="none" strike="noStrike">
+        <a:defRPr sz="1400" b="0" i="0" u="none" strike="noStrike" cap="none">
           <a:solidFill>
             <a:srgbClr val="000000"/>
           </a:solidFill>
@@ -4391,7 +4440,7 @@
           <a:sym typeface="Arial"/>
         </a:defRPr>
       </a:lvl5pPr>
-      <a:lvl6pPr lvl="5" marR="0" rtl="0" algn="l">
+      <a:lvl6pPr marR="0" lvl="5" algn="l" rtl="0">
         <a:lnSpc>
           <a:spcPct val="100000"/>
         </a:lnSpc>
@@ -4405,7 +4454,7 @@
           <a:srgbClr val="000000"/>
         </a:buClr>
         <a:buFont typeface="Arial"/>
-        <a:defRPr b="0" i="0" sz="1400" u="none" cap="none" strike="noStrike">
+        <a:defRPr sz="1400" b="0" i="0" u="none" strike="noStrike" cap="none">
           <a:solidFill>
             <a:srgbClr val="000000"/>
           </a:solidFill>
@@ -4415,7 +4464,7 @@
           <a:sym typeface="Arial"/>
         </a:defRPr>
       </a:lvl6pPr>
-      <a:lvl7pPr lvl="6" marR="0" rtl="0" algn="l">
+      <a:lvl7pPr marR="0" lvl="6" algn="l" rtl="0">
         <a:lnSpc>
           <a:spcPct val="100000"/>
         </a:lnSpc>
@@ -4429,7 +4478,7 @@
           <a:srgbClr val="000000"/>
         </a:buClr>
         <a:buFont typeface="Arial"/>
-        <a:defRPr b="0" i="0" sz="1400" u="none" cap="none" strike="noStrike">
+        <a:defRPr sz="1400" b="0" i="0" u="none" strike="noStrike" cap="none">
           <a:solidFill>
             <a:srgbClr val="000000"/>
           </a:solidFill>
@@ -4439,7 +4488,7 @@
           <a:sym typeface="Arial"/>
         </a:defRPr>
       </a:lvl7pPr>
-      <a:lvl8pPr lvl="7" marR="0" rtl="0" algn="l">
+      <a:lvl8pPr marR="0" lvl="7" algn="l" rtl="0">
         <a:lnSpc>
           <a:spcPct val="100000"/>
         </a:lnSpc>
@@ -4453,7 +4502,7 @@
           <a:srgbClr val="000000"/>
         </a:buClr>
         <a:buFont typeface="Arial"/>
-        <a:defRPr b="0" i="0" sz="1400" u="none" cap="none" strike="noStrike">
+        <a:defRPr sz="1400" b="0" i="0" u="none" strike="noStrike" cap="none">
           <a:solidFill>
             <a:srgbClr val="000000"/>
           </a:solidFill>
@@ -4463,7 +4512,7 @@
           <a:sym typeface="Arial"/>
         </a:defRPr>
       </a:lvl8pPr>
-      <a:lvl9pPr lvl="8" marR="0" rtl="0" algn="l">
+      <a:lvl9pPr marR="0" lvl="8" algn="l" rtl="0">
         <a:lnSpc>
           <a:spcPct val="100000"/>
         </a:lnSpc>
@@ -4477,7 +4526,7 @@
           <a:srgbClr val="000000"/>
         </a:buClr>
         <a:buFont typeface="Arial"/>
-        <a:defRPr b="0" i="0" sz="1400" u="none" cap="none" strike="noStrike">
+        <a:defRPr sz="1400" b="0" i="0" u="none" strike="noStrike" cap="none">
           <a:solidFill>
             <a:srgbClr val="000000"/>
           </a:solidFill>
@@ -4489,7 +4538,7 @@
       </a:lvl9pPr>
     </p:titleStyle>
     <p:bodyStyle>
-      <a:defPPr lvl="0" marR="0" rtl="0" algn="l">
+      <a:defPPr marR="0" lvl="0" algn="l" rtl="0">
         <a:lnSpc>
           <a:spcPct val="100000"/>
         </a:lnSpc>
@@ -4500,7 +4549,7 @@
           <a:spcPts val="0"/>
         </a:spcAft>
       </a:defPPr>
-      <a:lvl1pPr lvl="0" marR="0" rtl="0" algn="l">
+      <a:lvl1pPr marR="0" lvl="0" algn="l" rtl="0">
         <a:lnSpc>
           <a:spcPct val="100000"/>
         </a:lnSpc>
@@ -4514,7 +4563,7 @@
           <a:srgbClr val="000000"/>
         </a:buClr>
         <a:buFont typeface="Arial"/>
-        <a:defRPr b="0" i="0" sz="1400" u="none" cap="none" strike="noStrike">
+        <a:defRPr sz="1400" b="0" i="0" u="none" strike="noStrike" cap="none">
           <a:solidFill>
             <a:srgbClr val="000000"/>
           </a:solidFill>
@@ -4524,7 +4573,7 @@
           <a:sym typeface="Arial"/>
         </a:defRPr>
       </a:lvl1pPr>
-      <a:lvl2pPr lvl="1" marR="0" rtl="0" algn="l">
+      <a:lvl2pPr marR="0" lvl="1" algn="l" rtl="0">
         <a:lnSpc>
           <a:spcPct val="100000"/>
         </a:lnSpc>
@@ -4538,7 +4587,7 @@
           <a:srgbClr val="000000"/>
         </a:buClr>
         <a:buFont typeface="Arial"/>
-        <a:defRPr b="0" i="0" sz="1400" u="none" cap="none" strike="noStrike">
+        <a:defRPr sz="1400" b="0" i="0" u="none" strike="noStrike" cap="none">
           <a:solidFill>
             <a:srgbClr val="000000"/>
           </a:solidFill>
@@ -4548,7 +4597,7 @@
           <a:sym typeface="Arial"/>
         </a:defRPr>
       </a:lvl2pPr>
-      <a:lvl3pPr lvl="2" marR="0" rtl="0" algn="l">
+      <a:lvl3pPr marR="0" lvl="2" algn="l" rtl="0">
         <a:lnSpc>
           <a:spcPct val="100000"/>
         </a:lnSpc>
@@ -4562,7 +4611,7 @@
           <a:srgbClr val="000000"/>
         </a:buClr>
         <a:buFont typeface="Arial"/>
-        <a:defRPr b="0" i="0" sz="1400" u="none" cap="none" strike="noStrike">
+        <a:defRPr sz="1400" b="0" i="0" u="none" strike="noStrike" cap="none">
           <a:solidFill>
             <a:srgbClr val="000000"/>
           </a:solidFill>
@@ -4572,7 +4621,7 @@
           <a:sym typeface="Arial"/>
         </a:defRPr>
       </a:lvl3pPr>
-      <a:lvl4pPr lvl="3" marR="0" rtl="0" algn="l">
+      <a:lvl4pPr marR="0" lvl="3" algn="l" rtl="0">
         <a:lnSpc>
           <a:spcPct val="100000"/>
         </a:lnSpc>
@@ -4586,7 +4635,7 @@
           <a:srgbClr val="000000"/>
         </a:buClr>
         <a:buFont typeface="Arial"/>
-        <a:defRPr b="0" i="0" sz="1400" u="none" cap="none" strike="noStrike">
+        <a:defRPr sz="1400" b="0" i="0" u="none" strike="noStrike" cap="none">
           <a:solidFill>
             <a:srgbClr val="000000"/>
           </a:solidFill>
@@ -4596,7 +4645,7 @@
           <a:sym typeface="Arial"/>
         </a:defRPr>
       </a:lvl4pPr>
-      <a:lvl5pPr lvl="4" marR="0" rtl="0" algn="l">
+      <a:lvl5pPr marR="0" lvl="4" algn="l" rtl="0">
         <a:lnSpc>
           <a:spcPct val="100000"/>
         </a:lnSpc>
@@ -4610,7 +4659,7 @@
           <a:srgbClr val="000000"/>
         </a:buClr>
         <a:buFont typeface="Arial"/>
-        <a:defRPr b="0" i="0" sz="1400" u="none" cap="none" strike="noStrike">
+        <a:defRPr sz="1400" b="0" i="0" u="none" strike="noStrike" cap="none">
           <a:solidFill>
             <a:srgbClr val="000000"/>
           </a:solidFill>
@@ -4620,7 +4669,7 @@
           <a:sym typeface="Arial"/>
         </a:defRPr>
       </a:lvl5pPr>
-      <a:lvl6pPr lvl="5" marR="0" rtl="0" algn="l">
+      <a:lvl6pPr marR="0" lvl="5" algn="l" rtl="0">
         <a:lnSpc>
           <a:spcPct val="100000"/>
         </a:lnSpc>
@@ -4634,7 +4683,7 @@
           <a:srgbClr val="000000"/>
         </a:buClr>
         <a:buFont typeface="Arial"/>
-        <a:defRPr b="0" i="0" sz="1400" u="none" cap="none" strike="noStrike">
+        <a:defRPr sz="1400" b="0" i="0" u="none" strike="noStrike" cap="none">
           <a:solidFill>
             <a:srgbClr val="000000"/>
           </a:solidFill>
@@ -4644,7 +4693,7 @@
           <a:sym typeface="Arial"/>
         </a:defRPr>
       </a:lvl6pPr>
-      <a:lvl7pPr lvl="6" marR="0" rtl="0" algn="l">
+      <a:lvl7pPr marR="0" lvl="6" algn="l" rtl="0">
         <a:lnSpc>
           <a:spcPct val="100000"/>
         </a:lnSpc>
@@ -4658,7 +4707,7 @@
           <a:srgbClr val="000000"/>
         </a:buClr>
         <a:buFont typeface="Arial"/>
-        <a:defRPr b="0" i="0" sz="1400" u="none" cap="none" strike="noStrike">
+        <a:defRPr sz="1400" b="0" i="0" u="none" strike="noStrike" cap="none">
           <a:solidFill>
             <a:srgbClr val="000000"/>
           </a:solidFill>
@@ -4668,7 +4717,7 @@
           <a:sym typeface="Arial"/>
         </a:defRPr>
       </a:lvl7pPr>
-      <a:lvl8pPr lvl="7" marR="0" rtl="0" algn="l">
+      <a:lvl8pPr marR="0" lvl="7" algn="l" rtl="0">
         <a:lnSpc>
           <a:spcPct val="100000"/>
         </a:lnSpc>
@@ -4682,7 +4731,7 @@
           <a:srgbClr val="000000"/>
         </a:buClr>
         <a:buFont typeface="Arial"/>
-        <a:defRPr b="0" i="0" sz="1400" u="none" cap="none" strike="noStrike">
+        <a:defRPr sz="1400" b="0" i="0" u="none" strike="noStrike" cap="none">
           <a:solidFill>
             <a:srgbClr val="000000"/>
           </a:solidFill>
@@ -4692,7 +4741,7 @@
           <a:sym typeface="Arial"/>
         </a:defRPr>
       </a:lvl8pPr>
-      <a:lvl9pPr lvl="8" marR="0" rtl="0" algn="l">
+      <a:lvl9pPr marR="0" lvl="8" algn="l" rtl="0">
         <a:lnSpc>
           <a:spcPct val="100000"/>
         </a:lnSpc>
@@ -4706,7 +4755,7 @@
           <a:srgbClr val="000000"/>
         </a:buClr>
         <a:buFont typeface="Arial"/>
-        <a:defRPr b="0" i="0" sz="1400" u="none" cap="none" strike="noStrike">
+        <a:defRPr sz="1400" b="0" i="0" u="none" strike="noStrike" cap="none">
           <a:solidFill>
             <a:srgbClr val="000000"/>
           </a:solidFill>
@@ -4718,7 +4767,7 @@
       </a:lvl9pPr>
     </p:bodyStyle>
     <p:otherStyle>
-      <a:defPPr lvl="0" marR="0" rtl="0" algn="l">
+      <a:defPPr marR="0" lvl="0" algn="l" rtl="0">
         <a:lnSpc>
           <a:spcPct val="100000"/>
         </a:lnSpc>
@@ -4729,7 +4778,7 @@
           <a:spcPts val="0"/>
         </a:spcAft>
       </a:defPPr>
-      <a:lvl1pPr lvl="0" marR="0" rtl="0" algn="l">
+      <a:lvl1pPr marR="0" lvl="0" algn="l" rtl="0">
         <a:lnSpc>
           <a:spcPct val="100000"/>
         </a:lnSpc>
@@ -4743,7 +4792,7 @@
           <a:srgbClr val="000000"/>
         </a:buClr>
         <a:buFont typeface="Arial"/>
-        <a:defRPr b="0" i="0" sz="1400" u="none" cap="none" strike="noStrike">
+        <a:defRPr sz="1400" b="0" i="0" u="none" strike="noStrike" cap="none">
           <a:solidFill>
             <a:srgbClr val="000000"/>
           </a:solidFill>
@@ -4753,7 +4802,7 @@
           <a:sym typeface="Arial"/>
         </a:defRPr>
       </a:lvl1pPr>
-      <a:lvl2pPr lvl="1" marR="0" rtl="0" algn="l">
+      <a:lvl2pPr marR="0" lvl="1" algn="l" rtl="0">
         <a:lnSpc>
           <a:spcPct val="100000"/>
         </a:lnSpc>
@@ -4767,7 +4816,7 @@
           <a:srgbClr val="000000"/>
         </a:buClr>
         <a:buFont typeface="Arial"/>
-        <a:defRPr b="0" i="0" sz="1400" u="none" cap="none" strike="noStrike">
+        <a:defRPr sz="1400" b="0" i="0" u="none" strike="noStrike" cap="none">
           <a:solidFill>
             <a:srgbClr val="000000"/>
           </a:solidFill>
@@ -4777,7 +4826,7 @@
           <a:sym typeface="Arial"/>
         </a:defRPr>
       </a:lvl2pPr>
-      <a:lvl3pPr lvl="2" marR="0" rtl="0" algn="l">
+      <a:lvl3pPr marR="0" lvl="2" algn="l" rtl="0">
         <a:lnSpc>
           <a:spcPct val="100000"/>
         </a:lnSpc>
@@ -4791,7 +4840,7 @@
           <a:srgbClr val="000000"/>
         </a:buClr>
         <a:buFont typeface="Arial"/>
-        <a:defRPr b="0" i="0" sz="1400" u="none" cap="none" strike="noStrike">
+        <a:defRPr sz="1400" b="0" i="0" u="none" strike="noStrike" cap="none">
           <a:solidFill>
             <a:srgbClr val="000000"/>
           </a:solidFill>
@@ -4801,7 +4850,7 @@
           <a:sym typeface="Arial"/>
         </a:defRPr>
       </a:lvl3pPr>
-      <a:lvl4pPr lvl="3" marR="0" rtl="0" algn="l">
+      <a:lvl4pPr marR="0" lvl="3" algn="l" rtl="0">
         <a:lnSpc>
           <a:spcPct val="100000"/>
         </a:lnSpc>
@@ -4815,7 +4864,7 @@
           <a:srgbClr val="000000"/>
         </a:buClr>
         <a:buFont typeface="Arial"/>
-        <a:defRPr b="0" i="0" sz="1400" u="none" cap="none" strike="noStrike">
+        <a:defRPr sz="1400" b="0" i="0" u="none" strike="noStrike" cap="none">
           <a:solidFill>
             <a:srgbClr val="000000"/>
           </a:solidFill>
@@ -4825,7 +4874,7 @@
           <a:sym typeface="Arial"/>
         </a:defRPr>
       </a:lvl4pPr>
-      <a:lvl5pPr lvl="4" marR="0" rtl="0" algn="l">
+      <a:lvl5pPr marR="0" lvl="4" algn="l" rtl="0">
         <a:lnSpc>
           <a:spcPct val="100000"/>
         </a:lnSpc>
@@ -4839,7 +4888,7 @@
           <a:srgbClr val="000000"/>
         </a:buClr>
         <a:buFont typeface="Arial"/>
-        <a:defRPr b="0" i="0" sz="1400" u="none" cap="none" strike="noStrike">
+        <a:defRPr sz="1400" b="0" i="0" u="none" strike="noStrike" cap="none">
           <a:solidFill>
             <a:srgbClr val="000000"/>
           </a:solidFill>
@@ -4849,7 +4898,7 @@
           <a:sym typeface="Arial"/>
         </a:defRPr>
       </a:lvl5pPr>
-      <a:lvl6pPr lvl="5" marR="0" rtl="0" algn="l">
+      <a:lvl6pPr marR="0" lvl="5" algn="l" rtl="0">
         <a:lnSpc>
           <a:spcPct val="100000"/>
         </a:lnSpc>
@@ -4863,7 +4912,7 @@
           <a:srgbClr val="000000"/>
         </a:buClr>
         <a:buFont typeface="Arial"/>
-        <a:defRPr b="0" i="0" sz="1400" u="none" cap="none" strike="noStrike">
+        <a:defRPr sz="1400" b="0" i="0" u="none" strike="noStrike" cap="none">
           <a:solidFill>
             <a:srgbClr val="000000"/>
           </a:solidFill>
@@ -4873,7 +4922,7 @@
           <a:sym typeface="Arial"/>
         </a:defRPr>
       </a:lvl6pPr>
-      <a:lvl7pPr lvl="6" marR="0" rtl="0" algn="l">
+      <a:lvl7pPr marR="0" lvl="6" algn="l" rtl="0">
         <a:lnSpc>
           <a:spcPct val="100000"/>
         </a:lnSpc>
@@ -4887,7 +4936,7 @@
           <a:srgbClr val="000000"/>
         </a:buClr>
         <a:buFont typeface="Arial"/>
-        <a:defRPr b="0" i="0" sz="1400" u="none" cap="none" strike="noStrike">
+        <a:defRPr sz="1400" b="0" i="0" u="none" strike="noStrike" cap="none">
           <a:solidFill>
             <a:srgbClr val="000000"/>
           </a:solidFill>
@@ -4897,7 +4946,7 @@
           <a:sym typeface="Arial"/>
         </a:defRPr>
       </a:lvl7pPr>
-      <a:lvl8pPr lvl="7" marR="0" rtl="0" algn="l">
+      <a:lvl8pPr marR="0" lvl="7" algn="l" rtl="0">
         <a:lnSpc>
           <a:spcPct val="100000"/>
         </a:lnSpc>
@@ -4911,7 +4960,7 @@
           <a:srgbClr val="000000"/>
         </a:buClr>
         <a:buFont typeface="Arial"/>
-        <a:defRPr b="0" i="0" sz="1400" u="none" cap="none" strike="noStrike">
+        <a:defRPr sz="1400" b="0" i="0" u="none" strike="noStrike" cap="none">
           <a:solidFill>
             <a:srgbClr val="000000"/>
           </a:solidFill>
@@ -4921,7 +4970,7 @@
           <a:sym typeface="Arial"/>
         </a:defRPr>
       </a:lvl8pPr>
-      <a:lvl9pPr lvl="8" marR="0" rtl="0" algn="l">
+      <a:lvl9pPr marR="0" lvl="8" algn="l" rtl="0">
         <a:lnSpc>
           <a:spcPct val="100000"/>
         </a:lnSpc>
@@ -4935,7 +4984,7 @@
           <a:srgbClr val="000000"/>
         </a:buClr>
         <a:buFont typeface="Arial"/>
-        <a:defRPr b="0" i="0" sz="1400" u="none" cap="none" strike="noStrike">
+        <a:defRPr sz="1400" b="0" i="0" u="none" strike="noStrike" cap="none">
           <a:solidFill>
             <a:srgbClr val="000000"/>
           </a:solidFill>
@@ -4951,11 +5000,11 @@
 </file>
 
 <file path=ppt/slides/slide1.xml><?xml version="1.0" encoding="utf-8"?>
-<p:sld xmlns:a="http://schemas.openxmlformats.org/drawingml/2006/main" xmlns:r="http://schemas.openxmlformats.org/officeDocument/2006/relationships" xmlns:mc="http://schemas.openxmlformats.org/markup-compatibility/2006" xmlns:mv="urn:schemas-microsoft-com:mac:vml" xmlns:p="http://schemas.openxmlformats.org/presentationml/2006/main" xmlns:c="http://schemas.openxmlformats.org/drawingml/2006/chart" xmlns:dgm="http://schemas.openxmlformats.org/drawingml/2006/diagram" xmlns:o="urn:schemas-microsoft-com:office:office" xmlns:v="urn:schemas-microsoft-com:vml" xmlns:pvml="urn:schemas-microsoft-com:office:powerpoint" xmlns:com="http://schemas.openxmlformats.org/drawingml/2006/compatibility" xmlns:p14="http://schemas.microsoft.com/office/powerpoint/2010/main" xmlns:p15="http://schemas.microsoft.com/office/powerpoint/2012/main" xmlns:ahyp="http://schemas.microsoft.com/office/drawing/2018/hyperlinkcolor">
+<p:sld xmlns:a="http://schemas.openxmlformats.org/drawingml/2006/main" xmlns:r="http://schemas.openxmlformats.org/officeDocument/2006/relationships" xmlns:p="http://schemas.openxmlformats.org/presentationml/2006/main">
   <p:cSld>
     <p:spTree>
       <p:nvGrpSpPr>
-        <p:cNvPr id="45" name="Shape 45"/>
+        <p:cNvPr id="1" name="Shape 45"/>
         <p:cNvGrpSpPr/>
         <p:nvPr/>
       </p:nvGrpSpPr>
@@ -4970,9 +5019,11 @@
       <p:sp>
         <p:nvSpPr>
           <p:cNvPr id="46" name="Google Shape;46;p1"/>
-          <p:cNvSpPr txBox="1"/>
+          <p:cNvSpPr txBox="1">
+            <a:spLocks noGrp="1"/>
+          </p:cNvSpPr>
           <p:nvPr>
-            <p:ph idx="1" type="body"/>
+            <p:ph type="body" idx="1"/>
           </p:nvPr>
         </p:nvSpPr>
         <p:spPr>
@@ -4989,12 +5040,12 @@
           </a:ln>
         </p:spPr>
         <p:txBody>
-          <a:bodyPr anchorCtr="0" anchor="t" bIns="45700" lIns="0" spcFirstLastPara="1" rIns="91425" wrap="square" tIns="45700">
+          <a:bodyPr spcFirstLastPara="1" wrap="square" lIns="0" tIns="45700" rIns="91425" bIns="45700" anchor="t" anchorCtr="0">
             <a:normAutofit/>
           </a:bodyPr>
           <a:lstStyle/>
           <a:p>
-            <a:pPr indent="0" lvl="0" marL="0" rtl="0" algn="r">
+            <a:pPr marL="0" lvl="0" indent="0" algn="r" rtl="0">
               <a:lnSpc>
                 <a:spcPct val="90000"/>
               </a:lnSpc>
@@ -5010,9 +5061,6 @@
               <a:buSzPts val="1500"/>
               <a:buNone/>
             </a:pPr>
-            <a:r>
-              <a:t/>
-            </a:r>
             <a:endParaRPr/>
           </a:p>
         </p:txBody>
@@ -5020,9 +5068,11 @@
       <p:sp>
         <p:nvSpPr>
           <p:cNvPr id="47" name="Google Shape;47;p1"/>
-          <p:cNvSpPr txBox="1"/>
+          <p:cNvSpPr txBox="1">
+            <a:spLocks noGrp="1"/>
+          </p:cNvSpPr>
           <p:nvPr>
-            <p:ph idx="2" type="body"/>
+            <p:ph type="body" idx="2"/>
           </p:nvPr>
         </p:nvSpPr>
         <p:spPr>
@@ -5039,12 +5089,12 @@
           </a:ln>
         </p:spPr>
         <p:txBody>
-          <a:bodyPr anchorCtr="0" anchor="ctr" bIns="45700" lIns="0" spcFirstLastPara="1" rIns="91425" wrap="square" tIns="45700">
+          <a:bodyPr spcFirstLastPara="1" wrap="square" lIns="0" tIns="45700" rIns="91425" bIns="45700" anchor="ctr" anchorCtr="0">
             <a:noAutofit/>
           </a:bodyPr>
           <a:lstStyle/>
           <a:p>
-            <a:pPr indent="0" lvl="0" marL="0" rtl="0" algn="l">
+            <a:pPr marL="0" lvl="0" indent="0" algn="l" rtl="0">
               <a:lnSpc>
                 <a:spcPct val="90000"/>
               </a:lnSpc>
@@ -5061,7 +5111,8 @@
               <a:buNone/>
             </a:pPr>
             <a:r>
-              <a:t/>
+              <a:rPr lang="en-US"/>
+              <a:t>TEST</a:t>
             </a:r>
             <a:endParaRPr/>
           </a:p>
@@ -5070,9 +5121,11 @@
       <p:sp>
         <p:nvSpPr>
           <p:cNvPr id="48" name="Google Shape;48;p1"/>
-          <p:cNvSpPr txBox="1"/>
+          <p:cNvSpPr txBox="1">
+            <a:spLocks noGrp="1"/>
+          </p:cNvSpPr>
           <p:nvPr>
-            <p:ph idx="3" type="body"/>
+            <p:ph type="body" idx="3"/>
           </p:nvPr>
         </p:nvSpPr>
         <p:spPr>
@@ -5089,12 +5142,12 @@
           </a:ln>
         </p:spPr>
         <p:txBody>
-          <a:bodyPr anchorCtr="0" anchor="ctr" bIns="45700" lIns="0" spcFirstLastPara="1" rIns="91425" wrap="square" tIns="45700">
+          <a:bodyPr spcFirstLastPara="1" wrap="square" lIns="0" tIns="45700" rIns="91425" bIns="45700" anchor="ctr" anchorCtr="0">
             <a:noAutofit/>
           </a:bodyPr>
           <a:lstStyle/>
           <a:p>
-            <a:pPr indent="0" lvl="0" marL="0" rtl="0" algn="l">
+            <a:pPr marL="0" lvl="0" indent="0" algn="l" rtl="0">
               <a:lnSpc>
                 <a:spcPct val="90000"/>
               </a:lnSpc>
@@ -5110,9 +5163,6 @@
               <a:buSzPts val="2000"/>
               <a:buNone/>
             </a:pPr>
-            <a:r>
-              <a:t/>
-            </a:r>
             <a:endParaRPr/>
           </a:p>
         </p:txBody>
@@ -5120,9 +5170,11 @@
       <p:sp>
         <p:nvSpPr>
           <p:cNvPr id="49" name="Google Shape;49;p1"/>
-          <p:cNvSpPr txBox="1"/>
+          <p:cNvSpPr txBox="1">
+            <a:spLocks noGrp="1"/>
+          </p:cNvSpPr>
           <p:nvPr>
-            <p:ph idx="4" type="body"/>
+            <p:ph type="body" idx="4"/>
           </p:nvPr>
         </p:nvSpPr>
         <p:spPr>
@@ -5139,12 +5191,12 @@
           </a:ln>
         </p:spPr>
         <p:txBody>
-          <a:bodyPr anchorCtr="0" anchor="t" bIns="45700" lIns="0" spcFirstLastPara="1" rIns="91425" wrap="square" tIns="45700">
+          <a:bodyPr spcFirstLastPara="1" wrap="square" lIns="0" tIns="45700" rIns="91425" bIns="45700" anchor="t" anchorCtr="0">
             <a:normAutofit/>
           </a:bodyPr>
           <a:lstStyle/>
           <a:p>
-            <a:pPr indent="0" lvl="0" marL="0" rtl="0" algn="r">
+            <a:pPr marL="0" lvl="0" indent="0" algn="r" rtl="0">
               <a:lnSpc>
                 <a:spcPct val="90000"/>
               </a:lnSpc>
@@ -5160,9 +5212,6 @@
               <a:buSzPts val="1600"/>
               <a:buNone/>
             </a:pPr>
-            <a:r>
-              <a:t/>
-            </a:r>
             <a:endParaRPr/>
           </a:p>
         </p:txBody>
@@ -5176,11 +5225,11 @@
 </file>
 
 <file path=ppt/slides/slide2.xml><?xml version="1.0" encoding="utf-8"?>
-<p:sld xmlns:a="http://schemas.openxmlformats.org/drawingml/2006/main" xmlns:r="http://schemas.openxmlformats.org/officeDocument/2006/relationships" xmlns:mc="http://schemas.openxmlformats.org/markup-compatibility/2006" xmlns:mv="urn:schemas-microsoft-com:mac:vml" xmlns:p="http://schemas.openxmlformats.org/presentationml/2006/main" xmlns:c="http://schemas.openxmlformats.org/drawingml/2006/chart" xmlns:dgm="http://schemas.openxmlformats.org/drawingml/2006/diagram" xmlns:o="urn:schemas-microsoft-com:office:office" xmlns:v="urn:schemas-microsoft-com:vml" xmlns:pvml="urn:schemas-microsoft-com:office:powerpoint" xmlns:com="http://schemas.openxmlformats.org/drawingml/2006/compatibility" xmlns:p14="http://schemas.microsoft.com/office/powerpoint/2010/main" xmlns:p15="http://schemas.microsoft.com/office/powerpoint/2012/main" xmlns:ahyp="http://schemas.microsoft.com/office/drawing/2018/hyperlinkcolor">
+<p:sld xmlns:a="http://schemas.openxmlformats.org/drawingml/2006/main" xmlns:r="http://schemas.openxmlformats.org/officeDocument/2006/relationships" xmlns:p="http://schemas.openxmlformats.org/presentationml/2006/main">
   <p:cSld>
     <p:spTree>
       <p:nvGrpSpPr>
-        <p:cNvPr id="53" name="Shape 53"/>
+        <p:cNvPr id="1" name="Shape 53"/>
         <p:cNvGrpSpPr/>
         <p:nvPr/>
       </p:nvGrpSpPr>
@@ -5195,9 +5244,11 @@
       <p:sp>
         <p:nvSpPr>
           <p:cNvPr id="54" name="Google Shape;54;p2"/>
-          <p:cNvSpPr txBox="1"/>
+          <p:cNvSpPr txBox="1">
+            <a:spLocks noGrp="1"/>
+          </p:cNvSpPr>
           <p:nvPr>
-            <p:ph idx="1" type="body"/>
+            <p:ph type="body" idx="1"/>
           </p:nvPr>
         </p:nvSpPr>
         <p:spPr>
@@ -5214,12 +5265,12 @@
           </a:ln>
         </p:spPr>
         <p:txBody>
-          <a:bodyPr anchorCtr="0" anchor="ctr" bIns="45700" lIns="0" spcFirstLastPara="1" rIns="91425" wrap="square" tIns="45700">
+          <a:bodyPr spcFirstLastPara="1" wrap="square" lIns="0" tIns="45700" rIns="91425" bIns="45700" anchor="ctr" anchorCtr="0">
             <a:noAutofit/>
           </a:bodyPr>
           <a:lstStyle/>
           <a:p>
-            <a:pPr indent="0" lvl="0" marL="0" rtl="0" algn="ctr">
+            <a:pPr marL="0" lvl="0" indent="0" algn="ctr" rtl="0">
               <a:lnSpc>
                 <a:spcPct val="90000"/>
               </a:lnSpc>
@@ -5235,9 +5286,6 @@
               <a:buSzPts val="3200"/>
               <a:buNone/>
             </a:pPr>
-            <a:r>
-              <a:t/>
-            </a:r>
             <a:endParaRPr/>
           </a:p>
         </p:txBody>
@@ -5251,11 +5299,11 @@
 </file>
 
 <file path=ppt/slides/slide3.xml><?xml version="1.0" encoding="utf-8"?>
-<p:sld xmlns:a="http://schemas.openxmlformats.org/drawingml/2006/main" xmlns:r="http://schemas.openxmlformats.org/officeDocument/2006/relationships" xmlns:mc="http://schemas.openxmlformats.org/markup-compatibility/2006" xmlns:mv="urn:schemas-microsoft-com:mac:vml" xmlns:p="http://schemas.openxmlformats.org/presentationml/2006/main" xmlns:c="http://schemas.openxmlformats.org/drawingml/2006/chart" xmlns:dgm="http://schemas.openxmlformats.org/drawingml/2006/diagram" xmlns:o="urn:schemas-microsoft-com:office:office" xmlns:v="urn:schemas-microsoft-com:vml" xmlns:pvml="urn:schemas-microsoft-com:office:powerpoint" xmlns:com="http://schemas.openxmlformats.org/drawingml/2006/compatibility" xmlns:p14="http://schemas.microsoft.com/office/powerpoint/2010/main" xmlns:p15="http://schemas.microsoft.com/office/powerpoint/2012/main" xmlns:ahyp="http://schemas.microsoft.com/office/drawing/2018/hyperlinkcolor">
+<p:sld xmlns:a="http://schemas.openxmlformats.org/drawingml/2006/main" xmlns:r="http://schemas.openxmlformats.org/officeDocument/2006/relationships" xmlns:p="http://schemas.openxmlformats.org/presentationml/2006/main">
   <p:cSld>
     <p:spTree>
       <p:nvGrpSpPr>
-        <p:cNvPr id="58" name="Shape 58"/>
+        <p:cNvPr id="1" name="Shape 58"/>
         <p:cNvGrpSpPr/>
         <p:nvPr/>
       </p:nvGrpSpPr>
@@ -5270,7 +5318,9 @@
       <p:sp>
         <p:nvSpPr>
           <p:cNvPr id="59" name="Google Shape;59;p3"/>
-          <p:cNvSpPr txBox="1"/>
+          <p:cNvSpPr txBox="1">
+            <a:spLocks noGrp="1"/>
+          </p:cNvSpPr>
           <p:nvPr>
             <p:ph type="title"/>
           </p:nvPr>
@@ -5289,12 +5339,12 @@
           </a:ln>
         </p:spPr>
         <p:txBody>
-          <a:bodyPr anchorCtr="0" anchor="ctr" bIns="45700" lIns="91425" spcFirstLastPara="1" rIns="91425" wrap="square" tIns="45700">
+          <a:bodyPr spcFirstLastPara="1" wrap="square" lIns="91425" tIns="45700" rIns="91425" bIns="45700" anchor="ctr" anchorCtr="0">
             <a:normAutofit/>
           </a:bodyPr>
           <a:lstStyle/>
           <a:p>
-            <a:pPr indent="0" lvl="0" marL="0" rtl="0" algn="l">
+            <a:pPr marL="0" lvl="0" indent="0" algn="l" rtl="0">
               <a:lnSpc>
                 <a:spcPct val="90000"/>
               </a:lnSpc>
@@ -5311,9 +5361,6 @@
               <a:buFont typeface="Malgun Gothic"/>
               <a:buNone/>
             </a:pPr>
-            <a:r>
-              <a:t/>
-            </a:r>
             <a:endParaRPr/>
           </a:p>
         </p:txBody>
@@ -5321,9 +5368,11 @@
       <p:sp>
         <p:nvSpPr>
           <p:cNvPr id="60" name="Google Shape;60;p3"/>
-          <p:cNvSpPr txBox="1"/>
+          <p:cNvSpPr txBox="1">
+            <a:spLocks noGrp="1"/>
+          </p:cNvSpPr>
           <p:nvPr>
-            <p:ph idx="1" type="body"/>
+            <p:ph type="body" idx="1"/>
           </p:nvPr>
         </p:nvSpPr>
         <p:spPr>
@@ -5340,12 +5389,12 @@
           </a:ln>
         </p:spPr>
         <p:txBody>
-          <a:bodyPr anchorCtr="0" anchor="t" bIns="45700" lIns="91425" spcFirstLastPara="1" rIns="91425" wrap="square" tIns="45700">
+          <a:bodyPr spcFirstLastPara="1" wrap="square" lIns="91425" tIns="45700" rIns="91425" bIns="45700" anchor="t" anchorCtr="0">
             <a:normAutofit/>
           </a:bodyPr>
           <a:lstStyle/>
           <a:p>
-            <a:pPr indent="-50800" lvl="0" marL="228600" rtl="0" algn="l">
+            <a:pPr marL="228600" lvl="0" indent="-50800" algn="l" rtl="0">
               <a:lnSpc>
                 <a:spcPct val="90000"/>
               </a:lnSpc>
@@ -5361,9 +5410,6 @@
               <a:buSzPts val="2800"/>
               <a:buNone/>
             </a:pPr>
-            <a:r>
-              <a:t/>
-            </a:r>
             <a:endParaRPr/>
           </a:p>
         </p:txBody>
@@ -5377,11 +5423,11 @@
 </file>
 
 <file path=ppt/slides/slide4.xml><?xml version="1.0" encoding="utf-8"?>
-<p:sld xmlns:a="http://schemas.openxmlformats.org/drawingml/2006/main" xmlns:r="http://schemas.openxmlformats.org/officeDocument/2006/relationships" xmlns:mc="http://schemas.openxmlformats.org/markup-compatibility/2006" xmlns:mv="urn:schemas-microsoft-com:mac:vml" xmlns:p="http://schemas.openxmlformats.org/presentationml/2006/main" xmlns:c="http://schemas.openxmlformats.org/drawingml/2006/chart" xmlns:dgm="http://schemas.openxmlformats.org/drawingml/2006/diagram" xmlns:o="urn:schemas-microsoft-com:office:office" xmlns:v="urn:schemas-microsoft-com:vml" xmlns:pvml="urn:schemas-microsoft-com:office:powerpoint" xmlns:com="http://schemas.openxmlformats.org/drawingml/2006/compatibility" xmlns:p14="http://schemas.microsoft.com/office/powerpoint/2010/main" xmlns:p15="http://schemas.microsoft.com/office/powerpoint/2012/main" xmlns:ahyp="http://schemas.microsoft.com/office/drawing/2018/hyperlinkcolor">
+<p:sld xmlns:a="http://schemas.openxmlformats.org/drawingml/2006/main" xmlns:r="http://schemas.openxmlformats.org/officeDocument/2006/relationships" xmlns:p="http://schemas.openxmlformats.org/presentationml/2006/main">
   <p:cSld>
     <p:spTree>
       <p:nvGrpSpPr>
-        <p:cNvPr id="64" name="Shape 64"/>
+        <p:cNvPr id="1" name="Shape 64"/>
         <p:cNvGrpSpPr/>
         <p:nvPr/>
       </p:nvGrpSpPr>
@@ -5402,7 +5448,7 @@
 </file>
 
 <file path=ppt/theme/theme1.xml><?xml version="1.0" encoding="utf-8"?>
-<a:theme xmlns:a="http://schemas.openxmlformats.org/drawingml/2006/main" xmlns:r="http://schemas.openxmlformats.org/officeDocument/2006/relationships" name="Office 테마">
+<a:theme xmlns:a="http://schemas.openxmlformats.org/drawingml/2006/main" name="Office 테마">
   <a:themeElements>
     <a:clrScheme name="Office">
       <a:dk1>
@@ -5677,11 +5723,13 @@
       </a:bgFillStyleLst>
     </a:fmtScheme>
   </a:themeElements>
+  <a:objectDefaults/>
+  <a:extraClrSchemeLst/>
 </a:theme>
 </file>
 
 <file path=ppt/theme/theme2.xml><?xml version="1.0" encoding="utf-8"?>
-<a:theme xmlns:a="http://schemas.openxmlformats.org/drawingml/2006/main" xmlns:r="http://schemas.openxmlformats.org/officeDocument/2006/relationships">
+<a:theme xmlns:a="http://schemas.openxmlformats.org/drawingml/2006/main">
   <a:themeElements>
     <a:clrScheme name="Default">
       <a:dk1>
@@ -5956,5 +6004,7 @@
       </a:bgFillStyleLst>
     </a:fmtScheme>
   </a:themeElements>
+  <a:objectDefaults/>
+  <a:extraClrSchemeLst/>
 </a:theme>
 </file>
--- a/발표양식.pptx
+++ b/발표양식.pptx
@@ -5,13 +5,18 @@
     <p:sldMasterId id="2147483648" r:id="rId1"/>
   </p:sldMasterIdLst>
   <p:notesMasterIdLst>
-    <p:notesMasterId r:id="rId6"/>
+    <p:notesMasterId r:id="rId11"/>
   </p:notesMasterIdLst>
   <p:sldIdLst>
     <p:sldId id="256" r:id="rId2"/>
     <p:sldId id="257" r:id="rId3"/>
     <p:sldId id="258" r:id="rId4"/>
-    <p:sldId id="259" r:id="rId5"/>
+    <p:sldId id="260" r:id="rId5"/>
+    <p:sldId id="261" r:id="rId6"/>
+    <p:sldId id="262" r:id="rId7"/>
+    <p:sldId id="263" r:id="rId8"/>
+    <p:sldId id="264" r:id="rId9"/>
+    <p:sldId id="259" r:id="rId10"/>
   </p:sldIdLst>
   <p:sldSz cx="12192000" cy="6858000"/>
   <p:notesSz cx="6858000" cy="9144000"/>
@@ -245,8 +250,11 @@
     </a:lvl9pPr>
   </p:defaultTextStyle>
   <p:extLst>
+    <p:ext uri="{EFAFB233-063F-42B5-8137-9DF3F51BA10A}">
+      <p15:sldGuideLst xmlns:p15="http://schemas.microsoft.com/office/powerpoint/2012/main"/>
+    </p:ext>
     <p:ext uri="GoogleSlidesCustomDataVersion2">
-      <go:slidesCustomData xmlns:go="http://customooxmlschemas.google.com/" xmlns:ahyp="http://schemas.microsoft.com/office/drawing/2018/hyperlinkcolor" xmlns:p15="http://schemas.microsoft.com/office/powerpoint/2012/main" xmlns:p14="http://schemas.microsoft.com/office/powerpoint/2010/main" xmlns:com="http://schemas.openxmlformats.org/drawingml/2006/compatibility" xmlns:pvml="urn:schemas-microsoft-com:office:powerpoint" xmlns:v="urn:schemas-microsoft-com:vml" xmlns:o="urn:schemas-microsoft-com:office:office" xmlns:dgm="http://schemas.openxmlformats.org/drawingml/2006/diagram" xmlns:c="http://schemas.openxmlformats.org/drawingml/2006/chart" xmlns:mv="urn:schemas-microsoft-com:mac:vml" xmlns:mc="http://schemas.openxmlformats.org/markup-compatibility/2006" xmlns="" r:id="rId9" roundtripDataSignature="AMtx7mj5GdbxsaFl02bTEFBl/9s84/Z/Bw=="/>
+      <go:slidesCustomData xmlns="" xmlns:mc="http://schemas.openxmlformats.org/markup-compatibility/2006" xmlns:mv="urn:schemas-microsoft-com:mac:vml" xmlns:c="http://schemas.openxmlformats.org/drawingml/2006/chart" xmlns:dgm="http://schemas.openxmlformats.org/drawingml/2006/diagram" xmlns:o="urn:schemas-microsoft-com:office:office" xmlns:v="urn:schemas-microsoft-com:vml" xmlns:pvml="urn:schemas-microsoft-com:office:powerpoint" xmlns:com="http://schemas.openxmlformats.org/drawingml/2006/compatibility" xmlns:p14="http://schemas.microsoft.com/office/powerpoint/2010/main" xmlns:p15="http://schemas.microsoft.com/office/powerpoint/2012/main" xmlns:ahyp="http://schemas.microsoft.com/office/drawing/2018/hyperlinkcolor" xmlns:go="http://customooxmlschemas.google.com/" r:id="rId12" roundtripDataSignature="AMtx7mj5GdbxsaFl02bTEFBl/9s84/Z/Bw=="/>
     </p:ext>
   </p:extLst>
 </p:presentation>
@@ -968,8 +976,8 @@
         </p:nvSpPr>
         <p:spPr>
           <a:xfrm>
-            <a:off x="1143225" y="685800"/>
-            <a:ext cx="4572300" cy="3429000"/>
+            <a:off x="381000" y="685800"/>
+            <a:ext cx="6096000" cy="3429000"/>
           </a:xfrm>
           <a:custGeom>
             <a:avLst/>
@@ -5112,7 +5120,7 @@
             </a:pPr>
             <a:r>
               <a:rPr lang="en-US"/>
-              <a:t>TEST</a:t>
+              <a:t>SSD Project</a:t>
             </a:r>
             <a:endParaRPr/>
           </a:p>
@@ -5212,6 +5220,10 @@
               <a:buSzPts val="1600"/>
               <a:buNone/>
             </a:pPr>
+            <a:r>
+              <a:rPr lang="en-US"/>
+              <a:t>2024. 7. 12</a:t>
+            </a:r>
             <a:endParaRPr/>
           </a:p>
         </p:txBody>
@@ -5340,7 +5352,7 @@
         </p:spPr>
         <p:txBody>
           <a:bodyPr spcFirstLastPara="1" wrap="square" lIns="91425" tIns="45700" rIns="91425" bIns="45700" anchor="ctr" anchorCtr="0">
-            <a:normAutofit/>
+            <a:normAutofit fontScale="90000"/>
           </a:bodyPr>
           <a:lstStyle/>
           <a:p>
@@ -5361,6 +5373,10 @@
               <a:buFont typeface="Malgun Gothic"/>
               <a:buNone/>
             </a:pPr>
+            <a:r>
+              <a:rPr lang="en-US"/>
+              <a:t>Team Americano</a:t>
+            </a:r>
             <a:endParaRPr/>
           </a:p>
         </p:txBody>
@@ -5410,7 +5426,445 @@
               <a:buSzPts val="2800"/>
               <a:buNone/>
             </a:pPr>
-            <a:endParaRPr/>
+            <a:r>
+              <a:rPr lang="ko-KR" altLang="en-US" b="0" i="0">
+                <a:solidFill>
+                  <a:srgbClr val="161616"/>
+                </a:solidFill>
+                <a:effectLst/>
+                <a:latin typeface="Inter"/>
+              </a:rPr>
+              <a:t>한 번의 </a:t>
+            </a:r>
+            <a:r>
+              <a:rPr lang="en-US" altLang="ko-KR" b="0" i="0">
+                <a:solidFill>
+                  <a:srgbClr val="161616"/>
+                </a:solidFill>
+                <a:effectLst/>
+                <a:latin typeface="Inter"/>
+              </a:rPr>
+              <a:t>PR</a:t>
+            </a:r>
+            <a:r>
+              <a:rPr lang="ko-KR" altLang="en-US" b="0" i="0">
+                <a:solidFill>
+                  <a:srgbClr val="161616"/>
+                </a:solidFill>
+                <a:effectLst/>
+                <a:latin typeface="Inter"/>
+              </a:rPr>
+              <a:t>을 마치 한 잔의 커피처럼</a:t>
+            </a:r>
+            <a:r>
+              <a:rPr lang="en-US" altLang="ko-KR" b="0" i="0">
+                <a:solidFill>
+                  <a:srgbClr val="161616"/>
+                </a:solidFill>
+                <a:effectLst/>
+                <a:latin typeface="Inter"/>
+              </a:rPr>
+              <a:t>~ </a:t>
+            </a:r>
+          </a:p>
+          <a:p>
+            <a:pPr marL="228600" indent="-50800">
+              <a:spcBef>
+                <a:spcPts val="0"/>
+              </a:spcBef>
+              <a:buSzPts val="2800"/>
+              <a:buNone/>
+            </a:pPr>
+            <a:r>
+              <a:rPr lang="ko-KR" altLang="en-US">
+                <a:solidFill>
+                  <a:srgbClr val="161616"/>
+                </a:solidFill>
+                <a:latin typeface="Inter"/>
+              </a:rPr>
+              <a:t>항</a:t>
+            </a:r>
+            <a:r>
+              <a:rPr lang="ko-KR" altLang="en-US" b="0" i="0">
+                <a:solidFill>
+                  <a:srgbClr val="161616"/>
+                </a:solidFill>
+                <a:effectLst/>
+                <a:latin typeface="Inter"/>
+              </a:rPr>
+              <a:t>상 깨어있는 </a:t>
+            </a:r>
+            <a:r>
+              <a:rPr lang="en-US" altLang="ko-KR" b="0" i="0">
+                <a:solidFill>
+                  <a:srgbClr val="161616"/>
+                </a:solidFill>
+                <a:effectLst/>
+                <a:latin typeface="Inter"/>
+              </a:rPr>
+              <a:t>Code</a:t>
+            </a:r>
+            <a:r>
+              <a:rPr lang="ko-KR" altLang="en-US" b="0" i="0">
+                <a:solidFill>
+                  <a:srgbClr val="161616"/>
+                </a:solidFill>
+                <a:effectLst/>
+                <a:latin typeface="Inter"/>
+              </a:rPr>
+              <a:t>를 만들자</a:t>
+            </a:r>
+            <a:r>
+              <a:rPr lang="en-US" altLang="ko-KR" b="0" i="0">
+                <a:solidFill>
+                  <a:srgbClr val="161616"/>
+                </a:solidFill>
+                <a:effectLst/>
+                <a:latin typeface="Inter"/>
+              </a:rPr>
+              <a:t>!</a:t>
+            </a:r>
+          </a:p>
+          <a:p>
+            <a:pPr marL="228600" lvl="0" indent="-50800" algn="l" rtl="0">
+              <a:lnSpc>
+                <a:spcPct val="90000"/>
+              </a:lnSpc>
+              <a:spcBef>
+                <a:spcPts val="0"/>
+              </a:spcBef>
+              <a:spcAft>
+                <a:spcPts val="0"/>
+              </a:spcAft>
+              <a:buClr>
+                <a:schemeClr val="dk1"/>
+              </a:buClr>
+              <a:buSzPts val="2800"/>
+              <a:buNone/>
+            </a:pPr>
+            <a:endParaRPr lang="en-US" altLang="ko-KR" b="0" i="0">
+              <a:solidFill>
+                <a:srgbClr val="161616"/>
+              </a:solidFill>
+              <a:effectLst/>
+              <a:latin typeface="Inter"/>
+            </a:endParaRPr>
+          </a:p>
+          <a:p>
+            <a:pPr algn="l">
+              <a:buFont typeface="Arial" panose="020B0604020202020204" pitchFamily="34" charset="0"/>
+              <a:buChar char="•"/>
+            </a:pPr>
+            <a:r>
+              <a:rPr lang="ko-KR" altLang="en-US" b="0" i="0">
+                <a:solidFill>
+                  <a:srgbClr val="1F2328"/>
+                </a:solidFill>
+                <a:effectLst/>
+                <a:latin typeface="-apple-system"/>
+              </a:rPr>
+              <a:t>정혜연</a:t>
+            </a:r>
+            <a:r>
+              <a:rPr lang="en-US" altLang="ko-KR" b="0" i="0">
+                <a:solidFill>
+                  <a:srgbClr val="1F2328"/>
+                </a:solidFill>
+                <a:effectLst/>
+                <a:latin typeface="-apple-system"/>
+              </a:rPr>
+              <a:t>(</a:t>
+            </a:r>
+            <a:r>
+              <a:rPr lang="ko-KR" altLang="en-US" b="0" i="0">
+                <a:solidFill>
+                  <a:srgbClr val="1F2328"/>
+                </a:solidFill>
+                <a:effectLst/>
+                <a:latin typeface="-apple-system"/>
+              </a:rPr>
+              <a:t>팀장</a:t>
+            </a:r>
+            <a:r>
+              <a:rPr lang="en-US" altLang="ko-KR" b="0" i="0">
+                <a:solidFill>
+                  <a:srgbClr val="1F2328"/>
+                </a:solidFill>
+                <a:effectLst/>
+                <a:latin typeface="-apple-system"/>
+              </a:rPr>
+              <a:t>): Project </a:t>
+            </a:r>
+            <a:r>
+              <a:rPr lang="ko-KR" altLang="en-US" b="0" i="0">
+                <a:solidFill>
+                  <a:srgbClr val="1F2328"/>
+                </a:solidFill>
+                <a:effectLst/>
+                <a:latin typeface="-apple-system"/>
+              </a:rPr>
+              <a:t>구축</a:t>
+            </a:r>
+            <a:r>
+              <a:rPr lang="en-US" altLang="ko-KR" b="0" i="0">
+                <a:solidFill>
+                  <a:srgbClr val="1F2328"/>
+                </a:solidFill>
+                <a:effectLst/>
+                <a:latin typeface="-apple-system"/>
+              </a:rPr>
+              <a:t>, Test Shell - App </a:t>
+            </a:r>
+            <a:r>
+              <a:rPr lang="ko-KR" altLang="en-US" b="0" i="0">
+                <a:solidFill>
+                  <a:srgbClr val="1F2328"/>
+                </a:solidFill>
+                <a:effectLst/>
+                <a:latin typeface="-apple-system"/>
+              </a:rPr>
+              <a:t>개발</a:t>
+            </a:r>
+          </a:p>
+          <a:p>
+            <a:pPr algn="l">
+              <a:buFont typeface="Arial" panose="020B0604020202020204" pitchFamily="34" charset="0"/>
+              <a:buChar char="•"/>
+            </a:pPr>
+            <a:r>
+              <a:rPr lang="ko-KR" altLang="en-US" b="0" i="0">
+                <a:solidFill>
+                  <a:srgbClr val="1F2328"/>
+                </a:solidFill>
+                <a:effectLst/>
+                <a:latin typeface="-apple-system"/>
+              </a:rPr>
+              <a:t>윤태웅</a:t>
+            </a:r>
+            <a:r>
+              <a:rPr lang="en-US" altLang="ko-KR" b="0" i="0">
+                <a:solidFill>
+                  <a:srgbClr val="1F2328"/>
+                </a:solidFill>
+                <a:effectLst/>
+                <a:latin typeface="-apple-system"/>
+              </a:rPr>
+              <a:t>: Test Shell - App </a:t>
+            </a:r>
+            <a:r>
+              <a:rPr lang="ko-KR" altLang="en-US" b="0" i="0">
+                <a:solidFill>
+                  <a:srgbClr val="1F2328"/>
+                </a:solidFill>
+                <a:effectLst/>
+                <a:latin typeface="-apple-system"/>
+              </a:rPr>
+              <a:t>개발</a:t>
+            </a:r>
+          </a:p>
+          <a:p>
+            <a:pPr algn="l">
+              <a:buFont typeface="Arial" panose="020B0604020202020204" pitchFamily="34" charset="0"/>
+              <a:buChar char="•"/>
+            </a:pPr>
+            <a:r>
+              <a:rPr lang="ko-KR" altLang="en-US" b="0" i="0">
+                <a:solidFill>
+                  <a:srgbClr val="1F2328"/>
+                </a:solidFill>
+                <a:effectLst/>
+                <a:latin typeface="-apple-system"/>
+              </a:rPr>
+              <a:t>장현진</a:t>
+            </a:r>
+            <a:r>
+              <a:rPr lang="en-US" altLang="ko-KR" b="0" i="0">
+                <a:solidFill>
+                  <a:srgbClr val="1F2328"/>
+                </a:solidFill>
+                <a:effectLst/>
+                <a:latin typeface="-apple-system"/>
+              </a:rPr>
+              <a:t>: Test Shell - App </a:t>
+            </a:r>
+            <a:r>
+              <a:rPr lang="ko-KR" altLang="en-US" b="0" i="0">
+                <a:solidFill>
+                  <a:srgbClr val="1F2328"/>
+                </a:solidFill>
+                <a:effectLst/>
+                <a:latin typeface="-apple-system"/>
+              </a:rPr>
+              <a:t>개발</a:t>
+            </a:r>
+          </a:p>
+          <a:p>
+            <a:pPr algn="l">
+              <a:buFont typeface="Arial" panose="020B0604020202020204" pitchFamily="34" charset="0"/>
+              <a:buChar char="•"/>
+            </a:pPr>
+            <a:r>
+              <a:rPr lang="ko-KR" altLang="en-US" b="0" i="0">
+                <a:solidFill>
+                  <a:srgbClr val="1F2328"/>
+                </a:solidFill>
+                <a:effectLst/>
+                <a:latin typeface="-apple-system"/>
+              </a:rPr>
+              <a:t>유정균</a:t>
+            </a:r>
+            <a:r>
+              <a:rPr lang="en-US" altLang="ko-KR" b="0" i="0">
+                <a:solidFill>
+                  <a:srgbClr val="1F2328"/>
+                </a:solidFill>
+                <a:effectLst/>
+                <a:latin typeface="-apple-system"/>
+              </a:rPr>
+              <a:t>: </a:t>
+            </a:r>
+            <a:r>
+              <a:rPr lang="ko-KR" altLang="en-US" b="0" i="0">
+                <a:solidFill>
+                  <a:srgbClr val="1F2328"/>
+                </a:solidFill>
+                <a:effectLst/>
+                <a:latin typeface="-apple-system"/>
+              </a:rPr>
+              <a:t>가상 </a:t>
+            </a:r>
+            <a:r>
+              <a:rPr lang="en-US" altLang="ko-KR" b="0" i="0">
+                <a:solidFill>
+                  <a:srgbClr val="1F2328"/>
+                </a:solidFill>
+                <a:effectLst/>
+                <a:latin typeface="-apple-system"/>
+              </a:rPr>
+              <a:t>SSD </a:t>
+            </a:r>
+            <a:r>
+              <a:rPr lang="ko-KR" altLang="en-US" b="0" i="0">
+                <a:solidFill>
+                  <a:srgbClr val="1F2328"/>
+                </a:solidFill>
+                <a:effectLst/>
+                <a:latin typeface="-apple-system"/>
+              </a:rPr>
+              <a:t>제작</a:t>
+            </a:r>
+          </a:p>
+          <a:p>
+            <a:pPr algn="l">
+              <a:buFont typeface="Arial" panose="020B0604020202020204" pitchFamily="34" charset="0"/>
+              <a:buChar char="•"/>
+            </a:pPr>
+            <a:r>
+              <a:rPr lang="ko-KR" altLang="en-US" b="0" i="0">
+                <a:solidFill>
+                  <a:srgbClr val="1F2328"/>
+                </a:solidFill>
+                <a:effectLst/>
+                <a:latin typeface="-apple-system"/>
+              </a:rPr>
+              <a:t>박준영</a:t>
+            </a:r>
+            <a:r>
+              <a:rPr lang="en-US" altLang="ko-KR" b="0" i="0">
+                <a:solidFill>
+                  <a:srgbClr val="1F2328"/>
+                </a:solidFill>
+                <a:effectLst/>
+                <a:latin typeface="-apple-system"/>
+              </a:rPr>
+              <a:t>: </a:t>
+            </a:r>
+            <a:r>
+              <a:rPr lang="ko-KR" altLang="en-US" b="0" i="0">
+                <a:solidFill>
+                  <a:srgbClr val="1F2328"/>
+                </a:solidFill>
+                <a:effectLst/>
+                <a:latin typeface="-apple-system"/>
+              </a:rPr>
+              <a:t>가상 </a:t>
+            </a:r>
+            <a:r>
+              <a:rPr lang="en-US" altLang="ko-KR" b="0" i="0">
+                <a:solidFill>
+                  <a:srgbClr val="1F2328"/>
+                </a:solidFill>
+                <a:effectLst/>
+                <a:latin typeface="-apple-system"/>
+              </a:rPr>
+              <a:t>SSD </a:t>
+            </a:r>
+            <a:r>
+              <a:rPr lang="ko-KR" altLang="en-US" b="0" i="0">
+                <a:solidFill>
+                  <a:srgbClr val="1F2328"/>
+                </a:solidFill>
+                <a:effectLst/>
+                <a:latin typeface="-apple-system"/>
+              </a:rPr>
+              <a:t>제작</a:t>
+            </a:r>
+          </a:p>
+          <a:p>
+            <a:pPr algn="l">
+              <a:buFont typeface="Arial" panose="020B0604020202020204" pitchFamily="34" charset="0"/>
+              <a:buChar char="•"/>
+            </a:pPr>
+            <a:r>
+              <a:rPr lang="ko-KR" altLang="en-US" b="0" i="0">
+                <a:solidFill>
+                  <a:srgbClr val="1F2328"/>
+                </a:solidFill>
+                <a:effectLst/>
+                <a:latin typeface="-apple-system"/>
+              </a:rPr>
+              <a:t>홍주영</a:t>
+            </a:r>
+            <a:r>
+              <a:rPr lang="en-US" altLang="ko-KR" b="0" i="0">
+                <a:solidFill>
+                  <a:srgbClr val="1F2328"/>
+                </a:solidFill>
+                <a:effectLst/>
+                <a:latin typeface="-apple-system"/>
+              </a:rPr>
+              <a:t>: </a:t>
+            </a:r>
+            <a:r>
+              <a:rPr lang="ko-KR" altLang="en-US" b="0" i="0">
+                <a:solidFill>
+                  <a:srgbClr val="1F2328"/>
+                </a:solidFill>
+                <a:effectLst/>
+                <a:latin typeface="-apple-system"/>
+              </a:rPr>
+              <a:t>가상 </a:t>
+            </a:r>
+            <a:r>
+              <a:rPr lang="en-US" altLang="ko-KR" b="0" i="0">
+                <a:solidFill>
+                  <a:srgbClr val="1F2328"/>
+                </a:solidFill>
+                <a:effectLst/>
+                <a:latin typeface="-apple-system"/>
+              </a:rPr>
+              <a:t>SSD </a:t>
+            </a:r>
+            <a:r>
+              <a:rPr lang="ko-KR" altLang="en-US" b="0" i="0">
+                <a:solidFill>
+                  <a:srgbClr val="1F2328"/>
+                </a:solidFill>
+                <a:effectLst/>
+                <a:latin typeface="-apple-system"/>
+              </a:rPr>
+              <a:t>제작</a:t>
+            </a:r>
           </a:p>
         </p:txBody>
       </p:sp>
@@ -5423,6 +5877,475 @@
 </file>
 
 <file path=ppt/slides/slide4.xml><?xml version="1.0" encoding="utf-8"?>
+<p:sld xmlns:a="http://schemas.openxmlformats.org/drawingml/2006/main" xmlns:r="http://schemas.openxmlformats.org/officeDocument/2006/relationships" xmlns:p="http://schemas.openxmlformats.org/presentationml/2006/main">
+  <p:cSld>
+    <p:spTree>
+      <p:nvGrpSpPr>
+        <p:cNvPr id="1" name=""/>
+        <p:cNvGrpSpPr/>
+        <p:nvPr/>
+      </p:nvGrpSpPr>
+      <p:grpSpPr>
+        <a:xfrm>
+          <a:off x="0" y="0"/>
+          <a:ext cx="0" cy="0"/>
+          <a:chOff x="0" y="0"/>
+          <a:chExt cx="0" cy="0"/>
+        </a:xfrm>
+      </p:grpSpPr>
+      <p:sp>
+        <p:nvSpPr>
+          <p:cNvPr id="2" name="제목 1">
+            <a:extLst>
+              <a:ext uri="{FF2B5EF4-FFF2-40B4-BE49-F238E27FC236}">
+                <a16:creationId xmlns:a16="http://schemas.microsoft.com/office/drawing/2014/main" id="{6A76090C-AE41-4D77-9CC9-BBF7872705A9}"/>
+              </a:ext>
+            </a:extLst>
+          </p:cNvPr>
+          <p:cNvSpPr>
+            <a:spLocks noGrp="1"/>
+          </p:cNvSpPr>
+          <p:nvPr>
+            <p:ph type="title"/>
+          </p:nvPr>
+        </p:nvSpPr>
+        <p:spPr/>
+        <p:txBody>
+          <a:bodyPr>
+            <a:normAutofit fontScale="90000"/>
+          </a:bodyPr>
+          <a:lstStyle/>
+          <a:p>
+            <a:r>
+              <a:rPr lang="ko-KR" altLang="en-US"/>
+              <a:t>기능 구현 소개</a:t>
+            </a:r>
+          </a:p>
+        </p:txBody>
+      </p:sp>
+      <p:sp>
+        <p:nvSpPr>
+          <p:cNvPr id="3" name="텍스트 개체 틀 2">
+            <a:extLst>
+              <a:ext uri="{FF2B5EF4-FFF2-40B4-BE49-F238E27FC236}">
+                <a16:creationId xmlns:a16="http://schemas.microsoft.com/office/drawing/2014/main" id="{4E8DB54B-917E-47A9-BE06-6B9DB1353E3E}"/>
+              </a:ext>
+            </a:extLst>
+          </p:cNvPr>
+          <p:cNvSpPr>
+            <a:spLocks noGrp="1"/>
+          </p:cNvSpPr>
+          <p:nvPr>
+            <p:ph type="body" idx="1"/>
+          </p:nvPr>
+        </p:nvSpPr>
+        <p:spPr/>
+        <p:txBody>
+          <a:bodyPr/>
+          <a:lstStyle/>
+          <a:p>
+            <a:r>
+              <a:rPr lang="ko-KR" altLang="en-US"/>
+              <a:t>전체 디자인 및 각 클래스 역할</a:t>
+            </a:r>
+            <a:endParaRPr lang="en-US" altLang="ko-KR"/>
+          </a:p>
+          <a:p>
+            <a:r>
+              <a:rPr lang="ko-KR" altLang="en-US"/>
+              <a:t>활용한 디자인 패턴 소개</a:t>
+            </a:r>
+          </a:p>
+        </p:txBody>
+      </p:sp>
+    </p:spTree>
+    <p:extLst>
+      <p:ext uri="{BB962C8B-B14F-4D97-AF65-F5344CB8AC3E}">
+        <p14:creationId xmlns:p14="http://schemas.microsoft.com/office/powerpoint/2010/main" val="36402733"/>
+      </p:ext>
+    </p:extLst>
+  </p:cSld>
+  <p:clrMapOvr>
+    <a:masterClrMapping/>
+  </p:clrMapOvr>
+</p:sld>
+</file>
+
+<file path=ppt/slides/slide5.xml><?xml version="1.0" encoding="utf-8"?>
+<p:sld xmlns:a="http://schemas.openxmlformats.org/drawingml/2006/main" xmlns:r="http://schemas.openxmlformats.org/officeDocument/2006/relationships" xmlns:p="http://schemas.openxmlformats.org/presentationml/2006/main">
+  <p:cSld>
+    <p:spTree>
+      <p:nvGrpSpPr>
+        <p:cNvPr id="1" name=""/>
+        <p:cNvGrpSpPr/>
+        <p:nvPr/>
+      </p:nvGrpSpPr>
+      <p:grpSpPr>
+        <a:xfrm>
+          <a:off x="0" y="0"/>
+          <a:ext cx="0" cy="0"/>
+          <a:chOff x="0" y="0"/>
+          <a:chExt cx="0" cy="0"/>
+        </a:xfrm>
+      </p:grpSpPr>
+      <p:sp>
+        <p:nvSpPr>
+          <p:cNvPr id="2" name="제목 1">
+            <a:extLst>
+              <a:ext uri="{FF2B5EF4-FFF2-40B4-BE49-F238E27FC236}">
+                <a16:creationId xmlns:a16="http://schemas.microsoft.com/office/drawing/2014/main" id="{E126DC2B-16C1-4763-9EB8-0D522AC5921C}"/>
+              </a:ext>
+            </a:extLst>
+          </p:cNvPr>
+          <p:cNvSpPr>
+            <a:spLocks noGrp="1"/>
+          </p:cNvSpPr>
+          <p:nvPr>
+            <p:ph type="title"/>
+          </p:nvPr>
+        </p:nvSpPr>
+        <p:spPr/>
+        <p:txBody>
+          <a:bodyPr>
+            <a:normAutofit fontScale="90000"/>
+          </a:bodyPr>
+          <a:lstStyle/>
+          <a:p>
+            <a:r>
+              <a:rPr lang="en-US" altLang="ko-KR"/>
+              <a:t>TDD </a:t>
+            </a:r>
+            <a:r>
+              <a:rPr lang="ko-KR" altLang="en-US"/>
+              <a:t>활용 예시</a:t>
+            </a:r>
+          </a:p>
+        </p:txBody>
+      </p:sp>
+      <p:sp>
+        <p:nvSpPr>
+          <p:cNvPr id="3" name="텍스트 개체 틀 2">
+            <a:extLst>
+              <a:ext uri="{FF2B5EF4-FFF2-40B4-BE49-F238E27FC236}">
+                <a16:creationId xmlns:a16="http://schemas.microsoft.com/office/drawing/2014/main" id="{B33CD206-7167-45B3-B4BE-F0BFA702F8C9}"/>
+              </a:ext>
+            </a:extLst>
+          </p:cNvPr>
+          <p:cNvSpPr>
+            <a:spLocks noGrp="1"/>
+          </p:cNvSpPr>
+          <p:nvPr>
+            <p:ph type="body" idx="1"/>
+          </p:nvPr>
+        </p:nvSpPr>
+        <p:spPr/>
+        <p:txBody>
+          <a:bodyPr/>
+          <a:lstStyle/>
+          <a:p>
+            <a:r>
+              <a:rPr lang="ko-KR" altLang="en-US"/>
+              <a:t>테스트 케이스 및 결과</a:t>
+            </a:r>
+            <a:endParaRPr lang="en-US" altLang="ko-KR"/>
+          </a:p>
+          <a:p>
+            <a:r>
+              <a:rPr lang="ko-KR" altLang="en-US"/>
+              <a:t>테스트 픽스쳐</a:t>
+            </a:r>
+          </a:p>
+        </p:txBody>
+      </p:sp>
+    </p:spTree>
+    <p:extLst>
+      <p:ext uri="{BB962C8B-B14F-4D97-AF65-F5344CB8AC3E}">
+        <p14:creationId xmlns:p14="http://schemas.microsoft.com/office/powerpoint/2010/main" val="895998561"/>
+      </p:ext>
+    </p:extLst>
+  </p:cSld>
+  <p:clrMapOvr>
+    <a:masterClrMapping/>
+  </p:clrMapOvr>
+</p:sld>
+</file>
+
+<file path=ppt/slides/slide6.xml><?xml version="1.0" encoding="utf-8"?>
+<p:sld xmlns:a="http://schemas.openxmlformats.org/drawingml/2006/main" xmlns:r="http://schemas.openxmlformats.org/officeDocument/2006/relationships" xmlns:p="http://schemas.openxmlformats.org/presentationml/2006/main">
+  <p:cSld>
+    <p:spTree>
+      <p:nvGrpSpPr>
+        <p:cNvPr id="1" name=""/>
+        <p:cNvGrpSpPr/>
+        <p:nvPr/>
+      </p:nvGrpSpPr>
+      <p:grpSpPr>
+        <a:xfrm>
+          <a:off x="0" y="0"/>
+          <a:ext cx="0" cy="0"/>
+          <a:chOff x="0" y="0"/>
+          <a:chExt cx="0" cy="0"/>
+        </a:xfrm>
+      </p:grpSpPr>
+      <p:sp>
+        <p:nvSpPr>
+          <p:cNvPr id="2" name="제목 1">
+            <a:extLst>
+              <a:ext uri="{FF2B5EF4-FFF2-40B4-BE49-F238E27FC236}">
+                <a16:creationId xmlns:a16="http://schemas.microsoft.com/office/drawing/2014/main" id="{BDA3D861-0979-4501-A402-6E3F750FAC2E}"/>
+              </a:ext>
+            </a:extLst>
+          </p:cNvPr>
+          <p:cNvSpPr>
+            <a:spLocks noGrp="1"/>
+          </p:cNvSpPr>
+          <p:nvPr>
+            <p:ph type="title"/>
+          </p:nvPr>
+        </p:nvSpPr>
+        <p:spPr/>
+        <p:txBody>
+          <a:bodyPr>
+            <a:normAutofit fontScale="90000"/>
+          </a:bodyPr>
+          <a:lstStyle/>
+          <a:p>
+            <a:r>
+              <a:rPr lang="en-US" altLang="ko-KR"/>
+              <a:t>Mocking </a:t>
+            </a:r>
+            <a:r>
+              <a:rPr lang="ko-KR" altLang="en-US"/>
+              <a:t>활용 예시</a:t>
+            </a:r>
+          </a:p>
+        </p:txBody>
+      </p:sp>
+      <p:sp>
+        <p:nvSpPr>
+          <p:cNvPr id="3" name="텍스트 개체 틀 2">
+            <a:extLst>
+              <a:ext uri="{FF2B5EF4-FFF2-40B4-BE49-F238E27FC236}">
+                <a16:creationId xmlns:a16="http://schemas.microsoft.com/office/drawing/2014/main" id="{379AC7A0-B53D-489C-B3E5-10B54AEEA304}"/>
+              </a:ext>
+            </a:extLst>
+          </p:cNvPr>
+          <p:cNvSpPr>
+            <a:spLocks noGrp="1"/>
+          </p:cNvSpPr>
+          <p:nvPr>
+            <p:ph type="body" idx="1"/>
+          </p:nvPr>
+        </p:nvSpPr>
+        <p:spPr/>
+        <p:txBody>
+          <a:bodyPr/>
+          <a:lstStyle/>
+          <a:p>
+            <a:r>
+              <a:rPr lang="en-US" altLang="ko-KR"/>
+              <a:t>File reader</a:t>
+            </a:r>
+          </a:p>
+          <a:p>
+            <a:r>
+              <a:rPr lang="en-US" altLang="ko-KR"/>
+              <a:t>SSD deriver</a:t>
+            </a:r>
+          </a:p>
+          <a:p>
+            <a:r>
+              <a:rPr lang="en-US" altLang="ko-KR"/>
+              <a:t>Nand device</a:t>
+            </a:r>
+            <a:endParaRPr lang="ko-KR" altLang="en-US"/>
+          </a:p>
+        </p:txBody>
+      </p:sp>
+    </p:spTree>
+    <p:extLst>
+      <p:ext uri="{BB962C8B-B14F-4D97-AF65-F5344CB8AC3E}">
+        <p14:creationId xmlns:p14="http://schemas.microsoft.com/office/powerpoint/2010/main" val="1930606923"/>
+      </p:ext>
+    </p:extLst>
+  </p:cSld>
+  <p:clrMapOvr>
+    <a:masterClrMapping/>
+  </p:clrMapOvr>
+</p:sld>
+</file>
+
+<file path=ppt/slides/slide7.xml><?xml version="1.0" encoding="utf-8"?>
+<p:sld xmlns:a="http://schemas.openxmlformats.org/drawingml/2006/main" xmlns:r="http://schemas.openxmlformats.org/officeDocument/2006/relationships" xmlns:p="http://schemas.openxmlformats.org/presentationml/2006/main">
+  <p:cSld>
+    <p:spTree>
+      <p:nvGrpSpPr>
+        <p:cNvPr id="1" name=""/>
+        <p:cNvGrpSpPr/>
+        <p:nvPr/>
+      </p:nvGrpSpPr>
+      <p:grpSpPr>
+        <a:xfrm>
+          <a:off x="0" y="0"/>
+          <a:ext cx="0" cy="0"/>
+          <a:chOff x="0" y="0"/>
+          <a:chExt cx="0" cy="0"/>
+        </a:xfrm>
+      </p:grpSpPr>
+      <p:sp>
+        <p:nvSpPr>
+          <p:cNvPr id="2" name="제목 1">
+            <a:extLst>
+              <a:ext uri="{FF2B5EF4-FFF2-40B4-BE49-F238E27FC236}">
+                <a16:creationId xmlns:a16="http://schemas.microsoft.com/office/drawing/2014/main" id="{339DF875-8450-4FC2-B87E-F9DBA360D9B2}"/>
+              </a:ext>
+            </a:extLst>
+          </p:cNvPr>
+          <p:cNvSpPr>
+            <a:spLocks noGrp="1"/>
+          </p:cNvSpPr>
+          <p:nvPr>
+            <p:ph type="title"/>
+          </p:nvPr>
+        </p:nvSpPr>
+        <p:spPr/>
+        <p:txBody>
+          <a:bodyPr>
+            <a:normAutofit fontScale="90000"/>
+          </a:bodyPr>
+          <a:lstStyle/>
+          <a:p>
+            <a:r>
+              <a:rPr lang="ko-KR" altLang="en-US"/>
+              <a:t>리팩토링 전후 코드 비교</a:t>
+            </a:r>
+          </a:p>
+        </p:txBody>
+      </p:sp>
+      <p:sp>
+        <p:nvSpPr>
+          <p:cNvPr id="3" name="텍스트 개체 틀 2">
+            <a:extLst>
+              <a:ext uri="{FF2B5EF4-FFF2-40B4-BE49-F238E27FC236}">
+                <a16:creationId xmlns:a16="http://schemas.microsoft.com/office/drawing/2014/main" id="{348A6CC5-097A-44E8-8418-8946CF1C9809}"/>
+              </a:ext>
+            </a:extLst>
+          </p:cNvPr>
+          <p:cNvSpPr>
+            <a:spLocks noGrp="1"/>
+          </p:cNvSpPr>
+          <p:nvPr>
+            <p:ph type="body" idx="1"/>
+          </p:nvPr>
+        </p:nvSpPr>
+        <p:spPr/>
+        <p:txBody>
+          <a:bodyPr/>
+          <a:lstStyle/>
+          <a:p>
+            <a:endParaRPr lang="ko-KR" altLang="en-US"/>
+          </a:p>
+        </p:txBody>
+      </p:sp>
+    </p:spTree>
+    <p:extLst>
+      <p:ext uri="{BB962C8B-B14F-4D97-AF65-F5344CB8AC3E}">
+        <p14:creationId xmlns:p14="http://schemas.microsoft.com/office/powerpoint/2010/main" val="913048172"/>
+      </p:ext>
+    </p:extLst>
+  </p:cSld>
+  <p:clrMapOvr>
+    <a:masterClrMapping/>
+  </p:clrMapOvr>
+</p:sld>
+</file>
+
+<file path=ppt/slides/slide8.xml><?xml version="1.0" encoding="utf-8"?>
+<p:sld xmlns:a="http://schemas.openxmlformats.org/drawingml/2006/main" xmlns:r="http://schemas.openxmlformats.org/officeDocument/2006/relationships" xmlns:p="http://schemas.openxmlformats.org/presentationml/2006/main">
+  <p:cSld>
+    <p:spTree>
+      <p:nvGrpSpPr>
+        <p:cNvPr id="1" name=""/>
+        <p:cNvGrpSpPr/>
+        <p:nvPr/>
+      </p:nvGrpSpPr>
+      <p:grpSpPr>
+        <a:xfrm>
+          <a:off x="0" y="0"/>
+          <a:ext cx="0" cy="0"/>
+          <a:chOff x="0" y="0"/>
+          <a:chExt cx="0" cy="0"/>
+        </a:xfrm>
+      </p:grpSpPr>
+      <p:sp>
+        <p:nvSpPr>
+          <p:cNvPr id="2" name="제목 1">
+            <a:extLst>
+              <a:ext uri="{FF2B5EF4-FFF2-40B4-BE49-F238E27FC236}">
+                <a16:creationId xmlns:a16="http://schemas.microsoft.com/office/drawing/2014/main" id="{6A0B7156-C56D-4366-AC21-2D6E2175AD9A}"/>
+              </a:ext>
+            </a:extLst>
+          </p:cNvPr>
+          <p:cNvSpPr>
+            <a:spLocks noGrp="1"/>
+          </p:cNvSpPr>
+          <p:nvPr>
+            <p:ph type="title"/>
+          </p:nvPr>
+        </p:nvSpPr>
+        <p:spPr/>
+        <p:txBody>
+          <a:bodyPr>
+            <a:normAutofit fontScale="90000"/>
+          </a:bodyPr>
+          <a:lstStyle/>
+          <a:p>
+            <a:r>
+              <a:rPr lang="ko-KR" altLang="en-US"/>
+              <a:t>소감</a:t>
+            </a:r>
+          </a:p>
+        </p:txBody>
+      </p:sp>
+      <p:sp>
+        <p:nvSpPr>
+          <p:cNvPr id="3" name="텍스트 개체 틀 2">
+            <a:extLst>
+              <a:ext uri="{FF2B5EF4-FFF2-40B4-BE49-F238E27FC236}">
+                <a16:creationId xmlns:a16="http://schemas.microsoft.com/office/drawing/2014/main" id="{1CC29DF7-2306-4B91-9898-DF8FFCDD7DC0}"/>
+              </a:ext>
+            </a:extLst>
+          </p:cNvPr>
+          <p:cNvSpPr>
+            <a:spLocks noGrp="1"/>
+          </p:cNvSpPr>
+          <p:nvPr>
+            <p:ph type="body" idx="1"/>
+          </p:nvPr>
+        </p:nvSpPr>
+        <p:spPr/>
+        <p:txBody>
+          <a:bodyPr/>
+          <a:lstStyle/>
+          <a:p>
+            <a:endParaRPr lang="ko-KR" altLang="en-US"/>
+          </a:p>
+        </p:txBody>
+      </p:sp>
+    </p:spTree>
+    <p:extLst>
+      <p:ext uri="{BB962C8B-B14F-4D97-AF65-F5344CB8AC3E}">
+        <p14:creationId xmlns:p14="http://schemas.microsoft.com/office/powerpoint/2010/main" val="1585900441"/>
+      </p:ext>
+    </p:extLst>
+  </p:cSld>
+  <p:clrMapOvr>
+    <a:masterClrMapping/>
+  </p:clrMapOvr>
+</p:sld>
+</file>
+
+<file path=ppt/slides/slide9.xml><?xml version="1.0" encoding="utf-8"?>
 <p:sld xmlns:a="http://schemas.openxmlformats.org/drawingml/2006/main" xmlns:r="http://schemas.openxmlformats.org/officeDocument/2006/relationships" xmlns:p="http://schemas.openxmlformats.org/presentationml/2006/main">
   <p:cSld>
     <p:spTree>

--- a/발표양식.pptx
+++ b/발표양식.pptx
@@ -5,18 +5,26 @@
     <p:sldMasterId id="2147483648" r:id="rId1"/>
   </p:sldMasterIdLst>
   <p:notesMasterIdLst>
-    <p:notesMasterId r:id="rId11"/>
+    <p:notesMasterId r:id="rId19"/>
   </p:notesMasterIdLst>
   <p:sldIdLst>
     <p:sldId id="256" r:id="rId2"/>
     <p:sldId id="257" r:id="rId3"/>
     <p:sldId id="258" r:id="rId4"/>
-    <p:sldId id="260" r:id="rId5"/>
-    <p:sldId id="261" r:id="rId6"/>
-    <p:sldId id="262" r:id="rId7"/>
-    <p:sldId id="263" r:id="rId8"/>
-    <p:sldId id="264" r:id="rId9"/>
-    <p:sldId id="259" r:id="rId10"/>
+    <p:sldId id="265" r:id="rId5"/>
+    <p:sldId id="260" r:id="rId6"/>
+    <p:sldId id="266" r:id="rId7"/>
+    <p:sldId id="267" r:id="rId8"/>
+    <p:sldId id="261" r:id="rId9"/>
+    <p:sldId id="268" r:id="rId10"/>
+    <p:sldId id="269" r:id="rId11"/>
+    <p:sldId id="262" r:id="rId12"/>
+    <p:sldId id="270" r:id="rId13"/>
+    <p:sldId id="271" r:id="rId14"/>
+    <p:sldId id="263" r:id="rId15"/>
+    <p:sldId id="272" r:id="rId16"/>
+    <p:sldId id="264" r:id="rId17"/>
+    <p:sldId id="259" r:id="rId18"/>
   </p:sldIdLst>
   <p:sldSz cx="12192000" cy="6858000"/>
   <p:notesSz cx="6858000" cy="9144000"/>
@@ -254,7 +262,7 @@
       <p15:sldGuideLst xmlns:p15="http://schemas.microsoft.com/office/powerpoint/2012/main"/>
     </p:ext>
     <p:ext uri="GoogleSlidesCustomDataVersion2">
-      <go:slidesCustomData xmlns="" xmlns:mc="http://schemas.openxmlformats.org/markup-compatibility/2006" xmlns:mv="urn:schemas-microsoft-com:mac:vml" xmlns:c="http://schemas.openxmlformats.org/drawingml/2006/chart" xmlns:dgm="http://schemas.openxmlformats.org/drawingml/2006/diagram" xmlns:o="urn:schemas-microsoft-com:office:office" xmlns:v="urn:schemas-microsoft-com:vml" xmlns:pvml="urn:schemas-microsoft-com:office:powerpoint" xmlns:com="http://schemas.openxmlformats.org/drawingml/2006/compatibility" xmlns:p14="http://schemas.microsoft.com/office/powerpoint/2010/main" xmlns:p15="http://schemas.microsoft.com/office/powerpoint/2012/main" xmlns:ahyp="http://schemas.microsoft.com/office/drawing/2018/hyperlinkcolor" xmlns:go="http://customooxmlschemas.google.com/" r:id="rId12" roundtripDataSignature="AMtx7mj5GdbxsaFl02bTEFBl/9s84/Z/Bw=="/>
+      <go:slidesCustomData xmlns:go="http://customooxmlschemas.google.com/" xmlns:ahyp="http://schemas.microsoft.com/office/drawing/2018/hyperlinkcolor" xmlns:p15="http://schemas.microsoft.com/office/powerpoint/2012/main" xmlns:p14="http://schemas.microsoft.com/office/powerpoint/2010/main" xmlns:com="http://schemas.openxmlformats.org/drawingml/2006/compatibility" xmlns:pvml="urn:schemas-microsoft-com:office:powerpoint" xmlns:v="urn:schemas-microsoft-com:vml" xmlns:o="urn:schemas-microsoft-com:office:office" xmlns:dgm="http://schemas.openxmlformats.org/drawingml/2006/diagram" xmlns:c="http://schemas.openxmlformats.org/drawingml/2006/chart" xmlns:mv="urn:schemas-microsoft-com:mac:vml" xmlns:mc="http://schemas.openxmlformats.org/markup-compatibility/2006" xmlns="" r:id="rId20" roundtripDataSignature="AMtx7mj5GdbxsaFl02bTEFBl/9s84/Z/Bw=="/>
     </p:ext>
   </p:extLst>
 </p:presentation>
@@ -872,8 +880,8 @@
         </p:nvSpPr>
         <p:spPr>
           <a:xfrm>
-            <a:off x="1143225" y="685800"/>
-            <a:ext cx="4572225" cy="3429000"/>
+            <a:off x="381000" y="685800"/>
+            <a:ext cx="6096000" cy="3429000"/>
           </a:xfrm>
           <a:custGeom>
             <a:avLst/>
@@ -1014,6 +1022,551 @@
 </file>
 
 <file path=ppt/notesSlides/notesSlide4.xml><?xml version="1.0" encoding="utf-8"?>
+<p:notes xmlns:a="http://schemas.openxmlformats.org/drawingml/2006/main" xmlns:r="http://schemas.openxmlformats.org/officeDocument/2006/relationships" xmlns:p="http://schemas.openxmlformats.org/presentationml/2006/main" showMasterSp="0" showMasterPhAnim="0">
+  <p:cSld>
+    <p:spTree>
+      <p:nvGrpSpPr>
+        <p:cNvPr id="1" name="Shape 50"/>
+        <p:cNvGrpSpPr/>
+        <p:nvPr/>
+      </p:nvGrpSpPr>
+      <p:grpSpPr>
+        <a:xfrm>
+          <a:off x="0" y="0"/>
+          <a:ext cx="0" cy="0"/>
+          <a:chOff x="0" y="0"/>
+          <a:chExt cx="0" cy="0"/>
+        </a:xfrm>
+      </p:grpSpPr>
+      <p:sp>
+        <p:nvSpPr>
+          <p:cNvPr id="51" name="Google Shape;51;p2:notes"/>
+          <p:cNvSpPr txBox="1">
+            <a:spLocks noGrp="1"/>
+          </p:cNvSpPr>
+          <p:nvPr>
+            <p:ph type="body" idx="1"/>
+          </p:nvPr>
+        </p:nvSpPr>
+        <p:spPr>
+          <a:xfrm>
+            <a:off x="685800" y="4343400"/>
+            <a:ext cx="5486400" cy="4114800"/>
+          </a:xfrm>
+          <a:prstGeom prst="rect">
+            <a:avLst/>
+          </a:prstGeom>
+        </p:spPr>
+        <p:txBody>
+          <a:bodyPr spcFirstLastPara="1" wrap="square" lIns="91425" tIns="91425" rIns="91425" bIns="91425" anchor="t" anchorCtr="0">
+            <a:noAutofit/>
+          </a:bodyPr>
+          <a:lstStyle/>
+          <a:p>
+            <a:pPr marL="0" lvl="0" indent="0" algn="l" rtl="0">
+              <a:spcBef>
+                <a:spcPts val="0"/>
+              </a:spcBef>
+              <a:spcAft>
+                <a:spcPts val="0"/>
+              </a:spcAft>
+              <a:buNone/>
+            </a:pPr>
+            <a:endParaRPr/>
+          </a:p>
+        </p:txBody>
+      </p:sp>
+      <p:sp>
+        <p:nvSpPr>
+          <p:cNvPr id="52" name="Google Shape;52;p2:notes"/>
+          <p:cNvSpPr>
+            <a:spLocks noGrp="1" noRot="1" noChangeAspect="1"/>
+          </p:cNvSpPr>
+          <p:nvPr>
+            <p:ph type="sldImg" idx="2"/>
+          </p:nvPr>
+        </p:nvSpPr>
+        <p:spPr>
+          <a:xfrm>
+            <a:off x="381000" y="685800"/>
+            <a:ext cx="6096000" cy="3429000"/>
+          </a:xfrm>
+          <a:custGeom>
+            <a:avLst/>
+            <a:gdLst/>
+            <a:ahLst/>
+            <a:cxnLst/>
+            <a:rect l="l" t="t" r="r" b="b"/>
+            <a:pathLst>
+              <a:path w="120000" h="120000" extrusionOk="0">
+                <a:moveTo>
+                  <a:pt x="0" y="0"/>
+                </a:moveTo>
+                <a:lnTo>
+                  <a:pt x="120000" y="0"/>
+                </a:lnTo>
+                <a:lnTo>
+                  <a:pt x="120000" y="120000"/>
+                </a:lnTo>
+                <a:lnTo>
+                  <a:pt x="0" y="120000"/>
+                </a:lnTo>
+                <a:close/>
+              </a:path>
+            </a:pathLst>
+          </a:custGeom>
+        </p:spPr>
+      </p:sp>
+    </p:spTree>
+    <p:extLst>
+      <p:ext uri="{BB962C8B-B14F-4D97-AF65-F5344CB8AC3E}">
+        <p14:creationId xmlns:p14="http://schemas.microsoft.com/office/powerpoint/2010/main" val="1266383440"/>
+      </p:ext>
+    </p:extLst>
+  </p:cSld>
+  <p:clrMapOvr>
+    <a:masterClrMapping/>
+  </p:clrMapOvr>
+</p:notes>
+</file>
+
+<file path=ppt/notesSlides/notesSlide5.xml><?xml version="1.0" encoding="utf-8"?>
+<p:notes xmlns:a="http://schemas.openxmlformats.org/drawingml/2006/main" xmlns:r="http://schemas.openxmlformats.org/officeDocument/2006/relationships" xmlns:p="http://schemas.openxmlformats.org/presentationml/2006/main" showMasterSp="0" showMasterPhAnim="0">
+  <p:cSld>
+    <p:spTree>
+      <p:nvGrpSpPr>
+        <p:cNvPr id="1" name="Shape 50"/>
+        <p:cNvGrpSpPr/>
+        <p:nvPr/>
+      </p:nvGrpSpPr>
+      <p:grpSpPr>
+        <a:xfrm>
+          <a:off x="0" y="0"/>
+          <a:ext cx="0" cy="0"/>
+          <a:chOff x="0" y="0"/>
+          <a:chExt cx="0" cy="0"/>
+        </a:xfrm>
+      </p:grpSpPr>
+      <p:sp>
+        <p:nvSpPr>
+          <p:cNvPr id="51" name="Google Shape;51;p2:notes"/>
+          <p:cNvSpPr txBox="1">
+            <a:spLocks noGrp="1"/>
+          </p:cNvSpPr>
+          <p:nvPr>
+            <p:ph type="body" idx="1"/>
+          </p:nvPr>
+        </p:nvSpPr>
+        <p:spPr>
+          <a:xfrm>
+            <a:off x="685800" y="4343400"/>
+            <a:ext cx="5486400" cy="4114800"/>
+          </a:xfrm>
+          <a:prstGeom prst="rect">
+            <a:avLst/>
+          </a:prstGeom>
+        </p:spPr>
+        <p:txBody>
+          <a:bodyPr spcFirstLastPara="1" wrap="square" lIns="91425" tIns="91425" rIns="91425" bIns="91425" anchor="t" anchorCtr="0">
+            <a:noAutofit/>
+          </a:bodyPr>
+          <a:lstStyle/>
+          <a:p>
+            <a:pPr marL="0" lvl="0" indent="0" algn="l" rtl="0">
+              <a:spcBef>
+                <a:spcPts val="0"/>
+              </a:spcBef>
+              <a:spcAft>
+                <a:spcPts val="0"/>
+              </a:spcAft>
+              <a:buNone/>
+            </a:pPr>
+            <a:endParaRPr/>
+          </a:p>
+        </p:txBody>
+      </p:sp>
+      <p:sp>
+        <p:nvSpPr>
+          <p:cNvPr id="52" name="Google Shape;52;p2:notes"/>
+          <p:cNvSpPr>
+            <a:spLocks noGrp="1" noRot="1" noChangeAspect="1"/>
+          </p:cNvSpPr>
+          <p:nvPr>
+            <p:ph type="sldImg" idx="2"/>
+          </p:nvPr>
+        </p:nvSpPr>
+        <p:spPr>
+          <a:xfrm>
+            <a:off x="381000" y="685800"/>
+            <a:ext cx="6096000" cy="3429000"/>
+          </a:xfrm>
+          <a:custGeom>
+            <a:avLst/>
+            <a:gdLst/>
+            <a:ahLst/>
+            <a:cxnLst/>
+            <a:rect l="l" t="t" r="r" b="b"/>
+            <a:pathLst>
+              <a:path w="120000" h="120000" extrusionOk="0">
+                <a:moveTo>
+                  <a:pt x="0" y="0"/>
+                </a:moveTo>
+                <a:lnTo>
+                  <a:pt x="120000" y="0"/>
+                </a:lnTo>
+                <a:lnTo>
+                  <a:pt x="120000" y="120000"/>
+                </a:lnTo>
+                <a:lnTo>
+                  <a:pt x="0" y="120000"/>
+                </a:lnTo>
+                <a:close/>
+              </a:path>
+            </a:pathLst>
+          </a:custGeom>
+        </p:spPr>
+      </p:sp>
+    </p:spTree>
+    <p:extLst>
+      <p:ext uri="{BB962C8B-B14F-4D97-AF65-F5344CB8AC3E}">
+        <p14:creationId xmlns:p14="http://schemas.microsoft.com/office/powerpoint/2010/main" val="565826490"/>
+      </p:ext>
+    </p:extLst>
+  </p:cSld>
+  <p:clrMapOvr>
+    <a:masterClrMapping/>
+  </p:clrMapOvr>
+</p:notes>
+</file>
+
+<file path=ppt/notesSlides/notesSlide6.xml><?xml version="1.0" encoding="utf-8"?>
+<p:notes xmlns:a="http://schemas.openxmlformats.org/drawingml/2006/main" xmlns:r="http://schemas.openxmlformats.org/officeDocument/2006/relationships" xmlns:p="http://schemas.openxmlformats.org/presentationml/2006/main" showMasterSp="0" showMasterPhAnim="0">
+  <p:cSld>
+    <p:spTree>
+      <p:nvGrpSpPr>
+        <p:cNvPr id="1" name="Shape 50"/>
+        <p:cNvGrpSpPr/>
+        <p:nvPr/>
+      </p:nvGrpSpPr>
+      <p:grpSpPr>
+        <a:xfrm>
+          <a:off x="0" y="0"/>
+          <a:ext cx="0" cy="0"/>
+          <a:chOff x="0" y="0"/>
+          <a:chExt cx="0" cy="0"/>
+        </a:xfrm>
+      </p:grpSpPr>
+      <p:sp>
+        <p:nvSpPr>
+          <p:cNvPr id="51" name="Google Shape;51;p2:notes"/>
+          <p:cNvSpPr txBox="1">
+            <a:spLocks noGrp="1"/>
+          </p:cNvSpPr>
+          <p:nvPr>
+            <p:ph type="body" idx="1"/>
+          </p:nvPr>
+        </p:nvSpPr>
+        <p:spPr>
+          <a:xfrm>
+            <a:off x="685800" y="4343400"/>
+            <a:ext cx="5486400" cy="4114800"/>
+          </a:xfrm>
+          <a:prstGeom prst="rect">
+            <a:avLst/>
+          </a:prstGeom>
+        </p:spPr>
+        <p:txBody>
+          <a:bodyPr spcFirstLastPara="1" wrap="square" lIns="91425" tIns="91425" rIns="91425" bIns="91425" anchor="t" anchorCtr="0">
+            <a:noAutofit/>
+          </a:bodyPr>
+          <a:lstStyle/>
+          <a:p>
+            <a:pPr marL="0" lvl="0" indent="0" algn="l" rtl="0">
+              <a:spcBef>
+                <a:spcPts val="0"/>
+              </a:spcBef>
+              <a:spcAft>
+                <a:spcPts val="0"/>
+              </a:spcAft>
+              <a:buNone/>
+            </a:pPr>
+            <a:endParaRPr/>
+          </a:p>
+        </p:txBody>
+      </p:sp>
+      <p:sp>
+        <p:nvSpPr>
+          <p:cNvPr id="52" name="Google Shape;52;p2:notes"/>
+          <p:cNvSpPr>
+            <a:spLocks noGrp="1" noRot="1" noChangeAspect="1"/>
+          </p:cNvSpPr>
+          <p:nvPr>
+            <p:ph type="sldImg" idx="2"/>
+          </p:nvPr>
+        </p:nvSpPr>
+        <p:spPr>
+          <a:xfrm>
+            <a:off x="381000" y="685800"/>
+            <a:ext cx="6096000" cy="3429000"/>
+          </a:xfrm>
+          <a:custGeom>
+            <a:avLst/>
+            <a:gdLst/>
+            <a:ahLst/>
+            <a:cxnLst/>
+            <a:rect l="l" t="t" r="r" b="b"/>
+            <a:pathLst>
+              <a:path w="120000" h="120000" extrusionOk="0">
+                <a:moveTo>
+                  <a:pt x="0" y="0"/>
+                </a:moveTo>
+                <a:lnTo>
+                  <a:pt x="120000" y="0"/>
+                </a:lnTo>
+                <a:lnTo>
+                  <a:pt x="120000" y="120000"/>
+                </a:lnTo>
+                <a:lnTo>
+                  <a:pt x="0" y="120000"/>
+                </a:lnTo>
+                <a:close/>
+              </a:path>
+            </a:pathLst>
+          </a:custGeom>
+        </p:spPr>
+      </p:sp>
+    </p:spTree>
+    <p:extLst>
+      <p:ext uri="{BB962C8B-B14F-4D97-AF65-F5344CB8AC3E}">
+        <p14:creationId xmlns:p14="http://schemas.microsoft.com/office/powerpoint/2010/main" val="2011708358"/>
+      </p:ext>
+    </p:extLst>
+  </p:cSld>
+  <p:clrMapOvr>
+    <a:masterClrMapping/>
+  </p:clrMapOvr>
+</p:notes>
+</file>
+
+<file path=ppt/notesSlides/notesSlide7.xml><?xml version="1.0" encoding="utf-8"?>
+<p:notes xmlns:a="http://schemas.openxmlformats.org/drawingml/2006/main" xmlns:r="http://schemas.openxmlformats.org/officeDocument/2006/relationships" xmlns:p="http://schemas.openxmlformats.org/presentationml/2006/main" showMasterSp="0" showMasterPhAnim="0">
+  <p:cSld>
+    <p:spTree>
+      <p:nvGrpSpPr>
+        <p:cNvPr id="1" name="Shape 50"/>
+        <p:cNvGrpSpPr/>
+        <p:nvPr/>
+      </p:nvGrpSpPr>
+      <p:grpSpPr>
+        <a:xfrm>
+          <a:off x="0" y="0"/>
+          <a:ext cx="0" cy="0"/>
+          <a:chOff x="0" y="0"/>
+          <a:chExt cx="0" cy="0"/>
+        </a:xfrm>
+      </p:grpSpPr>
+      <p:sp>
+        <p:nvSpPr>
+          <p:cNvPr id="51" name="Google Shape;51;p2:notes"/>
+          <p:cNvSpPr txBox="1">
+            <a:spLocks noGrp="1"/>
+          </p:cNvSpPr>
+          <p:nvPr>
+            <p:ph type="body" idx="1"/>
+          </p:nvPr>
+        </p:nvSpPr>
+        <p:spPr>
+          <a:xfrm>
+            <a:off x="685800" y="4343400"/>
+            <a:ext cx="5486400" cy="4114800"/>
+          </a:xfrm>
+          <a:prstGeom prst="rect">
+            <a:avLst/>
+          </a:prstGeom>
+        </p:spPr>
+        <p:txBody>
+          <a:bodyPr spcFirstLastPara="1" wrap="square" lIns="91425" tIns="91425" rIns="91425" bIns="91425" anchor="t" anchorCtr="0">
+            <a:noAutofit/>
+          </a:bodyPr>
+          <a:lstStyle/>
+          <a:p>
+            <a:pPr marL="0" lvl="0" indent="0" algn="l" rtl="0">
+              <a:spcBef>
+                <a:spcPts val="0"/>
+              </a:spcBef>
+              <a:spcAft>
+                <a:spcPts val="0"/>
+              </a:spcAft>
+              <a:buNone/>
+            </a:pPr>
+            <a:endParaRPr/>
+          </a:p>
+        </p:txBody>
+      </p:sp>
+      <p:sp>
+        <p:nvSpPr>
+          <p:cNvPr id="52" name="Google Shape;52;p2:notes"/>
+          <p:cNvSpPr>
+            <a:spLocks noGrp="1" noRot="1" noChangeAspect="1"/>
+          </p:cNvSpPr>
+          <p:nvPr>
+            <p:ph type="sldImg" idx="2"/>
+          </p:nvPr>
+        </p:nvSpPr>
+        <p:spPr>
+          <a:xfrm>
+            <a:off x="381000" y="685800"/>
+            <a:ext cx="6096000" cy="3429000"/>
+          </a:xfrm>
+          <a:custGeom>
+            <a:avLst/>
+            <a:gdLst/>
+            <a:ahLst/>
+            <a:cxnLst/>
+            <a:rect l="l" t="t" r="r" b="b"/>
+            <a:pathLst>
+              <a:path w="120000" h="120000" extrusionOk="0">
+                <a:moveTo>
+                  <a:pt x="0" y="0"/>
+                </a:moveTo>
+                <a:lnTo>
+                  <a:pt x="120000" y="0"/>
+                </a:lnTo>
+                <a:lnTo>
+                  <a:pt x="120000" y="120000"/>
+                </a:lnTo>
+                <a:lnTo>
+                  <a:pt x="0" y="120000"/>
+                </a:lnTo>
+                <a:close/>
+              </a:path>
+            </a:pathLst>
+          </a:custGeom>
+        </p:spPr>
+      </p:sp>
+    </p:spTree>
+    <p:extLst>
+      <p:ext uri="{BB962C8B-B14F-4D97-AF65-F5344CB8AC3E}">
+        <p14:creationId xmlns:p14="http://schemas.microsoft.com/office/powerpoint/2010/main" val="3777307760"/>
+      </p:ext>
+    </p:extLst>
+  </p:cSld>
+  <p:clrMapOvr>
+    <a:masterClrMapping/>
+  </p:clrMapOvr>
+</p:notes>
+</file>
+
+<file path=ppt/notesSlides/notesSlide8.xml><?xml version="1.0" encoding="utf-8"?>
+<p:notes xmlns:a="http://schemas.openxmlformats.org/drawingml/2006/main" xmlns:r="http://schemas.openxmlformats.org/officeDocument/2006/relationships" xmlns:p="http://schemas.openxmlformats.org/presentationml/2006/main" showMasterSp="0" showMasterPhAnim="0">
+  <p:cSld>
+    <p:spTree>
+      <p:nvGrpSpPr>
+        <p:cNvPr id="1" name="Shape 50"/>
+        <p:cNvGrpSpPr/>
+        <p:nvPr/>
+      </p:nvGrpSpPr>
+      <p:grpSpPr>
+        <a:xfrm>
+          <a:off x="0" y="0"/>
+          <a:ext cx="0" cy="0"/>
+          <a:chOff x="0" y="0"/>
+          <a:chExt cx="0" cy="0"/>
+        </a:xfrm>
+      </p:grpSpPr>
+      <p:sp>
+        <p:nvSpPr>
+          <p:cNvPr id="51" name="Google Shape;51;p2:notes"/>
+          <p:cNvSpPr txBox="1">
+            <a:spLocks noGrp="1"/>
+          </p:cNvSpPr>
+          <p:nvPr>
+            <p:ph type="body" idx="1"/>
+          </p:nvPr>
+        </p:nvSpPr>
+        <p:spPr>
+          <a:xfrm>
+            <a:off x="685800" y="4343400"/>
+            <a:ext cx="5486400" cy="4114800"/>
+          </a:xfrm>
+          <a:prstGeom prst="rect">
+            <a:avLst/>
+          </a:prstGeom>
+        </p:spPr>
+        <p:txBody>
+          <a:bodyPr spcFirstLastPara="1" wrap="square" lIns="91425" tIns="91425" rIns="91425" bIns="91425" anchor="t" anchorCtr="0">
+            <a:noAutofit/>
+          </a:bodyPr>
+          <a:lstStyle/>
+          <a:p>
+            <a:pPr marL="0" lvl="0" indent="0" algn="l" rtl="0">
+              <a:spcBef>
+                <a:spcPts val="0"/>
+              </a:spcBef>
+              <a:spcAft>
+                <a:spcPts val="0"/>
+              </a:spcAft>
+              <a:buNone/>
+            </a:pPr>
+            <a:endParaRPr/>
+          </a:p>
+        </p:txBody>
+      </p:sp>
+      <p:sp>
+        <p:nvSpPr>
+          <p:cNvPr id="52" name="Google Shape;52;p2:notes"/>
+          <p:cNvSpPr>
+            <a:spLocks noGrp="1" noRot="1" noChangeAspect="1"/>
+          </p:cNvSpPr>
+          <p:nvPr>
+            <p:ph type="sldImg" idx="2"/>
+          </p:nvPr>
+        </p:nvSpPr>
+        <p:spPr>
+          <a:xfrm>
+            <a:off x="381000" y="685800"/>
+            <a:ext cx="6096000" cy="3429000"/>
+          </a:xfrm>
+          <a:custGeom>
+            <a:avLst/>
+            <a:gdLst/>
+            <a:ahLst/>
+            <a:cxnLst/>
+            <a:rect l="l" t="t" r="r" b="b"/>
+            <a:pathLst>
+              <a:path w="120000" h="120000" extrusionOk="0">
+                <a:moveTo>
+                  <a:pt x="0" y="0"/>
+                </a:moveTo>
+                <a:lnTo>
+                  <a:pt x="120000" y="0"/>
+                </a:lnTo>
+                <a:lnTo>
+                  <a:pt x="120000" y="120000"/>
+                </a:lnTo>
+                <a:lnTo>
+                  <a:pt x="0" y="120000"/>
+                </a:lnTo>
+                <a:close/>
+              </a:path>
+            </a:pathLst>
+          </a:custGeom>
+        </p:spPr>
+      </p:sp>
+    </p:spTree>
+    <p:extLst>
+      <p:ext uri="{BB962C8B-B14F-4D97-AF65-F5344CB8AC3E}">
+        <p14:creationId xmlns:p14="http://schemas.microsoft.com/office/powerpoint/2010/main" val="809322886"/>
+      </p:ext>
+    </p:extLst>
+  </p:cSld>
+  <p:clrMapOvr>
+    <a:masterClrMapping/>
+  </p:clrMapOvr>
+</p:notes>
+</file>
+
+<file path=ppt/notesSlides/notesSlide9.xml><?xml version="1.0" encoding="utf-8"?>
 <p:notes xmlns:a="http://schemas.openxmlformats.org/drawingml/2006/main" xmlns:r="http://schemas.openxmlformats.org/officeDocument/2006/relationships" xmlns:p="http://schemas.openxmlformats.org/presentationml/2006/main" showMasterSp="0" showMasterPhAnim="0">
   <p:cSld>
     <p:spTree>
@@ -5036,8 +5589,8 @@
         </p:nvSpPr>
         <p:spPr>
           <a:xfrm>
-            <a:off x="7671999" y="5301208"/>
-            <a:ext cx="3987692" cy="889496"/>
+            <a:off x="7178722" y="5301208"/>
+            <a:ext cx="4480969" cy="889496"/>
           </a:xfrm>
           <a:prstGeom prst="rect">
             <a:avLst/>
@@ -5052,6 +5605,126 @@
             <a:normAutofit/>
           </a:bodyPr>
           <a:lstStyle/>
+          <a:p>
+            <a:pPr marL="0" lvl="0" indent="0" algn="r" rtl="0">
+              <a:lnSpc>
+                <a:spcPct val="90000"/>
+              </a:lnSpc>
+              <a:spcBef>
+                <a:spcPts val="0"/>
+              </a:spcBef>
+              <a:spcAft>
+                <a:spcPts val="0"/>
+              </a:spcAft>
+              <a:buClr>
+                <a:srgbClr val="262626"/>
+              </a:buClr>
+              <a:buSzPts val="1500"/>
+              <a:buNone/>
+            </a:pPr>
+            <a:r>
+              <a:rPr lang="en-US"/>
+              <a:t>Team Americano</a:t>
+            </a:r>
+          </a:p>
+          <a:p>
+            <a:pPr marL="0" lvl="0" indent="0" algn="r" rtl="0">
+              <a:lnSpc>
+                <a:spcPct val="90000"/>
+              </a:lnSpc>
+              <a:spcBef>
+                <a:spcPts val="0"/>
+              </a:spcBef>
+              <a:spcAft>
+                <a:spcPts val="0"/>
+              </a:spcAft>
+              <a:buClr>
+                <a:srgbClr val="262626"/>
+              </a:buClr>
+              <a:buSzPts val="1500"/>
+              <a:buNone/>
+            </a:pPr>
+            <a:r>
+              <a:rPr lang="ko-KR" altLang="ko-KR">
+                <a:effectLst/>
+                <a:ea typeface="맑은 고딕" panose="020B0503020000020004" pitchFamily="50" charset="-127"/>
+                <a:cs typeface="Times New Roman" panose="02020603050405020304" pitchFamily="18" charset="0"/>
+              </a:rPr>
+              <a:t>정혜연</a:t>
+            </a:r>
+            <a:r>
+              <a:rPr lang="en-US" altLang="ko-KR">
+                <a:effectLst/>
+                <a:ea typeface="맑은 고딕" panose="020B0503020000020004" pitchFamily="50" charset="-127"/>
+                <a:cs typeface="Times New Roman" panose="02020603050405020304" pitchFamily="18" charset="0"/>
+              </a:rPr>
+              <a:t>, </a:t>
+            </a:r>
+            <a:r>
+              <a:rPr lang="ko-KR" altLang="en-US">
+                <a:ea typeface="맑은 고딕" panose="020B0503020000020004" pitchFamily="50" charset="-127"/>
+                <a:cs typeface="Times New Roman" panose="02020603050405020304" pitchFamily="18" charset="0"/>
+              </a:rPr>
+              <a:t>윤태웅</a:t>
+            </a:r>
+            <a:r>
+              <a:rPr lang="en-US" altLang="ko-KR">
+                <a:ea typeface="맑은 고딕" panose="020B0503020000020004" pitchFamily="50" charset="-127"/>
+                <a:cs typeface="Times New Roman" panose="02020603050405020304" pitchFamily="18" charset="0"/>
+              </a:rPr>
+              <a:t>, </a:t>
+            </a:r>
+            <a:r>
+              <a:rPr lang="ko-KR" altLang="en-US">
+                <a:ea typeface="맑은 고딕" panose="020B0503020000020004" pitchFamily="50" charset="-127"/>
+                <a:cs typeface="Times New Roman" panose="02020603050405020304" pitchFamily="18" charset="0"/>
+              </a:rPr>
+              <a:t>장현진</a:t>
+            </a:r>
+            <a:r>
+              <a:rPr lang="en-US" altLang="ko-KR">
+                <a:ea typeface="맑은 고딕" panose="020B0503020000020004" pitchFamily="50" charset="-127"/>
+                <a:cs typeface="Times New Roman" panose="02020603050405020304" pitchFamily="18" charset="0"/>
+              </a:rPr>
+              <a:t>, </a:t>
+            </a:r>
+            <a:r>
+              <a:rPr lang="ko-KR" altLang="en-US">
+                <a:ea typeface="맑은 고딕" panose="020B0503020000020004" pitchFamily="50" charset="-127"/>
+                <a:cs typeface="Times New Roman" panose="02020603050405020304" pitchFamily="18" charset="0"/>
+              </a:rPr>
+              <a:t>유정균</a:t>
+            </a:r>
+            <a:r>
+              <a:rPr lang="en-US" altLang="ko-KR">
+                <a:ea typeface="맑은 고딕" panose="020B0503020000020004" pitchFamily="50" charset="-127"/>
+                <a:cs typeface="Times New Roman" panose="02020603050405020304" pitchFamily="18" charset="0"/>
+              </a:rPr>
+              <a:t>, </a:t>
+            </a:r>
+            <a:r>
+              <a:rPr lang="ko-KR" altLang="en-US">
+                <a:ea typeface="맑은 고딕" panose="020B0503020000020004" pitchFamily="50" charset="-127"/>
+                <a:cs typeface="Times New Roman" panose="02020603050405020304" pitchFamily="18" charset="0"/>
+              </a:rPr>
+              <a:t>박준영</a:t>
+            </a:r>
+            <a:r>
+              <a:rPr lang="en-US" altLang="ko-KR">
+                <a:ea typeface="맑은 고딕" panose="020B0503020000020004" pitchFamily="50" charset="-127"/>
+                <a:cs typeface="Times New Roman" panose="02020603050405020304" pitchFamily="18" charset="0"/>
+              </a:rPr>
+              <a:t>, </a:t>
+            </a:r>
+            <a:r>
+              <a:rPr lang="ko-KR" altLang="en-US">
+                <a:ea typeface="맑은 고딕" panose="020B0503020000020004" pitchFamily="50" charset="-127"/>
+                <a:cs typeface="Times New Roman" panose="02020603050405020304" pitchFamily="18" charset="0"/>
+              </a:rPr>
+              <a:t>홍주영</a:t>
+            </a:r>
+            <a:endParaRPr lang="en-US"/>
+          </a:p>
           <a:p>
             <a:pPr marL="0" lvl="0" indent="0" algn="r" rtl="0">
               <a:lnSpc>
@@ -5155,7 +5828,7 @@
           </a:bodyPr>
           <a:lstStyle/>
           <a:p>
-            <a:pPr marL="0" lvl="0" indent="0" algn="l" rtl="0">
+            <a:pPr marL="0" lvl="0" indent="0" algn="r" rtl="0">
               <a:lnSpc>
                 <a:spcPct val="90000"/>
               </a:lnSpc>
@@ -5171,6 +5844,22 @@
               <a:buSzPts val="2000"/>
               <a:buNone/>
             </a:pPr>
+            <a:r>
+              <a:rPr lang="en-US"/>
+              <a:t>Code Review Agent 6</a:t>
+            </a:r>
+            <a:r>
+              <a:rPr lang="ko-KR" altLang="en-US"/>
+              <a:t>차 </a:t>
+            </a:r>
+            <a:r>
+              <a:rPr lang="en-US" altLang="ko-KR"/>
+              <a:t>A</a:t>
+            </a:r>
+            <a:r>
+              <a:rPr lang="ko-KR" altLang="en-US"/>
+              <a:t>팀</a:t>
+            </a:r>
             <a:endParaRPr/>
           </a:p>
         </p:txBody>
@@ -5228,6 +5917,42 @@
           </a:p>
         </p:txBody>
       </p:sp>
+      <p:pic>
+        <p:nvPicPr>
+          <p:cNvPr id="3" name="그래픽 2" descr="데이터베이스 단색으로 채워진">
+            <a:extLst>
+              <a:ext uri="{FF2B5EF4-FFF2-40B4-BE49-F238E27FC236}">
+                <a16:creationId xmlns:a16="http://schemas.microsoft.com/office/drawing/2014/main" id="{80EDA335-B58B-48AC-8CFD-CA8CAA6B7285}"/>
+              </a:ext>
+            </a:extLst>
+          </p:cNvPr>
+          <p:cNvPicPr>
+            <a:picLocks noChangeAspect="1"/>
+          </p:cNvPicPr>
+          <p:nvPr/>
+        </p:nvPicPr>
+        <p:blipFill>
+          <a:blip r:embed="rId3">
+            <a:extLst>
+              <a:ext uri="{96DAC541-7B7A-43D3-8B79-37D633B846F1}">
+                <asvg:svgBlip xmlns:asvg="http://schemas.microsoft.com/office/drawing/2016/SVG/main" r:embed="rId4"/>
+              </a:ext>
+            </a:extLst>
+          </a:blip>
+          <a:stretch>
+            <a:fillRect/>
+          </a:stretch>
+        </p:blipFill>
+        <p:spPr>
+          <a:xfrm>
+            <a:off x="6527268" y="1913385"/>
+            <a:ext cx="914400" cy="914400"/>
+          </a:xfrm>
+          <a:prstGeom prst="rect">
+            <a:avLst/>
+          </a:prstGeom>
+        </p:spPr>
+      </p:pic>
     </p:spTree>
   </p:cSld>
   <p:clrMapOvr>
@@ -5236,7 +5961,7 @@
 </p:sld>
 </file>
 
-<file path=ppt/slides/slide2.xml><?xml version="1.0" encoding="utf-8"?>
+<file path=ppt/slides/slide10.xml><?xml version="1.0" encoding="utf-8"?>
 <p:sld xmlns:a="http://schemas.openxmlformats.org/drawingml/2006/main" xmlns:r="http://schemas.openxmlformats.org/officeDocument/2006/relationships" xmlns:p="http://schemas.openxmlformats.org/presentationml/2006/main">
   <p:cSld>
     <p:spTree>
@@ -5298,670 +6023,22 @@
               <a:buSzPts val="3200"/>
               <a:buNone/>
             </a:pPr>
-            <a:endParaRPr/>
-          </a:p>
-        </p:txBody>
-      </p:sp>
-    </p:spTree>
-  </p:cSld>
-  <p:clrMapOvr>
-    <a:masterClrMapping/>
-  </p:clrMapOvr>
-</p:sld>
-</file>
-
-<file path=ppt/slides/slide3.xml><?xml version="1.0" encoding="utf-8"?>
-<p:sld xmlns:a="http://schemas.openxmlformats.org/drawingml/2006/main" xmlns:r="http://schemas.openxmlformats.org/officeDocument/2006/relationships" xmlns:p="http://schemas.openxmlformats.org/presentationml/2006/main">
-  <p:cSld>
-    <p:spTree>
-      <p:nvGrpSpPr>
-        <p:cNvPr id="1" name="Shape 58"/>
-        <p:cNvGrpSpPr/>
-        <p:nvPr/>
-      </p:nvGrpSpPr>
-      <p:grpSpPr>
-        <a:xfrm>
-          <a:off x="0" y="0"/>
-          <a:ext cx="0" cy="0"/>
-          <a:chOff x="0" y="0"/>
-          <a:chExt cx="0" cy="0"/>
-        </a:xfrm>
-      </p:grpSpPr>
-      <p:sp>
-        <p:nvSpPr>
-          <p:cNvPr id="59" name="Google Shape;59;p3"/>
-          <p:cNvSpPr txBox="1">
-            <a:spLocks noGrp="1"/>
-          </p:cNvSpPr>
-          <p:nvPr>
-            <p:ph type="title"/>
-          </p:nvPr>
-        </p:nvSpPr>
-        <p:spPr>
-          <a:xfrm>
-            <a:off x="605980" y="310143"/>
-            <a:ext cx="10515600" cy="649800"/>
-          </a:xfrm>
-          <a:prstGeom prst="rect">
-            <a:avLst/>
-          </a:prstGeom>
-          <a:noFill/>
-          <a:ln>
-            <a:noFill/>
-          </a:ln>
-        </p:spPr>
-        <p:txBody>
-          <a:bodyPr spcFirstLastPara="1" wrap="square" lIns="91425" tIns="45700" rIns="91425" bIns="45700" anchor="ctr" anchorCtr="0">
-            <a:normAutofit fontScale="90000"/>
-          </a:bodyPr>
-          <a:lstStyle/>
-          <a:p>
-            <a:pPr marL="0" lvl="0" indent="0" algn="l" rtl="0">
-              <a:lnSpc>
-                <a:spcPct val="90000"/>
-              </a:lnSpc>
-              <a:spcBef>
-                <a:spcPts val="0"/>
-              </a:spcBef>
-              <a:spcAft>
-                <a:spcPts val="0"/>
-              </a:spcAft>
-              <a:buClr>
-                <a:schemeClr val="dk1"/>
-              </a:buClr>
-              <a:buSzPts val="4400"/>
-              <a:buFont typeface="Malgun Gothic"/>
-              <a:buNone/>
-            </a:pPr>
             <a:r>
-              <a:rPr lang="en-US"/>
-              <a:t>Team Americano</a:t>
+              <a:rPr lang="en-US" altLang="ko-KR"/>
+              <a:t>Mocking </a:t>
+            </a:r>
+            <a:r>
+              <a:rPr lang="ko-KR" altLang="en-US"/>
+              <a:t>활용 예시</a:t>
             </a:r>
             <a:endParaRPr/>
-          </a:p>
-        </p:txBody>
-      </p:sp>
-      <p:sp>
-        <p:nvSpPr>
-          <p:cNvPr id="60" name="Google Shape;60;p3"/>
-          <p:cNvSpPr txBox="1">
-            <a:spLocks noGrp="1"/>
-          </p:cNvSpPr>
-          <p:nvPr>
-            <p:ph type="body" idx="1"/>
-          </p:nvPr>
-        </p:nvSpPr>
-        <p:spPr>
-          <a:xfrm>
-            <a:off x="605980" y="1316376"/>
-            <a:ext cx="10515600" cy="4927800"/>
-          </a:xfrm>
-          <a:prstGeom prst="rect">
-            <a:avLst/>
-          </a:prstGeom>
-          <a:noFill/>
-          <a:ln>
-            <a:noFill/>
-          </a:ln>
-        </p:spPr>
-        <p:txBody>
-          <a:bodyPr spcFirstLastPara="1" wrap="square" lIns="91425" tIns="45700" rIns="91425" bIns="45700" anchor="t" anchorCtr="0">
-            <a:normAutofit/>
-          </a:bodyPr>
-          <a:lstStyle/>
-          <a:p>
-            <a:pPr marL="228600" lvl="0" indent="-50800" algn="l" rtl="0">
-              <a:lnSpc>
-                <a:spcPct val="90000"/>
-              </a:lnSpc>
-              <a:spcBef>
-                <a:spcPts val="0"/>
-              </a:spcBef>
-              <a:spcAft>
-                <a:spcPts val="0"/>
-              </a:spcAft>
-              <a:buClr>
-                <a:schemeClr val="dk1"/>
-              </a:buClr>
-              <a:buSzPts val="2800"/>
-              <a:buNone/>
-            </a:pPr>
-            <a:r>
-              <a:rPr lang="ko-KR" altLang="en-US" b="0" i="0">
-                <a:solidFill>
-                  <a:srgbClr val="161616"/>
-                </a:solidFill>
-                <a:effectLst/>
-                <a:latin typeface="Inter"/>
-              </a:rPr>
-              <a:t>한 번의 </a:t>
-            </a:r>
-            <a:r>
-              <a:rPr lang="en-US" altLang="ko-KR" b="0" i="0">
-                <a:solidFill>
-                  <a:srgbClr val="161616"/>
-                </a:solidFill>
-                <a:effectLst/>
-                <a:latin typeface="Inter"/>
-              </a:rPr>
-              <a:t>PR</a:t>
-            </a:r>
-            <a:r>
-              <a:rPr lang="ko-KR" altLang="en-US" b="0" i="0">
-                <a:solidFill>
-                  <a:srgbClr val="161616"/>
-                </a:solidFill>
-                <a:effectLst/>
-                <a:latin typeface="Inter"/>
-              </a:rPr>
-              <a:t>을 마치 한 잔의 커피처럼</a:t>
-            </a:r>
-            <a:r>
-              <a:rPr lang="en-US" altLang="ko-KR" b="0" i="0">
-                <a:solidFill>
-                  <a:srgbClr val="161616"/>
-                </a:solidFill>
-                <a:effectLst/>
-                <a:latin typeface="Inter"/>
-              </a:rPr>
-              <a:t>~ </a:t>
-            </a:r>
-          </a:p>
-          <a:p>
-            <a:pPr marL="228600" indent="-50800">
-              <a:spcBef>
-                <a:spcPts val="0"/>
-              </a:spcBef>
-              <a:buSzPts val="2800"/>
-              <a:buNone/>
-            </a:pPr>
-            <a:r>
-              <a:rPr lang="ko-KR" altLang="en-US">
-                <a:solidFill>
-                  <a:srgbClr val="161616"/>
-                </a:solidFill>
-                <a:latin typeface="Inter"/>
-              </a:rPr>
-              <a:t>항</a:t>
-            </a:r>
-            <a:r>
-              <a:rPr lang="ko-KR" altLang="en-US" b="0" i="0">
-                <a:solidFill>
-                  <a:srgbClr val="161616"/>
-                </a:solidFill>
-                <a:effectLst/>
-                <a:latin typeface="Inter"/>
-              </a:rPr>
-              <a:t>상 깨어있는 </a:t>
-            </a:r>
-            <a:r>
-              <a:rPr lang="en-US" altLang="ko-KR" b="0" i="0">
-                <a:solidFill>
-                  <a:srgbClr val="161616"/>
-                </a:solidFill>
-                <a:effectLst/>
-                <a:latin typeface="Inter"/>
-              </a:rPr>
-              <a:t>Code</a:t>
-            </a:r>
-            <a:r>
-              <a:rPr lang="ko-KR" altLang="en-US" b="0" i="0">
-                <a:solidFill>
-                  <a:srgbClr val="161616"/>
-                </a:solidFill>
-                <a:effectLst/>
-                <a:latin typeface="Inter"/>
-              </a:rPr>
-              <a:t>를 만들자</a:t>
-            </a:r>
-            <a:r>
-              <a:rPr lang="en-US" altLang="ko-KR" b="0" i="0">
-                <a:solidFill>
-                  <a:srgbClr val="161616"/>
-                </a:solidFill>
-                <a:effectLst/>
-                <a:latin typeface="Inter"/>
-              </a:rPr>
-              <a:t>!</a:t>
-            </a:r>
-          </a:p>
-          <a:p>
-            <a:pPr marL="228600" lvl="0" indent="-50800" algn="l" rtl="0">
-              <a:lnSpc>
-                <a:spcPct val="90000"/>
-              </a:lnSpc>
-              <a:spcBef>
-                <a:spcPts val="0"/>
-              </a:spcBef>
-              <a:spcAft>
-                <a:spcPts val="0"/>
-              </a:spcAft>
-              <a:buClr>
-                <a:schemeClr val="dk1"/>
-              </a:buClr>
-              <a:buSzPts val="2800"/>
-              <a:buNone/>
-            </a:pPr>
-            <a:endParaRPr lang="en-US" altLang="ko-KR" b="0" i="0">
-              <a:solidFill>
-                <a:srgbClr val="161616"/>
-              </a:solidFill>
-              <a:effectLst/>
-              <a:latin typeface="Inter"/>
-            </a:endParaRPr>
-          </a:p>
-          <a:p>
-            <a:pPr algn="l">
-              <a:buFont typeface="Arial" panose="020B0604020202020204" pitchFamily="34" charset="0"/>
-              <a:buChar char="•"/>
-            </a:pPr>
-            <a:r>
-              <a:rPr lang="ko-KR" altLang="en-US" b="0" i="0">
-                <a:solidFill>
-                  <a:srgbClr val="1F2328"/>
-                </a:solidFill>
-                <a:effectLst/>
-                <a:latin typeface="-apple-system"/>
-              </a:rPr>
-              <a:t>정혜연</a:t>
-            </a:r>
-            <a:r>
-              <a:rPr lang="en-US" altLang="ko-KR" b="0" i="0">
-                <a:solidFill>
-                  <a:srgbClr val="1F2328"/>
-                </a:solidFill>
-                <a:effectLst/>
-                <a:latin typeface="-apple-system"/>
-              </a:rPr>
-              <a:t>(</a:t>
-            </a:r>
-            <a:r>
-              <a:rPr lang="ko-KR" altLang="en-US" b="0" i="0">
-                <a:solidFill>
-                  <a:srgbClr val="1F2328"/>
-                </a:solidFill>
-                <a:effectLst/>
-                <a:latin typeface="-apple-system"/>
-              </a:rPr>
-              <a:t>팀장</a:t>
-            </a:r>
-            <a:r>
-              <a:rPr lang="en-US" altLang="ko-KR" b="0" i="0">
-                <a:solidFill>
-                  <a:srgbClr val="1F2328"/>
-                </a:solidFill>
-                <a:effectLst/>
-                <a:latin typeface="-apple-system"/>
-              </a:rPr>
-              <a:t>): Project </a:t>
-            </a:r>
-            <a:r>
-              <a:rPr lang="ko-KR" altLang="en-US" b="0" i="0">
-                <a:solidFill>
-                  <a:srgbClr val="1F2328"/>
-                </a:solidFill>
-                <a:effectLst/>
-                <a:latin typeface="-apple-system"/>
-              </a:rPr>
-              <a:t>구축</a:t>
-            </a:r>
-            <a:r>
-              <a:rPr lang="en-US" altLang="ko-KR" b="0" i="0">
-                <a:solidFill>
-                  <a:srgbClr val="1F2328"/>
-                </a:solidFill>
-                <a:effectLst/>
-                <a:latin typeface="-apple-system"/>
-              </a:rPr>
-              <a:t>, Test Shell - App </a:t>
-            </a:r>
-            <a:r>
-              <a:rPr lang="ko-KR" altLang="en-US" b="0" i="0">
-                <a:solidFill>
-                  <a:srgbClr val="1F2328"/>
-                </a:solidFill>
-                <a:effectLst/>
-                <a:latin typeface="-apple-system"/>
-              </a:rPr>
-              <a:t>개발</a:t>
-            </a:r>
-          </a:p>
-          <a:p>
-            <a:pPr algn="l">
-              <a:buFont typeface="Arial" panose="020B0604020202020204" pitchFamily="34" charset="0"/>
-              <a:buChar char="•"/>
-            </a:pPr>
-            <a:r>
-              <a:rPr lang="ko-KR" altLang="en-US" b="0" i="0">
-                <a:solidFill>
-                  <a:srgbClr val="1F2328"/>
-                </a:solidFill>
-                <a:effectLst/>
-                <a:latin typeface="-apple-system"/>
-              </a:rPr>
-              <a:t>윤태웅</a:t>
-            </a:r>
-            <a:r>
-              <a:rPr lang="en-US" altLang="ko-KR" b="0" i="0">
-                <a:solidFill>
-                  <a:srgbClr val="1F2328"/>
-                </a:solidFill>
-                <a:effectLst/>
-                <a:latin typeface="-apple-system"/>
-              </a:rPr>
-              <a:t>: Test Shell - App </a:t>
-            </a:r>
-            <a:r>
-              <a:rPr lang="ko-KR" altLang="en-US" b="0" i="0">
-                <a:solidFill>
-                  <a:srgbClr val="1F2328"/>
-                </a:solidFill>
-                <a:effectLst/>
-                <a:latin typeface="-apple-system"/>
-              </a:rPr>
-              <a:t>개발</a:t>
-            </a:r>
-          </a:p>
-          <a:p>
-            <a:pPr algn="l">
-              <a:buFont typeface="Arial" panose="020B0604020202020204" pitchFamily="34" charset="0"/>
-              <a:buChar char="•"/>
-            </a:pPr>
-            <a:r>
-              <a:rPr lang="ko-KR" altLang="en-US" b="0" i="0">
-                <a:solidFill>
-                  <a:srgbClr val="1F2328"/>
-                </a:solidFill>
-                <a:effectLst/>
-                <a:latin typeface="-apple-system"/>
-              </a:rPr>
-              <a:t>장현진</a:t>
-            </a:r>
-            <a:r>
-              <a:rPr lang="en-US" altLang="ko-KR" b="0" i="0">
-                <a:solidFill>
-                  <a:srgbClr val="1F2328"/>
-                </a:solidFill>
-                <a:effectLst/>
-                <a:latin typeface="-apple-system"/>
-              </a:rPr>
-              <a:t>: Test Shell - App </a:t>
-            </a:r>
-            <a:r>
-              <a:rPr lang="ko-KR" altLang="en-US" b="0" i="0">
-                <a:solidFill>
-                  <a:srgbClr val="1F2328"/>
-                </a:solidFill>
-                <a:effectLst/>
-                <a:latin typeface="-apple-system"/>
-              </a:rPr>
-              <a:t>개발</a:t>
-            </a:r>
-          </a:p>
-          <a:p>
-            <a:pPr algn="l">
-              <a:buFont typeface="Arial" panose="020B0604020202020204" pitchFamily="34" charset="0"/>
-              <a:buChar char="•"/>
-            </a:pPr>
-            <a:r>
-              <a:rPr lang="ko-KR" altLang="en-US" b="0" i="0">
-                <a:solidFill>
-                  <a:srgbClr val="1F2328"/>
-                </a:solidFill>
-                <a:effectLst/>
-                <a:latin typeface="-apple-system"/>
-              </a:rPr>
-              <a:t>유정균</a:t>
-            </a:r>
-            <a:r>
-              <a:rPr lang="en-US" altLang="ko-KR" b="0" i="0">
-                <a:solidFill>
-                  <a:srgbClr val="1F2328"/>
-                </a:solidFill>
-                <a:effectLst/>
-                <a:latin typeface="-apple-system"/>
-              </a:rPr>
-              <a:t>: </a:t>
-            </a:r>
-            <a:r>
-              <a:rPr lang="ko-KR" altLang="en-US" b="0" i="0">
-                <a:solidFill>
-                  <a:srgbClr val="1F2328"/>
-                </a:solidFill>
-                <a:effectLst/>
-                <a:latin typeface="-apple-system"/>
-              </a:rPr>
-              <a:t>가상 </a:t>
-            </a:r>
-            <a:r>
-              <a:rPr lang="en-US" altLang="ko-KR" b="0" i="0">
-                <a:solidFill>
-                  <a:srgbClr val="1F2328"/>
-                </a:solidFill>
-                <a:effectLst/>
-                <a:latin typeface="-apple-system"/>
-              </a:rPr>
-              <a:t>SSD </a:t>
-            </a:r>
-            <a:r>
-              <a:rPr lang="ko-KR" altLang="en-US" b="0" i="0">
-                <a:solidFill>
-                  <a:srgbClr val="1F2328"/>
-                </a:solidFill>
-                <a:effectLst/>
-                <a:latin typeface="-apple-system"/>
-              </a:rPr>
-              <a:t>제작</a:t>
-            </a:r>
-          </a:p>
-          <a:p>
-            <a:pPr algn="l">
-              <a:buFont typeface="Arial" panose="020B0604020202020204" pitchFamily="34" charset="0"/>
-              <a:buChar char="•"/>
-            </a:pPr>
-            <a:r>
-              <a:rPr lang="ko-KR" altLang="en-US" b="0" i="0">
-                <a:solidFill>
-                  <a:srgbClr val="1F2328"/>
-                </a:solidFill>
-                <a:effectLst/>
-                <a:latin typeface="-apple-system"/>
-              </a:rPr>
-              <a:t>박준영</a:t>
-            </a:r>
-            <a:r>
-              <a:rPr lang="en-US" altLang="ko-KR" b="0" i="0">
-                <a:solidFill>
-                  <a:srgbClr val="1F2328"/>
-                </a:solidFill>
-                <a:effectLst/>
-                <a:latin typeface="-apple-system"/>
-              </a:rPr>
-              <a:t>: </a:t>
-            </a:r>
-            <a:r>
-              <a:rPr lang="ko-KR" altLang="en-US" b="0" i="0">
-                <a:solidFill>
-                  <a:srgbClr val="1F2328"/>
-                </a:solidFill>
-                <a:effectLst/>
-                <a:latin typeface="-apple-system"/>
-              </a:rPr>
-              <a:t>가상 </a:t>
-            </a:r>
-            <a:r>
-              <a:rPr lang="en-US" altLang="ko-KR" b="0" i="0">
-                <a:solidFill>
-                  <a:srgbClr val="1F2328"/>
-                </a:solidFill>
-                <a:effectLst/>
-                <a:latin typeface="-apple-system"/>
-              </a:rPr>
-              <a:t>SSD </a:t>
-            </a:r>
-            <a:r>
-              <a:rPr lang="ko-KR" altLang="en-US" b="0" i="0">
-                <a:solidFill>
-                  <a:srgbClr val="1F2328"/>
-                </a:solidFill>
-                <a:effectLst/>
-                <a:latin typeface="-apple-system"/>
-              </a:rPr>
-              <a:t>제작</a:t>
-            </a:r>
-          </a:p>
-          <a:p>
-            <a:pPr algn="l">
-              <a:buFont typeface="Arial" panose="020B0604020202020204" pitchFamily="34" charset="0"/>
-              <a:buChar char="•"/>
-            </a:pPr>
-            <a:r>
-              <a:rPr lang="ko-KR" altLang="en-US" b="0" i="0">
-                <a:solidFill>
-                  <a:srgbClr val="1F2328"/>
-                </a:solidFill>
-                <a:effectLst/>
-                <a:latin typeface="-apple-system"/>
-              </a:rPr>
-              <a:t>홍주영</a:t>
-            </a:r>
-            <a:r>
-              <a:rPr lang="en-US" altLang="ko-KR" b="0" i="0">
-                <a:solidFill>
-                  <a:srgbClr val="1F2328"/>
-                </a:solidFill>
-                <a:effectLst/>
-                <a:latin typeface="-apple-system"/>
-              </a:rPr>
-              <a:t>: </a:t>
-            </a:r>
-            <a:r>
-              <a:rPr lang="ko-KR" altLang="en-US" b="0" i="0">
-                <a:solidFill>
-                  <a:srgbClr val="1F2328"/>
-                </a:solidFill>
-                <a:effectLst/>
-                <a:latin typeface="-apple-system"/>
-              </a:rPr>
-              <a:t>가상 </a:t>
-            </a:r>
-            <a:r>
-              <a:rPr lang="en-US" altLang="ko-KR" b="0" i="0">
-                <a:solidFill>
-                  <a:srgbClr val="1F2328"/>
-                </a:solidFill>
-                <a:effectLst/>
-                <a:latin typeface="-apple-system"/>
-              </a:rPr>
-              <a:t>SSD </a:t>
-            </a:r>
-            <a:r>
-              <a:rPr lang="ko-KR" altLang="en-US" b="0" i="0">
-                <a:solidFill>
-                  <a:srgbClr val="1F2328"/>
-                </a:solidFill>
-                <a:effectLst/>
-                <a:latin typeface="-apple-system"/>
-              </a:rPr>
-              <a:t>제작</a:t>
-            </a:r>
-          </a:p>
-        </p:txBody>
-      </p:sp>
-    </p:spTree>
-  </p:cSld>
-  <p:clrMapOvr>
-    <a:masterClrMapping/>
-  </p:clrMapOvr>
-</p:sld>
-</file>
-
-<file path=ppt/slides/slide4.xml><?xml version="1.0" encoding="utf-8"?>
-<p:sld xmlns:a="http://schemas.openxmlformats.org/drawingml/2006/main" xmlns:r="http://schemas.openxmlformats.org/officeDocument/2006/relationships" xmlns:p="http://schemas.openxmlformats.org/presentationml/2006/main">
-  <p:cSld>
-    <p:spTree>
-      <p:nvGrpSpPr>
-        <p:cNvPr id="1" name=""/>
-        <p:cNvGrpSpPr/>
-        <p:nvPr/>
-      </p:nvGrpSpPr>
-      <p:grpSpPr>
-        <a:xfrm>
-          <a:off x="0" y="0"/>
-          <a:ext cx="0" cy="0"/>
-          <a:chOff x="0" y="0"/>
-          <a:chExt cx="0" cy="0"/>
-        </a:xfrm>
-      </p:grpSpPr>
-      <p:sp>
-        <p:nvSpPr>
-          <p:cNvPr id="2" name="제목 1">
-            <a:extLst>
-              <a:ext uri="{FF2B5EF4-FFF2-40B4-BE49-F238E27FC236}">
-                <a16:creationId xmlns:a16="http://schemas.microsoft.com/office/drawing/2014/main" id="{6A76090C-AE41-4D77-9CC9-BBF7872705A9}"/>
-              </a:ext>
-            </a:extLst>
-          </p:cNvPr>
-          <p:cNvSpPr>
-            <a:spLocks noGrp="1"/>
-          </p:cNvSpPr>
-          <p:nvPr>
-            <p:ph type="title"/>
-          </p:nvPr>
-        </p:nvSpPr>
-        <p:spPr/>
-        <p:txBody>
-          <a:bodyPr>
-            <a:normAutofit fontScale="90000"/>
-          </a:bodyPr>
-          <a:lstStyle/>
-          <a:p>
-            <a:r>
-              <a:rPr lang="ko-KR" altLang="en-US"/>
-              <a:t>기능 구현 소개</a:t>
-            </a:r>
-          </a:p>
-        </p:txBody>
-      </p:sp>
-      <p:sp>
-        <p:nvSpPr>
-          <p:cNvPr id="3" name="텍스트 개체 틀 2">
-            <a:extLst>
-              <a:ext uri="{FF2B5EF4-FFF2-40B4-BE49-F238E27FC236}">
-                <a16:creationId xmlns:a16="http://schemas.microsoft.com/office/drawing/2014/main" id="{4E8DB54B-917E-47A9-BE06-6B9DB1353E3E}"/>
-              </a:ext>
-            </a:extLst>
-          </p:cNvPr>
-          <p:cNvSpPr>
-            <a:spLocks noGrp="1"/>
-          </p:cNvSpPr>
-          <p:nvPr>
-            <p:ph type="body" idx="1"/>
-          </p:nvPr>
-        </p:nvSpPr>
-        <p:spPr/>
-        <p:txBody>
-          <a:bodyPr/>
-          <a:lstStyle/>
-          <a:p>
-            <a:r>
-              <a:rPr lang="ko-KR" altLang="en-US"/>
-              <a:t>전체 디자인 및 각 클래스 역할</a:t>
-            </a:r>
-            <a:endParaRPr lang="en-US" altLang="ko-KR"/>
-          </a:p>
-          <a:p>
-            <a:r>
-              <a:rPr lang="ko-KR" altLang="en-US"/>
-              <a:t>활용한 디자인 패턴 소개</a:t>
-            </a:r>
           </a:p>
         </p:txBody>
       </p:sp>
     </p:spTree>
     <p:extLst>
       <p:ext uri="{BB962C8B-B14F-4D97-AF65-F5344CB8AC3E}">
-        <p14:creationId xmlns:p14="http://schemas.microsoft.com/office/powerpoint/2010/main" val="36402733"/>
+        <p14:creationId xmlns:p14="http://schemas.microsoft.com/office/powerpoint/2010/main" val="3480466162"/>
       </p:ext>
     </p:extLst>
   </p:cSld>
@@ -5971,106 +6048,7 @@
 </p:sld>
 </file>
 
-<file path=ppt/slides/slide5.xml><?xml version="1.0" encoding="utf-8"?>
-<p:sld xmlns:a="http://schemas.openxmlformats.org/drawingml/2006/main" xmlns:r="http://schemas.openxmlformats.org/officeDocument/2006/relationships" xmlns:p="http://schemas.openxmlformats.org/presentationml/2006/main">
-  <p:cSld>
-    <p:spTree>
-      <p:nvGrpSpPr>
-        <p:cNvPr id="1" name=""/>
-        <p:cNvGrpSpPr/>
-        <p:nvPr/>
-      </p:nvGrpSpPr>
-      <p:grpSpPr>
-        <a:xfrm>
-          <a:off x="0" y="0"/>
-          <a:ext cx="0" cy="0"/>
-          <a:chOff x="0" y="0"/>
-          <a:chExt cx="0" cy="0"/>
-        </a:xfrm>
-      </p:grpSpPr>
-      <p:sp>
-        <p:nvSpPr>
-          <p:cNvPr id="2" name="제목 1">
-            <a:extLst>
-              <a:ext uri="{FF2B5EF4-FFF2-40B4-BE49-F238E27FC236}">
-                <a16:creationId xmlns:a16="http://schemas.microsoft.com/office/drawing/2014/main" id="{E126DC2B-16C1-4763-9EB8-0D522AC5921C}"/>
-              </a:ext>
-            </a:extLst>
-          </p:cNvPr>
-          <p:cNvSpPr>
-            <a:spLocks noGrp="1"/>
-          </p:cNvSpPr>
-          <p:nvPr>
-            <p:ph type="title"/>
-          </p:nvPr>
-        </p:nvSpPr>
-        <p:spPr/>
-        <p:txBody>
-          <a:bodyPr>
-            <a:normAutofit fontScale="90000"/>
-          </a:bodyPr>
-          <a:lstStyle/>
-          <a:p>
-            <a:r>
-              <a:rPr lang="en-US" altLang="ko-KR"/>
-              <a:t>TDD </a:t>
-            </a:r>
-            <a:r>
-              <a:rPr lang="ko-KR" altLang="en-US"/>
-              <a:t>활용 예시</a:t>
-            </a:r>
-          </a:p>
-        </p:txBody>
-      </p:sp>
-      <p:sp>
-        <p:nvSpPr>
-          <p:cNvPr id="3" name="텍스트 개체 틀 2">
-            <a:extLst>
-              <a:ext uri="{FF2B5EF4-FFF2-40B4-BE49-F238E27FC236}">
-                <a16:creationId xmlns:a16="http://schemas.microsoft.com/office/drawing/2014/main" id="{B33CD206-7167-45B3-B4BE-F0BFA702F8C9}"/>
-              </a:ext>
-            </a:extLst>
-          </p:cNvPr>
-          <p:cNvSpPr>
-            <a:spLocks noGrp="1"/>
-          </p:cNvSpPr>
-          <p:nvPr>
-            <p:ph type="body" idx="1"/>
-          </p:nvPr>
-        </p:nvSpPr>
-        <p:spPr/>
-        <p:txBody>
-          <a:bodyPr/>
-          <a:lstStyle/>
-          <a:p>
-            <a:r>
-              <a:rPr lang="ko-KR" altLang="en-US"/>
-              <a:t>테스트 케이스 및 결과</a:t>
-            </a:r>
-            <a:endParaRPr lang="en-US" altLang="ko-KR"/>
-          </a:p>
-          <a:p>
-            <a:r>
-              <a:rPr lang="ko-KR" altLang="en-US"/>
-              <a:t>테스트 픽스쳐</a:t>
-            </a:r>
-          </a:p>
-        </p:txBody>
-      </p:sp>
-    </p:spTree>
-    <p:extLst>
-      <p:ext uri="{BB962C8B-B14F-4D97-AF65-F5344CB8AC3E}">
-        <p14:creationId xmlns:p14="http://schemas.microsoft.com/office/powerpoint/2010/main" val="895998561"/>
-      </p:ext>
-    </p:extLst>
-  </p:cSld>
-  <p:clrMapOvr>
-    <a:masterClrMapping/>
-  </p:clrMapOvr>
-</p:sld>
-</file>
-
-<file path=ppt/slides/slide6.xml><?xml version="1.0" encoding="utf-8"?>
+<file path=ppt/slides/slide11.xml><?xml version="1.0" encoding="utf-8"?>
 <p:sld xmlns:a="http://schemas.openxmlformats.org/drawingml/2006/main" xmlns:r="http://schemas.openxmlformats.org/officeDocument/2006/relationships" xmlns:p="http://schemas.openxmlformats.org/presentationml/2006/main">
   <p:cSld>
     <p:spTree>
@@ -6112,12 +6090,9 @@
           <a:p>
             <a:r>
               <a:rPr lang="en-US" altLang="ko-KR"/>
-              <a:t>Mocking </a:t>
+              <a:t>Test Shell</a:t>
             </a:r>
-            <a:r>
-              <a:rPr lang="ko-KR" altLang="en-US"/>
-              <a:t>활용 예시</a:t>
-            </a:r>
+            <a:endParaRPr lang="ko-KR" altLang="en-US"/>
           </a:p>
         </p:txBody>
       </p:sp>
@@ -6150,15 +6125,8 @@
           <a:p>
             <a:r>
               <a:rPr lang="en-US" altLang="ko-KR"/>
-              <a:t>SSD deriver</a:t>
+              <a:t>SSD driver</a:t>
             </a:r>
-          </a:p>
-          <a:p>
-            <a:r>
-              <a:rPr lang="en-US" altLang="ko-KR"/>
-              <a:t>Nand device</a:t>
-            </a:r>
-            <a:endParaRPr lang="ko-KR" altLang="en-US"/>
           </a:p>
         </p:txBody>
       </p:sp>
@@ -6175,7 +6143,180 @@
 </p:sld>
 </file>
 
-<file path=ppt/slides/slide7.xml><?xml version="1.0" encoding="utf-8"?>
+<file path=ppt/slides/slide12.xml><?xml version="1.0" encoding="utf-8"?>
+<p:sld xmlns:a="http://schemas.openxmlformats.org/drawingml/2006/main" xmlns:r="http://schemas.openxmlformats.org/officeDocument/2006/relationships" xmlns:p="http://schemas.openxmlformats.org/presentationml/2006/main">
+  <p:cSld>
+    <p:spTree>
+      <p:nvGrpSpPr>
+        <p:cNvPr id="1" name=""/>
+        <p:cNvGrpSpPr/>
+        <p:nvPr/>
+      </p:nvGrpSpPr>
+      <p:grpSpPr>
+        <a:xfrm>
+          <a:off x="0" y="0"/>
+          <a:ext cx="0" cy="0"/>
+          <a:chOff x="0" y="0"/>
+          <a:chExt cx="0" cy="0"/>
+        </a:xfrm>
+      </p:grpSpPr>
+      <p:sp>
+        <p:nvSpPr>
+          <p:cNvPr id="2" name="제목 1">
+            <a:extLst>
+              <a:ext uri="{FF2B5EF4-FFF2-40B4-BE49-F238E27FC236}">
+                <a16:creationId xmlns:a16="http://schemas.microsoft.com/office/drawing/2014/main" id="{BDA3D861-0979-4501-A402-6E3F750FAC2E}"/>
+              </a:ext>
+            </a:extLst>
+          </p:cNvPr>
+          <p:cNvSpPr>
+            <a:spLocks noGrp="1"/>
+          </p:cNvSpPr>
+          <p:nvPr>
+            <p:ph type="title"/>
+          </p:nvPr>
+        </p:nvSpPr>
+        <p:spPr/>
+        <p:txBody>
+          <a:bodyPr>
+            <a:normAutofit fontScale="90000"/>
+          </a:bodyPr>
+          <a:lstStyle/>
+          <a:p>
+            <a:r>
+              <a:rPr lang="en-US" altLang="ko-KR"/>
+              <a:t>SSD driver</a:t>
+            </a:r>
+            <a:endParaRPr lang="ko-KR" altLang="en-US"/>
+          </a:p>
+        </p:txBody>
+      </p:sp>
+      <p:sp>
+        <p:nvSpPr>
+          <p:cNvPr id="3" name="텍스트 개체 틀 2">
+            <a:extLst>
+              <a:ext uri="{FF2B5EF4-FFF2-40B4-BE49-F238E27FC236}">
+                <a16:creationId xmlns:a16="http://schemas.microsoft.com/office/drawing/2014/main" id="{379AC7A0-B53D-489C-B3E5-10B54AEEA304}"/>
+              </a:ext>
+            </a:extLst>
+          </p:cNvPr>
+          <p:cNvSpPr>
+            <a:spLocks noGrp="1"/>
+          </p:cNvSpPr>
+          <p:nvPr>
+            <p:ph type="body" idx="1"/>
+          </p:nvPr>
+        </p:nvSpPr>
+        <p:spPr/>
+        <p:txBody>
+          <a:bodyPr/>
+          <a:lstStyle/>
+          <a:p>
+            <a:r>
+              <a:rPr lang="en-US" altLang="ko-KR"/>
+              <a:t>Nand device</a:t>
+            </a:r>
+            <a:endParaRPr lang="ko-KR" altLang="en-US"/>
+          </a:p>
+        </p:txBody>
+      </p:sp>
+    </p:spTree>
+    <p:extLst>
+      <p:ext uri="{BB962C8B-B14F-4D97-AF65-F5344CB8AC3E}">
+        <p14:creationId xmlns:p14="http://schemas.microsoft.com/office/powerpoint/2010/main" val="842401231"/>
+      </p:ext>
+    </p:extLst>
+  </p:cSld>
+  <p:clrMapOvr>
+    <a:masterClrMapping/>
+  </p:clrMapOvr>
+</p:sld>
+</file>
+
+<file path=ppt/slides/slide13.xml><?xml version="1.0" encoding="utf-8"?>
+<p:sld xmlns:a="http://schemas.openxmlformats.org/drawingml/2006/main" xmlns:r="http://schemas.openxmlformats.org/officeDocument/2006/relationships" xmlns:p="http://schemas.openxmlformats.org/presentationml/2006/main">
+  <p:cSld>
+    <p:spTree>
+      <p:nvGrpSpPr>
+        <p:cNvPr id="1" name="Shape 53"/>
+        <p:cNvGrpSpPr/>
+        <p:nvPr/>
+      </p:nvGrpSpPr>
+      <p:grpSpPr>
+        <a:xfrm>
+          <a:off x="0" y="0"/>
+          <a:ext cx="0" cy="0"/>
+          <a:chOff x="0" y="0"/>
+          <a:chExt cx="0" cy="0"/>
+        </a:xfrm>
+      </p:grpSpPr>
+      <p:sp>
+        <p:nvSpPr>
+          <p:cNvPr id="54" name="Google Shape;54;p2"/>
+          <p:cNvSpPr txBox="1">
+            <a:spLocks noGrp="1"/>
+          </p:cNvSpPr>
+          <p:nvPr>
+            <p:ph type="body" idx="1"/>
+          </p:nvPr>
+        </p:nvSpPr>
+        <p:spPr>
+          <a:xfrm>
+            <a:off x="1632000" y="1860184"/>
+            <a:ext cx="8928000" cy="2533083"/>
+          </a:xfrm>
+          <a:prstGeom prst="rect">
+            <a:avLst/>
+          </a:prstGeom>
+          <a:noFill/>
+          <a:ln>
+            <a:noFill/>
+          </a:ln>
+        </p:spPr>
+        <p:txBody>
+          <a:bodyPr spcFirstLastPara="1" wrap="square" lIns="0" tIns="45700" rIns="91425" bIns="45700" anchor="ctr" anchorCtr="0">
+            <a:noAutofit/>
+          </a:bodyPr>
+          <a:lstStyle/>
+          <a:p>
+            <a:pPr marL="0" lvl="0" indent="0" algn="ctr" rtl="0">
+              <a:lnSpc>
+                <a:spcPct val="90000"/>
+              </a:lnSpc>
+              <a:spcBef>
+                <a:spcPts val="0"/>
+              </a:spcBef>
+              <a:spcAft>
+                <a:spcPts val="0"/>
+              </a:spcAft>
+              <a:buClr>
+                <a:schemeClr val="dk1"/>
+              </a:buClr>
+              <a:buSzPts val="3200"/>
+              <a:buNone/>
+            </a:pPr>
+            <a:r>
+              <a:rPr lang="ko-KR" altLang="en-US"/>
+              <a:t>리팩토링 전후 코드 비교</a:t>
+            </a:r>
+            <a:endParaRPr/>
+          </a:p>
+        </p:txBody>
+      </p:sp>
+    </p:spTree>
+    <p:extLst>
+      <p:ext uri="{BB962C8B-B14F-4D97-AF65-F5344CB8AC3E}">
+        <p14:creationId xmlns:p14="http://schemas.microsoft.com/office/powerpoint/2010/main" val="143375530"/>
+      </p:ext>
+    </p:extLst>
+  </p:cSld>
+  <p:clrMapOvr>
+    <a:masterClrMapping/>
+  </p:clrMapOvr>
+</p:sld>
+</file>
+
+<file path=ppt/slides/slide14.xml><?xml version="1.0" encoding="utf-8"?>
 <p:sld xmlns:a="http://schemas.openxmlformats.org/drawingml/2006/main" xmlns:r="http://schemas.openxmlformats.org/officeDocument/2006/relationships" xmlns:p="http://schemas.openxmlformats.org/presentationml/2006/main">
   <p:cSld>
     <p:spTree>
@@ -6260,7 +6401,90 @@
 </p:sld>
 </file>
 
-<file path=ppt/slides/slide8.xml><?xml version="1.0" encoding="utf-8"?>
+<file path=ppt/slides/slide15.xml><?xml version="1.0" encoding="utf-8"?>
+<p:sld xmlns:a="http://schemas.openxmlformats.org/drawingml/2006/main" xmlns:r="http://schemas.openxmlformats.org/officeDocument/2006/relationships" xmlns:p="http://schemas.openxmlformats.org/presentationml/2006/main">
+  <p:cSld>
+    <p:spTree>
+      <p:nvGrpSpPr>
+        <p:cNvPr id="1" name="Shape 53"/>
+        <p:cNvGrpSpPr/>
+        <p:nvPr/>
+      </p:nvGrpSpPr>
+      <p:grpSpPr>
+        <a:xfrm>
+          <a:off x="0" y="0"/>
+          <a:ext cx="0" cy="0"/>
+          <a:chOff x="0" y="0"/>
+          <a:chExt cx="0" cy="0"/>
+        </a:xfrm>
+      </p:grpSpPr>
+      <p:sp>
+        <p:nvSpPr>
+          <p:cNvPr id="54" name="Google Shape;54;p2"/>
+          <p:cNvSpPr txBox="1">
+            <a:spLocks noGrp="1"/>
+          </p:cNvSpPr>
+          <p:nvPr>
+            <p:ph type="body" idx="1"/>
+          </p:nvPr>
+        </p:nvSpPr>
+        <p:spPr>
+          <a:xfrm>
+            <a:off x="1632000" y="1860184"/>
+            <a:ext cx="8928000" cy="2533083"/>
+          </a:xfrm>
+          <a:prstGeom prst="rect">
+            <a:avLst/>
+          </a:prstGeom>
+          <a:noFill/>
+          <a:ln>
+            <a:noFill/>
+          </a:ln>
+        </p:spPr>
+        <p:txBody>
+          <a:bodyPr spcFirstLastPara="1" wrap="square" lIns="0" tIns="45700" rIns="91425" bIns="45700" anchor="ctr" anchorCtr="0">
+            <a:noAutofit/>
+          </a:bodyPr>
+          <a:lstStyle/>
+          <a:p>
+            <a:pPr marL="0" lvl="0" indent="0" algn="ctr" rtl="0">
+              <a:lnSpc>
+                <a:spcPct val="90000"/>
+              </a:lnSpc>
+              <a:spcBef>
+                <a:spcPts val="0"/>
+              </a:spcBef>
+              <a:spcAft>
+                <a:spcPts val="0"/>
+              </a:spcAft>
+              <a:buClr>
+                <a:schemeClr val="dk1"/>
+              </a:buClr>
+              <a:buSzPts val="3200"/>
+              <a:buNone/>
+            </a:pPr>
+            <a:r>
+              <a:rPr lang="ko-KR" altLang="en-US"/>
+              <a:t>소감</a:t>
+            </a:r>
+            <a:endParaRPr/>
+          </a:p>
+        </p:txBody>
+      </p:sp>
+    </p:spTree>
+    <p:extLst>
+      <p:ext uri="{BB962C8B-B14F-4D97-AF65-F5344CB8AC3E}">
+        <p14:creationId xmlns:p14="http://schemas.microsoft.com/office/powerpoint/2010/main" val="2504174498"/>
+      </p:ext>
+    </p:extLst>
+  </p:cSld>
+  <p:clrMapOvr>
+    <a:masterClrMapping/>
+  </p:clrMapOvr>
+</p:sld>
+</file>
+
+<file path=ppt/slides/slide16.xml><?xml version="1.0" encoding="utf-8"?>
 <p:sld xmlns:a="http://schemas.openxmlformats.org/drawingml/2006/main" xmlns:r="http://schemas.openxmlformats.org/officeDocument/2006/relationships" xmlns:p="http://schemas.openxmlformats.org/presentationml/2006/main">
   <p:cSld>
     <p:spTree>
@@ -6345,7 +6569,7 @@
 </p:sld>
 </file>
 
-<file path=ppt/slides/slide9.xml><?xml version="1.0" encoding="utf-8"?>
+<file path=ppt/slides/slide17.xml><?xml version="1.0" encoding="utf-8"?>
 <p:sld xmlns:a="http://schemas.openxmlformats.org/drawingml/2006/main" xmlns:r="http://schemas.openxmlformats.org/officeDocument/2006/relationships" xmlns:p="http://schemas.openxmlformats.org/presentationml/2006/main">
   <p:cSld>
     <p:spTree>
@@ -6363,6 +6587,1202 @@
         </a:xfrm>
       </p:grpSpPr>
     </p:spTree>
+  </p:cSld>
+  <p:clrMapOvr>
+    <a:masterClrMapping/>
+  </p:clrMapOvr>
+</p:sld>
+</file>
+
+<file path=ppt/slides/slide2.xml><?xml version="1.0" encoding="utf-8"?>
+<p:sld xmlns:a="http://schemas.openxmlformats.org/drawingml/2006/main" xmlns:r="http://schemas.openxmlformats.org/officeDocument/2006/relationships" xmlns:p="http://schemas.openxmlformats.org/presentationml/2006/main">
+  <p:cSld>
+    <p:spTree>
+      <p:nvGrpSpPr>
+        <p:cNvPr id="1" name="Shape 53"/>
+        <p:cNvGrpSpPr/>
+        <p:nvPr/>
+      </p:nvGrpSpPr>
+      <p:grpSpPr>
+        <a:xfrm>
+          <a:off x="0" y="0"/>
+          <a:ext cx="0" cy="0"/>
+          <a:chOff x="0" y="0"/>
+          <a:chExt cx="0" cy="0"/>
+        </a:xfrm>
+      </p:grpSpPr>
+      <p:sp>
+        <p:nvSpPr>
+          <p:cNvPr id="54" name="Google Shape;54;p2"/>
+          <p:cNvSpPr txBox="1">
+            <a:spLocks noGrp="1"/>
+          </p:cNvSpPr>
+          <p:nvPr>
+            <p:ph type="body" idx="1"/>
+          </p:nvPr>
+        </p:nvSpPr>
+        <p:spPr>
+          <a:xfrm>
+            <a:off x="1632000" y="1860184"/>
+            <a:ext cx="8928000" cy="2533083"/>
+          </a:xfrm>
+          <a:prstGeom prst="rect">
+            <a:avLst/>
+          </a:prstGeom>
+          <a:noFill/>
+          <a:ln>
+            <a:noFill/>
+          </a:ln>
+        </p:spPr>
+        <p:txBody>
+          <a:bodyPr spcFirstLastPara="1" wrap="square" lIns="0" tIns="45700" rIns="91425" bIns="45700" anchor="ctr" anchorCtr="0">
+            <a:noAutofit/>
+          </a:bodyPr>
+          <a:lstStyle/>
+          <a:p>
+            <a:pPr marL="0" lvl="0" indent="0" algn="ctr" rtl="0">
+              <a:lnSpc>
+                <a:spcPct val="90000"/>
+              </a:lnSpc>
+              <a:spcBef>
+                <a:spcPts val="0"/>
+              </a:spcBef>
+              <a:spcAft>
+                <a:spcPts val="0"/>
+              </a:spcAft>
+              <a:buClr>
+                <a:schemeClr val="dk1"/>
+              </a:buClr>
+              <a:buSzPts val="3200"/>
+              <a:buNone/>
+            </a:pPr>
+            <a:r>
+              <a:rPr lang="ko-KR" altLang="en-US"/>
+              <a:t>조원 소개 및 역할</a:t>
+            </a:r>
+            <a:endParaRPr/>
+          </a:p>
+        </p:txBody>
+      </p:sp>
+    </p:spTree>
+  </p:cSld>
+  <p:clrMapOvr>
+    <a:masterClrMapping/>
+  </p:clrMapOvr>
+</p:sld>
+</file>
+
+<file path=ppt/slides/slide3.xml><?xml version="1.0" encoding="utf-8"?>
+<p:sld xmlns:a="http://schemas.openxmlformats.org/drawingml/2006/main" xmlns:r="http://schemas.openxmlformats.org/officeDocument/2006/relationships" xmlns:p="http://schemas.openxmlformats.org/presentationml/2006/main">
+  <p:cSld>
+    <p:spTree>
+      <p:nvGrpSpPr>
+        <p:cNvPr id="1" name="Shape 58"/>
+        <p:cNvGrpSpPr/>
+        <p:nvPr/>
+      </p:nvGrpSpPr>
+      <p:grpSpPr>
+        <a:xfrm>
+          <a:off x="0" y="0"/>
+          <a:ext cx="0" cy="0"/>
+          <a:chOff x="0" y="0"/>
+          <a:chExt cx="0" cy="0"/>
+        </a:xfrm>
+      </p:grpSpPr>
+      <p:sp>
+        <p:nvSpPr>
+          <p:cNvPr id="59" name="Google Shape;59;p3"/>
+          <p:cNvSpPr txBox="1">
+            <a:spLocks noGrp="1"/>
+          </p:cNvSpPr>
+          <p:nvPr>
+            <p:ph type="title"/>
+          </p:nvPr>
+        </p:nvSpPr>
+        <p:spPr>
+          <a:xfrm>
+            <a:off x="605980" y="310143"/>
+            <a:ext cx="10515600" cy="649800"/>
+          </a:xfrm>
+          <a:prstGeom prst="rect">
+            <a:avLst/>
+          </a:prstGeom>
+          <a:noFill/>
+          <a:ln>
+            <a:noFill/>
+          </a:ln>
+        </p:spPr>
+        <p:txBody>
+          <a:bodyPr spcFirstLastPara="1" wrap="square" lIns="91425" tIns="45700" rIns="91425" bIns="45700" anchor="ctr" anchorCtr="0">
+            <a:normAutofit fontScale="90000"/>
+          </a:bodyPr>
+          <a:lstStyle/>
+          <a:p>
+            <a:pPr marL="0" lvl="0" indent="0" algn="l" rtl="0">
+              <a:lnSpc>
+                <a:spcPct val="90000"/>
+              </a:lnSpc>
+              <a:spcBef>
+                <a:spcPts val="0"/>
+              </a:spcBef>
+              <a:spcAft>
+                <a:spcPts val="0"/>
+              </a:spcAft>
+              <a:buClr>
+                <a:schemeClr val="dk1"/>
+              </a:buClr>
+              <a:buSzPts val="4400"/>
+              <a:buFont typeface="Malgun Gothic"/>
+              <a:buNone/>
+            </a:pPr>
+            <a:r>
+              <a:rPr lang="en-US"/>
+              <a:t>Team Americano</a:t>
+            </a:r>
+            <a:endParaRPr/>
+          </a:p>
+        </p:txBody>
+      </p:sp>
+      <p:sp>
+        <p:nvSpPr>
+          <p:cNvPr id="60" name="Google Shape;60;p3"/>
+          <p:cNvSpPr txBox="1">
+            <a:spLocks noGrp="1"/>
+          </p:cNvSpPr>
+          <p:nvPr>
+            <p:ph type="body" idx="1"/>
+          </p:nvPr>
+        </p:nvSpPr>
+        <p:spPr>
+          <a:xfrm>
+            <a:off x="605980" y="1316376"/>
+            <a:ext cx="10515600" cy="4927800"/>
+          </a:xfrm>
+          <a:prstGeom prst="rect">
+            <a:avLst/>
+          </a:prstGeom>
+          <a:noFill/>
+          <a:ln>
+            <a:noFill/>
+          </a:ln>
+        </p:spPr>
+        <p:txBody>
+          <a:bodyPr spcFirstLastPara="1" wrap="square" lIns="91425" tIns="45700" rIns="91425" bIns="45700" anchor="t" anchorCtr="0">
+            <a:normAutofit/>
+          </a:bodyPr>
+          <a:lstStyle/>
+          <a:p>
+            <a:pPr marL="228600" lvl="0" indent="-50800" algn="l" rtl="0">
+              <a:lnSpc>
+                <a:spcPct val="90000"/>
+              </a:lnSpc>
+              <a:spcBef>
+                <a:spcPts val="0"/>
+              </a:spcBef>
+              <a:spcAft>
+                <a:spcPts val="0"/>
+              </a:spcAft>
+              <a:buClr>
+                <a:schemeClr val="dk1"/>
+              </a:buClr>
+              <a:buSzPts val="2800"/>
+              <a:buNone/>
+            </a:pPr>
+            <a:r>
+              <a:rPr lang="ko-KR" altLang="en-US" b="0" i="0">
+                <a:solidFill>
+                  <a:srgbClr val="161616"/>
+                </a:solidFill>
+                <a:effectLst/>
+                <a:latin typeface="Inter"/>
+              </a:rPr>
+              <a:t>한 번의 </a:t>
+            </a:r>
+            <a:r>
+              <a:rPr lang="en-US" altLang="ko-KR" b="0" i="0">
+                <a:solidFill>
+                  <a:srgbClr val="161616"/>
+                </a:solidFill>
+                <a:effectLst/>
+                <a:latin typeface="Inter"/>
+              </a:rPr>
+              <a:t>PR</a:t>
+            </a:r>
+            <a:r>
+              <a:rPr lang="ko-KR" altLang="en-US" b="0" i="0">
+                <a:solidFill>
+                  <a:srgbClr val="161616"/>
+                </a:solidFill>
+                <a:effectLst/>
+                <a:latin typeface="Inter"/>
+              </a:rPr>
+              <a:t>을 마치 한 잔의 커피처럼</a:t>
+            </a:r>
+            <a:r>
+              <a:rPr lang="en-US" altLang="ko-KR" b="0" i="0">
+                <a:solidFill>
+                  <a:srgbClr val="161616"/>
+                </a:solidFill>
+                <a:effectLst/>
+                <a:latin typeface="Inter"/>
+              </a:rPr>
+              <a:t>~ </a:t>
+            </a:r>
+          </a:p>
+          <a:p>
+            <a:pPr marL="228600" indent="-50800">
+              <a:spcBef>
+                <a:spcPts val="0"/>
+              </a:spcBef>
+              <a:buSzPts val="2800"/>
+              <a:buNone/>
+            </a:pPr>
+            <a:r>
+              <a:rPr lang="ko-KR" altLang="en-US">
+                <a:solidFill>
+                  <a:srgbClr val="161616"/>
+                </a:solidFill>
+                <a:latin typeface="Inter"/>
+              </a:rPr>
+              <a:t>항</a:t>
+            </a:r>
+            <a:r>
+              <a:rPr lang="ko-KR" altLang="en-US" b="0" i="0">
+                <a:solidFill>
+                  <a:srgbClr val="161616"/>
+                </a:solidFill>
+                <a:effectLst/>
+                <a:latin typeface="Inter"/>
+              </a:rPr>
+              <a:t>상 깨어있는 </a:t>
+            </a:r>
+            <a:r>
+              <a:rPr lang="en-US" altLang="ko-KR" b="0" i="0">
+                <a:solidFill>
+                  <a:srgbClr val="161616"/>
+                </a:solidFill>
+                <a:effectLst/>
+                <a:latin typeface="Inter"/>
+              </a:rPr>
+              <a:t>Code</a:t>
+            </a:r>
+            <a:r>
+              <a:rPr lang="ko-KR" altLang="en-US" b="0" i="0">
+                <a:solidFill>
+                  <a:srgbClr val="161616"/>
+                </a:solidFill>
+                <a:effectLst/>
+                <a:latin typeface="Inter"/>
+              </a:rPr>
+              <a:t>를 만들자</a:t>
+            </a:r>
+            <a:r>
+              <a:rPr lang="en-US" altLang="ko-KR" b="0" i="0">
+                <a:solidFill>
+                  <a:srgbClr val="161616"/>
+                </a:solidFill>
+                <a:effectLst/>
+                <a:latin typeface="Inter"/>
+              </a:rPr>
+              <a:t>!</a:t>
+            </a:r>
+          </a:p>
+          <a:p>
+            <a:pPr marL="228600" lvl="0" indent="-50800" algn="l" rtl="0">
+              <a:lnSpc>
+                <a:spcPct val="90000"/>
+              </a:lnSpc>
+              <a:spcBef>
+                <a:spcPts val="0"/>
+              </a:spcBef>
+              <a:spcAft>
+                <a:spcPts val="0"/>
+              </a:spcAft>
+              <a:buClr>
+                <a:schemeClr val="dk1"/>
+              </a:buClr>
+              <a:buSzPts val="2800"/>
+              <a:buNone/>
+            </a:pPr>
+            <a:endParaRPr lang="en-US" altLang="ko-KR" b="0" i="0">
+              <a:solidFill>
+                <a:srgbClr val="161616"/>
+              </a:solidFill>
+              <a:effectLst/>
+              <a:latin typeface="Inter"/>
+            </a:endParaRPr>
+          </a:p>
+          <a:p>
+            <a:pPr algn="l">
+              <a:buFont typeface="Arial" panose="020B0604020202020204" pitchFamily="34" charset="0"/>
+              <a:buChar char="•"/>
+            </a:pPr>
+            <a:r>
+              <a:rPr lang="ko-KR" altLang="en-US" b="0" i="0">
+                <a:solidFill>
+                  <a:srgbClr val="1F2328"/>
+                </a:solidFill>
+                <a:effectLst/>
+                <a:latin typeface="-apple-system"/>
+              </a:rPr>
+              <a:t>정혜연</a:t>
+            </a:r>
+            <a:r>
+              <a:rPr lang="en-US" altLang="ko-KR" b="0" i="0">
+                <a:solidFill>
+                  <a:srgbClr val="1F2328"/>
+                </a:solidFill>
+                <a:effectLst/>
+                <a:latin typeface="-apple-system"/>
+              </a:rPr>
+              <a:t>(</a:t>
+            </a:r>
+            <a:r>
+              <a:rPr lang="ko-KR" altLang="en-US" b="0" i="0">
+                <a:solidFill>
+                  <a:srgbClr val="1F2328"/>
+                </a:solidFill>
+                <a:effectLst/>
+                <a:latin typeface="-apple-system"/>
+              </a:rPr>
+              <a:t>팀장</a:t>
+            </a:r>
+            <a:r>
+              <a:rPr lang="en-US" altLang="ko-KR" b="0" i="0">
+                <a:solidFill>
+                  <a:srgbClr val="1F2328"/>
+                </a:solidFill>
+                <a:effectLst/>
+                <a:latin typeface="-apple-system"/>
+              </a:rPr>
+              <a:t>): Project </a:t>
+            </a:r>
+            <a:r>
+              <a:rPr lang="ko-KR" altLang="en-US" b="0" i="0">
+                <a:solidFill>
+                  <a:srgbClr val="1F2328"/>
+                </a:solidFill>
+                <a:effectLst/>
+                <a:latin typeface="-apple-system"/>
+              </a:rPr>
+              <a:t>구축</a:t>
+            </a:r>
+            <a:r>
+              <a:rPr lang="en-US" altLang="ko-KR" b="0" i="0">
+                <a:solidFill>
+                  <a:srgbClr val="1F2328"/>
+                </a:solidFill>
+                <a:effectLst/>
+                <a:latin typeface="-apple-system"/>
+              </a:rPr>
+              <a:t>, Test Shell - App </a:t>
+            </a:r>
+            <a:r>
+              <a:rPr lang="ko-KR" altLang="en-US" b="0" i="0">
+                <a:solidFill>
+                  <a:srgbClr val="1F2328"/>
+                </a:solidFill>
+                <a:effectLst/>
+                <a:latin typeface="-apple-system"/>
+              </a:rPr>
+              <a:t>개발</a:t>
+            </a:r>
+          </a:p>
+          <a:p>
+            <a:pPr algn="l">
+              <a:buFont typeface="Arial" panose="020B0604020202020204" pitchFamily="34" charset="0"/>
+              <a:buChar char="•"/>
+            </a:pPr>
+            <a:r>
+              <a:rPr lang="ko-KR" altLang="en-US" b="0" i="0">
+                <a:solidFill>
+                  <a:srgbClr val="1F2328"/>
+                </a:solidFill>
+                <a:effectLst/>
+                <a:latin typeface="-apple-system"/>
+              </a:rPr>
+              <a:t>윤태웅</a:t>
+            </a:r>
+            <a:r>
+              <a:rPr lang="en-US" altLang="ko-KR" b="0" i="0">
+                <a:solidFill>
+                  <a:srgbClr val="1F2328"/>
+                </a:solidFill>
+                <a:effectLst/>
+                <a:latin typeface="-apple-system"/>
+              </a:rPr>
+              <a:t>: Test Shell - App </a:t>
+            </a:r>
+            <a:r>
+              <a:rPr lang="ko-KR" altLang="en-US" b="0" i="0">
+                <a:solidFill>
+                  <a:srgbClr val="1F2328"/>
+                </a:solidFill>
+                <a:effectLst/>
+                <a:latin typeface="-apple-system"/>
+              </a:rPr>
+              <a:t>개발</a:t>
+            </a:r>
+          </a:p>
+          <a:p>
+            <a:pPr algn="l">
+              <a:buFont typeface="Arial" panose="020B0604020202020204" pitchFamily="34" charset="0"/>
+              <a:buChar char="•"/>
+            </a:pPr>
+            <a:r>
+              <a:rPr lang="ko-KR" altLang="en-US" b="0" i="0">
+                <a:solidFill>
+                  <a:srgbClr val="1F2328"/>
+                </a:solidFill>
+                <a:effectLst/>
+                <a:latin typeface="-apple-system"/>
+              </a:rPr>
+              <a:t>장현진</a:t>
+            </a:r>
+            <a:r>
+              <a:rPr lang="en-US" altLang="ko-KR" b="0" i="0">
+                <a:solidFill>
+                  <a:srgbClr val="1F2328"/>
+                </a:solidFill>
+                <a:effectLst/>
+                <a:latin typeface="-apple-system"/>
+              </a:rPr>
+              <a:t>: Test Shell - App </a:t>
+            </a:r>
+            <a:r>
+              <a:rPr lang="ko-KR" altLang="en-US" b="0" i="0">
+                <a:solidFill>
+                  <a:srgbClr val="1F2328"/>
+                </a:solidFill>
+                <a:effectLst/>
+                <a:latin typeface="-apple-system"/>
+              </a:rPr>
+              <a:t>개발</a:t>
+            </a:r>
+          </a:p>
+          <a:p>
+            <a:pPr algn="l">
+              <a:buFont typeface="Arial" panose="020B0604020202020204" pitchFamily="34" charset="0"/>
+              <a:buChar char="•"/>
+            </a:pPr>
+            <a:r>
+              <a:rPr lang="ko-KR" altLang="en-US" b="0" i="0">
+                <a:solidFill>
+                  <a:srgbClr val="1F2328"/>
+                </a:solidFill>
+                <a:effectLst/>
+                <a:latin typeface="-apple-system"/>
+              </a:rPr>
+              <a:t>유정균</a:t>
+            </a:r>
+            <a:r>
+              <a:rPr lang="en-US" altLang="ko-KR" b="0" i="0">
+                <a:solidFill>
+                  <a:srgbClr val="1F2328"/>
+                </a:solidFill>
+                <a:effectLst/>
+                <a:latin typeface="-apple-system"/>
+              </a:rPr>
+              <a:t>: </a:t>
+            </a:r>
+            <a:r>
+              <a:rPr lang="ko-KR" altLang="en-US" b="0" i="0">
+                <a:solidFill>
+                  <a:srgbClr val="1F2328"/>
+                </a:solidFill>
+                <a:effectLst/>
+                <a:latin typeface="-apple-system"/>
+              </a:rPr>
+              <a:t>가상 </a:t>
+            </a:r>
+            <a:r>
+              <a:rPr lang="en-US" altLang="ko-KR" b="0" i="0">
+                <a:solidFill>
+                  <a:srgbClr val="1F2328"/>
+                </a:solidFill>
+                <a:effectLst/>
+                <a:latin typeface="-apple-system"/>
+              </a:rPr>
+              <a:t>SSD </a:t>
+            </a:r>
+            <a:r>
+              <a:rPr lang="ko-KR" altLang="en-US" b="0" i="0">
+                <a:solidFill>
+                  <a:srgbClr val="1F2328"/>
+                </a:solidFill>
+                <a:effectLst/>
+                <a:latin typeface="-apple-system"/>
+              </a:rPr>
+              <a:t>제작</a:t>
+            </a:r>
+          </a:p>
+          <a:p>
+            <a:pPr algn="l">
+              <a:buFont typeface="Arial" panose="020B0604020202020204" pitchFamily="34" charset="0"/>
+              <a:buChar char="•"/>
+            </a:pPr>
+            <a:r>
+              <a:rPr lang="ko-KR" altLang="en-US" b="0" i="0">
+                <a:solidFill>
+                  <a:srgbClr val="1F2328"/>
+                </a:solidFill>
+                <a:effectLst/>
+                <a:latin typeface="-apple-system"/>
+              </a:rPr>
+              <a:t>박준영</a:t>
+            </a:r>
+            <a:r>
+              <a:rPr lang="en-US" altLang="ko-KR" b="0" i="0">
+                <a:solidFill>
+                  <a:srgbClr val="1F2328"/>
+                </a:solidFill>
+                <a:effectLst/>
+                <a:latin typeface="-apple-system"/>
+              </a:rPr>
+              <a:t>: </a:t>
+            </a:r>
+            <a:r>
+              <a:rPr lang="ko-KR" altLang="en-US" b="0" i="0">
+                <a:solidFill>
+                  <a:srgbClr val="1F2328"/>
+                </a:solidFill>
+                <a:effectLst/>
+                <a:latin typeface="-apple-system"/>
+              </a:rPr>
+              <a:t>가상 </a:t>
+            </a:r>
+            <a:r>
+              <a:rPr lang="en-US" altLang="ko-KR" b="0" i="0">
+                <a:solidFill>
+                  <a:srgbClr val="1F2328"/>
+                </a:solidFill>
+                <a:effectLst/>
+                <a:latin typeface="-apple-system"/>
+              </a:rPr>
+              <a:t>SSD </a:t>
+            </a:r>
+            <a:r>
+              <a:rPr lang="ko-KR" altLang="en-US" b="0" i="0">
+                <a:solidFill>
+                  <a:srgbClr val="1F2328"/>
+                </a:solidFill>
+                <a:effectLst/>
+                <a:latin typeface="-apple-system"/>
+              </a:rPr>
+              <a:t>제작</a:t>
+            </a:r>
+          </a:p>
+          <a:p>
+            <a:pPr algn="l">
+              <a:buFont typeface="Arial" panose="020B0604020202020204" pitchFamily="34" charset="0"/>
+              <a:buChar char="•"/>
+            </a:pPr>
+            <a:r>
+              <a:rPr lang="ko-KR" altLang="en-US" b="0" i="0">
+                <a:solidFill>
+                  <a:srgbClr val="1F2328"/>
+                </a:solidFill>
+                <a:effectLst/>
+                <a:latin typeface="-apple-system"/>
+              </a:rPr>
+              <a:t>홍주영</a:t>
+            </a:r>
+            <a:r>
+              <a:rPr lang="en-US" altLang="ko-KR" b="0" i="0">
+                <a:solidFill>
+                  <a:srgbClr val="1F2328"/>
+                </a:solidFill>
+                <a:effectLst/>
+                <a:latin typeface="-apple-system"/>
+              </a:rPr>
+              <a:t>: </a:t>
+            </a:r>
+            <a:r>
+              <a:rPr lang="ko-KR" altLang="en-US" b="0" i="0">
+                <a:solidFill>
+                  <a:srgbClr val="1F2328"/>
+                </a:solidFill>
+                <a:effectLst/>
+                <a:latin typeface="-apple-system"/>
+              </a:rPr>
+              <a:t>가상 </a:t>
+            </a:r>
+            <a:r>
+              <a:rPr lang="en-US" altLang="ko-KR" b="0" i="0">
+                <a:solidFill>
+                  <a:srgbClr val="1F2328"/>
+                </a:solidFill>
+                <a:effectLst/>
+                <a:latin typeface="-apple-system"/>
+              </a:rPr>
+              <a:t>SSD </a:t>
+            </a:r>
+            <a:r>
+              <a:rPr lang="ko-KR" altLang="en-US" b="0" i="0">
+                <a:solidFill>
+                  <a:srgbClr val="1F2328"/>
+                </a:solidFill>
+                <a:effectLst/>
+                <a:latin typeface="-apple-system"/>
+              </a:rPr>
+              <a:t>제작</a:t>
+            </a:r>
+          </a:p>
+        </p:txBody>
+      </p:sp>
+    </p:spTree>
+  </p:cSld>
+  <p:clrMapOvr>
+    <a:masterClrMapping/>
+  </p:clrMapOvr>
+</p:sld>
+</file>
+
+<file path=ppt/slides/slide4.xml><?xml version="1.0" encoding="utf-8"?>
+<p:sld xmlns:a="http://schemas.openxmlformats.org/drawingml/2006/main" xmlns:r="http://schemas.openxmlformats.org/officeDocument/2006/relationships" xmlns:p="http://schemas.openxmlformats.org/presentationml/2006/main">
+  <p:cSld>
+    <p:spTree>
+      <p:nvGrpSpPr>
+        <p:cNvPr id="1" name="Shape 53"/>
+        <p:cNvGrpSpPr/>
+        <p:nvPr/>
+      </p:nvGrpSpPr>
+      <p:grpSpPr>
+        <a:xfrm>
+          <a:off x="0" y="0"/>
+          <a:ext cx="0" cy="0"/>
+          <a:chOff x="0" y="0"/>
+          <a:chExt cx="0" cy="0"/>
+        </a:xfrm>
+      </p:grpSpPr>
+      <p:sp>
+        <p:nvSpPr>
+          <p:cNvPr id="54" name="Google Shape;54;p2"/>
+          <p:cNvSpPr txBox="1">
+            <a:spLocks noGrp="1"/>
+          </p:cNvSpPr>
+          <p:nvPr>
+            <p:ph type="body" idx="1"/>
+          </p:nvPr>
+        </p:nvSpPr>
+        <p:spPr>
+          <a:xfrm>
+            <a:off x="1632000" y="1860184"/>
+            <a:ext cx="8928000" cy="2533083"/>
+          </a:xfrm>
+          <a:prstGeom prst="rect">
+            <a:avLst/>
+          </a:prstGeom>
+          <a:noFill/>
+          <a:ln>
+            <a:noFill/>
+          </a:ln>
+        </p:spPr>
+        <p:txBody>
+          <a:bodyPr spcFirstLastPara="1" wrap="square" lIns="0" tIns="45700" rIns="91425" bIns="45700" anchor="ctr" anchorCtr="0">
+            <a:noAutofit/>
+          </a:bodyPr>
+          <a:lstStyle/>
+          <a:p>
+            <a:pPr marL="0" lvl="0" indent="0" algn="ctr" rtl="0">
+              <a:lnSpc>
+                <a:spcPct val="90000"/>
+              </a:lnSpc>
+              <a:spcBef>
+                <a:spcPts val="0"/>
+              </a:spcBef>
+              <a:spcAft>
+                <a:spcPts val="0"/>
+              </a:spcAft>
+              <a:buClr>
+                <a:schemeClr val="dk1"/>
+              </a:buClr>
+              <a:buSzPts val="3200"/>
+              <a:buNone/>
+            </a:pPr>
+            <a:r>
+              <a:rPr lang="ko-KR" altLang="en-US"/>
+              <a:t>기능 구현 소개</a:t>
+            </a:r>
+            <a:endParaRPr/>
+          </a:p>
+        </p:txBody>
+      </p:sp>
+    </p:spTree>
+    <p:extLst>
+      <p:ext uri="{BB962C8B-B14F-4D97-AF65-F5344CB8AC3E}">
+        <p14:creationId xmlns:p14="http://schemas.microsoft.com/office/powerpoint/2010/main" val="4063533609"/>
+      </p:ext>
+    </p:extLst>
+  </p:cSld>
+  <p:clrMapOvr>
+    <a:masterClrMapping/>
+  </p:clrMapOvr>
+</p:sld>
+</file>
+
+<file path=ppt/slides/slide5.xml><?xml version="1.0" encoding="utf-8"?>
+<p:sld xmlns:a="http://schemas.openxmlformats.org/drawingml/2006/main" xmlns:r="http://schemas.openxmlformats.org/officeDocument/2006/relationships" xmlns:p="http://schemas.openxmlformats.org/presentationml/2006/main">
+  <p:cSld>
+    <p:spTree>
+      <p:nvGrpSpPr>
+        <p:cNvPr id="1" name=""/>
+        <p:cNvGrpSpPr/>
+        <p:nvPr/>
+      </p:nvGrpSpPr>
+      <p:grpSpPr>
+        <a:xfrm>
+          <a:off x="0" y="0"/>
+          <a:ext cx="0" cy="0"/>
+          <a:chOff x="0" y="0"/>
+          <a:chExt cx="0" cy="0"/>
+        </a:xfrm>
+      </p:grpSpPr>
+      <p:sp>
+        <p:nvSpPr>
+          <p:cNvPr id="2" name="제목 1">
+            <a:extLst>
+              <a:ext uri="{FF2B5EF4-FFF2-40B4-BE49-F238E27FC236}">
+                <a16:creationId xmlns:a16="http://schemas.microsoft.com/office/drawing/2014/main" id="{6A76090C-AE41-4D77-9CC9-BBF7872705A9}"/>
+              </a:ext>
+            </a:extLst>
+          </p:cNvPr>
+          <p:cNvSpPr>
+            <a:spLocks noGrp="1"/>
+          </p:cNvSpPr>
+          <p:nvPr>
+            <p:ph type="title"/>
+          </p:nvPr>
+        </p:nvSpPr>
+        <p:spPr/>
+        <p:txBody>
+          <a:bodyPr>
+            <a:normAutofit fontScale="90000"/>
+          </a:bodyPr>
+          <a:lstStyle/>
+          <a:p>
+            <a:r>
+              <a:rPr lang="ko-KR" altLang="en-US"/>
+              <a:t>활용한 디자인 패턴 소개</a:t>
+            </a:r>
+          </a:p>
+        </p:txBody>
+      </p:sp>
+      <p:sp>
+        <p:nvSpPr>
+          <p:cNvPr id="3" name="텍스트 개체 틀 2">
+            <a:extLst>
+              <a:ext uri="{FF2B5EF4-FFF2-40B4-BE49-F238E27FC236}">
+                <a16:creationId xmlns:a16="http://schemas.microsoft.com/office/drawing/2014/main" id="{4E8DB54B-917E-47A9-BE06-6B9DB1353E3E}"/>
+              </a:ext>
+            </a:extLst>
+          </p:cNvPr>
+          <p:cNvSpPr>
+            <a:spLocks noGrp="1"/>
+          </p:cNvSpPr>
+          <p:nvPr>
+            <p:ph type="body" idx="1"/>
+          </p:nvPr>
+        </p:nvSpPr>
+        <p:spPr/>
+        <p:txBody>
+          <a:bodyPr/>
+          <a:lstStyle/>
+          <a:p>
+            <a:r>
+              <a:rPr lang="ko-KR" altLang="en-US"/>
+              <a:t>전체 디자인 및 각 클래스 역할</a:t>
+            </a:r>
+            <a:endParaRPr lang="en-US" altLang="ko-KR"/>
+          </a:p>
+          <a:p>
+            <a:r>
+              <a:rPr lang="ko-KR" altLang="en-US"/>
+              <a:t>활용한 디자인 패턴 소개</a:t>
+            </a:r>
+          </a:p>
+        </p:txBody>
+      </p:sp>
+    </p:spTree>
+    <p:extLst>
+      <p:ext uri="{BB962C8B-B14F-4D97-AF65-F5344CB8AC3E}">
+        <p14:creationId xmlns:p14="http://schemas.microsoft.com/office/powerpoint/2010/main" val="36402733"/>
+      </p:ext>
+    </p:extLst>
+  </p:cSld>
+  <p:clrMapOvr>
+    <a:masterClrMapping/>
+  </p:clrMapOvr>
+</p:sld>
+</file>
+
+<file path=ppt/slides/slide6.xml><?xml version="1.0" encoding="utf-8"?>
+<p:sld xmlns:a="http://schemas.openxmlformats.org/drawingml/2006/main" xmlns:r="http://schemas.openxmlformats.org/officeDocument/2006/relationships" xmlns:p="http://schemas.openxmlformats.org/presentationml/2006/main">
+  <p:cSld>
+    <p:spTree>
+      <p:nvGrpSpPr>
+        <p:cNvPr id="1" name=""/>
+        <p:cNvGrpSpPr/>
+        <p:nvPr/>
+      </p:nvGrpSpPr>
+      <p:grpSpPr>
+        <a:xfrm>
+          <a:off x="0" y="0"/>
+          <a:ext cx="0" cy="0"/>
+          <a:chOff x="0" y="0"/>
+          <a:chExt cx="0" cy="0"/>
+        </a:xfrm>
+      </p:grpSpPr>
+      <p:sp>
+        <p:nvSpPr>
+          <p:cNvPr id="2" name="제목 1">
+            <a:extLst>
+              <a:ext uri="{FF2B5EF4-FFF2-40B4-BE49-F238E27FC236}">
+                <a16:creationId xmlns:a16="http://schemas.microsoft.com/office/drawing/2014/main" id="{6A76090C-AE41-4D77-9CC9-BBF7872705A9}"/>
+              </a:ext>
+            </a:extLst>
+          </p:cNvPr>
+          <p:cNvSpPr>
+            <a:spLocks noGrp="1"/>
+          </p:cNvSpPr>
+          <p:nvPr>
+            <p:ph type="title"/>
+          </p:nvPr>
+        </p:nvSpPr>
+        <p:spPr/>
+        <p:txBody>
+          <a:bodyPr>
+            <a:normAutofit fontScale="90000"/>
+          </a:bodyPr>
+          <a:lstStyle/>
+          <a:p>
+            <a:r>
+              <a:rPr lang="ko-KR" altLang="en-US"/>
+              <a:t>전체 디자인 및 각 클래스 역할</a:t>
+            </a:r>
+            <a:endParaRPr lang="en-US" altLang="ko-KR"/>
+          </a:p>
+        </p:txBody>
+      </p:sp>
+      <p:sp>
+        <p:nvSpPr>
+          <p:cNvPr id="3" name="텍스트 개체 틀 2">
+            <a:extLst>
+              <a:ext uri="{FF2B5EF4-FFF2-40B4-BE49-F238E27FC236}">
+                <a16:creationId xmlns:a16="http://schemas.microsoft.com/office/drawing/2014/main" id="{4E8DB54B-917E-47A9-BE06-6B9DB1353E3E}"/>
+              </a:ext>
+            </a:extLst>
+          </p:cNvPr>
+          <p:cNvSpPr>
+            <a:spLocks noGrp="1"/>
+          </p:cNvSpPr>
+          <p:nvPr>
+            <p:ph type="body" idx="1"/>
+          </p:nvPr>
+        </p:nvSpPr>
+        <p:spPr/>
+        <p:txBody>
+          <a:bodyPr/>
+          <a:lstStyle/>
+          <a:p>
+            <a:r>
+              <a:rPr lang="ko-KR" altLang="en-US"/>
+              <a:t>전체 디자인 및 각 클래스 역할</a:t>
+            </a:r>
+            <a:endParaRPr lang="en-US" altLang="ko-KR"/>
+          </a:p>
+          <a:p>
+            <a:r>
+              <a:rPr lang="ko-KR" altLang="en-US"/>
+              <a:t>활용한 디자인 패턴 소개</a:t>
+            </a:r>
+          </a:p>
+        </p:txBody>
+      </p:sp>
+    </p:spTree>
+    <p:extLst>
+      <p:ext uri="{BB962C8B-B14F-4D97-AF65-F5344CB8AC3E}">
+        <p14:creationId xmlns:p14="http://schemas.microsoft.com/office/powerpoint/2010/main" val="4132152628"/>
+      </p:ext>
+    </p:extLst>
+  </p:cSld>
+  <p:clrMapOvr>
+    <a:masterClrMapping/>
+  </p:clrMapOvr>
+</p:sld>
+</file>
+
+<file path=ppt/slides/slide7.xml><?xml version="1.0" encoding="utf-8"?>
+<p:sld xmlns:a="http://schemas.openxmlformats.org/drawingml/2006/main" xmlns:r="http://schemas.openxmlformats.org/officeDocument/2006/relationships" xmlns:p="http://schemas.openxmlformats.org/presentationml/2006/main">
+  <p:cSld>
+    <p:spTree>
+      <p:nvGrpSpPr>
+        <p:cNvPr id="1" name="Shape 53"/>
+        <p:cNvGrpSpPr/>
+        <p:nvPr/>
+      </p:nvGrpSpPr>
+      <p:grpSpPr>
+        <a:xfrm>
+          <a:off x="0" y="0"/>
+          <a:ext cx="0" cy="0"/>
+          <a:chOff x="0" y="0"/>
+          <a:chExt cx="0" cy="0"/>
+        </a:xfrm>
+      </p:grpSpPr>
+      <p:sp>
+        <p:nvSpPr>
+          <p:cNvPr id="54" name="Google Shape;54;p2"/>
+          <p:cNvSpPr txBox="1">
+            <a:spLocks noGrp="1"/>
+          </p:cNvSpPr>
+          <p:nvPr>
+            <p:ph type="body" idx="1"/>
+          </p:nvPr>
+        </p:nvSpPr>
+        <p:spPr>
+          <a:xfrm>
+            <a:off x="1632000" y="1860184"/>
+            <a:ext cx="8928000" cy="2533083"/>
+          </a:xfrm>
+          <a:prstGeom prst="rect">
+            <a:avLst/>
+          </a:prstGeom>
+          <a:noFill/>
+          <a:ln>
+            <a:noFill/>
+          </a:ln>
+        </p:spPr>
+        <p:txBody>
+          <a:bodyPr spcFirstLastPara="1" wrap="square" lIns="0" tIns="45700" rIns="91425" bIns="45700" anchor="ctr" anchorCtr="0">
+            <a:noAutofit/>
+          </a:bodyPr>
+          <a:lstStyle/>
+          <a:p>
+            <a:pPr marL="0" lvl="0" indent="0" algn="ctr" rtl="0">
+              <a:lnSpc>
+                <a:spcPct val="90000"/>
+              </a:lnSpc>
+              <a:spcBef>
+                <a:spcPts val="0"/>
+              </a:spcBef>
+              <a:spcAft>
+                <a:spcPts val="0"/>
+              </a:spcAft>
+              <a:buClr>
+                <a:schemeClr val="dk1"/>
+              </a:buClr>
+              <a:buSzPts val="3200"/>
+              <a:buNone/>
+            </a:pPr>
+            <a:r>
+              <a:rPr lang="en-US" altLang="ko-KR"/>
+              <a:t>TDD </a:t>
+            </a:r>
+            <a:r>
+              <a:rPr lang="ko-KR" altLang="en-US"/>
+              <a:t>활용 예시</a:t>
+            </a:r>
+            <a:endParaRPr/>
+          </a:p>
+        </p:txBody>
+      </p:sp>
+    </p:spTree>
+    <p:extLst>
+      <p:ext uri="{BB962C8B-B14F-4D97-AF65-F5344CB8AC3E}">
+        <p14:creationId xmlns:p14="http://schemas.microsoft.com/office/powerpoint/2010/main" val="642159974"/>
+      </p:ext>
+    </p:extLst>
+  </p:cSld>
+  <p:clrMapOvr>
+    <a:masterClrMapping/>
+  </p:clrMapOvr>
+</p:sld>
+</file>
+
+<file path=ppt/slides/slide8.xml><?xml version="1.0" encoding="utf-8"?>
+<p:sld xmlns:a="http://schemas.openxmlformats.org/drawingml/2006/main" xmlns:r="http://schemas.openxmlformats.org/officeDocument/2006/relationships" xmlns:p="http://schemas.openxmlformats.org/presentationml/2006/main">
+  <p:cSld>
+    <p:spTree>
+      <p:nvGrpSpPr>
+        <p:cNvPr id="1" name=""/>
+        <p:cNvGrpSpPr/>
+        <p:nvPr/>
+      </p:nvGrpSpPr>
+      <p:grpSpPr>
+        <a:xfrm>
+          <a:off x="0" y="0"/>
+          <a:ext cx="0" cy="0"/>
+          <a:chOff x="0" y="0"/>
+          <a:chExt cx="0" cy="0"/>
+        </a:xfrm>
+      </p:grpSpPr>
+      <p:sp>
+        <p:nvSpPr>
+          <p:cNvPr id="2" name="제목 1">
+            <a:extLst>
+              <a:ext uri="{FF2B5EF4-FFF2-40B4-BE49-F238E27FC236}">
+                <a16:creationId xmlns:a16="http://schemas.microsoft.com/office/drawing/2014/main" id="{E126DC2B-16C1-4763-9EB8-0D522AC5921C}"/>
+              </a:ext>
+            </a:extLst>
+          </p:cNvPr>
+          <p:cNvSpPr>
+            <a:spLocks noGrp="1"/>
+          </p:cNvSpPr>
+          <p:nvPr>
+            <p:ph type="title"/>
+          </p:nvPr>
+        </p:nvSpPr>
+        <p:spPr/>
+        <p:txBody>
+          <a:bodyPr>
+            <a:normAutofit fontScale="90000"/>
+          </a:bodyPr>
+          <a:lstStyle/>
+          <a:p>
+            <a:r>
+              <a:rPr lang="ko-KR" altLang="en-US"/>
+              <a:t>테스트 케이스 및 결과</a:t>
+            </a:r>
+            <a:endParaRPr lang="en-US" altLang="ko-KR"/>
+          </a:p>
+        </p:txBody>
+      </p:sp>
+      <p:sp>
+        <p:nvSpPr>
+          <p:cNvPr id="3" name="텍스트 개체 틀 2">
+            <a:extLst>
+              <a:ext uri="{FF2B5EF4-FFF2-40B4-BE49-F238E27FC236}">
+                <a16:creationId xmlns:a16="http://schemas.microsoft.com/office/drawing/2014/main" id="{B33CD206-7167-45B3-B4BE-F0BFA702F8C9}"/>
+              </a:ext>
+            </a:extLst>
+          </p:cNvPr>
+          <p:cNvSpPr>
+            <a:spLocks noGrp="1"/>
+          </p:cNvSpPr>
+          <p:nvPr>
+            <p:ph type="body" idx="1"/>
+          </p:nvPr>
+        </p:nvSpPr>
+        <p:spPr/>
+        <p:txBody>
+          <a:bodyPr/>
+          <a:lstStyle/>
+          <a:p>
+            <a:r>
+              <a:rPr lang="ko-KR" altLang="en-US"/>
+              <a:t>테스트 케이스 및 결과</a:t>
+            </a:r>
+            <a:endParaRPr lang="en-US" altLang="ko-KR"/>
+          </a:p>
+          <a:p>
+            <a:r>
+              <a:rPr lang="ko-KR" altLang="en-US"/>
+              <a:t>테스트 픽스쳐</a:t>
+            </a:r>
+          </a:p>
+        </p:txBody>
+      </p:sp>
+    </p:spTree>
+    <p:extLst>
+      <p:ext uri="{BB962C8B-B14F-4D97-AF65-F5344CB8AC3E}">
+        <p14:creationId xmlns:p14="http://schemas.microsoft.com/office/powerpoint/2010/main" val="895998561"/>
+      </p:ext>
+    </p:extLst>
+  </p:cSld>
+  <p:clrMapOvr>
+    <a:masterClrMapping/>
+  </p:clrMapOvr>
+</p:sld>
+</file>
+
+<file path=ppt/slides/slide9.xml><?xml version="1.0" encoding="utf-8"?>
+<p:sld xmlns:a="http://schemas.openxmlformats.org/drawingml/2006/main" xmlns:r="http://schemas.openxmlformats.org/officeDocument/2006/relationships" xmlns:p="http://schemas.openxmlformats.org/presentationml/2006/main">
+  <p:cSld>
+    <p:spTree>
+      <p:nvGrpSpPr>
+        <p:cNvPr id="1" name=""/>
+        <p:cNvGrpSpPr/>
+        <p:nvPr/>
+      </p:nvGrpSpPr>
+      <p:grpSpPr>
+        <a:xfrm>
+          <a:off x="0" y="0"/>
+          <a:ext cx="0" cy="0"/>
+          <a:chOff x="0" y="0"/>
+          <a:chExt cx="0" cy="0"/>
+        </a:xfrm>
+      </p:grpSpPr>
+      <p:sp>
+        <p:nvSpPr>
+          <p:cNvPr id="2" name="제목 1">
+            <a:extLst>
+              <a:ext uri="{FF2B5EF4-FFF2-40B4-BE49-F238E27FC236}">
+                <a16:creationId xmlns:a16="http://schemas.microsoft.com/office/drawing/2014/main" id="{E126DC2B-16C1-4763-9EB8-0D522AC5921C}"/>
+              </a:ext>
+            </a:extLst>
+          </p:cNvPr>
+          <p:cNvSpPr>
+            <a:spLocks noGrp="1"/>
+          </p:cNvSpPr>
+          <p:nvPr>
+            <p:ph type="title"/>
+          </p:nvPr>
+        </p:nvSpPr>
+        <p:spPr/>
+        <p:txBody>
+          <a:bodyPr>
+            <a:normAutofit fontScale="90000"/>
+          </a:bodyPr>
+          <a:lstStyle/>
+          <a:p>
+            <a:r>
+              <a:rPr lang="ko-KR" altLang="en-US"/>
+              <a:t>테스트 픽스쳐</a:t>
+            </a:r>
+          </a:p>
+        </p:txBody>
+      </p:sp>
+      <p:sp>
+        <p:nvSpPr>
+          <p:cNvPr id="3" name="텍스트 개체 틀 2">
+            <a:extLst>
+              <a:ext uri="{FF2B5EF4-FFF2-40B4-BE49-F238E27FC236}">
+                <a16:creationId xmlns:a16="http://schemas.microsoft.com/office/drawing/2014/main" id="{B33CD206-7167-45B3-B4BE-F0BFA702F8C9}"/>
+              </a:ext>
+            </a:extLst>
+          </p:cNvPr>
+          <p:cNvSpPr>
+            <a:spLocks noGrp="1"/>
+          </p:cNvSpPr>
+          <p:nvPr>
+            <p:ph type="body" idx="1"/>
+          </p:nvPr>
+        </p:nvSpPr>
+        <p:spPr/>
+        <p:txBody>
+          <a:bodyPr/>
+          <a:lstStyle/>
+          <a:p>
+            <a:r>
+              <a:rPr lang="ko-KR" altLang="en-US"/>
+              <a:t>테스트 케이스 및 결과</a:t>
+            </a:r>
+            <a:endParaRPr lang="en-US" altLang="ko-KR"/>
+          </a:p>
+          <a:p>
+            <a:r>
+              <a:rPr lang="ko-KR" altLang="en-US"/>
+              <a:t>테스트 픽스쳐</a:t>
+            </a:r>
+          </a:p>
+        </p:txBody>
+      </p:sp>
+    </p:spTree>
+    <p:extLst>
+      <p:ext uri="{BB962C8B-B14F-4D97-AF65-F5344CB8AC3E}">
+        <p14:creationId xmlns:p14="http://schemas.microsoft.com/office/powerpoint/2010/main" val="426271802"/>
+      </p:ext>
+    </p:extLst>
   </p:cSld>
   <p:clrMapOvr>
     <a:masterClrMapping/>

--- a/발표양식.pptx
+++ b/발표양식.pptx
@@ -5,26 +5,19 @@
     <p:sldMasterId id="2147483648" r:id="rId1"/>
   </p:sldMasterIdLst>
   <p:notesMasterIdLst>
-    <p:notesMasterId r:id="rId19"/>
+    <p:notesMasterId r:id="rId12"/>
   </p:notesMasterIdLst>
   <p:sldIdLst>
     <p:sldId id="256" r:id="rId2"/>
     <p:sldId id="257" r:id="rId3"/>
     <p:sldId id="258" r:id="rId4"/>
     <p:sldId id="265" r:id="rId5"/>
-    <p:sldId id="260" r:id="rId6"/>
-    <p:sldId id="266" r:id="rId7"/>
-    <p:sldId id="267" r:id="rId8"/>
-    <p:sldId id="261" r:id="rId9"/>
-    <p:sldId id="268" r:id="rId10"/>
-    <p:sldId id="269" r:id="rId11"/>
-    <p:sldId id="262" r:id="rId12"/>
-    <p:sldId id="270" r:id="rId13"/>
-    <p:sldId id="271" r:id="rId14"/>
-    <p:sldId id="263" r:id="rId15"/>
-    <p:sldId id="272" r:id="rId16"/>
-    <p:sldId id="264" r:id="rId17"/>
-    <p:sldId id="259" r:id="rId18"/>
+    <p:sldId id="276" r:id="rId6"/>
+    <p:sldId id="277" r:id="rId7"/>
+    <p:sldId id="278" r:id="rId8"/>
+    <p:sldId id="279" r:id="rId9"/>
+    <p:sldId id="280" r:id="rId10"/>
+    <p:sldId id="281" r:id="rId11"/>
   </p:sldIdLst>
   <p:sldSz cx="12192000" cy="6858000"/>
   <p:notesSz cx="6858000" cy="9144000"/>
@@ -262,7 +255,7 @@
       <p15:sldGuideLst xmlns:p15="http://schemas.microsoft.com/office/powerpoint/2012/main"/>
     </p:ext>
     <p:ext uri="GoogleSlidesCustomDataVersion2">
-      <go:slidesCustomData xmlns:go="http://customooxmlschemas.google.com/" xmlns:ahyp="http://schemas.microsoft.com/office/drawing/2018/hyperlinkcolor" xmlns:p15="http://schemas.microsoft.com/office/powerpoint/2012/main" xmlns:p14="http://schemas.microsoft.com/office/powerpoint/2010/main" xmlns:com="http://schemas.openxmlformats.org/drawingml/2006/compatibility" xmlns:pvml="urn:schemas-microsoft-com:office:powerpoint" xmlns:v="urn:schemas-microsoft-com:vml" xmlns:o="urn:schemas-microsoft-com:office:office" xmlns:dgm="http://schemas.openxmlformats.org/drawingml/2006/diagram" xmlns:c="http://schemas.openxmlformats.org/drawingml/2006/chart" xmlns:mv="urn:schemas-microsoft-com:mac:vml" xmlns:mc="http://schemas.openxmlformats.org/markup-compatibility/2006" xmlns="" r:id="rId20" roundtripDataSignature="AMtx7mj5GdbxsaFl02bTEFBl/9s84/Z/Bw=="/>
+      <go:slidesCustomData xmlns="" xmlns:mc="http://schemas.openxmlformats.org/markup-compatibility/2006" xmlns:mv="urn:schemas-microsoft-com:mac:vml" xmlns:c="http://schemas.openxmlformats.org/drawingml/2006/chart" xmlns:dgm="http://schemas.openxmlformats.org/drawingml/2006/diagram" xmlns:o="urn:schemas-microsoft-com:office:office" xmlns:v="urn:schemas-microsoft-com:vml" xmlns:pvml="urn:schemas-microsoft-com:office:powerpoint" xmlns:com="http://schemas.openxmlformats.org/drawingml/2006/compatibility" xmlns:p14="http://schemas.microsoft.com/office/powerpoint/2010/main" xmlns:p15="http://schemas.microsoft.com/office/powerpoint/2012/main" xmlns:ahyp="http://schemas.microsoft.com/office/drawing/2018/hyperlinkcolor" xmlns:go="http://customooxmlschemas.google.com/" r:id="rId20" roundtripDataSignature="AMtx7mj5GdbxsaFl02bTEFBl/9s84/Z/Bw=="/>
     </p:ext>
   </p:extLst>
 </p:presentation>
@@ -1130,546 +1123,6 @@
 </p:notes>
 </file>
 
-<file path=ppt/notesSlides/notesSlide5.xml><?xml version="1.0" encoding="utf-8"?>
-<p:notes xmlns:a="http://schemas.openxmlformats.org/drawingml/2006/main" xmlns:r="http://schemas.openxmlformats.org/officeDocument/2006/relationships" xmlns:p="http://schemas.openxmlformats.org/presentationml/2006/main" showMasterSp="0" showMasterPhAnim="0">
-  <p:cSld>
-    <p:spTree>
-      <p:nvGrpSpPr>
-        <p:cNvPr id="1" name="Shape 50"/>
-        <p:cNvGrpSpPr/>
-        <p:nvPr/>
-      </p:nvGrpSpPr>
-      <p:grpSpPr>
-        <a:xfrm>
-          <a:off x="0" y="0"/>
-          <a:ext cx="0" cy="0"/>
-          <a:chOff x="0" y="0"/>
-          <a:chExt cx="0" cy="0"/>
-        </a:xfrm>
-      </p:grpSpPr>
-      <p:sp>
-        <p:nvSpPr>
-          <p:cNvPr id="51" name="Google Shape;51;p2:notes"/>
-          <p:cNvSpPr txBox="1">
-            <a:spLocks noGrp="1"/>
-          </p:cNvSpPr>
-          <p:nvPr>
-            <p:ph type="body" idx="1"/>
-          </p:nvPr>
-        </p:nvSpPr>
-        <p:spPr>
-          <a:xfrm>
-            <a:off x="685800" y="4343400"/>
-            <a:ext cx="5486400" cy="4114800"/>
-          </a:xfrm>
-          <a:prstGeom prst="rect">
-            <a:avLst/>
-          </a:prstGeom>
-        </p:spPr>
-        <p:txBody>
-          <a:bodyPr spcFirstLastPara="1" wrap="square" lIns="91425" tIns="91425" rIns="91425" bIns="91425" anchor="t" anchorCtr="0">
-            <a:noAutofit/>
-          </a:bodyPr>
-          <a:lstStyle/>
-          <a:p>
-            <a:pPr marL="0" lvl="0" indent="0" algn="l" rtl="0">
-              <a:spcBef>
-                <a:spcPts val="0"/>
-              </a:spcBef>
-              <a:spcAft>
-                <a:spcPts val="0"/>
-              </a:spcAft>
-              <a:buNone/>
-            </a:pPr>
-            <a:endParaRPr/>
-          </a:p>
-        </p:txBody>
-      </p:sp>
-      <p:sp>
-        <p:nvSpPr>
-          <p:cNvPr id="52" name="Google Shape;52;p2:notes"/>
-          <p:cNvSpPr>
-            <a:spLocks noGrp="1" noRot="1" noChangeAspect="1"/>
-          </p:cNvSpPr>
-          <p:nvPr>
-            <p:ph type="sldImg" idx="2"/>
-          </p:nvPr>
-        </p:nvSpPr>
-        <p:spPr>
-          <a:xfrm>
-            <a:off x="381000" y="685800"/>
-            <a:ext cx="6096000" cy="3429000"/>
-          </a:xfrm>
-          <a:custGeom>
-            <a:avLst/>
-            <a:gdLst/>
-            <a:ahLst/>
-            <a:cxnLst/>
-            <a:rect l="l" t="t" r="r" b="b"/>
-            <a:pathLst>
-              <a:path w="120000" h="120000" extrusionOk="0">
-                <a:moveTo>
-                  <a:pt x="0" y="0"/>
-                </a:moveTo>
-                <a:lnTo>
-                  <a:pt x="120000" y="0"/>
-                </a:lnTo>
-                <a:lnTo>
-                  <a:pt x="120000" y="120000"/>
-                </a:lnTo>
-                <a:lnTo>
-                  <a:pt x="0" y="120000"/>
-                </a:lnTo>
-                <a:close/>
-              </a:path>
-            </a:pathLst>
-          </a:custGeom>
-        </p:spPr>
-      </p:sp>
-    </p:spTree>
-    <p:extLst>
-      <p:ext uri="{BB962C8B-B14F-4D97-AF65-F5344CB8AC3E}">
-        <p14:creationId xmlns:p14="http://schemas.microsoft.com/office/powerpoint/2010/main" val="565826490"/>
-      </p:ext>
-    </p:extLst>
-  </p:cSld>
-  <p:clrMapOvr>
-    <a:masterClrMapping/>
-  </p:clrMapOvr>
-</p:notes>
-</file>
-
-<file path=ppt/notesSlides/notesSlide6.xml><?xml version="1.0" encoding="utf-8"?>
-<p:notes xmlns:a="http://schemas.openxmlformats.org/drawingml/2006/main" xmlns:r="http://schemas.openxmlformats.org/officeDocument/2006/relationships" xmlns:p="http://schemas.openxmlformats.org/presentationml/2006/main" showMasterSp="0" showMasterPhAnim="0">
-  <p:cSld>
-    <p:spTree>
-      <p:nvGrpSpPr>
-        <p:cNvPr id="1" name="Shape 50"/>
-        <p:cNvGrpSpPr/>
-        <p:nvPr/>
-      </p:nvGrpSpPr>
-      <p:grpSpPr>
-        <a:xfrm>
-          <a:off x="0" y="0"/>
-          <a:ext cx="0" cy="0"/>
-          <a:chOff x="0" y="0"/>
-          <a:chExt cx="0" cy="0"/>
-        </a:xfrm>
-      </p:grpSpPr>
-      <p:sp>
-        <p:nvSpPr>
-          <p:cNvPr id="51" name="Google Shape;51;p2:notes"/>
-          <p:cNvSpPr txBox="1">
-            <a:spLocks noGrp="1"/>
-          </p:cNvSpPr>
-          <p:nvPr>
-            <p:ph type="body" idx="1"/>
-          </p:nvPr>
-        </p:nvSpPr>
-        <p:spPr>
-          <a:xfrm>
-            <a:off x="685800" y="4343400"/>
-            <a:ext cx="5486400" cy="4114800"/>
-          </a:xfrm>
-          <a:prstGeom prst="rect">
-            <a:avLst/>
-          </a:prstGeom>
-        </p:spPr>
-        <p:txBody>
-          <a:bodyPr spcFirstLastPara="1" wrap="square" lIns="91425" tIns="91425" rIns="91425" bIns="91425" anchor="t" anchorCtr="0">
-            <a:noAutofit/>
-          </a:bodyPr>
-          <a:lstStyle/>
-          <a:p>
-            <a:pPr marL="0" lvl="0" indent="0" algn="l" rtl="0">
-              <a:spcBef>
-                <a:spcPts val="0"/>
-              </a:spcBef>
-              <a:spcAft>
-                <a:spcPts val="0"/>
-              </a:spcAft>
-              <a:buNone/>
-            </a:pPr>
-            <a:endParaRPr/>
-          </a:p>
-        </p:txBody>
-      </p:sp>
-      <p:sp>
-        <p:nvSpPr>
-          <p:cNvPr id="52" name="Google Shape;52;p2:notes"/>
-          <p:cNvSpPr>
-            <a:spLocks noGrp="1" noRot="1" noChangeAspect="1"/>
-          </p:cNvSpPr>
-          <p:nvPr>
-            <p:ph type="sldImg" idx="2"/>
-          </p:nvPr>
-        </p:nvSpPr>
-        <p:spPr>
-          <a:xfrm>
-            <a:off x="381000" y="685800"/>
-            <a:ext cx="6096000" cy="3429000"/>
-          </a:xfrm>
-          <a:custGeom>
-            <a:avLst/>
-            <a:gdLst/>
-            <a:ahLst/>
-            <a:cxnLst/>
-            <a:rect l="l" t="t" r="r" b="b"/>
-            <a:pathLst>
-              <a:path w="120000" h="120000" extrusionOk="0">
-                <a:moveTo>
-                  <a:pt x="0" y="0"/>
-                </a:moveTo>
-                <a:lnTo>
-                  <a:pt x="120000" y="0"/>
-                </a:lnTo>
-                <a:lnTo>
-                  <a:pt x="120000" y="120000"/>
-                </a:lnTo>
-                <a:lnTo>
-                  <a:pt x="0" y="120000"/>
-                </a:lnTo>
-                <a:close/>
-              </a:path>
-            </a:pathLst>
-          </a:custGeom>
-        </p:spPr>
-      </p:sp>
-    </p:spTree>
-    <p:extLst>
-      <p:ext uri="{BB962C8B-B14F-4D97-AF65-F5344CB8AC3E}">
-        <p14:creationId xmlns:p14="http://schemas.microsoft.com/office/powerpoint/2010/main" val="2011708358"/>
-      </p:ext>
-    </p:extLst>
-  </p:cSld>
-  <p:clrMapOvr>
-    <a:masterClrMapping/>
-  </p:clrMapOvr>
-</p:notes>
-</file>
-
-<file path=ppt/notesSlides/notesSlide7.xml><?xml version="1.0" encoding="utf-8"?>
-<p:notes xmlns:a="http://schemas.openxmlformats.org/drawingml/2006/main" xmlns:r="http://schemas.openxmlformats.org/officeDocument/2006/relationships" xmlns:p="http://schemas.openxmlformats.org/presentationml/2006/main" showMasterSp="0" showMasterPhAnim="0">
-  <p:cSld>
-    <p:spTree>
-      <p:nvGrpSpPr>
-        <p:cNvPr id="1" name="Shape 50"/>
-        <p:cNvGrpSpPr/>
-        <p:nvPr/>
-      </p:nvGrpSpPr>
-      <p:grpSpPr>
-        <a:xfrm>
-          <a:off x="0" y="0"/>
-          <a:ext cx="0" cy="0"/>
-          <a:chOff x="0" y="0"/>
-          <a:chExt cx="0" cy="0"/>
-        </a:xfrm>
-      </p:grpSpPr>
-      <p:sp>
-        <p:nvSpPr>
-          <p:cNvPr id="51" name="Google Shape;51;p2:notes"/>
-          <p:cNvSpPr txBox="1">
-            <a:spLocks noGrp="1"/>
-          </p:cNvSpPr>
-          <p:nvPr>
-            <p:ph type="body" idx="1"/>
-          </p:nvPr>
-        </p:nvSpPr>
-        <p:spPr>
-          <a:xfrm>
-            <a:off x="685800" y="4343400"/>
-            <a:ext cx="5486400" cy="4114800"/>
-          </a:xfrm>
-          <a:prstGeom prst="rect">
-            <a:avLst/>
-          </a:prstGeom>
-        </p:spPr>
-        <p:txBody>
-          <a:bodyPr spcFirstLastPara="1" wrap="square" lIns="91425" tIns="91425" rIns="91425" bIns="91425" anchor="t" anchorCtr="0">
-            <a:noAutofit/>
-          </a:bodyPr>
-          <a:lstStyle/>
-          <a:p>
-            <a:pPr marL="0" lvl="0" indent="0" algn="l" rtl="0">
-              <a:spcBef>
-                <a:spcPts val="0"/>
-              </a:spcBef>
-              <a:spcAft>
-                <a:spcPts val="0"/>
-              </a:spcAft>
-              <a:buNone/>
-            </a:pPr>
-            <a:endParaRPr/>
-          </a:p>
-        </p:txBody>
-      </p:sp>
-      <p:sp>
-        <p:nvSpPr>
-          <p:cNvPr id="52" name="Google Shape;52;p2:notes"/>
-          <p:cNvSpPr>
-            <a:spLocks noGrp="1" noRot="1" noChangeAspect="1"/>
-          </p:cNvSpPr>
-          <p:nvPr>
-            <p:ph type="sldImg" idx="2"/>
-          </p:nvPr>
-        </p:nvSpPr>
-        <p:spPr>
-          <a:xfrm>
-            <a:off x="381000" y="685800"/>
-            <a:ext cx="6096000" cy="3429000"/>
-          </a:xfrm>
-          <a:custGeom>
-            <a:avLst/>
-            <a:gdLst/>
-            <a:ahLst/>
-            <a:cxnLst/>
-            <a:rect l="l" t="t" r="r" b="b"/>
-            <a:pathLst>
-              <a:path w="120000" h="120000" extrusionOk="0">
-                <a:moveTo>
-                  <a:pt x="0" y="0"/>
-                </a:moveTo>
-                <a:lnTo>
-                  <a:pt x="120000" y="0"/>
-                </a:lnTo>
-                <a:lnTo>
-                  <a:pt x="120000" y="120000"/>
-                </a:lnTo>
-                <a:lnTo>
-                  <a:pt x="0" y="120000"/>
-                </a:lnTo>
-                <a:close/>
-              </a:path>
-            </a:pathLst>
-          </a:custGeom>
-        </p:spPr>
-      </p:sp>
-    </p:spTree>
-    <p:extLst>
-      <p:ext uri="{BB962C8B-B14F-4D97-AF65-F5344CB8AC3E}">
-        <p14:creationId xmlns:p14="http://schemas.microsoft.com/office/powerpoint/2010/main" val="3777307760"/>
-      </p:ext>
-    </p:extLst>
-  </p:cSld>
-  <p:clrMapOvr>
-    <a:masterClrMapping/>
-  </p:clrMapOvr>
-</p:notes>
-</file>
-
-<file path=ppt/notesSlides/notesSlide8.xml><?xml version="1.0" encoding="utf-8"?>
-<p:notes xmlns:a="http://schemas.openxmlformats.org/drawingml/2006/main" xmlns:r="http://schemas.openxmlformats.org/officeDocument/2006/relationships" xmlns:p="http://schemas.openxmlformats.org/presentationml/2006/main" showMasterSp="0" showMasterPhAnim="0">
-  <p:cSld>
-    <p:spTree>
-      <p:nvGrpSpPr>
-        <p:cNvPr id="1" name="Shape 50"/>
-        <p:cNvGrpSpPr/>
-        <p:nvPr/>
-      </p:nvGrpSpPr>
-      <p:grpSpPr>
-        <a:xfrm>
-          <a:off x="0" y="0"/>
-          <a:ext cx="0" cy="0"/>
-          <a:chOff x="0" y="0"/>
-          <a:chExt cx="0" cy="0"/>
-        </a:xfrm>
-      </p:grpSpPr>
-      <p:sp>
-        <p:nvSpPr>
-          <p:cNvPr id="51" name="Google Shape;51;p2:notes"/>
-          <p:cNvSpPr txBox="1">
-            <a:spLocks noGrp="1"/>
-          </p:cNvSpPr>
-          <p:nvPr>
-            <p:ph type="body" idx="1"/>
-          </p:nvPr>
-        </p:nvSpPr>
-        <p:spPr>
-          <a:xfrm>
-            <a:off x="685800" y="4343400"/>
-            <a:ext cx="5486400" cy="4114800"/>
-          </a:xfrm>
-          <a:prstGeom prst="rect">
-            <a:avLst/>
-          </a:prstGeom>
-        </p:spPr>
-        <p:txBody>
-          <a:bodyPr spcFirstLastPara="1" wrap="square" lIns="91425" tIns="91425" rIns="91425" bIns="91425" anchor="t" anchorCtr="0">
-            <a:noAutofit/>
-          </a:bodyPr>
-          <a:lstStyle/>
-          <a:p>
-            <a:pPr marL="0" lvl="0" indent="0" algn="l" rtl="0">
-              <a:spcBef>
-                <a:spcPts val="0"/>
-              </a:spcBef>
-              <a:spcAft>
-                <a:spcPts val="0"/>
-              </a:spcAft>
-              <a:buNone/>
-            </a:pPr>
-            <a:endParaRPr/>
-          </a:p>
-        </p:txBody>
-      </p:sp>
-      <p:sp>
-        <p:nvSpPr>
-          <p:cNvPr id="52" name="Google Shape;52;p2:notes"/>
-          <p:cNvSpPr>
-            <a:spLocks noGrp="1" noRot="1" noChangeAspect="1"/>
-          </p:cNvSpPr>
-          <p:nvPr>
-            <p:ph type="sldImg" idx="2"/>
-          </p:nvPr>
-        </p:nvSpPr>
-        <p:spPr>
-          <a:xfrm>
-            <a:off x="381000" y="685800"/>
-            <a:ext cx="6096000" cy="3429000"/>
-          </a:xfrm>
-          <a:custGeom>
-            <a:avLst/>
-            <a:gdLst/>
-            <a:ahLst/>
-            <a:cxnLst/>
-            <a:rect l="l" t="t" r="r" b="b"/>
-            <a:pathLst>
-              <a:path w="120000" h="120000" extrusionOk="0">
-                <a:moveTo>
-                  <a:pt x="0" y="0"/>
-                </a:moveTo>
-                <a:lnTo>
-                  <a:pt x="120000" y="0"/>
-                </a:lnTo>
-                <a:lnTo>
-                  <a:pt x="120000" y="120000"/>
-                </a:lnTo>
-                <a:lnTo>
-                  <a:pt x="0" y="120000"/>
-                </a:lnTo>
-                <a:close/>
-              </a:path>
-            </a:pathLst>
-          </a:custGeom>
-        </p:spPr>
-      </p:sp>
-    </p:spTree>
-    <p:extLst>
-      <p:ext uri="{BB962C8B-B14F-4D97-AF65-F5344CB8AC3E}">
-        <p14:creationId xmlns:p14="http://schemas.microsoft.com/office/powerpoint/2010/main" val="809322886"/>
-      </p:ext>
-    </p:extLst>
-  </p:cSld>
-  <p:clrMapOvr>
-    <a:masterClrMapping/>
-  </p:clrMapOvr>
-</p:notes>
-</file>
-
-<file path=ppt/notesSlides/notesSlide9.xml><?xml version="1.0" encoding="utf-8"?>
-<p:notes xmlns:a="http://schemas.openxmlformats.org/drawingml/2006/main" xmlns:r="http://schemas.openxmlformats.org/officeDocument/2006/relationships" xmlns:p="http://schemas.openxmlformats.org/presentationml/2006/main" showMasterSp="0" showMasterPhAnim="0">
-  <p:cSld>
-    <p:spTree>
-      <p:nvGrpSpPr>
-        <p:cNvPr id="1" name="Shape 61"/>
-        <p:cNvGrpSpPr/>
-        <p:nvPr/>
-      </p:nvGrpSpPr>
-      <p:grpSpPr>
-        <a:xfrm>
-          <a:off x="0" y="0"/>
-          <a:ext cx="0" cy="0"/>
-          <a:chOff x="0" y="0"/>
-          <a:chExt cx="0" cy="0"/>
-        </a:xfrm>
-      </p:grpSpPr>
-      <p:sp>
-        <p:nvSpPr>
-          <p:cNvPr id="62" name="Google Shape;62;p4:notes"/>
-          <p:cNvSpPr txBox="1">
-            <a:spLocks noGrp="1"/>
-          </p:cNvSpPr>
-          <p:nvPr>
-            <p:ph type="body" idx="1"/>
-          </p:nvPr>
-        </p:nvSpPr>
-        <p:spPr>
-          <a:xfrm>
-            <a:off x="685800" y="4343400"/>
-            <a:ext cx="5486400" cy="4114800"/>
-          </a:xfrm>
-          <a:prstGeom prst="rect">
-            <a:avLst/>
-          </a:prstGeom>
-        </p:spPr>
-        <p:txBody>
-          <a:bodyPr spcFirstLastPara="1" wrap="square" lIns="91425" tIns="91425" rIns="91425" bIns="91425" anchor="t" anchorCtr="0">
-            <a:noAutofit/>
-          </a:bodyPr>
-          <a:lstStyle/>
-          <a:p>
-            <a:pPr marL="0" lvl="0" indent="0" algn="l" rtl="0">
-              <a:spcBef>
-                <a:spcPts val="0"/>
-              </a:spcBef>
-              <a:spcAft>
-                <a:spcPts val="0"/>
-              </a:spcAft>
-              <a:buNone/>
-            </a:pPr>
-            <a:endParaRPr/>
-          </a:p>
-        </p:txBody>
-      </p:sp>
-      <p:sp>
-        <p:nvSpPr>
-          <p:cNvPr id="63" name="Google Shape;63;p4:notes"/>
-          <p:cNvSpPr>
-            <a:spLocks noGrp="1" noRot="1" noChangeAspect="1"/>
-          </p:cNvSpPr>
-          <p:nvPr>
-            <p:ph type="sldImg" idx="2"/>
-          </p:nvPr>
-        </p:nvSpPr>
-        <p:spPr>
-          <a:xfrm>
-            <a:off x="1143225" y="685800"/>
-            <a:ext cx="4572225" cy="3429000"/>
-          </a:xfrm>
-          <a:custGeom>
-            <a:avLst/>
-            <a:gdLst/>
-            <a:ahLst/>
-            <a:cxnLst/>
-            <a:rect l="l" t="t" r="r" b="b"/>
-            <a:pathLst>
-              <a:path w="120000" h="120000" extrusionOk="0">
-                <a:moveTo>
-                  <a:pt x="0" y="0"/>
-                </a:moveTo>
-                <a:lnTo>
-                  <a:pt x="120000" y="0"/>
-                </a:lnTo>
-                <a:lnTo>
-                  <a:pt x="120000" y="120000"/>
-                </a:lnTo>
-                <a:lnTo>
-                  <a:pt x="0" y="120000"/>
-                </a:lnTo>
-                <a:close/>
-              </a:path>
-            </a:pathLst>
-          </a:custGeom>
-        </p:spPr>
-      </p:sp>
-    </p:spTree>
-  </p:cSld>
-  <p:clrMapOvr>
-    <a:masterClrMapping/>
-  </p:clrMapOvr>
-</p:notes>
-</file>
-
 <file path=ppt/slideLayouts/slideLayout1.xml><?xml version="1.0" encoding="utf-8"?>
 <p:sldLayout xmlns:a="http://schemas.openxmlformats.org/drawingml/2006/main" xmlns:r="http://schemas.openxmlformats.org/officeDocument/2006/relationships" xmlns:p="http://schemas.openxmlformats.org/presentationml/2006/main" matchingName="제목 슬라이드">
   <p:cSld name="제목 슬라이드">
@@ -3800,31 +3253,6 @@
 </p:sldLayout>
 </file>
 
-<file path=ppt/slideLayouts/slideLayout4.xml><?xml version="1.0" encoding="utf-8"?>
-<p:sldLayout xmlns:a="http://schemas.openxmlformats.org/drawingml/2006/main" xmlns:r="http://schemas.openxmlformats.org/officeDocument/2006/relationships" xmlns:p="http://schemas.openxmlformats.org/presentationml/2006/main" matchingName="1_사용자 지정 레이아웃">
-  <p:cSld name="1_사용자 지정 레이아웃">
-    <p:spTree>
-      <p:nvGrpSpPr>
-        <p:cNvPr id="1" name="Shape 41"/>
-        <p:cNvGrpSpPr/>
-        <p:nvPr/>
-      </p:nvGrpSpPr>
-      <p:grpSpPr>
-        <a:xfrm>
-          <a:off x="0" y="0"/>
-          <a:ext cx="0" cy="0"/>
-          <a:chOff x="0" y="0"/>
-          <a:chExt cx="0" cy="0"/>
-        </a:xfrm>
-      </p:grpSpPr>
-    </p:spTree>
-  </p:cSld>
-  <p:clrMapOvr>
-    <a:masterClrMapping/>
-  </p:clrMapOvr>
-</p:sldLayout>
-</file>
-
 <file path=ppt/slideMasters/slideMaster1.xml><?xml version="1.0" encoding="utf-8"?>
 <p:sldMaster xmlns:a="http://schemas.openxmlformats.org/drawingml/2006/main" xmlns:r="http://schemas.openxmlformats.org/officeDocument/2006/relationships" xmlns:p="http://schemas.openxmlformats.org/presentationml/2006/main">
   <p:cSld>
@@ -4865,7 +4293,6 @@
     <p:sldLayoutId id="2147483649" r:id="rId1"/>
     <p:sldLayoutId id="2147483650" r:id="rId2"/>
     <p:sldLayoutId id="2147483651" r:id="rId3"/>
-    <p:sldLayoutId id="2147483652" r:id="rId4"/>
   </p:sldLayoutIdLst>
   <p:hf sldNum="0" hdr="0" ftr="0" dt="0"/>
   <p:txStyles>
@@ -5966,529 +5393,6 @@
   <p:cSld>
     <p:spTree>
       <p:nvGrpSpPr>
-        <p:cNvPr id="1" name="Shape 53"/>
-        <p:cNvGrpSpPr/>
-        <p:nvPr/>
-      </p:nvGrpSpPr>
-      <p:grpSpPr>
-        <a:xfrm>
-          <a:off x="0" y="0"/>
-          <a:ext cx="0" cy="0"/>
-          <a:chOff x="0" y="0"/>
-          <a:chExt cx="0" cy="0"/>
-        </a:xfrm>
-      </p:grpSpPr>
-      <p:sp>
-        <p:nvSpPr>
-          <p:cNvPr id="54" name="Google Shape;54;p2"/>
-          <p:cNvSpPr txBox="1">
-            <a:spLocks noGrp="1"/>
-          </p:cNvSpPr>
-          <p:nvPr>
-            <p:ph type="body" idx="1"/>
-          </p:nvPr>
-        </p:nvSpPr>
-        <p:spPr>
-          <a:xfrm>
-            <a:off x="1632000" y="1860184"/>
-            <a:ext cx="8928000" cy="2533083"/>
-          </a:xfrm>
-          <a:prstGeom prst="rect">
-            <a:avLst/>
-          </a:prstGeom>
-          <a:noFill/>
-          <a:ln>
-            <a:noFill/>
-          </a:ln>
-        </p:spPr>
-        <p:txBody>
-          <a:bodyPr spcFirstLastPara="1" wrap="square" lIns="0" tIns="45700" rIns="91425" bIns="45700" anchor="ctr" anchorCtr="0">
-            <a:noAutofit/>
-          </a:bodyPr>
-          <a:lstStyle/>
-          <a:p>
-            <a:pPr marL="0" lvl="0" indent="0" algn="ctr" rtl="0">
-              <a:lnSpc>
-                <a:spcPct val="90000"/>
-              </a:lnSpc>
-              <a:spcBef>
-                <a:spcPts val="0"/>
-              </a:spcBef>
-              <a:spcAft>
-                <a:spcPts val="0"/>
-              </a:spcAft>
-              <a:buClr>
-                <a:schemeClr val="dk1"/>
-              </a:buClr>
-              <a:buSzPts val="3200"/>
-              <a:buNone/>
-            </a:pPr>
-            <a:r>
-              <a:rPr lang="en-US" altLang="ko-KR"/>
-              <a:t>Mocking </a:t>
-            </a:r>
-            <a:r>
-              <a:rPr lang="ko-KR" altLang="en-US"/>
-              <a:t>활용 예시</a:t>
-            </a:r>
-            <a:endParaRPr/>
-          </a:p>
-        </p:txBody>
-      </p:sp>
-    </p:spTree>
-    <p:extLst>
-      <p:ext uri="{BB962C8B-B14F-4D97-AF65-F5344CB8AC3E}">
-        <p14:creationId xmlns:p14="http://schemas.microsoft.com/office/powerpoint/2010/main" val="3480466162"/>
-      </p:ext>
-    </p:extLst>
-  </p:cSld>
-  <p:clrMapOvr>
-    <a:masterClrMapping/>
-  </p:clrMapOvr>
-</p:sld>
-</file>
-
-<file path=ppt/slides/slide11.xml><?xml version="1.0" encoding="utf-8"?>
-<p:sld xmlns:a="http://schemas.openxmlformats.org/drawingml/2006/main" xmlns:r="http://schemas.openxmlformats.org/officeDocument/2006/relationships" xmlns:p="http://schemas.openxmlformats.org/presentationml/2006/main">
-  <p:cSld>
-    <p:spTree>
-      <p:nvGrpSpPr>
-        <p:cNvPr id="1" name=""/>
-        <p:cNvGrpSpPr/>
-        <p:nvPr/>
-      </p:nvGrpSpPr>
-      <p:grpSpPr>
-        <a:xfrm>
-          <a:off x="0" y="0"/>
-          <a:ext cx="0" cy="0"/>
-          <a:chOff x="0" y="0"/>
-          <a:chExt cx="0" cy="0"/>
-        </a:xfrm>
-      </p:grpSpPr>
-      <p:sp>
-        <p:nvSpPr>
-          <p:cNvPr id="2" name="제목 1">
-            <a:extLst>
-              <a:ext uri="{FF2B5EF4-FFF2-40B4-BE49-F238E27FC236}">
-                <a16:creationId xmlns:a16="http://schemas.microsoft.com/office/drawing/2014/main" id="{BDA3D861-0979-4501-A402-6E3F750FAC2E}"/>
-              </a:ext>
-            </a:extLst>
-          </p:cNvPr>
-          <p:cNvSpPr>
-            <a:spLocks noGrp="1"/>
-          </p:cNvSpPr>
-          <p:nvPr>
-            <p:ph type="title"/>
-          </p:nvPr>
-        </p:nvSpPr>
-        <p:spPr/>
-        <p:txBody>
-          <a:bodyPr>
-            <a:normAutofit fontScale="90000"/>
-          </a:bodyPr>
-          <a:lstStyle/>
-          <a:p>
-            <a:r>
-              <a:rPr lang="en-US" altLang="ko-KR"/>
-              <a:t>Test Shell</a:t>
-            </a:r>
-            <a:endParaRPr lang="ko-KR" altLang="en-US"/>
-          </a:p>
-        </p:txBody>
-      </p:sp>
-      <p:sp>
-        <p:nvSpPr>
-          <p:cNvPr id="3" name="텍스트 개체 틀 2">
-            <a:extLst>
-              <a:ext uri="{FF2B5EF4-FFF2-40B4-BE49-F238E27FC236}">
-                <a16:creationId xmlns:a16="http://schemas.microsoft.com/office/drawing/2014/main" id="{379AC7A0-B53D-489C-B3E5-10B54AEEA304}"/>
-              </a:ext>
-            </a:extLst>
-          </p:cNvPr>
-          <p:cNvSpPr>
-            <a:spLocks noGrp="1"/>
-          </p:cNvSpPr>
-          <p:nvPr>
-            <p:ph type="body" idx="1"/>
-          </p:nvPr>
-        </p:nvSpPr>
-        <p:spPr/>
-        <p:txBody>
-          <a:bodyPr/>
-          <a:lstStyle/>
-          <a:p>
-            <a:r>
-              <a:rPr lang="en-US" altLang="ko-KR"/>
-              <a:t>File reader</a:t>
-            </a:r>
-          </a:p>
-          <a:p>
-            <a:r>
-              <a:rPr lang="en-US" altLang="ko-KR"/>
-              <a:t>SSD driver</a:t>
-            </a:r>
-          </a:p>
-        </p:txBody>
-      </p:sp>
-    </p:spTree>
-    <p:extLst>
-      <p:ext uri="{BB962C8B-B14F-4D97-AF65-F5344CB8AC3E}">
-        <p14:creationId xmlns:p14="http://schemas.microsoft.com/office/powerpoint/2010/main" val="1930606923"/>
-      </p:ext>
-    </p:extLst>
-  </p:cSld>
-  <p:clrMapOvr>
-    <a:masterClrMapping/>
-  </p:clrMapOvr>
-</p:sld>
-</file>
-
-<file path=ppt/slides/slide12.xml><?xml version="1.0" encoding="utf-8"?>
-<p:sld xmlns:a="http://schemas.openxmlformats.org/drawingml/2006/main" xmlns:r="http://schemas.openxmlformats.org/officeDocument/2006/relationships" xmlns:p="http://schemas.openxmlformats.org/presentationml/2006/main">
-  <p:cSld>
-    <p:spTree>
-      <p:nvGrpSpPr>
-        <p:cNvPr id="1" name=""/>
-        <p:cNvGrpSpPr/>
-        <p:nvPr/>
-      </p:nvGrpSpPr>
-      <p:grpSpPr>
-        <a:xfrm>
-          <a:off x="0" y="0"/>
-          <a:ext cx="0" cy="0"/>
-          <a:chOff x="0" y="0"/>
-          <a:chExt cx="0" cy="0"/>
-        </a:xfrm>
-      </p:grpSpPr>
-      <p:sp>
-        <p:nvSpPr>
-          <p:cNvPr id="2" name="제목 1">
-            <a:extLst>
-              <a:ext uri="{FF2B5EF4-FFF2-40B4-BE49-F238E27FC236}">
-                <a16:creationId xmlns:a16="http://schemas.microsoft.com/office/drawing/2014/main" id="{BDA3D861-0979-4501-A402-6E3F750FAC2E}"/>
-              </a:ext>
-            </a:extLst>
-          </p:cNvPr>
-          <p:cNvSpPr>
-            <a:spLocks noGrp="1"/>
-          </p:cNvSpPr>
-          <p:nvPr>
-            <p:ph type="title"/>
-          </p:nvPr>
-        </p:nvSpPr>
-        <p:spPr/>
-        <p:txBody>
-          <a:bodyPr>
-            <a:normAutofit fontScale="90000"/>
-          </a:bodyPr>
-          <a:lstStyle/>
-          <a:p>
-            <a:r>
-              <a:rPr lang="en-US" altLang="ko-KR"/>
-              <a:t>SSD driver</a:t>
-            </a:r>
-            <a:endParaRPr lang="ko-KR" altLang="en-US"/>
-          </a:p>
-        </p:txBody>
-      </p:sp>
-      <p:sp>
-        <p:nvSpPr>
-          <p:cNvPr id="3" name="텍스트 개체 틀 2">
-            <a:extLst>
-              <a:ext uri="{FF2B5EF4-FFF2-40B4-BE49-F238E27FC236}">
-                <a16:creationId xmlns:a16="http://schemas.microsoft.com/office/drawing/2014/main" id="{379AC7A0-B53D-489C-B3E5-10B54AEEA304}"/>
-              </a:ext>
-            </a:extLst>
-          </p:cNvPr>
-          <p:cNvSpPr>
-            <a:spLocks noGrp="1"/>
-          </p:cNvSpPr>
-          <p:nvPr>
-            <p:ph type="body" idx="1"/>
-          </p:nvPr>
-        </p:nvSpPr>
-        <p:spPr/>
-        <p:txBody>
-          <a:bodyPr/>
-          <a:lstStyle/>
-          <a:p>
-            <a:r>
-              <a:rPr lang="en-US" altLang="ko-KR"/>
-              <a:t>Nand device</a:t>
-            </a:r>
-            <a:endParaRPr lang="ko-KR" altLang="en-US"/>
-          </a:p>
-        </p:txBody>
-      </p:sp>
-    </p:spTree>
-    <p:extLst>
-      <p:ext uri="{BB962C8B-B14F-4D97-AF65-F5344CB8AC3E}">
-        <p14:creationId xmlns:p14="http://schemas.microsoft.com/office/powerpoint/2010/main" val="842401231"/>
-      </p:ext>
-    </p:extLst>
-  </p:cSld>
-  <p:clrMapOvr>
-    <a:masterClrMapping/>
-  </p:clrMapOvr>
-</p:sld>
-</file>
-
-<file path=ppt/slides/slide13.xml><?xml version="1.0" encoding="utf-8"?>
-<p:sld xmlns:a="http://schemas.openxmlformats.org/drawingml/2006/main" xmlns:r="http://schemas.openxmlformats.org/officeDocument/2006/relationships" xmlns:p="http://schemas.openxmlformats.org/presentationml/2006/main">
-  <p:cSld>
-    <p:spTree>
-      <p:nvGrpSpPr>
-        <p:cNvPr id="1" name="Shape 53"/>
-        <p:cNvGrpSpPr/>
-        <p:nvPr/>
-      </p:nvGrpSpPr>
-      <p:grpSpPr>
-        <a:xfrm>
-          <a:off x="0" y="0"/>
-          <a:ext cx="0" cy="0"/>
-          <a:chOff x="0" y="0"/>
-          <a:chExt cx="0" cy="0"/>
-        </a:xfrm>
-      </p:grpSpPr>
-      <p:sp>
-        <p:nvSpPr>
-          <p:cNvPr id="54" name="Google Shape;54;p2"/>
-          <p:cNvSpPr txBox="1">
-            <a:spLocks noGrp="1"/>
-          </p:cNvSpPr>
-          <p:nvPr>
-            <p:ph type="body" idx="1"/>
-          </p:nvPr>
-        </p:nvSpPr>
-        <p:spPr>
-          <a:xfrm>
-            <a:off x="1632000" y="1860184"/>
-            <a:ext cx="8928000" cy="2533083"/>
-          </a:xfrm>
-          <a:prstGeom prst="rect">
-            <a:avLst/>
-          </a:prstGeom>
-          <a:noFill/>
-          <a:ln>
-            <a:noFill/>
-          </a:ln>
-        </p:spPr>
-        <p:txBody>
-          <a:bodyPr spcFirstLastPara="1" wrap="square" lIns="0" tIns="45700" rIns="91425" bIns="45700" anchor="ctr" anchorCtr="0">
-            <a:noAutofit/>
-          </a:bodyPr>
-          <a:lstStyle/>
-          <a:p>
-            <a:pPr marL="0" lvl="0" indent="0" algn="ctr" rtl="0">
-              <a:lnSpc>
-                <a:spcPct val="90000"/>
-              </a:lnSpc>
-              <a:spcBef>
-                <a:spcPts val="0"/>
-              </a:spcBef>
-              <a:spcAft>
-                <a:spcPts val="0"/>
-              </a:spcAft>
-              <a:buClr>
-                <a:schemeClr val="dk1"/>
-              </a:buClr>
-              <a:buSzPts val="3200"/>
-              <a:buNone/>
-            </a:pPr>
-            <a:r>
-              <a:rPr lang="ko-KR" altLang="en-US"/>
-              <a:t>리팩토링 전후 코드 비교</a:t>
-            </a:r>
-            <a:endParaRPr/>
-          </a:p>
-        </p:txBody>
-      </p:sp>
-    </p:spTree>
-    <p:extLst>
-      <p:ext uri="{BB962C8B-B14F-4D97-AF65-F5344CB8AC3E}">
-        <p14:creationId xmlns:p14="http://schemas.microsoft.com/office/powerpoint/2010/main" val="143375530"/>
-      </p:ext>
-    </p:extLst>
-  </p:cSld>
-  <p:clrMapOvr>
-    <a:masterClrMapping/>
-  </p:clrMapOvr>
-</p:sld>
-</file>
-
-<file path=ppt/slides/slide14.xml><?xml version="1.0" encoding="utf-8"?>
-<p:sld xmlns:a="http://schemas.openxmlformats.org/drawingml/2006/main" xmlns:r="http://schemas.openxmlformats.org/officeDocument/2006/relationships" xmlns:p="http://schemas.openxmlformats.org/presentationml/2006/main">
-  <p:cSld>
-    <p:spTree>
-      <p:nvGrpSpPr>
-        <p:cNvPr id="1" name=""/>
-        <p:cNvGrpSpPr/>
-        <p:nvPr/>
-      </p:nvGrpSpPr>
-      <p:grpSpPr>
-        <a:xfrm>
-          <a:off x="0" y="0"/>
-          <a:ext cx="0" cy="0"/>
-          <a:chOff x="0" y="0"/>
-          <a:chExt cx="0" cy="0"/>
-        </a:xfrm>
-      </p:grpSpPr>
-      <p:sp>
-        <p:nvSpPr>
-          <p:cNvPr id="2" name="제목 1">
-            <a:extLst>
-              <a:ext uri="{FF2B5EF4-FFF2-40B4-BE49-F238E27FC236}">
-                <a16:creationId xmlns:a16="http://schemas.microsoft.com/office/drawing/2014/main" id="{339DF875-8450-4FC2-B87E-F9DBA360D9B2}"/>
-              </a:ext>
-            </a:extLst>
-          </p:cNvPr>
-          <p:cNvSpPr>
-            <a:spLocks noGrp="1"/>
-          </p:cNvSpPr>
-          <p:nvPr>
-            <p:ph type="title"/>
-          </p:nvPr>
-        </p:nvSpPr>
-        <p:spPr/>
-        <p:txBody>
-          <a:bodyPr>
-            <a:normAutofit fontScale="90000"/>
-          </a:bodyPr>
-          <a:lstStyle/>
-          <a:p>
-            <a:r>
-              <a:rPr lang="ko-KR" altLang="en-US"/>
-              <a:t>리팩토링 전후 코드 비교</a:t>
-            </a:r>
-          </a:p>
-        </p:txBody>
-      </p:sp>
-      <p:sp>
-        <p:nvSpPr>
-          <p:cNvPr id="3" name="텍스트 개체 틀 2">
-            <a:extLst>
-              <a:ext uri="{FF2B5EF4-FFF2-40B4-BE49-F238E27FC236}">
-                <a16:creationId xmlns:a16="http://schemas.microsoft.com/office/drawing/2014/main" id="{348A6CC5-097A-44E8-8418-8946CF1C9809}"/>
-              </a:ext>
-            </a:extLst>
-          </p:cNvPr>
-          <p:cNvSpPr>
-            <a:spLocks noGrp="1"/>
-          </p:cNvSpPr>
-          <p:nvPr>
-            <p:ph type="body" idx="1"/>
-          </p:nvPr>
-        </p:nvSpPr>
-        <p:spPr/>
-        <p:txBody>
-          <a:bodyPr/>
-          <a:lstStyle/>
-          <a:p>
-            <a:endParaRPr lang="ko-KR" altLang="en-US"/>
-          </a:p>
-        </p:txBody>
-      </p:sp>
-    </p:spTree>
-    <p:extLst>
-      <p:ext uri="{BB962C8B-B14F-4D97-AF65-F5344CB8AC3E}">
-        <p14:creationId xmlns:p14="http://schemas.microsoft.com/office/powerpoint/2010/main" val="913048172"/>
-      </p:ext>
-    </p:extLst>
-  </p:cSld>
-  <p:clrMapOvr>
-    <a:masterClrMapping/>
-  </p:clrMapOvr>
-</p:sld>
-</file>
-
-<file path=ppt/slides/slide15.xml><?xml version="1.0" encoding="utf-8"?>
-<p:sld xmlns:a="http://schemas.openxmlformats.org/drawingml/2006/main" xmlns:r="http://schemas.openxmlformats.org/officeDocument/2006/relationships" xmlns:p="http://schemas.openxmlformats.org/presentationml/2006/main">
-  <p:cSld>
-    <p:spTree>
-      <p:nvGrpSpPr>
-        <p:cNvPr id="1" name="Shape 53"/>
-        <p:cNvGrpSpPr/>
-        <p:nvPr/>
-      </p:nvGrpSpPr>
-      <p:grpSpPr>
-        <a:xfrm>
-          <a:off x="0" y="0"/>
-          <a:ext cx="0" cy="0"/>
-          <a:chOff x="0" y="0"/>
-          <a:chExt cx="0" cy="0"/>
-        </a:xfrm>
-      </p:grpSpPr>
-      <p:sp>
-        <p:nvSpPr>
-          <p:cNvPr id="54" name="Google Shape;54;p2"/>
-          <p:cNvSpPr txBox="1">
-            <a:spLocks noGrp="1"/>
-          </p:cNvSpPr>
-          <p:nvPr>
-            <p:ph type="body" idx="1"/>
-          </p:nvPr>
-        </p:nvSpPr>
-        <p:spPr>
-          <a:xfrm>
-            <a:off x="1632000" y="1860184"/>
-            <a:ext cx="8928000" cy="2533083"/>
-          </a:xfrm>
-          <a:prstGeom prst="rect">
-            <a:avLst/>
-          </a:prstGeom>
-          <a:noFill/>
-          <a:ln>
-            <a:noFill/>
-          </a:ln>
-        </p:spPr>
-        <p:txBody>
-          <a:bodyPr spcFirstLastPara="1" wrap="square" lIns="0" tIns="45700" rIns="91425" bIns="45700" anchor="ctr" anchorCtr="0">
-            <a:noAutofit/>
-          </a:bodyPr>
-          <a:lstStyle/>
-          <a:p>
-            <a:pPr marL="0" lvl="0" indent="0" algn="ctr" rtl="0">
-              <a:lnSpc>
-                <a:spcPct val="90000"/>
-              </a:lnSpc>
-              <a:spcBef>
-                <a:spcPts val="0"/>
-              </a:spcBef>
-              <a:spcAft>
-                <a:spcPts val="0"/>
-              </a:spcAft>
-              <a:buClr>
-                <a:schemeClr val="dk1"/>
-              </a:buClr>
-              <a:buSzPts val="3200"/>
-              <a:buNone/>
-            </a:pPr>
-            <a:r>
-              <a:rPr lang="ko-KR" altLang="en-US"/>
-              <a:t>소감</a:t>
-            </a:r>
-            <a:endParaRPr/>
-          </a:p>
-        </p:txBody>
-      </p:sp>
-    </p:spTree>
-    <p:extLst>
-      <p:ext uri="{BB962C8B-B14F-4D97-AF65-F5344CB8AC3E}">
-        <p14:creationId xmlns:p14="http://schemas.microsoft.com/office/powerpoint/2010/main" val="2504174498"/>
-      </p:ext>
-    </p:extLst>
-  </p:cSld>
-  <p:clrMapOvr>
-    <a:masterClrMapping/>
-  </p:clrMapOvr>
-</p:sld>
-</file>
-
-<file path=ppt/slides/slide16.xml><?xml version="1.0" encoding="utf-8"?>
-<p:sld xmlns:a="http://schemas.openxmlformats.org/drawingml/2006/main" xmlns:r="http://schemas.openxmlformats.org/officeDocument/2006/relationships" xmlns:p="http://schemas.openxmlformats.org/presentationml/2006/main">
-  <p:cSld>
-    <p:spTree>
-      <p:nvGrpSpPr>
         <p:cNvPr id="1" name=""/>
         <p:cNvGrpSpPr/>
         <p:nvPr/>
@@ -6549,8 +5453,242 @@
         </p:nvSpPr>
         <p:spPr/>
         <p:txBody>
-          <a:bodyPr/>
+          <a:bodyPr>
+            <a:normAutofit fontScale="92500" lnSpcReduction="10000"/>
+          </a:bodyPr>
           <a:lstStyle/>
+          <a:p>
+            <a:pPr algn="l">
+              <a:buFont typeface="Arial" panose="020B0604020202020204" pitchFamily="34" charset="0"/>
+              <a:buChar char="•"/>
+            </a:pPr>
+            <a:r>
+              <a:rPr lang="ko-KR" altLang="en-US" b="0" i="0">
+                <a:solidFill>
+                  <a:srgbClr val="1F2328"/>
+                </a:solidFill>
+                <a:effectLst/>
+                <a:latin typeface="-apple-system"/>
+              </a:rPr>
+              <a:t>정혜연</a:t>
+            </a:r>
+            <a:r>
+              <a:rPr lang="en-US" altLang="ko-KR" b="0" i="0">
+                <a:solidFill>
+                  <a:srgbClr val="1F2328"/>
+                </a:solidFill>
+                <a:effectLst/>
+                <a:latin typeface="-apple-system"/>
+              </a:rPr>
+              <a:t>(</a:t>
+            </a:r>
+            <a:r>
+              <a:rPr lang="ko-KR" altLang="en-US" b="0" i="0">
+                <a:solidFill>
+                  <a:srgbClr val="1F2328"/>
+                </a:solidFill>
+                <a:effectLst/>
+                <a:latin typeface="-apple-system"/>
+              </a:rPr>
+              <a:t>팀장</a:t>
+            </a:r>
+            <a:r>
+              <a:rPr lang="en-US" altLang="ko-KR" b="0" i="0">
+                <a:solidFill>
+                  <a:srgbClr val="1F2328"/>
+                </a:solidFill>
+                <a:effectLst/>
+                <a:latin typeface="-apple-system"/>
+              </a:rPr>
+              <a:t>)</a:t>
+            </a:r>
+          </a:p>
+          <a:p>
+            <a:pPr marL="114300" indent="0" algn="l">
+              <a:buNone/>
+            </a:pPr>
+            <a:r>
+              <a:rPr lang="en-US" altLang="ko-KR">
+                <a:solidFill>
+                  <a:srgbClr val="1F2328"/>
+                </a:solidFill>
+                <a:latin typeface="-apple-system"/>
+              </a:rPr>
+              <a:t>“</a:t>
+            </a:r>
+            <a:r>
+              <a:rPr lang="ko-KR" altLang="en-US">
+                <a:solidFill>
+                  <a:srgbClr val="1F2328"/>
+                </a:solidFill>
+                <a:latin typeface="-apple-system"/>
+              </a:rPr>
+              <a:t>다양한 개발 방법을 직접 접해봐서 좋았습니다</a:t>
+            </a:r>
+            <a:r>
+              <a:rPr lang="en-US" altLang="ko-KR">
+                <a:solidFill>
+                  <a:srgbClr val="1F2328"/>
+                </a:solidFill>
+                <a:latin typeface="-apple-system"/>
+              </a:rPr>
+              <a:t>. </a:t>
+            </a:r>
+            <a:r>
+              <a:rPr lang="ko-KR" altLang="en-US">
+                <a:solidFill>
+                  <a:srgbClr val="1F2328"/>
+                </a:solidFill>
+                <a:latin typeface="-apple-system"/>
+              </a:rPr>
+              <a:t>마지막에 추가 요구 사항을 빠르게 반영하면서 현업의 기운을 느꼈습니다</a:t>
+            </a:r>
+            <a:r>
+              <a:rPr lang="en-US" altLang="ko-KR">
+                <a:solidFill>
+                  <a:srgbClr val="1F2328"/>
+                </a:solidFill>
+                <a:latin typeface="-apple-system"/>
+              </a:rPr>
+              <a:t>. </a:t>
+            </a:r>
+            <a:r>
+              <a:rPr lang="ko-KR" altLang="en-US">
+                <a:solidFill>
+                  <a:srgbClr val="1F2328"/>
+                </a:solidFill>
+                <a:latin typeface="-apple-system"/>
+              </a:rPr>
+              <a:t>팀원분들 모두 고생하셨습니다</a:t>
+            </a:r>
+            <a:r>
+              <a:rPr lang="en-US" altLang="ko-KR">
+                <a:solidFill>
+                  <a:srgbClr val="1F2328"/>
+                </a:solidFill>
+                <a:latin typeface="-apple-system"/>
+              </a:rPr>
+              <a:t>!”</a:t>
+            </a:r>
+          </a:p>
+          <a:p>
+            <a:pPr marL="114300" indent="0" algn="l">
+              <a:buNone/>
+            </a:pPr>
+            <a:endParaRPr lang="ko-KR" altLang="en-US" b="0" i="0">
+              <a:solidFill>
+                <a:srgbClr val="1F2328"/>
+              </a:solidFill>
+              <a:effectLst/>
+              <a:latin typeface="-apple-system"/>
+            </a:endParaRPr>
+          </a:p>
+          <a:p>
+            <a:pPr algn="l">
+              <a:buFont typeface="Arial" panose="020B0604020202020204" pitchFamily="34" charset="0"/>
+              <a:buChar char="•"/>
+            </a:pPr>
+            <a:r>
+              <a:rPr lang="ko-KR" altLang="en-US" b="0" i="0">
+                <a:solidFill>
+                  <a:srgbClr val="1F2328"/>
+                </a:solidFill>
+                <a:effectLst/>
+                <a:latin typeface="-apple-system"/>
+              </a:rPr>
+              <a:t>윤태웅</a:t>
+            </a:r>
+            <a:br>
+              <a:rPr lang="en-US" altLang="ko-KR" b="0" i="0">
+                <a:solidFill>
+                  <a:srgbClr val="1F2328"/>
+                </a:solidFill>
+                <a:effectLst/>
+                <a:latin typeface="-apple-system"/>
+              </a:rPr>
+            </a:br>
+            <a:r>
+              <a:rPr lang="en-US" altLang="ko-KR" b="0" i="0">
+                <a:solidFill>
+                  <a:srgbClr val="1F2328"/>
+                </a:solidFill>
+                <a:effectLst/>
+                <a:latin typeface="-apple-system"/>
+              </a:rPr>
+              <a:t>””</a:t>
+            </a:r>
+            <a:endParaRPr lang="ko-KR" altLang="en-US" b="0" i="0">
+              <a:solidFill>
+                <a:srgbClr val="1F2328"/>
+              </a:solidFill>
+              <a:effectLst/>
+              <a:latin typeface="-apple-system"/>
+            </a:endParaRPr>
+          </a:p>
+          <a:p>
+            <a:pPr algn="l">
+              <a:buFont typeface="Arial" panose="020B0604020202020204" pitchFamily="34" charset="0"/>
+              <a:buChar char="•"/>
+            </a:pPr>
+            <a:r>
+              <a:rPr lang="ko-KR" altLang="en-US" b="0" i="0">
+                <a:solidFill>
+                  <a:srgbClr val="1F2328"/>
+                </a:solidFill>
+                <a:effectLst/>
+                <a:latin typeface="-apple-system"/>
+              </a:rPr>
+              <a:t>장현진</a:t>
+            </a:r>
+          </a:p>
+          <a:p>
+            <a:pPr algn="l">
+              <a:buFont typeface="Arial" panose="020B0604020202020204" pitchFamily="34" charset="0"/>
+              <a:buChar char="•"/>
+            </a:pPr>
+            <a:r>
+              <a:rPr lang="ko-KR" altLang="en-US" b="0" i="0">
+                <a:solidFill>
+                  <a:srgbClr val="1F2328"/>
+                </a:solidFill>
+                <a:effectLst/>
+                <a:latin typeface="-apple-system"/>
+              </a:rPr>
+              <a:t>유정균</a:t>
+            </a:r>
+          </a:p>
+          <a:p>
+            <a:pPr algn="l">
+              <a:buFont typeface="Arial" panose="020B0604020202020204" pitchFamily="34" charset="0"/>
+              <a:buChar char="•"/>
+            </a:pPr>
+            <a:r>
+              <a:rPr lang="ko-KR" altLang="en-US" b="0" i="0">
+                <a:solidFill>
+                  <a:srgbClr val="1F2328"/>
+                </a:solidFill>
+                <a:effectLst/>
+                <a:latin typeface="-apple-system"/>
+              </a:rPr>
+              <a:t>박준영</a:t>
+            </a:r>
+          </a:p>
+          <a:p>
+            <a:pPr algn="l">
+              <a:buFont typeface="Arial" panose="020B0604020202020204" pitchFamily="34" charset="0"/>
+              <a:buChar char="•"/>
+            </a:pPr>
+            <a:r>
+              <a:rPr lang="ko-KR" altLang="en-US" b="0" i="0">
+                <a:solidFill>
+                  <a:srgbClr val="1F2328"/>
+                </a:solidFill>
+                <a:effectLst/>
+                <a:latin typeface="-apple-system"/>
+              </a:rPr>
+              <a:t>홍주영</a:t>
+            </a:r>
+          </a:p>
           <a:p>
             <a:endParaRPr lang="ko-KR" altLang="en-US"/>
           </a:p>
@@ -6559,34 +5697,9 @@
     </p:spTree>
     <p:extLst>
       <p:ext uri="{BB962C8B-B14F-4D97-AF65-F5344CB8AC3E}">
-        <p14:creationId xmlns:p14="http://schemas.microsoft.com/office/powerpoint/2010/main" val="1585900441"/>
+        <p14:creationId xmlns:p14="http://schemas.microsoft.com/office/powerpoint/2010/main" val="1962314239"/>
       </p:ext>
     </p:extLst>
-  </p:cSld>
-  <p:clrMapOvr>
-    <a:masterClrMapping/>
-  </p:clrMapOvr>
-</p:sld>
-</file>
-
-<file path=ppt/slides/slide17.xml><?xml version="1.0" encoding="utf-8"?>
-<p:sld xmlns:a="http://schemas.openxmlformats.org/drawingml/2006/main" xmlns:r="http://schemas.openxmlformats.org/officeDocument/2006/relationships" xmlns:p="http://schemas.openxmlformats.org/presentationml/2006/main">
-  <p:cSld>
-    <p:spTree>
-      <p:nvGrpSpPr>
-        <p:cNvPr id="1" name="Shape 64"/>
-        <p:cNvGrpSpPr/>
-        <p:nvPr/>
-      </p:nvGrpSpPr>
-      <p:grpSpPr>
-        <a:xfrm>
-          <a:off x="0" y="0"/>
-          <a:ext cx="0" cy="0"/>
-          <a:chOff x="0" y="0"/>
-          <a:chExt cx="0" cy="0"/>
-        </a:xfrm>
-      </p:grpSpPr>
-    </p:spTree>
   </p:cSld>
   <p:clrMapOvr>
     <a:masterClrMapping/>
@@ -6789,9 +5902,12 @@
               <a:buNone/>
             </a:pPr>
             <a:r>
-              <a:rPr lang="ko-KR" altLang="en-US" b="0" i="0">
-                <a:solidFill>
-                  <a:srgbClr val="161616"/>
+              <a:rPr lang="ko-KR" altLang="en-US" b="0" i="1">
+                <a:solidFill>
+                  <a:schemeClr val="bg2">
+                    <a:lumMod val="75000"/>
+                    <a:lumOff val="25000"/>
+                  </a:schemeClr>
                 </a:solidFill>
                 <a:effectLst/>
                 <a:latin typeface="Inter"/>
@@ -6799,9 +5915,12 @@
               <a:t>한 번의 </a:t>
             </a:r>
             <a:r>
-              <a:rPr lang="en-US" altLang="ko-KR" b="0" i="0">
-                <a:solidFill>
-                  <a:srgbClr val="161616"/>
+              <a:rPr lang="en-US" altLang="ko-KR" b="0" i="1">
+                <a:solidFill>
+                  <a:schemeClr val="bg2">
+                    <a:lumMod val="75000"/>
+                    <a:lumOff val="25000"/>
+                  </a:schemeClr>
                 </a:solidFill>
                 <a:effectLst/>
                 <a:latin typeface="Inter"/>
@@ -6809,9 +5928,12 @@
               <a:t>PR</a:t>
             </a:r>
             <a:r>
-              <a:rPr lang="ko-KR" altLang="en-US" b="0" i="0">
-                <a:solidFill>
-                  <a:srgbClr val="161616"/>
+              <a:rPr lang="ko-KR" altLang="en-US" b="0" i="1">
+                <a:solidFill>
+                  <a:schemeClr val="bg2">
+                    <a:lumMod val="75000"/>
+                    <a:lumOff val="25000"/>
+                  </a:schemeClr>
                 </a:solidFill>
                 <a:effectLst/>
                 <a:latin typeface="Inter"/>
@@ -6819,9 +5941,12 @@
               <a:t>을 마치 한 잔의 커피처럼</a:t>
             </a:r>
             <a:r>
-              <a:rPr lang="en-US" altLang="ko-KR" b="0" i="0">
-                <a:solidFill>
-                  <a:srgbClr val="161616"/>
+              <a:rPr lang="en-US" altLang="ko-KR" b="0" i="1">
+                <a:solidFill>
+                  <a:schemeClr val="bg2">
+                    <a:lumMod val="75000"/>
+                    <a:lumOff val="25000"/>
+                  </a:schemeClr>
                 </a:solidFill>
                 <a:effectLst/>
                 <a:latin typeface="Inter"/>
@@ -6838,18 +5963,24 @@
               <a:buNone/>
             </a:pPr>
             <a:r>
-              <a:rPr lang="ko-KR" altLang="en-US">
-                <a:solidFill>
-                  <a:srgbClr val="161616"/>
+              <a:rPr lang="ko-KR" altLang="en-US" i="1">
+                <a:solidFill>
+                  <a:schemeClr val="bg2">
+                    <a:lumMod val="75000"/>
+                    <a:lumOff val="25000"/>
+                  </a:schemeClr>
                 </a:solidFill>
                 <a:latin typeface="Inter"/>
               </a:rPr>
               <a:t>항</a:t>
             </a:r>
             <a:r>
-              <a:rPr lang="ko-KR" altLang="en-US" b="0" i="0">
-                <a:solidFill>
-                  <a:srgbClr val="161616"/>
+              <a:rPr lang="ko-KR" altLang="en-US" b="0" i="1">
+                <a:solidFill>
+                  <a:schemeClr val="bg2">
+                    <a:lumMod val="75000"/>
+                    <a:lumOff val="25000"/>
+                  </a:schemeClr>
                 </a:solidFill>
                 <a:effectLst/>
                 <a:latin typeface="Inter"/>
@@ -6857,9 +5988,12 @@
               <a:t>상 깨어있는 </a:t>
             </a:r>
             <a:r>
-              <a:rPr lang="en-US" altLang="ko-KR" b="0" i="0">
-                <a:solidFill>
-                  <a:srgbClr val="161616"/>
+              <a:rPr lang="en-US" altLang="ko-KR" b="0" i="1">
+                <a:solidFill>
+                  <a:schemeClr val="bg2">
+                    <a:lumMod val="75000"/>
+                    <a:lumOff val="25000"/>
+                  </a:schemeClr>
                 </a:solidFill>
                 <a:effectLst/>
                 <a:latin typeface="Inter"/>
@@ -6867,9 +6001,12 @@
               <a:t>Code</a:t>
             </a:r>
             <a:r>
-              <a:rPr lang="ko-KR" altLang="en-US" b="0" i="0">
-                <a:solidFill>
-                  <a:srgbClr val="161616"/>
+              <a:rPr lang="ko-KR" altLang="en-US" b="0" i="1">
+                <a:solidFill>
+                  <a:schemeClr val="bg2">
+                    <a:lumMod val="75000"/>
+                    <a:lumOff val="25000"/>
+                  </a:schemeClr>
                 </a:solidFill>
                 <a:effectLst/>
                 <a:latin typeface="Inter"/>
@@ -6877,9 +6014,12 @@
               <a:t>를 만들자</a:t>
             </a:r>
             <a:r>
-              <a:rPr lang="en-US" altLang="ko-KR" b="0" i="0">
-                <a:solidFill>
-                  <a:srgbClr val="161616"/>
+              <a:rPr lang="en-US" altLang="ko-KR" b="0" i="1">
+                <a:solidFill>
+                  <a:schemeClr val="bg2">
+                    <a:lumMod val="75000"/>
+                    <a:lumOff val="25000"/>
+                  </a:schemeClr>
                 </a:solidFill>
                 <a:effectLst/>
                 <a:latin typeface="Inter"/>
@@ -6975,7 +6115,7 @@
                 <a:effectLst/>
                 <a:latin typeface="-apple-system"/>
               </a:rPr>
-              <a:t>, Test Shell - App </a:t>
+              <a:t>, Test Shell - App / HostInterfac </a:t>
             </a:r>
             <a:r>
               <a:rPr lang="ko-KR" altLang="en-US" b="0" i="0">
@@ -6987,6 +6127,23 @@
               </a:rPr>
               <a:t>개발</a:t>
             </a:r>
+            <a:r>
+              <a:rPr lang="en-US" altLang="ko-KR" b="0" i="0">
+                <a:solidFill>
+                  <a:srgbClr val="1F2328"/>
+                </a:solidFill>
+                <a:effectLst/>
+                <a:latin typeface="-apple-system"/>
+              </a:rPr>
+              <a:t> </a:t>
+            </a:r>
+            <a:endParaRPr lang="ko-KR" altLang="en-US" b="0" i="0">
+              <a:solidFill>
+                <a:srgbClr val="1F2328"/>
+              </a:solidFill>
+              <a:effectLst/>
+              <a:latin typeface="-apple-system"/>
+            </a:endParaRPr>
           </a:p>
           <a:p>
             <a:pPr algn="l">
@@ -7023,6 +6180,26 @@
               </a:rPr>
               <a:t>개발</a:t>
             </a:r>
+            <a:r>
+              <a:rPr lang="en-US" altLang="ko-KR" b="0" i="0">
+                <a:solidFill>
+                  <a:srgbClr val="1F2328"/>
+                </a:solidFill>
+                <a:effectLst/>
+                <a:latin typeface="-apple-system"/>
+              </a:rPr>
+              <a:t>, Runner </a:t>
+            </a:r>
+            <a:r>
+              <a:rPr lang="ko-KR" altLang="en-US" b="0" i="0">
+                <a:solidFill>
+                  <a:srgbClr val="1F2328"/>
+                </a:solidFill>
+                <a:effectLst/>
+                <a:latin typeface="-apple-system"/>
+              </a:rPr>
+              <a:t>개발</a:t>
+            </a:r>
           </a:p>
           <a:p>
             <a:pPr algn="l">
@@ -7047,7 +6224,27 @@
                 <a:effectLst/>
                 <a:latin typeface="-apple-system"/>
               </a:rPr>
-              <a:t>: Test Shell - App </a:t>
+              <a:t>: Test Shell – App </a:t>
+            </a:r>
+            <a:r>
+              <a:rPr lang="ko-KR" altLang="en-US" b="0" i="0">
+                <a:solidFill>
+                  <a:srgbClr val="1F2328"/>
+                </a:solidFill>
+                <a:effectLst/>
+                <a:latin typeface="-apple-system"/>
+              </a:rPr>
+              <a:t>개발</a:t>
+            </a:r>
+            <a:r>
+              <a:rPr lang="en-US" altLang="ko-KR" b="0" i="0">
+                <a:solidFill>
+                  <a:srgbClr val="1F2328"/>
+                </a:solidFill>
+                <a:effectLst/>
+                <a:latin typeface="-apple-system"/>
+              </a:rPr>
+              <a:t>, Logger </a:t>
             </a:r>
             <a:r>
               <a:rPr lang="ko-KR" altLang="en-US" b="0" i="0">
@@ -7115,6 +6312,26 @@
               </a:rPr>
               <a:t>제작</a:t>
             </a:r>
+            <a:r>
+              <a:rPr lang="en-US" altLang="ko-KR" b="0" i="0">
+                <a:solidFill>
+                  <a:srgbClr val="1F2328"/>
+                </a:solidFill>
+                <a:effectLst/>
+                <a:latin typeface="-apple-system"/>
+              </a:rPr>
+              <a:t>, CommandBuffer </a:t>
+            </a:r>
+            <a:r>
+              <a:rPr lang="ko-KR" altLang="en-US" b="0" i="0">
+                <a:solidFill>
+                  <a:srgbClr val="1F2328"/>
+                </a:solidFill>
+                <a:effectLst/>
+                <a:latin typeface="-apple-system"/>
+              </a:rPr>
+              <a:t>개발</a:t>
+            </a:r>
           </a:p>
           <a:p>
             <a:pPr algn="l">
@@ -7171,6 +6388,26 @@
               </a:rPr>
               <a:t>제작</a:t>
             </a:r>
+            <a:r>
+              <a:rPr lang="en-US" altLang="ko-KR" b="0" i="0">
+                <a:solidFill>
+                  <a:srgbClr val="1F2328"/>
+                </a:solidFill>
+                <a:effectLst/>
+                <a:latin typeface="-apple-system"/>
+              </a:rPr>
+              <a:t>, CommandBuffer </a:t>
+            </a:r>
+            <a:r>
+              <a:rPr lang="ko-KR" altLang="en-US" b="0" i="0">
+                <a:solidFill>
+                  <a:srgbClr val="1F2328"/>
+                </a:solidFill>
+                <a:effectLst/>
+                <a:latin typeface="-apple-system"/>
+              </a:rPr>
+              <a:t>개발</a:t>
+            </a:r>
           </a:p>
           <a:p>
             <a:pPr algn="l">
@@ -7226,6 +6463,26 @@
                 <a:latin typeface="-apple-system"/>
               </a:rPr>
               <a:t>제작</a:t>
+            </a:r>
+            <a:r>
+              <a:rPr lang="en-US" altLang="ko-KR" b="0" i="0">
+                <a:solidFill>
+                  <a:srgbClr val="1F2328"/>
+                </a:solidFill>
+                <a:effectLst/>
+                <a:latin typeface="-apple-system"/>
+              </a:rPr>
+              <a:t>, Logger </a:t>
+            </a:r>
+            <a:r>
+              <a:rPr lang="ko-KR" altLang="en-US" b="0" i="0">
+                <a:solidFill>
+                  <a:srgbClr val="1F2328"/>
+                </a:solidFill>
+                <a:effectLst/>
+                <a:latin typeface="-apple-system"/>
+              </a:rPr>
+              <a:t>개발</a:t>
             </a:r>
           </a:p>
         </p:txBody>
@@ -7363,7 +6620,7 @@
           <a:p>
             <a:r>
               <a:rPr lang="ko-KR" altLang="en-US"/>
-              <a:t>활용한 디자인 패턴 소개</a:t>
+              <a:t>기능 구현 소개</a:t>
             </a:r>
           </a:p>
         </p:txBody>
@@ -7406,7 +6663,7 @@
     </p:spTree>
     <p:extLst>
       <p:ext uri="{BB962C8B-B14F-4D97-AF65-F5344CB8AC3E}">
-        <p14:creationId xmlns:p14="http://schemas.microsoft.com/office/powerpoint/2010/main" val="36402733"/>
+        <p14:creationId xmlns:p14="http://schemas.microsoft.com/office/powerpoint/2010/main" val="1992151243"/>
       </p:ext>
     </p:extLst>
   </p:cSld>
@@ -7438,7 +6695,7 @@
           <p:cNvPr id="2" name="제목 1">
             <a:extLst>
               <a:ext uri="{FF2B5EF4-FFF2-40B4-BE49-F238E27FC236}">
-                <a16:creationId xmlns:a16="http://schemas.microsoft.com/office/drawing/2014/main" id="{6A76090C-AE41-4D77-9CC9-BBF7872705A9}"/>
+                <a16:creationId xmlns:a16="http://schemas.microsoft.com/office/drawing/2014/main" id="{64BD2D88-CE40-4813-987A-ECB032A3533D}"/>
               </a:ext>
             </a:extLst>
           </p:cNvPr>
@@ -7457,52 +6714,64 @@
           <a:lstStyle/>
           <a:p>
             <a:r>
-              <a:rPr lang="ko-KR" altLang="en-US"/>
-              <a:t>전체 디자인 및 각 클래스 역할</a:t>
-            </a:r>
-            <a:endParaRPr lang="en-US" altLang="ko-KR"/>
+              <a:rPr lang="en-US" altLang="ko-KR" dirty="0"/>
+              <a:t>Class Diagram (Virtual SSD)</a:t>
+            </a:r>
+            <a:endParaRPr lang="ko-KR" altLang="en-US" dirty="0"/>
           </a:p>
         </p:txBody>
       </p:sp>
-      <p:sp>
-        <p:nvSpPr>
-          <p:cNvPr id="3" name="텍스트 개체 틀 2">
+      <p:pic>
+        <p:nvPicPr>
+          <p:cNvPr id="1030" name="Picture 6">
             <a:extLst>
               <a:ext uri="{FF2B5EF4-FFF2-40B4-BE49-F238E27FC236}">
-                <a16:creationId xmlns:a16="http://schemas.microsoft.com/office/drawing/2014/main" id="{4E8DB54B-917E-47A9-BE06-6B9DB1353E3E}"/>
+                <a16:creationId xmlns:a16="http://schemas.microsoft.com/office/drawing/2014/main" id="{CE4FAA84-DFCE-442F-AC37-B195E3EC6979}"/>
               </a:ext>
             </a:extLst>
           </p:cNvPr>
-          <p:cNvSpPr>
-            <a:spLocks noGrp="1"/>
-          </p:cNvSpPr>
-          <p:nvPr>
-            <p:ph type="body" idx="1"/>
-          </p:nvPr>
-        </p:nvSpPr>
-        <p:spPr/>
-        <p:txBody>
-          <a:bodyPr/>
-          <a:lstStyle/>
-          <a:p>
-            <a:r>
-              <a:rPr lang="ko-KR" altLang="en-US"/>
-              <a:t>전체 디자인 및 각 클래스 역할</a:t>
-            </a:r>
-            <a:endParaRPr lang="en-US" altLang="ko-KR"/>
-          </a:p>
-          <a:p>
-            <a:r>
-              <a:rPr lang="ko-KR" altLang="en-US"/>
-              <a:t>활용한 디자인 패턴 소개</a:t>
-            </a:r>
-          </a:p>
-        </p:txBody>
-      </p:sp>
+          <p:cNvPicPr>
+            <a:picLocks noChangeAspect="1" noChangeArrowheads="1"/>
+          </p:cNvPicPr>
+          <p:nvPr/>
+        </p:nvPicPr>
+        <p:blipFill>
+          <a:blip r:embed="rId2">
+            <a:extLst>
+              <a:ext uri="{28A0092B-C50C-407E-A947-70E740481C1C}">
+                <a14:useLocalDpi xmlns:a14="http://schemas.microsoft.com/office/drawing/2010/main" val="0"/>
+              </a:ext>
+            </a:extLst>
+          </a:blip>
+          <a:srcRect/>
+          <a:stretch>
+            <a:fillRect/>
+          </a:stretch>
+        </p:blipFill>
+        <p:spPr bwMode="auto">
+          <a:xfrm>
+            <a:off x="683835" y="1270261"/>
+            <a:ext cx="10892279" cy="5281105"/>
+          </a:xfrm>
+          <a:prstGeom prst="rect">
+            <a:avLst/>
+          </a:prstGeom>
+          <a:noFill/>
+          <a:extLst>
+            <a:ext uri="{909E8E84-426E-40DD-AFC4-6F175D3DCCD1}">
+              <a14:hiddenFill xmlns:a14="http://schemas.microsoft.com/office/drawing/2010/main">
+                <a:solidFill>
+                  <a:srgbClr val="FFFFFF"/>
+                </a:solidFill>
+              </a14:hiddenFill>
+            </a:ext>
+          </a:extLst>
+        </p:spPr>
+      </p:pic>
     </p:spTree>
     <p:extLst>
       <p:ext uri="{BB962C8B-B14F-4D97-AF65-F5344CB8AC3E}">
-        <p14:creationId xmlns:p14="http://schemas.microsoft.com/office/powerpoint/2010/main" val="4132152628"/>
+        <p14:creationId xmlns:p14="http://schemas.microsoft.com/office/powerpoint/2010/main" val="3226062812"/>
       </p:ext>
     </p:extLst>
   </p:cSld>
@@ -7513,93 +6782,6 @@
 </file>
 
 <file path=ppt/slides/slide7.xml><?xml version="1.0" encoding="utf-8"?>
-<p:sld xmlns:a="http://schemas.openxmlformats.org/drawingml/2006/main" xmlns:r="http://schemas.openxmlformats.org/officeDocument/2006/relationships" xmlns:p="http://schemas.openxmlformats.org/presentationml/2006/main">
-  <p:cSld>
-    <p:spTree>
-      <p:nvGrpSpPr>
-        <p:cNvPr id="1" name="Shape 53"/>
-        <p:cNvGrpSpPr/>
-        <p:nvPr/>
-      </p:nvGrpSpPr>
-      <p:grpSpPr>
-        <a:xfrm>
-          <a:off x="0" y="0"/>
-          <a:ext cx="0" cy="0"/>
-          <a:chOff x="0" y="0"/>
-          <a:chExt cx="0" cy="0"/>
-        </a:xfrm>
-      </p:grpSpPr>
-      <p:sp>
-        <p:nvSpPr>
-          <p:cNvPr id="54" name="Google Shape;54;p2"/>
-          <p:cNvSpPr txBox="1">
-            <a:spLocks noGrp="1"/>
-          </p:cNvSpPr>
-          <p:nvPr>
-            <p:ph type="body" idx="1"/>
-          </p:nvPr>
-        </p:nvSpPr>
-        <p:spPr>
-          <a:xfrm>
-            <a:off x="1632000" y="1860184"/>
-            <a:ext cx="8928000" cy="2533083"/>
-          </a:xfrm>
-          <a:prstGeom prst="rect">
-            <a:avLst/>
-          </a:prstGeom>
-          <a:noFill/>
-          <a:ln>
-            <a:noFill/>
-          </a:ln>
-        </p:spPr>
-        <p:txBody>
-          <a:bodyPr spcFirstLastPara="1" wrap="square" lIns="0" tIns="45700" rIns="91425" bIns="45700" anchor="ctr" anchorCtr="0">
-            <a:noAutofit/>
-          </a:bodyPr>
-          <a:lstStyle/>
-          <a:p>
-            <a:pPr marL="0" lvl="0" indent="0" algn="ctr" rtl="0">
-              <a:lnSpc>
-                <a:spcPct val="90000"/>
-              </a:lnSpc>
-              <a:spcBef>
-                <a:spcPts val="0"/>
-              </a:spcBef>
-              <a:spcAft>
-                <a:spcPts val="0"/>
-              </a:spcAft>
-              <a:buClr>
-                <a:schemeClr val="dk1"/>
-              </a:buClr>
-              <a:buSzPts val="3200"/>
-              <a:buNone/>
-            </a:pPr>
-            <a:r>
-              <a:rPr lang="en-US" altLang="ko-KR"/>
-              <a:t>TDD </a:t>
-            </a:r>
-            <a:r>
-              <a:rPr lang="ko-KR" altLang="en-US"/>
-              <a:t>활용 예시</a:t>
-            </a:r>
-            <a:endParaRPr/>
-          </a:p>
-        </p:txBody>
-      </p:sp>
-    </p:spTree>
-    <p:extLst>
-      <p:ext uri="{BB962C8B-B14F-4D97-AF65-F5344CB8AC3E}">
-        <p14:creationId xmlns:p14="http://schemas.microsoft.com/office/powerpoint/2010/main" val="642159974"/>
-      </p:ext>
-    </p:extLst>
-  </p:cSld>
-  <p:clrMapOvr>
-    <a:masterClrMapping/>
-  </p:clrMapOvr>
-</p:sld>
-</file>
-
-<file path=ppt/slides/slide8.xml><?xml version="1.0" encoding="utf-8"?>
 <p:sld xmlns:a="http://schemas.openxmlformats.org/drawingml/2006/main" xmlns:r="http://schemas.openxmlformats.org/officeDocument/2006/relationships" xmlns:p="http://schemas.openxmlformats.org/presentationml/2006/main">
   <p:cSld>
     <p:spTree>
@@ -7640,10 +6822,13 @@
           <a:lstStyle/>
           <a:p>
             <a:r>
+              <a:rPr lang="en-US" altLang="ko-KR"/>
+              <a:t>TDD </a:t>
+            </a:r>
+            <a:r>
               <a:rPr lang="ko-KR" altLang="en-US"/>
-              <a:t>테스트 케이스 및 결과</a:t>
-            </a:r>
-            <a:endParaRPr lang="en-US" altLang="ko-KR"/>
+              <a:t>활용 예시</a:t>
+            </a:r>
           </a:p>
         </p:txBody>
       </p:sp>
@@ -7685,7 +6870,112 @@
     </p:spTree>
     <p:extLst>
       <p:ext uri="{BB962C8B-B14F-4D97-AF65-F5344CB8AC3E}">
-        <p14:creationId xmlns:p14="http://schemas.microsoft.com/office/powerpoint/2010/main" val="895998561"/>
+        <p14:creationId xmlns:p14="http://schemas.microsoft.com/office/powerpoint/2010/main" val="3477409895"/>
+      </p:ext>
+    </p:extLst>
+  </p:cSld>
+  <p:clrMapOvr>
+    <a:masterClrMapping/>
+  </p:clrMapOvr>
+</p:sld>
+</file>
+
+<file path=ppt/slides/slide8.xml><?xml version="1.0" encoding="utf-8"?>
+<p:sld xmlns:a="http://schemas.openxmlformats.org/drawingml/2006/main" xmlns:r="http://schemas.openxmlformats.org/officeDocument/2006/relationships" xmlns:p="http://schemas.openxmlformats.org/presentationml/2006/main">
+  <p:cSld>
+    <p:spTree>
+      <p:nvGrpSpPr>
+        <p:cNvPr id="1" name=""/>
+        <p:cNvGrpSpPr/>
+        <p:nvPr/>
+      </p:nvGrpSpPr>
+      <p:grpSpPr>
+        <a:xfrm>
+          <a:off x="0" y="0"/>
+          <a:ext cx="0" cy="0"/>
+          <a:chOff x="0" y="0"/>
+          <a:chExt cx="0" cy="0"/>
+        </a:xfrm>
+      </p:grpSpPr>
+      <p:sp>
+        <p:nvSpPr>
+          <p:cNvPr id="2" name="제목 1">
+            <a:extLst>
+              <a:ext uri="{FF2B5EF4-FFF2-40B4-BE49-F238E27FC236}">
+                <a16:creationId xmlns:a16="http://schemas.microsoft.com/office/drawing/2014/main" id="{BDA3D861-0979-4501-A402-6E3F750FAC2E}"/>
+              </a:ext>
+            </a:extLst>
+          </p:cNvPr>
+          <p:cNvSpPr>
+            <a:spLocks noGrp="1"/>
+          </p:cNvSpPr>
+          <p:nvPr>
+            <p:ph type="title"/>
+          </p:nvPr>
+        </p:nvSpPr>
+        <p:spPr/>
+        <p:txBody>
+          <a:bodyPr>
+            <a:normAutofit fontScale="90000"/>
+          </a:bodyPr>
+          <a:lstStyle/>
+          <a:p>
+            <a:r>
+              <a:rPr lang="en-US" altLang="ko-KR"/>
+              <a:t>Mocking </a:t>
+            </a:r>
+            <a:r>
+              <a:rPr lang="ko-KR" altLang="en-US"/>
+              <a:t>활용 예시</a:t>
+            </a:r>
+          </a:p>
+        </p:txBody>
+      </p:sp>
+      <p:sp>
+        <p:nvSpPr>
+          <p:cNvPr id="3" name="텍스트 개체 틀 2">
+            <a:extLst>
+              <a:ext uri="{FF2B5EF4-FFF2-40B4-BE49-F238E27FC236}">
+                <a16:creationId xmlns:a16="http://schemas.microsoft.com/office/drawing/2014/main" id="{379AC7A0-B53D-489C-B3E5-10B54AEEA304}"/>
+              </a:ext>
+            </a:extLst>
+          </p:cNvPr>
+          <p:cNvSpPr>
+            <a:spLocks noGrp="1"/>
+          </p:cNvSpPr>
+          <p:nvPr>
+            <p:ph type="body" idx="1"/>
+          </p:nvPr>
+        </p:nvSpPr>
+        <p:spPr/>
+        <p:txBody>
+          <a:bodyPr/>
+          <a:lstStyle/>
+          <a:p>
+            <a:r>
+              <a:rPr lang="en-US" altLang="ko-KR"/>
+              <a:t>File reader</a:t>
+            </a:r>
+          </a:p>
+          <a:p>
+            <a:r>
+              <a:rPr lang="en-US" altLang="ko-KR"/>
+              <a:t>SSD deriver</a:t>
+            </a:r>
+          </a:p>
+          <a:p>
+            <a:r>
+              <a:rPr lang="en-US" altLang="ko-KR"/>
+              <a:t>Nand device</a:t>
+            </a:r>
+            <a:endParaRPr lang="ko-KR" altLang="en-US"/>
+          </a:p>
+        </p:txBody>
+      </p:sp>
+    </p:spTree>
+    <p:extLst>
+      <p:ext uri="{BB962C8B-B14F-4D97-AF65-F5344CB8AC3E}">
+        <p14:creationId xmlns:p14="http://schemas.microsoft.com/office/powerpoint/2010/main" val="829816428"/>
       </p:ext>
     </p:extLst>
   </p:cSld>
@@ -7717,7 +7007,7 @@
           <p:cNvPr id="2" name="제목 1">
             <a:extLst>
               <a:ext uri="{FF2B5EF4-FFF2-40B4-BE49-F238E27FC236}">
-                <a16:creationId xmlns:a16="http://schemas.microsoft.com/office/drawing/2014/main" id="{E126DC2B-16C1-4763-9EB8-0D522AC5921C}"/>
+                <a16:creationId xmlns:a16="http://schemas.microsoft.com/office/drawing/2014/main" id="{339DF875-8450-4FC2-B87E-F9DBA360D9B2}"/>
               </a:ext>
             </a:extLst>
           </p:cNvPr>
@@ -7737,7 +7027,7 @@
           <a:p>
             <a:r>
               <a:rPr lang="ko-KR" altLang="en-US"/>
-              <a:t>테스트 픽스쳐</a:t>
+              <a:t>리팩토링 전후 코드 비교</a:t>
             </a:r>
           </a:p>
         </p:txBody>
@@ -7747,7 +7037,7 @@
           <p:cNvPr id="3" name="텍스트 개체 틀 2">
             <a:extLst>
               <a:ext uri="{FF2B5EF4-FFF2-40B4-BE49-F238E27FC236}">
-                <a16:creationId xmlns:a16="http://schemas.microsoft.com/office/drawing/2014/main" id="{B33CD206-7167-45B3-B4BE-F0BFA702F8C9}"/>
+                <a16:creationId xmlns:a16="http://schemas.microsoft.com/office/drawing/2014/main" id="{348A6CC5-097A-44E8-8418-8946CF1C9809}"/>
               </a:ext>
             </a:extLst>
           </p:cNvPr>
@@ -7763,24 +7053,14 @@
           <a:bodyPr/>
           <a:lstStyle/>
           <a:p>
-            <a:r>
-              <a:rPr lang="ko-KR" altLang="en-US"/>
-              <a:t>테스트 케이스 및 결과</a:t>
-            </a:r>
-            <a:endParaRPr lang="en-US" altLang="ko-KR"/>
-          </a:p>
-          <a:p>
-            <a:r>
-              <a:rPr lang="ko-KR" altLang="en-US"/>
-              <a:t>테스트 픽스쳐</a:t>
-            </a:r>
+            <a:endParaRPr lang="ko-KR" altLang="en-US"/>
           </a:p>
         </p:txBody>
       </p:sp>
     </p:spTree>
     <p:extLst>
       <p:ext uri="{BB962C8B-B14F-4D97-AF65-F5344CB8AC3E}">
-        <p14:creationId xmlns:p14="http://schemas.microsoft.com/office/powerpoint/2010/main" val="426271802"/>
+        <p14:creationId xmlns:p14="http://schemas.microsoft.com/office/powerpoint/2010/main" val="1677564617"/>
       </p:ext>
     </p:extLst>
   </p:cSld>

--- a/발표양식.pptx
+++ b/발표양식.pptx
@@ -5,19 +5,26 @@
     <p:sldMasterId id="2147483648" r:id="rId1"/>
   </p:sldMasterIdLst>
   <p:notesMasterIdLst>
-    <p:notesMasterId r:id="rId12"/>
+    <p:notesMasterId r:id="rId19"/>
   </p:notesMasterIdLst>
   <p:sldIdLst>
     <p:sldId id="256" r:id="rId2"/>
     <p:sldId id="257" r:id="rId3"/>
     <p:sldId id="258" r:id="rId4"/>
-    <p:sldId id="265" r:id="rId5"/>
-    <p:sldId id="276" r:id="rId6"/>
-    <p:sldId id="277" r:id="rId7"/>
-    <p:sldId id="278" r:id="rId8"/>
-    <p:sldId id="279" r:id="rId9"/>
-    <p:sldId id="280" r:id="rId10"/>
-    <p:sldId id="281" r:id="rId11"/>
+    <p:sldId id="282" r:id="rId5"/>
+    <p:sldId id="265" r:id="rId6"/>
+    <p:sldId id="276" r:id="rId7"/>
+    <p:sldId id="277" r:id="rId8"/>
+    <p:sldId id="286" r:id="rId9"/>
+    <p:sldId id="278" r:id="rId10"/>
+    <p:sldId id="285" r:id="rId11"/>
+    <p:sldId id="287" r:id="rId12"/>
+    <p:sldId id="279" r:id="rId13"/>
+    <p:sldId id="288" r:id="rId14"/>
+    <p:sldId id="280" r:id="rId15"/>
+    <p:sldId id="289" r:id="rId16"/>
+    <p:sldId id="281" r:id="rId17"/>
+    <p:sldId id="283" r:id="rId18"/>
   </p:sldIdLst>
   <p:sldSz cx="12192000" cy="6858000"/>
   <p:notesSz cx="6858000" cy="9144000"/>
@@ -255,7 +262,7 @@
       <p15:sldGuideLst xmlns:p15="http://schemas.microsoft.com/office/powerpoint/2012/main"/>
     </p:ext>
     <p:ext uri="GoogleSlidesCustomDataVersion2">
-      <go:slidesCustomData xmlns="" xmlns:mc="http://schemas.openxmlformats.org/markup-compatibility/2006" xmlns:mv="urn:schemas-microsoft-com:mac:vml" xmlns:c="http://schemas.openxmlformats.org/drawingml/2006/chart" xmlns:dgm="http://schemas.openxmlformats.org/drawingml/2006/diagram" xmlns:o="urn:schemas-microsoft-com:office:office" xmlns:v="urn:schemas-microsoft-com:vml" xmlns:pvml="urn:schemas-microsoft-com:office:powerpoint" xmlns:com="http://schemas.openxmlformats.org/drawingml/2006/compatibility" xmlns:p14="http://schemas.microsoft.com/office/powerpoint/2010/main" xmlns:p15="http://schemas.microsoft.com/office/powerpoint/2012/main" xmlns:ahyp="http://schemas.microsoft.com/office/drawing/2018/hyperlinkcolor" xmlns:go="http://customooxmlschemas.google.com/" r:id="rId20" roundtripDataSignature="AMtx7mj5GdbxsaFl02bTEFBl/9s84/Z/Bw=="/>
+      <go:slidesCustomData xmlns:go="http://customooxmlschemas.google.com/" xmlns:ahyp="http://schemas.microsoft.com/office/drawing/2018/hyperlinkcolor" xmlns:p15="http://schemas.microsoft.com/office/powerpoint/2012/main" xmlns:p14="http://schemas.microsoft.com/office/powerpoint/2010/main" xmlns:com="http://schemas.openxmlformats.org/drawingml/2006/compatibility" xmlns:pvml="urn:schemas-microsoft-com:office:powerpoint" xmlns:v="urn:schemas-microsoft-com:vml" xmlns:o="urn:schemas-microsoft-com:office:office" xmlns:dgm="http://schemas.openxmlformats.org/drawingml/2006/diagram" xmlns:c="http://schemas.openxmlformats.org/drawingml/2006/chart" xmlns:mv="urn:schemas-microsoft-com:mac:vml" xmlns:mc="http://schemas.openxmlformats.org/markup-compatibility/2006" xmlns="" r:id="rId20" roundtripDataSignature="AMtx7mj5GdbxsaFl02bTEFBl/9s84/Z/Bw=="/>
     </p:ext>
   </p:extLst>
 </p:presentation>
@@ -1019,6 +1026,115 @@
   <p:cSld>
     <p:spTree>
       <p:nvGrpSpPr>
+        <p:cNvPr id="1" name="Shape 55"/>
+        <p:cNvGrpSpPr/>
+        <p:nvPr/>
+      </p:nvGrpSpPr>
+      <p:grpSpPr>
+        <a:xfrm>
+          <a:off x="0" y="0"/>
+          <a:ext cx="0" cy="0"/>
+          <a:chOff x="0" y="0"/>
+          <a:chExt cx="0" cy="0"/>
+        </a:xfrm>
+      </p:grpSpPr>
+      <p:sp>
+        <p:nvSpPr>
+          <p:cNvPr id="56" name="Google Shape;56;p3:notes"/>
+          <p:cNvSpPr txBox="1">
+            <a:spLocks noGrp="1"/>
+          </p:cNvSpPr>
+          <p:nvPr>
+            <p:ph type="body" idx="1"/>
+          </p:nvPr>
+        </p:nvSpPr>
+        <p:spPr>
+          <a:xfrm>
+            <a:off x="685800" y="4343400"/>
+            <a:ext cx="5486400" cy="4114800"/>
+          </a:xfrm>
+          <a:prstGeom prst="rect">
+            <a:avLst/>
+          </a:prstGeom>
+        </p:spPr>
+        <p:txBody>
+          <a:bodyPr spcFirstLastPara="1" wrap="square" lIns="91425" tIns="91425" rIns="91425" bIns="91425" anchor="t" anchorCtr="0">
+            <a:noAutofit/>
+          </a:bodyPr>
+          <a:lstStyle/>
+          <a:p>
+            <a:pPr marL="0" lvl="0" indent="0" algn="l" rtl="0">
+              <a:spcBef>
+                <a:spcPts val="0"/>
+              </a:spcBef>
+              <a:spcAft>
+                <a:spcPts val="0"/>
+              </a:spcAft>
+              <a:buNone/>
+            </a:pPr>
+            <a:endParaRPr/>
+          </a:p>
+        </p:txBody>
+      </p:sp>
+      <p:sp>
+        <p:nvSpPr>
+          <p:cNvPr id="57" name="Google Shape;57;p3:notes"/>
+          <p:cNvSpPr>
+            <a:spLocks noGrp="1" noRot="1" noChangeAspect="1"/>
+          </p:cNvSpPr>
+          <p:nvPr>
+            <p:ph type="sldImg" idx="2"/>
+          </p:nvPr>
+        </p:nvSpPr>
+        <p:spPr>
+          <a:xfrm>
+            <a:off x="381000" y="685800"/>
+            <a:ext cx="6096000" cy="3429000"/>
+          </a:xfrm>
+          <a:custGeom>
+            <a:avLst/>
+            <a:gdLst/>
+            <a:ahLst/>
+            <a:cxnLst/>
+            <a:rect l="l" t="t" r="r" b="b"/>
+            <a:pathLst>
+              <a:path w="120000" h="120000" extrusionOk="0">
+                <a:moveTo>
+                  <a:pt x="0" y="0"/>
+                </a:moveTo>
+                <a:lnTo>
+                  <a:pt x="120000" y="0"/>
+                </a:lnTo>
+                <a:lnTo>
+                  <a:pt x="120000" y="120000"/>
+                </a:lnTo>
+                <a:lnTo>
+                  <a:pt x="0" y="120000"/>
+                </a:lnTo>
+                <a:close/>
+              </a:path>
+            </a:pathLst>
+          </a:custGeom>
+        </p:spPr>
+      </p:sp>
+    </p:spTree>
+    <p:extLst>
+      <p:ext uri="{BB962C8B-B14F-4D97-AF65-F5344CB8AC3E}">
+        <p14:creationId xmlns:p14="http://schemas.microsoft.com/office/powerpoint/2010/main" val="1353717680"/>
+      </p:ext>
+    </p:extLst>
+  </p:cSld>
+  <p:clrMapOvr>
+    <a:masterClrMapping/>
+  </p:clrMapOvr>
+</p:notes>
+</file>
+
+<file path=ppt/notesSlides/notesSlide5.xml><?xml version="1.0" encoding="utf-8"?>
+<p:notes xmlns:a="http://schemas.openxmlformats.org/drawingml/2006/main" xmlns:r="http://schemas.openxmlformats.org/officeDocument/2006/relationships" xmlns:p="http://schemas.openxmlformats.org/presentationml/2006/main" showMasterSp="0" showMasterPhAnim="0">
+  <p:cSld>
+    <p:spTree>
+      <p:nvGrpSpPr>
         <p:cNvPr id="1" name="Shape 50"/>
         <p:cNvGrpSpPr/>
         <p:nvPr/>
@@ -1114,6 +1230,442 @@
     <p:extLst>
       <p:ext uri="{BB962C8B-B14F-4D97-AF65-F5344CB8AC3E}">
         <p14:creationId xmlns:p14="http://schemas.microsoft.com/office/powerpoint/2010/main" val="1266383440"/>
+      </p:ext>
+    </p:extLst>
+  </p:cSld>
+  <p:clrMapOvr>
+    <a:masterClrMapping/>
+  </p:clrMapOvr>
+</p:notes>
+</file>
+
+<file path=ppt/notesSlides/notesSlide6.xml><?xml version="1.0" encoding="utf-8"?>
+<p:notes xmlns:a="http://schemas.openxmlformats.org/drawingml/2006/main" xmlns:r="http://schemas.openxmlformats.org/officeDocument/2006/relationships" xmlns:p="http://schemas.openxmlformats.org/presentationml/2006/main" showMasterSp="0" showMasterPhAnim="0">
+  <p:cSld>
+    <p:spTree>
+      <p:nvGrpSpPr>
+        <p:cNvPr id="1" name="Shape 50"/>
+        <p:cNvGrpSpPr/>
+        <p:nvPr/>
+      </p:nvGrpSpPr>
+      <p:grpSpPr>
+        <a:xfrm>
+          <a:off x="0" y="0"/>
+          <a:ext cx="0" cy="0"/>
+          <a:chOff x="0" y="0"/>
+          <a:chExt cx="0" cy="0"/>
+        </a:xfrm>
+      </p:grpSpPr>
+      <p:sp>
+        <p:nvSpPr>
+          <p:cNvPr id="51" name="Google Shape;51;p2:notes"/>
+          <p:cNvSpPr txBox="1">
+            <a:spLocks noGrp="1"/>
+          </p:cNvSpPr>
+          <p:nvPr>
+            <p:ph type="body" idx="1"/>
+          </p:nvPr>
+        </p:nvSpPr>
+        <p:spPr>
+          <a:xfrm>
+            <a:off x="685800" y="4343400"/>
+            <a:ext cx="5486400" cy="4114800"/>
+          </a:xfrm>
+          <a:prstGeom prst="rect">
+            <a:avLst/>
+          </a:prstGeom>
+        </p:spPr>
+        <p:txBody>
+          <a:bodyPr spcFirstLastPara="1" wrap="square" lIns="91425" tIns="91425" rIns="91425" bIns="91425" anchor="t" anchorCtr="0">
+            <a:noAutofit/>
+          </a:bodyPr>
+          <a:lstStyle/>
+          <a:p>
+            <a:pPr marL="0" lvl="0" indent="0" algn="l" rtl="0">
+              <a:spcBef>
+                <a:spcPts val="0"/>
+              </a:spcBef>
+              <a:spcAft>
+                <a:spcPts val="0"/>
+              </a:spcAft>
+              <a:buNone/>
+            </a:pPr>
+            <a:endParaRPr/>
+          </a:p>
+        </p:txBody>
+      </p:sp>
+      <p:sp>
+        <p:nvSpPr>
+          <p:cNvPr id="52" name="Google Shape;52;p2:notes"/>
+          <p:cNvSpPr>
+            <a:spLocks noGrp="1" noRot="1" noChangeAspect="1"/>
+          </p:cNvSpPr>
+          <p:nvPr>
+            <p:ph type="sldImg" idx="2"/>
+          </p:nvPr>
+        </p:nvSpPr>
+        <p:spPr>
+          <a:xfrm>
+            <a:off x="381000" y="685800"/>
+            <a:ext cx="6096000" cy="3429000"/>
+          </a:xfrm>
+          <a:custGeom>
+            <a:avLst/>
+            <a:gdLst/>
+            <a:ahLst/>
+            <a:cxnLst/>
+            <a:rect l="l" t="t" r="r" b="b"/>
+            <a:pathLst>
+              <a:path w="120000" h="120000" extrusionOk="0">
+                <a:moveTo>
+                  <a:pt x="0" y="0"/>
+                </a:moveTo>
+                <a:lnTo>
+                  <a:pt x="120000" y="0"/>
+                </a:lnTo>
+                <a:lnTo>
+                  <a:pt x="120000" y="120000"/>
+                </a:lnTo>
+                <a:lnTo>
+                  <a:pt x="0" y="120000"/>
+                </a:lnTo>
+                <a:close/>
+              </a:path>
+            </a:pathLst>
+          </a:custGeom>
+        </p:spPr>
+      </p:sp>
+    </p:spTree>
+    <p:extLst>
+      <p:ext uri="{BB962C8B-B14F-4D97-AF65-F5344CB8AC3E}">
+        <p14:creationId xmlns:p14="http://schemas.microsoft.com/office/powerpoint/2010/main" val="1903038109"/>
+      </p:ext>
+    </p:extLst>
+  </p:cSld>
+  <p:clrMapOvr>
+    <a:masterClrMapping/>
+  </p:clrMapOvr>
+</p:notes>
+</file>
+
+<file path=ppt/notesSlides/notesSlide7.xml><?xml version="1.0" encoding="utf-8"?>
+<p:notes xmlns:a="http://schemas.openxmlformats.org/drawingml/2006/main" xmlns:r="http://schemas.openxmlformats.org/officeDocument/2006/relationships" xmlns:p="http://schemas.openxmlformats.org/presentationml/2006/main" showMasterSp="0" showMasterPhAnim="0">
+  <p:cSld>
+    <p:spTree>
+      <p:nvGrpSpPr>
+        <p:cNvPr id="1" name="Shape 50"/>
+        <p:cNvGrpSpPr/>
+        <p:nvPr/>
+      </p:nvGrpSpPr>
+      <p:grpSpPr>
+        <a:xfrm>
+          <a:off x="0" y="0"/>
+          <a:ext cx="0" cy="0"/>
+          <a:chOff x="0" y="0"/>
+          <a:chExt cx="0" cy="0"/>
+        </a:xfrm>
+      </p:grpSpPr>
+      <p:sp>
+        <p:nvSpPr>
+          <p:cNvPr id="51" name="Google Shape;51;p2:notes"/>
+          <p:cNvSpPr txBox="1">
+            <a:spLocks noGrp="1"/>
+          </p:cNvSpPr>
+          <p:nvPr>
+            <p:ph type="body" idx="1"/>
+          </p:nvPr>
+        </p:nvSpPr>
+        <p:spPr>
+          <a:xfrm>
+            <a:off x="685800" y="4343400"/>
+            <a:ext cx="5486400" cy="4114800"/>
+          </a:xfrm>
+          <a:prstGeom prst="rect">
+            <a:avLst/>
+          </a:prstGeom>
+        </p:spPr>
+        <p:txBody>
+          <a:bodyPr spcFirstLastPara="1" wrap="square" lIns="91425" tIns="91425" rIns="91425" bIns="91425" anchor="t" anchorCtr="0">
+            <a:noAutofit/>
+          </a:bodyPr>
+          <a:lstStyle/>
+          <a:p>
+            <a:pPr marL="0" lvl="0" indent="0" algn="l" rtl="0">
+              <a:spcBef>
+                <a:spcPts val="0"/>
+              </a:spcBef>
+              <a:spcAft>
+                <a:spcPts val="0"/>
+              </a:spcAft>
+              <a:buNone/>
+            </a:pPr>
+            <a:endParaRPr/>
+          </a:p>
+        </p:txBody>
+      </p:sp>
+      <p:sp>
+        <p:nvSpPr>
+          <p:cNvPr id="52" name="Google Shape;52;p2:notes"/>
+          <p:cNvSpPr>
+            <a:spLocks noGrp="1" noRot="1" noChangeAspect="1"/>
+          </p:cNvSpPr>
+          <p:nvPr>
+            <p:ph type="sldImg" idx="2"/>
+          </p:nvPr>
+        </p:nvSpPr>
+        <p:spPr>
+          <a:xfrm>
+            <a:off x="381000" y="685800"/>
+            <a:ext cx="6096000" cy="3429000"/>
+          </a:xfrm>
+          <a:custGeom>
+            <a:avLst/>
+            <a:gdLst/>
+            <a:ahLst/>
+            <a:cxnLst/>
+            <a:rect l="l" t="t" r="r" b="b"/>
+            <a:pathLst>
+              <a:path w="120000" h="120000" extrusionOk="0">
+                <a:moveTo>
+                  <a:pt x="0" y="0"/>
+                </a:moveTo>
+                <a:lnTo>
+                  <a:pt x="120000" y="0"/>
+                </a:lnTo>
+                <a:lnTo>
+                  <a:pt x="120000" y="120000"/>
+                </a:lnTo>
+                <a:lnTo>
+                  <a:pt x="0" y="120000"/>
+                </a:lnTo>
+                <a:close/>
+              </a:path>
+            </a:pathLst>
+          </a:custGeom>
+        </p:spPr>
+      </p:sp>
+    </p:spTree>
+    <p:extLst>
+      <p:ext uri="{BB962C8B-B14F-4D97-AF65-F5344CB8AC3E}">
+        <p14:creationId xmlns:p14="http://schemas.microsoft.com/office/powerpoint/2010/main" val="637204730"/>
+      </p:ext>
+    </p:extLst>
+  </p:cSld>
+  <p:clrMapOvr>
+    <a:masterClrMapping/>
+  </p:clrMapOvr>
+</p:notes>
+</file>
+
+<file path=ppt/notesSlides/notesSlide8.xml><?xml version="1.0" encoding="utf-8"?>
+<p:notes xmlns:a="http://schemas.openxmlformats.org/drawingml/2006/main" xmlns:r="http://schemas.openxmlformats.org/officeDocument/2006/relationships" xmlns:p="http://schemas.openxmlformats.org/presentationml/2006/main" showMasterSp="0" showMasterPhAnim="0">
+  <p:cSld>
+    <p:spTree>
+      <p:nvGrpSpPr>
+        <p:cNvPr id="1" name="Shape 50"/>
+        <p:cNvGrpSpPr/>
+        <p:nvPr/>
+      </p:nvGrpSpPr>
+      <p:grpSpPr>
+        <a:xfrm>
+          <a:off x="0" y="0"/>
+          <a:ext cx="0" cy="0"/>
+          <a:chOff x="0" y="0"/>
+          <a:chExt cx="0" cy="0"/>
+        </a:xfrm>
+      </p:grpSpPr>
+      <p:sp>
+        <p:nvSpPr>
+          <p:cNvPr id="51" name="Google Shape;51;p2:notes"/>
+          <p:cNvSpPr txBox="1">
+            <a:spLocks noGrp="1"/>
+          </p:cNvSpPr>
+          <p:nvPr>
+            <p:ph type="body" idx="1"/>
+          </p:nvPr>
+        </p:nvSpPr>
+        <p:spPr>
+          <a:xfrm>
+            <a:off x="685800" y="4343400"/>
+            <a:ext cx="5486400" cy="4114800"/>
+          </a:xfrm>
+          <a:prstGeom prst="rect">
+            <a:avLst/>
+          </a:prstGeom>
+        </p:spPr>
+        <p:txBody>
+          <a:bodyPr spcFirstLastPara="1" wrap="square" lIns="91425" tIns="91425" rIns="91425" bIns="91425" anchor="t" anchorCtr="0">
+            <a:noAutofit/>
+          </a:bodyPr>
+          <a:lstStyle/>
+          <a:p>
+            <a:pPr marL="0" lvl="0" indent="0" algn="l" rtl="0">
+              <a:spcBef>
+                <a:spcPts val="0"/>
+              </a:spcBef>
+              <a:spcAft>
+                <a:spcPts val="0"/>
+              </a:spcAft>
+              <a:buNone/>
+            </a:pPr>
+            <a:endParaRPr/>
+          </a:p>
+        </p:txBody>
+      </p:sp>
+      <p:sp>
+        <p:nvSpPr>
+          <p:cNvPr id="52" name="Google Shape;52;p2:notes"/>
+          <p:cNvSpPr>
+            <a:spLocks noGrp="1" noRot="1" noChangeAspect="1"/>
+          </p:cNvSpPr>
+          <p:nvPr>
+            <p:ph type="sldImg" idx="2"/>
+          </p:nvPr>
+        </p:nvSpPr>
+        <p:spPr>
+          <a:xfrm>
+            <a:off x="381000" y="685800"/>
+            <a:ext cx="6096000" cy="3429000"/>
+          </a:xfrm>
+          <a:custGeom>
+            <a:avLst/>
+            <a:gdLst/>
+            <a:ahLst/>
+            <a:cxnLst/>
+            <a:rect l="l" t="t" r="r" b="b"/>
+            <a:pathLst>
+              <a:path w="120000" h="120000" extrusionOk="0">
+                <a:moveTo>
+                  <a:pt x="0" y="0"/>
+                </a:moveTo>
+                <a:lnTo>
+                  <a:pt x="120000" y="0"/>
+                </a:lnTo>
+                <a:lnTo>
+                  <a:pt x="120000" y="120000"/>
+                </a:lnTo>
+                <a:lnTo>
+                  <a:pt x="0" y="120000"/>
+                </a:lnTo>
+                <a:close/>
+              </a:path>
+            </a:pathLst>
+          </a:custGeom>
+        </p:spPr>
+      </p:sp>
+    </p:spTree>
+    <p:extLst>
+      <p:ext uri="{BB962C8B-B14F-4D97-AF65-F5344CB8AC3E}">
+        <p14:creationId xmlns:p14="http://schemas.microsoft.com/office/powerpoint/2010/main" val="3044486784"/>
+      </p:ext>
+    </p:extLst>
+  </p:cSld>
+  <p:clrMapOvr>
+    <a:masterClrMapping/>
+  </p:clrMapOvr>
+</p:notes>
+</file>
+
+<file path=ppt/notesSlides/notesSlide9.xml><?xml version="1.0" encoding="utf-8"?>
+<p:notes xmlns:a="http://schemas.openxmlformats.org/drawingml/2006/main" xmlns:r="http://schemas.openxmlformats.org/officeDocument/2006/relationships" xmlns:p="http://schemas.openxmlformats.org/presentationml/2006/main" showMasterSp="0" showMasterPhAnim="0">
+  <p:cSld>
+    <p:spTree>
+      <p:nvGrpSpPr>
+        <p:cNvPr id="1" name="Shape 50"/>
+        <p:cNvGrpSpPr/>
+        <p:nvPr/>
+      </p:nvGrpSpPr>
+      <p:grpSpPr>
+        <a:xfrm>
+          <a:off x="0" y="0"/>
+          <a:ext cx="0" cy="0"/>
+          <a:chOff x="0" y="0"/>
+          <a:chExt cx="0" cy="0"/>
+        </a:xfrm>
+      </p:grpSpPr>
+      <p:sp>
+        <p:nvSpPr>
+          <p:cNvPr id="51" name="Google Shape;51;p2:notes"/>
+          <p:cNvSpPr txBox="1">
+            <a:spLocks noGrp="1"/>
+          </p:cNvSpPr>
+          <p:nvPr>
+            <p:ph type="body" idx="1"/>
+          </p:nvPr>
+        </p:nvSpPr>
+        <p:spPr>
+          <a:xfrm>
+            <a:off x="685800" y="4343400"/>
+            <a:ext cx="5486400" cy="4114800"/>
+          </a:xfrm>
+          <a:prstGeom prst="rect">
+            <a:avLst/>
+          </a:prstGeom>
+        </p:spPr>
+        <p:txBody>
+          <a:bodyPr spcFirstLastPara="1" wrap="square" lIns="91425" tIns="91425" rIns="91425" bIns="91425" anchor="t" anchorCtr="0">
+            <a:noAutofit/>
+          </a:bodyPr>
+          <a:lstStyle/>
+          <a:p>
+            <a:pPr marL="0" lvl="0" indent="0" algn="l" rtl="0">
+              <a:spcBef>
+                <a:spcPts val="0"/>
+              </a:spcBef>
+              <a:spcAft>
+                <a:spcPts val="0"/>
+              </a:spcAft>
+              <a:buNone/>
+            </a:pPr>
+            <a:endParaRPr/>
+          </a:p>
+        </p:txBody>
+      </p:sp>
+      <p:sp>
+        <p:nvSpPr>
+          <p:cNvPr id="52" name="Google Shape;52;p2:notes"/>
+          <p:cNvSpPr>
+            <a:spLocks noGrp="1" noRot="1" noChangeAspect="1"/>
+          </p:cNvSpPr>
+          <p:nvPr>
+            <p:ph type="sldImg" idx="2"/>
+          </p:nvPr>
+        </p:nvSpPr>
+        <p:spPr>
+          <a:xfrm>
+            <a:off x="381000" y="685800"/>
+            <a:ext cx="6096000" cy="3429000"/>
+          </a:xfrm>
+          <a:custGeom>
+            <a:avLst/>
+            <a:gdLst/>
+            <a:ahLst/>
+            <a:cxnLst/>
+            <a:rect l="l" t="t" r="r" b="b"/>
+            <a:pathLst>
+              <a:path w="120000" h="120000" extrusionOk="0">
+                <a:moveTo>
+                  <a:pt x="0" y="0"/>
+                </a:moveTo>
+                <a:lnTo>
+                  <a:pt x="120000" y="0"/>
+                </a:lnTo>
+                <a:lnTo>
+                  <a:pt x="120000" y="120000"/>
+                </a:lnTo>
+                <a:lnTo>
+                  <a:pt x="0" y="120000"/>
+                </a:lnTo>
+                <a:close/>
+              </a:path>
+            </a:pathLst>
+          </a:custGeom>
+        </p:spPr>
+      </p:sp>
+    </p:spTree>
+    <p:extLst>
+      <p:ext uri="{BB962C8B-B14F-4D97-AF65-F5344CB8AC3E}">
+        <p14:creationId xmlns:p14="http://schemas.microsoft.com/office/powerpoint/2010/main" val="1750523601"/>
       </p:ext>
     </p:extLst>
   </p:cSld>
@@ -5410,6 +5962,955 @@
           <p:cNvPr id="2" name="제목 1">
             <a:extLst>
               <a:ext uri="{FF2B5EF4-FFF2-40B4-BE49-F238E27FC236}">
+                <a16:creationId xmlns:a16="http://schemas.microsoft.com/office/drawing/2014/main" id="{E126DC2B-16C1-4763-9EB8-0D522AC5921C}"/>
+              </a:ext>
+            </a:extLst>
+          </p:cNvPr>
+          <p:cNvSpPr>
+            <a:spLocks noGrp="1"/>
+          </p:cNvSpPr>
+          <p:nvPr>
+            <p:ph type="title"/>
+          </p:nvPr>
+        </p:nvSpPr>
+        <p:spPr/>
+        <p:txBody>
+          <a:bodyPr>
+            <a:normAutofit fontScale="90000"/>
+          </a:bodyPr>
+          <a:lstStyle/>
+          <a:p>
+            <a:r>
+              <a:rPr lang="en-US" altLang="ko-KR"/>
+              <a:t>Test Fixure / Test case</a:t>
+            </a:r>
+            <a:endParaRPr lang="ko-KR" altLang="en-US"/>
+          </a:p>
+        </p:txBody>
+      </p:sp>
+      <p:sp>
+        <p:nvSpPr>
+          <p:cNvPr id="3" name="텍스트 개체 틀 2">
+            <a:extLst>
+              <a:ext uri="{FF2B5EF4-FFF2-40B4-BE49-F238E27FC236}">
+                <a16:creationId xmlns:a16="http://schemas.microsoft.com/office/drawing/2014/main" id="{B33CD206-7167-45B3-B4BE-F0BFA702F8C9}"/>
+              </a:ext>
+            </a:extLst>
+          </p:cNvPr>
+          <p:cNvSpPr>
+            <a:spLocks noGrp="1"/>
+          </p:cNvSpPr>
+          <p:nvPr>
+            <p:ph type="body" idx="1"/>
+          </p:nvPr>
+        </p:nvSpPr>
+        <p:spPr/>
+        <p:txBody>
+          <a:bodyPr/>
+          <a:lstStyle/>
+          <a:p>
+            <a:r>
+              <a:rPr lang="ko-KR" altLang="en-US"/>
+              <a:t>테스트 케이스 및 결과</a:t>
+            </a:r>
+            <a:endParaRPr lang="en-US" altLang="ko-KR"/>
+          </a:p>
+          <a:p>
+            <a:r>
+              <a:rPr lang="ko-KR" altLang="en-US"/>
+              <a:t>테스트 픽스쳐</a:t>
+            </a:r>
+          </a:p>
+        </p:txBody>
+      </p:sp>
+    </p:spTree>
+    <p:extLst>
+      <p:ext uri="{BB962C8B-B14F-4D97-AF65-F5344CB8AC3E}">
+        <p14:creationId xmlns:p14="http://schemas.microsoft.com/office/powerpoint/2010/main" val="1211204491"/>
+      </p:ext>
+    </p:extLst>
+  </p:cSld>
+  <p:clrMapOvr>
+    <a:masterClrMapping/>
+  </p:clrMapOvr>
+</p:sld>
+</file>
+
+<file path=ppt/slides/slide11.xml><?xml version="1.0" encoding="utf-8"?>
+<p:sld xmlns:a="http://schemas.openxmlformats.org/drawingml/2006/main" xmlns:r="http://schemas.openxmlformats.org/officeDocument/2006/relationships" xmlns:p="http://schemas.openxmlformats.org/presentationml/2006/main">
+  <p:cSld>
+    <p:spTree>
+      <p:nvGrpSpPr>
+        <p:cNvPr id="1" name="Shape 53"/>
+        <p:cNvGrpSpPr/>
+        <p:nvPr/>
+      </p:nvGrpSpPr>
+      <p:grpSpPr>
+        <a:xfrm>
+          <a:off x="0" y="0"/>
+          <a:ext cx="0" cy="0"/>
+          <a:chOff x="0" y="0"/>
+          <a:chExt cx="0" cy="0"/>
+        </a:xfrm>
+      </p:grpSpPr>
+      <p:sp>
+        <p:nvSpPr>
+          <p:cNvPr id="54" name="Google Shape;54;p2"/>
+          <p:cNvSpPr txBox="1">
+            <a:spLocks noGrp="1"/>
+          </p:cNvSpPr>
+          <p:nvPr>
+            <p:ph type="body" idx="1"/>
+          </p:nvPr>
+        </p:nvSpPr>
+        <p:spPr>
+          <a:xfrm>
+            <a:off x="1632000" y="1860184"/>
+            <a:ext cx="8928000" cy="2533083"/>
+          </a:xfrm>
+          <a:prstGeom prst="rect">
+            <a:avLst/>
+          </a:prstGeom>
+          <a:noFill/>
+          <a:ln>
+            <a:noFill/>
+          </a:ln>
+        </p:spPr>
+        <p:txBody>
+          <a:bodyPr spcFirstLastPara="1" wrap="square" lIns="0" tIns="45700" rIns="91425" bIns="45700" anchor="ctr" anchorCtr="0">
+            <a:noAutofit/>
+          </a:bodyPr>
+          <a:lstStyle/>
+          <a:p>
+            <a:pPr marL="0" lvl="0" indent="0" algn="ctr" rtl="0">
+              <a:lnSpc>
+                <a:spcPct val="90000"/>
+              </a:lnSpc>
+              <a:spcBef>
+                <a:spcPts val="0"/>
+              </a:spcBef>
+              <a:spcAft>
+                <a:spcPts val="0"/>
+              </a:spcAft>
+              <a:buClr>
+                <a:schemeClr val="dk1"/>
+              </a:buClr>
+              <a:buSzPts val="3200"/>
+              <a:buNone/>
+            </a:pPr>
+            <a:r>
+              <a:rPr lang="en-US"/>
+              <a:t>Mocking </a:t>
+            </a:r>
+            <a:r>
+              <a:rPr lang="ko-KR" altLang="en-US"/>
+              <a:t>활용 예시</a:t>
+            </a:r>
+            <a:endParaRPr/>
+          </a:p>
+        </p:txBody>
+      </p:sp>
+    </p:spTree>
+    <p:extLst>
+      <p:ext uri="{BB962C8B-B14F-4D97-AF65-F5344CB8AC3E}">
+        <p14:creationId xmlns:p14="http://schemas.microsoft.com/office/powerpoint/2010/main" val="3834783151"/>
+      </p:ext>
+    </p:extLst>
+  </p:cSld>
+  <p:clrMapOvr>
+    <a:masterClrMapping/>
+  </p:clrMapOvr>
+</p:sld>
+</file>
+
+<file path=ppt/slides/slide12.xml><?xml version="1.0" encoding="utf-8"?>
+<p:sld xmlns:a="http://schemas.openxmlformats.org/drawingml/2006/main" xmlns:r="http://schemas.openxmlformats.org/officeDocument/2006/relationships" xmlns:p="http://schemas.openxmlformats.org/presentationml/2006/main">
+  <p:cSld>
+    <p:spTree>
+      <p:nvGrpSpPr>
+        <p:cNvPr id="1" name=""/>
+        <p:cNvGrpSpPr/>
+        <p:nvPr/>
+      </p:nvGrpSpPr>
+      <p:grpSpPr>
+        <a:xfrm>
+          <a:off x="0" y="0"/>
+          <a:ext cx="0" cy="0"/>
+          <a:chOff x="0" y="0"/>
+          <a:chExt cx="0" cy="0"/>
+        </a:xfrm>
+      </p:grpSpPr>
+      <p:sp>
+        <p:nvSpPr>
+          <p:cNvPr id="2" name="제목 1">
+            <a:extLst>
+              <a:ext uri="{FF2B5EF4-FFF2-40B4-BE49-F238E27FC236}">
+                <a16:creationId xmlns:a16="http://schemas.microsoft.com/office/drawing/2014/main" id="{BDA3D861-0979-4501-A402-6E3F750FAC2E}"/>
+              </a:ext>
+            </a:extLst>
+          </p:cNvPr>
+          <p:cNvSpPr>
+            <a:spLocks noGrp="1"/>
+          </p:cNvSpPr>
+          <p:nvPr>
+            <p:ph type="title"/>
+          </p:nvPr>
+        </p:nvSpPr>
+        <p:spPr/>
+        <p:txBody>
+          <a:bodyPr>
+            <a:normAutofit fontScale="90000"/>
+          </a:bodyPr>
+          <a:lstStyle/>
+          <a:p>
+            <a:r>
+              <a:rPr lang="en-US" altLang="ko-KR"/>
+              <a:t>Mocking </a:t>
+            </a:r>
+            <a:r>
+              <a:rPr lang="ko-KR" altLang="en-US"/>
+              <a:t>활용 예시</a:t>
+            </a:r>
+          </a:p>
+        </p:txBody>
+      </p:sp>
+      <p:sp>
+        <p:nvSpPr>
+          <p:cNvPr id="3" name="텍스트 개체 틀 2">
+            <a:extLst>
+              <a:ext uri="{FF2B5EF4-FFF2-40B4-BE49-F238E27FC236}">
+                <a16:creationId xmlns:a16="http://schemas.microsoft.com/office/drawing/2014/main" id="{379AC7A0-B53D-489C-B3E5-10B54AEEA304}"/>
+              </a:ext>
+            </a:extLst>
+          </p:cNvPr>
+          <p:cNvSpPr>
+            <a:spLocks noGrp="1"/>
+          </p:cNvSpPr>
+          <p:nvPr>
+            <p:ph type="body" idx="1"/>
+          </p:nvPr>
+        </p:nvSpPr>
+        <p:spPr/>
+        <p:txBody>
+          <a:bodyPr/>
+          <a:lstStyle/>
+          <a:p>
+            <a:r>
+              <a:rPr lang="en-US" altLang="ko-KR"/>
+              <a:t>File reader</a:t>
+            </a:r>
+          </a:p>
+          <a:p>
+            <a:r>
+              <a:rPr lang="en-US" altLang="ko-KR"/>
+              <a:t>SSD deriver</a:t>
+            </a:r>
+          </a:p>
+          <a:p>
+            <a:r>
+              <a:rPr lang="en-US" altLang="ko-KR"/>
+              <a:t>Nand device</a:t>
+            </a:r>
+            <a:endParaRPr lang="ko-KR" altLang="en-US"/>
+          </a:p>
+        </p:txBody>
+      </p:sp>
+    </p:spTree>
+    <p:extLst>
+      <p:ext uri="{BB962C8B-B14F-4D97-AF65-F5344CB8AC3E}">
+        <p14:creationId xmlns:p14="http://schemas.microsoft.com/office/powerpoint/2010/main" val="829816428"/>
+      </p:ext>
+    </p:extLst>
+  </p:cSld>
+  <p:clrMapOvr>
+    <a:masterClrMapping/>
+  </p:clrMapOvr>
+</p:sld>
+</file>
+
+<file path=ppt/slides/slide13.xml><?xml version="1.0" encoding="utf-8"?>
+<p:sld xmlns:a="http://schemas.openxmlformats.org/drawingml/2006/main" xmlns:r="http://schemas.openxmlformats.org/officeDocument/2006/relationships" xmlns:p="http://schemas.openxmlformats.org/presentationml/2006/main">
+  <p:cSld>
+    <p:spTree>
+      <p:nvGrpSpPr>
+        <p:cNvPr id="1" name="Shape 53"/>
+        <p:cNvGrpSpPr/>
+        <p:nvPr/>
+      </p:nvGrpSpPr>
+      <p:grpSpPr>
+        <a:xfrm>
+          <a:off x="0" y="0"/>
+          <a:ext cx="0" cy="0"/>
+          <a:chOff x="0" y="0"/>
+          <a:chExt cx="0" cy="0"/>
+        </a:xfrm>
+      </p:grpSpPr>
+      <p:sp>
+        <p:nvSpPr>
+          <p:cNvPr id="54" name="Google Shape;54;p2"/>
+          <p:cNvSpPr txBox="1">
+            <a:spLocks noGrp="1"/>
+          </p:cNvSpPr>
+          <p:nvPr>
+            <p:ph type="body" idx="1"/>
+          </p:nvPr>
+        </p:nvSpPr>
+        <p:spPr>
+          <a:xfrm>
+            <a:off x="1632000" y="1860184"/>
+            <a:ext cx="8928000" cy="2533083"/>
+          </a:xfrm>
+          <a:prstGeom prst="rect">
+            <a:avLst/>
+          </a:prstGeom>
+          <a:noFill/>
+          <a:ln>
+            <a:noFill/>
+          </a:ln>
+        </p:spPr>
+        <p:txBody>
+          <a:bodyPr spcFirstLastPara="1" wrap="square" lIns="0" tIns="45700" rIns="91425" bIns="45700" anchor="ctr" anchorCtr="0">
+            <a:noAutofit/>
+          </a:bodyPr>
+          <a:lstStyle/>
+          <a:p>
+            <a:pPr marL="0" lvl="0" indent="0" algn="ctr" rtl="0">
+              <a:lnSpc>
+                <a:spcPct val="90000"/>
+              </a:lnSpc>
+              <a:spcBef>
+                <a:spcPts val="0"/>
+              </a:spcBef>
+              <a:spcAft>
+                <a:spcPts val="0"/>
+              </a:spcAft>
+              <a:buClr>
+                <a:schemeClr val="dk1"/>
+              </a:buClr>
+              <a:buSzPts val="3200"/>
+              <a:buNone/>
+            </a:pPr>
+            <a:r>
+              <a:rPr lang="ko-KR" altLang="en-US"/>
+              <a:t>리팩토링</a:t>
+            </a:r>
+            <a:endParaRPr/>
+          </a:p>
+        </p:txBody>
+      </p:sp>
+    </p:spTree>
+    <p:extLst>
+      <p:ext uri="{BB962C8B-B14F-4D97-AF65-F5344CB8AC3E}">
+        <p14:creationId xmlns:p14="http://schemas.microsoft.com/office/powerpoint/2010/main" val="1821826519"/>
+      </p:ext>
+    </p:extLst>
+  </p:cSld>
+  <p:clrMapOvr>
+    <a:masterClrMapping/>
+  </p:clrMapOvr>
+</p:sld>
+</file>
+
+<file path=ppt/slides/slide14.xml><?xml version="1.0" encoding="utf-8"?>
+<p:sld xmlns:a="http://schemas.openxmlformats.org/drawingml/2006/main" xmlns:r="http://schemas.openxmlformats.org/officeDocument/2006/relationships" xmlns:p="http://schemas.openxmlformats.org/presentationml/2006/main">
+  <p:cSld>
+    <p:spTree>
+      <p:nvGrpSpPr>
+        <p:cNvPr id="1" name=""/>
+        <p:cNvGrpSpPr/>
+        <p:nvPr/>
+      </p:nvGrpSpPr>
+      <p:grpSpPr>
+        <a:xfrm>
+          <a:off x="0" y="0"/>
+          <a:ext cx="0" cy="0"/>
+          <a:chOff x="0" y="0"/>
+          <a:chExt cx="0" cy="0"/>
+        </a:xfrm>
+      </p:grpSpPr>
+      <p:sp>
+        <p:nvSpPr>
+          <p:cNvPr id="2" name="제목 1">
+            <a:extLst>
+              <a:ext uri="{FF2B5EF4-FFF2-40B4-BE49-F238E27FC236}">
+                <a16:creationId xmlns:a16="http://schemas.microsoft.com/office/drawing/2014/main" id="{339DF875-8450-4FC2-B87E-F9DBA360D9B2}"/>
+              </a:ext>
+            </a:extLst>
+          </p:cNvPr>
+          <p:cNvSpPr>
+            <a:spLocks noGrp="1"/>
+          </p:cNvSpPr>
+          <p:nvPr>
+            <p:ph type="title"/>
+          </p:nvPr>
+        </p:nvSpPr>
+        <p:spPr/>
+        <p:txBody>
+          <a:bodyPr>
+            <a:normAutofit fontScale="90000"/>
+          </a:bodyPr>
+          <a:lstStyle/>
+          <a:p>
+            <a:r>
+              <a:rPr lang="ko-KR" altLang="en-US"/>
+              <a:t>클린코드 전후 비교</a:t>
+            </a:r>
+          </a:p>
+        </p:txBody>
+      </p:sp>
+      <p:sp>
+        <p:nvSpPr>
+          <p:cNvPr id="3" name="텍스트 개체 틀 2">
+            <a:extLst>
+              <a:ext uri="{FF2B5EF4-FFF2-40B4-BE49-F238E27FC236}">
+                <a16:creationId xmlns:a16="http://schemas.microsoft.com/office/drawing/2014/main" id="{348A6CC5-097A-44E8-8418-8946CF1C9809}"/>
+              </a:ext>
+            </a:extLst>
+          </p:cNvPr>
+          <p:cNvSpPr>
+            <a:spLocks noGrp="1"/>
+          </p:cNvSpPr>
+          <p:nvPr>
+            <p:ph type="body" idx="1"/>
+          </p:nvPr>
+        </p:nvSpPr>
+        <p:spPr/>
+        <p:txBody>
+          <a:bodyPr/>
+          <a:lstStyle/>
+          <a:p>
+            <a:endParaRPr lang="ko-KR" altLang="en-US"/>
+          </a:p>
+        </p:txBody>
+      </p:sp>
+    </p:spTree>
+    <p:extLst>
+      <p:ext uri="{BB962C8B-B14F-4D97-AF65-F5344CB8AC3E}">
+        <p14:creationId xmlns:p14="http://schemas.microsoft.com/office/powerpoint/2010/main" val="1677564617"/>
+      </p:ext>
+    </p:extLst>
+  </p:cSld>
+  <p:clrMapOvr>
+    <a:masterClrMapping/>
+  </p:clrMapOvr>
+</p:sld>
+</file>
+
+<file path=ppt/slides/slide15.xml><?xml version="1.0" encoding="utf-8"?>
+<p:sld xmlns:a="http://schemas.openxmlformats.org/drawingml/2006/main" xmlns:r="http://schemas.openxmlformats.org/officeDocument/2006/relationships" xmlns:p="http://schemas.openxmlformats.org/presentationml/2006/main">
+  <p:cSld>
+    <p:spTree>
+      <p:nvGrpSpPr>
+        <p:cNvPr id="1" name="Shape 53"/>
+        <p:cNvGrpSpPr/>
+        <p:nvPr/>
+      </p:nvGrpSpPr>
+      <p:grpSpPr>
+        <a:xfrm>
+          <a:off x="0" y="0"/>
+          <a:ext cx="0" cy="0"/>
+          <a:chOff x="0" y="0"/>
+          <a:chExt cx="0" cy="0"/>
+        </a:xfrm>
+      </p:grpSpPr>
+      <p:sp>
+        <p:nvSpPr>
+          <p:cNvPr id="54" name="Google Shape;54;p2"/>
+          <p:cNvSpPr txBox="1">
+            <a:spLocks noGrp="1"/>
+          </p:cNvSpPr>
+          <p:nvPr>
+            <p:ph type="body" idx="1"/>
+          </p:nvPr>
+        </p:nvSpPr>
+        <p:spPr>
+          <a:xfrm>
+            <a:off x="1632000" y="1860184"/>
+            <a:ext cx="8928000" cy="2533083"/>
+          </a:xfrm>
+          <a:prstGeom prst="rect">
+            <a:avLst/>
+          </a:prstGeom>
+          <a:noFill/>
+          <a:ln>
+            <a:noFill/>
+          </a:ln>
+        </p:spPr>
+        <p:txBody>
+          <a:bodyPr spcFirstLastPara="1" wrap="square" lIns="0" tIns="45700" rIns="91425" bIns="45700" anchor="ctr" anchorCtr="0">
+            <a:noAutofit/>
+          </a:bodyPr>
+          <a:lstStyle/>
+          <a:p>
+            <a:pPr marL="0" lvl="0" indent="0" algn="ctr" rtl="0">
+              <a:lnSpc>
+                <a:spcPct val="90000"/>
+              </a:lnSpc>
+              <a:spcBef>
+                <a:spcPts val="0"/>
+              </a:spcBef>
+              <a:spcAft>
+                <a:spcPts val="0"/>
+              </a:spcAft>
+              <a:buClr>
+                <a:schemeClr val="dk1"/>
+              </a:buClr>
+              <a:buSzPts val="3200"/>
+              <a:buNone/>
+            </a:pPr>
+            <a:r>
+              <a:rPr lang="ko-KR" altLang="en-US"/>
+              <a:t>소감</a:t>
+            </a:r>
+            <a:endParaRPr/>
+          </a:p>
+        </p:txBody>
+      </p:sp>
+    </p:spTree>
+    <p:extLst>
+      <p:ext uri="{BB962C8B-B14F-4D97-AF65-F5344CB8AC3E}">
+        <p14:creationId xmlns:p14="http://schemas.microsoft.com/office/powerpoint/2010/main" val="3079353774"/>
+      </p:ext>
+    </p:extLst>
+  </p:cSld>
+  <p:clrMapOvr>
+    <a:masterClrMapping/>
+  </p:clrMapOvr>
+</p:sld>
+</file>
+
+<file path=ppt/slides/slide16.xml><?xml version="1.0" encoding="utf-8"?>
+<p:sld xmlns:a="http://schemas.openxmlformats.org/drawingml/2006/main" xmlns:r="http://schemas.openxmlformats.org/officeDocument/2006/relationships" xmlns:p="http://schemas.openxmlformats.org/presentationml/2006/main">
+  <p:cSld>
+    <p:spTree>
+      <p:nvGrpSpPr>
+        <p:cNvPr id="1" name=""/>
+        <p:cNvGrpSpPr/>
+        <p:nvPr/>
+      </p:nvGrpSpPr>
+      <p:grpSpPr>
+        <a:xfrm>
+          <a:off x="0" y="0"/>
+          <a:ext cx="0" cy="0"/>
+          <a:chOff x="0" y="0"/>
+          <a:chExt cx="0" cy="0"/>
+        </a:xfrm>
+      </p:grpSpPr>
+      <p:sp>
+        <p:nvSpPr>
+          <p:cNvPr id="2" name="제목 1">
+            <a:extLst>
+              <a:ext uri="{FF2B5EF4-FFF2-40B4-BE49-F238E27FC236}">
+                <a16:creationId xmlns:a16="http://schemas.microsoft.com/office/drawing/2014/main" id="{6A0B7156-C56D-4366-AC21-2D6E2175AD9A}"/>
+              </a:ext>
+            </a:extLst>
+          </p:cNvPr>
+          <p:cNvSpPr>
+            <a:spLocks noGrp="1"/>
+          </p:cNvSpPr>
+          <p:nvPr>
+            <p:ph type="title"/>
+          </p:nvPr>
+        </p:nvSpPr>
+        <p:spPr/>
+        <p:txBody>
+          <a:bodyPr>
+            <a:normAutofit fontScale="90000"/>
+          </a:bodyPr>
+          <a:lstStyle/>
+          <a:p>
+            <a:r>
+              <a:rPr lang="ko-KR" altLang="en-US"/>
+              <a:t>소감</a:t>
+            </a:r>
+          </a:p>
+        </p:txBody>
+      </p:sp>
+      <p:sp>
+        <p:nvSpPr>
+          <p:cNvPr id="3" name="텍스트 개체 틀 2">
+            <a:extLst>
+              <a:ext uri="{FF2B5EF4-FFF2-40B4-BE49-F238E27FC236}">
+                <a16:creationId xmlns:a16="http://schemas.microsoft.com/office/drawing/2014/main" id="{1CC29DF7-2306-4B91-9898-DF8FFCDD7DC0}"/>
+              </a:ext>
+            </a:extLst>
+          </p:cNvPr>
+          <p:cNvSpPr>
+            <a:spLocks noGrp="1"/>
+          </p:cNvSpPr>
+          <p:nvPr>
+            <p:ph type="body" idx="1"/>
+          </p:nvPr>
+        </p:nvSpPr>
+        <p:spPr/>
+        <p:txBody>
+          <a:bodyPr>
+            <a:noAutofit/>
+          </a:bodyPr>
+          <a:lstStyle/>
+          <a:p>
+            <a:pPr marL="114300" indent="0" algn="l">
+              <a:buNone/>
+            </a:pPr>
+            <a:r>
+              <a:rPr lang="en-US" altLang="ko-KR" sz="2600">
+                <a:solidFill>
+                  <a:srgbClr val="1F2328"/>
+                </a:solidFill>
+                <a:latin typeface="-apple-system"/>
+              </a:rPr>
+              <a:t>“</a:t>
+            </a:r>
+            <a:r>
+              <a:rPr lang="ko-KR" altLang="en-US" sz="2600">
+                <a:solidFill>
+                  <a:srgbClr val="1F2328"/>
+                </a:solidFill>
+                <a:latin typeface="-apple-system"/>
+              </a:rPr>
+              <a:t>다양한 개발 방법을 직접 접해봐서 좋았습니다</a:t>
+            </a:r>
+            <a:r>
+              <a:rPr lang="en-US" altLang="ko-KR" sz="2600">
+                <a:solidFill>
+                  <a:srgbClr val="1F2328"/>
+                </a:solidFill>
+                <a:latin typeface="-apple-system"/>
+              </a:rPr>
+              <a:t>. </a:t>
+            </a:r>
+            <a:r>
+              <a:rPr lang="ko-KR" altLang="en-US" sz="2600">
+                <a:solidFill>
+                  <a:srgbClr val="1F2328"/>
+                </a:solidFill>
+                <a:latin typeface="-apple-system"/>
+              </a:rPr>
+              <a:t>마지막에 추가 요구 사항을 빠르게 반영하면서 현업의 기운을 느꼈습니다</a:t>
+            </a:r>
+            <a:r>
+              <a:rPr lang="en-US" altLang="ko-KR" sz="2600">
+                <a:solidFill>
+                  <a:srgbClr val="1F2328"/>
+                </a:solidFill>
+                <a:latin typeface="-apple-system"/>
+              </a:rPr>
+              <a:t>. </a:t>
+            </a:r>
+            <a:r>
+              <a:rPr lang="ko-KR" altLang="en-US" sz="2600">
+                <a:solidFill>
+                  <a:srgbClr val="1F2328"/>
+                </a:solidFill>
+                <a:latin typeface="-apple-system"/>
+              </a:rPr>
+              <a:t>팀원분들 모두 고생하셨습니다</a:t>
+            </a:r>
+            <a:r>
+              <a:rPr lang="en-US" altLang="ko-KR" sz="2600">
+                <a:solidFill>
+                  <a:srgbClr val="1F2328"/>
+                </a:solidFill>
+                <a:latin typeface="-apple-system"/>
+              </a:rPr>
+              <a:t>!”</a:t>
+            </a:r>
+          </a:p>
+          <a:p>
+            <a:pPr marL="114300" indent="0" algn="l">
+              <a:buNone/>
+            </a:pPr>
+            <a:endParaRPr lang="ko-KR" altLang="en-US" sz="2600" b="0" i="0">
+              <a:solidFill>
+                <a:srgbClr val="1F2328"/>
+              </a:solidFill>
+              <a:effectLst/>
+              <a:latin typeface="-apple-system"/>
+            </a:endParaRPr>
+          </a:p>
+          <a:p>
+            <a:pPr marL="114300" indent="0" algn="l">
+              <a:buNone/>
+            </a:pPr>
+            <a:r>
+              <a:rPr lang="en-US" altLang="ko-KR" sz="2600" b="0" i="0">
+                <a:solidFill>
+                  <a:srgbClr val="1F2328"/>
+                </a:solidFill>
+                <a:effectLst/>
+                <a:latin typeface="-apple-system"/>
+              </a:rPr>
+              <a:t>”</a:t>
+            </a:r>
+            <a:r>
+              <a:rPr lang="ko-KR" altLang="en-US" sz="2600" b="0" i="0">
+                <a:effectLst/>
+                <a:latin typeface="gg sans"/>
+              </a:rPr>
+              <a:t> </a:t>
+            </a:r>
+            <a:r>
+              <a:rPr lang="en-US" altLang="ko-KR" sz="2600" b="0" i="0">
+                <a:effectLst/>
+                <a:latin typeface="gg sans"/>
+              </a:rPr>
+              <a:t>3,4</a:t>
+            </a:r>
+            <a:r>
+              <a:rPr lang="ko-KR" altLang="en-US" sz="2600" b="0" i="0">
+                <a:effectLst/>
+                <a:latin typeface="gg sans"/>
+              </a:rPr>
+              <a:t>일차에 기능개발 급급하느라 </a:t>
+            </a:r>
+            <a:r>
+              <a:rPr lang="en-US" altLang="ko-KR" sz="2600" b="0" i="0">
+                <a:effectLst/>
+                <a:latin typeface="gg sans"/>
+              </a:rPr>
+              <a:t>TDD</a:t>
+            </a:r>
+            <a:r>
+              <a:rPr lang="ko-KR" altLang="en-US" sz="2600" b="0" i="0">
+                <a:effectLst/>
+                <a:latin typeface="gg sans"/>
+              </a:rPr>
+              <a:t>를 못하니까 </a:t>
+            </a:r>
+            <a:r>
+              <a:rPr lang="en-US" altLang="ko-KR" sz="2600" b="0" i="0">
+                <a:effectLst/>
+                <a:latin typeface="gg sans"/>
+              </a:rPr>
+              <a:t>'</a:t>
+            </a:r>
+            <a:r>
+              <a:rPr lang="ko-KR" altLang="en-US" sz="2600" b="0" i="0">
+                <a:effectLst/>
+                <a:latin typeface="gg sans"/>
+              </a:rPr>
+              <a:t>오늘은 내가 스파게티 요리사</a:t>
+            </a:r>
+            <a:r>
+              <a:rPr lang="en-US" altLang="ko-KR" sz="2600" b="0" i="0">
+                <a:effectLst/>
+                <a:latin typeface="gg sans"/>
+              </a:rPr>
+              <a:t>~!'</a:t>
+            </a:r>
+            <a:r>
+              <a:rPr lang="ko-KR" altLang="en-US" sz="2600" b="0" i="0">
+                <a:effectLst/>
+                <a:latin typeface="gg sans"/>
+              </a:rPr>
+              <a:t>가 되어리네요</a:t>
+            </a:r>
+            <a:r>
+              <a:rPr lang="en-US" altLang="ko-KR" sz="2600" b="0" i="0">
+                <a:effectLst/>
+                <a:latin typeface="gg sans"/>
+              </a:rPr>
+              <a:t>.. TDD </a:t>
+            </a:r>
+            <a:r>
+              <a:rPr lang="ko-KR" altLang="en-US" sz="2600" b="0" i="0">
+                <a:effectLst/>
+                <a:latin typeface="gg sans"/>
+              </a:rPr>
+              <a:t>꼭 명심하겠습니다</a:t>
+            </a:r>
+            <a:r>
+              <a:rPr lang="en-US" altLang="ko-KR" sz="2600" b="0" i="0">
+                <a:effectLst/>
+                <a:latin typeface="gg sans"/>
+              </a:rPr>
+              <a:t>~! </a:t>
+            </a:r>
+            <a:r>
+              <a:rPr lang="ko-KR" altLang="en-US" sz="2600" b="0" i="0">
+                <a:effectLst/>
+                <a:latin typeface="gg sans"/>
+              </a:rPr>
+              <a:t>로버트 </a:t>
+            </a:r>
+            <a:r>
+              <a:rPr lang="en-US" altLang="ko-KR" sz="2600" b="0" i="0">
+                <a:effectLst/>
+                <a:latin typeface="gg sans"/>
+              </a:rPr>
+              <a:t>C </a:t>
+            </a:r>
+            <a:r>
+              <a:rPr lang="ko-KR" altLang="en-US" sz="2600" b="0" i="0">
+                <a:effectLst/>
+                <a:latin typeface="gg sans"/>
+              </a:rPr>
+              <a:t>마틴</a:t>
+            </a:r>
+            <a:r>
+              <a:rPr lang="en-US" altLang="ko-KR" sz="2600" b="0" i="0">
+                <a:effectLst/>
+                <a:latin typeface="gg sans"/>
+              </a:rPr>
+              <a:t>, </a:t>
+            </a:r>
+            <a:r>
+              <a:rPr lang="ko-KR" altLang="en-US" sz="2600" b="0" i="0">
+                <a:effectLst/>
+                <a:latin typeface="gg sans"/>
+              </a:rPr>
+              <a:t>마틴 파울러</a:t>
+            </a:r>
+            <a:r>
+              <a:rPr lang="en-US" altLang="ko-KR" sz="2600" b="0" i="0">
+                <a:effectLst/>
+                <a:latin typeface="gg sans"/>
+              </a:rPr>
+              <a:t>, </a:t>
+            </a:r>
+            <a:r>
+              <a:rPr lang="ko-KR" altLang="en-US" sz="2600" b="0" i="0">
+                <a:effectLst/>
+                <a:latin typeface="gg sans"/>
+              </a:rPr>
+              <a:t>데이비드 하이네마이어 핸슨</a:t>
+            </a:r>
+            <a:r>
+              <a:rPr lang="en-US" altLang="ko-KR" sz="2600" b="0" i="0">
+                <a:effectLst/>
+                <a:latin typeface="gg sans"/>
+              </a:rPr>
+              <a:t>, </a:t>
+            </a:r>
+            <a:r>
+              <a:rPr lang="ko-KR" altLang="en-US" sz="2600" b="0" i="0">
+                <a:effectLst/>
+                <a:latin typeface="gg sans"/>
+              </a:rPr>
+              <a:t>팀 아메리카노</a:t>
+            </a:r>
+            <a:r>
+              <a:rPr lang="en-US" altLang="ko-KR" sz="2600" b="0" i="0">
+                <a:effectLst/>
+                <a:latin typeface="gg sans"/>
+              </a:rPr>
+              <a:t>, </a:t>
+            </a:r>
+            <a:r>
+              <a:rPr lang="ko-KR" altLang="en-US" sz="2600" b="0" i="0">
+                <a:effectLst/>
+                <a:latin typeface="gg sans"/>
+              </a:rPr>
+              <a:t>렛츠고</a:t>
+            </a:r>
+            <a:r>
+              <a:rPr lang="en-US" altLang="ko-KR" sz="2600" b="0" i="0">
+                <a:effectLst/>
+                <a:latin typeface="gg sans"/>
+              </a:rPr>
+              <a:t>!</a:t>
+            </a:r>
+            <a:r>
+              <a:rPr lang="en-US" altLang="ko-KR" sz="2600" b="0" i="0">
+                <a:solidFill>
+                  <a:srgbClr val="1F2328"/>
+                </a:solidFill>
+                <a:effectLst/>
+                <a:latin typeface="-apple-system"/>
+              </a:rPr>
+              <a:t>”</a:t>
+            </a:r>
+          </a:p>
+          <a:p>
+            <a:pPr marL="114300" indent="0" algn="l">
+              <a:buNone/>
+            </a:pPr>
+            <a:endParaRPr lang="en-US" altLang="ko-KR" sz="2600">
+              <a:solidFill>
+                <a:srgbClr val="1F2328"/>
+              </a:solidFill>
+              <a:latin typeface="-apple-system"/>
+            </a:endParaRPr>
+          </a:p>
+          <a:p>
+            <a:pPr marL="114300" indent="0" algn="l">
+              <a:buNone/>
+            </a:pPr>
+            <a:r>
+              <a:rPr lang="en-US" altLang="ko-KR" sz="2600" b="0" i="0">
+                <a:solidFill>
+                  <a:srgbClr val="1F2328"/>
+                </a:solidFill>
+                <a:effectLst/>
+                <a:latin typeface="-apple-system"/>
+              </a:rPr>
+              <a:t>“</a:t>
+            </a:r>
+            <a:r>
+              <a:rPr lang="ko-KR" altLang="en-US" sz="2600" b="0" i="0">
+                <a:solidFill>
+                  <a:srgbClr val="1F2328"/>
+                </a:solidFill>
+                <a:effectLst/>
+                <a:latin typeface="-apple-system"/>
+              </a:rPr>
+              <a:t>코드리뷰를 위한 새로운 기술들을 알아가는 유익한 시간이었고 팀원들과 한가지 목표로 달려가는 실습도 재미난 경험이었습니다 🙂  현업과제도 모두 화이팅</a:t>
+            </a:r>
+            <a:r>
+              <a:rPr lang="en-US" altLang="ko-KR" sz="2600" b="0" i="0">
+                <a:solidFill>
+                  <a:srgbClr val="1F2328"/>
+                </a:solidFill>
+                <a:effectLst/>
+                <a:latin typeface="-apple-system"/>
+              </a:rPr>
+              <a:t>!!”</a:t>
+            </a:r>
+            <a:endParaRPr lang="ko-KR" altLang="en-US" sz="2600" b="0" i="0">
+              <a:solidFill>
+                <a:srgbClr val="1F2328"/>
+              </a:solidFill>
+              <a:effectLst/>
+              <a:latin typeface="-apple-system"/>
+            </a:endParaRPr>
+          </a:p>
+        </p:txBody>
+      </p:sp>
+    </p:spTree>
+    <p:extLst>
+      <p:ext uri="{BB962C8B-B14F-4D97-AF65-F5344CB8AC3E}">
+        <p14:creationId xmlns:p14="http://schemas.microsoft.com/office/powerpoint/2010/main" val="1962314239"/>
+      </p:ext>
+    </p:extLst>
+  </p:cSld>
+  <p:clrMapOvr>
+    <a:masterClrMapping/>
+  </p:clrMapOvr>
+</p:sld>
+</file>
+
+<file path=ppt/slides/slide17.xml><?xml version="1.0" encoding="utf-8"?>
+<p:sld xmlns:a="http://schemas.openxmlformats.org/drawingml/2006/main" xmlns:r="http://schemas.openxmlformats.org/officeDocument/2006/relationships" xmlns:p="http://schemas.openxmlformats.org/presentationml/2006/main">
+  <p:cSld>
+    <p:spTree>
+      <p:nvGrpSpPr>
+        <p:cNvPr id="1" name=""/>
+        <p:cNvGrpSpPr/>
+        <p:nvPr/>
+      </p:nvGrpSpPr>
+      <p:grpSpPr>
+        <a:xfrm>
+          <a:off x="0" y="0"/>
+          <a:ext cx="0" cy="0"/>
+          <a:chOff x="0" y="0"/>
+          <a:chExt cx="0" cy="0"/>
+        </a:xfrm>
+      </p:grpSpPr>
+      <p:sp>
+        <p:nvSpPr>
+          <p:cNvPr id="2" name="제목 1">
+            <a:extLst>
+              <a:ext uri="{FF2B5EF4-FFF2-40B4-BE49-F238E27FC236}">
                 <a16:creationId xmlns:a16="http://schemas.microsoft.com/office/drawing/2014/main" id="{6A0B7156-C56D-4366-AC21-2D6E2175AD9A}"/>
               </a:ext>
             </a:extLst>
@@ -5458,123 +6959,277 @@
           </a:bodyPr>
           <a:lstStyle/>
           <a:p>
-            <a:pPr algn="l">
-              <a:buFont typeface="Arial" panose="020B0604020202020204" pitchFamily="34" charset="0"/>
-              <a:buChar char="•"/>
+            <a:pPr marL="114300" indent="0" algn="l">
+              <a:buNone/>
             </a:pPr>
             <a:r>
+              <a:rPr lang="en-US" altLang="ko-KR" b="0" i="0">
+                <a:solidFill>
+                  <a:srgbClr val="1F2328"/>
+                </a:solidFill>
+                <a:effectLst/>
+                <a:latin typeface="-apple-system"/>
+              </a:rPr>
+              <a:t>“</a:t>
+            </a:r>
+            <a:r>
+              <a:rPr lang="en-US" altLang="ko-KR" b="0" i="0">
+                <a:effectLst/>
+                <a:latin typeface="gg sans"/>
+              </a:rPr>
+              <a:t>TDD</a:t>
+            </a:r>
+            <a:r>
               <a:rPr lang="ko-KR" altLang="en-US" b="0" i="0">
-                <a:solidFill>
-                  <a:srgbClr val="1F2328"/>
-                </a:solidFill>
-                <a:effectLst/>
-                <a:latin typeface="-apple-system"/>
-              </a:rPr>
-              <a:t>정혜연</a:t>
+                <a:effectLst/>
+                <a:latin typeface="gg sans"/>
+              </a:rPr>
+              <a:t>를 이용한 개발 방법을 학습하고</a:t>
             </a:r>
             <a:r>
               <a:rPr lang="en-US" altLang="ko-KR" b="0" i="0">
-                <a:solidFill>
-                  <a:srgbClr val="1F2328"/>
-                </a:solidFill>
-                <a:effectLst/>
-                <a:latin typeface="-apple-system"/>
-              </a:rPr>
-              <a:t>(</a:t>
+                <a:effectLst/>
+                <a:latin typeface="gg sans"/>
+              </a:rPr>
+              <a:t>, </a:t>
             </a:r>
             <a:r>
               <a:rPr lang="ko-KR" altLang="en-US" b="0" i="0">
-                <a:solidFill>
-                  <a:srgbClr val="1F2328"/>
-                </a:solidFill>
-                <a:effectLst/>
-                <a:latin typeface="-apple-system"/>
-              </a:rPr>
-              <a:t>팀장</a:t>
+                <a:effectLst/>
+                <a:latin typeface="gg sans"/>
+              </a:rPr>
+              <a:t>배운 내용을 팀원들과 실습을 통해서 적용해 본 유익한 시간이었습니다</a:t>
             </a:r>
             <a:r>
               <a:rPr lang="en-US" altLang="ko-KR" b="0" i="0">
-                <a:solidFill>
-                  <a:srgbClr val="1F2328"/>
-                </a:solidFill>
-                <a:effectLst/>
-                <a:latin typeface="-apple-system"/>
-              </a:rPr>
-              <a:t>)</a:t>
+                <a:effectLst/>
+                <a:latin typeface="gg sans"/>
+              </a:rPr>
+              <a:t>. 3</a:t>
+            </a:r>
+            <a:r>
+              <a:rPr lang="ko-KR" altLang="en-US" b="0" i="0">
+                <a:effectLst/>
+                <a:latin typeface="gg sans"/>
+              </a:rPr>
+              <a:t>주가 어떻게 지나갔는지 모를 정도로 즐겁게 배웠습니다</a:t>
+            </a:r>
+            <a:r>
+              <a:rPr lang="en-US" altLang="ko-KR" b="0" i="0">
+                <a:effectLst/>
+                <a:latin typeface="gg sans"/>
+              </a:rPr>
+              <a:t>. </a:t>
+            </a:r>
+            <a:r>
+              <a:rPr lang="ko-KR" altLang="en-US" b="0" i="0">
+                <a:effectLst/>
+                <a:latin typeface="gg sans"/>
+              </a:rPr>
+              <a:t>현업부서에 돌아가서 부서원들에게도 적극 추천하고 싶습니다</a:t>
+            </a:r>
+            <a:r>
+              <a:rPr lang="en-US" altLang="ko-KR" b="0" i="0">
+                <a:effectLst/>
+                <a:latin typeface="gg sans"/>
+              </a:rPr>
+              <a:t>.</a:t>
+            </a:r>
+            <a:r>
+              <a:rPr lang="en-US" altLang="ko-KR" b="1" i="0">
+                <a:effectLst/>
+                <a:latin typeface="gg sans"/>
+              </a:rPr>
+              <a:t>”</a:t>
             </a:r>
           </a:p>
           <a:p>
             <a:pPr marL="114300" indent="0" algn="l">
               <a:buNone/>
             </a:pPr>
-            <a:r>
-              <a:rPr lang="en-US" altLang="ko-KR">
-                <a:solidFill>
-                  <a:srgbClr val="1F2328"/>
-                </a:solidFill>
-                <a:latin typeface="-apple-system"/>
-              </a:rPr>
-              <a:t>“</a:t>
-            </a:r>
-            <a:r>
-              <a:rPr lang="ko-KR" altLang="en-US">
-                <a:solidFill>
-                  <a:srgbClr val="1F2328"/>
-                </a:solidFill>
-                <a:latin typeface="-apple-system"/>
-              </a:rPr>
-              <a:t>다양한 개발 방법을 직접 접해봐서 좋았습니다</a:t>
-            </a:r>
-            <a:r>
-              <a:rPr lang="en-US" altLang="ko-KR">
-                <a:solidFill>
-                  <a:srgbClr val="1F2328"/>
-                </a:solidFill>
-                <a:latin typeface="-apple-system"/>
-              </a:rPr>
-              <a:t>. </a:t>
-            </a:r>
-            <a:r>
-              <a:rPr lang="ko-KR" altLang="en-US">
-                <a:solidFill>
-                  <a:srgbClr val="1F2328"/>
-                </a:solidFill>
-                <a:latin typeface="-apple-system"/>
-              </a:rPr>
-              <a:t>마지막에 추가 요구 사항을 빠르게 반영하면서 현업의 기운을 느꼈습니다</a:t>
-            </a:r>
-            <a:r>
-              <a:rPr lang="en-US" altLang="ko-KR">
-                <a:solidFill>
-                  <a:srgbClr val="1F2328"/>
-                </a:solidFill>
-                <a:latin typeface="-apple-system"/>
-              </a:rPr>
-              <a:t>. </a:t>
-            </a:r>
-            <a:r>
-              <a:rPr lang="ko-KR" altLang="en-US">
-                <a:solidFill>
-                  <a:srgbClr val="1F2328"/>
-                </a:solidFill>
-                <a:latin typeface="-apple-system"/>
-              </a:rPr>
-              <a:t>팀원분들 모두 고생하셨습니다</a:t>
-            </a:r>
-            <a:r>
-              <a:rPr lang="en-US" altLang="ko-KR">
-                <a:solidFill>
-                  <a:srgbClr val="1F2328"/>
-                </a:solidFill>
-                <a:latin typeface="-apple-system"/>
-              </a:rPr>
-              <a:t>!”</a:t>
-            </a:r>
+            <a:endParaRPr lang="en-US" altLang="ko-KR" b="1">
+              <a:solidFill>
+                <a:srgbClr val="1F2328"/>
+              </a:solidFill>
+              <a:latin typeface="gg sans"/>
+            </a:endParaRPr>
           </a:p>
           <a:p>
             <a:pPr marL="114300" indent="0" algn="l">
               <a:buNone/>
             </a:pPr>
+            <a:r>
+              <a:rPr lang="en-US" altLang="ko-KR" b="1" i="0">
+                <a:solidFill>
+                  <a:srgbClr val="1F2328"/>
+                </a:solidFill>
+                <a:effectLst/>
+                <a:latin typeface="gg sans"/>
+              </a:rPr>
+              <a:t>“</a:t>
+            </a:r>
+            <a:r>
+              <a:rPr lang="ko-KR" altLang="en-US" b="0" i="0">
+                <a:effectLst/>
+                <a:latin typeface="gg sans"/>
+              </a:rPr>
+              <a:t>짧은 시간이었지만 뛰어난 팀원 분들과 함께 </a:t>
+            </a:r>
+            <a:r>
+              <a:rPr lang="en-US" altLang="ko-KR" b="0" i="0">
+                <a:effectLst/>
+                <a:latin typeface="gg sans"/>
+              </a:rPr>
+              <a:t>project </a:t>
+            </a:r>
+            <a:r>
+              <a:rPr lang="ko-KR" altLang="en-US" b="0" i="0">
+                <a:effectLst/>
+                <a:latin typeface="gg sans"/>
+              </a:rPr>
+              <a:t>하면서 많이 배웠습니다</a:t>
+            </a:r>
+            <a:r>
+              <a:rPr lang="en-US" altLang="ko-KR" b="0" i="0">
+                <a:effectLst/>
+                <a:latin typeface="gg sans"/>
+              </a:rPr>
+              <a:t>. </a:t>
+            </a:r>
+            <a:r>
+              <a:rPr lang="ko-KR" altLang="en-US" b="0" i="0">
+                <a:effectLst/>
+                <a:latin typeface="gg sans"/>
+              </a:rPr>
+              <a:t>현업에 복귀해서도 교육 기간 동안 배운 것들을 잘 실천해봐야 겠습니다</a:t>
+            </a:r>
+            <a:r>
+              <a:rPr lang="en-US" altLang="ko-KR" b="0" i="0">
+                <a:effectLst/>
+                <a:latin typeface="gg sans"/>
+              </a:rPr>
+              <a:t>. </a:t>
+            </a:r>
+            <a:r>
+              <a:rPr lang="ko-KR" altLang="en-US" b="0" i="0">
+                <a:effectLst/>
+                <a:latin typeface="gg sans"/>
+              </a:rPr>
+              <a:t>모두 고생 많으셨어요</a:t>
+            </a:r>
+            <a:r>
+              <a:rPr lang="en-US" altLang="ko-KR" b="0" i="0">
+                <a:effectLst/>
+                <a:latin typeface="gg sans"/>
+              </a:rPr>
+              <a:t>!</a:t>
+            </a:r>
+            <a:r>
+              <a:rPr lang="en-US" altLang="ko-KR" b="1" i="0">
+                <a:solidFill>
+                  <a:srgbClr val="1F2328"/>
+                </a:solidFill>
+                <a:effectLst/>
+                <a:latin typeface="gg sans"/>
+              </a:rPr>
+              <a:t>”</a:t>
+            </a:r>
+          </a:p>
+          <a:p>
+            <a:pPr marL="114300" indent="0" algn="l">
+              <a:buNone/>
+            </a:pPr>
+            <a:endParaRPr lang="en-US" altLang="ko-KR" b="1" i="0">
+              <a:solidFill>
+                <a:srgbClr val="1F2328"/>
+              </a:solidFill>
+              <a:effectLst/>
+              <a:latin typeface="gg sans"/>
+            </a:endParaRPr>
+          </a:p>
+          <a:p>
+            <a:pPr marL="114300" indent="0" algn="l">
+              <a:buNone/>
+            </a:pPr>
+            <a:r>
+              <a:rPr lang="en-US" altLang="ko-KR" b="1">
+                <a:solidFill>
+                  <a:srgbClr val="1F2328"/>
+                </a:solidFill>
+                <a:latin typeface="gg sans"/>
+              </a:rPr>
+              <a:t>“</a:t>
+            </a:r>
+            <a:r>
+              <a:rPr lang="ko-KR" altLang="en-US" b="0" i="0">
+                <a:effectLst/>
+                <a:latin typeface="gg sans"/>
+              </a:rPr>
+              <a:t>현업에서 개발을 할 때 선 구현 후 검증을 하였는데</a:t>
+            </a:r>
+            <a:r>
+              <a:rPr lang="en-US" altLang="ko-KR" b="0" i="0">
+                <a:effectLst/>
+                <a:latin typeface="gg sans"/>
+              </a:rPr>
+              <a:t>, TDD</a:t>
+            </a:r>
+            <a:r>
+              <a:rPr lang="ko-KR" altLang="en-US" b="0" i="0">
+                <a:effectLst/>
+                <a:latin typeface="gg sans"/>
+              </a:rPr>
+              <a:t>로 </a:t>
+            </a:r>
+            <a:r>
+              <a:rPr lang="en-US" altLang="ko-KR" b="0" i="0">
+                <a:effectLst/>
+                <a:latin typeface="gg sans"/>
+              </a:rPr>
+              <a:t>TC</a:t>
+            </a:r>
+            <a:r>
+              <a:rPr lang="ko-KR" altLang="en-US" b="0" i="0">
+                <a:effectLst/>
+                <a:latin typeface="gg sans"/>
+              </a:rPr>
+              <a:t>를 먼저 갖춰두고 시작하니 길을 잃지 않고 개발을 할 수 있게 되네요</a:t>
+            </a:r>
+            <a:r>
+              <a:rPr lang="en-US" altLang="ko-KR" b="0" i="0">
+                <a:effectLst/>
+                <a:latin typeface="gg sans"/>
+              </a:rPr>
+              <a:t>. </a:t>
+            </a:r>
+            <a:r>
+              <a:rPr lang="ko-KR" altLang="en-US" b="0" i="0">
+                <a:effectLst/>
+                <a:latin typeface="gg sans"/>
+              </a:rPr>
+              <a:t>소규모 단기 프로젝트로 협업하면서 많이 배웠습니다</a:t>
+            </a:r>
+            <a:r>
+              <a:rPr lang="en-US" altLang="ko-KR" b="0" i="0">
+                <a:effectLst/>
+                <a:latin typeface="gg sans"/>
+              </a:rPr>
+              <a:t>~ </a:t>
+            </a:r>
+            <a:r>
+              <a:rPr lang="ko-KR" altLang="en-US" b="0" i="0">
+                <a:effectLst/>
+                <a:latin typeface="gg sans"/>
+              </a:rPr>
+              <a:t>현업에서 잘 써먹어볼게요</a:t>
+            </a:r>
+            <a:r>
+              <a:rPr lang="en-US" altLang="ko-KR" b="0" i="0">
+                <a:effectLst/>
+                <a:latin typeface="gg sans"/>
+              </a:rPr>
+              <a:t>”</a:t>
+            </a:r>
             <a:endParaRPr lang="ko-KR" altLang="en-US" b="0" i="0">
               <a:solidFill>
                 <a:srgbClr val="1F2328"/>
@@ -5584,112 +7239,6 @@
             </a:endParaRPr>
           </a:p>
           <a:p>
-            <a:pPr algn="l">
-              <a:buFont typeface="Arial" panose="020B0604020202020204" pitchFamily="34" charset="0"/>
-              <a:buChar char="•"/>
-            </a:pPr>
-            <a:r>
-              <a:rPr lang="ko-KR" altLang="en-US" b="0" i="0">
-                <a:solidFill>
-                  <a:srgbClr val="1F2328"/>
-                </a:solidFill>
-                <a:effectLst/>
-                <a:latin typeface="-apple-system"/>
-              </a:rPr>
-              <a:t>윤태웅</a:t>
-            </a:r>
-            <a:br>
-              <a:rPr lang="en-US" altLang="ko-KR" b="0" i="0">
-                <a:solidFill>
-                  <a:srgbClr val="1F2328"/>
-                </a:solidFill>
-                <a:effectLst/>
-                <a:latin typeface="-apple-system"/>
-              </a:rPr>
-            </a:br>
-            <a:r>
-              <a:rPr lang="en-US" altLang="ko-KR" b="0" i="0">
-                <a:solidFill>
-                  <a:srgbClr val="1F2328"/>
-                </a:solidFill>
-                <a:effectLst/>
-                <a:latin typeface="-apple-system"/>
-              </a:rPr>
-              <a:t>””</a:t>
-            </a:r>
-            <a:endParaRPr lang="ko-KR" altLang="en-US" b="0" i="0">
-              <a:solidFill>
-                <a:srgbClr val="1F2328"/>
-              </a:solidFill>
-              <a:effectLst/>
-              <a:latin typeface="-apple-system"/>
-            </a:endParaRPr>
-          </a:p>
-          <a:p>
-            <a:pPr algn="l">
-              <a:buFont typeface="Arial" panose="020B0604020202020204" pitchFamily="34" charset="0"/>
-              <a:buChar char="•"/>
-            </a:pPr>
-            <a:r>
-              <a:rPr lang="ko-KR" altLang="en-US" b="0" i="0">
-                <a:solidFill>
-                  <a:srgbClr val="1F2328"/>
-                </a:solidFill>
-                <a:effectLst/>
-                <a:latin typeface="-apple-system"/>
-              </a:rPr>
-              <a:t>장현진</a:t>
-            </a:r>
-          </a:p>
-          <a:p>
-            <a:pPr algn="l">
-              <a:buFont typeface="Arial" panose="020B0604020202020204" pitchFamily="34" charset="0"/>
-              <a:buChar char="•"/>
-            </a:pPr>
-            <a:r>
-              <a:rPr lang="ko-KR" altLang="en-US" b="0" i="0">
-                <a:solidFill>
-                  <a:srgbClr val="1F2328"/>
-                </a:solidFill>
-                <a:effectLst/>
-                <a:latin typeface="-apple-system"/>
-              </a:rPr>
-              <a:t>유정균</a:t>
-            </a:r>
-          </a:p>
-          <a:p>
-            <a:pPr algn="l">
-              <a:buFont typeface="Arial" panose="020B0604020202020204" pitchFamily="34" charset="0"/>
-              <a:buChar char="•"/>
-            </a:pPr>
-            <a:r>
-              <a:rPr lang="ko-KR" altLang="en-US" b="0" i="0">
-                <a:solidFill>
-                  <a:srgbClr val="1F2328"/>
-                </a:solidFill>
-                <a:effectLst/>
-                <a:latin typeface="-apple-system"/>
-              </a:rPr>
-              <a:t>박준영</a:t>
-            </a:r>
-          </a:p>
-          <a:p>
-            <a:pPr algn="l">
-              <a:buFont typeface="Arial" panose="020B0604020202020204" pitchFamily="34" charset="0"/>
-              <a:buChar char="•"/>
-            </a:pPr>
-            <a:r>
-              <a:rPr lang="ko-KR" altLang="en-US" b="0" i="0">
-                <a:solidFill>
-                  <a:srgbClr val="1F2328"/>
-                </a:solidFill>
-                <a:effectLst/>
-                <a:latin typeface="-apple-system"/>
-              </a:rPr>
-              <a:t>홍주영</a:t>
-            </a:r>
-          </a:p>
-          <a:p>
             <a:endParaRPr lang="ko-KR" altLang="en-US"/>
           </a:p>
         </p:txBody>
@@ -5697,7 +7246,7 @@
     </p:spTree>
     <p:extLst>
       <p:ext uri="{BB962C8B-B14F-4D97-AF65-F5344CB8AC3E}">
-        <p14:creationId xmlns:p14="http://schemas.microsoft.com/office/powerpoint/2010/main" val="1962314239"/>
+        <p14:creationId xmlns:p14="http://schemas.microsoft.com/office/powerpoint/2010/main" val="3309002126"/>
       </p:ext>
     </p:extLst>
   </p:cSld>
@@ -6500,6 +8049,637 @@
   <p:cSld>
     <p:spTree>
       <p:nvGrpSpPr>
+        <p:cNvPr id="1" name="Shape 58"/>
+        <p:cNvGrpSpPr/>
+        <p:nvPr/>
+      </p:nvGrpSpPr>
+      <p:grpSpPr>
+        <a:xfrm>
+          <a:off x="0" y="0"/>
+          <a:ext cx="0" cy="0"/>
+          <a:chOff x="0" y="0"/>
+          <a:chExt cx="0" cy="0"/>
+        </a:xfrm>
+      </p:grpSpPr>
+      <p:sp>
+        <p:nvSpPr>
+          <p:cNvPr id="59" name="Google Shape;59;p3"/>
+          <p:cNvSpPr txBox="1">
+            <a:spLocks noGrp="1"/>
+          </p:cNvSpPr>
+          <p:nvPr>
+            <p:ph type="title"/>
+          </p:nvPr>
+        </p:nvSpPr>
+        <p:spPr>
+          <a:xfrm>
+            <a:off x="605980" y="310143"/>
+            <a:ext cx="10515600" cy="649800"/>
+          </a:xfrm>
+          <a:prstGeom prst="rect">
+            <a:avLst/>
+          </a:prstGeom>
+          <a:noFill/>
+          <a:ln>
+            <a:noFill/>
+          </a:ln>
+        </p:spPr>
+        <p:txBody>
+          <a:bodyPr spcFirstLastPara="1" wrap="square" lIns="91425" tIns="45700" rIns="91425" bIns="45700" anchor="ctr" anchorCtr="0">
+            <a:normAutofit fontScale="90000"/>
+          </a:bodyPr>
+          <a:lstStyle/>
+          <a:p>
+            <a:pPr marL="0" lvl="0" indent="0" algn="l" rtl="0">
+              <a:lnSpc>
+                <a:spcPct val="90000"/>
+              </a:lnSpc>
+              <a:spcBef>
+                <a:spcPts val="0"/>
+              </a:spcBef>
+              <a:spcAft>
+                <a:spcPts val="0"/>
+              </a:spcAft>
+              <a:buClr>
+                <a:schemeClr val="dk1"/>
+              </a:buClr>
+              <a:buSzPts val="4400"/>
+              <a:buFont typeface="Malgun Gothic"/>
+              <a:buNone/>
+            </a:pPr>
+            <a:r>
+              <a:rPr lang="ko-KR" altLang="en-US"/>
+              <a:t>활동 내역</a:t>
+            </a:r>
+            <a:endParaRPr/>
+          </a:p>
+        </p:txBody>
+      </p:sp>
+      <p:sp>
+        <p:nvSpPr>
+          <p:cNvPr id="60" name="Google Shape;60;p3"/>
+          <p:cNvSpPr txBox="1">
+            <a:spLocks noGrp="1"/>
+          </p:cNvSpPr>
+          <p:nvPr>
+            <p:ph type="body" idx="1"/>
+          </p:nvPr>
+        </p:nvSpPr>
+        <p:spPr>
+          <a:xfrm>
+            <a:off x="37330" y="1316376"/>
+            <a:ext cx="10515599" cy="1506579"/>
+          </a:xfrm>
+          <a:prstGeom prst="rect">
+            <a:avLst/>
+          </a:prstGeom>
+          <a:noFill/>
+          <a:ln>
+            <a:noFill/>
+          </a:ln>
+        </p:spPr>
+        <p:txBody>
+          <a:bodyPr spcFirstLastPara="1" wrap="square" lIns="91425" tIns="45700" rIns="91425" bIns="45700" anchor="t" anchorCtr="0">
+            <a:normAutofit/>
+          </a:bodyPr>
+          <a:lstStyle/>
+          <a:p>
+            <a:pPr algn="l">
+              <a:buFont typeface="Arial" panose="020B0604020202020204" pitchFamily="34" charset="0"/>
+              <a:buChar char="•"/>
+            </a:pPr>
+            <a:r>
+              <a:rPr lang="ko-KR" altLang="en-US" b="0" i="0">
+                <a:solidFill>
+                  <a:srgbClr val="1F2328"/>
+                </a:solidFill>
+                <a:effectLst/>
+                <a:latin typeface="-apple-system"/>
+              </a:rPr>
+              <a:t>코딩 컨벤션</a:t>
+            </a:r>
+          </a:p>
+          <a:p>
+            <a:pPr lvl="1">
+              <a:buFont typeface="Wingdings" panose="05000000000000000000" pitchFamily="2" charset="2"/>
+              <a:buChar char="ü"/>
+            </a:pPr>
+            <a:r>
+              <a:rPr lang="ko-KR" altLang="en-US" b="0" i="0">
+                <a:solidFill>
+                  <a:srgbClr val="1F2328"/>
+                </a:solidFill>
+                <a:effectLst/>
+                <a:latin typeface="-apple-system"/>
+              </a:rPr>
+              <a:t>인덴트</a:t>
+            </a:r>
+            <a:r>
+              <a:rPr lang="en-US" altLang="ko-KR" b="0" i="0">
+                <a:solidFill>
+                  <a:srgbClr val="1F2328"/>
+                </a:solidFill>
+                <a:effectLst/>
+                <a:latin typeface="-apple-system"/>
+              </a:rPr>
+              <a:t>: Visual Studio </a:t>
+            </a:r>
+            <a:r>
+              <a:rPr lang="ko-KR" altLang="en-US" b="0" i="0">
+                <a:solidFill>
+                  <a:srgbClr val="1F2328"/>
+                </a:solidFill>
+                <a:effectLst/>
+                <a:latin typeface="-apple-system"/>
+              </a:rPr>
+              <a:t>기능이용</a:t>
+            </a:r>
+            <a:endParaRPr lang="en-US" altLang="ko-KR" b="0" i="0">
+              <a:solidFill>
+                <a:srgbClr val="1F2328"/>
+              </a:solidFill>
+              <a:effectLst/>
+              <a:latin typeface="-apple-system"/>
+            </a:endParaRPr>
+          </a:p>
+          <a:p>
+            <a:pPr lvl="1">
+              <a:buFont typeface="Wingdings" panose="05000000000000000000" pitchFamily="2" charset="2"/>
+              <a:buChar char="ü"/>
+            </a:pPr>
+            <a:r>
+              <a:rPr lang="en-US" altLang="ko-KR" b="0" i="0">
+                <a:solidFill>
+                  <a:srgbClr val="1F2328"/>
+                </a:solidFill>
+                <a:effectLst/>
+                <a:latin typeface="-apple-system"/>
+              </a:rPr>
+              <a:t>if, if else, else</a:t>
+            </a:r>
+            <a:r>
+              <a:rPr lang="ko-KR" altLang="en-US" b="0" i="0">
+                <a:solidFill>
+                  <a:srgbClr val="1F2328"/>
+                </a:solidFill>
+                <a:effectLst/>
+                <a:latin typeface="-apple-system"/>
+              </a:rPr>
+              <a:t>의 괄호는 한 줄로 쓰고</a:t>
+            </a:r>
+            <a:r>
+              <a:rPr lang="en-US" altLang="ko-KR" b="0" i="0">
+                <a:solidFill>
+                  <a:srgbClr val="1F2328"/>
+                </a:solidFill>
+                <a:effectLst/>
+                <a:latin typeface="-apple-system"/>
+              </a:rPr>
+              <a:t>, </a:t>
+            </a:r>
+            <a:r>
+              <a:rPr lang="ko-KR" altLang="en-US" b="0" i="0">
+                <a:solidFill>
+                  <a:srgbClr val="1F2328"/>
+                </a:solidFill>
+                <a:effectLst/>
+                <a:latin typeface="-apple-system"/>
+              </a:rPr>
+              <a:t>생략 가능하더라도 사용</a:t>
+            </a:r>
+            <a:endParaRPr lang="en-US" altLang="ko-KR" b="0" i="0">
+              <a:solidFill>
+                <a:srgbClr val="1F2328"/>
+              </a:solidFill>
+              <a:effectLst/>
+              <a:latin typeface="-apple-system"/>
+            </a:endParaRPr>
+          </a:p>
+          <a:p>
+            <a:pPr lvl="1">
+              <a:buFont typeface="Wingdings" panose="05000000000000000000" pitchFamily="2" charset="2"/>
+              <a:buChar char="ü"/>
+            </a:pPr>
+            <a:endParaRPr lang="en-US" altLang="ko-KR">
+              <a:solidFill>
+                <a:srgbClr val="1F2328"/>
+              </a:solidFill>
+              <a:latin typeface="-apple-system"/>
+            </a:endParaRPr>
+          </a:p>
+          <a:p>
+            <a:pPr>
+              <a:buFont typeface="Arial" panose="020B0604020202020204" pitchFamily="34" charset="0"/>
+              <a:buChar char="•"/>
+            </a:pPr>
+            <a:endParaRPr lang="ko-KR" altLang="en-US">
+              <a:solidFill>
+                <a:srgbClr val="1F2328"/>
+              </a:solidFill>
+              <a:latin typeface="-apple-system"/>
+            </a:endParaRPr>
+          </a:p>
+        </p:txBody>
+      </p:sp>
+      <p:pic>
+        <p:nvPicPr>
+          <p:cNvPr id="5" name="그림 4">
+            <a:extLst>
+              <a:ext uri="{FF2B5EF4-FFF2-40B4-BE49-F238E27FC236}">
+                <a16:creationId xmlns:a16="http://schemas.microsoft.com/office/drawing/2014/main" id="{77C87094-78B1-4C1D-B1A9-1F3B2ABE81B3}"/>
+              </a:ext>
+            </a:extLst>
+          </p:cNvPr>
+          <p:cNvPicPr>
+            <a:picLocks noChangeAspect="1"/>
+          </p:cNvPicPr>
+          <p:nvPr/>
+        </p:nvPicPr>
+        <p:blipFill rotWithShape="1">
+          <a:blip r:embed="rId3"/>
+          <a:srcRect r="8094" b="41809"/>
+          <a:stretch/>
+        </p:blipFill>
+        <p:spPr>
+          <a:xfrm>
+            <a:off x="9312236" y="37324"/>
+            <a:ext cx="2536974" cy="2908040"/>
+          </a:xfrm>
+          <a:prstGeom prst="rect">
+            <a:avLst/>
+          </a:prstGeom>
+        </p:spPr>
+      </p:pic>
+      <p:sp>
+        <p:nvSpPr>
+          <p:cNvPr id="8" name="TextBox 7">
+            <a:extLst>
+              <a:ext uri="{FF2B5EF4-FFF2-40B4-BE49-F238E27FC236}">
+                <a16:creationId xmlns:a16="http://schemas.microsoft.com/office/drawing/2014/main" id="{D6D8A14E-9EAC-4AB3-BA8D-65167B20F8DC}"/>
+              </a:ext>
+            </a:extLst>
+          </p:cNvPr>
+          <p:cNvSpPr txBox="1"/>
+          <p:nvPr/>
+        </p:nvSpPr>
+        <p:spPr>
+          <a:xfrm>
+            <a:off x="37330" y="3146731"/>
+            <a:ext cx="6635150" cy="2748445"/>
+          </a:xfrm>
+          <a:prstGeom prst="rect">
+            <a:avLst/>
+          </a:prstGeom>
+          <a:noFill/>
+          <a:ln>
+            <a:noFill/>
+          </a:ln>
+        </p:spPr>
+        <p:txBody>
+          <a:bodyPr spcFirstLastPara="1" wrap="square" lIns="91425" tIns="45700" rIns="91425" bIns="45700" anchor="t" anchorCtr="0">
+            <a:normAutofit lnSpcReduction="10000"/>
+          </a:bodyPr>
+          <a:lstStyle>
+            <a:defPPr marR="0" lvl="0" algn="l" rtl="0">
+              <a:lnSpc>
+                <a:spcPct val="100000"/>
+              </a:lnSpc>
+              <a:spcBef>
+                <a:spcPts val="0"/>
+              </a:spcBef>
+              <a:spcAft>
+                <a:spcPts val="0"/>
+              </a:spcAft>
+            </a:defPPr>
+            <a:lvl1pPr marL="457200" indent="-342900">
+              <a:lnSpc>
+                <a:spcPct val="90000"/>
+              </a:lnSpc>
+              <a:spcBef>
+                <a:spcPts val="1000"/>
+              </a:spcBef>
+              <a:buClr>
+                <a:schemeClr val="dk1"/>
+              </a:buClr>
+              <a:buSzPts val="1800"/>
+              <a:buFont typeface="Arial" panose="020B0604020202020204" pitchFamily="34" charset="0"/>
+              <a:buChar char="•"/>
+              <a:defRPr sz="2800">
+                <a:solidFill>
+                  <a:srgbClr val="1F2328"/>
+                </a:solidFill>
+                <a:effectLst/>
+                <a:latin typeface="-apple-system"/>
+                <a:ea typeface="Malgun Gothic"/>
+                <a:cs typeface="Malgun Gothic"/>
+                <a:sym typeface="Malgun Gothic"/>
+              </a:defRPr>
+            </a:lvl1pPr>
+            <a:lvl2pPr marL="914400" indent="-342900">
+              <a:lnSpc>
+                <a:spcPct val="90000"/>
+              </a:lnSpc>
+              <a:spcBef>
+                <a:spcPts val="500"/>
+              </a:spcBef>
+              <a:buClr>
+                <a:schemeClr val="dk1"/>
+              </a:buClr>
+              <a:buSzPts val="1800"/>
+              <a:buFont typeface="Wingdings" panose="05000000000000000000" pitchFamily="2" charset="2"/>
+              <a:buChar char="ü"/>
+              <a:defRPr sz="2400">
+                <a:solidFill>
+                  <a:srgbClr val="1F2328"/>
+                </a:solidFill>
+                <a:effectLst/>
+                <a:latin typeface="-apple-system"/>
+                <a:ea typeface="Malgun Gothic"/>
+                <a:cs typeface="Malgun Gothic"/>
+                <a:sym typeface="Malgun Gothic"/>
+              </a:defRPr>
+            </a:lvl2pPr>
+            <a:lvl3pPr marL="1371600" indent="-342900">
+              <a:lnSpc>
+                <a:spcPct val="90000"/>
+              </a:lnSpc>
+              <a:spcBef>
+                <a:spcPts val="500"/>
+              </a:spcBef>
+              <a:buClr>
+                <a:schemeClr val="dk1"/>
+              </a:buClr>
+              <a:buSzPts val="1800"/>
+              <a:buChar char="•"/>
+              <a:defRPr sz="2000">
+                <a:solidFill>
+                  <a:schemeClr val="dk1"/>
+                </a:solidFill>
+                <a:latin typeface="Malgun Gothic"/>
+                <a:ea typeface="Malgun Gothic"/>
+                <a:cs typeface="Malgun Gothic"/>
+                <a:sym typeface="Malgun Gothic"/>
+              </a:defRPr>
+            </a:lvl3pPr>
+            <a:lvl4pPr marL="1828800" indent="-342900">
+              <a:lnSpc>
+                <a:spcPct val="90000"/>
+              </a:lnSpc>
+              <a:spcBef>
+                <a:spcPts val="500"/>
+              </a:spcBef>
+              <a:buClr>
+                <a:schemeClr val="dk1"/>
+              </a:buClr>
+              <a:buSzPts val="1800"/>
+              <a:buChar char="•"/>
+              <a:defRPr sz="1800">
+                <a:solidFill>
+                  <a:schemeClr val="dk1"/>
+                </a:solidFill>
+                <a:latin typeface="Malgun Gothic"/>
+                <a:ea typeface="Malgun Gothic"/>
+                <a:cs typeface="Malgun Gothic"/>
+                <a:sym typeface="Malgun Gothic"/>
+              </a:defRPr>
+            </a:lvl4pPr>
+            <a:lvl5pPr marL="2286000" indent="-342900">
+              <a:lnSpc>
+                <a:spcPct val="90000"/>
+              </a:lnSpc>
+              <a:spcBef>
+                <a:spcPts val="500"/>
+              </a:spcBef>
+              <a:buClr>
+                <a:schemeClr val="dk1"/>
+              </a:buClr>
+              <a:buSzPts val="1800"/>
+              <a:buChar char="•"/>
+              <a:defRPr sz="1800">
+                <a:solidFill>
+                  <a:schemeClr val="dk1"/>
+                </a:solidFill>
+                <a:latin typeface="Malgun Gothic"/>
+                <a:ea typeface="Malgun Gothic"/>
+                <a:cs typeface="Malgun Gothic"/>
+                <a:sym typeface="Malgun Gothic"/>
+              </a:defRPr>
+            </a:lvl5pPr>
+            <a:lvl6pPr marL="2743200" indent="-342900">
+              <a:lnSpc>
+                <a:spcPct val="90000"/>
+              </a:lnSpc>
+              <a:spcBef>
+                <a:spcPts val="500"/>
+              </a:spcBef>
+              <a:buClr>
+                <a:schemeClr val="dk1"/>
+              </a:buClr>
+              <a:buSzPts val="1800"/>
+              <a:buChar char="•"/>
+              <a:defRPr sz="1800">
+                <a:solidFill>
+                  <a:schemeClr val="dk1"/>
+                </a:solidFill>
+                <a:latin typeface="Malgun Gothic"/>
+                <a:ea typeface="Malgun Gothic"/>
+                <a:cs typeface="Malgun Gothic"/>
+                <a:sym typeface="Malgun Gothic"/>
+              </a:defRPr>
+            </a:lvl6pPr>
+            <a:lvl7pPr marL="3200400" indent="-342900">
+              <a:lnSpc>
+                <a:spcPct val="90000"/>
+              </a:lnSpc>
+              <a:spcBef>
+                <a:spcPts val="500"/>
+              </a:spcBef>
+              <a:buClr>
+                <a:schemeClr val="dk1"/>
+              </a:buClr>
+              <a:buSzPts val="1800"/>
+              <a:buChar char="•"/>
+              <a:defRPr sz="1800">
+                <a:solidFill>
+                  <a:schemeClr val="dk1"/>
+                </a:solidFill>
+                <a:latin typeface="Malgun Gothic"/>
+                <a:ea typeface="Malgun Gothic"/>
+                <a:cs typeface="Malgun Gothic"/>
+                <a:sym typeface="Malgun Gothic"/>
+              </a:defRPr>
+            </a:lvl7pPr>
+            <a:lvl8pPr marL="3657600" indent="-342900">
+              <a:lnSpc>
+                <a:spcPct val="90000"/>
+              </a:lnSpc>
+              <a:spcBef>
+                <a:spcPts val="500"/>
+              </a:spcBef>
+              <a:buClr>
+                <a:schemeClr val="dk1"/>
+              </a:buClr>
+              <a:buSzPts val="1800"/>
+              <a:buChar char="•"/>
+              <a:defRPr sz="1800">
+                <a:solidFill>
+                  <a:schemeClr val="dk1"/>
+                </a:solidFill>
+                <a:latin typeface="Malgun Gothic"/>
+                <a:ea typeface="Malgun Gothic"/>
+                <a:cs typeface="Malgun Gothic"/>
+                <a:sym typeface="Malgun Gothic"/>
+              </a:defRPr>
+            </a:lvl8pPr>
+            <a:lvl9pPr marL="4114800" indent="-342900">
+              <a:lnSpc>
+                <a:spcPct val="90000"/>
+              </a:lnSpc>
+              <a:spcBef>
+                <a:spcPts val="500"/>
+              </a:spcBef>
+              <a:buClr>
+                <a:schemeClr val="dk1"/>
+              </a:buClr>
+              <a:buSzPts val="1800"/>
+              <a:buChar char="•"/>
+              <a:defRPr sz="1800">
+                <a:solidFill>
+                  <a:schemeClr val="dk1"/>
+                </a:solidFill>
+                <a:latin typeface="Malgun Gothic"/>
+                <a:ea typeface="Malgun Gothic"/>
+                <a:cs typeface="Malgun Gothic"/>
+                <a:sym typeface="Malgun Gothic"/>
+              </a:defRPr>
+            </a:lvl9pPr>
+          </a:lstStyle>
+          <a:p>
+            <a:r>
+              <a:rPr lang="en-US" altLang="ko-KR"/>
+              <a:t>Branch Naming</a:t>
+            </a:r>
+          </a:p>
+          <a:p>
+            <a:pPr lvl="1"/>
+            <a:r>
+              <a:rPr lang="en-US" altLang="ko-KR"/>
+              <a:t>main: </a:t>
+            </a:r>
+            <a:r>
+              <a:rPr lang="ko-KR" altLang="en-US"/>
+              <a:t>최종 배포 </a:t>
+            </a:r>
+            <a:r>
+              <a:rPr lang="en-US" altLang="ko-KR"/>
+              <a:t>branch</a:t>
+            </a:r>
+          </a:p>
+          <a:p>
+            <a:pPr lvl="1"/>
+            <a:r>
+              <a:rPr lang="en-US" altLang="ko-KR"/>
+              <a:t>feature/ssd: SSD </a:t>
+            </a:r>
+            <a:r>
+              <a:rPr lang="ko-KR" altLang="en-US"/>
+              <a:t>개발용 </a:t>
+            </a:r>
+            <a:r>
+              <a:rPr lang="en-US" altLang="ko-KR"/>
+              <a:t>branch</a:t>
+            </a:r>
+          </a:p>
+          <a:p>
+            <a:pPr lvl="1"/>
+            <a:r>
+              <a:rPr lang="en-US" altLang="ko-KR"/>
+              <a:t>feature/test_shell: Test Shell </a:t>
+            </a:r>
+            <a:r>
+              <a:rPr lang="ko-KR" altLang="en-US"/>
+              <a:t>개발용 </a:t>
+            </a:r>
+            <a:r>
+              <a:rPr lang="en-US" altLang="ko-KR"/>
+              <a:t>branch</a:t>
+            </a:r>
+          </a:p>
+          <a:p>
+            <a:pPr lvl="1"/>
+            <a:r>
+              <a:rPr lang="ko-KR" altLang="en-US"/>
+              <a:t>기능 개발 </a:t>
+            </a:r>
+            <a:r>
+              <a:rPr lang="en-US" altLang="ko-KR"/>
+              <a:t>Branch Naming</a:t>
+            </a:r>
+          </a:p>
+          <a:p>
+            <a:pPr lvl="2"/>
+            <a:r>
+              <a:rPr lang="en-US" altLang="ko-KR"/>
+              <a:t>feature/ssd_xxxx</a:t>
+            </a:r>
+          </a:p>
+          <a:p>
+            <a:pPr lvl="2"/>
+            <a:r>
+              <a:rPr lang="en-US" altLang="ko-KR"/>
+              <a:t>feature/shell_xxx</a:t>
+            </a:r>
+            <a:endParaRPr lang="ko-KR" altLang="en-US"/>
+          </a:p>
+        </p:txBody>
+      </p:sp>
+      <p:pic>
+        <p:nvPicPr>
+          <p:cNvPr id="10" name="그림 9">
+            <a:extLst>
+              <a:ext uri="{FF2B5EF4-FFF2-40B4-BE49-F238E27FC236}">
+                <a16:creationId xmlns:a16="http://schemas.microsoft.com/office/drawing/2014/main" id="{C4E1EA2F-06CE-4C50-98B1-14CA3BB19BBF}"/>
+              </a:ext>
+            </a:extLst>
+          </p:cNvPr>
+          <p:cNvPicPr>
+            <a:picLocks noChangeAspect="1"/>
+          </p:cNvPicPr>
+          <p:nvPr/>
+        </p:nvPicPr>
+        <p:blipFill rotWithShape="1">
+          <a:blip r:embed="rId4"/>
+          <a:srcRect b="47183"/>
+          <a:stretch/>
+        </p:blipFill>
+        <p:spPr>
+          <a:xfrm>
+            <a:off x="7197806" y="3095857"/>
+            <a:ext cx="4794347" cy="3622184"/>
+          </a:xfrm>
+          <a:prstGeom prst="rect">
+            <a:avLst/>
+          </a:prstGeom>
+        </p:spPr>
+      </p:pic>
+    </p:spTree>
+    <p:extLst>
+      <p:ext uri="{BB962C8B-B14F-4D97-AF65-F5344CB8AC3E}">
+        <p14:creationId xmlns:p14="http://schemas.microsoft.com/office/powerpoint/2010/main" val="3115540976"/>
+      </p:ext>
+    </p:extLst>
+  </p:cSld>
+  <p:clrMapOvr>
+    <a:masterClrMapping/>
+  </p:clrMapOvr>
+</p:sld>
+</file>
+
+<file path=ppt/slides/slide5.xml><?xml version="1.0" encoding="utf-8"?>
+<p:sld xmlns:a="http://schemas.openxmlformats.org/drawingml/2006/main" xmlns:r="http://schemas.openxmlformats.org/officeDocument/2006/relationships" xmlns:p="http://schemas.openxmlformats.org/presentationml/2006/main">
+  <p:cSld>
+    <p:spTree>
+      <p:nvGrpSpPr>
         <p:cNvPr id="1" name="Shape 53"/>
         <p:cNvGrpSpPr/>
         <p:nvPr/>
@@ -6578,7 +8758,7 @@
 </p:sld>
 </file>
 
-<file path=ppt/slides/slide5.xml><?xml version="1.0" encoding="utf-8"?>
+<file path=ppt/slides/slide6.xml><?xml version="1.0" encoding="utf-8"?>
 <p:sld xmlns:a="http://schemas.openxmlformats.org/drawingml/2006/main" xmlns:r="http://schemas.openxmlformats.org/officeDocument/2006/relationships" xmlns:p="http://schemas.openxmlformats.org/presentationml/2006/main">
   <p:cSld>
     <p:spTree>
@@ -6673,7 +8853,7 @@
 </p:sld>
 </file>
 
-<file path=ppt/slides/slide6.xml><?xml version="1.0" encoding="utf-8"?>
+<file path=ppt/slides/slide7.xml><?xml version="1.0" encoding="utf-8"?>
 <p:sld xmlns:a="http://schemas.openxmlformats.org/drawingml/2006/main" xmlns:r="http://schemas.openxmlformats.org/officeDocument/2006/relationships" xmlns:p="http://schemas.openxmlformats.org/presentationml/2006/main">
   <p:cSld>
     <p:spTree>
@@ -6781,7 +8961,94 @@
 </p:sld>
 </file>
 
-<file path=ppt/slides/slide7.xml><?xml version="1.0" encoding="utf-8"?>
+<file path=ppt/slides/slide8.xml><?xml version="1.0" encoding="utf-8"?>
+<p:sld xmlns:a="http://schemas.openxmlformats.org/drawingml/2006/main" xmlns:r="http://schemas.openxmlformats.org/officeDocument/2006/relationships" xmlns:p="http://schemas.openxmlformats.org/presentationml/2006/main">
+  <p:cSld>
+    <p:spTree>
+      <p:nvGrpSpPr>
+        <p:cNvPr id="1" name="Shape 53"/>
+        <p:cNvGrpSpPr/>
+        <p:nvPr/>
+      </p:nvGrpSpPr>
+      <p:grpSpPr>
+        <a:xfrm>
+          <a:off x="0" y="0"/>
+          <a:ext cx="0" cy="0"/>
+          <a:chOff x="0" y="0"/>
+          <a:chExt cx="0" cy="0"/>
+        </a:xfrm>
+      </p:grpSpPr>
+      <p:sp>
+        <p:nvSpPr>
+          <p:cNvPr id="54" name="Google Shape;54;p2"/>
+          <p:cNvSpPr txBox="1">
+            <a:spLocks noGrp="1"/>
+          </p:cNvSpPr>
+          <p:nvPr>
+            <p:ph type="body" idx="1"/>
+          </p:nvPr>
+        </p:nvSpPr>
+        <p:spPr>
+          <a:xfrm>
+            <a:off x="1632000" y="1860184"/>
+            <a:ext cx="8928000" cy="2533083"/>
+          </a:xfrm>
+          <a:prstGeom prst="rect">
+            <a:avLst/>
+          </a:prstGeom>
+          <a:noFill/>
+          <a:ln>
+            <a:noFill/>
+          </a:ln>
+        </p:spPr>
+        <p:txBody>
+          <a:bodyPr spcFirstLastPara="1" wrap="square" lIns="0" tIns="45700" rIns="91425" bIns="45700" anchor="ctr" anchorCtr="0">
+            <a:noAutofit/>
+          </a:bodyPr>
+          <a:lstStyle/>
+          <a:p>
+            <a:pPr marL="0" lvl="0" indent="0" algn="ctr" rtl="0">
+              <a:lnSpc>
+                <a:spcPct val="90000"/>
+              </a:lnSpc>
+              <a:spcBef>
+                <a:spcPts val="0"/>
+              </a:spcBef>
+              <a:spcAft>
+                <a:spcPts val="0"/>
+              </a:spcAft>
+              <a:buClr>
+                <a:schemeClr val="dk1"/>
+              </a:buClr>
+              <a:buSzPts val="3200"/>
+              <a:buNone/>
+            </a:pPr>
+            <a:r>
+              <a:rPr lang="en-US"/>
+              <a:t>TDD </a:t>
+            </a:r>
+            <a:r>
+              <a:rPr lang="ko-KR" altLang="en-US"/>
+              <a:t>활용 예시</a:t>
+            </a:r>
+            <a:endParaRPr/>
+          </a:p>
+        </p:txBody>
+      </p:sp>
+    </p:spTree>
+    <p:extLst>
+      <p:ext uri="{BB962C8B-B14F-4D97-AF65-F5344CB8AC3E}">
+        <p14:creationId xmlns:p14="http://schemas.microsoft.com/office/powerpoint/2010/main" val="4056276162"/>
+      </p:ext>
+    </p:extLst>
+  </p:cSld>
+  <p:clrMapOvr>
+    <a:masterClrMapping/>
+  </p:clrMapOvr>
+</p:sld>
+</file>
+
+<file path=ppt/slides/slide9.xml><?xml version="1.0" encoding="utf-8"?>
 <p:sld xmlns:a="http://schemas.openxmlformats.org/drawingml/2006/main" xmlns:r="http://schemas.openxmlformats.org/officeDocument/2006/relationships" xmlns:p="http://schemas.openxmlformats.org/presentationml/2006/main">
   <p:cSld>
     <p:spTree>
@@ -6823,12 +9090,9 @@
           <a:p>
             <a:r>
               <a:rPr lang="en-US" altLang="ko-KR"/>
-              <a:t>TDD </a:t>
-            </a:r>
-            <a:r>
-              <a:rPr lang="ko-KR" altLang="en-US"/>
-              <a:t>활용 예시</a:t>
-            </a:r>
+              <a:t>Code Coverage</a:t>
+            </a:r>
+            <a:endParaRPr lang="ko-KR" altLang="en-US"/>
           </a:p>
         </p:txBody>
       </p:sp>
@@ -6854,16 +9118,10 @@
           <a:lstStyle/>
           <a:p>
             <a:r>
-              <a:rPr lang="ko-KR" altLang="en-US"/>
-              <a:t>테스트 케이스 및 결과</a:t>
-            </a:r>
-            <a:endParaRPr lang="en-US" altLang="ko-KR"/>
-          </a:p>
-          <a:p>
-            <a:r>
-              <a:rPr lang="ko-KR" altLang="en-US"/>
-              <a:t>테스트 픽스쳐</a:t>
-            </a:r>
+              <a:rPr lang="en-US" altLang="ko-KR"/>
+              <a:t>Coverage</a:t>
+            </a:r>
+            <a:endParaRPr lang="ko-KR" altLang="en-US"/>
           </a:p>
         </p:txBody>
       </p:sp>
@@ -6871,196 +9129,6 @@
     <p:extLst>
       <p:ext uri="{BB962C8B-B14F-4D97-AF65-F5344CB8AC3E}">
         <p14:creationId xmlns:p14="http://schemas.microsoft.com/office/powerpoint/2010/main" val="3477409895"/>
-      </p:ext>
-    </p:extLst>
-  </p:cSld>
-  <p:clrMapOvr>
-    <a:masterClrMapping/>
-  </p:clrMapOvr>
-</p:sld>
-</file>
-
-<file path=ppt/slides/slide8.xml><?xml version="1.0" encoding="utf-8"?>
-<p:sld xmlns:a="http://schemas.openxmlformats.org/drawingml/2006/main" xmlns:r="http://schemas.openxmlformats.org/officeDocument/2006/relationships" xmlns:p="http://schemas.openxmlformats.org/presentationml/2006/main">
-  <p:cSld>
-    <p:spTree>
-      <p:nvGrpSpPr>
-        <p:cNvPr id="1" name=""/>
-        <p:cNvGrpSpPr/>
-        <p:nvPr/>
-      </p:nvGrpSpPr>
-      <p:grpSpPr>
-        <a:xfrm>
-          <a:off x="0" y="0"/>
-          <a:ext cx="0" cy="0"/>
-          <a:chOff x="0" y="0"/>
-          <a:chExt cx="0" cy="0"/>
-        </a:xfrm>
-      </p:grpSpPr>
-      <p:sp>
-        <p:nvSpPr>
-          <p:cNvPr id="2" name="제목 1">
-            <a:extLst>
-              <a:ext uri="{FF2B5EF4-FFF2-40B4-BE49-F238E27FC236}">
-                <a16:creationId xmlns:a16="http://schemas.microsoft.com/office/drawing/2014/main" id="{BDA3D861-0979-4501-A402-6E3F750FAC2E}"/>
-              </a:ext>
-            </a:extLst>
-          </p:cNvPr>
-          <p:cNvSpPr>
-            <a:spLocks noGrp="1"/>
-          </p:cNvSpPr>
-          <p:nvPr>
-            <p:ph type="title"/>
-          </p:nvPr>
-        </p:nvSpPr>
-        <p:spPr/>
-        <p:txBody>
-          <a:bodyPr>
-            <a:normAutofit fontScale="90000"/>
-          </a:bodyPr>
-          <a:lstStyle/>
-          <a:p>
-            <a:r>
-              <a:rPr lang="en-US" altLang="ko-KR"/>
-              <a:t>Mocking </a:t>
-            </a:r>
-            <a:r>
-              <a:rPr lang="ko-KR" altLang="en-US"/>
-              <a:t>활용 예시</a:t>
-            </a:r>
-          </a:p>
-        </p:txBody>
-      </p:sp>
-      <p:sp>
-        <p:nvSpPr>
-          <p:cNvPr id="3" name="텍스트 개체 틀 2">
-            <a:extLst>
-              <a:ext uri="{FF2B5EF4-FFF2-40B4-BE49-F238E27FC236}">
-                <a16:creationId xmlns:a16="http://schemas.microsoft.com/office/drawing/2014/main" id="{379AC7A0-B53D-489C-B3E5-10B54AEEA304}"/>
-              </a:ext>
-            </a:extLst>
-          </p:cNvPr>
-          <p:cNvSpPr>
-            <a:spLocks noGrp="1"/>
-          </p:cNvSpPr>
-          <p:nvPr>
-            <p:ph type="body" idx="1"/>
-          </p:nvPr>
-        </p:nvSpPr>
-        <p:spPr/>
-        <p:txBody>
-          <a:bodyPr/>
-          <a:lstStyle/>
-          <a:p>
-            <a:r>
-              <a:rPr lang="en-US" altLang="ko-KR"/>
-              <a:t>File reader</a:t>
-            </a:r>
-          </a:p>
-          <a:p>
-            <a:r>
-              <a:rPr lang="en-US" altLang="ko-KR"/>
-              <a:t>SSD deriver</a:t>
-            </a:r>
-          </a:p>
-          <a:p>
-            <a:r>
-              <a:rPr lang="en-US" altLang="ko-KR"/>
-              <a:t>Nand device</a:t>
-            </a:r>
-            <a:endParaRPr lang="ko-KR" altLang="en-US"/>
-          </a:p>
-        </p:txBody>
-      </p:sp>
-    </p:spTree>
-    <p:extLst>
-      <p:ext uri="{BB962C8B-B14F-4D97-AF65-F5344CB8AC3E}">
-        <p14:creationId xmlns:p14="http://schemas.microsoft.com/office/powerpoint/2010/main" val="829816428"/>
-      </p:ext>
-    </p:extLst>
-  </p:cSld>
-  <p:clrMapOvr>
-    <a:masterClrMapping/>
-  </p:clrMapOvr>
-</p:sld>
-</file>
-
-<file path=ppt/slides/slide9.xml><?xml version="1.0" encoding="utf-8"?>
-<p:sld xmlns:a="http://schemas.openxmlformats.org/drawingml/2006/main" xmlns:r="http://schemas.openxmlformats.org/officeDocument/2006/relationships" xmlns:p="http://schemas.openxmlformats.org/presentationml/2006/main">
-  <p:cSld>
-    <p:spTree>
-      <p:nvGrpSpPr>
-        <p:cNvPr id="1" name=""/>
-        <p:cNvGrpSpPr/>
-        <p:nvPr/>
-      </p:nvGrpSpPr>
-      <p:grpSpPr>
-        <a:xfrm>
-          <a:off x="0" y="0"/>
-          <a:ext cx="0" cy="0"/>
-          <a:chOff x="0" y="0"/>
-          <a:chExt cx="0" cy="0"/>
-        </a:xfrm>
-      </p:grpSpPr>
-      <p:sp>
-        <p:nvSpPr>
-          <p:cNvPr id="2" name="제목 1">
-            <a:extLst>
-              <a:ext uri="{FF2B5EF4-FFF2-40B4-BE49-F238E27FC236}">
-                <a16:creationId xmlns:a16="http://schemas.microsoft.com/office/drawing/2014/main" id="{339DF875-8450-4FC2-B87E-F9DBA360D9B2}"/>
-              </a:ext>
-            </a:extLst>
-          </p:cNvPr>
-          <p:cNvSpPr>
-            <a:spLocks noGrp="1"/>
-          </p:cNvSpPr>
-          <p:nvPr>
-            <p:ph type="title"/>
-          </p:nvPr>
-        </p:nvSpPr>
-        <p:spPr/>
-        <p:txBody>
-          <a:bodyPr>
-            <a:normAutofit fontScale="90000"/>
-          </a:bodyPr>
-          <a:lstStyle/>
-          <a:p>
-            <a:r>
-              <a:rPr lang="ko-KR" altLang="en-US"/>
-              <a:t>리팩토링 전후 코드 비교</a:t>
-            </a:r>
-          </a:p>
-        </p:txBody>
-      </p:sp>
-      <p:sp>
-        <p:nvSpPr>
-          <p:cNvPr id="3" name="텍스트 개체 틀 2">
-            <a:extLst>
-              <a:ext uri="{FF2B5EF4-FFF2-40B4-BE49-F238E27FC236}">
-                <a16:creationId xmlns:a16="http://schemas.microsoft.com/office/drawing/2014/main" id="{348A6CC5-097A-44E8-8418-8946CF1C9809}"/>
-              </a:ext>
-            </a:extLst>
-          </p:cNvPr>
-          <p:cNvSpPr>
-            <a:spLocks noGrp="1"/>
-          </p:cNvSpPr>
-          <p:nvPr>
-            <p:ph type="body" idx="1"/>
-          </p:nvPr>
-        </p:nvSpPr>
-        <p:spPr/>
-        <p:txBody>
-          <a:bodyPr/>
-          <a:lstStyle/>
-          <a:p>
-            <a:endParaRPr lang="ko-KR" altLang="en-US"/>
-          </a:p>
-        </p:txBody>
-      </p:sp>
-    </p:spTree>
-    <p:extLst>
-      <p:ext uri="{BB962C8B-B14F-4D97-AF65-F5344CB8AC3E}">
-        <p14:creationId xmlns:p14="http://schemas.microsoft.com/office/powerpoint/2010/main" val="1677564617"/>
       </p:ext>
     </p:extLst>
   </p:cSld>

--- a/발표양식.pptx
+++ b/발표양식.pptx
@@ -5,7 +5,7 @@
     <p:sldMasterId id="2147483648" r:id="rId1"/>
   </p:sldMasterIdLst>
   <p:notesMasterIdLst>
-    <p:notesMasterId r:id="rId19"/>
+    <p:notesMasterId r:id="rId21"/>
   </p:notesMasterIdLst>
   <p:sldIdLst>
     <p:sldId id="256" r:id="rId2"/>
@@ -15,16 +15,18 @@
     <p:sldId id="265" r:id="rId6"/>
     <p:sldId id="276" r:id="rId7"/>
     <p:sldId id="277" r:id="rId8"/>
-    <p:sldId id="286" r:id="rId9"/>
-    <p:sldId id="278" r:id="rId10"/>
-    <p:sldId id="285" r:id="rId11"/>
-    <p:sldId id="287" r:id="rId12"/>
-    <p:sldId id="279" r:id="rId13"/>
-    <p:sldId id="288" r:id="rId14"/>
-    <p:sldId id="280" r:id="rId15"/>
-    <p:sldId id="289" r:id="rId16"/>
-    <p:sldId id="281" r:id="rId17"/>
-    <p:sldId id="283" r:id="rId18"/>
+    <p:sldId id="291" r:id="rId9"/>
+    <p:sldId id="286" r:id="rId10"/>
+    <p:sldId id="278" r:id="rId11"/>
+    <p:sldId id="285" r:id="rId12"/>
+    <p:sldId id="287" r:id="rId13"/>
+    <p:sldId id="279" r:id="rId14"/>
+    <p:sldId id="290" r:id="rId15"/>
+    <p:sldId id="288" r:id="rId16"/>
+    <p:sldId id="280" r:id="rId17"/>
+    <p:sldId id="289" r:id="rId18"/>
+    <p:sldId id="281" r:id="rId19"/>
+    <p:sldId id="283" r:id="rId20"/>
   </p:sldIdLst>
   <p:sldSz cx="12192000" cy="6858000"/>
   <p:notesSz cx="6858000" cy="9144000"/>
@@ -262,7 +264,7 @@
       <p15:sldGuideLst xmlns:p15="http://schemas.microsoft.com/office/powerpoint/2012/main"/>
     </p:ext>
     <p:ext uri="GoogleSlidesCustomDataVersion2">
-      <go:slidesCustomData xmlns:go="http://customooxmlschemas.google.com/" xmlns:ahyp="http://schemas.microsoft.com/office/drawing/2018/hyperlinkcolor" xmlns:p15="http://schemas.microsoft.com/office/powerpoint/2012/main" xmlns:p14="http://schemas.microsoft.com/office/powerpoint/2010/main" xmlns:com="http://schemas.openxmlformats.org/drawingml/2006/compatibility" xmlns:pvml="urn:schemas-microsoft-com:office:powerpoint" xmlns:v="urn:schemas-microsoft-com:vml" xmlns:o="urn:schemas-microsoft-com:office:office" xmlns:dgm="http://schemas.openxmlformats.org/drawingml/2006/diagram" xmlns:c="http://schemas.openxmlformats.org/drawingml/2006/chart" xmlns:mv="urn:schemas-microsoft-com:mac:vml" xmlns:mc="http://schemas.openxmlformats.org/markup-compatibility/2006" xmlns="" r:id="rId20" roundtripDataSignature="AMtx7mj5GdbxsaFl02bTEFBl/9s84/Z/Bw=="/>
+      <go:slidesCustomData xmlns="" xmlns:mc="http://schemas.openxmlformats.org/markup-compatibility/2006" xmlns:mv="urn:schemas-microsoft-com:mac:vml" xmlns:c="http://schemas.openxmlformats.org/drawingml/2006/chart" xmlns:dgm="http://schemas.openxmlformats.org/drawingml/2006/diagram" xmlns:o="urn:schemas-microsoft-com:office:office" xmlns:v="urn:schemas-microsoft-com:vml" xmlns:pvml="urn:schemas-microsoft-com:office:powerpoint" xmlns:com="http://schemas.openxmlformats.org/drawingml/2006/compatibility" xmlns:p14="http://schemas.microsoft.com/office/powerpoint/2010/main" xmlns:p15="http://schemas.microsoft.com/office/powerpoint/2012/main" xmlns:ahyp="http://schemas.microsoft.com/office/drawing/2018/hyperlinkcolor" xmlns:go="http://customooxmlschemas.google.com/" r:id="rId22" roundtripDataSignature="AMtx7mj5GdbxsaFl02bTEFBl/9s84/Z/Bw=="/>
     </p:ext>
   </p:extLst>
 </p:presentation>
@@ -5982,6 +5984,151 @@
           <a:p>
             <a:r>
               <a:rPr lang="en-US" altLang="ko-KR"/>
+              <a:t>Code Coverage</a:t>
+            </a:r>
+            <a:endParaRPr lang="ko-KR" altLang="en-US"/>
+          </a:p>
+        </p:txBody>
+      </p:sp>
+      <p:sp>
+        <p:nvSpPr>
+          <p:cNvPr id="5" name="텍스트 개체 틀 4">
+            <a:extLst>
+              <a:ext uri="{FF2B5EF4-FFF2-40B4-BE49-F238E27FC236}">
+                <a16:creationId xmlns:a16="http://schemas.microsoft.com/office/drawing/2014/main" id="{79A8F705-B49E-4835-9D21-15CBA9BA73A4}"/>
+              </a:ext>
+            </a:extLst>
+          </p:cNvPr>
+          <p:cNvSpPr>
+            <a:spLocks noGrp="1"/>
+          </p:cNvSpPr>
+          <p:nvPr>
+            <p:ph type="body" idx="1"/>
+          </p:nvPr>
+        </p:nvSpPr>
+        <p:spPr/>
+        <p:txBody>
+          <a:bodyPr/>
+          <a:lstStyle/>
+          <a:p>
+            <a:endParaRPr lang="ko-KR" altLang="en-US"/>
+          </a:p>
+        </p:txBody>
+      </p:sp>
+      <p:pic>
+        <p:nvPicPr>
+          <p:cNvPr id="13" name="그림 12">
+            <a:extLst>
+              <a:ext uri="{FF2B5EF4-FFF2-40B4-BE49-F238E27FC236}">
+                <a16:creationId xmlns:a16="http://schemas.microsoft.com/office/drawing/2014/main" id="{CF31E10F-7F66-47A1-9BDC-25651E2452A2}"/>
+              </a:ext>
+            </a:extLst>
+          </p:cNvPr>
+          <p:cNvPicPr>
+            <a:picLocks noChangeAspect="1"/>
+          </p:cNvPicPr>
+          <p:nvPr/>
+        </p:nvPicPr>
+        <p:blipFill>
+          <a:blip r:embed="rId2"/>
+          <a:stretch>
+            <a:fillRect/>
+          </a:stretch>
+        </p:blipFill>
+        <p:spPr>
+          <a:xfrm>
+            <a:off x="5863780" y="1089793"/>
+            <a:ext cx="6137324" cy="5585655"/>
+          </a:xfrm>
+          <a:prstGeom prst="rect">
+            <a:avLst/>
+          </a:prstGeom>
+        </p:spPr>
+      </p:pic>
+      <p:pic>
+        <p:nvPicPr>
+          <p:cNvPr id="15" name="그림 14">
+            <a:extLst>
+              <a:ext uri="{FF2B5EF4-FFF2-40B4-BE49-F238E27FC236}">
+                <a16:creationId xmlns:a16="http://schemas.microsoft.com/office/drawing/2014/main" id="{752AA1E4-BA23-4667-9DD2-0297A7B84EC7}"/>
+              </a:ext>
+            </a:extLst>
+          </p:cNvPr>
+          <p:cNvPicPr>
+            <a:picLocks noChangeAspect="1"/>
+          </p:cNvPicPr>
+          <p:nvPr/>
+        </p:nvPicPr>
+        <p:blipFill rotWithShape="1">
+          <a:blip r:embed="rId3"/>
+          <a:srcRect r="10457"/>
+          <a:stretch/>
+        </p:blipFill>
+        <p:spPr>
+          <a:xfrm>
+            <a:off x="0" y="1089793"/>
+            <a:ext cx="5738327" cy="4823927"/>
+          </a:xfrm>
+          <a:prstGeom prst="rect">
+            <a:avLst/>
+          </a:prstGeom>
+        </p:spPr>
+      </p:pic>
+    </p:spTree>
+    <p:extLst>
+      <p:ext uri="{BB962C8B-B14F-4D97-AF65-F5344CB8AC3E}">
+        <p14:creationId xmlns:p14="http://schemas.microsoft.com/office/powerpoint/2010/main" val="3477409895"/>
+      </p:ext>
+    </p:extLst>
+  </p:cSld>
+  <p:clrMapOvr>
+    <a:masterClrMapping/>
+  </p:clrMapOvr>
+</p:sld>
+</file>
+
+<file path=ppt/slides/slide11.xml><?xml version="1.0" encoding="utf-8"?>
+<p:sld xmlns:a="http://schemas.openxmlformats.org/drawingml/2006/main" xmlns:r="http://schemas.openxmlformats.org/officeDocument/2006/relationships" xmlns:p="http://schemas.openxmlformats.org/presentationml/2006/main">
+  <p:cSld>
+    <p:spTree>
+      <p:nvGrpSpPr>
+        <p:cNvPr id="1" name=""/>
+        <p:cNvGrpSpPr/>
+        <p:nvPr/>
+      </p:nvGrpSpPr>
+      <p:grpSpPr>
+        <a:xfrm>
+          <a:off x="0" y="0"/>
+          <a:ext cx="0" cy="0"/>
+          <a:chOff x="0" y="0"/>
+          <a:chExt cx="0" cy="0"/>
+        </a:xfrm>
+      </p:grpSpPr>
+      <p:sp>
+        <p:nvSpPr>
+          <p:cNvPr id="2" name="제목 1">
+            <a:extLst>
+              <a:ext uri="{FF2B5EF4-FFF2-40B4-BE49-F238E27FC236}">
+                <a16:creationId xmlns:a16="http://schemas.microsoft.com/office/drawing/2014/main" id="{E126DC2B-16C1-4763-9EB8-0D522AC5921C}"/>
+              </a:ext>
+            </a:extLst>
+          </p:cNvPr>
+          <p:cNvSpPr>
+            <a:spLocks noGrp="1"/>
+          </p:cNvSpPr>
+          <p:nvPr>
+            <p:ph type="title"/>
+          </p:nvPr>
+        </p:nvSpPr>
+        <p:spPr/>
+        <p:txBody>
+          <a:bodyPr>
+            <a:normAutofit fontScale="90000"/>
+          </a:bodyPr>
+          <a:lstStyle/>
+          <a:p>
+            <a:r>
+              <a:rPr lang="en-US" altLang="ko-KR"/>
               <a:t>Test Fixure / Test case</a:t>
             </a:r>
             <a:endParaRPr lang="ko-KR" altLang="en-US"/>
@@ -6036,7 +6183,7 @@
 </p:sld>
 </file>
 
-<file path=ppt/slides/slide11.xml><?xml version="1.0" encoding="utf-8"?>
+<file path=ppt/slides/slide12.xml><?xml version="1.0" encoding="utf-8"?>
 <p:sld xmlns:a="http://schemas.openxmlformats.org/drawingml/2006/main" xmlns:r="http://schemas.openxmlformats.org/officeDocument/2006/relationships" xmlns:p="http://schemas.openxmlformats.org/presentationml/2006/main">
   <p:cSld>
     <p:spTree>
@@ -6123,7 +6270,7 @@
 </p:sld>
 </file>
 
-<file path=ppt/slides/slide12.xml><?xml version="1.0" encoding="utf-8"?>
+<file path=ppt/slides/slide13.xml><?xml version="1.0" encoding="utf-8"?>
 <p:sld xmlns:a="http://schemas.openxmlformats.org/drawingml/2006/main" xmlns:r="http://schemas.openxmlformats.org/officeDocument/2006/relationships" xmlns:p="http://schemas.openxmlformats.org/presentationml/2006/main">
   <p:cSld>
     <p:spTree>
@@ -6165,21 +6312,18 @@
           <a:p>
             <a:r>
               <a:rPr lang="en-US" altLang="ko-KR"/>
-              <a:t>Mocking </a:t>
-            </a:r>
-            <a:r>
-              <a:rPr lang="ko-KR" altLang="en-US"/>
-              <a:t>활용 예시</a:t>
-            </a:r>
+              <a:t>Nand device</a:t>
+            </a:r>
+            <a:endParaRPr lang="ko-KR" altLang="en-US"/>
           </a:p>
         </p:txBody>
       </p:sp>
       <p:sp>
         <p:nvSpPr>
-          <p:cNvPr id="3" name="텍스트 개체 틀 2">
+          <p:cNvPr id="5" name="텍스트 개체 틀 4">
             <a:extLst>
               <a:ext uri="{FF2B5EF4-FFF2-40B4-BE49-F238E27FC236}">
-                <a16:creationId xmlns:a16="http://schemas.microsoft.com/office/drawing/2014/main" id="{379AC7A0-B53D-489C-B3E5-10B54AEEA304}"/>
+                <a16:creationId xmlns:a16="http://schemas.microsoft.com/office/drawing/2014/main" id="{BD49FD13-7347-451E-BE34-6B3EA5767FB7}"/>
               </a:ext>
             </a:extLst>
           </p:cNvPr>
@@ -6195,113 +6339,44 @@
           <a:bodyPr/>
           <a:lstStyle/>
           <a:p>
-            <a:r>
-              <a:rPr lang="en-US" altLang="ko-KR"/>
-              <a:t>File reader</a:t>
-            </a:r>
-          </a:p>
-          <a:p>
-            <a:r>
-              <a:rPr lang="en-US" altLang="ko-KR"/>
-              <a:t>SSD deriver</a:t>
-            </a:r>
-          </a:p>
-          <a:p>
-            <a:r>
-              <a:rPr lang="en-US" altLang="ko-KR"/>
-              <a:t>Nand device</a:t>
-            </a:r>
             <a:endParaRPr lang="ko-KR" altLang="en-US"/>
           </a:p>
         </p:txBody>
       </p:sp>
+      <p:pic>
+        <p:nvPicPr>
+          <p:cNvPr id="9" name="그림 8">
+            <a:extLst>
+              <a:ext uri="{FF2B5EF4-FFF2-40B4-BE49-F238E27FC236}">
+                <a16:creationId xmlns:a16="http://schemas.microsoft.com/office/drawing/2014/main" id="{F978C1EC-3475-4C01-AEF0-E5EE4AED00EF}"/>
+              </a:ext>
+            </a:extLst>
+          </p:cNvPr>
+          <p:cNvPicPr>
+            <a:picLocks noChangeAspect="1"/>
+          </p:cNvPicPr>
+          <p:nvPr/>
+        </p:nvPicPr>
+        <p:blipFill>
+          <a:blip r:embed="rId2"/>
+          <a:stretch>
+            <a:fillRect/>
+          </a:stretch>
+        </p:blipFill>
+        <p:spPr>
+          <a:xfrm>
+            <a:off x="605980" y="1316376"/>
+            <a:ext cx="5419725" cy="4410075"/>
+          </a:xfrm>
+          <a:prstGeom prst="rect">
+            <a:avLst/>
+          </a:prstGeom>
+        </p:spPr>
+      </p:pic>
     </p:spTree>
     <p:extLst>
       <p:ext uri="{BB962C8B-B14F-4D97-AF65-F5344CB8AC3E}">
         <p14:creationId xmlns:p14="http://schemas.microsoft.com/office/powerpoint/2010/main" val="829816428"/>
-      </p:ext>
-    </p:extLst>
-  </p:cSld>
-  <p:clrMapOvr>
-    <a:masterClrMapping/>
-  </p:clrMapOvr>
-</p:sld>
-</file>
-
-<file path=ppt/slides/slide13.xml><?xml version="1.0" encoding="utf-8"?>
-<p:sld xmlns:a="http://schemas.openxmlformats.org/drawingml/2006/main" xmlns:r="http://schemas.openxmlformats.org/officeDocument/2006/relationships" xmlns:p="http://schemas.openxmlformats.org/presentationml/2006/main">
-  <p:cSld>
-    <p:spTree>
-      <p:nvGrpSpPr>
-        <p:cNvPr id="1" name="Shape 53"/>
-        <p:cNvGrpSpPr/>
-        <p:nvPr/>
-      </p:nvGrpSpPr>
-      <p:grpSpPr>
-        <a:xfrm>
-          <a:off x="0" y="0"/>
-          <a:ext cx="0" cy="0"/>
-          <a:chOff x="0" y="0"/>
-          <a:chExt cx="0" cy="0"/>
-        </a:xfrm>
-      </p:grpSpPr>
-      <p:sp>
-        <p:nvSpPr>
-          <p:cNvPr id="54" name="Google Shape;54;p2"/>
-          <p:cNvSpPr txBox="1">
-            <a:spLocks noGrp="1"/>
-          </p:cNvSpPr>
-          <p:nvPr>
-            <p:ph type="body" idx="1"/>
-          </p:nvPr>
-        </p:nvSpPr>
-        <p:spPr>
-          <a:xfrm>
-            <a:off x="1632000" y="1860184"/>
-            <a:ext cx="8928000" cy="2533083"/>
-          </a:xfrm>
-          <a:prstGeom prst="rect">
-            <a:avLst/>
-          </a:prstGeom>
-          <a:noFill/>
-          <a:ln>
-            <a:noFill/>
-          </a:ln>
-        </p:spPr>
-        <p:txBody>
-          <a:bodyPr spcFirstLastPara="1" wrap="square" lIns="0" tIns="45700" rIns="91425" bIns="45700" anchor="ctr" anchorCtr="0">
-            <a:noAutofit/>
-          </a:bodyPr>
-          <a:lstStyle/>
-          <a:p>
-            <a:pPr marL="0" lvl="0" indent="0" algn="ctr" rtl="0">
-              <a:lnSpc>
-                <a:spcPct val="90000"/>
-              </a:lnSpc>
-              <a:spcBef>
-                <a:spcPts val="0"/>
-              </a:spcBef>
-              <a:spcAft>
-                <a:spcPts val="0"/>
-              </a:spcAft>
-              <a:buClr>
-                <a:schemeClr val="dk1"/>
-              </a:buClr>
-              <a:buSzPts val="3200"/>
-              <a:buNone/>
-            </a:pPr>
-            <a:r>
-              <a:rPr lang="ko-KR" altLang="en-US"/>
-              <a:t>리팩토링</a:t>
-            </a:r>
-            <a:endParaRPr/>
-          </a:p>
-        </p:txBody>
-      </p:sp>
-    </p:spTree>
-    <p:extLst>
-      <p:ext uri="{BB962C8B-B14F-4D97-AF65-F5344CB8AC3E}">
-        <p14:creationId xmlns:p14="http://schemas.microsoft.com/office/powerpoint/2010/main" val="1821826519"/>
       </p:ext>
     </p:extLst>
   </p:cSld>
@@ -6333,7 +6408,7 @@
           <p:cNvPr id="2" name="제목 1">
             <a:extLst>
               <a:ext uri="{FF2B5EF4-FFF2-40B4-BE49-F238E27FC236}">
-                <a16:creationId xmlns:a16="http://schemas.microsoft.com/office/drawing/2014/main" id="{339DF875-8450-4FC2-B87E-F9DBA360D9B2}"/>
+                <a16:creationId xmlns:a16="http://schemas.microsoft.com/office/drawing/2014/main" id="{7CA6E275-E42D-455A-8319-2ABE16B52E86}"/>
               </a:ext>
             </a:extLst>
           </p:cNvPr>
@@ -6352,9 +6427,10 @@
           <a:lstStyle/>
           <a:p>
             <a:r>
-              <a:rPr lang="ko-KR" altLang="en-US"/>
-              <a:t>클린코드 전후 비교</a:t>
-            </a:r>
+              <a:rPr lang="en-US" altLang="ko-KR"/>
+              <a:t>FileReader &amp; SSDDriver</a:t>
+            </a:r>
+            <a:endParaRPr lang="ko-KR" altLang="en-US"/>
           </a:p>
         </p:txBody>
       </p:sp>
@@ -6363,7 +6439,7 @@
           <p:cNvPr id="3" name="텍스트 개체 틀 2">
             <a:extLst>
               <a:ext uri="{FF2B5EF4-FFF2-40B4-BE49-F238E27FC236}">
-                <a16:creationId xmlns:a16="http://schemas.microsoft.com/office/drawing/2014/main" id="{348A6CC5-097A-44E8-8418-8946CF1C9809}"/>
+                <a16:creationId xmlns:a16="http://schemas.microsoft.com/office/drawing/2014/main" id="{7B787FD8-4163-4D82-A621-EA9E76DADF36}"/>
               </a:ext>
             </a:extLst>
           </p:cNvPr>
@@ -6383,10 +6459,40 @@
           </a:p>
         </p:txBody>
       </p:sp>
+      <p:pic>
+        <p:nvPicPr>
+          <p:cNvPr id="5" name="그림 4">
+            <a:extLst>
+              <a:ext uri="{FF2B5EF4-FFF2-40B4-BE49-F238E27FC236}">
+                <a16:creationId xmlns:a16="http://schemas.microsoft.com/office/drawing/2014/main" id="{E8A1C801-5A48-4108-8C25-6129A2CF30DB}"/>
+              </a:ext>
+            </a:extLst>
+          </p:cNvPr>
+          <p:cNvPicPr>
+            <a:picLocks noChangeAspect="1"/>
+          </p:cNvPicPr>
+          <p:nvPr/>
+        </p:nvPicPr>
+        <p:blipFill>
+          <a:blip r:embed="rId2"/>
+          <a:stretch>
+            <a:fillRect/>
+          </a:stretch>
+        </p:blipFill>
+        <p:spPr>
+          <a:xfrm>
+            <a:off x="605980" y="1316376"/>
+            <a:ext cx="6677025" cy="3733800"/>
+          </a:xfrm>
+          <a:prstGeom prst="rect">
+            <a:avLst/>
+          </a:prstGeom>
+        </p:spPr>
+      </p:pic>
     </p:spTree>
     <p:extLst>
       <p:ext uri="{BB962C8B-B14F-4D97-AF65-F5344CB8AC3E}">
-        <p14:creationId xmlns:p14="http://schemas.microsoft.com/office/powerpoint/2010/main" val="1677564617"/>
+        <p14:creationId xmlns:p14="http://schemas.microsoft.com/office/powerpoint/2010/main" val="1727220812"/>
       </p:ext>
     </p:extLst>
   </p:cSld>
@@ -6460,6 +6566,174 @@
             </a:pPr>
             <a:r>
               <a:rPr lang="ko-KR" altLang="en-US"/>
+              <a:t>리팩토링을 통한 클린 코드</a:t>
+            </a:r>
+            <a:endParaRPr/>
+          </a:p>
+        </p:txBody>
+      </p:sp>
+    </p:spTree>
+    <p:extLst>
+      <p:ext uri="{BB962C8B-B14F-4D97-AF65-F5344CB8AC3E}">
+        <p14:creationId xmlns:p14="http://schemas.microsoft.com/office/powerpoint/2010/main" val="1821826519"/>
+      </p:ext>
+    </p:extLst>
+  </p:cSld>
+  <p:clrMapOvr>
+    <a:masterClrMapping/>
+  </p:clrMapOvr>
+</p:sld>
+</file>
+
+<file path=ppt/slides/slide16.xml><?xml version="1.0" encoding="utf-8"?>
+<p:sld xmlns:a="http://schemas.openxmlformats.org/drawingml/2006/main" xmlns:r="http://schemas.openxmlformats.org/officeDocument/2006/relationships" xmlns:p="http://schemas.openxmlformats.org/presentationml/2006/main">
+  <p:cSld>
+    <p:spTree>
+      <p:nvGrpSpPr>
+        <p:cNvPr id="1" name=""/>
+        <p:cNvGrpSpPr/>
+        <p:nvPr/>
+      </p:nvGrpSpPr>
+      <p:grpSpPr>
+        <a:xfrm>
+          <a:off x="0" y="0"/>
+          <a:ext cx="0" cy="0"/>
+          <a:chOff x="0" y="0"/>
+          <a:chExt cx="0" cy="0"/>
+        </a:xfrm>
+      </p:grpSpPr>
+      <p:sp>
+        <p:nvSpPr>
+          <p:cNvPr id="2" name="제목 1">
+            <a:extLst>
+              <a:ext uri="{FF2B5EF4-FFF2-40B4-BE49-F238E27FC236}">
+                <a16:creationId xmlns:a16="http://schemas.microsoft.com/office/drawing/2014/main" id="{339DF875-8450-4FC2-B87E-F9DBA360D9B2}"/>
+              </a:ext>
+            </a:extLst>
+          </p:cNvPr>
+          <p:cNvSpPr>
+            <a:spLocks noGrp="1"/>
+          </p:cNvSpPr>
+          <p:nvPr>
+            <p:ph type="title"/>
+          </p:nvPr>
+        </p:nvSpPr>
+        <p:spPr/>
+        <p:txBody>
+          <a:bodyPr>
+            <a:normAutofit fontScale="90000"/>
+          </a:bodyPr>
+          <a:lstStyle/>
+          <a:p>
+            <a:r>
+              <a:rPr lang="ko-KR" altLang="en-US"/>
+              <a:t>전후 결과 비교</a:t>
+            </a:r>
+          </a:p>
+        </p:txBody>
+      </p:sp>
+      <p:sp>
+        <p:nvSpPr>
+          <p:cNvPr id="3" name="텍스트 개체 틀 2">
+            <a:extLst>
+              <a:ext uri="{FF2B5EF4-FFF2-40B4-BE49-F238E27FC236}">
+                <a16:creationId xmlns:a16="http://schemas.microsoft.com/office/drawing/2014/main" id="{348A6CC5-097A-44E8-8418-8946CF1C9809}"/>
+              </a:ext>
+            </a:extLst>
+          </p:cNvPr>
+          <p:cNvSpPr>
+            <a:spLocks noGrp="1"/>
+          </p:cNvSpPr>
+          <p:nvPr>
+            <p:ph type="body" idx="1"/>
+          </p:nvPr>
+        </p:nvSpPr>
+        <p:spPr/>
+        <p:txBody>
+          <a:bodyPr/>
+          <a:lstStyle/>
+          <a:p>
+            <a:endParaRPr lang="ko-KR" altLang="en-US"/>
+          </a:p>
+        </p:txBody>
+      </p:sp>
+    </p:spTree>
+    <p:extLst>
+      <p:ext uri="{BB962C8B-B14F-4D97-AF65-F5344CB8AC3E}">
+        <p14:creationId xmlns:p14="http://schemas.microsoft.com/office/powerpoint/2010/main" val="1677564617"/>
+      </p:ext>
+    </p:extLst>
+  </p:cSld>
+  <p:clrMapOvr>
+    <a:masterClrMapping/>
+  </p:clrMapOvr>
+</p:sld>
+</file>
+
+<file path=ppt/slides/slide17.xml><?xml version="1.0" encoding="utf-8"?>
+<p:sld xmlns:a="http://schemas.openxmlformats.org/drawingml/2006/main" xmlns:r="http://schemas.openxmlformats.org/officeDocument/2006/relationships" xmlns:p="http://schemas.openxmlformats.org/presentationml/2006/main">
+  <p:cSld>
+    <p:spTree>
+      <p:nvGrpSpPr>
+        <p:cNvPr id="1" name="Shape 53"/>
+        <p:cNvGrpSpPr/>
+        <p:nvPr/>
+      </p:nvGrpSpPr>
+      <p:grpSpPr>
+        <a:xfrm>
+          <a:off x="0" y="0"/>
+          <a:ext cx="0" cy="0"/>
+          <a:chOff x="0" y="0"/>
+          <a:chExt cx="0" cy="0"/>
+        </a:xfrm>
+      </p:grpSpPr>
+      <p:sp>
+        <p:nvSpPr>
+          <p:cNvPr id="54" name="Google Shape;54;p2"/>
+          <p:cNvSpPr txBox="1">
+            <a:spLocks noGrp="1"/>
+          </p:cNvSpPr>
+          <p:nvPr>
+            <p:ph type="body" idx="1"/>
+          </p:nvPr>
+        </p:nvSpPr>
+        <p:spPr>
+          <a:xfrm>
+            <a:off x="1632000" y="1860184"/>
+            <a:ext cx="8928000" cy="2533083"/>
+          </a:xfrm>
+          <a:prstGeom prst="rect">
+            <a:avLst/>
+          </a:prstGeom>
+          <a:noFill/>
+          <a:ln>
+            <a:noFill/>
+          </a:ln>
+        </p:spPr>
+        <p:txBody>
+          <a:bodyPr spcFirstLastPara="1" wrap="square" lIns="0" tIns="45700" rIns="91425" bIns="45700" anchor="ctr" anchorCtr="0">
+            <a:noAutofit/>
+          </a:bodyPr>
+          <a:lstStyle/>
+          <a:p>
+            <a:pPr marL="0" lvl="0" indent="0" algn="ctr" rtl="0">
+              <a:lnSpc>
+                <a:spcPct val="90000"/>
+              </a:lnSpc>
+              <a:spcBef>
+                <a:spcPts val="0"/>
+              </a:spcBef>
+              <a:spcAft>
+                <a:spcPts val="0"/>
+              </a:spcAft>
+              <a:buClr>
+                <a:schemeClr val="dk1"/>
+              </a:buClr>
+              <a:buSzPts val="3200"/>
+              <a:buNone/>
+            </a:pPr>
+            <a:r>
+              <a:rPr lang="ko-KR" altLang="en-US"/>
               <a:t>소감</a:t>
             </a:r>
             <a:endParaRPr/>
@@ -6479,7 +6753,7 @@
 </p:sld>
 </file>
 
-<file path=ppt/slides/slide16.xml><?xml version="1.0" encoding="utf-8"?>
+<file path=ppt/slides/slide18.xml><?xml version="1.0" encoding="utf-8"?>
 <p:sld xmlns:a="http://schemas.openxmlformats.org/drawingml/2006/main" xmlns:r="http://schemas.openxmlformats.org/officeDocument/2006/relationships" xmlns:p="http://schemas.openxmlformats.org/presentationml/2006/main">
   <p:cSld>
     <p:spTree>
@@ -6889,7 +7163,7 @@
 </p:sld>
 </file>
 
-<file path=ppt/slides/slide17.xml><?xml version="1.0" encoding="utf-8"?>
+<file path=ppt/slides/slide19.xml><?xml version="1.0" encoding="utf-8"?>
 <p:sld xmlns:a="http://schemas.openxmlformats.org/drawingml/2006/main" xmlns:r="http://schemas.openxmlformats.org/officeDocument/2006/relationships" xmlns:p="http://schemas.openxmlformats.org/presentationml/2006/main">
   <p:cSld>
     <p:spTree>
@@ -8966,6 +9240,126 @@
   <p:cSld>
     <p:spTree>
       <p:nvGrpSpPr>
+        <p:cNvPr id="1" name=""/>
+        <p:cNvGrpSpPr/>
+        <p:nvPr/>
+      </p:nvGrpSpPr>
+      <p:grpSpPr>
+        <a:xfrm>
+          <a:off x="0" y="0"/>
+          <a:ext cx="0" cy="0"/>
+          <a:chOff x="0" y="0"/>
+          <a:chExt cx="0" cy="0"/>
+        </a:xfrm>
+      </p:grpSpPr>
+      <p:sp>
+        <p:nvSpPr>
+          <p:cNvPr id="2" name="제목 1">
+            <a:extLst>
+              <a:ext uri="{FF2B5EF4-FFF2-40B4-BE49-F238E27FC236}">
+                <a16:creationId xmlns:a16="http://schemas.microsoft.com/office/drawing/2014/main" id="{1B7259D9-6342-4C58-8050-5CA5698117F2}"/>
+              </a:ext>
+            </a:extLst>
+          </p:cNvPr>
+          <p:cNvSpPr>
+            <a:spLocks noGrp="1"/>
+          </p:cNvSpPr>
+          <p:nvPr>
+            <p:ph type="title"/>
+          </p:nvPr>
+        </p:nvSpPr>
+        <p:spPr/>
+        <p:txBody>
+          <a:bodyPr>
+            <a:normAutofit fontScale="90000"/>
+          </a:bodyPr>
+          <a:lstStyle/>
+          <a:p>
+            <a:r>
+              <a:rPr lang="ko-KR" altLang="en-US"/>
+              <a:t>디자인 패턴 </a:t>
+            </a:r>
+            <a:r>
+              <a:rPr lang="en-US" altLang="ko-KR"/>
+              <a:t>- Singletone</a:t>
+            </a:r>
+            <a:endParaRPr lang="ko-KR" altLang="en-US"/>
+          </a:p>
+        </p:txBody>
+      </p:sp>
+      <p:sp>
+        <p:nvSpPr>
+          <p:cNvPr id="3" name="텍스트 개체 틀 2">
+            <a:extLst>
+              <a:ext uri="{FF2B5EF4-FFF2-40B4-BE49-F238E27FC236}">
+                <a16:creationId xmlns:a16="http://schemas.microsoft.com/office/drawing/2014/main" id="{FC46BE82-9CA8-485C-83B1-598587BF066A}"/>
+              </a:ext>
+            </a:extLst>
+          </p:cNvPr>
+          <p:cNvSpPr>
+            <a:spLocks noGrp="1"/>
+          </p:cNvSpPr>
+          <p:nvPr>
+            <p:ph type="body" idx="1"/>
+          </p:nvPr>
+        </p:nvSpPr>
+        <p:spPr/>
+        <p:txBody>
+          <a:bodyPr/>
+          <a:lstStyle/>
+          <a:p>
+            <a:endParaRPr lang="ko-KR" altLang="en-US"/>
+          </a:p>
+        </p:txBody>
+      </p:sp>
+      <p:pic>
+        <p:nvPicPr>
+          <p:cNvPr id="5" name="그림 4">
+            <a:extLst>
+              <a:ext uri="{FF2B5EF4-FFF2-40B4-BE49-F238E27FC236}">
+                <a16:creationId xmlns:a16="http://schemas.microsoft.com/office/drawing/2014/main" id="{19D0C611-1AC0-430C-B6C1-610E40B71608}"/>
+              </a:ext>
+            </a:extLst>
+          </p:cNvPr>
+          <p:cNvPicPr>
+            <a:picLocks noChangeAspect="1"/>
+          </p:cNvPicPr>
+          <p:nvPr/>
+        </p:nvPicPr>
+        <p:blipFill>
+          <a:blip r:embed="rId2"/>
+          <a:stretch>
+            <a:fillRect/>
+          </a:stretch>
+        </p:blipFill>
+        <p:spPr>
+          <a:xfrm>
+            <a:off x="605980" y="1316376"/>
+            <a:ext cx="8029575" cy="3257550"/>
+          </a:xfrm>
+          <a:prstGeom prst="rect">
+            <a:avLst/>
+          </a:prstGeom>
+        </p:spPr>
+      </p:pic>
+    </p:spTree>
+    <p:extLst>
+      <p:ext uri="{BB962C8B-B14F-4D97-AF65-F5344CB8AC3E}">
+        <p14:creationId xmlns:p14="http://schemas.microsoft.com/office/powerpoint/2010/main" val="2663244451"/>
+      </p:ext>
+    </p:extLst>
+  </p:cSld>
+  <p:clrMapOvr>
+    <a:masterClrMapping/>
+  </p:clrMapOvr>
+</p:sld>
+</file>
+
+<file path=ppt/slides/slide9.xml><?xml version="1.0" encoding="utf-8"?>
+<p:sld xmlns:a="http://schemas.openxmlformats.org/drawingml/2006/main" xmlns:r="http://schemas.openxmlformats.org/officeDocument/2006/relationships" xmlns:p="http://schemas.openxmlformats.org/presentationml/2006/main">
+  <p:cSld>
+    <p:spTree>
+      <p:nvGrpSpPr>
         <p:cNvPr id="1" name="Shape 53"/>
         <p:cNvGrpSpPr/>
         <p:nvPr/>
@@ -9039,96 +9433,6 @@
     <p:extLst>
       <p:ext uri="{BB962C8B-B14F-4D97-AF65-F5344CB8AC3E}">
         <p14:creationId xmlns:p14="http://schemas.microsoft.com/office/powerpoint/2010/main" val="4056276162"/>
-      </p:ext>
-    </p:extLst>
-  </p:cSld>
-  <p:clrMapOvr>
-    <a:masterClrMapping/>
-  </p:clrMapOvr>
-</p:sld>
-</file>
-
-<file path=ppt/slides/slide9.xml><?xml version="1.0" encoding="utf-8"?>
-<p:sld xmlns:a="http://schemas.openxmlformats.org/drawingml/2006/main" xmlns:r="http://schemas.openxmlformats.org/officeDocument/2006/relationships" xmlns:p="http://schemas.openxmlformats.org/presentationml/2006/main">
-  <p:cSld>
-    <p:spTree>
-      <p:nvGrpSpPr>
-        <p:cNvPr id="1" name=""/>
-        <p:cNvGrpSpPr/>
-        <p:nvPr/>
-      </p:nvGrpSpPr>
-      <p:grpSpPr>
-        <a:xfrm>
-          <a:off x="0" y="0"/>
-          <a:ext cx="0" cy="0"/>
-          <a:chOff x="0" y="0"/>
-          <a:chExt cx="0" cy="0"/>
-        </a:xfrm>
-      </p:grpSpPr>
-      <p:sp>
-        <p:nvSpPr>
-          <p:cNvPr id="2" name="제목 1">
-            <a:extLst>
-              <a:ext uri="{FF2B5EF4-FFF2-40B4-BE49-F238E27FC236}">
-                <a16:creationId xmlns:a16="http://schemas.microsoft.com/office/drawing/2014/main" id="{E126DC2B-16C1-4763-9EB8-0D522AC5921C}"/>
-              </a:ext>
-            </a:extLst>
-          </p:cNvPr>
-          <p:cNvSpPr>
-            <a:spLocks noGrp="1"/>
-          </p:cNvSpPr>
-          <p:nvPr>
-            <p:ph type="title"/>
-          </p:nvPr>
-        </p:nvSpPr>
-        <p:spPr/>
-        <p:txBody>
-          <a:bodyPr>
-            <a:normAutofit fontScale="90000"/>
-          </a:bodyPr>
-          <a:lstStyle/>
-          <a:p>
-            <a:r>
-              <a:rPr lang="en-US" altLang="ko-KR"/>
-              <a:t>Code Coverage</a:t>
-            </a:r>
-            <a:endParaRPr lang="ko-KR" altLang="en-US"/>
-          </a:p>
-        </p:txBody>
-      </p:sp>
-      <p:sp>
-        <p:nvSpPr>
-          <p:cNvPr id="3" name="텍스트 개체 틀 2">
-            <a:extLst>
-              <a:ext uri="{FF2B5EF4-FFF2-40B4-BE49-F238E27FC236}">
-                <a16:creationId xmlns:a16="http://schemas.microsoft.com/office/drawing/2014/main" id="{B33CD206-7167-45B3-B4BE-F0BFA702F8C9}"/>
-              </a:ext>
-            </a:extLst>
-          </p:cNvPr>
-          <p:cNvSpPr>
-            <a:spLocks noGrp="1"/>
-          </p:cNvSpPr>
-          <p:nvPr>
-            <p:ph type="body" idx="1"/>
-          </p:nvPr>
-        </p:nvSpPr>
-        <p:spPr/>
-        <p:txBody>
-          <a:bodyPr/>
-          <a:lstStyle/>
-          <a:p>
-            <a:r>
-              <a:rPr lang="en-US" altLang="ko-KR"/>
-              <a:t>Coverage</a:t>
-            </a:r>
-            <a:endParaRPr lang="ko-KR" altLang="en-US"/>
-          </a:p>
-        </p:txBody>
-      </p:sp>
-    </p:spTree>
-    <p:extLst>
-      <p:ext uri="{BB962C8B-B14F-4D97-AF65-F5344CB8AC3E}">
-        <p14:creationId xmlns:p14="http://schemas.microsoft.com/office/powerpoint/2010/main" val="3477409895"/>
       </p:ext>
     </p:extLst>
   </p:cSld>

--- a/발표양식.pptx
+++ b/발표양식.pptx
@@ -5,28 +5,29 @@
     <p:sldMasterId id="2147483648" r:id="rId1"/>
   </p:sldMasterIdLst>
   <p:notesMasterIdLst>
-    <p:notesMasterId r:id="rId21"/>
+    <p:notesMasterId r:id="rId22"/>
   </p:notesMasterIdLst>
   <p:sldIdLst>
     <p:sldId id="256" r:id="rId2"/>
     <p:sldId id="257" r:id="rId3"/>
     <p:sldId id="258" r:id="rId4"/>
-    <p:sldId id="282" r:id="rId5"/>
-    <p:sldId id="265" r:id="rId6"/>
-    <p:sldId id="276" r:id="rId7"/>
-    <p:sldId id="277" r:id="rId8"/>
-    <p:sldId id="291" r:id="rId9"/>
-    <p:sldId id="286" r:id="rId10"/>
-    <p:sldId id="278" r:id="rId11"/>
-    <p:sldId id="285" r:id="rId12"/>
-    <p:sldId id="287" r:id="rId13"/>
-    <p:sldId id="279" r:id="rId14"/>
-    <p:sldId id="290" r:id="rId15"/>
-    <p:sldId id="288" r:id="rId16"/>
-    <p:sldId id="280" r:id="rId17"/>
-    <p:sldId id="289" r:id="rId18"/>
-    <p:sldId id="281" r:id="rId19"/>
-    <p:sldId id="283" r:id="rId20"/>
+    <p:sldId id="292" r:id="rId5"/>
+    <p:sldId id="293" r:id="rId6"/>
+    <p:sldId id="265" r:id="rId7"/>
+    <p:sldId id="276" r:id="rId8"/>
+    <p:sldId id="294" r:id="rId9"/>
+    <p:sldId id="291" r:id="rId10"/>
+    <p:sldId id="286" r:id="rId11"/>
+    <p:sldId id="278" r:id="rId12"/>
+    <p:sldId id="285" r:id="rId13"/>
+    <p:sldId id="287" r:id="rId14"/>
+    <p:sldId id="279" r:id="rId15"/>
+    <p:sldId id="290" r:id="rId16"/>
+    <p:sldId id="288" r:id="rId17"/>
+    <p:sldId id="280" r:id="rId18"/>
+    <p:sldId id="289" r:id="rId19"/>
+    <p:sldId id="281" r:id="rId20"/>
+    <p:sldId id="283" r:id="rId21"/>
   </p:sldIdLst>
   <p:sldSz cx="12192000" cy="6858000"/>
   <p:notesSz cx="6858000" cy="9144000"/>
@@ -264,7 +265,7 @@
       <p15:sldGuideLst xmlns:p15="http://schemas.microsoft.com/office/powerpoint/2012/main"/>
     </p:ext>
     <p:ext uri="GoogleSlidesCustomDataVersion2">
-      <go:slidesCustomData xmlns="" xmlns:mc="http://schemas.openxmlformats.org/markup-compatibility/2006" xmlns:mv="urn:schemas-microsoft-com:mac:vml" xmlns:c="http://schemas.openxmlformats.org/drawingml/2006/chart" xmlns:dgm="http://schemas.openxmlformats.org/drawingml/2006/diagram" xmlns:o="urn:schemas-microsoft-com:office:office" xmlns:v="urn:schemas-microsoft-com:vml" xmlns:pvml="urn:schemas-microsoft-com:office:powerpoint" xmlns:com="http://schemas.openxmlformats.org/drawingml/2006/compatibility" xmlns:p14="http://schemas.microsoft.com/office/powerpoint/2010/main" xmlns:p15="http://schemas.microsoft.com/office/powerpoint/2012/main" xmlns:ahyp="http://schemas.microsoft.com/office/drawing/2018/hyperlinkcolor" xmlns:go="http://customooxmlschemas.google.com/" r:id="rId22" roundtripDataSignature="AMtx7mj5GdbxsaFl02bTEFBl/9s84/Z/Bw=="/>
+      <go:slidesCustomData xmlns:go="http://customooxmlschemas.google.com/" xmlns:ahyp="http://schemas.microsoft.com/office/drawing/2018/hyperlinkcolor" xmlns:p15="http://schemas.microsoft.com/office/powerpoint/2012/main" xmlns:p14="http://schemas.microsoft.com/office/powerpoint/2010/main" xmlns:com="http://schemas.openxmlformats.org/drawingml/2006/compatibility" xmlns:pvml="urn:schemas-microsoft-com:office:powerpoint" xmlns:v="urn:schemas-microsoft-com:vml" xmlns:o="urn:schemas-microsoft-com:office:office" xmlns:dgm="http://schemas.openxmlformats.org/drawingml/2006/diagram" xmlns:c="http://schemas.openxmlformats.org/drawingml/2006/chart" xmlns:mv="urn:schemas-microsoft-com:mac:vml" xmlns:mc="http://schemas.openxmlformats.org/markup-compatibility/2006" xmlns="" r:id="rId23" roundtripDataSignature="AMtx7mj5GdbxsaFl02bTEFBl/9s84/Z/Bw=="/>
     </p:ext>
   </p:extLst>
 </p:presentation>
@@ -1028,115 +1029,6 @@
   <p:cSld>
     <p:spTree>
       <p:nvGrpSpPr>
-        <p:cNvPr id="1" name="Shape 55"/>
-        <p:cNvGrpSpPr/>
-        <p:nvPr/>
-      </p:nvGrpSpPr>
-      <p:grpSpPr>
-        <a:xfrm>
-          <a:off x="0" y="0"/>
-          <a:ext cx="0" cy="0"/>
-          <a:chOff x="0" y="0"/>
-          <a:chExt cx="0" cy="0"/>
-        </a:xfrm>
-      </p:grpSpPr>
-      <p:sp>
-        <p:nvSpPr>
-          <p:cNvPr id="56" name="Google Shape;56;p3:notes"/>
-          <p:cNvSpPr txBox="1">
-            <a:spLocks noGrp="1"/>
-          </p:cNvSpPr>
-          <p:nvPr>
-            <p:ph type="body" idx="1"/>
-          </p:nvPr>
-        </p:nvSpPr>
-        <p:spPr>
-          <a:xfrm>
-            <a:off x="685800" y="4343400"/>
-            <a:ext cx="5486400" cy="4114800"/>
-          </a:xfrm>
-          <a:prstGeom prst="rect">
-            <a:avLst/>
-          </a:prstGeom>
-        </p:spPr>
-        <p:txBody>
-          <a:bodyPr spcFirstLastPara="1" wrap="square" lIns="91425" tIns="91425" rIns="91425" bIns="91425" anchor="t" anchorCtr="0">
-            <a:noAutofit/>
-          </a:bodyPr>
-          <a:lstStyle/>
-          <a:p>
-            <a:pPr marL="0" lvl="0" indent="0" algn="l" rtl="0">
-              <a:spcBef>
-                <a:spcPts val="0"/>
-              </a:spcBef>
-              <a:spcAft>
-                <a:spcPts val="0"/>
-              </a:spcAft>
-              <a:buNone/>
-            </a:pPr>
-            <a:endParaRPr/>
-          </a:p>
-        </p:txBody>
-      </p:sp>
-      <p:sp>
-        <p:nvSpPr>
-          <p:cNvPr id="57" name="Google Shape;57;p3:notes"/>
-          <p:cNvSpPr>
-            <a:spLocks noGrp="1" noRot="1" noChangeAspect="1"/>
-          </p:cNvSpPr>
-          <p:nvPr>
-            <p:ph type="sldImg" idx="2"/>
-          </p:nvPr>
-        </p:nvSpPr>
-        <p:spPr>
-          <a:xfrm>
-            <a:off x="381000" y="685800"/>
-            <a:ext cx="6096000" cy="3429000"/>
-          </a:xfrm>
-          <a:custGeom>
-            <a:avLst/>
-            <a:gdLst/>
-            <a:ahLst/>
-            <a:cxnLst/>
-            <a:rect l="l" t="t" r="r" b="b"/>
-            <a:pathLst>
-              <a:path w="120000" h="120000" extrusionOk="0">
-                <a:moveTo>
-                  <a:pt x="0" y="0"/>
-                </a:moveTo>
-                <a:lnTo>
-                  <a:pt x="120000" y="0"/>
-                </a:lnTo>
-                <a:lnTo>
-                  <a:pt x="120000" y="120000"/>
-                </a:lnTo>
-                <a:lnTo>
-                  <a:pt x="0" y="120000"/>
-                </a:lnTo>
-                <a:close/>
-              </a:path>
-            </a:pathLst>
-          </a:custGeom>
-        </p:spPr>
-      </p:sp>
-    </p:spTree>
-    <p:extLst>
-      <p:ext uri="{BB962C8B-B14F-4D97-AF65-F5344CB8AC3E}">
-        <p14:creationId xmlns:p14="http://schemas.microsoft.com/office/powerpoint/2010/main" val="1353717680"/>
-      </p:ext>
-    </p:extLst>
-  </p:cSld>
-  <p:clrMapOvr>
-    <a:masterClrMapping/>
-  </p:clrMapOvr>
-</p:notes>
-</file>
-
-<file path=ppt/notesSlides/notesSlide5.xml><?xml version="1.0" encoding="utf-8"?>
-<p:notes xmlns:a="http://schemas.openxmlformats.org/drawingml/2006/main" xmlns:r="http://schemas.openxmlformats.org/officeDocument/2006/relationships" xmlns:p="http://schemas.openxmlformats.org/presentationml/2006/main" showMasterSp="0" showMasterPhAnim="0">
-  <p:cSld>
-    <p:spTree>
-      <p:nvGrpSpPr>
         <p:cNvPr id="1" name="Shape 50"/>
         <p:cNvGrpSpPr/>
         <p:nvPr/>
@@ -1241,7 +1133,7 @@
 </p:notes>
 </file>
 
-<file path=ppt/notesSlides/notesSlide6.xml><?xml version="1.0" encoding="utf-8"?>
+<file path=ppt/notesSlides/notesSlide5.xml><?xml version="1.0" encoding="utf-8"?>
 <p:notes xmlns:a="http://schemas.openxmlformats.org/drawingml/2006/main" xmlns:r="http://schemas.openxmlformats.org/officeDocument/2006/relationships" xmlns:p="http://schemas.openxmlformats.org/presentationml/2006/main" showMasterSp="0" showMasterPhAnim="0">
   <p:cSld>
     <p:spTree>
@@ -1350,7 +1242,7 @@
 </p:notes>
 </file>
 
-<file path=ppt/notesSlides/notesSlide7.xml><?xml version="1.0" encoding="utf-8"?>
+<file path=ppt/notesSlides/notesSlide6.xml><?xml version="1.0" encoding="utf-8"?>
 <p:notes xmlns:a="http://schemas.openxmlformats.org/drawingml/2006/main" xmlns:r="http://schemas.openxmlformats.org/officeDocument/2006/relationships" xmlns:p="http://schemas.openxmlformats.org/presentationml/2006/main" showMasterSp="0" showMasterPhAnim="0">
   <p:cSld>
     <p:spTree>
@@ -1459,7 +1351,7 @@
 </p:notes>
 </file>
 
-<file path=ppt/notesSlides/notesSlide8.xml><?xml version="1.0" encoding="utf-8"?>
+<file path=ppt/notesSlides/notesSlide7.xml><?xml version="1.0" encoding="utf-8"?>
 <p:notes xmlns:a="http://schemas.openxmlformats.org/drawingml/2006/main" xmlns:r="http://schemas.openxmlformats.org/officeDocument/2006/relationships" xmlns:p="http://schemas.openxmlformats.org/presentationml/2006/main" showMasterSp="0" showMasterPhAnim="0">
   <p:cSld>
     <p:spTree>
@@ -1568,7 +1460,7 @@
 </p:notes>
 </file>
 
-<file path=ppt/notesSlides/notesSlide9.xml><?xml version="1.0" encoding="utf-8"?>
+<file path=ppt/notesSlides/notesSlide8.xml><?xml version="1.0" encoding="utf-8"?>
 <p:notes xmlns:a="http://schemas.openxmlformats.org/drawingml/2006/main" xmlns:r="http://schemas.openxmlformats.org/officeDocument/2006/relationships" xmlns:p="http://schemas.openxmlformats.org/presentationml/2006/main" showMasterSp="0" showMasterPhAnim="0">
   <p:cSld>
     <p:spTree>
@@ -5947,6 +5839,93 @@
   <p:cSld>
     <p:spTree>
       <p:nvGrpSpPr>
+        <p:cNvPr id="1" name="Shape 53"/>
+        <p:cNvGrpSpPr/>
+        <p:nvPr/>
+      </p:nvGrpSpPr>
+      <p:grpSpPr>
+        <a:xfrm>
+          <a:off x="0" y="0"/>
+          <a:ext cx="0" cy="0"/>
+          <a:chOff x="0" y="0"/>
+          <a:chExt cx="0" cy="0"/>
+        </a:xfrm>
+      </p:grpSpPr>
+      <p:sp>
+        <p:nvSpPr>
+          <p:cNvPr id="54" name="Google Shape;54;p2"/>
+          <p:cNvSpPr txBox="1">
+            <a:spLocks noGrp="1"/>
+          </p:cNvSpPr>
+          <p:nvPr>
+            <p:ph type="body" idx="1"/>
+          </p:nvPr>
+        </p:nvSpPr>
+        <p:spPr>
+          <a:xfrm>
+            <a:off x="1632000" y="1860184"/>
+            <a:ext cx="8928000" cy="2533083"/>
+          </a:xfrm>
+          <a:prstGeom prst="rect">
+            <a:avLst/>
+          </a:prstGeom>
+          <a:noFill/>
+          <a:ln>
+            <a:noFill/>
+          </a:ln>
+        </p:spPr>
+        <p:txBody>
+          <a:bodyPr spcFirstLastPara="1" wrap="square" lIns="0" tIns="45700" rIns="91425" bIns="45700" anchor="ctr" anchorCtr="0">
+            <a:noAutofit/>
+          </a:bodyPr>
+          <a:lstStyle/>
+          <a:p>
+            <a:pPr marL="0" lvl="0" indent="0" algn="ctr" rtl="0">
+              <a:lnSpc>
+                <a:spcPct val="90000"/>
+              </a:lnSpc>
+              <a:spcBef>
+                <a:spcPts val="0"/>
+              </a:spcBef>
+              <a:spcAft>
+                <a:spcPts val="0"/>
+              </a:spcAft>
+              <a:buClr>
+                <a:schemeClr val="dk1"/>
+              </a:buClr>
+              <a:buSzPts val="3200"/>
+              <a:buNone/>
+            </a:pPr>
+            <a:r>
+              <a:rPr lang="en-US"/>
+              <a:t>TDD </a:t>
+            </a:r>
+            <a:r>
+              <a:rPr lang="ko-KR" altLang="en-US"/>
+              <a:t>활용 예시</a:t>
+            </a:r>
+            <a:endParaRPr/>
+          </a:p>
+        </p:txBody>
+      </p:sp>
+    </p:spTree>
+    <p:extLst>
+      <p:ext uri="{BB962C8B-B14F-4D97-AF65-F5344CB8AC3E}">
+        <p14:creationId xmlns:p14="http://schemas.microsoft.com/office/powerpoint/2010/main" val="4056276162"/>
+      </p:ext>
+    </p:extLst>
+  </p:cSld>
+  <p:clrMapOvr>
+    <a:masterClrMapping/>
+  </p:clrMapOvr>
+</p:sld>
+</file>
+
+<file path=ppt/slides/slide11.xml><?xml version="1.0" encoding="utf-8"?>
+<p:sld xmlns:a="http://schemas.openxmlformats.org/drawingml/2006/main" xmlns:r="http://schemas.openxmlformats.org/officeDocument/2006/relationships" xmlns:p="http://schemas.openxmlformats.org/presentationml/2006/main">
+  <p:cSld>
+    <p:spTree>
+      <p:nvGrpSpPr>
         <p:cNvPr id="1" name=""/>
         <p:cNvGrpSpPr/>
         <p:nvPr/>
@@ -6087,7 +6066,7 @@
 </p:sld>
 </file>
 
-<file path=ppt/slides/slide11.xml><?xml version="1.0" encoding="utf-8"?>
+<file path=ppt/slides/slide12.xml><?xml version="1.0" encoding="utf-8"?>
 <p:sld xmlns:a="http://schemas.openxmlformats.org/drawingml/2006/main" xmlns:r="http://schemas.openxmlformats.org/officeDocument/2006/relationships" xmlns:p="http://schemas.openxmlformats.org/presentationml/2006/main">
   <p:cSld>
     <p:spTree>
@@ -6183,7 +6162,7 @@
 </p:sld>
 </file>
 
-<file path=ppt/slides/slide12.xml><?xml version="1.0" encoding="utf-8"?>
+<file path=ppt/slides/slide13.xml><?xml version="1.0" encoding="utf-8"?>
 <p:sld xmlns:a="http://schemas.openxmlformats.org/drawingml/2006/main" xmlns:r="http://schemas.openxmlformats.org/officeDocument/2006/relationships" xmlns:p="http://schemas.openxmlformats.org/presentationml/2006/main">
   <p:cSld>
     <p:spTree>
@@ -6270,7 +6249,7 @@
 </p:sld>
 </file>
 
-<file path=ppt/slides/slide13.xml><?xml version="1.0" encoding="utf-8"?>
+<file path=ppt/slides/slide14.xml><?xml version="1.0" encoding="utf-8"?>
 <p:sld xmlns:a="http://schemas.openxmlformats.org/drawingml/2006/main" xmlns:r="http://schemas.openxmlformats.org/officeDocument/2006/relationships" xmlns:p="http://schemas.openxmlformats.org/presentationml/2006/main">
   <p:cSld>
     <p:spTree>
@@ -6386,7 +6365,7 @@
 </p:sld>
 </file>
 
-<file path=ppt/slides/slide14.xml><?xml version="1.0" encoding="utf-8"?>
+<file path=ppt/slides/slide15.xml><?xml version="1.0" encoding="utf-8"?>
 <p:sld xmlns:a="http://schemas.openxmlformats.org/drawingml/2006/main" xmlns:r="http://schemas.openxmlformats.org/officeDocument/2006/relationships" xmlns:p="http://schemas.openxmlformats.org/presentationml/2006/main">
   <p:cSld>
     <p:spTree>
@@ -6502,7 +6481,7 @@
 </p:sld>
 </file>
 
-<file path=ppt/slides/slide15.xml><?xml version="1.0" encoding="utf-8"?>
+<file path=ppt/slides/slide16.xml><?xml version="1.0" encoding="utf-8"?>
 <p:sld xmlns:a="http://schemas.openxmlformats.org/drawingml/2006/main" xmlns:r="http://schemas.openxmlformats.org/officeDocument/2006/relationships" xmlns:p="http://schemas.openxmlformats.org/presentationml/2006/main">
   <p:cSld>
     <p:spTree>
@@ -6585,7 +6564,7 @@
 </p:sld>
 </file>
 
-<file path=ppt/slides/slide16.xml><?xml version="1.0" encoding="utf-8"?>
+<file path=ppt/slides/slide17.xml><?xml version="1.0" encoding="utf-8"?>
 <p:sld xmlns:a="http://schemas.openxmlformats.org/drawingml/2006/main" xmlns:r="http://schemas.openxmlformats.org/officeDocument/2006/relationships" xmlns:p="http://schemas.openxmlformats.org/presentationml/2006/main">
   <p:cSld>
     <p:spTree>
@@ -6670,7 +6649,7 @@
 </p:sld>
 </file>
 
-<file path=ppt/slides/slide17.xml><?xml version="1.0" encoding="utf-8"?>
+<file path=ppt/slides/slide18.xml><?xml version="1.0" encoding="utf-8"?>
 <p:sld xmlns:a="http://schemas.openxmlformats.org/drawingml/2006/main" xmlns:r="http://schemas.openxmlformats.org/officeDocument/2006/relationships" xmlns:p="http://schemas.openxmlformats.org/presentationml/2006/main">
   <p:cSld>
     <p:spTree>
@@ -6753,416 +6732,6 @@
 </p:sld>
 </file>
 
-<file path=ppt/slides/slide18.xml><?xml version="1.0" encoding="utf-8"?>
-<p:sld xmlns:a="http://schemas.openxmlformats.org/drawingml/2006/main" xmlns:r="http://schemas.openxmlformats.org/officeDocument/2006/relationships" xmlns:p="http://schemas.openxmlformats.org/presentationml/2006/main">
-  <p:cSld>
-    <p:spTree>
-      <p:nvGrpSpPr>
-        <p:cNvPr id="1" name=""/>
-        <p:cNvGrpSpPr/>
-        <p:nvPr/>
-      </p:nvGrpSpPr>
-      <p:grpSpPr>
-        <a:xfrm>
-          <a:off x="0" y="0"/>
-          <a:ext cx="0" cy="0"/>
-          <a:chOff x="0" y="0"/>
-          <a:chExt cx="0" cy="0"/>
-        </a:xfrm>
-      </p:grpSpPr>
-      <p:sp>
-        <p:nvSpPr>
-          <p:cNvPr id="2" name="제목 1">
-            <a:extLst>
-              <a:ext uri="{FF2B5EF4-FFF2-40B4-BE49-F238E27FC236}">
-                <a16:creationId xmlns:a16="http://schemas.microsoft.com/office/drawing/2014/main" id="{6A0B7156-C56D-4366-AC21-2D6E2175AD9A}"/>
-              </a:ext>
-            </a:extLst>
-          </p:cNvPr>
-          <p:cNvSpPr>
-            <a:spLocks noGrp="1"/>
-          </p:cNvSpPr>
-          <p:nvPr>
-            <p:ph type="title"/>
-          </p:nvPr>
-        </p:nvSpPr>
-        <p:spPr/>
-        <p:txBody>
-          <a:bodyPr>
-            <a:normAutofit fontScale="90000"/>
-          </a:bodyPr>
-          <a:lstStyle/>
-          <a:p>
-            <a:r>
-              <a:rPr lang="ko-KR" altLang="en-US"/>
-              <a:t>소감</a:t>
-            </a:r>
-          </a:p>
-        </p:txBody>
-      </p:sp>
-      <p:sp>
-        <p:nvSpPr>
-          <p:cNvPr id="3" name="텍스트 개체 틀 2">
-            <a:extLst>
-              <a:ext uri="{FF2B5EF4-FFF2-40B4-BE49-F238E27FC236}">
-                <a16:creationId xmlns:a16="http://schemas.microsoft.com/office/drawing/2014/main" id="{1CC29DF7-2306-4B91-9898-DF8FFCDD7DC0}"/>
-              </a:ext>
-            </a:extLst>
-          </p:cNvPr>
-          <p:cNvSpPr>
-            <a:spLocks noGrp="1"/>
-          </p:cNvSpPr>
-          <p:nvPr>
-            <p:ph type="body" idx="1"/>
-          </p:nvPr>
-        </p:nvSpPr>
-        <p:spPr/>
-        <p:txBody>
-          <a:bodyPr>
-            <a:noAutofit/>
-          </a:bodyPr>
-          <a:lstStyle/>
-          <a:p>
-            <a:pPr marL="114300" indent="0" algn="l">
-              <a:buNone/>
-            </a:pPr>
-            <a:r>
-              <a:rPr lang="en-US" altLang="ko-KR" sz="2600">
-                <a:solidFill>
-                  <a:srgbClr val="1F2328"/>
-                </a:solidFill>
-                <a:latin typeface="-apple-system"/>
-              </a:rPr>
-              <a:t>“</a:t>
-            </a:r>
-            <a:r>
-              <a:rPr lang="ko-KR" altLang="en-US" sz="2600">
-                <a:solidFill>
-                  <a:srgbClr val="1F2328"/>
-                </a:solidFill>
-                <a:latin typeface="-apple-system"/>
-              </a:rPr>
-              <a:t>다양한 개발 방법을 직접 접해봐서 좋았습니다</a:t>
-            </a:r>
-            <a:r>
-              <a:rPr lang="en-US" altLang="ko-KR" sz="2600">
-                <a:solidFill>
-                  <a:srgbClr val="1F2328"/>
-                </a:solidFill>
-                <a:latin typeface="-apple-system"/>
-              </a:rPr>
-              <a:t>. </a:t>
-            </a:r>
-            <a:r>
-              <a:rPr lang="ko-KR" altLang="en-US" sz="2600">
-                <a:solidFill>
-                  <a:srgbClr val="1F2328"/>
-                </a:solidFill>
-                <a:latin typeface="-apple-system"/>
-              </a:rPr>
-              <a:t>마지막에 추가 요구 사항을 빠르게 반영하면서 현업의 기운을 느꼈습니다</a:t>
-            </a:r>
-            <a:r>
-              <a:rPr lang="en-US" altLang="ko-KR" sz="2600">
-                <a:solidFill>
-                  <a:srgbClr val="1F2328"/>
-                </a:solidFill>
-                <a:latin typeface="-apple-system"/>
-              </a:rPr>
-              <a:t>. </a:t>
-            </a:r>
-            <a:r>
-              <a:rPr lang="ko-KR" altLang="en-US" sz="2600">
-                <a:solidFill>
-                  <a:srgbClr val="1F2328"/>
-                </a:solidFill>
-                <a:latin typeface="-apple-system"/>
-              </a:rPr>
-              <a:t>팀원분들 모두 고생하셨습니다</a:t>
-            </a:r>
-            <a:r>
-              <a:rPr lang="en-US" altLang="ko-KR" sz="2600">
-                <a:solidFill>
-                  <a:srgbClr val="1F2328"/>
-                </a:solidFill>
-                <a:latin typeface="-apple-system"/>
-              </a:rPr>
-              <a:t>!”</a:t>
-            </a:r>
-          </a:p>
-          <a:p>
-            <a:pPr marL="114300" indent="0" algn="l">
-              <a:buNone/>
-            </a:pPr>
-            <a:endParaRPr lang="ko-KR" altLang="en-US" sz="2600" b="0" i="0">
-              <a:solidFill>
-                <a:srgbClr val="1F2328"/>
-              </a:solidFill>
-              <a:effectLst/>
-              <a:latin typeface="-apple-system"/>
-            </a:endParaRPr>
-          </a:p>
-          <a:p>
-            <a:pPr marL="114300" indent="0" algn="l">
-              <a:buNone/>
-            </a:pPr>
-            <a:r>
-              <a:rPr lang="en-US" altLang="ko-KR" sz="2600" b="0" i="0">
-                <a:solidFill>
-                  <a:srgbClr val="1F2328"/>
-                </a:solidFill>
-                <a:effectLst/>
-                <a:latin typeface="-apple-system"/>
-              </a:rPr>
-              <a:t>”</a:t>
-            </a:r>
-            <a:r>
-              <a:rPr lang="ko-KR" altLang="en-US" sz="2600" b="0" i="0">
-                <a:effectLst/>
-                <a:latin typeface="gg sans"/>
-              </a:rPr>
-              <a:t> </a:t>
-            </a:r>
-            <a:r>
-              <a:rPr lang="en-US" altLang="ko-KR" sz="2600" b="0" i="0">
-                <a:effectLst/>
-                <a:latin typeface="gg sans"/>
-              </a:rPr>
-              <a:t>3,4</a:t>
-            </a:r>
-            <a:r>
-              <a:rPr lang="ko-KR" altLang="en-US" sz="2600" b="0" i="0">
-                <a:effectLst/>
-                <a:latin typeface="gg sans"/>
-              </a:rPr>
-              <a:t>일차에 기능개발 급급하느라 </a:t>
-            </a:r>
-            <a:r>
-              <a:rPr lang="en-US" altLang="ko-KR" sz="2600" b="0" i="0">
-                <a:effectLst/>
-                <a:latin typeface="gg sans"/>
-              </a:rPr>
-              <a:t>TDD</a:t>
-            </a:r>
-            <a:r>
-              <a:rPr lang="ko-KR" altLang="en-US" sz="2600" b="0" i="0">
-                <a:effectLst/>
-                <a:latin typeface="gg sans"/>
-              </a:rPr>
-              <a:t>를 못하니까 </a:t>
-            </a:r>
-            <a:r>
-              <a:rPr lang="en-US" altLang="ko-KR" sz="2600" b="0" i="0">
-                <a:effectLst/>
-                <a:latin typeface="gg sans"/>
-              </a:rPr>
-              <a:t>'</a:t>
-            </a:r>
-            <a:r>
-              <a:rPr lang="ko-KR" altLang="en-US" sz="2600" b="0" i="0">
-                <a:effectLst/>
-                <a:latin typeface="gg sans"/>
-              </a:rPr>
-              <a:t>오늘은 내가 스파게티 요리사</a:t>
-            </a:r>
-            <a:r>
-              <a:rPr lang="en-US" altLang="ko-KR" sz="2600" b="0" i="0">
-                <a:effectLst/>
-                <a:latin typeface="gg sans"/>
-              </a:rPr>
-              <a:t>~!'</a:t>
-            </a:r>
-            <a:r>
-              <a:rPr lang="ko-KR" altLang="en-US" sz="2600" b="0" i="0">
-                <a:effectLst/>
-                <a:latin typeface="gg sans"/>
-              </a:rPr>
-              <a:t>가 되어리네요</a:t>
-            </a:r>
-            <a:r>
-              <a:rPr lang="en-US" altLang="ko-KR" sz="2600" b="0" i="0">
-                <a:effectLst/>
-                <a:latin typeface="gg sans"/>
-              </a:rPr>
-              <a:t>.. TDD </a:t>
-            </a:r>
-            <a:r>
-              <a:rPr lang="ko-KR" altLang="en-US" sz="2600" b="0" i="0">
-                <a:effectLst/>
-                <a:latin typeface="gg sans"/>
-              </a:rPr>
-              <a:t>꼭 명심하겠습니다</a:t>
-            </a:r>
-            <a:r>
-              <a:rPr lang="en-US" altLang="ko-KR" sz="2600" b="0" i="0">
-                <a:effectLst/>
-                <a:latin typeface="gg sans"/>
-              </a:rPr>
-              <a:t>~! </a:t>
-            </a:r>
-            <a:r>
-              <a:rPr lang="ko-KR" altLang="en-US" sz="2600" b="0" i="0">
-                <a:effectLst/>
-                <a:latin typeface="gg sans"/>
-              </a:rPr>
-              <a:t>로버트 </a:t>
-            </a:r>
-            <a:r>
-              <a:rPr lang="en-US" altLang="ko-KR" sz="2600" b="0" i="0">
-                <a:effectLst/>
-                <a:latin typeface="gg sans"/>
-              </a:rPr>
-              <a:t>C </a:t>
-            </a:r>
-            <a:r>
-              <a:rPr lang="ko-KR" altLang="en-US" sz="2600" b="0" i="0">
-                <a:effectLst/>
-                <a:latin typeface="gg sans"/>
-              </a:rPr>
-              <a:t>마틴</a:t>
-            </a:r>
-            <a:r>
-              <a:rPr lang="en-US" altLang="ko-KR" sz="2600" b="0" i="0">
-                <a:effectLst/>
-                <a:latin typeface="gg sans"/>
-              </a:rPr>
-              <a:t>, </a:t>
-            </a:r>
-            <a:r>
-              <a:rPr lang="ko-KR" altLang="en-US" sz="2600" b="0" i="0">
-                <a:effectLst/>
-                <a:latin typeface="gg sans"/>
-              </a:rPr>
-              <a:t>마틴 파울러</a:t>
-            </a:r>
-            <a:r>
-              <a:rPr lang="en-US" altLang="ko-KR" sz="2600" b="0" i="0">
-                <a:effectLst/>
-                <a:latin typeface="gg sans"/>
-              </a:rPr>
-              <a:t>, </a:t>
-            </a:r>
-            <a:r>
-              <a:rPr lang="ko-KR" altLang="en-US" sz="2600" b="0" i="0">
-                <a:effectLst/>
-                <a:latin typeface="gg sans"/>
-              </a:rPr>
-              <a:t>데이비드 하이네마이어 핸슨</a:t>
-            </a:r>
-            <a:r>
-              <a:rPr lang="en-US" altLang="ko-KR" sz="2600" b="0" i="0">
-                <a:effectLst/>
-                <a:latin typeface="gg sans"/>
-              </a:rPr>
-              <a:t>, </a:t>
-            </a:r>
-            <a:r>
-              <a:rPr lang="ko-KR" altLang="en-US" sz="2600" b="0" i="0">
-                <a:effectLst/>
-                <a:latin typeface="gg sans"/>
-              </a:rPr>
-              <a:t>팀 아메리카노</a:t>
-            </a:r>
-            <a:r>
-              <a:rPr lang="en-US" altLang="ko-KR" sz="2600" b="0" i="0">
-                <a:effectLst/>
-                <a:latin typeface="gg sans"/>
-              </a:rPr>
-              <a:t>, </a:t>
-            </a:r>
-            <a:r>
-              <a:rPr lang="ko-KR" altLang="en-US" sz="2600" b="0" i="0">
-                <a:effectLst/>
-                <a:latin typeface="gg sans"/>
-              </a:rPr>
-              <a:t>렛츠고</a:t>
-            </a:r>
-            <a:r>
-              <a:rPr lang="en-US" altLang="ko-KR" sz="2600" b="0" i="0">
-                <a:effectLst/>
-                <a:latin typeface="gg sans"/>
-              </a:rPr>
-              <a:t>!</a:t>
-            </a:r>
-            <a:r>
-              <a:rPr lang="en-US" altLang="ko-KR" sz="2600" b="0" i="0">
-                <a:solidFill>
-                  <a:srgbClr val="1F2328"/>
-                </a:solidFill>
-                <a:effectLst/>
-                <a:latin typeface="-apple-system"/>
-              </a:rPr>
-              <a:t>”</a:t>
-            </a:r>
-          </a:p>
-          <a:p>
-            <a:pPr marL="114300" indent="0" algn="l">
-              <a:buNone/>
-            </a:pPr>
-            <a:endParaRPr lang="en-US" altLang="ko-KR" sz="2600">
-              <a:solidFill>
-                <a:srgbClr val="1F2328"/>
-              </a:solidFill>
-              <a:latin typeface="-apple-system"/>
-            </a:endParaRPr>
-          </a:p>
-          <a:p>
-            <a:pPr marL="114300" indent="0" algn="l">
-              <a:buNone/>
-            </a:pPr>
-            <a:r>
-              <a:rPr lang="en-US" altLang="ko-KR" sz="2600" b="0" i="0">
-                <a:solidFill>
-                  <a:srgbClr val="1F2328"/>
-                </a:solidFill>
-                <a:effectLst/>
-                <a:latin typeface="-apple-system"/>
-              </a:rPr>
-              <a:t>“</a:t>
-            </a:r>
-            <a:r>
-              <a:rPr lang="ko-KR" altLang="en-US" sz="2600" b="0" i="0">
-                <a:solidFill>
-                  <a:srgbClr val="1F2328"/>
-                </a:solidFill>
-                <a:effectLst/>
-                <a:latin typeface="-apple-system"/>
-              </a:rPr>
-              <a:t>코드리뷰를 위한 새로운 기술들을 알아가는 유익한 시간이었고 팀원들과 한가지 목표로 달려가는 실습도 재미난 경험이었습니다 🙂  현업과제도 모두 화이팅</a:t>
-            </a:r>
-            <a:r>
-              <a:rPr lang="en-US" altLang="ko-KR" sz="2600" b="0" i="0">
-                <a:solidFill>
-                  <a:srgbClr val="1F2328"/>
-                </a:solidFill>
-                <a:effectLst/>
-                <a:latin typeface="-apple-system"/>
-              </a:rPr>
-              <a:t>!!”</a:t>
-            </a:r>
-            <a:endParaRPr lang="ko-KR" altLang="en-US" sz="2600" b="0" i="0">
-              <a:solidFill>
-                <a:srgbClr val="1F2328"/>
-              </a:solidFill>
-              <a:effectLst/>
-              <a:latin typeface="-apple-system"/>
-            </a:endParaRPr>
-          </a:p>
-        </p:txBody>
-      </p:sp>
-    </p:spTree>
-    <p:extLst>
-      <p:ext uri="{BB962C8B-B14F-4D97-AF65-F5344CB8AC3E}">
-        <p14:creationId xmlns:p14="http://schemas.microsoft.com/office/powerpoint/2010/main" val="1962314239"/>
-      </p:ext>
-    </p:extLst>
-  </p:cSld>
-  <p:clrMapOvr>
-    <a:masterClrMapping/>
-  </p:clrMapOvr>
-</p:sld>
-</file>
-
 <file path=ppt/slides/slide19.xml><?xml version="1.0" encoding="utf-8"?>
 <p:sld xmlns:a="http://schemas.openxmlformats.org/drawingml/2006/main" xmlns:r="http://schemas.openxmlformats.org/officeDocument/2006/relationships" xmlns:p="http://schemas.openxmlformats.org/presentationml/2006/main">
   <p:cSld>
@@ -7229,7 +6798,7 @@
         <p:spPr/>
         <p:txBody>
           <a:bodyPr>
-            <a:normAutofit fontScale="92500" lnSpcReduction="10000"/>
+            <a:noAutofit/>
           </a:bodyPr>
           <a:lstStyle/>
           <a:p>
@@ -7237,274 +6806,74 @@
               <a:buNone/>
             </a:pPr>
             <a:r>
-              <a:rPr lang="en-US" altLang="ko-KR" b="0" i="0">
+              <a:rPr lang="en-US" altLang="ko-KR" sz="2600">
                 <a:solidFill>
                   <a:srgbClr val="1F2328"/>
                 </a:solidFill>
-                <a:effectLst/>
                 <a:latin typeface="-apple-system"/>
               </a:rPr>
               <a:t>“</a:t>
             </a:r>
             <a:r>
-              <a:rPr lang="en-US" altLang="ko-KR" b="0" i="0">
-                <a:effectLst/>
-                <a:latin typeface="gg sans"/>
-              </a:rPr>
-              <a:t>TDD</a:t>
-            </a:r>
-            <a:r>
-              <a:rPr lang="ko-KR" altLang="en-US" b="0" i="0">
-                <a:effectLst/>
-                <a:latin typeface="gg sans"/>
-              </a:rPr>
-              <a:t>를 이용한 개발 방법을 학습하고</a:t>
-            </a:r>
-            <a:r>
-              <a:rPr lang="en-US" altLang="ko-KR" b="0" i="0">
-                <a:effectLst/>
-                <a:latin typeface="gg sans"/>
-              </a:rPr>
-              <a:t>, </a:t>
-            </a:r>
-            <a:r>
-              <a:rPr lang="ko-KR" altLang="en-US" b="0" i="0">
-                <a:effectLst/>
-                <a:latin typeface="gg sans"/>
-              </a:rPr>
-              <a:t>배운 내용을 팀원들과 실습을 통해서 적용해 본 유익한 시간이었습니다</a:t>
-            </a:r>
-            <a:r>
-              <a:rPr lang="en-US" altLang="ko-KR" b="0" i="0">
-                <a:effectLst/>
-                <a:latin typeface="gg sans"/>
-              </a:rPr>
-              <a:t>. 3</a:t>
-            </a:r>
-            <a:r>
-              <a:rPr lang="ko-KR" altLang="en-US" b="0" i="0">
-                <a:effectLst/>
-                <a:latin typeface="gg sans"/>
-              </a:rPr>
-              <a:t>주가 어떻게 지나갔는지 모를 정도로 즐겁게 배웠습니다</a:t>
-            </a:r>
-            <a:r>
-              <a:rPr lang="en-US" altLang="ko-KR" b="0" i="0">
-                <a:effectLst/>
-                <a:latin typeface="gg sans"/>
+              <a:rPr lang="ko-KR" altLang="en-US" sz="2600">
+                <a:solidFill>
+                  <a:srgbClr val="1F2328"/>
+                </a:solidFill>
+                <a:latin typeface="-apple-system"/>
+              </a:rPr>
+              <a:t>다양한 개발 방법을 직접 접해봐서 좋았습니다</a:t>
+            </a:r>
+            <a:r>
+              <a:rPr lang="en-US" altLang="ko-KR" sz="2600">
+                <a:solidFill>
+                  <a:srgbClr val="1F2328"/>
+                </a:solidFill>
+                <a:latin typeface="-apple-system"/>
               </a:rPr>
               <a:t>. </a:t>
             </a:r>
             <a:r>
-              <a:rPr lang="ko-KR" altLang="en-US" b="0" i="0">
-                <a:effectLst/>
-                <a:latin typeface="gg sans"/>
-              </a:rPr>
-              <a:t>현업부서에 돌아가서 부서원들에게도 적극 추천하고 싶습니다</a:t>
-            </a:r>
-            <a:r>
-              <a:rPr lang="en-US" altLang="ko-KR" b="0" i="0">
-                <a:effectLst/>
-                <a:latin typeface="gg sans"/>
-              </a:rPr>
-              <a:t>.</a:t>
-            </a:r>
-            <a:r>
-              <a:rPr lang="en-US" altLang="ko-KR" b="1" i="0">
-                <a:effectLst/>
-                <a:latin typeface="gg sans"/>
-              </a:rPr>
-              <a:t>”</a:t>
+              <a:rPr lang="ko-KR" altLang="en-US" sz="2600">
+                <a:solidFill>
+                  <a:srgbClr val="1F2328"/>
+                </a:solidFill>
+                <a:latin typeface="-apple-system"/>
+              </a:rPr>
+              <a:t>마지막에 추가 요구 사항을 빠르게 반영하면서 현업의 기운을 느꼈습니다</a:t>
+            </a:r>
+            <a:r>
+              <a:rPr lang="en-US" altLang="ko-KR" sz="2600">
+                <a:solidFill>
+                  <a:srgbClr val="1F2328"/>
+                </a:solidFill>
+                <a:latin typeface="-apple-system"/>
+              </a:rPr>
+              <a:t>. </a:t>
+            </a:r>
+            <a:r>
+              <a:rPr lang="ko-KR" altLang="en-US" sz="2600">
+                <a:solidFill>
+                  <a:srgbClr val="1F2328"/>
+                </a:solidFill>
+                <a:latin typeface="-apple-system"/>
+              </a:rPr>
+              <a:t>팀원분들 모두 고생하셨습니다</a:t>
+            </a:r>
+            <a:r>
+              <a:rPr lang="en-US" altLang="ko-KR" sz="2600">
+                <a:solidFill>
+                  <a:srgbClr val="1F2328"/>
+                </a:solidFill>
+                <a:latin typeface="-apple-system"/>
+              </a:rPr>
+              <a:t>!”</a:t>
             </a:r>
           </a:p>
           <a:p>
             <a:pPr marL="114300" indent="0" algn="l">
               <a:buNone/>
             </a:pPr>
-            <a:endParaRPr lang="en-US" altLang="ko-KR" b="1">
-              <a:solidFill>
-                <a:srgbClr val="1F2328"/>
-              </a:solidFill>
-              <a:latin typeface="gg sans"/>
-            </a:endParaRPr>
-          </a:p>
-          <a:p>
-            <a:pPr marL="114300" indent="0" algn="l">
-              <a:buNone/>
-            </a:pPr>
-            <a:r>
-              <a:rPr lang="en-US" altLang="ko-KR" b="1" i="0">
-                <a:solidFill>
-                  <a:srgbClr val="1F2328"/>
-                </a:solidFill>
-                <a:effectLst/>
-                <a:latin typeface="gg sans"/>
-              </a:rPr>
-              <a:t>“</a:t>
-            </a:r>
-            <a:r>
-              <a:rPr lang="ko-KR" altLang="en-US" b="0" i="0">
-                <a:effectLst/>
-                <a:latin typeface="gg sans"/>
-              </a:rPr>
-              <a:t>짧은 시간이었지만 뛰어난 팀원 분들과 함께 </a:t>
-            </a:r>
-            <a:r>
-              <a:rPr lang="en-US" altLang="ko-KR" b="0" i="0">
-                <a:effectLst/>
-                <a:latin typeface="gg sans"/>
-              </a:rPr>
-              <a:t>project </a:t>
-            </a:r>
-            <a:r>
-              <a:rPr lang="ko-KR" altLang="en-US" b="0" i="0">
-                <a:effectLst/>
-                <a:latin typeface="gg sans"/>
-              </a:rPr>
-              <a:t>하면서 많이 배웠습니다</a:t>
-            </a:r>
-            <a:r>
-              <a:rPr lang="en-US" altLang="ko-KR" b="0" i="0">
-                <a:effectLst/>
-                <a:latin typeface="gg sans"/>
-              </a:rPr>
-              <a:t>. </a:t>
-            </a:r>
-            <a:r>
-              <a:rPr lang="ko-KR" altLang="en-US" b="0" i="0">
-                <a:effectLst/>
-                <a:latin typeface="gg sans"/>
-              </a:rPr>
-              <a:t>현업에 복귀해서도 교육 기간 동안 배운 것들을 잘 실천해봐야 겠습니다</a:t>
-            </a:r>
-            <a:r>
-              <a:rPr lang="en-US" altLang="ko-KR" b="0" i="0">
-                <a:effectLst/>
-                <a:latin typeface="gg sans"/>
-              </a:rPr>
-              <a:t>. </a:t>
-            </a:r>
-            <a:r>
-              <a:rPr lang="ko-KR" altLang="en-US" b="0" i="0">
-                <a:effectLst/>
-                <a:latin typeface="gg sans"/>
-              </a:rPr>
-              <a:t>모두 고생 많으셨어요</a:t>
-            </a:r>
-            <a:r>
-              <a:rPr lang="en-US" altLang="ko-KR" b="0" i="0">
-                <a:effectLst/>
-                <a:latin typeface="gg sans"/>
-              </a:rPr>
-              <a:t>!</a:t>
-            </a:r>
-            <a:r>
-              <a:rPr lang="en-US" altLang="ko-KR" b="1" i="0">
-                <a:solidFill>
-                  <a:srgbClr val="1F2328"/>
-                </a:solidFill>
-                <a:effectLst/>
-                <a:latin typeface="gg sans"/>
-              </a:rPr>
-              <a:t>”</a:t>
-            </a:r>
-          </a:p>
-          <a:p>
-            <a:pPr marL="114300" indent="0" algn="l">
-              <a:buNone/>
-            </a:pPr>
-            <a:endParaRPr lang="en-US" altLang="ko-KR" b="1" i="0">
-              <a:solidFill>
-                <a:srgbClr val="1F2328"/>
-              </a:solidFill>
-              <a:effectLst/>
-              <a:latin typeface="gg sans"/>
-            </a:endParaRPr>
-          </a:p>
-          <a:p>
-            <a:pPr marL="114300" indent="0" algn="l">
-              <a:buNone/>
-            </a:pPr>
-            <a:r>
-              <a:rPr lang="en-US" altLang="ko-KR" b="1">
-                <a:solidFill>
-                  <a:srgbClr val="1F2328"/>
-                </a:solidFill>
-                <a:latin typeface="gg sans"/>
-              </a:rPr>
-              <a:t>“</a:t>
-            </a:r>
-            <a:r>
-              <a:rPr lang="ko-KR" altLang="en-US" b="0" i="0">
-                <a:effectLst/>
-                <a:latin typeface="gg sans"/>
-              </a:rPr>
-              <a:t>현업에서 개발을 할 때 선 구현 후 검증을 하였는데</a:t>
-            </a:r>
-            <a:r>
-              <a:rPr lang="en-US" altLang="ko-KR" b="0" i="0">
-                <a:effectLst/>
-                <a:latin typeface="gg sans"/>
-              </a:rPr>
-              <a:t>, TDD</a:t>
-            </a:r>
-            <a:r>
-              <a:rPr lang="ko-KR" altLang="en-US" b="0" i="0">
-                <a:effectLst/>
-                <a:latin typeface="gg sans"/>
-              </a:rPr>
-              <a:t>로 </a:t>
-            </a:r>
-            <a:r>
-              <a:rPr lang="en-US" altLang="ko-KR" b="0" i="0">
-                <a:effectLst/>
-                <a:latin typeface="gg sans"/>
-              </a:rPr>
-              <a:t>TC</a:t>
-            </a:r>
-            <a:r>
-              <a:rPr lang="ko-KR" altLang="en-US" b="0" i="0">
-                <a:effectLst/>
-                <a:latin typeface="gg sans"/>
-              </a:rPr>
-              <a:t>를 먼저 갖춰두고 시작하니 길을 잃지 않고 개발을 할 수 있게 되네요</a:t>
-            </a:r>
-            <a:r>
-              <a:rPr lang="en-US" altLang="ko-KR" b="0" i="0">
-                <a:effectLst/>
-                <a:latin typeface="gg sans"/>
-              </a:rPr>
-              <a:t>. </a:t>
-            </a:r>
-            <a:r>
-              <a:rPr lang="ko-KR" altLang="en-US" b="0" i="0">
-                <a:effectLst/>
-                <a:latin typeface="gg sans"/>
-              </a:rPr>
-              <a:t>소규모 단기 프로젝트로 협업하면서 많이 배웠습니다</a:t>
-            </a:r>
-            <a:r>
-              <a:rPr lang="en-US" altLang="ko-KR" b="0" i="0">
-                <a:effectLst/>
-                <a:latin typeface="gg sans"/>
-              </a:rPr>
-              <a:t>~ </a:t>
-            </a:r>
-            <a:r>
-              <a:rPr lang="ko-KR" altLang="en-US" b="0" i="0">
-                <a:effectLst/>
-                <a:latin typeface="gg sans"/>
-              </a:rPr>
-              <a:t>현업에서 잘 써먹어볼게요</a:t>
-            </a:r>
-            <a:r>
-              <a:rPr lang="en-US" altLang="ko-KR" b="0" i="0">
-                <a:effectLst/>
-                <a:latin typeface="gg sans"/>
-              </a:rPr>
-              <a:t>”</a:t>
-            </a:r>
-            <a:endParaRPr lang="ko-KR" altLang="en-US" b="0" i="0">
+            <a:endParaRPr lang="ko-KR" altLang="en-US" sz="2600" b="0" i="0">
               <a:solidFill>
                 <a:srgbClr val="1F2328"/>
               </a:solidFill>
@@ -7513,14 +6882,257 @@
             </a:endParaRPr>
           </a:p>
           <a:p>
-            <a:endParaRPr lang="ko-KR" altLang="en-US"/>
+            <a:pPr marL="114300" indent="0" algn="l">
+              <a:buNone/>
+            </a:pPr>
+            <a:r>
+              <a:rPr lang="en-US" altLang="ko-KR" sz="2600" b="0" i="0">
+                <a:solidFill>
+                  <a:srgbClr val="1F2328"/>
+                </a:solidFill>
+                <a:effectLst/>
+                <a:latin typeface="-apple-system"/>
+              </a:rPr>
+              <a:t>”</a:t>
+            </a:r>
+            <a:r>
+              <a:rPr lang="ko-KR" altLang="en-US" sz="2600" b="0" i="0">
+                <a:effectLst/>
+                <a:latin typeface="gg sans"/>
+              </a:rPr>
+              <a:t> </a:t>
+            </a:r>
+            <a:r>
+              <a:rPr lang="en-US" altLang="ko-KR" sz="2600" b="0" i="0">
+                <a:effectLst/>
+                <a:latin typeface="gg sans"/>
+              </a:rPr>
+              <a:t>3,4</a:t>
+            </a:r>
+            <a:r>
+              <a:rPr lang="ko-KR" altLang="en-US" sz="2600" b="0" i="0">
+                <a:effectLst/>
+                <a:latin typeface="gg sans"/>
+              </a:rPr>
+              <a:t>일차에 기능개발 급급하느라 </a:t>
+            </a:r>
+            <a:r>
+              <a:rPr lang="en-US" altLang="ko-KR" sz="2600" b="0" i="0">
+                <a:effectLst/>
+                <a:latin typeface="gg sans"/>
+              </a:rPr>
+              <a:t>TDD</a:t>
+            </a:r>
+            <a:r>
+              <a:rPr lang="ko-KR" altLang="en-US" sz="2600" b="0" i="0">
+                <a:effectLst/>
+                <a:latin typeface="gg sans"/>
+              </a:rPr>
+              <a:t>를 못하니까 </a:t>
+            </a:r>
+            <a:r>
+              <a:rPr lang="en-US" altLang="ko-KR" sz="2600" b="0" i="0">
+                <a:effectLst/>
+                <a:latin typeface="gg sans"/>
+              </a:rPr>
+              <a:t>'</a:t>
+            </a:r>
+            <a:r>
+              <a:rPr lang="ko-KR" altLang="en-US" sz="2600" b="0" i="0">
+                <a:effectLst/>
+                <a:latin typeface="gg sans"/>
+              </a:rPr>
+              <a:t>오늘은 내가 스파게티 요리사</a:t>
+            </a:r>
+            <a:r>
+              <a:rPr lang="en-US" altLang="ko-KR" sz="2600" b="0" i="0">
+                <a:effectLst/>
+                <a:latin typeface="gg sans"/>
+              </a:rPr>
+              <a:t>~!'</a:t>
+            </a:r>
+            <a:r>
+              <a:rPr lang="ko-KR" altLang="en-US" sz="2600" b="0" i="0">
+                <a:effectLst/>
+                <a:latin typeface="gg sans"/>
+              </a:rPr>
+              <a:t>가 되어리네요</a:t>
+            </a:r>
+            <a:r>
+              <a:rPr lang="en-US" altLang="ko-KR" sz="2600" b="0" i="0">
+                <a:effectLst/>
+                <a:latin typeface="gg sans"/>
+              </a:rPr>
+              <a:t>.. TDD </a:t>
+            </a:r>
+            <a:r>
+              <a:rPr lang="ko-KR" altLang="en-US" sz="2600" b="0" i="0">
+                <a:effectLst/>
+                <a:latin typeface="gg sans"/>
+              </a:rPr>
+              <a:t>꼭 명심하겠습니다</a:t>
+            </a:r>
+            <a:r>
+              <a:rPr lang="en-US" altLang="ko-KR" sz="2600" b="0" i="0">
+                <a:effectLst/>
+                <a:latin typeface="gg sans"/>
+              </a:rPr>
+              <a:t>~! </a:t>
+            </a:r>
+            <a:r>
+              <a:rPr lang="ko-KR" altLang="en-US" sz="2600" b="0" i="0">
+                <a:effectLst/>
+                <a:latin typeface="gg sans"/>
+              </a:rPr>
+              <a:t>로버트 </a:t>
+            </a:r>
+            <a:r>
+              <a:rPr lang="en-US" altLang="ko-KR" sz="2600" b="0" i="0">
+                <a:effectLst/>
+                <a:latin typeface="gg sans"/>
+              </a:rPr>
+              <a:t>C </a:t>
+            </a:r>
+            <a:r>
+              <a:rPr lang="ko-KR" altLang="en-US" sz="2600" b="0" i="0">
+                <a:effectLst/>
+                <a:latin typeface="gg sans"/>
+              </a:rPr>
+              <a:t>마틴</a:t>
+            </a:r>
+            <a:r>
+              <a:rPr lang="en-US" altLang="ko-KR" sz="2600" b="0" i="0">
+                <a:effectLst/>
+                <a:latin typeface="gg sans"/>
+              </a:rPr>
+              <a:t>, </a:t>
+            </a:r>
+            <a:r>
+              <a:rPr lang="ko-KR" altLang="en-US" sz="2600" b="0" i="0">
+                <a:effectLst/>
+                <a:latin typeface="gg sans"/>
+              </a:rPr>
+              <a:t>마틴 파울러</a:t>
+            </a:r>
+            <a:r>
+              <a:rPr lang="en-US" altLang="ko-KR" sz="2600" b="0" i="0">
+                <a:effectLst/>
+                <a:latin typeface="gg sans"/>
+              </a:rPr>
+              <a:t>, </a:t>
+            </a:r>
+            <a:r>
+              <a:rPr lang="ko-KR" altLang="en-US" sz="2600" b="0" i="0">
+                <a:effectLst/>
+                <a:latin typeface="gg sans"/>
+              </a:rPr>
+              <a:t>데이비드 하이네마이어 핸슨</a:t>
+            </a:r>
+            <a:r>
+              <a:rPr lang="en-US" altLang="ko-KR" sz="2600" b="0" i="0">
+                <a:effectLst/>
+                <a:latin typeface="gg sans"/>
+              </a:rPr>
+              <a:t>, </a:t>
+            </a:r>
+            <a:r>
+              <a:rPr lang="ko-KR" altLang="en-US" sz="2600" b="0" i="0">
+                <a:effectLst/>
+                <a:latin typeface="gg sans"/>
+              </a:rPr>
+              <a:t>팀 아메리카노</a:t>
+            </a:r>
+            <a:r>
+              <a:rPr lang="en-US" altLang="ko-KR" sz="2600" b="0" i="0">
+                <a:effectLst/>
+                <a:latin typeface="gg sans"/>
+              </a:rPr>
+              <a:t>, </a:t>
+            </a:r>
+            <a:r>
+              <a:rPr lang="ko-KR" altLang="en-US" sz="2600" b="0" i="0">
+                <a:effectLst/>
+                <a:latin typeface="gg sans"/>
+              </a:rPr>
+              <a:t>렛츠고</a:t>
+            </a:r>
+            <a:r>
+              <a:rPr lang="en-US" altLang="ko-KR" sz="2600" b="0" i="0">
+                <a:effectLst/>
+                <a:latin typeface="gg sans"/>
+              </a:rPr>
+              <a:t>!</a:t>
+            </a:r>
+            <a:r>
+              <a:rPr lang="en-US" altLang="ko-KR" sz="2600" b="0" i="0">
+                <a:solidFill>
+                  <a:srgbClr val="1F2328"/>
+                </a:solidFill>
+                <a:effectLst/>
+                <a:latin typeface="-apple-system"/>
+              </a:rPr>
+              <a:t>”</a:t>
+            </a:r>
+          </a:p>
+          <a:p>
+            <a:pPr marL="114300" indent="0" algn="l">
+              <a:buNone/>
+            </a:pPr>
+            <a:endParaRPr lang="en-US" altLang="ko-KR" sz="2600">
+              <a:solidFill>
+                <a:srgbClr val="1F2328"/>
+              </a:solidFill>
+              <a:latin typeface="-apple-system"/>
+            </a:endParaRPr>
+          </a:p>
+          <a:p>
+            <a:pPr marL="114300" indent="0" algn="l">
+              <a:buNone/>
+            </a:pPr>
+            <a:r>
+              <a:rPr lang="en-US" altLang="ko-KR" sz="2600" b="0" i="0">
+                <a:solidFill>
+                  <a:srgbClr val="1F2328"/>
+                </a:solidFill>
+                <a:effectLst/>
+                <a:latin typeface="-apple-system"/>
+              </a:rPr>
+              <a:t>“</a:t>
+            </a:r>
+            <a:r>
+              <a:rPr lang="ko-KR" altLang="en-US" sz="2600" b="0" i="0">
+                <a:solidFill>
+                  <a:srgbClr val="1F2328"/>
+                </a:solidFill>
+                <a:effectLst/>
+                <a:latin typeface="-apple-system"/>
+              </a:rPr>
+              <a:t>코드리뷰를 위한 새로운 기술들을 알아가는 유익한 시간이었고 팀원들과 한가지 목표로 달려가는 실습도 재미난 경험이었습니다 🙂  현업과제도 모두 화이팅</a:t>
+            </a:r>
+            <a:r>
+              <a:rPr lang="en-US" altLang="ko-KR" sz="2600" b="0" i="0">
+                <a:solidFill>
+                  <a:srgbClr val="1F2328"/>
+                </a:solidFill>
+                <a:effectLst/>
+                <a:latin typeface="-apple-system"/>
+              </a:rPr>
+              <a:t>!!”</a:t>
+            </a:r>
+            <a:endParaRPr lang="ko-KR" altLang="en-US" sz="2600" b="0" i="0">
+              <a:solidFill>
+                <a:srgbClr val="1F2328"/>
+              </a:solidFill>
+              <a:effectLst/>
+              <a:latin typeface="-apple-system"/>
+            </a:endParaRPr>
           </a:p>
         </p:txBody>
       </p:sp>
     </p:spTree>
     <p:extLst>
       <p:ext uri="{BB962C8B-B14F-4D97-AF65-F5344CB8AC3E}">
-        <p14:creationId xmlns:p14="http://schemas.microsoft.com/office/powerpoint/2010/main" val="3309002126"/>
+        <p14:creationId xmlns:p14="http://schemas.microsoft.com/office/powerpoint/2010/main" val="1962314239"/>
       </p:ext>
     </p:extLst>
   </p:cSld>
@@ -7608,6 +7220,373 @@
 </p:sld>
 </file>
 
+<file path=ppt/slides/slide20.xml><?xml version="1.0" encoding="utf-8"?>
+<p:sld xmlns:a="http://schemas.openxmlformats.org/drawingml/2006/main" xmlns:r="http://schemas.openxmlformats.org/officeDocument/2006/relationships" xmlns:p="http://schemas.openxmlformats.org/presentationml/2006/main">
+  <p:cSld>
+    <p:spTree>
+      <p:nvGrpSpPr>
+        <p:cNvPr id="1" name=""/>
+        <p:cNvGrpSpPr/>
+        <p:nvPr/>
+      </p:nvGrpSpPr>
+      <p:grpSpPr>
+        <a:xfrm>
+          <a:off x="0" y="0"/>
+          <a:ext cx="0" cy="0"/>
+          <a:chOff x="0" y="0"/>
+          <a:chExt cx="0" cy="0"/>
+        </a:xfrm>
+      </p:grpSpPr>
+      <p:sp>
+        <p:nvSpPr>
+          <p:cNvPr id="2" name="제목 1">
+            <a:extLst>
+              <a:ext uri="{FF2B5EF4-FFF2-40B4-BE49-F238E27FC236}">
+                <a16:creationId xmlns:a16="http://schemas.microsoft.com/office/drawing/2014/main" id="{6A0B7156-C56D-4366-AC21-2D6E2175AD9A}"/>
+              </a:ext>
+            </a:extLst>
+          </p:cNvPr>
+          <p:cNvSpPr>
+            <a:spLocks noGrp="1"/>
+          </p:cNvSpPr>
+          <p:nvPr>
+            <p:ph type="title"/>
+          </p:nvPr>
+        </p:nvSpPr>
+        <p:spPr/>
+        <p:txBody>
+          <a:bodyPr>
+            <a:normAutofit fontScale="90000"/>
+          </a:bodyPr>
+          <a:lstStyle/>
+          <a:p>
+            <a:r>
+              <a:rPr lang="ko-KR" altLang="en-US"/>
+              <a:t>소감</a:t>
+            </a:r>
+          </a:p>
+        </p:txBody>
+      </p:sp>
+      <p:sp>
+        <p:nvSpPr>
+          <p:cNvPr id="3" name="텍스트 개체 틀 2">
+            <a:extLst>
+              <a:ext uri="{FF2B5EF4-FFF2-40B4-BE49-F238E27FC236}">
+                <a16:creationId xmlns:a16="http://schemas.microsoft.com/office/drawing/2014/main" id="{1CC29DF7-2306-4B91-9898-DF8FFCDD7DC0}"/>
+              </a:ext>
+            </a:extLst>
+          </p:cNvPr>
+          <p:cNvSpPr>
+            <a:spLocks noGrp="1"/>
+          </p:cNvSpPr>
+          <p:nvPr>
+            <p:ph type="body" idx="1"/>
+          </p:nvPr>
+        </p:nvSpPr>
+        <p:spPr/>
+        <p:txBody>
+          <a:bodyPr>
+            <a:normAutofit fontScale="92500" lnSpcReduction="10000"/>
+          </a:bodyPr>
+          <a:lstStyle/>
+          <a:p>
+            <a:pPr marL="114300" indent="0" algn="l">
+              <a:buNone/>
+            </a:pPr>
+            <a:r>
+              <a:rPr lang="en-US" altLang="ko-KR" b="0" i="0">
+                <a:solidFill>
+                  <a:srgbClr val="1F2328"/>
+                </a:solidFill>
+                <a:effectLst/>
+                <a:latin typeface="-apple-system"/>
+              </a:rPr>
+              <a:t>“</a:t>
+            </a:r>
+            <a:r>
+              <a:rPr lang="en-US" altLang="ko-KR" b="0" i="0">
+                <a:effectLst/>
+                <a:latin typeface="gg sans"/>
+              </a:rPr>
+              <a:t>TDD</a:t>
+            </a:r>
+            <a:r>
+              <a:rPr lang="ko-KR" altLang="en-US" b="0" i="0">
+                <a:effectLst/>
+                <a:latin typeface="gg sans"/>
+              </a:rPr>
+              <a:t>를 이용한 개발 방법을 학습하고</a:t>
+            </a:r>
+            <a:r>
+              <a:rPr lang="en-US" altLang="ko-KR" b="0" i="0">
+                <a:effectLst/>
+                <a:latin typeface="gg sans"/>
+              </a:rPr>
+              <a:t>, </a:t>
+            </a:r>
+            <a:r>
+              <a:rPr lang="ko-KR" altLang="en-US" b="0" i="0">
+                <a:effectLst/>
+                <a:latin typeface="gg sans"/>
+              </a:rPr>
+              <a:t>배운 내용을 팀원들과 실습을 통해서 적용해 본 유익한 시간이었습니다</a:t>
+            </a:r>
+            <a:r>
+              <a:rPr lang="en-US" altLang="ko-KR" b="0" i="0">
+                <a:effectLst/>
+                <a:latin typeface="gg sans"/>
+              </a:rPr>
+              <a:t>. 3</a:t>
+            </a:r>
+            <a:r>
+              <a:rPr lang="ko-KR" altLang="en-US" b="0" i="0">
+                <a:effectLst/>
+                <a:latin typeface="gg sans"/>
+              </a:rPr>
+              <a:t>주가 어떻게 지나갔는지 모를 정도로 즐겁게 배웠습니다</a:t>
+            </a:r>
+            <a:r>
+              <a:rPr lang="en-US" altLang="ko-KR" b="0" i="0">
+                <a:effectLst/>
+                <a:latin typeface="gg sans"/>
+              </a:rPr>
+              <a:t>. </a:t>
+            </a:r>
+            <a:r>
+              <a:rPr lang="ko-KR" altLang="en-US" b="0" i="0">
+                <a:effectLst/>
+                <a:latin typeface="gg sans"/>
+              </a:rPr>
+              <a:t>현업부서에 돌아가서 부서원들에게도 적극 추천하고 싶습니다</a:t>
+            </a:r>
+            <a:r>
+              <a:rPr lang="en-US" altLang="ko-KR" b="0" i="0">
+                <a:effectLst/>
+                <a:latin typeface="gg sans"/>
+              </a:rPr>
+              <a:t>.</a:t>
+            </a:r>
+            <a:r>
+              <a:rPr lang="en-US" altLang="ko-KR" b="1" i="0">
+                <a:effectLst/>
+                <a:latin typeface="gg sans"/>
+              </a:rPr>
+              <a:t>”</a:t>
+            </a:r>
+          </a:p>
+          <a:p>
+            <a:pPr marL="114300" indent="0" algn="l">
+              <a:buNone/>
+            </a:pPr>
+            <a:endParaRPr lang="en-US" altLang="ko-KR" b="1">
+              <a:solidFill>
+                <a:srgbClr val="1F2328"/>
+              </a:solidFill>
+              <a:latin typeface="gg sans"/>
+            </a:endParaRPr>
+          </a:p>
+          <a:p>
+            <a:pPr marL="114300" indent="0" algn="l">
+              <a:buNone/>
+            </a:pPr>
+            <a:r>
+              <a:rPr lang="en-US" altLang="ko-KR" b="1" i="0">
+                <a:solidFill>
+                  <a:srgbClr val="1F2328"/>
+                </a:solidFill>
+                <a:effectLst/>
+                <a:latin typeface="gg sans"/>
+              </a:rPr>
+              <a:t>“</a:t>
+            </a:r>
+            <a:r>
+              <a:rPr lang="ko-KR" altLang="en-US" b="0" i="0">
+                <a:effectLst/>
+                <a:latin typeface="gg sans"/>
+              </a:rPr>
+              <a:t>짧은 시간이었지만 뛰어난 팀원 분들과 함께 </a:t>
+            </a:r>
+            <a:r>
+              <a:rPr lang="en-US" altLang="ko-KR" b="0" i="0">
+                <a:effectLst/>
+                <a:latin typeface="gg sans"/>
+              </a:rPr>
+              <a:t>project </a:t>
+            </a:r>
+            <a:r>
+              <a:rPr lang="ko-KR" altLang="en-US" b="0" i="0">
+                <a:effectLst/>
+                <a:latin typeface="gg sans"/>
+              </a:rPr>
+              <a:t>하면서 많이 배웠습니다</a:t>
+            </a:r>
+            <a:r>
+              <a:rPr lang="en-US" altLang="ko-KR" b="0" i="0">
+                <a:effectLst/>
+                <a:latin typeface="gg sans"/>
+              </a:rPr>
+              <a:t>. </a:t>
+            </a:r>
+            <a:r>
+              <a:rPr lang="ko-KR" altLang="en-US" b="0" i="0">
+                <a:effectLst/>
+                <a:latin typeface="gg sans"/>
+              </a:rPr>
+              <a:t>현업에 복귀해서도 교육 기간 동안 배운 것들을 잘 실천해봐야 겠습니다</a:t>
+            </a:r>
+            <a:r>
+              <a:rPr lang="en-US" altLang="ko-KR" b="0" i="0">
+                <a:effectLst/>
+                <a:latin typeface="gg sans"/>
+              </a:rPr>
+              <a:t>. </a:t>
+            </a:r>
+            <a:r>
+              <a:rPr lang="ko-KR" altLang="en-US" b="0" i="0">
+                <a:effectLst/>
+                <a:latin typeface="gg sans"/>
+              </a:rPr>
+              <a:t>모두 고생 많으셨어요</a:t>
+            </a:r>
+            <a:r>
+              <a:rPr lang="en-US" altLang="ko-KR" b="0" i="0">
+                <a:effectLst/>
+                <a:latin typeface="gg sans"/>
+              </a:rPr>
+              <a:t>!</a:t>
+            </a:r>
+            <a:r>
+              <a:rPr lang="en-US" altLang="ko-KR" b="1" i="0">
+                <a:solidFill>
+                  <a:srgbClr val="1F2328"/>
+                </a:solidFill>
+                <a:effectLst/>
+                <a:latin typeface="gg sans"/>
+              </a:rPr>
+              <a:t>”</a:t>
+            </a:r>
+          </a:p>
+          <a:p>
+            <a:pPr marL="114300" indent="0" algn="l">
+              <a:buNone/>
+            </a:pPr>
+            <a:endParaRPr lang="en-US" altLang="ko-KR" b="1" i="0">
+              <a:solidFill>
+                <a:srgbClr val="1F2328"/>
+              </a:solidFill>
+              <a:effectLst/>
+              <a:latin typeface="gg sans"/>
+            </a:endParaRPr>
+          </a:p>
+          <a:p>
+            <a:pPr marL="114300" indent="0" algn="l">
+              <a:buNone/>
+            </a:pPr>
+            <a:r>
+              <a:rPr lang="en-US" altLang="ko-KR" b="1">
+                <a:solidFill>
+                  <a:srgbClr val="1F2328"/>
+                </a:solidFill>
+                <a:latin typeface="gg sans"/>
+              </a:rPr>
+              <a:t>“</a:t>
+            </a:r>
+            <a:r>
+              <a:rPr lang="ko-KR" altLang="en-US" b="0" i="0">
+                <a:effectLst/>
+                <a:latin typeface="gg sans"/>
+              </a:rPr>
+              <a:t>현업에서 개발을 할 때 선 구현 후 검증을 하였는데</a:t>
+            </a:r>
+            <a:r>
+              <a:rPr lang="en-US" altLang="ko-KR" b="0" i="0">
+                <a:effectLst/>
+                <a:latin typeface="gg sans"/>
+              </a:rPr>
+              <a:t>, TDD</a:t>
+            </a:r>
+            <a:r>
+              <a:rPr lang="ko-KR" altLang="en-US" b="0" i="0">
+                <a:effectLst/>
+                <a:latin typeface="gg sans"/>
+              </a:rPr>
+              <a:t>로 </a:t>
+            </a:r>
+            <a:r>
+              <a:rPr lang="en-US" altLang="ko-KR" b="0" i="0">
+                <a:effectLst/>
+                <a:latin typeface="gg sans"/>
+              </a:rPr>
+              <a:t>TC</a:t>
+            </a:r>
+            <a:r>
+              <a:rPr lang="ko-KR" altLang="en-US" b="0" i="0">
+                <a:effectLst/>
+                <a:latin typeface="gg sans"/>
+              </a:rPr>
+              <a:t>를 먼저 갖춰두고 시작하니 길을 잃지 않고 개발을 할 수 있게 되네요</a:t>
+            </a:r>
+            <a:r>
+              <a:rPr lang="en-US" altLang="ko-KR" b="0" i="0">
+                <a:effectLst/>
+                <a:latin typeface="gg sans"/>
+              </a:rPr>
+              <a:t>. </a:t>
+            </a:r>
+            <a:r>
+              <a:rPr lang="ko-KR" altLang="en-US" b="0" i="0">
+                <a:effectLst/>
+                <a:latin typeface="gg sans"/>
+              </a:rPr>
+              <a:t>소규모 단기 프로젝트로 협업하면서 많이 배웠습니다</a:t>
+            </a:r>
+            <a:r>
+              <a:rPr lang="en-US" altLang="ko-KR" b="0" i="0">
+                <a:effectLst/>
+                <a:latin typeface="gg sans"/>
+              </a:rPr>
+              <a:t>~ </a:t>
+            </a:r>
+            <a:r>
+              <a:rPr lang="ko-KR" altLang="en-US" b="0" i="0">
+                <a:effectLst/>
+                <a:latin typeface="gg sans"/>
+              </a:rPr>
+              <a:t>현업에서 잘 써먹어볼게요</a:t>
+            </a:r>
+            <a:r>
+              <a:rPr lang="en-US" altLang="ko-KR" b="0" i="0">
+                <a:effectLst/>
+                <a:latin typeface="gg sans"/>
+              </a:rPr>
+              <a:t>”</a:t>
+            </a:r>
+            <a:endParaRPr lang="ko-KR" altLang="en-US" b="0" i="0">
+              <a:solidFill>
+                <a:srgbClr val="1F2328"/>
+              </a:solidFill>
+              <a:effectLst/>
+              <a:latin typeface="-apple-system"/>
+            </a:endParaRPr>
+          </a:p>
+          <a:p>
+            <a:endParaRPr lang="ko-KR" altLang="en-US"/>
+          </a:p>
+        </p:txBody>
+      </p:sp>
+    </p:spTree>
+    <p:extLst>
+      <p:ext uri="{BB962C8B-B14F-4D97-AF65-F5344CB8AC3E}">
+        <p14:creationId xmlns:p14="http://schemas.microsoft.com/office/powerpoint/2010/main" val="3309002126"/>
+      </p:ext>
+    </p:extLst>
+  </p:cSld>
+  <p:clrMapOvr>
+    <a:masterClrMapping/>
+  </p:clrMapOvr>
+</p:sld>
+</file>
+
 <file path=ppt/slides/slide3.xml><?xml version="1.0" encoding="utf-8"?>
 <p:sld xmlns:a="http://schemas.openxmlformats.org/drawingml/2006/main" xmlns:r="http://schemas.openxmlformats.org/officeDocument/2006/relationships" xmlns:p="http://schemas.openxmlformats.org/presentationml/2006/main">
   <p:cSld>
@@ -8323,7 +8302,7 @@
   <p:cSld>
     <p:spTree>
       <p:nvGrpSpPr>
-        <p:cNvPr id="1" name="Shape 58"/>
+        <p:cNvPr id="1" name=""/>
         <p:cNvGrpSpPr/>
         <p:nvPr/>
       </p:nvGrpSpPr>
@@ -8337,62 +8316,224 @@
       </p:grpSpPr>
       <p:sp>
         <p:nvSpPr>
-          <p:cNvPr id="59" name="Google Shape;59;p3"/>
-          <p:cNvSpPr txBox="1">
+          <p:cNvPr id="2" name="제목 1">
+            <a:extLst>
+              <a:ext uri="{FF2B5EF4-FFF2-40B4-BE49-F238E27FC236}">
+                <a16:creationId xmlns:a16="http://schemas.microsoft.com/office/drawing/2014/main" id="{0BB31325-DE3A-46F7-A898-FD208EE0E15A}"/>
+              </a:ext>
+            </a:extLst>
+          </p:cNvPr>
+          <p:cNvSpPr>
             <a:spLocks noGrp="1"/>
           </p:cNvSpPr>
           <p:nvPr>
             <p:ph type="title"/>
           </p:nvPr>
         </p:nvSpPr>
-        <p:spPr>
-          <a:xfrm>
-            <a:off x="605980" y="310143"/>
-            <a:ext cx="10515600" cy="649800"/>
-          </a:xfrm>
-          <a:prstGeom prst="rect">
-            <a:avLst/>
-          </a:prstGeom>
-          <a:noFill/>
-          <a:ln>
-            <a:noFill/>
-          </a:ln>
-        </p:spPr>
+        <p:spPr/>
         <p:txBody>
-          <a:bodyPr spcFirstLastPara="1" wrap="square" lIns="91425" tIns="45700" rIns="91425" bIns="45700" anchor="ctr" anchorCtr="0">
+          <a:bodyPr>
             <a:normAutofit fontScale="90000"/>
           </a:bodyPr>
           <a:lstStyle/>
           <a:p>
-            <a:pPr marL="0" lvl="0" indent="0" algn="l" rtl="0">
-              <a:lnSpc>
-                <a:spcPct val="90000"/>
-              </a:lnSpc>
-              <a:spcBef>
-                <a:spcPts val="0"/>
-              </a:spcBef>
-              <a:spcAft>
-                <a:spcPts val="0"/>
-              </a:spcAft>
-              <a:buClr>
-                <a:schemeClr val="dk1"/>
-              </a:buClr>
-              <a:buSzPts val="4400"/>
-              <a:buFont typeface="Malgun Gothic"/>
-              <a:buNone/>
-            </a:pPr>
             <a:r>
               <a:rPr lang="ko-KR" altLang="en-US"/>
               <a:t>활동 내역</a:t>
             </a:r>
-            <a:endParaRPr/>
           </a:p>
         </p:txBody>
       </p:sp>
       <p:sp>
         <p:nvSpPr>
-          <p:cNvPr id="60" name="Google Shape;60;p3"/>
-          <p:cNvSpPr txBox="1">
+          <p:cNvPr id="3" name="텍스트 개체 틀 2">
+            <a:extLst>
+              <a:ext uri="{FF2B5EF4-FFF2-40B4-BE49-F238E27FC236}">
+                <a16:creationId xmlns:a16="http://schemas.microsoft.com/office/drawing/2014/main" id="{2C11F712-29FF-4A6A-80A5-AFFFC0FC2F33}"/>
+              </a:ext>
+            </a:extLst>
+          </p:cNvPr>
+          <p:cNvSpPr>
+            <a:spLocks noGrp="1"/>
+          </p:cNvSpPr>
+          <p:nvPr>
+            <p:ph type="body" idx="1"/>
+          </p:nvPr>
+        </p:nvSpPr>
+        <p:spPr/>
+        <p:txBody>
+          <a:bodyPr/>
+          <a:lstStyle/>
+          <a:p>
+            <a:r>
+              <a:rPr lang="en-US" altLang="ko-KR" b="0" i="0">
+                <a:solidFill>
+                  <a:srgbClr val="000000"/>
+                </a:solidFill>
+                <a:effectLst/>
+                <a:latin typeface="inherit"/>
+              </a:rPr>
+              <a:t>102</a:t>
+            </a:r>
+            <a:r>
+              <a:rPr lang="ko-KR" altLang="en-US">
+                <a:solidFill>
+                  <a:srgbClr val="000000"/>
+                </a:solidFill>
+                <a:latin typeface="inherit"/>
+              </a:rPr>
+              <a:t> </a:t>
+            </a:r>
+            <a:r>
+              <a:rPr lang="en-US" altLang="ko-KR" b="0" i="0">
+                <a:solidFill>
+                  <a:srgbClr val="000000"/>
+                </a:solidFill>
+                <a:effectLst/>
+                <a:latin typeface="inherit"/>
+              </a:rPr>
+              <a:t>Merged</a:t>
+            </a:r>
+            <a:r>
+              <a:rPr lang="ko-KR" altLang="en-US" b="0" i="0">
+                <a:solidFill>
+                  <a:srgbClr val="000000"/>
+                </a:solidFill>
+                <a:effectLst/>
+                <a:latin typeface="inherit"/>
+              </a:rPr>
+              <a:t> </a:t>
+            </a:r>
+            <a:r>
+              <a:rPr lang="en-US" altLang="ko-KR" b="0" i="0">
+                <a:solidFill>
+                  <a:srgbClr val="000000"/>
+                </a:solidFill>
+                <a:effectLst/>
+                <a:latin typeface="inherit"/>
+              </a:rPr>
+              <a:t>PRs, 242 commits, </a:t>
+            </a:r>
+            <a:r>
+              <a:rPr lang="en-US" altLang="ko-KR" b="0" i="0">
+                <a:effectLst/>
+                <a:latin typeface="gg sans"/>
+              </a:rPr>
+              <a:t>275 comments</a:t>
+            </a:r>
+            <a:endParaRPr lang="en-US" altLang="ko-KR" b="0" i="0">
+              <a:solidFill>
+                <a:srgbClr val="000000"/>
+              </a:solidFill>
+              <a:effectLst/>
+              <a:latin typeface="inherit"/>
+            </a:endParaRPr>
+          </a:p>
+          <a:p>
+            <a:endParaRPr lang="ko-KR" altLang="en-US"/>
+          </a:p>
+        </p:txBody>
+      </p:sp>
+      <p:pic>
+        <p:nvPicPr>
+          <p:cNvPr id="5" name="그림 4">
+            <a:extLst>
+              <a:ext uri="{FF2B5EF4-FFF2-40B4-BE49-F238E27FC236}">
+                <a16:creationId xmlns:a16="http://schemas.microsoft.com/office/drawing/2014/main" id="{7404702F-0D03-4C12-B549-6524680FBE92}"/>
+              </a:ext>
+            </a:extLst>
+          </p:cNvPr>
+          <p:cNvPicPr>
+            <a:picLocks noChangeAspect="1"/>
+          </p:cNvPicPr>
+          <p:nvPr/>
+        </p:nvPicPr>
+        <p:blipFill>
+          <a:blip r:embed="rId2"/>
+          <a:stretch>
+            <a:fillRect/>
+          </a:stretch>
+        </p:blipFill>
+        <p:spPr>
+          <a:xfrm>
+            <a:off x="1070420" y="1958522"/>
+            <a:ext cx="9227902" cy="4641914"/>
+          </a:xfrm>
+          <a:prstGeom prst="rect">
+            <a:avLst/>
+          </a:prstGeom>
+        </p:spPr>
+      </p:pic>
+    </p:spTree>
+    <p:extLst>
+      <p:ext uri="{BB962C8B-B14F-4D97-AF65-F5344CB8AC3E}">
+        <p14:creationId xmlns:p14="http://schemas.microsoft.com/office/powerpoint/2010/main" val="4112427015"/>
+      </p:ext>
+    </p:extLst>
+  </p:cSld>
+  <p:clrMapOvr>
+    <a:masterClrMapping/>
+  </p:clrMapOvr>
+</p:sld>
+</file>
+
+<file path=ppt/slides/slide5.xml><?xml version="1.0" encoding="utf-8"?>
+<p:sld xmlns:a="http://schemas.openxmlformats.org/drawingml/2006/main" xmlns:r="http://schemas.openxmlformats.org/officeDocument/2006/relationships" xmlns:p="http://schemas.openxmlformats.org/presentationml/2006/main">
+  <p:cSld>
+    <p:spTree>
+      <p:nvGrpSpPr>
+        <p:cNvPr id="1" name=""/>
+        <p:cNvGrpSpPr/>
+        <p:nvPr/>
+      </p:nvGrpSpPr>
+      <p:grpSpPr>
+        <a:xfrm>
+          <a:off x="0" y="0"/>
+          <a:ext cx="0" cy="0"/>
+          <a:chOff x="0" y="0"/>
+          <a:chExt cx="0" cy="0"/>
+        </a:xfrm>
+      </p:grpSpPr>
+      <p:sp>
+        <p:nvSpPr>
+          <p:cNvPr id="2" name="제목 1">
+            <a:extLst>
+              <a:ext uri="{FF2B5EF4-FFF2-40B4-BE49-F238E27FC236}">
+                <a16:creationId xmlns:a16="http://schemas.microsoft.com/office/drawing/2014/main" id="{4D5DD28F-A78D-4990-BDE1-D82E7C9C4805}"/>
+              </a:ext>
+            </a:extLst>
+          </p:cNvPr>
+          <p:cNvSpPr>
+            <a:spLocks noGrp="1"/>
+          </p:cNvSpPr>
+          <p:nvPr>
+            <p:ph type="title"/>
+          </p:nvPr>
+        </p:nvSpPr>
+        <p:spPr/>
+        <p:txBody>
+          <a:bodyPr>
+            <a:normAutofit fontScale="90000"/>
+          </a:bodyPr>
+          <a:lstStyle/>
+          <a:p>
+            <a:r>
+              <a:rPr lang="ko-KR" altLang="en-US"/>
+              <a:t>활동 내역</a:t>
+            </a:r>
+          </a:p>
+        </p:txBody>
+      </p:sp>
+      <p:sp>
+        <p:nvSpPr>
+          <p:cNvPr id="3" name="텍스트 개체 틀 2">
+            <a:extLst>
+              <a:ext uri="{FF2B5EF4-FFF2-40B4-BE49-F238E27FC236}">
+                <a16:creationId xmlns:a16="http://schemas.microsoft.com/office/drawing/2014/main" id="{E60BA2CF-25EC-4D6C-BBA8-E979342B221C}"/>
+              </a:ext>
+            </a:extLst>
+          </p:cNvPr>
+          <p:cNvSpPr>
             <a:spLocks noGrp="1"/>
           </p:cNvSpPr>
           <p:nvPr>
@@ -8401,19 +8542,12 @@
         </p:nvSpPr>
         <p:spPr>
           <a:xfrm>
-            <a:off x="37330" y="1316376"/>
-            <a:ext cx="10515599" cy="1506579"/>
+            <a:off x="27482" y="1316376"/>
+            <a:ext cx="10515600" cy="4927686"/>
           </a:xfrm>
-          <a:prstGeom prst="rect">
-            <a:avLst/>
-          </a:prstGeom>
-          <a:noFill/>
-          <a:ln>
-            <a:noFill/>
-          </a:ln>
         </p:spPr>
         <p:txBody>
-          <a:bodyPr spcFirstLastPara="1" wrap="square" lIns="91425" tIns="45700" rIns="91425" bIns="45700" anchor="t" anchorCtr="0">
+          <a:bodyPr>
             <a:normAutofit/>
           </a:bodyPr>
           <a:lstStyle/>
@@ -8423,7 +8557,7 @@
               <a:buChar char="•"/>
             </a:pPr>
             <a:r>
-              <a:rPr lang="ko-KR" altLang="en-US" b="0" i="0">
+              <a:rPr lang="ko-KR" altLang="en-US" sz="2400" b="0" i="0">
                 <a:solidFill>
                   <a:srgbClr val="1F2328"/>
                 </a:solidFill>
@@ -8439,7 +8573,7 @@
               <a:buChar char="ü"/>
             </a:pPr>
             <a:r>
-              <a:rPr lang="ko-KR" altLang="en-US" b="0" i="0">
+              <a:rPr lang="ko-KR" altLang="en-US" sz="2000" b="0" i="0">
                 <a:solidFill>
                   <a:srgbClr val="1F2328"/>
                 </a:solidFill>
@@ -8449,7 +8583,7 @@
               <a:t>인덴트</a:t>
             </a:r>
             <a:r>
-              <a:rPr lang="en-US" altLang="ko-KR" b="0" i="0">
+              <a:rPr lang="en-US" altLang="ko-KR" sz="2000" b="0" i="0">
                 <a:solidFill>
                   <a:srgbClr val="1F2328"/>
                 </a:solidFill>
@@ -8459,7 +8593,7 @@
               <a:t>: Visual Studio </a:t>
             </a:r>
             <a:r>
-              <a:rPr lang="ko-KR" altLang="en-US" b="0" i="0">
+              <a:rPr lang="ko-KR" altLang="en-US" sz="2000" b="0" i="0">
                 <a:solidFill>
                   <a:srgbClr val="1F2328"/>
                 </a:solidFill>
@@ -8468,7 +8602,7 @@
               </a:rPr>
               <a:t>기능이용</a:t>
             </a:r>
-            <a:endParaRPr lang="en-US" altLang="ko-KR" b="0" i="0">
+            <a:endParaRPr lang="en-US" altLang="ko-KR" sz="2000" b="0" i="0">
               <a:solidFill>
                 <a:srgbClr val="1F2328"/>
               </a:solidFill>
@@ -8482,7 +8616,7 @@
               <a:buChar char="ü"/>
             </a:pPr>
             <a:r>
-              <a:rPr lang="en-US" altLang="ko-KR" b="0" i="0">
+              <a:rPr lang="en-US" altLang="ko-KR" sz="2000" b="0" i="0">
                 <a:solidFill>
                   <a:srgbClr val="1F2328"/>
                 </a:solidFill>
@@ -8492,7 +8626,7 @@
               <a:t>if, if else, else</a:t>
             </a:r>
             <a:r>
-              <a:rPr lang="ko-KR" altLang="en-US" b="0" i="0">
+              <a:rPr lang="ko-KR" altLang="en-US" sz="2000" b="0" i="0">
                 <a:solidFill>
                   <a:srgbClr val="1F2328"/>
                 </a:solidFill>
@@ -8502,7 +8636,7 @@
               <a:t>의 괄호는 한 줄로 쓰고</a:t>
             </a:r>
             <a:r>
-              <a:rPr lang="en-US" altLang="ko-KR" b="0" i="0">
+              <a:rPr lang="en-US" altLang="ko-KR" sz="2000" b="0" i="0">
                 <a:solidFill>
                   <a:srgbClr val="1F2328"/>
                 </a:solidFill>
@@ -8512,7 +8646,7 @@
               <a:t>, </a:t>
             </a:r>
             <a:r>
-              <a:rPr lang="ko-KR" altLang="en-US" b="0" i="0">
+              <a:rPr lang="ko-KR" altLang="en-US" sz="2000" b="0" i="0">
                 <a:solidFill>
                   <a:srgbClr val="1F2328"/>
                 </a:solidFill>
@@ -8521,7 +8655,108 @@
               </a:rPr>
               <a:t>생략 가능하더라도 사용</a:t>
             </a:r>
-            <a:endParaRPr lang="en-US" altLang="ko-KR" b="0" i="0">
+            <a:endParaRPr lang="en-US" altLang="ko-KR" sz="2000" b="0" i="0">
+              <a:solidFill>
+                <a:srgbClr val="1F2328"/>
+              </a:solidFill>
+              <a:effectLst/>
+              <a:latin typeface="-apple-system"/>
+            </a:endParaRPr>
+          </a:p>
+          <a:p>
+            <a:r>
+              <a:rPr lang="en-US" altLang="ko-KR" sz="2400"/>
+              <a:t>Branch Naming</a:t>
+            </a:r>
+          </a:p>
+          <a:p>
+            <a:pPr lvl="1">
+              <a:buFont typeface="Wingdings" panose="05000000000000000000" pitchFamily="2" charset="2"/>
+              <a:buChar char="ü"/>
+            </a:pPr>
+            <a:r>
+              <a:rPr lang="en-US" altLang="ko-KR" sz="2000"/>
+              <a:t>main: </a:t>
+            </a:r>
+            <a:r>
+              <a:rPr lang="ko-KR" altLang="en-US" sz="2000"/>
+              <a:t>최종 배포 </a:t>
+            </a:r>
+            <a:r>
+              <a:rPr lang="en-US" altLang="ko-KR" sz="2000"/>
+              <a:t>branch</a:t>
+            </a:r>
+          </a:p>
+          <a:p>
+            <a:pPr lvl="1">
+              <a:buFont typeface="Wingdings" panose="05000000000000000000" pitchFamily="2" charset="2"/>
+              <a:buChar char="ü"/>
+            </a:pPr>
+            <a:r>
+              <a:rPr lang="en-US" altLang="ko-KR" sz="2000"/>
+              <a:t>feature/ssd: SSD </a:t>
+            </a:r>
+            <a:r>
+              <a:rPr lang="ko-KR" altLang="en-US" sz="2000"/>
+              <a:t>개발용 </a:t>
+            </a:r>
+            <a:r>
+              <a:rPr lang="en-US" altLang="ko-KR" sz="2000"/>
+              <a:t>branch</a:t>
+            </a:r>
+          </a:p>
+          <a:p>
+            <a:pPr lvl="1">
+              <a:buFont typeface="Wingdings" panose="05000000000000000000" pitchFamily="2" charset="2"/>
+              <a:buChar char="ü"/>
+            </a:pPr>
+            <a:r>
+              <a:rPr lang="en-US" altLang="ko-KR" sz="2000"/>
+              <a:t>feature/test_shell: Test Shell </a:t>
+            </a:r>
+            <a:r>
+              <a:rPr lang="ko-KR" altLang="en-US" sz="2000"/>
+              <a:t>개발용 </a:t>
+            </a:r>
+            <a:r>
+              <a:rPr lang="en-US" altLang="ko-KR" sz="2000"/>
+              <a:t>branch</a:t>
+            </a:r>
+          </a:p>
+          <a:p>
+            <a:pPr lvl="1">
+              <a:buFont typeface="Wingdings" panose="05000000000000000000" pitchFamily="2" charset="2"/>
+              <a:buChar char="ü"/>
+            </a:pPr>
+            <a:r>
+              <a:rPr lang="ko-KR" altLang="en-US" sz="2000"/>
+              <a:t>기능 개발 </a:t>
+            </a:r>
+            <a:r>
+              <a:rPr lang="en-US" altLang="ko-KR" sz="2000"/>
+              <a:t>Branch Naming</a:t>
+            </a:r>
+          </a:p>
+          <a:p>
+            <a:pPr lvl="2">
+              <a:buFont typeface="Wingdings" panose="05000000000000000000" pitchFamily="2" charset="2"/>
+              <a:buChar char="§"/>
+            </a:pPr>
+            <a:r>
+              <a:rPr lang="en-US" altLang="ko-KR" sz="1800"/>
+              <a:t>feature/ssd_xxxx</a:t>
+            </a:r>
+          </a:p>
+          <a:p>
+            <a:pPr lvl="2">
+              <a:buFont typeface="Wingdings" panose="05000000000000000000" pitchFamily="2" charset="2"/>
+              <a:buChar char="§"/>
+            </a:pPr>
+            <a:r>
+              <a:rPr lang="en-US" altLang="ko-KR" sz="1800"/>
+              <a:t>feature/shell_xxx</a:t>
+            </a:r>
+            <a:endParaRPr lang="en-US" altLang="ko-KR" sz="1800" b="0" i="0">
               <a:solidFill>
                 <a:srgbClr val="1F2328"/>
               </a:solidFill>
@@ -8534,7 +8769,7 @@
               <a:buFont typeface="Wingdings" panose="05000000000000000000" pitchFamily="2" charset="2"/>
               <a:buChar char="ü"/>
             </a:pPr>
-            <a:endParaRPr lang="en-US" altLang="ko-KR">
+            <a:endParaRPr lang="en-US" altLang="ko-KR" sz="2000">
               <a:solidFill>
                 <a:srgbClr val="1F2328"/>
               </a:solidFill>
@@ -8542,25 +8777,16 @@
             </a:endParaRPr>
           </a:p>
           <a:p>
-            <a:pPr>
-              <a:buFont typeface="Arial" panose="020B0604020202020204" pitchFamily="34" charset="0"/>
-              <a:buChar char="•"/>
-            </a:pPr>
-            <a:endParaRPr lang="ko-KR" altLang="en-US">
-              <a:solidFill>
-                <a:srgbClr val="1F2328"/>
-              </a:solidFill>
-              <a:latin typeface="-apple-system"/>
-            </a:endParaRPr>
+            <a:endParaRPr lang="ko-KR" altLang="en-US" sz="2400"/>
           </a:p>
         </p:txBody>
       </p:sp>
       <p:pic>
         <p:nvPicPr>
-          <p:cNvPr id="5" name="그림 4">
+          <p:cNvPr id="4" name="그림 3">
             <a:extLst>
               <a:ext uri="{FF2B5EF4-FFF2-40B4-BE49-F238E27FC236}">
-                <a16:creationId xmlns:a16="http://schemas.microsoft.com/office/drawing/2014/main" id="{77C87094-78B1-4C1D-B1A9-1F3B2ABE81B3}"/>
+                <a16:creationId xmlns:a16="http://schemas.microsoft.com/office/drawing/2014/main" id="{3CC5EF5E-0982-434F-A40B-E7450635C607}"/>
               </a:ext>
             </a:extLst>
           </p:cNvPr>
@@ -8569,367 +8795,16 @@
           </p:cNvPicPr>
           <p:nvPr/>
         </p:nvPicPr>
-        <p:blipFill rotWithShape="1">
-          <a:blip r:embed="rId3"/>
-          <a:srcRect r="8094" b="41809"/>
-          <a:stretch/>
+        <p:blipFill>
+          <a:blip r:embed="rId2"/>
+          <a:stretch>
+            <a:fillRect/>
+          </a:stretch>
         </p:blipFill>
         <p:spPr>
           <a:xfrm>
-            <a:off x="9312236" y="37324"/>
-            <a:ext cx="2536974" cy="2908040"/>
-          </a:xfrm>
-          <a:prstGeom prst="rect">
-            <a:avLst/>
-          </a:prstGeom>
-        </p:spPr>
-      </p:pic>
-      <p:sp>
-        <p:nvSpPr>
-          <p:cNvPr id="8" name="TextBox 7">
-            <a:extLst>
-              <a:ext uri="{FF2B5EF4-FFF2-40B4-BE49-F238E27FC236}">
-                <a16:creationId xmlns:a16="http://schemas.microsoft.com/office/drawing/2014/main" id="{D6D8A14E-9EAC-4AB3-BA8D-65167B20F8DC}"/>
-              </a:ext>
-            </a:extLst>
-          </p:cNvPr>
-          <p:cNvSpPr txBox="1"/>
-          <p:nvPr/>
-        </p:nvSpPr>
-        <p:spPr>
-          <a:xfrm>
-            <a:off x="37330" y="3146731"/>
-            <a:ext cx="6635150" cy="2748445"/>
-          </a:xfrm>
-          <a:prstGeom prst="rect">
-            <a:avLst/>
-          </a:prstGeom>
-          <a:noFill/>
-          <a:ln>
-            <a:noFill/>
-          </a:ln>
-        </p:spPr>
-        <p:txBody>
-          <a:bodyPr spcFirstLastPara="1" wrap="square" lIns="91425" tIns="45700" rIns="91425" bIns="45700" anchor="t" anchorCtr="0">
-            <a:normAutofit lnSpcReduction="10000"/>
-          </a:bodyPr>
-          <a:lstStyle>
-            <a:defPPr marR="0" lvl="0" algn="l" rtl="0">
-              <a:lnSpc>
-                <a:spcPct val="100000"/>
-              </a:lnSpc>
-              <a:spcBef>
-                <a:spcPts val="0"/>
-              </a:spcBef>
-              <a:spcAft>
-                <a:spcPts val="0"/>
-              </a:spcAft>
-            </a:defPPr>
-            <a:lvl1pPr marL="457200" indent="-342900">
-              <a:lnSpc>
-                <a:spcPct val="90000"/>
-              </a:lnSpc>
-              <a:spcBef>
-                <a:spcPts val="1000"/>
-              </a:spcBef>
-              <a:buClr>
-                <a:schemeClr val="dk1"/>
-              </a:buClr>
-              <a:buSzPts val="1800"/>
-              <a:buFont typeface="Arial" panose="020B0604020202020204" pitchFamily="34" charset="0"/>
-              <a:buChar char="•"/>
-              <a:defRPr sz="2800">
-                <a:solidFill>
-                  <a:srgbClr val="1F2328"/>
-                </a:solidFill>
-                <a:effectLst/>
-                <a:latin typeface="-apple-system"/>
-                <a:ea typeface="Malgun Gothic"/>
-                <a:cs typeface="Malgun Gothic"/>
-                <a:sym typeface="Malgun Gothic"/>
-              </a:defRPr>
-            </a:lvl1pPr>
-            <a:lvl2pPr marL="914400" indent="-342900">
-              <a:lnSpc>
-                <a:spcPct val="90000"/>
-              </a:lnSpc>
-              <a:spcBef>
-                <a:spcPts val="500"/>
-              </a:spcBef>
-              <a:buClr>
-                <a:schemeClr val="dk1"/>
-              </a:buClr>
-              <a:buSzPts val="1800"/>
-              <a:buFont typeface="Wingdings" panose="05000000000000000000" pitchFamily="2" charset="2"/>
-              <a:buChar char="ü"/>
-              <a:defRPr sz="2400">
-                <a:solidFill>
-                  <a:srgbClr val="1F2328"/>
-                </a:solidFill>
-                <a:effectLst/>
-                <a:latin typeface="-apple-system"/>
-                <a:ea typeface="Malgun Gothic"/>
-                <a:cs typeface="Malgun Gothic"/>
-                <a:sym typeface="Malgun Gothic"/>
-              </a:defRPr>
-            </a:lvl2pPr>
-            <a:lvl3pPr marL="1371600" indent="-342900">
-              <a:lnSpc>
-                <a:spcPct val="90000"/>
-              </a:lnSpc>
-              <a:spcBef>
-                <a:spcPts val="500"/>
-              </a:spcBef>
-              <a:buClr>
-                <a:schemeClr val="dk1"/>
-              </a:buClr>
-              <a:buSzPts val="1800"/>
-              <a:buChar char="•"/>
-              <a:defRPr sz="2000">
-                <a:solidFill>
-                  <a:schemeClr val="dk1"/>
-                </a:solidFill>
-                <a:latin typeface="Malgun Gothic"/>
-                <a:ea typeface="Malgun Gothic"/>
-                <a:cs typeface="Malgun Gothic"/>
-                <a:sym typeface="Malgun Gothic"/>
-              </a:defRPr>
-            </a:lvl3pPr>
-            <a:lvl4pPr marL="1828800" indent="-342900">
-              <a:lnSpc>
-                <a:spcPct val="90000"/>
-              </a:lnSpc>
-              <a:spcBef>
-                <a:spcPts val="500"/>
-              </a:spcBef>
-              <a:buClr>
-                <a:schemeClr val="dk1"/>
-              </a:buClr>
-              <a:buSzPts val="1800"/>
-              <a:buChar char="•"/>
-              <a:defRPr sz="1800">
-                <a:solidFill>
-                  <a:schemeClr val="dk1"/>
-                </a:solidFill>
-                <a:latin typeface="Malgun Gothic"/>
-                <a:ea typeface="Malgun Gothic"/>
-                <a:cs typeface="Malgun Gothic"/>
-                <a:sym typeface="Malgun Gothic"/>
-              </a:defRPr>
-            </a:lvl4pPr>
-            <a:lvl5pPr marL="2286000" indent="-342900">
-              <a:lnSpc>
-                <a:spcPct val="90000"/>
-              </a:lnSpc>
-              <a:spcBef>
-                <a:spcPts val="500"/>
-              </a:spcBef>
-              <a:buClr>
-                <a:schemeClr val="dk1"/>
-              </a:buClr>
-              <a:buSzPts val="1800"/>
-              <a:buChar char="•"/>
-              <a:defRPr sz="1800">
-                <a:solidFill>
-                  <a:schemeClr val="dk1"/>
-                </a:solidFill>
-                <a:latin typeface="Malgun Gothic"/>
-                <a:ea typeface="Malgun Gothic"/>
-                <a:cs typeface="Malgun Gothic"/>
-                <a:sym typeface="Malgun Gothic"/>
-              </a:defRPr>
-            </a:lvl5pPr>
-            <a:lvl6pPr marL="2743200" indent="-342900">
-              <a:lnSpc>
-                <a:spcPct val="90000"/>
-              </a:lnSpc>
-              <a:spcBef>
-                <a:spcPts val="500"/>
-              </a:spcBef>
-              <a:buClr>
-                <a:schemeClr val="dk1"/>
-              </a:buClr>
-              <a:buSzPts val="1800"/>
-              <a:buChar char="•"/>
-              <a:defRPr sz="1800">
-                <a:solidFill>
-                  <a:schemeClr val="dk1"/>
-                </a:solidFill>
-                <a:latin typeface="Malgun Gothic"/>
-                <a:ea typeface="Malgun Gothic"/>
-                <a:cs typeface="Malgun Gothic"/>
-                <a:sym typeface="Malgun Gothic"/>
-              </a:defRPr>
-            </a:lvl6pPr>
-            <a:lvl7pPr marL="3200400" indent="-342900">
-              <a:lnSpc>
-                <a:spcPct val="90000"/>
-              </a:lnSpc>
-              <a:spcBef>
-                <a:spcPts val="500"/>
-              </a:spcBef>
-              <a:buClr>
-                <a:schemeClr val="dk1"/>
-              </a:buClr>
-              <a:buSzPts val="1800"/>
-              <a:buChar char="•"/>
-              <a:defRPr sz="1800">
-                <a:solidFill>
-                  <a:schemeClr val="dk1"/>
-                </a:solidFill>
-                <a:latin typeface="Malgun Gothic"/>
-                <a:ea typeface="Malgun Gothic"/>
-                <a:cs typeface="Malgun Gothic"/>
-                <a:sym typeface="Malgun Gothic"/>
-              </a:defRPr>
-            </a:lvl7pPr>
-            <a:lvl8pPr marL="3657600" indent="-342900">
-              <a:lnSpc>
-                <a:spcPct val="90000"/>
-              </a:lnSpc>
-              <a:spcBef>
-                <a:spcPts val="500"/>
-              </a:spcBef>
-              <a:buClr>
-                <a:schemeClr val="dk1"/>
-              </a:buClr>
-              <a:buSzPts val="1800"/>
-              <a:buChar char="•"/>
-              <a:defRPr sz="1800">
-                <a:solidFill>
-                  <a:schemeClr val="dk1"/>
-                </a:solidFill>
-                <a:latin typeface="Malgun Gothic"/>
-                <a:ea typeface="Malgun Gothic"/>
-                <a:cs typeface="Malgun Gothic"/>
-                <a:sym typeface="Malgun Gothic"/>
-              </a:defRPr>
-            </a:lvl8pPr>
-            <a:lvl9pPr marL="4114800" indent="-342900">
-              <a:lnSpc>
-                <a:spcPct val="90000"/>
-              </a:lnSpc>
-              <a:spcBef>
-                <a:spcPts val="500"/>
-              </a:spcBef>
-              <a:buClr>
-                <a:schemeClr val="dk1"/>
-              </a:buClr>
-              <a:buSzPts val="1800"/>
-              <a:buChar char="•"/>
-              <a:defRPr sz="1800">
-                <a:solidFill>
-                  <a:schemeClr val="dk1"/>
-                </a:solidFill>
-                <a:latin typeface="Malgun Gothic"/>
-                <a:ea typeface="Malgun Gothic"/>
-                <a:cs typeface="Malgun Gothic"/>
-                <a:sym typeface="Malgun Gothic"/>
-              </a:defRPr>
-            </a:lvl9pPr>
-          </a:lstStyle>
-          <a:p>
-            <a:r>
-              <a:rPr lang="en-US" altLang="ko-KR"/>
-              <a:t>Branch Naming</a:t>
-            </a:r>
-          </a:p>
-          <a:p>
-            <a:pPr lvl="1"/>
-            <a:r>
-              <a:rPr lang="en-US" altLang="ko-KR"/>
-              <a:t>main: </a:t>
-            </a:r>
-            <a:r>
-              <a:rPr lang="ko-KR" altLang="en-US"/>
-              <a:t>최종 배포 </a:t>
-            </a:r>
-            <a:r>
-              <a:rPr lang="en-US" altLang="ko-KR"/>
-              <a:t>branch</a:t>
-            </a:r>
-          </a:p>
-          <a:p>
-            <a:pPr lvl="1"/>
-            <a:r>
-              <a:rPr lang="en-US" altLang="ko-KR"/>
-              <a:t>feature/ssd: SSD </a:t>
-            </a:r>
-            <a:r>
-              <a:rPr lang="ko-KR" altLang="en-US"/>
-              <a:t>개발용 </a:t>
-            </a:r>
-            <a:r>
-              <a:rPr lang="en-US" altLang="ko-KR"/>
-              <a:t>branch</a:t>
-            </a:r>
-          </a:p>
-          <a:p>
-            <a:pPr lvl="1"/>
-            <a:r>
-              <a:rPr lang="en-US" altLang="ko-KR"/>
-              <a:t>feature/test_shell: Test Shell </a:t>
-            </a:r>
-            <a:r>
-              <a:rPr lang="ko-KR" altLang="en-US"/>
-              <a:t>개발용 </a:t>
-            </a:r>
-            <a:r>
-              <a:rPr lang="en-US" altLang="ko-KR"/>
-              <a:t>branch</a:t>
-            </a:r>
-          </a:p>
-          <a:p>
-            <a:pPr lvl="1"/>
-            <a:r>
-              <a:rPr lang="ko-KR" altLang="en-US"/>
-              <a:t>기능 개발 </a:t>
-            </a:r>
-            <a:r>
-              <a:rPr lang="en-US" altLang="ko-KR"/>
-              <a:t>Branch Naming</a:t>
-            </a:r>
-          </a:p>
-          <a:p>
-            <a:pPr lvl="2"/>
-            <a:r>
-              <a:rPr lang="en-US" altLang="ko-KR"/>
-              <a:t>feature/ssd_xxxx</a:t>
-            </a:r>
-          </a:p>
-          <a:p>
-            <a:pPr lvl="2"/>
-            <a:r>
-              <a:rPr lang="en-US" altLang="ko-KR"/>
-              <a:t>feature/shell_xxx</a:t>
-            </a:r>
-            <a:endParaRPr lang="ko-KR" altLang="en-US"/>
-          </a:p>
-        </p:txBody>
-      </p:sp>
-      <p:pic>
-        <p:nvPicPr>
-          <p:cNvPr id="10" name="그림 9">
-            <a:extLst>
-              <a:ext uri="{FF2B5EF4-FFF2-40B4-BE49-F238E27FC236}">
-                <a16:creationId xmlns:a16="http://schemas.microsoft.com/office/drawing/2014/main" id="{C4E1EA2F-06CE-4C50-98B1-14CA3BB19BBF}"/>
-              </a:ext>
-            </a:extLst>
-          </p:cNvPr>
-          <p:cNvPicPr>
-            <a:picLocks noChangeAspect="1"/>
-          </p:cNvPicPr>
-          <p:nvPr/>
-        </p:nvPicPr>
-        <p:blipFill rotWithShape="1">
-          <a:blip r:embed="rId4"/>
-          <a:srcRect b="47183"/>
-          <a:stretch/>
-        </p:blipFill>
-        <p:spPr>
-          <a:xfrm>
-            <a:off x="7197806" y="3095857"/>
-            <a:ext cx="4794347" cy="3622184"/>
+            <a:off x="3779092" y="4344341"/>
+            <a:ext cx="8394246" cy="2431890"/>
           </a:xfrm>
           <a:prstGeom prst="rect">
             <a:avLst/>
@@ -8939,7 +8814,7 @@
     </p:spTree>
     <p:extLst>
       <p:ext uri="{BB962C8B-B14F-4D97-AF65-F5344CB8AC3E}">
-        <p14:creationId xmlns:p14="http://schemas.microsoft.com/office/powerpoint/2010/main" val="3115540976"/>
+        <p14:creationId xmlns:p14="http://schemas.microsoft.com/office/powerpoint/2010/main" val="799705483"/>
       </p:ext>
     </p:extLst>
   </p:cSld>
@@ -8949,7 +8824,7 @@
 </p:sld>
 </file>
 
-<file path=ppt/slides/slide5.xml><?xml version="1.0" encoding="utf-8"?>
+<file path=ppt/slides/slide6.xml><?xml version="1.0" encoding="utf-8"?>
 <p:sld xmlns:a="http://schemas.openxmlformats.org/drawingml/2006/main" xmlns:r="http://schemas.openxmlformats.org/officeDocument/2006/relationships" xmlns:p="http://schemas.openxmlformats.org/presentationml/2006/main">
   <p:cSld>
     <p:spTree>
@@ -9032,7 +8907,7 @@
 </p:sld>
 </file>
 
-<file path=ppt/slides/slide6.xml><?xml version="1.0" encoding="utf-8"?>
+<file path=ppt/slides/slide7.xml><?xml version="1.0" encoding="utf-8"?>
 <p:sld xmlns:a="http://schemas.openxmlformats.org/drawingml/2006/main" xmlns:r="http://schemas.openxmlformats.org/officeDocument/2006/relationships" xmlns:p="http://schemas.openxmlformats.org/presentationml/2006/main">
   <p:cSld>
     <p:spTree>
@@ -9127,7 +9002,7 @@
 </p:sld>
 </file>
 
-<file path=ppt/slides/slide7.xml><?xml version="1.0" encoding="utf-8"?>
+<file path=ppt/slides/slide8.xml><?xml version="1.0" encoding="utf-8"?>
 <p:sld xmlns:a="http://schemas.openxmlformats.org/drawingml/2006/main" xmlns:r="http://schemas.openxmlformats.org/officeDocument/2006/relationships" xmlns:p="http://schemas.openxmlformats.org/presentationml/2006/main">
   <p:cSld>
     <p:spTree>
@@ -9177,10 +9052,10 @@
       </p:sp>
       <p:pic>
         <p:nvPicPr>
-          <p:cNvPr id="1030" name="Picture 6">
+          <p:cNvPr id="3" name="Picture 2">
             <a:extLst>
               <a:ext uri="{FF2B5EF4-FFF2-40B4-BE49-F238E27FC236}">
-                <a16:creationId xmlns:a16="http://schemas.microsoft.com/office/drawing/2014/main" id="{CE4FAA84-DFCE-442F-AC37-B195E3EC6979}"/>
+                <a16:creationId xmlns:a16="http://schemas.microsoft.com/office/drawing/2014/main" id="{03952DFC-E191-4239-8FC2-D1D278C8FFF6}"/>
               </a:ext>
             </a:extLst>
           </p:cNvPr>
@@ -9204,8 +9079,8 @@
         </p:blipFill>
         <p:spPr bwMode="auto">
           <a:xfrm>
-            <a:off x="683835" y="1270261"/>
-            <a:ext cx="10892279" cy="5281105"/>
+            <a:off x="246953" y="1451728"/>
+            <a:ext cx="11496103" cy="4939645"/>
           </a:xfrm>
           <a:prstGeom prst="rect">
             <a:avLst/>
@@ -9225,7 +9100,7 @@
     </p:spTree>
     <p:extLst>
       <p:ext uri="{BB962C8B-B14F-4D97-AF65-F5344CB8AC3E}">
-        <p14:creationId xmlns:p14="http://schemas.microsoft.com/office/powerpoint/2010/main" val="3226062812"/>
+        <p14:creationId xmlns:p14="http://schemas.microsoft.com/office/powerpoint/2010/main" val="3896248360"/>
       </p:ext>
     </p:extLst>
   </p:cSld>
@@ -9235,7 +9110,7 @@
 </p:sld>
 </file>
 
-<file path=ppt/slides/slide8.xml><?xml version="1.0" encoding="utf-8"?>
+<file path=ppt/slides/slide9.xml><?xml version="1.0" encoding="utf-8"?>
 <p:sld xmlns:a="http://schemas.openxmlformats.org/drawingml/2006/main" xmlns:r="http://schemas.openxmlformats.org/officeDocument/2006/relationships" xmlns:p="http://schemas.openxmlformats.org/presentationml/2006/main">
   <p:cSld>
     <p:spTree>
@@ -9281,7 +9156,7 @@
             </a:r>
             <a:r>
               <a:rPr lang="en-US" altLang="ko-KR"/>
-              <a:t>- Singletone</a:t>
+              <a:t>– Singletone</a:t>
             </a:r>
             <a:endParaRPr lang="ko-KR" altLang="en-US"/>
           </a:p>
@@ -9346,93 +9221,6 @@
     <p:extLst>
       <p:ext uri="{BB962C8B-B14F-4D97-AF65-F5344CB8AC3E}">
         <p14:creationId xmlns:p14="http://schemas.microsoft.com/office/powerpoint/2010/main" val="2663244451"/>
-      </p:ext>
-    </p:extLst>
-  </p:cSld>
-  <p:clrMapOvr>
-    <a:masterClrMapping/>
-  </p:clrMapOvr>
-</p:sld>
-</file>
-
-<file path=ppt/slides/slide9.xml><?xml version="1.0" encoding="utf-8"?>
-<p:sld xmlns:a="http://schemas.openxmlformats.org/drawingml/2006/main" xmlns:r="http://schemas.openxmlformats.org/officeDocument/2006/relationships" xmlns:p="http://schemas.openxmlformats.org/presentationml/2006/main">
-  <p:cSld>
-    <p:spTree>
-      <p:nvGrpSpPr>
-        <p:cNvPr id="1" name="Shape 53"/>
-        <p:cNvGrpSpPr/>
-        <p:nvPr/>
-      </p:nvGrpSpPr>
-      <p:grpSpPr>
-        <a:xfrm>
-          <a:off x="0" y="0"/>
-          <a:ext cx="0" cy="0"/>
-          <a:chOff x="0" y="0"/>
-          <a:chExt cx="0" cy="0"/>
-        </a:xfrm>
-      </p:grpSpPr>
-      <p:sp>
-        <p:nvSpPr>
-          <p:cNvPr id="54" name="Google Shape;54;p2"/>
-          <p:cNvSpPr txBox="1">
-            <a:spLocks noGrp="1"/>
-          </p:cNvSpPr>
-          <p:nvPr>
-            <p:ph type="body" idx="1"/>
-          </p:nvPr>
-        </p:nvSpPr>
-        <p:spPr>
-          <a:xfrm>
-            <a:off x="1632000" y="1860184"/>
-            <a:ext cx="8928000" cy="2533083"/>
-          </a:xfrm>
-          <a:prstGeom prst="rect">
-            <a:avLst/>
-          </a:prstGeom>
-          <a:noFill/>
-          <a:ln>
-            <a:noFill/>
-          </a:ln>
-        </p:spPr>
-        <p:txBody>
-          <a:bodyPr spcFirstLastPara="1" wrap="square" lIns="0" tIns="45700" rIns="91425" bIns="45700" anchor="ctr" anchorCtr="0">
-            <a:noAutofit/>
-          </a:bodyPr>
-          <a:lstStyle/>
-          <a:p>
-            <a:pPr marL="0" lvl="0" indent="0" algn="ctr" rtl="0">
-              <a:lnSpc>
-                <a:spcPct val="90000"/>
-              </a:lnSpc>
-              <a:spcBef>
-                <a:spcPts val="0"/>
-              </a:spcBef>
-              <a:spcAft>
-                <a:spcPts val="0"/>
-              </a:spcAft>
-              <a:buClr>
-                <a:schemeClr val="dk1"/>
-              </a:buClr>
-              <a:buSzPts val="3200"/>
-              <a:buNone/>
-            </a:pPr>
-            <a:r>
-              <a:rPr lang="en-US"/>
-              <a:t>TDD </a:t>
-            </a:r>
-            <a:r>
-              <a:rPr lang="ko-KR" altLang="en-US"/>
-              <a:t>활용 예시</a:t>
-            </a:r>
-            <a:endParaRPr/>
-          </a:p>
-        </p:txBody>
-      </p:sp>
-    </p:spTree>
-    <p:extLst>
-      <p:ext uri="{BB962C8B-B14F-4D97-AF65-F5344CB8AC3E}">
-        <p14:creationId xmlns:p14="http://schemas.microsoft.com/office/powerpoint/2010/main" val="4056276162"/>
       </p:ext>
     </p:extLst>
   </p:cSld>

--- a/발표양식.pptx
+++ b/발표양식.pptx
@@ -5,7 +5,7 @@
     <p:sldMasterId id="2147483648" r:id="rId1"/>
   </p:sldMasterIdLst>
   <p:notesMasterIdLst>
-    <p:notesMasterId r:id="rId22"/>
+    <p:notesMasterId r:id="rId28"/>
   </p:notesMasterIdLst>
   <p:sldIdLst>
     <p:sldId id="256" r:id="rId2"/>
@@ -14,20 +14,26 @@
     <p:sldId id="292" r:id="rId5"/>
     <p:sldId id="293" r:id="rId6"/>
     <p:sldId id="265" r:id="rId7"/>
-    <p:sldId id="276" r:id="rId8"/>
-    <p:sldId id="294" r:id="rId9"/>
-    <p:sldId id="291" r:id="rId10"/>
-    <p:sldId id="286" r:id="rId11"/>
-    <p:sldId id="278" r:id="rId12"/>
-    <p:sldId id="285" r:id="rId13"/>
-    <p:sldId id="287" r:id="rId14"/>
-    <p:sldId id="279" r:id="rId15"/>
-    <p:sldId id="290" r:id="rId16"/>
-    <p:sldId id="288" r:id="rId17"/>
-    <p:sldId id="280" r:id="rId18"/>
-    <p:sldId id="289" r:id="rId19"/>
-    <p:sldId id="281" r:id="rId20"/>
-    <p:sldId id="283" r:id="rId21"/>
+    <p:sldId id="300" r:id="rId8"/>
+    <p:sldId id="302" r:id="rId9"/>
+    <p:sldId id="304" r:id="rId10"/>
+    <p:sldId id="301" r:id="rId11"/>
+    <p:sldId id="291" r:id="rId12"/>
+    <p:sldId id="303" r:id="rId13"/>
+    <p:sldId id="296" r:id="rId14"/>
+    <p:sldId id="286" r:id="rId15"/>
+    <p:sldId id="278" r:id="rId16"/>
+    <p:sldId id="285" r:id="rId17"/>
+    <p:sldId id="287" r:id="rId18"/>
+    <p:sldId id="279" r:id="rId19"/>
+    <p:sldId id="290" r:id="rId20"/>
+    <p:sldId id="298" r:id="rId21"/>
+    <p:sldId id="299" r:id="rId22"/>
+    <p:sldId id="288" r:id="rId23"/>
+    <p:sldId id="280" r:id="rId24"/>
+    <p:sldId id="289" r:id="rId25"/>
+    <p:sldId id="281" r:id="rId26"/>
+    <p:sldId id="283" r:id="rId27"/>
   </p:sldIdLst>
   <p:sldSz cx="12192000" cy="6858000"/>
   <p:notesSz cx="6858000" cy="9144000"/>
@@ -265,7 +271,7 @@
       <p15:sldGuideLst xmlns:p15="http://schemas.microsoft.com/office/powerpoint/2012/main"/>
     </p:ext>
     <p:ext uri="GoogleSlidesCustomDataVersion2">
-      <go:slidesCustomData xmlns:go="http://customooxmlschemas.google.com/" xmlns:ahyp="http://schemas.microsoft.com/office/drawing/2018/hyperlinkcolor" xmlns:p15="http://schemas.microsoft.com/office/powerpoint/2012/main" xmlns:p14="http://schemas.microsoft.com/office/powerpoint/2010/main" xmlns:com="http://schemas.openxmlformats.org/drawingml/2006/compatibility" xmlns:pvml="urn:schemas-microsoft-com:office:powerpoint" xmlns:v="urn:schemas-microsoft-com:vml" xmlns:o="urn:schemas-microsoft-com:office:office" xmlns:dgm="http://schemas.openxmlformats.org/drawingml/2006/diagram" xmlns:c="http://schemas.openxmlformats.org/drawingml/2006/chart" xmlns:mv="urn:schemas-microsoft-com:mac:vml" xmlns:mc="http://schemas.openxmlformats.org/markup-compatibility/2006" xmlns="" r:id="rId23" roundtripDataSignature="AMtx7mj5GdbxsaFl02bTEFBl/9s84/Z/Bw=="/>
+      <go:slidesCustomData xmlns="" xmlns:mc="http://schemas.openxmlformats.org/markup-compatibility/2006" xmlns:mv="urn:schemas-microsoft-com:mac:vml" xmlns:c="http://schemas.openxmlformats.org/drawingml/2006/chart" xmlns:dgm="http://schemas.openxmlformats.org/drawingml/2006/diagram" xmlns:o="urn:schemas-microsoft-com:office:office" xmlns:v="urn:schemas-microsoft-com:vml" xmlns:pvml="urn:schemas-microsoft-com:office:powerpoint" xmlns:com="http://schemas.openxmlformats.org/drawingml/2006/compatibility" xmlns:p14="http://schemas.microsoft.com/office/powerpoint/2010/main" xmlns:p15="http://schemas.microsoft.com/office/powerpoint/2012/main" xmlns:ahyp="http://schemas.microsoft.com/office/drawing/2018/hyperlinkcolor" xmlns:go="http://customooxmlschemas.google.com/" r:id="rId30" roundtripDataSignature="AMtx7mj5GdbxsaFl02bTEFBl/9s84/Z/Bw=="/>
     </p:ext>
   </p:extLst>
 </p:presentation>
@@ -1134,6 +1140,72 @@
 </file>
 
 <file path=ppt/notesSlides/notesSlide5.xml><?xml version="1.0" encoding="utf-8"?>
+<p:notes xmlns:a="http://schemas.openxmlformats.org/drawingml/2006/main" xmlns:r="http://schemas.openxmlformats.org/officeDocument/2006/relationships" xmlns:p="http://schemas.openxmlformats.org/presentationml/2006/main">
+  <p:cSld>
+    <p:spTree>
+      <p:nvGrpSpPr>
+        <p:cNvPr id="1" name=""/>
+        <p:cNvGrpSpPr/>
+        <p:nvPr/>
+      </p:nvGrpSpPr>
+      <p:grpSpPr>
+        <a:xfrm>
+          <a:off x="0" y="0"/>
+          <a:ext cx="0" cy="0"/>
+          <a:chOff x="0" y="0"/>
+          <a:chExt cx="0" cy="0"/>
+        </a:xfrm>
+      </p:grpSpPr>
+      <p:sp>
+        <p:nvSpPr>
+          <p:cNvPr id="2" name="슬라이드 이미지 개체 틀 1"/>
+          <p:cNvSpPr>
+            <a:spLocks noGrp="1" noRot="1" noChangeAspect="1"/>
+          </p:cNvSpPr>
+          <p:nvPr>
+            <p:ph type="sldImg"/>
+          </p:nvPr>
+        </p:nvSpPr>
+        <p:spPr>
+          <a:xfrm>
+            <a:off x="381000" y="685800"/>
+            <a:ext cx="6096000" cy="3429000"/>
+          </a:xfrm>
+        </p:spPr>
+      </p:sp>
+      <p:sp>
+        <p:nvSpPr>
+          <p:cNvPr id="3" name="슬라이드 노트 개체 틀 2"/>
+          <p:cNvSpPr>
+            <a:spLocks noGrp="1"/>
+          </p:cNvSpPr>
+          <p:nvPr>
+            <p:ph type="body" idx="1"/>
+          </p:nvPr>
+        </p:nvSpPr>
+        <p:spPr/>
+        <p:txBody>
+          <a:bodyPr/>
+          <a:lstStyle/>
+          <a:p>
+            <a:endParaRPr lang="ko-KR" altLang="en-US" dirty="0"/>
+          </a:p>
+        </p:txBody>
+      </p:sp>
+    </p:spTree>
+    <p:extLst>
+      <p:ext uri="{BB962C8B-B14F-4D97-AF65-F5344CB8AC3E}">
+        <p14:creationId xmlns:p14="http://schemas.microsoft.com/office/powerpoint/2010/main" val="1941141555"/>
+      </p:ext>
+    </p:extLst>
+  </p:cSld>
+  <p:clrMapOvr>
+    <a:masterClrMapping/>
+  </p:clrMapOvr>
+</p:notes>
+</file>
+
+<file path=ppt/notesSlides/notesSlide6.xml><?xml version="1.0" encoding="utf-8"?>
 <p:notes xmlns:a="http://schemas.openxmlformats.org/drawingml/2006/main" xmlns:r="http://schemas.openxmlformats.org/officeDocument/2006/relationships" xmlns:p="http://schemas.openxmlformats.org/presentationml/2006/main" showMasterSp="0" showMasterPhAnim="0">
   <p:cSld>
     <p:spTree>
@@ -1242,7 +1314,7 @@
 </p:notes>
 </file>
 
-<file path=ppt/notesSlides/notesSlide6.xml><?xml version="1.0" encoding="utf-8"?>
+<file path=ppt/notesSlides/notesSlide7.xml><?xml version="1.0" encoding="utf-8"?>
 <p:notes xmlns:a="http://schemas.openxmlformats.org/drawingml/2006/main" xmlns:r="http://schemas.openxmlformats.org/officeDocument/2006/relationships" xmlns:p="http://schemas.openxmlformats.org/presentationml/2006/main" showMasterSp="0" showMasterPhAnim="0">
   <p:cSld>
     <p:spTree>
@@ -1351,7 +1423,7 @@
 </p:notes>
 </file>
 
-<file path=ppt/notesSlides/notesSlide7.xml><?xml version="1.0" encoding="utf-8"?>
+<file path=ppt/notesSlides/notesSlide8.xml><?xml version="1.0" encoding="utf-8"?>
 <p:notes xmlns:a="http://schemas.openxmlformats.org/drawingml/2006/main" xmlns:r="http://schemas.openxmlformats.org/officeDocument/2006/relationships" xmlns:p="http://schemas.openxmlformats.org/presentationml/2006/main" showMasterSp="0" showMasterPhAnim="0">
   <p:cSld>
     <p:spTree>
@@ -1460,7 +1532,7 @@
 </p:notes>
 </file>
 
-<file path=ppt/notesSlides/notesSlide8.xml><?xml version="1.0" encoding="utf-8"?>
+<file path=ppt/notesSlides/notesSlide9.xml><?xml version="1.0" encoding="utf-8"?>
 <p:notes xmlns:a="http://schemas.openxmlformats.org/drawingml/2006/main" xmlns:r="http://schemas.openxmlformats.org/officeDocument/2006/relationships" xmlns:p="http://schemas.openxmlformats.org/presentationml/2006/main" showMasterSp="0" showMasterPhAnim="0">
   <p:cSld>
     <p:spTree>
@@ -3699,6 +3771,204 @@
 </p:sldLayout>
 </file>
 
+<file path=ppt/slideLayouts/slideLayout4.xml><?xml version="1.0" encoding="utf-8"?>
+<p:sldLayout xmlns:a="http://schemas.openxmlformats.org/drawingml/2006/main" xmlns:r="http://schemas.openxmlformats.org/officeDocument/2006/relationships" xmlns:p="http://schemas.openxmlformats.org/presentationml/2006/main" type="obj">
+  <p:cSld name="제목 및 내용">
+    <p:spTree>
+      <p:nvGrpSpPr>
+        <p:cNvPr id="1" name=""/>
+        <p:cNvGrpSpPr/>
+        <p:nvPr/>
+      </p:nvGrpSpPr>
+      <p:grpSpPr>
+        <a:xfrm>
+          <a:off x="0" y="0"/>
+          <a:ext cx="0" cy="0"/>
+          <a:chOff x="0" y="0"/>
+          <a:chExt cx="0" cy="0"/>
+        </a:xfrm>
+      </p:grpSpPr>
+      <p:sp>
+        <p:nvSpPr>
+          <p:cNvPr id="2" name="제목 1">
+            <a:extLst>
+              <a:ext uri="{FF2B5EF4-FFF2-40B4-BE49-F238E27FC236}">
+                <a16:creationId xmlns:a16="http://schemas.microsoft.com/office/drawing/2014/main" id="{EEE46599-557B-4385-A290-7AA30148ED2E}"/>
+              </a:ext>
+            </a:extLst>
+          </p:cNvPr>
+          <p:cNvSpPr>
+            <a:spLocks noGrp="1"/>
+          </p:cNvSpPr>
+          <p:nvPr>
+            <p:ph type="title"/>
+          </p:nvPr>
+        </p:nvSpPr>
+        <p:spPr/>
+        <p:txBody>
+          <a:bodyPr/>
+          <a:lstStyle/>
+          <a:p>
+            <a:r>
+              <a:rPr lang="ko-KR" altLang="en-US"/>
+              <a:t>마스터 제목 스타일 편집</a:t>
+            </a:r>
+          </a:p>
+        </p:txBody>
+      </p:sp>
+      <p:sp>
+        <p:nvSpPr>
+          <p:cNvPr id="3" name="내용 개체 틀 2">
+            <a:extLst>
+              <a:ext uri="{FF2B5EF4-FFF2-40B4-BE49-F238E27FC236}">
+                <a16:creationId xmlns:a16="http://schemas.microsoft.com/office/drawing/2014/main" id="{9793B69D-8808-4E71-B389-8C53371B8080}"/>
+              </a:ext>
+            </a:extLst>
+          </p:cNvPr>
+          <p:cNvSpPr>
+            <a:spLocks noGrp="1"/>
+          </p:cNvSpPr>
+          <p:nvPr>
+            <p:ph idx="1"/>
+          </p:nvPr>
+        </p:nvSpPr>
+        <p:spPr/>
+        <p:txBody>
+          <a:bodyPr/>
+          <a:lstStyle/>
+          <a:p>
+            <a:pPr lvl="0"/>
+            <a:r>
+              <a:rPr lang="ko-KR" altLang="en-US"/>
+              <a:t>마스터 텍스트 스타일을 편집하려면 클릭</a:t>
+            </a:r>
+          </a:p>
+          <a:p>
+            <a:pPr lvl="1"/>
+            <a:r>
+              <a:rPr lang="ko-KR" altLang="en-US"/>
+              <a:t>두 번째 수준</a:t>
+            </a:r>
+          </a:p>
+          <a:p>
+            <a:pPr lvl="2"/>
+            <a:r>
+              <a:rPr lang="ko-KR" altLang="en-US"/>
+              <a:t>세 번째 수준</a:t>
+            </a:r>
+          </a:p>
+          <a:p>
+            <a:pPr lvl="3"/>
+            <a:r>
+              <a:rPr lang="ko-KR" altLang="en-US"/>
+              <a:t>네 번째 수준</a:t>
+            </a:r>
+          </a:p>
+          <a:p>
+            <a:pPr lvl="4"/>
+            <a:r>
+              <a:rPr lang="ko-KR" altLang="en-US"/>
+              <a:t>다섯 번째 수준</a:t>
+            </a:r>
+          </a:p>
+        </p:txBody>
+      </p:sp>
+      <p:sp>
+        <p:nvSpPr>
+          <p:cNvPr id="4" name="날짜 개체 틀 3">
+            <a:extLst>
+              <a:ext uri="{FF2B5EF4-FFF2-40B4-BE49-F238E27FC236}">
+                <a16:creationId xmlns:a16="http://schemas.microsoft.com/office/drawing/2014/main" id="{C128ECE8-05AC-44E9-AFD9-400CD500295A}"/>
+              </a:ext>
+            </a:extLst>
+          </p:cNvPr>
+          <p:cNvSpPr>
+            <a:spLocks noGrp="1"/>
+          </p:cNvSpPr>
+          <p:nvPr>
+            <p:ph type="dt" sz="half" idx="10"/>
+          </p:nvPr>
+        </p:nvSpPr>
+        <p:spPr/>
+        <p:txBody>
+          <a:bodyPr/>
+          <a:lstStyle/>
+          <a:p>
+            <a:fld id="{8FDA47E9-CC8D-4665-A317-0CC53EF56846}" type="datetimeFigureOut">
+              <a:rPr lang="ko-KR" altLang="en-US" smtClean="0"/>
+              <a:t>2024-07-12</a:t>
+            </a:fld>
+            <a:endParaRPr lang="ko-KR" altLang="en-US"/>
+          </a:p>
+        </p:txBody>
+      </p:sp>
+      <p:sp>
+        <p:nvSpPr>
+          <p:cNvPr id="5" name="바닥글 개체 틀 4">
+            <a:extLst>
+              <a:ext uri="{FF2B5EF4-FFF2-40B4-BE49-F238E27FC236}">
+                <a16:creationId xmlns:a16="http://schemas.microsoft.com/office/drawing/2014/main" id="{C046D4DE-E53A-4957-B083-F36946976804}"/>
+              </a:ext>
+            </a:extLst>
+          </p:cNvPr>
+          <p:cNvSpPr>
+            <a:spLocks noGrp="1"/>
+          </p:cNvSpPr>
+          <p:nvPr>
+            <p:ph type="ftr" sz="quarter" idx="11"/>
+          </p:nvPr>
+        </p:nvSpPr>
+        <p:spPr/>
+        <p:txBody>
+          <a:bodyPr/>
+          <a:lstStyle/>
+          <a:p>
+            <a:endParaRPr lang="ko-KR" altLang="en-US"/>
+          </a:p>
+        </p:txBody>
+      </p:sp>
+      <p:sp>
+        <p:nvSpPr>
+          <p:cNvPr id="6" name="슬라이드 번호 개체 틀 5">
+            <a:extLst>
+              <a:ext uri="{FF2B5EF4-FFF2-40B4-BE49-F238E27FC236}">
+                <a16:creationId xmlns:a16="http://schemas.microsoft.com/office/drawing/2014/main" id="{470993B2-7B6C-48CE-A34D-385067BEF4C5}"/>
+              </a:ext>
+            </a:extLst>
+          </p:cNvPr>
+          <p:cNvSpPr>
+            <a:spLocks noGrp="1"/>
+          </p:cNvSpPr>
+          <p:nvPr>
+            <p:ph type="sldNum" sz="quarter" idx="12"/>
+          </p:nvPr>
+        </p:nvSpPr>
+        <p:spPr/>
+        <p:txBody>
+          <a:bodyPr/>
+          <a:lstStyle/>
+          <a:p>
+            <a:fld id="{39F084BE-DF5E-44ED-9BBC-DB2AB9BDC363}" type="slidenum">
+              <a:rPr lang="ko-KR" altLang="en-US" smtClean="0"/>
+              <a:t>‹#›</a:t>
+            </a:fld>
+            <a:endParaRPr lang="ko-KR" altLang="en-US"/>
+          </a:p>
+        </p:txBody>
+      </p:sp>
+    </p:spTree>
+    <p:extLst>
+      <p:ext uri="{BB962C8B-B14F-4D97-AF65-F5344CB8AC3E}">
+        <p14:creationId xmlns:p14="http://schemas.microsoft.com/office/powerpoint/2010/main" val="2005155566"/>
+      </p:ext>
+    </p:extLst>
+  </p:cSld>
+  <p:clrMapOvr>
+    <a:masterClrMapping/>
+  </p:clrMapOvr>
+</p:sldLayout>
+</file>
+
 <file path=ppt/slideMasters/slideMaster1.xml><?xml version="1.0" encoding="utf-8"?>
 <p:sldMaster xmlns:a="http://schemas.openxmlformats.org/drawingml/2006/main" xmlns:r="http://schemas.openxmlformats.org/officeDocument/2006/relationships" xmlns:p="http://schemas.openxmlformats.org/presentationml/2006/main">
   <p:cSld>
@@ -4739,6 +5009,7 @@
     <p:sldLayoutId id="2147483649" r:id="rId1"/>
     <p:sldLayoutId id="2147483650" r:id="rId2"/>
     <p:sldLayoutId id="2147483651" r:id="rId3"/>
+    <p:sldLayoutId id="2147483653" r:id="rId4"/>
   </p:sldLayoutIdLst>
   <p:hf sldNum="0" hdr="0" ftr="0" dt="0"/>
   <p:txStyles>
@@ -5839,6 +6110,1201 @@
   <p:cSld>
     <p:spTree>
       <p:nvGrpSpPr>
+        <p:cNvPr id="1" name=""/>
+        <p:cNvGrpSpPr/>
+        <p:nvPr/>
+      </p:nvGrpSpPr>
+      <p:grpSpPr>
+        <a:xfrm>
+          <a:off x="0" y="0"/>
+          <a:ext cx="0" cy="0"/>
+          <a:chOff x="0" y="0"/>
+          <a:chExt cx="0" cy="0"/>
+        </a:xfrm>
+      </p:grpSpPr>
+      <p:sp>
+        <p:nvSpPr>
+          <p:cNvPr id="2" name="제목 1">
+            <a:extLst>
+              <a:ext uri="{FF2B5EF4-FFF2-40B4-BE49-F238E27FC236}">
+                <a16:creationId xmlns:a16="http://schemas.microsoft.com/office/drawing/2014/main" id="{32BAF466-5A89-45F3-8920-0A065C9001B8}"/>
+              </a:ext>
+            </a:extLst>
+          </p:cNvPr>
+          <p:cNvSpPr>
+            <a:spLocks noGrp="1"/>
+          </p:cNvSpPr>
+          <p:nvPr>
+            <p:ph type="title"/>
+          </p:nvPr>
+        </p:nvSpPr>
+        <p:spPr/>
+        <p:txBody>
+          <a:bodyPr>
+            <a:normAutofit fontScale="90000"/>
+          </a:bodyPr>
+          <a:lstStyle/>
+          <a:p>
+            <a:r>
+              <a:rPr lang="en-US" altLang="ko-KR" b="0" i="0">
+                <a:effectLst/>
+                <a:latin typeface="gg sans"/>
+              </a:rPr>
+              <a:t>Factory Method Pattern + Command Pattern</a:t>
+            </a:r>
+            <a:endParaRPr lang="ko-KR" altLang="en-US"/>
+          </a:p>
+        </p:txBody>
+      </p:sp>
+      <p:sp>
+        <p:nvSpPr>
+          <p:cNvPr id="3" name="텍스트 개체 틀 2">
+            <a:extLst>
+              <a:ext uri="{FF2B5EF4-FFF2-40B4-BE49-F238E27FC236}">
+                <a16:creationId xmlns:a16="http://schemas.microsoft.com/office/drawing/2014/main" id="{E5F1F4A1-65FD-411E-B2B0-6C0B9E8FFCF6}"/>
+              </a:ext>
+            </a:extLst>
+          </p:cNvPr>
+          <p:cNvSpPr>
+            <a:spLocks noGrp="1"/>
+          </p:cNvSpPr>
+          <p:nvPr>
+            <p:ph type="body" idx="1"/>
+          </p:nvPr>
+        </p:nvSpPr>
+        <p:spPr/>
+        <p:txBody>
+          <a:bodyPr/>
+          <a:lstStyle/>
+          <a:p>
+            <a:endParaRPr lang="ko-KR" altLang="en-US"/>
+          </a:p>
+        </p:txBody>
+      </p:sp>
+      <p:pic>
+        <p:nvPicPr>
+          <p:cNvPr id="1026" name="Picture 2">
+            <a:extLst>
+              <a:ext uri="{FF2B5EF4-FFF2-40B4-BE49-F238E27FC236}">
+                <a16:creationId xmlns:a16="http://schemas.microsoft.com/office/drawing/2014/main" id="{3C711204-5226-4A64-A3EB-76361BD45FF1}"/>
+              </a:ext>
+            </a:extLst>
+          </p:cNvPr>
+          <p:cNvPicPr>
+            <a:picLocks noChangeAspect="1" noChangeArrowheads="1"/>
+          </p:cNvPicPr>
+          <p:nvPr/>
+        </p:nvPicPr>
+        <p:blipFill>
+          <a:blip r:embed="rId2">
+            <a:extLst>
+              <a:ext uri="{28A0092B-C50C-407E-A947-70E740481C1C}">
+                <a14:useLocalDpi xmlns:a14="http://schemas.microsoft.com/office/drawing/2010/main" val="0"/>
+              </a:ext>
+            </a:extLst>
+          </a:blip>
+          <a:srcRect/>
+          <a:stretch>
+            <a:fillRect/>
+          </a:stretch>
+        </p:blipFill>
+        <p:spPr bwMode="auto">
+          <a:xfrm>
+            <a:off x="513183" y="1223218"/>
+            <a:ext cx="10475203" cy="4767036"/>
+          </a:xfrm>
+          <a:prstGeom prst="rect">
+            <a:avLst/>
+          </a:prstGeom>
+          <a:noFill/>
+          <a:extLst>
+            <a:ext uri="{909E8E84-426E-40DD-AFC4-6F175D3DCCD1}">
+              <a14:hiddenFill xmlns:a14="http://schemas.microsoft.com/office/drawing/2010/main">
+                <a:solidFill>
+                  <a:srgbClr val="FFFFFF"/>
+                </a:solidFill>
+              </a14:hiddenFill>
+            </a:ext>
+          </a:extLst>
+        </p:spPr>
+      </p:pic>
+    </p:spTree>
+    <p:extLst>
+      <p:ext uri="{BB962C8B-B14F-4D97-AF65-F5344CB8AC3E}">
+        <p14:creationId xmlns:p14="http://schemas.microsoft.com/office/powerpoint/2010/main" val="974743597"/>
+      </p:ext>
+    </p:extLst>
+  </p:cSld>
+  <p:clrMapOvr>
+    <a:masterClrMapping/>
+  </p:clrMapOvr>
+</p:sld>
+</file>
+
+<file path=ppt/slides/slide11.xml><?xml version="1.0" encoding="utf-8"?>
+<p:sld xmlns:a="http://schemas.openxmlformats.org/drawingml/2006/main" xmlns:r="http://schemas.openxmlformats.org/officeDocument/2006/relationships" xmlns:p="http://schemas.openxmlformats.org/presentationml/2006/main">
+  <p:cSld>
+    <p:spTree>
+      <p:nvGrpSpPr>
+        <p:cNvPr id="1" name=""/>
+        <p:cNvGrpSpPr/>
+        <p:nvPr/>
+      </p:nvGrpSpPr>
+      <p:grpSpPr>
+        <a:xfrm>
+          <a:off x="0" y="0"/>
+          <a:ext cx="0" cy="0"/>
+          <a:chOff x="0" y="0"/>
+          <a:chExt cx="0" cy="0"/>
+        </a:xfrm>
+      </p:grpSpPr>
+      <p:sp>
+        <p:nvSpPr>
+          <p:cNvPr id="2" name="제목 1">
+            <a:extLst>
+              <a:ext uri="{FF2B5EF4-FFF2-40B4-BE49-F238E27FC236}">
+                <a16:creationId xmlns:a16="http://schemas.microsoft.com/office/drawing/2014/main" id="{1B7259D9-6342-4C58-8050-5CA5698117F2}"/>
+              </a:ext>
+            </a:extLst>
+          </p:cNvPr>
+          <p:cNvSpPr>
+            <a:spLocks noGrp="1"/>
+          </p:cNvSpPr>
+          <p:nvPr>
+            <p:ph type="title"/>
+          </p:nvPr>
+        </p:nvSpPr>
+        <p:spPr/>
+        <p:txBody>
+          <a:bodyPr>
+            <a:normAutofit fontScale="90000"/>
+          </a:bodyPr>
+          <a:lstStyle/>
+          <a:p>
+            <a:r>
+              <a:rPr lang="en-US" altLang="ko-KR"/>
+              <a:t>Singletone - Logger</a:t>
+            </a:r>
+            <a:endParaRPr lang="ko-KR" altLang="en-US"/>
+          </a:p>
+        </p:txBody>
+      </p:sp>
+      <p:sp>
+        <p:nvSpPr>
+          <p:cNvPr id="3" name="텍스트 개체 틀 2">
+            <a:extLst>
+              <a:ext uri="{FF2B5EF4-FFF2-40B4-BE49-F238E27FC236}">
+                <a16:creationId xmlns:a16="http://schemas.microsoft.com/office/drawing/2014/main" id="{FC46BE82-9CA8-485C-83B1-598587BF066A}"/>
+              </a:ext>
+            </a:extLst>
+          </p:cNvPr>
+          <p:cNvSpPr>
+            <a:spLocks noGrp="1"/>
+          </p:cNvSpPr>
+          <p:nvPr>
+            <p:ph type="body" idx="1"/>
+          </p:nvPr>
+        </p:nvSpPr>
+        <p:spPr/>
+        <p:txBody>
+          <a:bodyPr>
+            <a:normAutofit/>
+          </a:bodyPr>
+          <a:lstStyle/>
+          <a:p>
+            <a:pPr marL="285750" indent="-285750">
+              <a:buFontTx/>
+              <a:buChar char="-"/>
+            </a:pPr>
+            <a:r>
+              <a:rPr lang="en-US" altLang="ko-KR" sz="1800"/>
+              <a:t>Logger</a:t>
+            </a:r>
+            <a:r>
+              <a:rPr lang="ko-KR" altLang="en-US" sz="1800"/>
+              <a:t> 객체가 여러 개 존재할 필요 없다고 판단해 </a:t>
+            </a:r>
+            <a:r>
+              <a:rPr lang="en-US" altLang="ko-KR" sz="1800" b="1"/>
+              <a:t>Singleton </a:t>
+            </a:r>
+            <a:r>
+              <a:rPr lang="ko-KR" altLang="en-US" sz="1800" b="1"/>
+              <a:t>패턴 적용</a:t>
+            </a:r>
+            <a:endParaRPr lang="en-US" altLang="ko-KR" sz="1800" b="1"/>
+          </a:p>
+          <a:p>
+            <a:pPr marL="285750" indent="-285750">
+              <a:buFontTx/>
+              <a:buChar char="-"/>
+            </a:pPr>
+            <a:r>
+              <a:rPr lang="en-US" altLang="ko-KR" sz="1800"/>
+              <a:t>SSD, TestShell </a:t>
+            </a:r>
+            <a:r>
+              <a:rPr lang="ko-KR" altLang="en-US" sz="1800"/>
+              <a:t>모두 사용 가능한 기능으로 만들고자 </a:t>
+            </a:r>
+            <a:r>
+              <a:rPr lang="ko-KR" altLang="en-US" sz="1800" b="1"/>
+              <a:t>정적 라이브러리</a:t>
+            </a:r>
+            <a:r>
+              <a:rPr lang="ko-KR" altLang="en-US" sz="1800"/>
+              <a:t>로 구현 </a:t>
+            </a:r>
+          </a:p>
+        </p:txBody>
+      </p:sp>
+      <p:pic>
+        <p:nvPicPr>
+          <p:cNvPr id="5" name="그림 4">
+            <a:extLst>
+              <a:ext uri="{FF2B5EF4-FFF2-40B4-BE49-F238E27FC236}">
+                <a16:creationId xmlns:a16="http://schemas.microsoft.com/office/drawing/2014/main" id="{19D0C611-1AC0-430C-B6C1-610E40B71608}"/>
+              </a:ext>
+            </a:extLst>
+          </p:cNvPr>
+          <p:cNvPicPr>
+            <a:picLocks noChangeAspect="1"/>
+          </p:cNvPicPr>
+          <p:nvPr/>
+        </p:nvPicPr>
+        <p:blipFill>
+          <a:blip r:embed="rId2"/>
+          <a:stretch>
+            <a:fillRect/>
+          </a:stretch>
+        </p:blipFill>
+        <p:spPr>
+          <a:xfrm>
+            <a:off x="163535" y="2320618"/>
+            <a:ext cx="8029575" cy="3257550"/>
+          </a:xfrm>
+          <a:prstGeom prst="rect">
+            <a:avLst/>
+          </a:prstGeom>
+        </p:spPr>
+      </p:pic>
+      <p:grpSp>
+        <p:nvGrpSpPr>
+          <p:cNvPr id="6" name="그룹 5">
+            <a:extLst>
+              <a:ext uri="{FF2B5EF4-FFF2-40B4-BE49-F238E27FC236}">
+                <a16:creationId xmlns:a16="http://schemas.microsoft.com/office/drawing/2014/main" id="{A59AE3C1-9FFC-450D-BCA1-903B35E464ED}"/>
+              </a:ext>
+            </a:extLst>
+          </p:cNvPr>
+          <p:cNvGrpSpPr/>
+          <p:nvPr/>
+        </p:nvGrpSpPr>
+        <p:grpSpPr>
+          <a:xfrm>
+            <a:off x="9376185" y="1253465"/>
+            <a:ext cx="2740240" cy="2189187"/>
+            <a:chOff x="327160" y="1455387"/>
+            <a:chExt cx="2740240" cy="2189187"/>
+          </a:xfrm>
+        </p:grpSpPr>
+        <p:pic>
+          <p:nvPicPr>
+            <p:cNvPr id="7" name="그림 6">
+              <a:extLst>
+                <a:ext uri="{FF2B5EF4-FFF2-40B4-BE49-F238E27FC236}">
+                  <a16:creationId xmlns:a16="http://schemas.microsoft.com/office/drawing/2014/main" id="{8BBF9129-177D-4359-93BE-CDE46B89D1A6}"/>
+                </a:ext>
+              </a:extLst>
+            </p:cNvPr>
+            <p:cNvPicPr>
+              <a:picLocks noChangeAspect="1"/>
+            </p:cNvPicPr>
+            <p:nvPr/>
+          </p:nvPicPr>
+          <p:blipFill>
+            <a:blip r:embed="rId3"/>
+            <a:stretch>
+              <a:fillRect/>
+            </a:stretch>
+          </p:blipFill>
+          <p:spPr>
+            <a:xfrm>
+              <a:off x="327160" y="1824719"/>
+              <a:ext cx="2740240" cy="1819855"/>
+            </a:xfrm>
+            <a:prstGeom prst="rect">
+              <a:avLst/>
+            </a:prstGeom>
+          </p:spPr>
+        </p:pic>
+        <p:sp>
+          <p:nvSpPr>
+            <p:cNvPr id="8" name="TextBox 7">
+              <a:extLst>
+                <a:ext uri="{FF2B5EF4-FFF2-40B4-BE49-F238E27FC236}">
+                  <a16:creationId xmlns:a16="http://schemas.microsoft.com/office/drawing/2014/main" id="{9781C863-B8B4-4327-8699-E103D310E85B}"/>
+                </a:ext>
+              </a:extLst>
+            </p:cNvPr>
+            <p:cNvSpPr txBox="1"/>
+            <p:nvPr/>
+          </p:nvSpPr>
+          <p:spPr>
+            <a:xfrm>
+              <a:off x="327160" y="1455387"/>
+              <a:ext cx="2377440" cy="369332"/>
+            </a:xfrm>
+            <a:prstGeom prst="rect">
+              <a:avLst/>
+            </a:prstGeom>
+            <a:noFill/>
+          </p:spPr>
+          <p:txBody>
+            <a:bodyPr wrap="square" rtlCol="0">
+              <a:spAutoFit/>
+            </a:bodyPr>
+            <a:lstStyle/>
+            <a:p>
+              <a:r>
+                <a:rPr lang="ko-KR" altLang="en-US" dirty="0"/>
+                <a:t>별도 </a:t>
+              </a:r>
+              <a:r>
+                <a:rPr lang="en-US" altLang="ko-KR" dirty="0"/>
+                <a:t>Project</a:t>
+              </a:r>
+              <a:r>
+                <a:rPr lang="ko-KR" altLang="en-US" dirty="0"/>
+                <a:t>로 개발</a:t>
+              </a:r>
+              <a:r>
+                <a:rPr lang="en-US" altLang="ko-KR" dirty="0"/>
+                <a:t>!</a:t>
+              </a:r>
+              <a:endParaRPr lang="ko-KR" altLang="en-US" dirty="0"/>
+            </a:p>
+          </p:txBody>
+        </p:sp>
+      </p:grpSp>
+      <p:grpSp>
+        <p:nvGrpSpPr>
+          <p:cNvPr id="9" name="그룹 8">
+            <a:extLst>
+              <a:ext uri="{FF2B5EF4-FFF2-40B4-BE49-F238E27FC236}">
+                <a16:creationId xmlns:a16="http://schemas.microsoft.com/office/drawing/2014/main" id="{D2C61D09-3EB4-43A2-AFF6-9420413265A6}"/>
+              </a:ext>
+            </a:extLst>
+          </p:cNvPr>
+          <p:cNvGrpSpPr/>
+          <p:nvPr/>
+        </p:nvGrpSpPr>
+        <p:grpSpPr>
+          <a:xfrm>
+            <a:off x="8199997" y="3585959"/>
+            <a:ext cx="3917355" cy="1180964"/>
+            <a:chOff x="3472520" y="1455387"/>
+            <a:chExt cx="3917355" cy="1180964"/>
+          </a:xfrm>
+        </p:grpSpPr>
+        <p:grpSp>
+          <p:nvGrpSpPr>
+            <p:cNvPr id="10" name="그룹 9">
+              <a:extLst>
+                <a:ext uri="{FF2B5EF4-FFF2-40B4-BE49-F238E27FC236}">
+                  <a16:creationId xmlns:a16="http://schemas.microsoft.com/office/drawing/2014/main" id="{4BC1295B-A320-4FCB-97AB-4F8322146867}"/>
+                </a:ext>
+              </a:extLst>
+            </p:cNvPr>
+            <p:cNvGrpSpPr/>
+            <p:nvPr/>
+          </p:nvGrpSpPr>
+          <p:grpSpPr>
+            <a:xfrm>
+              <a:off x="3483863" y="1821530"/>
+              <a:ext cx="3906012" cy="814821"/>
+              <a:chOff x="4521208" y="3903484"/>
+              <a:chExt cx="3906012" cy="814821"/>
+            </a:xfrm>
+          </p:grpSpPr>
+          <p:pic>
+            <p:nvPicPr>
+              <p:cNvPr id="12" name="그림 11">
+                <a:extLst>
+                  <a:ext uri="{FF2B5EF4-FFF2-40B4-BE49-F238E27FC236}">
+                    <a16:creationId xmlns:a16="http://schemas.microsoft.com/office/drawing/2014/main" id="{C9527838-ED5D-4E8F-9B9C-982A3B90064C}"/>
+                  </a:ext>
+                </a:extLst>
+              </p:cNvPr>
+              <p:cNvPicPr>
+                <a:picLocks noChangeAspect="1"/>
+              </p:cNvPicPr>
+              <p:nvPr/>
+            </p:nvPicPr>
+            <p:blipFill rotWithShape="1">
+              <a:blip r:embed="rId4"/>
+              <a:srcRect l="66403" b="67141"/>
+              <a:stretch/>
+            </p:blipFill>
+            <p:spPr>
+              <a:xfrm>
+                <a:off x="5705856" y="3908259"/>
+                <a:ext cx="2721364" cy="418398"/>
+              </a:xfrm>
+              <a:prstGeom prst="rect">
+                <a:avLst/>
+              </a:prstGeom>
+            </p:spPr>
+          </p:pic>
+          <p:pic>
+            <p:nvPicPr>
+              <p:cNvPr id="13" name="그림 12">
+                <a:extLst>
+                  <a:ext uri="{FF2B5EF4-FFF2-40B4-BE49-F238E27FC236}">
+                    <a16:creationId xmlns:a16="http://schemas.microsoft.com/office/drawing/2014/main" id="{0962DAA2-1BD3-40DC-B1F8-9976AB019B55}"/>
+                  </a:ext>
+                </a:extLst>
+              </p:cNvPr>
+              <p:cNvPicPr>
+                <a:picLocks noChangeAspect="1"/>
+              </p:cNvPicPr>
+              <p:nvPr/>
+            </p:nvPicPr>
+            <p:blipFill rotWithShape="1">
+              <a:blip r:embed="rId4"/>
+              <a:srcRect t="68623" r="85375" b="-2469"/>
+              <a:stretch/>
+            </p:blipFill>
+            <p:spPr>
+              <a:xfrm>
+                <a:off x="4521208" y="4287333"/>
+                <a:ext cx="1184648" cy="430972"/>
+              </a:xfrm>
+              <a:prstGeom prst="rect">
+                <a:avLst/>
+              </a:prstGeom>
+            </p:spPr>
+          </p:pic>
+          <p:pic>
+            <p:nvPicPr>
+              <p:cNvPr id="14" name="그림 13">
+                <a:extLst>
+                  <a:ext uri="{FF2B5EF4-FFF2-40B4-BE49-F238E27FC236}">
+                    <a16:creationId xmlns:a16="http://schemas.microsoft.com/office/drawing/2014/main" id="{DF3652B4-ED97-4B49-9E81-613E957DB92A}"/>
+                  </a:ext>
+                </a:extLst>
+              </p:cNvPr>
+              <p:cNvPicPr>
+                <a:picLocks noChangeAspect="1"/>
+              </p:cNvPicPr>
+              <p:nvPr/>
+            </p:nvPicPr>
+            <p:blipFill rotWithShape="1">
+              <a:blip r:embed="rId4"/>
+              <a:srcRect r="85375" b="67141"/>
+              <a:stretch/>
+            </p:blipFill>
+            <p:spPr>
+              <a:xfrm>
+                <a:off x="4521208" y="3903484"/>
+                <a:ext cx="1184648" cy="418398"/>
+              </a:xfrm>
+              <a:prstGeom prst="rect">
+                <a:avLst/>
+              </a:prstGeom>
+            </p:spPr>
+          </p:pic>
+          <p:pic>
+            <p:nvPicPr>
+              <p:cNvPr id="15" name="그림 14">
+                <a:extLst>
+                  <a:ext uri="{FF2B5EF4-FFF2-40B4-BE49-F238E27FC236}">
+                    <a16:creationId xmlns:a16="http://schemas.microsoft.com/office/drawing/2014/main" id="{5DB2DAA9-FC36-4A1F-9052-C844E3AA164C}"/>
+                  </a:ext>
+                </a:extLst>
+              </p:cNvPr>
+              <p:cNvPicPr>
+                <a:picLocks noChangeAspect="1"/>
+              </p:cNvPicPr>
+              <p:nvPr/>
+            </p:nvPicPr>
+            <p:blipFill rotWithShape="1">
+              <a:blip r:embed="rId4"/>
+              <a:srcRect l="66403" t="70809"/>
+              <a:stretch/>
+            </p:blipFill>
+            <p:spPr>
+              <a:xfrm>
+                <a:off x="5705856" y="4320512"/>
+                <a:ext cx="2721364" cy="371702"/>
+              </a:xfrm>
+              <a:prstGeom prst="rect">
+                <a:avLst/>
+              </a:prstGeom>
+            </p:spPr>
+          </p:pic>
+        </p:grpSp>
+        <p:sp>
+          <p:nvSpPr>
+            <p:cNvPr id="11" name="TextBox 10">
+              <a:extLst>
+                <a:ext uri="{FF2B5EF4-FFF2-40B4-BE49-F238E27FC236}">
+                  <a16:creationId xmlns:a16="http://schemas.microsoft.com/office/drawing/2014/main" id="{AFCEB0E3-6192-4DD7-BF41-14DA8A3A31FD}"/>
+                </a:ext>
+              </a:extLst>
+            </p:cNvPr>
+            <p:cNvSpPr txBox="1"/>
+            <p:nvPr/>
+          </p:nvSpPr>
+          <p:spPr>
+            <a:xfrm>
+              <a:off x="3472520" y="1455387"/>
+              <a:ext cx="2919136" cy="369332"/>
+            </a:xfrm>
+            <a:prstGeom prst="rect">
+              <a:avLst/>
+            </a:prstGeom>
+            <a:noFill/>
+          </p:spPr>
+          <p:txBody>
+            <a:bodyPr wrap="square" rtlCol="0">
+              <a:spAutoFit/>
+            </a:bodyPr>
+            <a:lstStyle/>
+            <a:p>
+              <a:r>
+                <a:rPr lang="ko-KR" altLang="en-US" dirty="0"/>
+                <a:t>정적 라이브러리 설정</a:t>
+              </a:r>
+            </a:p>
+          </p:txBody>
+        </p:sp>
+      </p:grpSp>
+      <p:grpSp>
+        <p:nvGrpSpPr>
+          <p:cNvPr id="16" name="그룹 15">
+            <a:extLst>
+              <a:ext uri="{FF2B5EF4-FFF2-40B4-BE49-F238E27FC236}">
+                <a16:creationId xmlns:a16="http://schemas.microsoft.com/office/drawing/2014/main" id="{971D2A12-90B9-4C3A-9333-E1A91F730259}"/>
+              </a:ext>
+            </a:extLst>
+          </p:cNvPr>
+          <p:cNvGrpSpPr/>
+          <p:nvPr/>
+        </p:nvGrpSpPr>
+        <p:grpSpPr>
+          <a:xfrm>
+            <a:off x="5506941" y="4774592"/>
+            <a:ext cx="6610411" cy="1881723"/>
+            <a:chOff x="3472520" y="3172516"/>
+            <a:chExt cx="7832011" cy="2988883"/>
+          </a:xfrm>
+        </p:grpSpPr>
+        <p:pic>
+          <p:nvPicPr>
+            <p:cNvPr id="17" name="그림 16">
+              <a:extLst>
+                <a:ext uri="{FF2B5EF4-FFF2-40B4-BE49-F238E27FC236}">
+                  <a16:creationId xmlns:a16="http://schemas.microsoft.com/office/drawing/2014/main" id="{ACF36C2D-989A-4FC9-9DDC-F684A5550EBE}"/>
+                </a:ext>
+              </a:extLst>
+            </p:cNvPr>
+            <p:cNvPicPr>
+              <a:picLocks noChangeAspect="1"/>
+            </p:cNvPicPr>
+            <p:nvPr/>
+          </p:nvPicPr>
+          <p:blipFill>
+            <a:blip r:embed="rId5"/>
+            <a:stretch>
+              <a:fillRect/>
+            </a:stretch>
+          </p:blipFill>
+          <p:spPr>
+            <a:xfrm>
+              <a:off x="3472520" y="3592500"/>
+              <a:ext cx="7832011" cy="2568899"/>
+            </a:xfrm>
+            <a:prstGeom prst="rect">
+              <a:avLst/>
+            </a:prstGeom>
+          </p:spPr>
+        </p:pic>
+        <p:sp>
+          <p:nvSpPr>
+            <p:cNvPr id="18" name="TextBox 17">
+              <a:extLst>
+                <a:ext uri="{FF2B5EF4-FFF2-40B4-BE49-F238E27FC236}">
+                  <a16:creationId xmlns:a16="http://schemas.microsoft.com/office/drawing/2014/main" id="{17EA9679-4E5D-46E7-BA09-9FBA6273BFF3}"/>
+                </a:ext>
+              </a:extLst>
+            </p:cNvPr>
+            <p:cNvSpPr txBox="1"/>
+            <p:nvPr/>
+          </p:nvSpPr>
+          <p:spPr>
+            <a:xfrm>
+              <a:off x="3472520" y="3172516"/>
+              <a:ext cx="2919136" cy="369332"/>
+            </a:xfrm>
+            <a:prstGeom prst="rect">
+              <a:avLst/>
+            </a:prstGeom>
+            <a:noFill/>
+          </p:spPr>
+          <p:txBody>
+            <a:bodyPr wrap="square" rtlCol="0">
+              <a:spAutoFit/>
+            </a:bodyPr>
+            <a:lstStyle/>
+            <a:p>
+              <a:r>
+                <a:rPr lang="ko-KR" altLang="en-US" dirty="0"/>
+                <a:t>동작 결과</a:t>
+              </a:r>
+            </a:p>
+          </p:txBody>
+        </p:sp>
+      </p:grpSp>
+    </p:spTree>
+    <p:extLst>
+      <p:ext uri="{BB962C8B-B14F-4D97-AF65-F5344CB8AC3E}">
+        <p14:creationId xmlns:p14="http://schemas.microsoft.com/office/powerpoint/2010/main" val="2663244451"/>
+      </p:ext>
+    </p:extLst>
+  </p:cSld>
+  <p:clrMapOvr>
+    <a:masterClrMapping/>
+  </p:clrMapOvr>
+</p:sld>
+</file>
+
+<file path=ppt/slides/slide12.xml><?xml version="1.0" encoding="utf-8"?>
+<p:sld xmlns:a="http://schemas.openxmlformats.org/drawingml/2006/main" xmlns:r="http://schemas.openxmlformats.org/officeDocument/2006/relationships" xmlns:p="http://schemas.openxmlformats.org/presentationml/2006/main">
+  <p:cSld>
+    <p:spTree>
+      <p:nvGrpSpPr>
+        <p:cNvPr id="1" name=""/>
+        <p:cNvGrpSpPr/>
+        <p:nvPr/>
+      </p:nvGrpSpPr>
+      <p:grpSpPr>
+        <a:xfrm>
+          <a:off x="0" y="0"/>
+          <a:ext cx="0" cy="0"/>
+          <a:chOff x="0" y="0"/>
+          <a:chExt cx="0" cy="0"/>
+        </a:xfrm>
+      </p:grpSpPr>
+      <p:sp>
+        <p:nvSpPr>
+          <p:cNvPr id="2" name="제목 1">
+            <a:extLst>
+              <a:ext uri="{FF2B5EF4-FFF2-40B4-BE49-F238E27FC236}">
+                <a16:creationId xmlns:a16="http://schemas.microsoft.com/office/drawing/2014/main" id="{1A87F257-46B3-4716-8F3D-FBBF02096F1C}"/>
+              </a:ext>
+            </a:extLst>
+          </p:cNvPr>
+          <p:cNvSpPr>
+            <a:spLocks noGrp="1"/>
+          </p:cNvSpPr>
+          <p:nvPr>
+            <p:ph type="title"/>
+          </p:nvPr>
+        </p:nvSpPr>
+        <p:spPr/>
+        <p:txBody>
+          <a:bodyPr>
+            <a:normAutofit fontScale="90000"/>
+          </a:bodyPr>
+          <a:lstStyle/>
+          <a:p>
+            <a:r>
+              <a:rPr lang="en-US" altLang="ko-KR"/>
+              <a:t>Singletone – Scenario Parser</a:t>
+            </a:r>
+            <a:endParaRPr lang="ko-KR" altLang="en-US"/>
+          </a:p>
+        </p:txBody>
+      </p:sp>
+      <p:sp>
+        <p:nvSpPr>
+          <p:cNvPr id="3" name="텍스트 개체 틀 2">
+            <a:extLst>
+              <a:ext uri="{FF2B5EF4-FFF2-40B4-BE49-F238E27FC236}">
+                <a16:creationId xmlns:a16="http://schemas.microsoft.com/office/drawing/2014/main" id="{68EEE22A-2A86-486C-A644-5B01C04AE432}"/>
+              </a:ext>
+            </a:extLst>
+          </p:cNvPr>
+          <p:cNvSpPr>
+            <a:spLocks noGrp="1"/>
+          </p:cNvSpPr>
+          <p:nvPr>
+            <p:ph type="body" idx="1"/>
+          </p:nvPr>
+        </p:nvSpPr>
+        <p:spPr>
+          <a:noFill/>
+          <a:ln>
+            <a:noFill/>
+          </a:ln>
+        </p:spPr>
+        <p:txBody>
+          <a:bodyPr spcFirstLastPara="1" wrap="square" lIns="91425" tIns="45700" rIns="91425" bIns="45700" anchor="t" anchorCtr="0">
+            <a:normAutofit/>
+          </a:bodyPr>
+          <a:lstStyle/>
+          <a:p>
+            <a:pPr marL="285750" indent="-285750">
+              <a:buFontTx/>
+              <a:buChar char="-"/>
+            </a:pPr>
+            <a:r>
+              <a:rPr lang="en-US" altLang="ko-KR" sz="1800"/>
+              <a:t>ScenarioParser class</a:t>
+            </a:r>
+            <a:r>
+              <a:rPr lang="ko-KR" altLang="en-US" sz="1800"/>
+              <a:t>에 객체가 여러 개 존재할 필요 없음</a:t>
+            </a:r>
+            <a:endParaRPr lang="en-US" altLang="ko-KR" sz="1800"/>
+          </a:p>
+          <a:p>
+            <a:pPr marL="285750" indent="-285750">
+              <a:buFontTx/>
+              <a:buChar char="-"/>
+            </a:pPr>
+            <a:endParaRPr lang="ko-KR" altLang="en-US" sz="1800"/>
+          </a:p>
+        </p:txBody>
+      </p:sp>
+      <p:grpSp>
+        <p:nvGrpSpPr>
+          <p:cNvPr id="4" name="그룹 3">
+            <a:extLst>
+              <a:ext uri="{FF2B5EF4-FFF2-40B4-BE49-F238E27FC236}">
+                <a16:creationId xmlns:a16="http://schemas.microsoft.com/office/drawing/2014/main" id="{2E8DB4CA-03E5-4139-B1AA-D12A7CF1DAC2}"/>
+              </a:ext>
+            </a:extLst>
+          </p:cNvPr>
+          <p:cNvGrpSpPr/>
+          <p:nvPr/>
+        </p:nvGrpSpPr>
+        <p:grpSpPr>
+          <a:xfrm>
+            <a:off x="605980" y="2271620"/>
+            <a:ext cx="7440455" cy="3640927"/>
+            <a:chOff x="194785" y="1310567"/>
+            <a:chExt cx="7440455" cy="3640927"/>
+          </a:xfrm>
+        </p:grpSpPr>
+        <p:pic>
+          <p:nvPicPr>
+            <p:cNvPr id="5" name="그림 4">
+              <a:extLst>
+                <a:ext uri="{FF2B5EF4-FFF2-40B4-BE49-F238E27FC236}">
+                  <a16:creationId xmlns:a16="http://schemas.microsoft.com/office/drawing/2014/main" id="{60D97E7C-1204-47B9-A310-D08E78ECFDDE}"/>
+                </a:ext>
+              </a:extLst>
+            </p:cNvPr>
+            <p:cNvPicPr>
+              <a:picLocks noChangeAspect="1"/>
+            </p:cNvPicPr>
+            <p:nvPr/>
+          </p:nvPicPr>
+          <p:blipFill>
+            <a:blip r:embed="rId2"/>
+            <a:stretch>
+              <a:fillRect/>
+            </a:stretch>
+          </p:blipFill>
+          <p:spPr>
+            <a:xfrm>
+              <a:off x="194785" y="1310567"/>
+              <a:ext cx="6904166" cy="2118433"/>
+            </a:xfrm>
+            <a:prstGeom prst="rect">
+              <a:avLst/>
+            </a:prstGeom>
+          </p:spPr>
+        </p:pic>
+        <p:grpSp>
+          <p:nvGrpSpPr>
+            <p:cNvPr id="6" name="그룹 5">
+              <a:extLst>
+                <a:ext uri="{FF2B5EF4-FFF2-40B4-BE49-F238E27FC236}">
+                  <a16:creationId xmlns:a16="http://schemas.microsoft.com/office/drawing/2014/main" id="{D9541121-8597-41C8-9DE2-0D8033F71EB0}"/>
+                </a:ext>
+              </a:extLst>
+            </p:cNvPr>
+            <p:cNvGrpSpPr/>
+            <p:nvPr/>
+          </p:nvGrpSpPr>
+          <p:grpSpPr>
+            <a:xfrm>
+              <a:off x="194785" y="3808458"/>
+              <a:ext cx="7440455" cy="1143036"/>
+              <a:chOff x="194785" y="3808458"/>
+              <a:chExt cx="7440455" cy="1143036"/>
+            </a:xfrm>
+          </p:grpSpPr>
+          <p:pic>
+            <p:nvPicPr>
+              <p:cNvPr id="7" name="그림 6">
+                <a:extLst>
+                  <a:ext uri="{FF2B5EF4-FFF2-40B4-BE49-F238E27FC236}">
+                    <a16:creationId xmlns:a16="http://schemas.microsoft.com/office/drawing/2014/main" id="{C3597484-78F6-4F25-915F-983877194DBA}"/>
+                  </a:ext>
+                </a:extLst>
+              </p:cNvPr>
+              <p:cNvPicPr>
+                <a:picLocks noChangeAspect="1"/>
+              </p:cNvPicPr>
+              <p:nvPr/>
+            </p:nvPicPr>
+            <p:blipFill>
+              <a:blip r:embed="rId3"/>
+              <a:stretch>
+                <a:fillRect/>
+              </a:stretch>
+            </p:blipFill>
+            <p:spPr>
+              <a:xfrm>
+                <a:off x="194785" y="3808458"/>
+                <a:ext cx="7419153" cy="1143036"/>
+              </a:xfrm>
+              <a:prstGeom prst="rect">
+                <a:avLst/>
+              </a:prstGeom>
+            </p:spPr>
+          </p:pic>
+          <p:sp>
+            <p:nvSpPr>
+              <p:cNvPr id="8" name="직사각형 7">
+                <a:extLst>
+                  <a:ext uri="{FF2B5EF4-FFF2-40B4-BE49-F238E27FC236}">
+                    <a16:creationId xmlns:a16="http://schemas.microsoft.com/office/drawing/2014/main" id="{55F87F35-508E-4E0F-989D-5279CA29DCC7}"/>
+                  </a:ext>
+                </a:extLst>
+              </p:cNvPr>
+              <p:cNvSpPr/>
+              <p:nvPr/>
+            </p:nvSpPr>
+            <p:spPr>
+              <a:xfrm>
+                <a:off x="685800" y="4105656"/>
+                <a:ext cx="6949440" cy="298649"/>
+              </a:xfrm>
+              <a:prstGeom prst="rect">
+                <a:avLst/>
+              </a:prstGeom>
+              <a:noFill/>
+              <a:ln w="38100">
+                <a:solidFill>
+                  <a:srgbClr val="FF0000"/>
+                </a:solidFill>
+              </a:ln>
+            </p:spPr>
+            <p:style>
+              <a:lnRef idx="2">
+                <a:schemeClr val="accent1">
+                  <a:shade val="50000"/>
+                </a:schemeClr>
+              </a:lnRef>
+              <a:fillRef idx="1">
+                <a:schemeClr val="accent1"/>
+              </a:fillRef>
+              <a:effectRef idx="0">
+                <a:schemeClr val="accent1"/>
+              </a:effectRef>
+              <a:fontRef idx="minor">
+                <a:schemeClr val="lt1"/>
+              </a:fontRef>
+            </p:style>
+            <p:txBody>
+              <a:bodyPr rtlCol="0" anchor="ctr"/>
+              <a:lstStyle/>
+              <a:p>
+                <a:pPr algn="ctr"/>
+                <a:endParaRPr lang="ko-KR" altLang="en-US">
+                  <a:noFill/>
+                </a:endParaRPr>
+              </a:p>
+            </p:txBody>
+          </p:sp>
+        </p:grpSp>
+      </p:grpSp>
+    </p:spTree>
+    <p:extLst>
+      <p:ext uri="{BB962C8B-B14F-4D97-AF65-F5344CB8AC3E}">
+        <p14:creationId xmlns:p14="http://schemas.microsoft.com/office/powerpoint/2010/main" val="4175738120"/>
+      </p:ext>
+    </p:extLst>
+  </p:cSld>
+  <p:clrMapOvr>
+    <a:masterClrMapping/>
+  </p:clrMapOvr>
+</p:sld>
+</file>
+
+<file path=ppt/slides/slide13.xml><?xml version="1.0" encoding="utf-8"?>
+<p:sld xmlns:a="http://schemas.openxmlformats.org/drawingml/2006/main" xmlns:r="http://schemas.openxmlformats.org/officeDocument/2006/relationships" xmlns:p="http://schemas.openxmlformats.org/presentationml/2006/main">
+  <p:cSld>
+    <p:spTree>
+      <p:nvGrpSpPr>
+        <p:cNvPr id="1" name=""/>
+        <p:cNvGrpSpPr/>
+        <p:nvPr/>
+      </p:nvGrpSpPr>
+      <p:grpSpPr>
+        <a:xfrm>
+          <a:off x="0" y="0"/>
+          <a:ext cx="0" cy="0"/>
+          <a:chOff x="0" y="0"/>
+          <a:chExt cx="0" cy="0"/>
+        </a:xfrm>
+      </p:grpSpPr>
+      <p:sp>
+        <p:nvSpPr>
+          <p:cNvPr id="4" name="TextBox 3">
+            <a:extLst>
+              <a:ext uri="{FF2B5EF4-FFF2-40B4-BE49-F238E27FC236}">
+                <a16:creationId xmlns:a16="http://schemas.microsoft.com/office/drawing/2014/main" id="{22E55C4F-0348-46ED-AE37-BD1F3F0651EB}"/>
+              </a:ext>
+            </a:extLst>
+          </p:cNvPr>
+          <p:cNvSpPr txBox="1"/>
+          <p:nvPr/>
+        </p:nvSpPr>
+        <p:spPr>
+          <a:xfrm flipH="1">
+            <a:off x="164587" y="171168"/>
+            <a:ext cx="8723380" cy="584775"/>
+          </a:xfrm>
+          <a:prstGeom prst="rect">
+            <a:avLst/>
+          </a:prstGeom>
+          <a:noFill/>
+        </p:spPr>
+        <p:txBody>
+          <a:bodyPr wrap="square" rtlCol="0">
+            <a:spAutoFit/>
+          </a:bodyPr>
+          <a:lstStyle/>
+          <a:p>
+            <a:r>
+              <a:rPr lang="ko-KR" altLang="en-US" sz="3200" dirty="0"/>
+              <a:t>신규 테스트 작성 시 </a:t>
+            </a:r>
+            <a:r>
+              <a:rPr lang="ko-KR" altLang="en-US" sz="3200" dirty="0" err="1"/>
+              <a:t>재빌드</a:t>
+            </a:r>
+            <a:r>
+              <a:rPr lang="ko-KR" altLang="en-US" sz="3200" dirty="0"/>
+              <a:t> 이슈 해결 기능</a:t>
+            </a:r>
+          </a:p>
+        </p:txBody>
+      </p:sp>
+      <p:sp>
+        <p:nvSpPr>
+          <p:cNvPr id="5" name="TextBox 4">
+            <a:extLst>
+              <a:ext uri="{FF2B5EF4-FFF2-40B4-BE49-F238E27FC236}">
+                <a16:creationId xmlns:a16="http://schemas.microsoft.com/office/drawing/2014/main" id="{0BE84F58-FD7E-431A-840A-7ACCE4E2CA26}"/>
+              </a:ext>
+            </a:extLst>
+          </p:cNvPr>
+          <p:cNvSpPr txBox="1"/>
+          <p:nvPr/>
+        </p:nvSpPr>
+        <p:spPr>
+          <a:xfrm>
+            <a:off x="164586" y="737603"/>
+            <a:ext cx="9482333" cy="646331"/>
+          </a:xfrm>
+          <a:prstGeom prst="rect">
+            <a:avLst/>
+          </a:prstGeom>
+          <a:noFill/>
+        </p:spPr>
+        <p:txBody>
+          <a:bodyPr wrap="square" rtlCol="0">
+            <a:spAutoFit/>
+          </a:bodyPr>
+          <a:lstStyle/>
+          <a:p>
+            <a:pPr marL="285750" indent="-285750">
+              <a:buFontTx/>
+              <a:buChar char="-"/>
+            </a:pPr>
+            <a:r>
+              <a:rPr lang="ko-KR" altLang="en-US" dirty="0"/>
+              <a:t>사용자는 </a:t>
+            </a:r>
+            <a:r>
+              <a:rPr lang="ko-KR" altLang="en-US" b="1" dirty="0"/>
+              <a:t>지정된 포맷</a:t>
+            </a:r>
+            <a:r>
+              <a:rPr lang="ko-KR" altLang="en-US" dirty="0"/>
+              <a:t>으로 </a:t>
+            </a:r>
+            <a:r>
+              <a:rPr lang="en-US" altLang="ko-KR" b="1" dirty="0" err="1"/>
+              <a:t>test_scenario.json</a:t>
+            </a:r>
+            <a:r>
+              <a:rPr lang="en-US" altLang="ko-KR" b="1" dirty="0"/>
+              <a:t> </a:t>
+            </a:r>
+            <a:r>
+              <a:rPr lang="ko-KR" altLang="en-US" b="1" dirty="0"/>
+              <a:t>파일 작성</a:t>
+            </a:r>
+            <a:endParaRPr lang="en-US" altLang="ko-KR" b="1" dirty="0"/>
+          </a:p>
+          <a:p>
+            <a:pPr marL="285750" indent="-285750">
+              <a:buFontTx/>
+              <a:buChar char="-"/>
+            </a:pPr>
+            <a:r>
+              <a:rPr lang="ko-KR" altLang="en-US" dirty="0"/>
+              <a:t>프로그램은 파일을 </a:t>
+            </a:r>
+            <a:r>
+              <a:rPr lang="ko-KR" altLang="en-US" b="1" dirty="0"/>
+              <a:t>해석</a:t>
+            </a:r>
+            <a:r>
+              <a:rPr lang="en-US" altLang="ko-KR" b="1" dirty="0"/>
+              <a:t>/</a:t>
+            </a:r>
+            <a:r>
+              <a:rPr lang="ko-KR" altLang="en-US" b="1" dirty="0"/>
+              <a:t>테스트 수행하는 것으로 테스트 작성마다 </a:t>
+            </a:r>
+            <a:r>
+              <a:rPr lang="ko-KR" altLang="en-US" b="1" dirty="0" err="1"/>
+              <a:t>재빌드</a:t>
+            </a:r>
+            <a:r>
+              <a:rPr lang="ko-KR" altLang="en-US" b="1" dirty="0"/>
+              <a:t> 방지</a:t>
+            </a:r>
+          </a:p>
+        </p:txBody>
+      </p:sp>
+      <p:pic>
+        <p:nvPicPr>
+          <p:cNvPr id="11" name="그림 10">
+            <a:extLst>
+              <a:ext uri="{FF2B5EF4-FFF2-40B4-BE49-F238E27FC236}">
+                <a16:creationId xmlns:a16="http://schemas.microsoft.com/office/drawing/2014/main" id="{D5ABD000-A9AD-4072-89DE-D47B3741B8D9}"/>
+              </a:ext>
+            </a:extLst>
+          </p:cNvPr>
+          <p:cNvPicPr>
+            <a:picLocks noChangeAspect="1"/>
+          </p:cNvPicPr>
+          <p:nvPr/>
+        </p:nvPicPr>
+        <p:blipFill>
+          <a:blip r:embed="rId2"/>
+          <a:stretch>
+            <a:fillRect/>
+          </a:stretch>
+        </p:blipFill>
+        <p:spPr>
+          <a:xfrm>
+            <a:off x="8139586" y="1420956"/>
+            <a:ext cx="3491581" cy="2422730"/>
+          </a:xfrm>
+          <a:prstGeom prst="rect">
+            <a:avLst/>
+          </a:prstGeom>
+        </p:spPr>
+      </p:pic>
+      <p:pic>
+        <p:nvPicPr>
+          <p:cNvPr id="13" name="그림 12">
+            <a:extLst>
+              <a:ext uri="{FF2B5EF4-FFF2-40B4-BE49-F238E27FC236}">
+                <a16:creationId xmlns:a16="http://schemas.microsoft.com/office/drawing/2014/main" id="{8825EC95-2915-4E94-A242-FDB944ACFAE3}"/>
+              </a:ext>
+            </a:extLst>
+          </p:cNvPr>
+          <p:cNvPicPr>
+            <a:picLocks noChangeAspect="1"/>
+          </p:cNvPicPr>
+          <p:nvPr/>
+        </p:nvPicPr>
+        <p:blipFill>
+          <a:blip r:embed="rId3"/>
+          <a:stretch>
+            <a:fillRect/>
+          </a:stretch>
+        </p:blipFill>
+        <p:spPr>
+          <a:xfrm>
+            <a:off x="164587" y="1725782"/>
+            <a:ext cx="6378493" cy="4961050"/>
+          </a:xfrm>
+          <a:prstGeom prst="rect">
+            <a:avLst/>
+          </a:prstGeom>
+        </p:spPr>
+      </p:pic>
+      <p:pic>
+        <p:nvPicPr>
+          <p:cNvPr id="9" name="그림 8">
+            <a:extLst>
+              <a:ext uri="{FF2B5EF4-FFF2-40B4-BE49-F238E27FC236}">
+                <a16:creationId xmlns:a16="http://schemas.microsoft.com/office/drawing/2014/main" id="{12D22356-ECE1-40DD-A1F1-5F5F1F23E839}"/>
+              </a:ext>
+            </a:extLst>
+          </p:cNvPr>
+          <p:cNvPicPr>
+            <a:picLocks noChangeAspect="1"/>
+          </p:cNvPicPr>
+          <p:nvPr/>
+        </p:nvPicPr>
+        <p:blipFill>
+          <a:blip r:embed="rId4"/>
+          <a:stretch>
+            <a:fillRect/>
+          </a:stretch>
+        </p:blipFill>
+        <p:spPr>
+          <a:xfrm>
+            <a:off x="5077858" y="1420956"/>
+            <a:ext cx="2530059" cy="5265876"/>
+          </a:xfrm>
+          <a:prstGeom prst="rect">
+            <a:avLst/>
+          </a:prstGeom>
+        </p:spPr>
+      </p:pic>
+    </p:spTree>
+    <p:extLst>
+      <p:ext uri="{BB962C8B-B14F-4D97-AF65-F5344CB8AC3E}">
+        <p14:creationId xmlns:p14="http://schemas.microsoft.com/office/powerpoint/2010/main" val="611101851"/>
+      </p:ext>
+    </p:extLst>
+  </p:cSld>
+  <p:clrMapOvr>
+    <a:masterClrMapping/>
+  </p:clrMapOvr>
+</p:sld>
+</file>
+
+<file path=ppt/slides/slide14.xml><?xml version="1.0" encoding="utf-8"?>
+<p:sld xmlns:a="http://schemas.openxmlformats.org/drawingml/2006/main" xmlns:r="http://schemas.openxmlformats.org/officeDocument/2006/relationships" xmlns:p="http://schemas.openxmlformats.org/presentationml/2006/main">
+  <p:cSld>
+    <p:spTree>
+      <p:nvGrpSpPr>
         <p:cNvPr id="1" name="Shape 53"/>
         <p:cNvGrpSpPr/>
         <p:nvPr/>
@@ -5921,7 +7387,7 @@
 </p:sld>
 </file>
 
-<file path=ppt/slides/slide11.xml><?xml version="1.0" encoding="utf-8"?>
+<file path=ppt/slides/slide15.xml><?xml version="1.0" encoding="utf-8"?>
 <p:sld xmlns:a="http://schemas.openxmlformats.org/drawingml/2006/main" xmlns:r="http://schemas.openxmlformats.org/officeDocument/2006/relationships" xmlns:p="http://schemas.openxmlformats.org/presentationml/2006/main">
   <p:cSld>
     <p:spTree>
@@ -6066,7 +7532,7 @@
 </p:sld>
 </file>
 
-<file path=ppt/slides/slide12.xml><?xml version="1.0" encoding="utf-8"?>
+<file path=ppt/slides/slide16.xml><?xml version="1.0" encoding="utf-8"?>
 <p:sld xmlns:a="http://schemas.openxmlformats.org/drawingml/2006/main" xmlns:r="http://schemas.openxmlformats.org/officeDocument/2006/relationships" xmlns:p="http://schemas.openxmlformats.org/presentationml/2006/main">
   <p:cSld>
     <p:spTree>
@@ -6108,7 +7574,7 @@
           <a:p>
             <a:r>
               <a:rPr lang="en-US" altLang="ko-KR"/>
-              <a:t>Test Fixure / Test case</a:t>
+              <a:t>Test Fixture</a:t>
             </a:r>
             <a:endParaRPr lang="ko-KR" altLang="en-US"/>
           </a:p>
@@ -6135,20 +7601,69 @@
           <a:bodyPr/>
           <a:lstStyle/>
           <a:p>
-            <a:r>
-              <a:rPr lang="ko-KR" altLang="en-US"/>
-              <a:t>테스트 케이스 및 결과</a:t>
-            </a:r>
-            <a:endParaRPr lang="en-US" altLang="ko-KR"/>
-          </a:p>
-          <a:p>
-            <a:r>
-              <a:rPr lang="ko-KR" altLang="en-US"/>
-              <a:t>테스트 픽스쳐</a:t>
-            </a:r>
+            <a:endParaRPr lang="ko-KR" altLang="en-US"/>
           </a:p>
         </p:txBody>
       </p:sp>
+      <p:pic>
+        <p:nvPicPr>
+          <p:cNvPr id="5" name="그림 4">
+            <a:extLst>
+              <a:ext uri="{FF2B5EF4-FFF2-40B4-BE49-F238E27FC236}">
+                <a16:creationId xmlns:a16="http://schemas.microsoft.com/office/drawing/2014/main" id="{4FF8BB44-3993-4288-BC5F-41A4D7A58A84}"/>
+              </a:ext>
+            </a:extLst>
+          </p:cNvPr>
+          <p:cNvPicPr>
+            <a:picLocks noChangeAspect="1"/>
+          </p:cNvPicPr>
+          <p:nvPr/>
+        </p:nvPicPr>
+        <p:blipFill rotWithShape="1">
+          <a:blip r:embed="rId2"/>
+          <a:srcRect b="8450"/>
+          <a:stretch/>
+        </p:blipFill>
+        <p:spPr>
+          <a:xfrm>
+            <a:off x="605980" y="1120429"/>
+            <a:ext cx="6129393" cy="5625604"/>
+          </a:xfrm>
+          <a:prstGeom prst="rect">
+            <a:avLst/>
+          </a:prstGeom>
+        </p:spPr>
+      </p:pic>
+      <p:pic>
+        <p:nvPicPr>
+          <p:cNvPr id="9" name="그림 8">
+            <a:extLst>
+              <a:ext uri="{FF2B5EF4-FFF2-40B4-BE49-F238E27FC236}">
+                <a16:creationId xmlns:a16="http://schemas.microsoft.com/office/drawing/2014/main" id="{5B3DF210-F08B-4D57-A19C-C52C494C6905}"/>
+              </a:ext>
+            </a:extLst>
+          </p:cNvPr>
+          <p:cNvPicPr>
+            <a:picLocks noChangeAspect="1"/>
+          </p:cNvPicPr>
+          <p:nvPr/>
+        </p:nvPicPr>
+        <p:blipFill>
+          <a:blip r:embed="rId3"/>
+          <a:stretch>
+            <a:fillRect/>
+          </a:stretch>
+        </p:blipFill>
+        <p:spPr>
+          <a:xfrm>
+            <a:off x="6816401" y="1120429"/>
+            <a:ext cx="5295900" cy="5248275"/>
+          </a:xfrm>
+          <a:prstGeom prst="rect">
+            <a:avLst/>
+          </a:prstGeom>
+        </p:spPr>
+      </p:pic>
     </p:spTree>
     <p:extLst>
       <p:ext uri="{BB962C8B-B14F-4D97-AF65-F5344CB8AC3E}">
@@ -6162,7 +7677,7 @@
 </p:sld>
 </file>
 
-<file path=ppt/slides/slide13.xml><?xml version="1.0" encoding="utf-8"?>
+<file path=ppt/slides/slide17.xml><?xml version="1.0" encoding="utf-8"?>
 <p:sld xmlns:a="http://schemas.openxmlformats.org/drawingml/2006/main" xmlns:r="http://schemas.openxmlformats.org/officeDocument/2006/relationships" xmlns:p="http://schemas.openxmlformats.org/presentationml/2006/main">
   <p:cSld>
     <p:spTree>
@@ -6249,7 +7764,7 @@
 </p:sld>
 </file>
 
-<file path=ppt/slides/slide14.xml><?xml version="1.0" encoding="utf-8"?>
+<file path=ppt/slides/slide18.xml><?xml version="1.0" encoding="utf-8"?>
 <p:sld xmlns:a="http://schemas.openxmlformats.org/drawingml/2006/main" xmlns:r="http://schemas.openxmlformats.org/officeDocument/2006/relationships" xmlns:p="http://schemas.openxmlformats.org/presentationml/2006/main">
   <p:cSld>
     <p:spTree>
@@ -6365,7 +7880,7 @@
 </p:sld>
 </file>
 
-<file path=ppt/slides/slide15.xml><?xml version="1.0" encoding="utf-8"?>
+<file path=ppt/slides/slide19.xml><?xml version="1.0" encoding="utf-8"?>
 <p:sld xmlns:a="http://schemas.openxmlformats.org/drawingml/2006/main" xmlns:r="http://schemas.openxmlformats.org/officeDocument/2006/relationships" xmlns:p="http://schemas.openxmlformats.org/presentationml/2006/main">
   <p:cSld>
     <p:spTree>
@@ -6481,667 +7996,6 @@
 </p:sld>
 </file>
 
-<file path=ppt/slides/slide16.xml><?xml version="1.0" encoding="utf-8"?>
-<p:sld xmlns:a="http://schemas.openxmlformats.org/drawingml/2006/main" xmlns:r="http://schemas.openxmlformats.org/officeDocument/2006/relationships" xmlns:p="http://schemas.openxmlformats.org/presentationml/2006/main">
-  <p:cSld>
-    <p:spTree>
-      <p:nvGrpSpPr>
-        <p:cNvPr id="1" name="Shape 53"/>
-        <p:cNvGrpSpPr/>
-        <p:nvPr/>
-      </p:nvGrpSpPr>
-      <p:grpSpPr>
-        <a:xfrm>
-          <a:off x="0" y="0"/>
-          <a:ext cx="0" cy="0"/>
-          <a:chOff x="0" y="0"/>
-          <a:chExt cx="0" cy="0"/>
-        </a:xfrm>
-      </p:grpSpPr>
-      <p:sp>
-        <p:nvSpPr>
-          <p:cNvPr id="54" name="Google Shape;54;p2"/>
-          <p:cNvSpPr txBox="1">
-            <a:spLocks noGrp="1"/>
-          </p:cNvSpPr>
-          <p:nvPr>
-            <p:ph type="body" idx="1"/>
-          </p:nvPr>
-        </p:nvSpPr>
-        <p:spPr>
-          <a:xfrm>
-            <a:off x="1632000" y="1860184"/>
-            <a:ext cx="8928000" cy="2533083"/>
-          </a:xfrm>
-          <a:prstGeom prst="rect">
-            <a:avLst/>
-          </a:prstGeom>
-          <a:noFill/>
-          <a:ln>
-            <a:noFill/>
-          </a:ln>
-        </p:spPr>
-        <p:txBody>
-          <a:bodyPr spcFirstLastPara="1" wrap="square" lIns="0" tIns="45700" rIns="91425" bIns="45700" anchor="ctr" anchorCtr="0">
-            <a:noAutofit/>
-          </a:bodyPr>
-          <a:lstStyle/>
-          <a:p>
-            <a:pPr marL="0" lvl="0" indent="0" algn="ctr" rtl="0">
-              <a:lnSpc>
-                <a:spcPct val="90000"/>
-              </a:lnSpc>
-              <a:spcBef>
-                <a:spcPts val="0"/>
-              </a:spcBef>
-              <a:spcAft>
-                <a:spcPts val="0"/>
-              </a:spcAft>
-              <a:buClr>
-                <a:schemeClr val="dk1"/>
-              </a:buClr>
-              <a:buSzPts val="3200"/>
-              <a:buNone/>
-            </a:pPr>
-            <a:r>
-              <a:rPr lang="ko-KR" altLang="en-US"/>
-              <a:t>리팩토링을 통한 클린 코드</a:t>
-            </a:r>
-            <a:endParaRPr/>
-          </a:p>
-        </p:txBody>
-      </p:sp>
-    </p:spTree>
-    <p:extLst>
-      <p:ext uri="{BB962C8B-B14F-4D97-AF65-F5344CB8AC3E}">
-        <p14:creationId xmlns:p14="http://schemas.microsoft.com/office/powerpoint/2010/main" val="1821826519"/>
-      </p:ext>
-    </p:extLst>
-  </p:cSld>
-  <p:clrMapOvr>
-    <a:masterClrMapping/>
-  </p:clrMapOvr>
-</p:sld>
-</file>
-
-<file path=ppt/slides/slide17.xml><?xml version="1.0" encoding="utf-8"?>
-<p:sld xmlns:a="http://schemas.openxmlformats.org/drawingml/2006/main" xmlns:r="http://schemas.openxmlformats.org/officeDocument/2006/relationships" xmlns:p="http://schemas.openxmlformats.org/presentationml/2006/main">
-  <p:cSld>
-    <p:spTree>
-      <p:nvGrpSpPr>
-        <p:cNvPr id="1" name=""/>
-        <p:cNvGrpSpPr/>
-        <p:nvPr/>
-      </p:nvGrpSpPr>
-      <p:grpSpPr>
-        <a:xfrm>
-          <a:off x="0" y="0"/>
-          <a:ext cx="0" cy="0"/>
-          <a:chOff x="0" y="0"/>
-          <a:chExt cx="0" cy="0"/>
-        </a:xfrm>
-      </p:grpSpPr>
-      <p:sp>
-        <p:nvSpPr>
-          <p:cNvPr id="2" name="제목 1">
-            <a:extLst>
-              <a:ext uri="{FF2B5EF4-FFF2-40B4-BE49-F238E27FC236}">
-                <a16:creationId xmlns:a16="http://schemas.microsoft.com/office/drawing/2014/main" id="{339DF875-8450-4FC2-B87E-F9DBA360D9B2}"/>
-              </a:ext>
-            </a:extLst>
-          </p:cNvPr>
-          <p:cNvSpPr>
-            <a:spLocks noGrp="1"/>
-          </p:cNvSpPr>
-          <p:nvPr>
-            <p:ph type="title"/>
-          </p:nvPr>
-        </p:nvSpPr>
-        <p:spPr/>
-        <p:txBody>
-          <a:bodyPr>
-            <a:normAutofit fontScale="90000"/>
-          </a:bodyPr>
-          <a:lstStyle/>
-          <a:p>
-            <a:r>
-              <a:rPr lang="ko-KR" altLang="en-US"/>
-              <a:t>전후 결과 비교</a:t>
-            </a:r>
-          </a:p>
-        </p:txBody>
-      </p:sp>
-      <p:sp>
-        <p:nvSpPr>
-          <p:cNvPr id="3" name="텍스트 개체 틀 2">
-            <a:extLst>
-              <a:ext uri="{FF2B5EF4-FFF2-40B4-BE49-F238E27FC236}">
-                <a16:creationId xmlns:a16="http://schemas.microsoft.com/office/drawing/2014/main" id="{348A6CC5-097A-44E8-8418-8946CF1C9809}"/>
-              </a:ext>
-            </a:extLst>
-          </p:cNvPr>
-          <p:cNvSpPr>
-            <a:spLocks noGrp="1"/>
-          </p:cNvSpPr>
-          <p:nvPr>
-            <p:ph type="body" idx="1"/>
-          </p:nvPr>
-        </p:nvSpPr>
-        <p:spPr/>
-        <p:txBody>
-          <a:bodyPr/>
-          <a:lstStyle/>
-          <a:p>
-            <a:endParaRPr lang="ko-KR" altLang="en-US"/>
-          </a:p>
-        </p:txBody>
-      </p:sp>
-    </p:spTree>
-    <p:extLst>
-      <p:ext uri="{BB962C8B-B14F-4D97-AF65-F5344CB8AC3E}">
-        <p14:creationId xmlns:p14="http://schemas.microsoft.com/office/powerpoint/2010/main" val="1677564617"/>
-      </p:ext>
-    </p:extLst>
-  </p:cSld>
-  <p:clrMapOvr>
-    <a:masterClrMapping/>
-  </p:clrMapOvr>
-</p:sld>
-</file>
-
-<file path=ppt/slides/slide18.xml><?xml version="1.0" encoding="utf-8"?>
-<p:sld xmlns:a="http://schemas.openxmlformats.org/drawingml/2006/main" xmlns:r="http://schemas.openxmlformats.org/officeDocument/2006/relationships" xmlns:p="http://schemas.openxmlformats.org/presentationml/2006/main">
-  <p:cSld>
-    <p:spTree>
-      <p:nvGrpSpPr>
-        <p:cNvPr id="1" name="Shape 53"/>
-        <p:cNvGrpSpPr/>
-        <p:nvPr/>
-      </p:nvGrpSpPr>
-      <p:grpSpPr>
-        <a:xfrm>
-          <a:off x="0" y="0"/>
-          <a:ext cx="0" cy="0"/>
-          <a:chOff x="0" y="0"/>
-          <a:chExt cx="0" cy="0"/>
-        </a:xfrm>
-      </p:grpSpPr>
-      <p:sp>
-        <p:nvSpPr>
-          <p:cNvPr id="54" name="Google Shape;54;p2"/>
-          <p:cNvSpPr txBox="1">
-            <a:spLocks noGrp="1"/>
-          </p:cNvSpPr>
-          <p:nvPr>
-            <p:ph type="body" idx="1"/>
-          </p:nvPr>
-        </p:nvSpPr>
-        <p:spPr>
-          <a:xfrm>
-            <a:off x="1632000" y="1860184"/>
-            <a:ext cx="8928000" cy="2533083"/>
-          </a:xfrm>
-          <a:prstGeom prst="rect">
-            <a:avLst/>
-          </a:prstGeom>
-          <a:noFill/>
-          <a:ln>
-            <a:noFill/>
-          </a:ln>
-        </p:spPr>
-        <p:txBody>
-          <a:bodyPr spcFirstLastPara="1" wrap="square" lIns="0" tIns="45700" rIns="91425" bIns="45700" anchor="ctr" anchorCtr="0">
-            <a:noAutofit/>
-          </a:bodyPr>
-          <a:lstStyle/>
-          <a:p>
-            <a:pPr marL="0" lvl="0" indent="0" algn="ctr" rtl="0">
-              <a:lnSpc>
-                <a:spcPct val="90000"/>
-              </a:lnSpc>
-              <a:spcBef>
-                <a:spcPts val="0"/>
-              </a:spcBef>
-              <a:spcAft>
-                <a:spcPts val="0"/>
-              </a:spcAft>
-              <a:buClr>
-                <a:schemeClr val="dk1"/>
-              </a:buClr>
-              <a:buSzPts val="3200"/>
-              <a:buNone/>
-            </a:pPr>
-            <a:r>
-              <a:rPr lang="ko-KR" altLang="en-US"/>
-              <a:t>소감</a:t>
-            </a:r>
-            <a:endParaRPr/>
-          </a:p>
-        </p:txBody>
-      </p:sp>
-    </p:spTree>
-    <p:extLst>
-      <p:ext uri="{BB962C8B-B14F-4D97-AF65-F5344CB8AC3E}">
-        <p14:creationId xmlns:p14="http://schemas.microsoft.com/office/powerpoint/2010/main" val="3079353774"/>
-      </p:ext>
-    </p:extLst>
-  </p:cSld>
-  <p:clrMapOvr>
-    <a:masterClrMapping/>
-  </p:clrMapOvr>
-</p:sld>
-</file>
-
-<file path=ppt/slides/slide19.xml><?xml version="1.0" encoding="utf-8"?>
-<p:sld xmlns:a="http://schemas.openxmlformats.org/drawingml/2006/main" xmlns:r="http://schemas.openxmlformats.org/officeDocument/2006/relationships" xmlns:p="http://schemas.openxmlformats.org/presentationml/2006/main">
-  <p:cSld>
-    <p:spTree>
-      <p:nvGrpSpPr>
-        <p:cNvPr id="1" name=""/>
-        <p:cNvGrpSpPr/>
-        <p:nvPr/>
-      </p:nvGrpSpPr>
-      <p:grpSpPr>
-        <a:xfrm>
-          <a:off x="0" y="0"/>
-          <a:ext cx="0" cy="0"/>
-          <a:chOff x="0" y="0"/>
-          <a:chExt cx="0" cy="0"/>
-        </a:xfrm>
-      </p:grpSpPr>
-      <p:sp>
-        <p:nvSpPr>
-          <p:cNvPr id="2" name="제목 1">
-            <a:extLst>
-              <a:ext uri="{FF2B5EF4-FFF2-40B4-BE49-F238E27FC236}">
-                <a16:creationId xmlns:a16="http://schemas.microsoft.com/office/drawing/2014/main" id="{6A0B7156-C56D-4366-AC21-2D6E2175AD9A}"/>
-              </a:ext>
-            </a:extLst>
-          </p:cNvPr>
-          <p:cNvSpPr>
-            <a:spLocks noGrp="1"/>
-          </p:cNvSpPr>
-          <p:nvPr>
-            <p:ph type="title"/>
-          </p:nvPr>
-        </p:nvSpPr>
-        <p:spPr/>
-        <p:txBody>
-          <a:bodyPr>
-            <a:normAutofit fontScale="90000"/>
-          </a:bodyPr>
-          <a:lstStyle/>
-          <a:p>
-            <a:r>
-              <a:rPr lang="ko-KR" altLang="en-US"/>
-              <a:t>소감</a:t>
-            </a:r>
-          </a:p>
-        </p:txBody>
-      </p:sp>
-      <p:sp>
-        <p:nvSpPr>
-          <p:cNvPr id="3" name="텍스트 개체 틀 2">
-            <a:extLst>
-              <a:ext uri="{FF2B5EF4-FFF2-40B4-BE49-F238E27FC236}">
-                <a16:creationId xmlns:a16="http://schemas.microsoft.com/office/drawing/2014/main" id="{1CC29DF7-2306-4B91-9898-DF8FFCDD7DC0}"/>
-              </a:ext>
-            </a:extLst>
-          </p:cNvPr>
-          <p:cNvSpPr>
-            <a:spLocks noGrp="1"/>
-          </p:cNvSpPr>
-          <p:nvPr>
-            <p:ph type="body" idx="1"/>
-          </p:nvPr>
-        </p:nvSpPr>
-        <p:spPr/>
-        <p:txBody>
-          <a:bodyPr>
-            <a:noAutofit/>
-          </a:bodyPr>
-          <a:lstStyle/>
-          <a:p>
-            <a:pPr marL="114300" indent="0" algn="l">
-              <a:buNone/>
-            </a:pPr>
-            <a:r>
-              <a:rPr lang="en-US" altLang="ko-KR" sz="2600">
-                <a:solidFill>
-                  <a:srgbClr val="1F2328"/>
-                </a:solidFill>
-                <a:latin typeface="-apple-system"/>
-              </a:rPr>
-              <a:t>“</a:t>
-            </a:r>
-            <a:r>
-              <a:rPr lang="ko-KR" altLang="en-US" sz="2600">
-                <a:solidFill>
-                  <a:srgbClr val="1F2328"/>
-                </a:solidFill>
-                <a:latin typeface="-apple-system"/>
-              </a:rPr>
-              <a:t>다양한 개발 방법을 직접 접해봐서 좋았습니다</a:t>
-            </a:r>
-            <a:r>
-              <a:rPr lang="en-US" altLang="ko-KR" sz="2600">
-                <a:solidFill>
-                  <a:srgbClr val="1F2328"/>
-                </a:solidFill>
-                <a:latin typeface="-apple-system"/>
-              </a:rPr>
-              <a:t>. </a:t>
-            </a:r>
-            <a:r>
-              <a:rPr lang="ko-KR" altLang="en-US" sz="2600">
-                <a:solidFill>
-                  <a:srgbClr val="1F2328"/>
-                </a:solidFill>
-                <a:latin typeface="-apple-system"/>
-              </a:rPr>
-              <a:t>마지막에 추가 요구 사항을 빠르게 반영하면서 현업의 기운을 느꼈습니다</a:t>
-            </a:r>
-            <a:r>
-              <a:rPr lang="en-US" altLang="ko-KR" sz="2600">
-                <a:solidFill>
-                  <a:srgbClr val="1F2328"/>
-                </a:solidFill>
-                <a:latin typeface="-apple-system"/>
-              </a:rPr>
-              <a:t>. </a:t>
-            </a:r>
-            <a:r>
-              <a:rPr lang="ko-KR" altLang="en-US" sz="2600">
-                <a:solidFill>
-                  <a:srgbClr val="1F2328"/>
-                </a:solidFill>
-                <a:latin typeface="-apple-system"/>
-              </a:rPr>
-              <a:t>팀원분들 모두 고생하셨습니다</a:t>
-            </a:r>
-            <a:r>
-              <a:rPr lang="en-US" altLang="ko-KR" sz="2600">
-                <a:solidFill>
-                  <a:srgbClr val="1F2328"/>
-                </a:solidFill>
-                <a:latin typeface="-apple-system"/>
-              </a:rPr>
-              <a:t>!”</a:t>
-            </a:r>
-          </a:p>
-          <a:p>
-            <a:pPr marL="114300" indent="0" algn="l">
-              <a:buNone/>
-            </a:pPr>
-            <a:endParaRPr lang="ko-KR" altLang="en-US" sz="2600" b="0" i="0">
-              <a:solidFill>
-                <a:srgbClr val="1F2328"/>
-              </a:solidFill>
-              <a:effectLst/>
-              <a:latin typeface="-apple-system"/>
-            </a:endParaRPr>
-          </a:p>
-          <a:p>
-            <a:pPr marL="114300" indent="0" algn="l">
-              <a:buNone/>
-            </a:pPr>
-            <a:r>
-              <a:rPr lang="en-US" altLang="ko-KR" sz="2600" b="0" i="0">
-                <a:solidFill>
-                  <a:srgbClr val="1F2328"/>
-                </a:solidFill>
-                <a:effectLst/>
-                <a:latin typeface="-apple-system"/>
-              </a:rPr>
-              <a:t>”</a:t>
-            </a:r>
-            <a:r>
-              <a:rPr lang="ko-KR" altLang="en-US" sz="2600" b="0" i="0">
-                <a:effectLst/>
-                <a:latin typeface="gg sans"/>
-              </a:rPr>
-              <a:t> </a:t>
-            </a:r>
-            <a:r>
-              <a:rPr lang="en-US" altLang="ko-KR" sz="2600" b="0" i="0">
-                <a:effectLst/>
-                <a:latin typeface="gg sans"/>
-              </a:rPr>
-              <a:t>3,4</a:t>
-            </a:r>
-            <a:r>
-              <a:rPr lang="ko-KR" altLang="en-US" sz="2600" b="0" i="0">
-                <a:effectLst/>
-                <a:latin typeface="gg sans"/>
-              </a:rPr>
-              <a:t>일차에 기능개발 급급하느라 </a:t>
-            </a:r>
-            <a:r>
-              <a:rPr lang="en-US" altLang="ko-KR" sz="2600" b="0" i="0">
-                <a:effectLst/>
-                <a:latin typeface="gg sans"/>
-              </a:rPr>
-              <a:t>TDD</a:t>
-            </a:r>
-            <a:r>
-              <a:rPr lang="ko-KR" altLang="en-US" sz="2600" b="0" i="0">
-                <a:effectLst/>
-                <a:latin typeface="gg sans"/>
-              </a:rPr>
-              <a:t>를 못하니까 </a:t>
-            </a:r>
-            <a:r>
-              <a:rPr lang="en-US" altLang="ko-KR" sz="2600" b="0" i="0">
-                <a:effectLst/>
-                <a:latin typeface="gg sans"/>
-              </a:rPr>
-              <a:t>'</a:t>
-            </a:r>
-            <a:r>
-              <a:rPr lang="ko-KR" altLang="en-US" sz="2600" b="0" i="0">
-                <a:effectLst/>
-                <a:latin typeface="gg sans"/>
-              </a:rPr>
-              <a:t>오늘은 내가 스파게티 요리사</a:t>
-            </a:r>
-            <a:r>
-              <a:rPr lang="en-US" altLang="ko-KR" sz="2600" b="0" i="0">
-                <a:effectLst/>
-                <a:latin typeface="gg sans"/>
-              </a:rPr>
-              <a:t>~!'</a:t>
-            </a:r>
-            <a:r>
-              <a:rPr lang="ko-KR" altLang="en-US" sz="2600" b="0" i="0">
-                <a:effectLst/>
-                <a:latin typeface="gg sans"/>
-              </a:rPr>
-              <a:t>가 되어리네요</a:t>
-            </a:r>
-            <a:r>
-              <a:rPr lang="en-US" altLang="ko-KR" sz="2600" b="0" i="0">
-                <a:effectLst/>
-                <a:latin typeface="gg sans"/>
-              </a:rPr>
-              <a:t>.. TDD </a:t>
-            </a:r>
-            <a:r>
-              <a:rPr lang="ko-KR" altLang="en-US" sz="2600" b="0" i="0">
-                <a:effectLst/>
-                <a:latin typeface="gg sans"/>
-              </a:rPr>
-              <a:t>꼭 명심하겠습니다</a:t>
-            </a:r>
-            <a:r>
-              <a:rPr lang="en-US" altLang="ko-KR" sz="2600" b="0" i="0">
-                <a:effectLst/>
-                <a:latin typeface="gg sans"/>
-              </a:rPr>
-              <a:t>~! </a:t>
-            </a:r>
-            <a:r>
-              <a:rPr lang="ko-KR" altLang="en-US" sz="2600" b="0" i="0">
-                <a:effectLst/>
-                <a:latin typeface="gg sans"/>
-              </a:rPr>
-              <a:t>로버트 </a:t>
-            </a:r>
-            <a:r>
-              <a:rPr lang="en-US" altLang="ko-KR" sz="2600" b="0" i="0">
-                <a:effectLst/>
-                <a:latin typeface="gg sans"/>
-              </a:rPr>
-              <a:t>C </a:t>
-            </a:r>
-            <a:r>
-              <a:rPr lang="ko-KR" altLang="en-US" sz="2600" b="0" i="0">
-                <a:effectLst/>
-                <a:latin typeface="gg sans"/>
-              </a:rPr>
-              <a:t>마틴</a:t>
-            </a:r>
-            <a:r>
-              <a:rPr lang="en-US" altLang="ko-KR" sz="2600" b="0" i="0">
-                <a:effectLst/>
-                <a:latin typeface="gg sans"/>
-              </a:rPr>
-              <a:t>, </a:t>
-            </a:r>
-            <a:r>
-              <a:rPr lang="ko-KR" altLang="en-US" sz="2600" b="0" i="0">
-                <a:effectLst/>
-                <a:latin typeface="gg sans"/>
-              </a:rPr>
-              <a:t>마틴 파울러</a:t>
-            </a:r>
-            <a:r>
-              <a:rPr lang="en-US" altLang="ko-KR" sz="2600" b="0" i="0">
-                <a:effectLst/>
-                <a:latin typeface="gg sans"/>
-              </a:rPr>
-              <a:t>, </a:t>
-            </a:r>
-            <a:r>
-              <a:rPr lang="ko-KR" altLang="en-US" sz="2600" b="0" i="0">
-                <a:effectLst/>
-                <a:latin typeface="gg sans"/>
-              </a:rPr>
-              <a:t>데이비드 하이네마이어 핸슨</a:t>
-            </a:r>
-            <a:r>
-              <a:rPr lang="en-US" altLang="ko-KR" sz="2600" b="0" i="0">
-                <a:effectLst/>
-                <a:latin typeface="gg sans"/>
-              </a:rPr>
-              <a:t>, </a:t>
-            </a:r>
-            <a:r>
-              <a:rPr lang="ko-KR" altLang="en-US" sz="2600" b="0" i="0">
-                <a:effectLst/>
-                <a:latin typeface="gg sans"/>
-              </a:rPr>
-              <a:t>팀 아메리카노</a:t>
-            </a:r>
-            <a:r>
-              <a:rPr lang="en-US" altLang="ko-KR" sz="2600" b="0" i="0">
-                <a:effectLst/>
-                <a:latin typeface="gg sans"/>
-              </a:rPr>
-              <a:t>, </a:t>
-            </a:r>
-            <a:r>
-              <a:rPr lang="ko-KR" altLang="en-US" sz="2600" b="0" i="0">
-                <a:effectLst/>
-                <a:latin typeface="gg sans"/>
-              </a:rPr>
-              <a:t>렛츠고</a:t>
-            </a:r>
-            <a:r>
-              <a:rPr lang="en-US" altLang="ko-KR" sz="2600" b="0" i="0">
-                <a:effectLst/>
-                <a:latin typeface="gg sans"/>
-              </a:rPr>
-              <a:t>!</a:t>
-            </a:r>
-            <a:r>
-              <a:rPr lang="en-US" altLang="ko-KR" sz="2600" b="0" i="0">
-                <a:solidFill>
-                  <a:srgbClr val="1F2328"/>
-                </a:solidFill>
-                <a:effectLst/>
-                <a:latin typeface="-apple-system"/>
-              </a:rPr>
-              <a:t>”</a:t>
-            </a:r>
-          </a:p>
-          <a:p>
-            <a:pPr marL="114300" indent="0" algn="l">
-              <a:buNone/>
-            </a:pPr>
-            <a:endParaRPr lang="en-US" altLang="ko-KR" sz="2600">
-              <a:solidFill>
-                <a:srgbClr val="1F2328"/>
-              </a:solidFill>
-              <a:latin typeface="-apple-system"/>
-            </a:endParaRPr>
-          </a:p>
-          <a:p>
-            <a:pPr marL="114300" indent="0" algn="l">
-              <a:buNone/>
-            </a:pPr>
-            <a:r>
-              <a:rPr lang="en-US" altLang="ko-KR" sz="2600" b="0" i="0">
-                <a:solidFill>
-                  <a:srgbClr val="1F2328"/>
-                </a:solidFill>
-                <a:effectLst/>
-                <a:latin typeface="-apple-system"/>
-              </a:rPr>
-              <a:t>“</a:t>
-            </a:r>
-            <a:r>
-              <a:rPr lang="ko-KR" altLang="en-US" sz="2600" b="0" i="0">
-                <a:solidFill>
-                  <a:srgbClr val="1F2328"/>
-                </a:solidFill>
-                <a:effectLst/>
-                <a:latin typeface="-apple-system"/>
-              </a:rPr>
-              <a:t>코드리뷰를 위한 새로운 기술들을 알아가는 유익한 시간이었고 팀원들과 한가지 목표로 달려가는 실습도 재미난 경험이었습니다 🙂  현업과제도 모두 화이팅</a:t>
-            </a:r>
-            <a:r>
-              <a:rPr lang="en-US" altLang="ko-KR" sz="2600" b="0" i="0">
-                <a:solidFill>
-                  <a:srgbClr val="1F2328"/>
-                </a:solidFill>
-                <a:effectLst/>
-                <a:latin typeface="-apple-system"/>
-              </a:rPr>
-              <a:t>!!”</a:t>
-            </a:r>
-            <a:endParaRPr lang="ko-KR" altLang="en-US" sz="2600" b="0" i="0">
-              <a:solidFill>
-                <a:srgbClr val="1F2328"/>
-              </a:solidFill>
-              <a:effectLst/>
-              <a:latin typeface="-apple-system"/>
-            </a:endParaRPr>
-          </a:p>
-        </p:txBody>
-      </p:sp>
-    </p:spTree>
-    <p:extLst>
-      <p:ext uri="{BB962C8B-B14F-4D97-AF65-F5344CB8AC3E}">
-        <p14:creationId xmlns:p14="http://schemas.microsoft.com/office/powerpoint/2010/main" val="1962314239"/>
-      </p:ext>
-    </p:extLst>
-  </p:cSld>
-  <p:clrMapOvr>
-    <a:masterClrMapping/>
-  </p:clrMapOvr>
-</p:sld>
-</file>
-
 <file path=ppt/slides/slide2.xml><?xml version="1.0" encoding="utf-8"?>
 <p:sld xmlns:a="http://schemas.openxmlformats.org/drawingml/2006/main" xmlns:r="http://schemas.openxmlformats.org/officeDocument/2006/relationships" xmlns:p="http://schemas.openxmlformats.org/presentationml/2006/main">
   <p:cSld>
@@ -7221,6 +8075,1231 @@
 </file>
 
 <file path=ppt/slides/slide20.xml><?xml version="1.0" encoding="utf-8"?>
+<p:sld xmlns:a="http://schemas.openxmlformats.org/drawingml/2006/main" xmlns:r="http://schemas.openxmlformats.org/officeDocument/2006/relationships" xmlns:p="http://schemas.openxmlformats.org/presentationml/2006/main">
+  <p:cSld>
+    <p:spTree>
+      <p:nvGrpSpPr>
+        <p:cNvPr id="1" name=""/>
+        <p:cNvGrpSpPr/>
+        <p:nvPr/>
+      </p:nvGrpSpPr>
+      <p:grpSpPr>
+        <a:xfrm>
+          <a:off x="0" y="0"/>
+          <a:ext cx="0" cy="0"/>
+          <a:chOff x="0" y="0"/>
+          <a:chExt cx="0" cy="0"/>
+        </a:xfrm>
+      </p:grpSpPr>
+      <p:sp>
+        <p:nvSpPr>
+          <p:cNvPr id="2" name="제목 1">
+            <a:extLst>
+              <a:ext uri="{FF2B5EF4-FFF2-40B4-BE49-F238E27FC236}">
+                <a16:creationId xmlns:a16="http://schemas.microsoft.com/office/drawing/2014/main" id="{7CA6E275-E42D-455A-8319-2ABE16B52E86}"/>
+              </a:ext>
+            </a:extLst>
+          </p:cNvPr>
+          <p:cNvSpPr>
+            <a:spLocks noGrp="1"/>
+          </p:cNvSpPr>
+          <p:nvPr>
+            <p:ph type="title"/>
+          </p:nvPr>
+        </p:nvSpPr>
+        <p:spPr/>
+        <p:txBody>
+          <a:bodyPr>
+            <a:normAutofit fontScale="90000"/>
+          </a:bodyPr>
+          <a:lstStyle/>
+          <a:p>
+            <a:r>
+              <a:rPr lang="en-US" altLang="ko-KR"/>
+              <a:t>FileReader &amp; SSDDriver</a:t>
+            </a:r>
+            <a:endParaRPr lang="ko-KR" altLang="en-US"/>
+          </a:p>
+        </p:txBody>
+      </p:sp>
+      <p:sp>
+        <p:nvSpPr>
+          <p:cNvPr id="3" name="텍스트 개체 틀 2">
+            <a:extLst>
+              <a:ext uri="{FF2B5EF4-FFF2-40B4-BE49-F238E27FC236}">
+                <a16:creationId xmlns:a16="http://schemas.microsoft.com/office/drawing/2014/main" id="{7B787FD8-4163-4D82-A621-EA9E76DADF36}"/>
+              </a:ext>
+            </a:extLst>
+          </p:cNvPr>
+          <p:cNvSpPr>
+            <a:spLocks noGrp="1"/>
+          </p:cNvSpPr>
+          <p:nvPr>
+            <p:ph type="body" idx="1"/>
+          </p:nvPr>
+        </p:nvSpPr>
+        <p:spPr/>
+        <p:txBody>
+          <a:bodyPr/>
+          <a:lstStyle/>
+          <a:p>
+            <a:endParaRPr lang="ko-KR" altLang="en-US"/>
+          </a:p>
+        </p:txBody>
+      </p:sp>
+      <p:pic>
+        <p:nvPicPr>
+          <p:cNvPr id="5" name="그림 4">
+            <a:extLst>
+              <a:ext uri="{FF2B5EF4-FFF2-40B4-BE49-F238E27FC236}">
+                <a16:creationId xmlns:a16="http://schemas.microsoft.com/office/drawing/2014/main" id="{E8A1C801-5A48-4108-8C25-6129A2CF30DB}"/>
+              </a:ext>
+            </a:extLst>
+          </p:cNvPr>
+          <p:cNvPicPr>
+            <a:picLocks noChangeAspect="1"/>
+          </p:cNvPicPr>
+          <p:nvPr/>
+        </p:nvPicPr>
+        <p:blipFill>
+          <a:blip r:embed="rId2"/>
+          <a:stretch>
+            <a:fillRect/>
+          </a:stretch>
+        </p:blipFill>
+        <p:spPr>
+          <a:xfrm>
+            <a:off x="605980" y="1316376"/>
+            <a:ext cx="6677025" cy="3733800"/>
+          </a:xfrm>
+          <a:prstGeom prst="rect">
+            <a:avLst/>
+          </a:prstGeom>
+        </p:spPr>
+      </p:pic>
+    </p:spTree>
+    <p:extLst>
+      <p:ext uri="{BB962C8B-B14F-4D97-AF65-F5344CB8AC3E}">
+        <p14:creationId xmlns:p14="http://schemas.microsoft.com/office/powerpoint/2010/main" val="2145126093"/>
+      </p:ext>
+    </p:extLst>
+  </p:cSld>
+  <p:clrMapOvr>
+    <a:masterClrMapping/>
+  </p:clrMapOvr>
+</p:sld>
+</file>
+
+<file path=ppt/slides/slide21.xml><?xml version="1.0" encoding="utf-8"?>
+<p:sld xmlns:a="http://schemas.openxmlformats.org/drawingml/2006/main" xmlns:r="http://schemas.openxmlformats.org/officeDocument/2006/relationships" xmlns:p="http://schemas.openxmlformats.org/presentationml/2006/main">
+  <p:cSld>
+    <p:spTree>
+      <p:nvGrpSpPr>
+        <p:cNvPr id="1" name=""/>
+        <p:cNvGrpSpPr/>
+        <p:nvPr/>
+      </p:nvGrpSpPr>
+      <p:grpSpPr>
+        <a:xfrm>
+          <a:off x="0" y="0"/>
+          <a:ext cx="0" cy="0"/>
+          <a:chOff x="0" y="0"/>
+          <a:chExt cx="0" cy="0"/>
+        </a:xfrm>
+      </p:grpSpPr>
+      <p:sp>
+        <p:nvSpPr>
+          <p:cNvPr id="2" name="제목 1">
+            <a:extLst>
+              <a:ext uri="{FF2B5EF4-FFF2-40B4-BE49-F238E27FC236}">
+                <a16:creationId xmlns:a16="http://schemas.microsoft.com/office/drawing/2014/main" id="{7CA6E275-E42D-455A-8319-2ABE16B52E86}"/>
+              </a:ext>
+            </a:extLst>
+          </p:cNvPr>
+          <p:cNvSpPr>
+            <a:spLocks noGrp="1"/>
+          </p:cNvSpPr>
+          <p:nvPr>
+            <p:ph type="title"/>
+          </p:nvPr>
+        </p:nvSpPr>
+        <p:spPr/>
+        <p:txBody>
+          <a:bodyPr>
+            <a:normAutofit fontScale="90000"/>
+          </a:bodyPr>
+          <a:lstStyle/>
+          <a:p>
+            <a:r>
+              <a:rPr lang="en-US" altLang="ko-KR"/>
+              <a:t>SSDDriver</a:t>
+            </a:r>
+            <a:endParaRPr lang="ko-KR" altLang="en-US"/>
+          </a:p>
+        </p:txBody>
+      </p:sp>
+      <p:sp>
+        <p:nvSpPr>
+          <p:cNvPr id="3" name="텍스트 개체 틀 2">
+            <a:extLst>
+              <a:ext uri="{FF2B5EF4-FFF2-40B4-BE49-F238E27FC236}">
+                <a16:creationId xmlns:a16="http://schemas.microsoft.com/office/drawing/2014/main" id="{7B787FD8-4163-4D82-A621-EA9E76DADF36}"/>
+              </a:ext>
+            </a:extLst>
+          </p:cNvPr>
+          <p:cNvSpPr>
+            <a:spLocks noGrp="1"/>
+          </p:cNvSpPr>
+          <p:nvPr>
+            <p:ph type="body" idx="1"/>
+          </p:nvPr>
+        </p:nvSpPr>
+        <p:spPr>
+          <a:xfrm>
+            <a:off x="605980" y="1055112"/>
+            <a:ext cx="10515600" cy="4927686"/>
+          </a:xfrm>
+        </p:spPr>
+        <p:txBody>
+          <a:bodyPr/>
+          <a:lstStyle/>
+          <a:p>
+            <a:r>
+              <a:rPr lang="en-US" altLang="ko-KR"/>
+              <a:t>SSD</a:t>
+            </a:r>
+            <a:r>
+              <a:rPr lang="ko-KR" altLang="en-US"/>
+              <a:t>에 직접 쓰는 동작과 </a:t>
+            </a:r>
+            <a:r>
+              <a:rPr lang="en-US" altLang="ko-KR"/>
+              <a:t>result.txt</a:t>
+            </a:r>
+            <a:r>
+              <a:rPr lang="ko-KR" altLang="en-US"/>
+              <a:t>를 직접 읽는 동작 </a:t>
+            </a:r>
+            <a:r>
+              <a:rPr lang="en-US" altLang="ko-KR"/>
+              <a:t>Mocking</a:t>
+            </a:r>
+            <a:endParaRPr lang="ko-KR" altLang="en-US"/>
+          </a:p>
+        </p:txBody>
+      </p:sp>
+      <p:grpSp>
+        <p:nvGrpSpPr>
+          <p:cNvPr id="6" name="그룹 5">
+            <a:extLst>
+              <a:ext uri="{FF2B5EF4-FFF2-40B4-BE49-F238E27FC236}">
+                <a16:creationId xmlns:a16="http://schemas.microsoft.com/office/drawing/2014/main" id="{C3F902FD-E8AE-4388-9084-44D3A2A10AA5}"/>
+              </a:ext>
+            </a:extLst>
+          </p:cNvPr>
+          <p:cNvGrpSpPr/>
+          <p:nvPr/>
+        </p:nvGrpSpPr>
+        <p:grpSpPr>
+          <a:xfrm>
+            <a:off x="451508" y="1690915"/>
+            <a:ext cx="10707395" cy="1253876"/>
+            <a:chOff x="413405" y="748401"/>
+            <a:chExt cx="10707395" cy="1253876"/>
+          </a:xfrm>
+        </p:grpSpPr>
+        <p:grpSp>
+          <p:nvGrpSpPr>
+            <p:cNvPr id="7" name="그룹 6">
+              <a:extLst>
+                <a:ext uri="{FF2B5EF4-FFF2-40B4-BE49-F238E27FC236}">
+                  <a16:creationId xmlns:a16="http://schemas.microsoft.com/office/drawing/2014/main" id="{5F81C5F3-889B-4DE2-898C-0B403A9370B7}"/>
+                </a:ext>
+              </a:extLst>
+            </p:cNvPr>
+            <p:cNvGrpSpPr/>
+            <p:nvPr/>
+          </p:nvGrpSpPr>
+          <p:grpSpPr>
+            <a:xfrm>
+              <a:off x="413405" y="748401"/>
+              <a:ext cx="5189670" cy="1253876"/>
+              <a:chOff x="413405" y="748401"/>
+              <a:chExt cx="5189670" cy="1253876"/>
+            </a:xfrm>
+          </p:grpSpPr>
+          <p:pic>
+            <p:nvPicPr>
+              <p:cNvPr id="11" name="그림 10">
+                <a:extLst>
+                  <a:ext uri="{FF2B5EF4-FFF2-40B4-BE49-F238E27FC236}">
+                    <a16:creationId xmlns:a16="http://schemas.microsoft.com/office/drawing/2014/main" id="{A877748C-0F5D-4EDB-BA5C-7205E78BC5B6}"/>
+                  </a:ext>
+                </a:extLst>
+              </p:cNvPr>
+              <p:cNvPicPr>
+                <a:picLocks noChangeAspect="1"/>
+              </p:cNvPicPr>
+              <p:nvPr/>
+            </p:nvPicPr>
+            <p:blipFill>
+              <a:blip r:embed="rId2"/>
+              <a:stretch>
+                <a:fillRect/>
+              </a:stretch>
+            </p:blipFill>
+            <p:spPr>
+              <a:xfrm>
+                <a:off x="413405" y="1164004"/>
+                <a:ext cx="5189670" cy="838273"/>
+              </a:xfrm>
+              <a:prstGeom prst="rect">
+                <a:avLst/>
+              </a:prstGeom>
+            </p:spPr>
+          </p:pic>
+          <p:sp>
+            <p:nvSpPr>
+              <p:cNvPr id="12" name="TextBox 11">
+                <a:extLst>
+                  <a:ext uri="{FF2B5EF4-FFF2-40B4-BE49-F238E27FC236}">
+                    <a16:creationId xmlns:a16="http://schemas.microsoft.com/office/drawing/2014/main" id="{E60488BB-DF16-44BC-AF29-95B2422AA28E}"/>
+                  </a:ext>
+                </a:extLst>
+              </p:cNvPr>
+              <p:cNvSpPr txBox="1"/>
+              <p:nvPr/>
+            </p:nvSpPr>
+            <p:spPr>
+              <a:xfrm>
+                <a:off x="413405" y="748401"/>
+                <a:ext cx="2788922" cy="369332"/>
+              </a:xfrm>
+              <a:prstGeom prst="rect">
+                <a:avLst/>
+              </a:prstGeom>
+              <a:noFill/>
+            </p:spPr>
+            <p:txBody>
+              <a:bodyPr wrap="square" rtlCol="0">
+                <a:spAutoFit/>
+              </a:bodyPr>
+              <a:lstStyle/>
+              <a:p>
+                <a:r>
+                  <a:rPr lang="en-US" altLang="ko-KR" dirty="0"/>
+                  <a:t>Product </a:t>
+                </a:r>
+                <a:r>
+                  <a:rPr lang="ko-KR" altLang="en-US" dirty="0"/>
+                  <a:t>코드</a:t>
+                </a:r>
+              </a:p>
+            </p:txBody>
+          </p:sp>
+        </p:grpSp>
+        <p:grpSp>
+          <p:nvGrpSpPr>
+            <p:cNvPr id="8" name="그룹 7">
+              <a:extLst>
+                <a:ext uri="{FF2B5EF4-FFF2-40B4-BE49-F238E27FC236}">
+                  <a16:creationId xmlns:a16="http://schemas.microsoft.com/office/drawing/2014/main" id="{FA0B90E9-7A0B-40CB-A6BA-F6A27DAD3F9D}"/>
+                </a:ext>
+              </a:extLst>
+            </p:cNvPr>
+            <p:cNvGrpSpPr/>
+            <p:nvPr/>
+          </p:nvGrpSpPr>
+          <p:grpSpPr>
+            <a:xfrm>
+              <a:off x="7142815" y="748401"/>
+              <a:ext cx="3977985" cy="1055738"/>
+              <a:chOff x="7142815" y="748401"/>
+              <a:chExt cx="3977985" cy="1055738"/>
+            </a:xfrm>
+          </p:grpSpPr>
+          <p:pic>
+            <p:nvPicPr>
+              <p:cNvPr id="9" name="그림 8">
+                <a:extLst>
+                  <a:ext uri="{FF2B5EF4-FFF2-40B4-BE49-F238E27FC236}">
+                    <a16:creationId xmlns:a16="http://schemas.microsoft.com/office/drawing/2014/main" id="{35FE229C-214B-4B0E-B07B-B09B32F32227}"/>
+                  </a:ext>
+                </a:extLst>
+              </p:cNvPr>
+              <p:cNvPicPr>
+                <a:picLocks noChangeAspect="1"/>
+              </p:cNvPicPr>
+              <p:nvPr/>
+            </p:nvPicPr>
+            <p:blipFill>
+              <a:blip r:embed="rId3"/>
+              <a:stretch>
+                <a:fillRect/>
+              </a:stretch>
+            </p:blipFill>
+            <p:spPr>
+              <a:xfrm>
+                <a:off x="7142815" y="1164004"/>
+                <a:ext cx="3977985" cy="640135"/>
+              </a:xfrm>
+              <a:prstGeom prst="rect">
+                <a:avLst/>
+              </a:prstGeom>
+            </p:spPr>
+          </p:pic>
+          <p:sp>
+            <p:nvSpPr>
+              <p:cNvPr id="10" name="TextBox 9">
+                <a:extLst>
+                  <a:ext uri="{FF2B5EF4-FFF2-40B4-BE49-F238E27FC236}">
+                    <a16:creationId xmlns:a16="http://schemas.microsoft.com/office/drawing/2014/main" id="{A4E7F667-CB16-4C67-8593-26E1747C36AE}"/>
+                  </a:ext>
+                </a:extLst>
+              </p:cNvPr>
+              <p:cNvSpPr txBox="1"/>
+              <p:nvPr/>
+            </p:nvSpPr>
+            <p:spPr>
+              <a:xfrm>
+                <a:off x="7142815" y="748401"/>
+                <a:ext cx="2788922" cy="369332"/>
+              </a:xfrm>
+              <a:prstGeom prst="rect">
+                <a:avLst/>
+              </a:prstGeom>
+              <a:noFill/>
+            </p:spPr>
+            <p:txBody>
+              <a:bodyPr wrap="square" rtlCol="0">
+                <a:spAutoFit/>
+              </a:bodyPr>
+              <a:lstStyle/>
+              <a:p>
+                <a:r>
+                  <a:rPr lang="en-US" altLang="ko-KR" dirty="0"/>
+                  <a:t>Mocking </a:t>
+                </a:r>
+                <a:r>
+                  <a:rPr lang="ko-KR" altLang="en-US" dirty="0"/>
+                  <a:t>코드</a:t>
+                </a:r>
+              </a:p>
+            </p:txBody>
+          </p:sp>
+        </p:grpSp>
+      </p:grpSp>
+      <p:grpSp>
+        <p:nvGrpSpPr>
+          <p:cNvPr id="13" name="그룹 12">
+            <a:extLst>
+              <a:ext uri="{FF2B5EF4-FFF2-40B4-BE49-F238E27FC236}">
+                <a16:creationId xmlns:a16="http://schemas.microsoft.com/office/drawing/2014/main" id="{64E5DB90-20F6-40FD-80ED-826CB06F0860}"/>
+              </a:ext>
+            </a:extLst>
+          </p:cNvPr>
+          <p:cNvGrpSpPr/>
+          <p:nvPr/>
+        </p:nvGrpSpPr>
+        <p:grpSpPr>
+          <a:xfrm>
+            <a:off x="413405" y="3001015"/>
+            <a:ext cx="10745498" cy="3810330"/>
+            <a:chOff x="413405" y="2675979"/>
+            <a:chExt cx="10745498" cy="3810330"/>
+          </a:xfrm>
+        </p:grpSpPr>
+        <p:pic>
+          <p:nvPicPr>
+            <p:cNvPr id="14" name="그림 13">
+              <a:extLst>
+                <a:ext uri="{FF2B5EF4-FFF2-40B4-BE49-F238E27FC236}">
+                  <a16:creationId xmlns:a16="http://schemas.microsoft.com/office/drawing/2014/main" id="{0A21CB82-52D6-4615-A899-9072A97EC1E5}"/>
+                </a:ext>
+              </a:extLst>
+            </p:cNvPr>
+            <p:cNvPicPr>
+              <a:picLocks noChangeAspect="1"/>
+            </p:cNvPicPr>
+            <p:nvPr/>
+          </p:nvPicPr>
+          <p:blipFill>
+            <a:blip r:embed="rId4"/>
+            <a:stretch>
+              <a:fillRect/>
+            </a:stretch>
+          </p:blipFill>
+          <p:spPr>
+            <a:xfrm>
+              <a:off x="413405" y="2675979"/>
+              <a:ext cx="8329382" cy="3810330"/>
+            </a:xfrm>
+            <a:prstGeom prst="rect">
+              <a:avLst/>
+            </a:prstGeom>
+          </p:spPr>
+        </p:pic>
+        <p:pic>
+          <p:nvPicPr>
+            <p:cNvPr id="15" name="그림 14">
+              <a:extLst>
+                <a:ext uri="{FF2B5EF4-FFF2-40B4-BE49-F238E27FC236}">
+                  <a16:creationId xmlns:a16="http://schemas.microsoft.com/office/drawing/2014/main" id="{5C03B0E2-9206-48CC-9F9E-1F603F3E0E97}"/>
+                </a:ext>
+              </a:extLst>
+            </p:cNvPr>
+            <p:cNvPicPr>
+              <a:picLocks noChangeAspect="1"/>
+            </p:cNvPicPr>
+            <p:nvPr/>
+          </p:nvPicPr>
+          <p:blipFill>
+            <a:blip r:embed="rId5"/>
+            <a:stretch>
+              <a:fillRect/>
+            </a:stretch>
+          </p:blipFill>
+          <p:spPr>
+            <a:xfrm>
+              <a:off x="7142815" y="2778858"/>
+              <a:ext cx="4016088" cy="3604572"/>
+            </a:xfrm>
+            <a:prstGeom prst="rect">
+              <a:avLst/>
+            </a:prstGeom>
+          </p:spPr>
+        </p:pic>
+      </p:grpSp>
+    </p:spTree>
+    <p:extLst>
+      <p:ext uri="{BB962C8B-B14F-4D97-AF65-F5344CB8AC3E}">
+        <p14:creationId xmlns:p14="http://schemas.microsoft.com/office/powerpoint/2010/main" val="2229976283"/>
+      </p:ext>
+    </p:extLst>
+  </p:cSld>
+  <p:clrMapOvr>
+    <a:masterClrMapping/>
+  </p:clrMapOvr>
+</p:sld>
+</file>
+
+<file path=ppt/slides/slide22.xml><?xml version="1.0" encoding="utf-8"?>
+<p:sld xmlns:a="http://schemas.openxmlformats.org/drawingml/2006/main" xmlns:r="http://schemas.openxmlformats.org/officeDocument/2006/relationships" xmlns:p="http://schemas.openxmlformats.org/presentationml/2006/main">
+  <p:cSld>
+    <p:spTree>
+      <p:nvGrpSpPr>
+        <p:cNvPr id="1" name="Shape 53"/>
+        <p:cNvGrpSpPr/>
+        <p:nvPr/>
+      </p:nvGrpSpPr>
+      <p:grpSpPr>
+        <a:xfrm>
+          <a:off x="0" y="0"/>
+          <a:ext cx="0" cy="0"/>
+          <a:chOff x="0" y="0"/>
+          <a:chExt cx="0" cy="0"/>
+        </a:xfrm>
+      </p:grpSpPr>
+      <p:sp>
+        <p:nvSpPr>
+          <p:cNvPr id="54" name="Google Shape;54;p2"/>
+          <p:cNvSpPr txBox="1">
+            <a:spLocks noGrp="1"/>
+          </p:cNvSpPr>
+          <p:nvPr>
+            <p:ph type="body" idx="1"/>
+          </p:nvPr>
+        </p:nvSpPr>
+        <p:spPr>
+          <a:xfrm>
+            <a:off x="1632000" y="1860184"/>
+            <a:ext cx="8928000" cy="2533083"/>
+          </a:xfrm>
+          <a:prstGeom prst="rect">
+            <a:avLst/>
+          </a:prstGeom>
+          <a:noFill/>
+          <a:ln>
+            <a:noFill/>
+          </a:ln>
+        </p:spPr>
+        <p:txBody>
+          <a:bodyPr spcFirstLastPara="1" wrap="square" lIns="0" tIns="45700" rIns="91425" bIns="45700" anchor="ctr" anchorCtr="0">
+            <a:noAutofit/>
+          </a:bodyPr>
+          <a:lstStyle/>
+          <a:p>
+            <a:pPr marL="0" lvl="0" indent="0" algn="ctr" rtl="0">
+              <a:lnSpc>
+                <a:spcPct val="90000"/>
+              </a:lnSpc>
+              <a:spcBef>
+                <a:spcPts val="0"/>
+              </a:spcBef>
+              <a:spcAft>
+                <a:spcPts val="0"/>
+              </a:spcAft>
+              <a:buClr>
+                <a:schemeClr val="dk1"/>
+              </a:buClr>
+              <a:buSzPts val="3200"/>
+              <a:buNone/>
+            </a:pPr>
+            <a:r>
+              <a:rPr lang="ko-KR" altLang="en-US"/>
+              <a:t>리팩토링을 통한 클린 코드</a:t>
+            </a:r>
+            <a:endParaRPr/>
+          </a:p>
+        </p:txBody>
+      </p:sp>
+    </p:spTree>
+    <p:extLst>
+      <p:ext uri="{BB962C8B-B14F-4D97-AF65-F5344CB8AC3E}">
+        <p14:creationId xmlns:p14="http://schemas.microsoft.com/office/powerpoint/2010/main" val="1821826519"/>
+      </p:ext>
+    </p:extLst>
+  </p:cSld>
+  <p:clrMapOvr>
+    <a:masterClrMapping/>
+  </p:clrMapOvr>
+</p:sld>
+</file>
+
+<file path=ppt/slides/slide23.xml><?xml version="1.0" encoding="utf-8"?>
+<p:sld xmlns:a="http://schemas.openxmlformats.org/drawingml/2006/main" xmlns:r="http://schemas.openxmlformats.org/officeDocument/2006/relationships" xmlns:p="http://schemas.openxmlformats.org/presentationml/2006/main">
+  <p:cSld>
+    <p:spTree>
+      <p:nvGrpSpPr>
+        <p:cNvPr id="1" name=""/>
+        <p:cNvGrpSpPr/>
+        <p:nvPr/>
+      </p:nvGrpSpPr>
+      <p:grpSpPr>
+        <a:xfrm>
+          <a:off x="0" y="0"/>
+          <a:ext cx="0" cy="0"/>
+          <a:chOff x="0" y="0"/>
+          <a:chExt cx="0" cy="0"/>
+        </a:xfrm>
+      </p:grpSpPr>
+      <p:sp>
+        <p:nvSpPr>
+          <p:cNvPr id="2" name="제목 1">
+            <a:extLst>
+              <a:ext uri="{FF2B5EF4-FFF2-40B4-BE49-F238E27FC236}">
+                <a16:creationId xmlns:a16="http://schemas.microsoft.com/office/drawing/2014/main" id="{339DF875-8450-4FC2-B87E-F9DBA360D9B2}"/>
+              </a:ext>
+            </a:extLst>
+          </p:cNvPr>
+          <p:cNvSpPr>
+            <a:spLocks noGrp="1"/>
+          </p:cNvSpPr>
+          <p:nvPr>
+            <p:ph type="title"/>
+          </p:nvPr>
+        </p:nvSpPr>
+        <p:spPr/>
+        <p:txBody>
+          <a:bodyPr>
+            <a:normAutofit fontScale="90000"/>
+          </a:bodyPr>
+          <a:lstStyle/>
+          <a:p>
+            <a:r>
+              <a:rPr lang="ko-KR" altLang="en-US"/>
+              <a:t>전후 결과 비교 </a:t>
+            </a:r>
+            <a:r>
+              <a:rPr lang="en-US" altLang="ko-KR"/>
+              <a:t>– </a:t>
+            </a:r>
+            <a:r>
+              <a:rPr lang="ko-KR" altLang="en-US"/>
+              <a:t>테스트 케이스</a:t>
+            </a:r>
+          </a:p>
+        </p:txBody>
+      </p:sp>
+      <p:sp>
+        <p:nvSpPr>
+          <p:cNvPr id="3" name="텍스트 개체 틀 2">
+            <a:extLst>
+              <a:ext uri="{FF2B5EF4-FFF2-40B4-BE49-F238E27FC236}">
+                <a16:creationId xmlns:a16="http://schemas.microsoft.com/office/drawing/2014/main" id="{348A6CC5-097A-44E8-8418-8946CF1C9809}"/>
+              </a:ext>
+            </a:extLst>
+          </p:cNvPr>
+          <p:cNvSpPr>
+            <a:spLocks noGrp="1"/>
+          </p:cNvSpPr>
+          <p:nvPr>
+            <p:ph type="body" idx="1"/>
+          </p:nvPr>
+        </p:nvSpPr>
+        <p:spPr/>
+        <p:txBody>
+          <a:bodyPr/>
+          <a:lstStyle/>
+          <a:p>
+            <a:endParaRPr lang="ko-KR" altLang="en-US"/>
+          </a:p>
+        </p:txBody>
+      </p:sp>
+      <p:pic>
+        <p:nvPicPr>
+          <p:cNvPr id="1026" name="Picture 2">
+            <a:extLst>
+              <a:ext uri="{FF2B5EF4-FFF2-40B4-BE49-F238E27FC236}">
+                <a16:creationId xmlns:a16="http://schemas.microsoft.com/office/drawing/2014/main" id="{4BB29000-2A24-46F0-B11A-779E559C82C4}"/>
+              </a:ext>
+            </a:extLst>
+          </p:cNvPr>
+          <p:cNvPicPr>
+            <a:picLocks noChangeAspect="1" noChangeArrowheads="1"/>
+          </p:cNvPicPr>
+          <p:nvPr/>
+        </p:nvPicPr>
+        <p:blipFill>
+          <a:blip r:embed="rId2">
+            <a:extLst>
+              <a:ext uri="{28A0092B-C50C-407E-A947-70E740481C1C}">
+                <a14:useLocalDpi xmlns:a14="http://schemas.microsoft.com/office/drawing/2010/main" val="0"/>
+              </a:ext>
+            </a:extLst>
+          </a:blip>
+          <a:srcRect/>
+          <a:stretch>
+            <a:fillRect/>
+          </a:stretch>
+        </p:blipFill>
+        <p:spPr bwMode="auto">
+          <a:xfrm>
+            <a:off x="0" y="1212270"/>
+            <a:ext cx="12192000" cy="5335587"/>
+          </a:xfrm>
+          <a:prstGeom prst="rect">
+            <a:avLst/>
+          </a:prstGeom>
+          <a:noFill/>
+          <a:extLst>
+            <a:ext uri="{909E8E84-426E-40DD-AFC4-6F175D3DCCD1}">
+              <a14:hiddenFill xmlns:a14="http://schemas.microsoft.com/office/drawing/2010/main">
+                <a:solidFill>
+                  <a:srgbClr val="FFFFFF"/>
+                </a:solidFill>
+              </a14:hiddenFill>
+            </a:ext>
+          </a:extLst>
+        </p:spPr>
+      </p:pic>
+    </p:spTree>
+    <p:extLst>
+      <p:ext uri="{BB962C8B-B14F-4D97-AF65-F5344CB8AC3E}">
+        <p14:creationId xmlns:p14="http://schemas.microsoft.com/office/powerpoint/2010/main" val="1677564617"/>
+      </p:ext>
+    </p:extLst>
+  </p:cSld>
+  <p:clrMapOvr>
+    <a:masterClrMapping/>
+  </p:clrMapOvr>
+</p:sld>
+</file>
+
+<file path=ppt/slides/slide24.xml><?xml version="1.0" encoding="utf-8"?>
+<p:sld xmlns:a="http://schemas.openxmlformats.org/drawingml/2006/main" xmlns:r="http://schemas.openxmlformats.org/officeDocument/2006/relationships" xmlns:p="http://schemas.openxmlformats.org/presentationml/2006/main">
+  <p:cSld>
+    <p:spTree>
+      <p:nvGrpSpPr>
+        <p:cNvPr id="1" name="Shape 53"/>
+        <p:cNvGrpSpPr/>
+        <p:nvPr/>
+      </p:nvGrpSpPr>
+      <p:grpSpPr>
+        <a:xfrm>
+          <a:off x="0" y="0"/>
+          <a:ext cx="0" cy="0"/>
+          <a:chOff x="0" y="0"/>
+          <a:chExt cx="0" cy="0"/>
+        </a:xfrm>
+      </p:grpSpPr>
+      <p:sp>
+        <p:nvSpPr>
+          <p:cNvPr id="54" name="Google Shape;54;p2"/>
+          <p:cNvSpPr txBox="1">
+            <a:spLocks noGrp="1"/>
+          </p:cNvSpPr>
+          <p:nvPr>
+            <p:ph type="body" idx="1"/>
+          </p:nvPr>
+        </p:nvSpPr>
+        <p:spPr>
+          <a:xfrm>
+            <a:off x="1632000" y="1860184"/>
+            <a:ext cx="8928000" cy="2533083"/>
+          </a:xfrm>
+          <a:prstGeom prst="rect">
+            <a:avLst/>
+          </a:prstGeom>
+          <a:noFill/>
+          <a:ln>
+            <a:noFill/>
+          </a:ln>
+        </p:spPr>
+        <p:txBody>
+          <a:bodyPr spcFirstLastPara="1" wrap="square" lIns="0" tIns="45700" rIns="91425" bIns="45700" anchor="ctr" anchorCtr="0">
+            <a:noAutofit/>
+          </a:bodyPr>
+          <a:lstStyle/>
+          <a:p>
+            <a:pPr marL="0" lvl="0" indent="0" algn="ctr" rtl="0">
+              <a:lnSpc>
+                <a:spcPct val="90000"/>
+              </a:lnSpc>
+              <a:spcBef>
+                <a:spcPts val="0"/>
+              </a:spcBef>
+              <a:spcAft>
+                <a:spcPts val="0"/>
+              </a:spcAft>
+              <a:buClr>
+                <a:schemeClr val="dk1"/>
+              </a:buClr>
+              <a:buSzPts val="3200"/>
+              <a:buNone/>
+            </a:pPr>
+            <a:r>
+              <a:rPr lang="ko-KR" altLang="en-US"/>
+              <a:t>소감</a:t>
+            </a:r>
+            <a:endParaRPr/>
+          </a:p>
+        </p:txBody>
+      </p:sp>
+    </p:spTree>
+    <p:extLst>
+      <p:ext uri="{BB962C8B-B14F-4D97-AF65-F5344CB8AC3E}">
+        <p14:creationId xmlns:p14="http://schemas.microsoft.com/office/powerpoint/2010/main" val="3079353774"/>
+      </p:ext>
+    </p:extLst>
+  </p:cSld>
+  <p:clrMapOvr>
+    <a:masterClrMapping/>
+  </p:clrMapOvr>
+</p:sld>
+</file>
+
+<file path=ppt/slides/slide25.xml><?xml version="1.0" encoding="utf-8"?>
+<p:sld xmlns:a="http://schemas.openxmlformats.org/drawingml/2006/main" xmlns:r="http://schemas.openxmlformats.org/officeDocument/2006/relationships" xmlns:p="http://schemas.openxmlformats.org/presentationml/2006/main">
+  <p:cSld>
+    <p:spTree>
+      <p:nvGrpSpPr>
+        <p:cNvPr id="1" name=""/>
+        <p:cNvGrpSpPr/>
+        <p:nvPr/>
+      </p:nvGrpSpPr>
+      <p:grpSpPr>
+        <a:xfrm>
+          <a:off x="0" y="0"/>
+          <a:ext cx="0" cy="0"/>
+          <a:chOff x="0" y="0"/>
+          <a:chExt cx="0" cy="0"/>
+        </a:xfrm>
+      </p:grpSpPr>
+      <p:sp>
+        <p:nvSpPr>
+          <p:cNvPr id="2" name="제목 1">
+            <a:extLst>
+              <a:ext uri="{FF2B5EF4-FFF2-40B4-BE49-F238E27FC236}">
+                <a16:creationId xmlns:a16="http://schemas.microsoft.com/office/drawing/2014/main" id="{6A0B7156-C56D-4366-AC21-2D6E2175AD9A}"/>
+              </a:ext>
+            </a:extLst>
+          </p:cNvPr>
+          <p:cNvSpPr>
+            <a:spLocks noGrp="1"/>
+          </p:cNvSpPr>
+          <p:nvPr>
+            <p:ph type="title"/>
+          </p:nvPr>
+        </p:nvSpPr>
+        <p:spPr/>
+        <p:txBody>
+          <a:bodyPr>
+            <a:normAutofit fontScale="90000"/>
+          </a:bodyPr>
+          <a:lstStyle/>
+          <a:p>
+            <a:r>
+              <a:rPr lang="ko-KR" altLang="en-US"/>
+              <a:t>소감</a:t>
+            </a:r>
+          </a:p>
+        </p:txBody>
+      </p:sp>
+      <p:sp>
+        <p:nvSpPr>
+          <p:cNvPr id="3" name="텍스트 개체 틀 2">
+            <a:extLst>
+              <a:ext uri="{FF2B5EF4-FFF2-40B4-BE49-F238E27FC236}">
+                <a16:creationId xmlns:a16="http://schemas.microsoft.com/office/drawing/2014/main" id="{1CC29DF7-2306-4B91-9898-DF8FFCDD7DC0}"/>
+              </a:ext>
+            </a:extLst>
+          </p:cNvPr>
+          <p:cNvSpPr>
+            <a:spLocks noGrp="1"/>
+          </p:cNvSpPr>
+          <p:nvPr>
+            <p:ph type="body" idx="1"/>
+          </p:nvPr>
+        </p:nvSpPr>
+        <p:spPr/>
+        <p:txBody>
+          <a:bodyPr>
+            <a:noAutofit/>
+          </a:bodyPr>
+          <a:lstStyle/>
+          <a:p>
+            <a:pPr marL="114300" indent="0" algn="l">
+              <a:buNone/>
+            </a:pPr>
+            <a:r>
+              <a:rPr lang="en-US" altLang="ko-KR" sz="2600">
+                <a:solidFill>
+                  <a:srgbClr val="1F2328"/>
+                </a:solidFill>
+                <a:latin typeface="-apple-system"/>
+              </a:rPr>
+              <a:t>“</a:t>
+            </a:r>
+            <a:r>
+              <a:rPr lang="ko-KR" altLang="en-US" sz="2600">
+                <a:solidFill>
+                  <a:srgbClr val="1F2328"/>
+                </a:solidFill>
+                <a:latin typeface="-apple-system"/>
+              </a:rPr>
+              <a:t>다양한 개발 방법을 직접 접해봐서 좋았습니다</a:t>
+            </a:r>
+            <a:r>
+              <a:rPr lang="en-US" altLang="ko-KR" sz="2600">
+                <a:solidFill>
+                  <a:srgbClr val="1F2328"/>
+                </a:solidFill>
+                <a:latin typeface="-apple-system"/>
+              </a:rPr>
+              <a:t>. </a:t>
+            </a:r>
+            <a:r>
+              <a:rPr lang="ko-KR" altLang="en-US" sz="2600">
+                <a:solidFill>
+                  <a:srgbClr val="1F2328"/>
+                </a:solidFill>
+                <a:latin typeface="-apple-system"/>
+              </a:rPr>
+              <a:t>마지막에 추가 요구 사항을 빠르게 반영하면서 현업의 기운을 느꼈습니다</a:t>
+            </a:r>
+            <a:r>
+              <a:rPr lang="en-US" altLang="ko-KR" sz="2600">
+                <a:solidFill>
+                  <a:srgbClr val="1F2328"/>
+                </a:solidFill>
+                <a:latin typeface="-apple-system"/>
+              </a:rPr>
+              <a:t>. </a:t>
+            </a:r>
+            <a:r>
+              <a:rPr lang="ko-KR" altLang="en-US" sz="2600">
+                <a:solidFill>
+                  <a:srgbClr val="1F2328"/>
+                </a:solidFill>
+                <a:latin typeface="-apple-system"/>
+              </a:rPr>
+              <a:t>팀원분들 모두 고생하셨습니다</a:t>
+            </a:r>
+            <a:r>
+              <a:rPr lang="en-US" altLang="ko-KR" sz="2600">
+                <a:solidFill>
+                  <a:srgbClr val="1F2328"/>
+                </a:solidFill>
+                <a:latin typeface="-apple-system"/>
+              </a:rPr>
+              <a:t>!”</a:t>
+            </a:r>
+          </a:p>
+          <a:p>
+            <a:pPr marL="114300" indent="0" algn="l">
+              <a:buNone/>
+            </a:pPr>
+            <a:endParaRPr lang="ko-KR" altLang="en-US" sz="2600" b="0" i="0">
+              <a:solidFill>
+                <a:srgbClr val="1F2328"/>
+              </a:solidFill>
+              <a:effectLst/>
+              <a:latin typeface="-apple-system"/>
+            </a:endParaRPr>
+          </a:p>
+          <a:p>
+            <a:pPr marL="114300" indent="0" algn="l">
+              <a:buNone/>
+            </a:pPr>
+            <a:r>
+              <a:rPr lang="en-US" altLang="ko-KR" sz="2600" b="0" i="0">
+                <a:solidFill>
+                  <a:srgbClr val="1F2328"/>
+                </a:solidFill>
+                <a:effectLst/>
+                <a:latin typeface="-apple-system"/>
+              </a:rPr>
+              <a:t>”</a:t>
+            </a:r>
+            <a:r>
+              <a:rPr lang="ko-KR" altLang="en-US" sz="2600" b="0" i="0">
+                <a:effectLst/>
+                <a:latin typeface="gg sans"/>
+              </a:rPr>
+              <a:t> </a:t>
+            </a:r>
+            <a:r>
+              <a:rPr lang="en-US" altLang="ko-KR" sz="2600" b="0" i="0">
+                <a:effectLst/>
+                <a:latin typeface="gg sans"/>
+              </a:rPr>
+              <a:t>3,4</a:t>
+            </a:r>
+            <a:r>
+              <a:rPr lang="ko-KR" altLang="en-US" sz="2600" b="0" i="0">
+                <a:effectLst/>
+                <a:latin typeface="gg sans"/>
+              </a:rPr>
+              <a:t>일차에 기능개발 급급하느라 </a:t>
+            </a:r>
+            <a:r>
+              <a:rPr lang="en-US" altLang="ko-KR" sz="2600" b="0" i="0">
+                <a:effectLst/>
+                <a:latin typeface="gg sans"/>
+              </a:rPr>
+              <a:t>TDD</a:t>
+            </a:r>
+            <a:r>
+              <a:rPr lang="ko-KR" altLang="en-US" sz="2600" b="0" i="0">
+                <a:effectLst/>
+                <a:latin typeface="gg sans"/>
+              </a:rPr>
+              <a:t>를 못하니까 </a:t>
+            </a:r>
+            <a:r>
+              <a:rPr lang="en-US" altLang="ko-KR" sz="2600" b="0" i="0">
+                <a:effectLst/>
+                <a:latin typeface="gg sans"/>
+              </a:rPr>
+              <a:t>'</a:t>
+            </a:r>
+            <a:r>
+              <a:rPr lang="ko-KR" altLang="en-US" sz="2600" b="0" i="0">
+                <a:effectLst/>
+                <a:latin typeface="gg sans"/>
+              </a:rPr>
+              <a:t>오늘은 내가 스파게티 요리사</a:t>
+            </a:r>
+            <a:r>
+              <a:rPr lang="en-US" altLang="ko-KR" sz="2600" b="0" i="0">
+                <a:effectLst/>
+                <a:latin typeface="gg sans"/>
+              </a:rPr>
+              <a:t>~!'</a:t>
+            </a:r>
+            <a:r>
+              <a:rPr lang="ko-KR" altLang="en-US" sz="2600" b="0" i="0">
+                <a:effectLst/>
+                <a:latin typeface="gg sans"/>
+              </a:rPr>
+              <a:t>가 되어리네요</a:t>
+            </a:r>
+            <a:r>
+              <a:rPr lang="en-US" altLang="ko-KR" sz="2600" b="0" i="0">
+                <a:effectLst/>
+                <a:latin typeface="gg sans"/>
+              </a:rPr>
+              <a:t>.. TDD </a:t>
+            </a:r>
+            <a:r>
+              <a:rPr lang="ko-KR" altLang="en-US" sz="2600" b="0" i="0">
+                <a:effectLst/>
+                <a:latin typeface="gg sans"/>
+              </a:rPr>
+              <a:t>꼭 명심하겠습니다</a:t>
+            </a:r>
+            <a:r>
+              <a:rPr lang="en-US" altLang="ko-KR" sz="2600" b="0" i="0">
+                <a:effectLst/>
+                <a:latin typeface="gg sans"/>
+              </a:rPr>
+              <a:t>~! </a:t>
+            </a:r>
+            <a:r>
+              <a:rPr lang="ko-KR" altLang="en-US" sz="2600" b="0" i="0">
+                <a:effectLst/>
+                <a:latin typeface="gg sans"/>
+              </a:rPr>
+              <a:t>로버트 </a:t>
+            </a:r>
+            <a:r>
+              <a:rPr lang="en-US" altLang="ko-KR" sz="2600" b="0" i="0">
+                <a:effectLst/>
+                <a:latin typeface="gg sans"/>
+              </a:rPr>
+              <a:t>C </a:t>
+            </a:r>
+            <a:r>
+              <a:rPr lang="ko-KR" altLang="en-US" sz="2600" b="0" i="0">
+                <a:effectLst/>
+                <a:latin typeface="gg sans"/>
+              </a:rPr>
+              <a:t>마틴</a:t>
+            </a:r>
+            <a:r>
+              <a:rPr lang="en-US" altLang="ko-KR" sz="2600" b="0" i="0">
+                <a:effectLst/>
+                <a:latin typeface="gg sans"/>
+              </a:rPr>
+              <a:t>, </a:t>
+            </a:r>
+            <a:r>
+              <a:rPr lang="ko-KR" altLang="en-US" sz="2600" b="0" i="0">
+                <a:effectLst/>
+                <a:latin typeface="gg sans"/>
+              </a:rPr>
+              <a:t>마틴 파울러</a:t>
+            </a:r>
+            <a:r>
+              <a:rPr lang="en-US" altLang="ko-KR" sz="2600" b="0" i="0">
+                <a:effectLst/>
+                <a:latin typeface="gg sans"/>
+              </a:rPr>
+              <a:t>, </a:t>
+            </a:r>
+            <a:r>
+              <a:rPr lang="ko-KR" altLang="en-US" sz="2600" b="0" i="0">
+                <a:effectLst/>
+                <a:latin typeface="gg sans"/>
+              </a:rPr>
+              <a:t>데이비드 하이네마이어 핸슨</a:t>
+            </a:r>
+            <a:r>
+              <a:rPr lang="en-US" altLang="ko-KR" sz="2600" b="0" i="0">
+                <a:effectLst/>
+                <a:latin typeface="gg sans"/>
+              </a:rPr>
+              <a:t>, </a:t>
+            </a:r>
+            <a:r>
+              <a:rPr lang="ko-KR" altLang="en-US" sz="2600" b="0" i="0">
+                <a:effectLst/>
+                <a:latin typeface="gg sans"/>
+              </a:rPr>
+              <a:t>팀 아메리카노</a:t>
+            </a:r>
+            <a:r>
+              <a:rPr lang="en-US" altLang="ko-KR" sz="2600" b="0" i="0">
+                <a:effectLst/>
+                <a:latin typeface="gg sans"/>
+              </a:rPr>
+              <a:t>, </a:t>
+            </a:r>
+            <a:r>
+              <a:rPr lang="ko-KR" altLang="en-US" sz="2600" b="0" i="0">
+                <a:effectLst/>
+                <a:latin typeface="gg sans"/>
+              </a:rPr>
+              <a:t>렛츠고</a:t>
+            </a:r>
+            <a:r>
+              <a:rPr lang="en-US" altLang="ko-KR" sz="2600" b="0" i="0">
+                <a:effectLst/>
+                <a:latin typeface="gg sans"/>
+              </a:rPr>
+              <a:t>!</a:t>
+            </a:r>
+            <a:r>
+              <a:rPr lang="en-US" altLang="ko-KR" sz="2600" b="0" i="0">
+                <a:solidFill>
+                  <a:srgbClr val="1F2328"/>
+                </a:solidFill>
+                <a:effectLst/>
+                <a:latin typeface="-apple-system"/>
+              </a:rPr>
+              <a:t>”</a:t>
+            </a:r>
+          </a:p>
+          <a:p>
+            <a:pPr marL="114300" indent="0" algn="l">
+              <a:buNone/>
+            </a:pPr>
+            <a:endParaRPr lang="en-US" altLang="ko-KR" sz="2600">
+              <a:solidFill>
+                <a:srgbClr val="1F2328"/>
+              </a:solidFill>
+              <a:latin typeface="-apple-system"/>
+            </a:endParaRPr>
+          </a:p>
+          <a:p>
+            <a:pPr marL="114300" indent="0" algn="l">
+              <a:buNone/>
+            </a:pPr>
+            <a:r>
+              <a:rPr lang="en-US" altLang="ko-KR" sz="2600" b="0" i="0">
+                <a:solidFill>
+                  <a:srgbClr val="1F2328"/>
+                </a:solidFill>
+                <a:effectLst/>
+                <a:latin typeface="-apple-system"/>
+              </a:rPr>
+              <a:t>“</a:t>
+            </a:r>
+            <a:r>
+              <a:rPr lang="ko-KR" altLang="en-US" sz="2600" b="0" i="0">
+                <a:solidFill>
+                  <a:srgbClr val="1F2328"/>
+                </a:solidFill>
+                <a:effectLst/>
+                <a:latin typeface="-apple-system"/>
+              </a:rPr>
+              <a:t>코드리뷰를 위한 새로운 기술들을 알아가는 유익한 시간이었고 팀원들과 한가지 목표로 달려가는 실습도 재미난 경험이었습니다 🙂  현업과제도 모두 화이팅</a:t>
+            </a:r>
+            <a:r>
+              <a:rPr lang="en-US" altLang="ko-KR" sz="2600" b="0" i="0">
+                <a:solidFill>
+                  <a:srgbClr val="1F2328"/>
+                </a:solidFill>
+                <a:effectLst/>
+                <a:latin typeface="-apple-system"/>
+              </a:rPr>
+              <a:t>!!”</a:t>
+            </a:r>
+            <a:endParaRPr lang="ko-KR" altLang="en-US" sz="2600" b="0" i="0">
+              <a:solidFill>
+                <a:srgbClr val="1F2328"/>
+              </a:solidFill>
+              <a:effectLst/>
+              <a:latin typeface="-apple-system"/>
+            </a:endParaRPr>
+          </a:p>
+        </p:txBody>
+      </p:sp>
+    </p:spTree>
+    <p:extLst>
+      <p:ext uri="{BB962C8B-B14F-4D97-AF65-F5344CB8AC3E}">
+        <p14:creationId xmlns:p14="http://schemas.microsoft.com/office/powerpoint/2010/main" val="1962314239"/>
+      </p:ext>
+    </p:extLst>
+  </p:cSld>
+  <p:clrMapOvr>
+    <a:masterClrMapping/>
+  </p:clrMapOvr>
+</p:sld>
+</file>
+
+<file path=ppt/slides/slide26.xml><?xml version="1.0" encoding="utf-8"?>
 <p:sld xmlns:a="http://schemas.openxmlformats.org/drawingml/2006/main" xmlns:r="http://schemas.openxmlformats.org/officeDocument/2006/relationships" xmlns:p="http://schemas.openxmlformats.org/presentationml/2006/main">
   <p:cSld>
     <p:spTree>
@@ -8929,7 +11008,7 @@
           <p:cNvPr id="2" name="제목 1">
             <a:extLst>
               <a:ext uri="{FF2B5EF4-FFF2-40B4-BE49-F238E27FC236}">
-                <a16:creationId xmlns:a16="http://schemas.microsoft.com/office/drawing/2014/main" id="{6A76090C-AE41-4D77-9CC9-BBF7872705A9}"/>
+                <a16:creationId xmlns:a16="http://schemas.microsoft.com/office/drawing/2014/main" id="{64BD2D88-CE40-4813-987A-ECB032A3533D}"/>
               </a:ext>
             </a:extLst>
           </p:cNvPr>
@@ -8948,51 +11027,64 @@
           <a:lstStyle/>
           <a:p>
             <a:r>
-              <a:rPr lang="ko-KR" altLang="en-US"/>
-              <a:t>기능 구현 소개</a:t>
-            </a:r>
+              <a:rPr lang="en-US" altLang="ko-KR" dirty="0"/>
+              <a:t>Class Diagram (Virtual SSD)</a:t>
+            </a:r>
+            <a:endParaRPr lang="ko-KR" altLang="en-US" dirty="0"/>
           </a:p>
         </p:txBody>
       </p:sp>
-      <p:sp>
-        <p:nvSpPr>
-          <p:cNvPr id="3" name="텍스트 개체 틀 2">
+      <p:pic>
+        <p:nvPicPr>
+          <p:cNvPr id="1028" name="Picture 4">
             <a:extLst>
               <a:ext uri="{FF2B5EF4-FFF2-40B4-BE49-F238E27FC236}">
-                <a16:creationId xmlns:a16="http://schemas.microsoft.com/office/drawing/2014/main" id="{4E8DB54B-917E-47A9-BE06-6B9DB1353E3E}"/>
+                <a16:creationId xmlns:a16="http://schemas.microsoft.com/office/drawing/2014/main" id="{506F2CEE-21B9-464D-A402-C0AA2B0E2C60}"/>
               </a:ext>
             </a:extLst>
           </p:cNvPr>
-          <p:cNvSpPr>
-            <a:spLocks noGrp="1"/>
-          </p:cNvSpPr>
-          <p:nvPr>
-            <p:ph type="body" idx="1"/>
-          </p:nvPr>
-        </p:nvSpPr>
-        <p:spPr/>
-        <p:txBody>
-          <a:bodyPr/>
-          <a:lstStyle/>
-          <a:p>
-            <a:r>
-              <a:rPr lang="ko-KR" altLang="en-US"/>
-              <a:t>전체 디자인 및 각 클래스 역할</a:t>
-            </a:r>
-            <a:endParaRPr lang="en-US" altLang="ko-KR"/>
-          </a:p>
-          <a:p>
-            <a:r>
-              <a:rPr lang="ko-KR" altLang="en-US"/>
-              <a:t>활용한 디자인 패턴 소개</a:t>
-            </a:r>
-          </a:p>
-        </p:txBody>
-      </p:sp>
+          <p:cNvPicPr>
+            <a:picLocks noChangeAspect="1" noChangeArrowheads="1"/>
+          </p:cNvPicPr>
+          <p:nvPr/>
+        </p:nvPicPr>
+        <p:blipFill>
+          <a:blip r:embed="rId2">
+            <a:extLst>
+              <a:ext uri="{28A0092B-C50C-407E-A947-70E740481C1C}">
+                <a14:useLocalDpi xmlns:a14="http://schemas.microsoft.com/office/drawing/2010/main" val="0"/>
+              </a:ext>
+            </a:extLst>
+          </a:blip>
+          <a:srcRect/>
+          <a:stretch>
+            <a:fillRect/>
+          </a:stretch>
+        </p:blipFill>
+        <p:spPr bwMode="auto">
+          <a:xfrm>
+            <a:off x="422292" y="1498322"/>
+            <a:ext cx="11304652" cy="4857382"/>
+          </a:xfrm>
+          <a:prstGeom prst="rect">
+            <a:avLst/>
+          </a:prstGeom>
+          <a:noFill/>
+          <a:extLst>
+            <a:ext uri="{909E8E84-426E-40DD-AFC4-6F175D3DCCD1}">
+              <a14:hiddenFill xmlns:a14="http://schemas.microsoft.com/office/drawing/2010/main">
+                <a:solidFill>
+                  <a:srgbClr val="FFFFFF"/>
+                </a:solidFill>
+              </a14:hiddenFill>
+            </a:ext>
+          </a:extLst>
+        </p:spPr>
+      </p:pic>
     </p:spTree>
     <p:extLst>
       <p:ext uri="{BB962C8B-B14F-4D97-AF65-F5344CB8AC3E}">
-        <p14:creationId xmlns:p14="http://schemas.microsoft.com/office/powerpoint/2010/main" val="1992151243"/>
+        <p14:creationId xmlns:p14="http://schemas.microsoft.com/office/powerpoint/2010/main" val="3226062812"/>
       </p:ext>
     </p:extLst>
   </p:cSld>
@@ -9024,7 +11116,7 @@
           <p:cNvPr id="2" name="제목 1">
             <a:extLst>
               <a:ext uri="{FF2B5EF4-FFF2-40B4-BE49-F238E27FC236}">
-                <a16:creationId xmlns:a16="http://schemas.microsoft.com/office/drawing/2014/main" id="{64BD2D88-CE40-4813-987A-ECB032A3533D}"/>
+                <a16:creationId xmlns:a16="http://schemas.microsoft.com/office/drawing/2014/main" id="{6A76090C-AE41-4D77-9CC9-BBF7872705A9}"/>
               </a:ext>
             </a:extLst>
           </p:cNvPr>
@@ -9044,7 +11136,7 @@
           <a:p>
             <a:r>
               <a:rPr lang="en-US" altLang="ko-KR" dirty="0"/>
-              <a:t>Class Diagram (Virtual SSD)</a:t>
+              <a:t>Class Diagram (Test Shell)</a:t>
             </a:r>
             <a:endParaRPr lang="ko-KR" altLang="en-US" dirty="0"/>
           </a:p>
@@ -9052,10 +11144,10 @@
       </p:sp>
       <p:pic>
         <p:nvPicPr>
-          <p:cNvPr id="3" name="Picture 2">
+          <p:cNvPr id="1026" name="Picture 2">
             <a:extLst>
               <a:ext uri="{FF2B5EF4-FFF2-40B4-BE49-F238E27FC236}">
-                <a16:creationId xmlns:a16="http://schemas.microsoft.com/office/drawing/2014/main" id="{03952DFC-E191-4239-8FC2-D1D278C8FFF6}"/>
+                <a16:creationId xmlns:a16="http://schemas.microsoft.com/office/drawing/2014/main" id="{D1BAB829-C5D4-4AD6-80C0-27B2EB9F5A32}"/>
               </a:ext>
             </a:extLst>
           </p:cNvPr>
@@ -9079,8 +11171,8 @@
         </p:blipFill>
         <p:spPr bwMode="auto">
           <a:xfrm>
-            <a:off x="246953" y="1451728"/>
-            <a:ext cx="11496103" cy="4939645"/>
+            <a:off x="3376822" y="1543665"/>
+            <a:ext cx="5455618" cy="4713354"/>
           </a:xfrm>
           <a:prstGeom prst="rect">
             <a:avLst/>
@@ -9100,7 +11192,7 @@
     </p:spTree>
     <p:extLst>
       <p:ext uri="{BB962C8B-B14F-4D97-AF65-F5344CB8AC3E}">
-        <p14:creationId xmlns:p14="http://schemas.microsoft.com/office/powerpoint/2010/main" val="3896248360"/>
+        <p14:creationId xmlns:p14="http://schemas.microsoft.com/office/powerpoint/2010/main" val="2006404260"/>
       </p:ext>
     </p:extLst>
   </p:cSld>
@@ -9132,7 +11224,7 @@
           <p:cNvPr id="2" name="제목 1">
             <a:extLst>
               <a:ext uri="{FF2B5EF4-FFF2-40B4-BE49-F238E27FC236}">
-                <a16:creationId xmlns:a16="http://schemas.microsoft.com/office/drawing/2014/main" id="{1B7259D9-6342-4C58-8050-5CA5698117F2}"/>
+                <a16:creationId xmlns:a16="http://schemas.microsoft.com/office/drawing/2014/main" id="{6A76090C-AE41-4D77-9CC9-BBF7872705A9}"/>
               </a:ext>
             </a:extLst>
           </p:cNvPr>
@@ -9151,76 +11243,319 @@
           <a:lstStyle/>
           <a:p>
             <a:r>
-              <a:rPr lang="ko-KR" altLang="en-US"/>
-              <a:t>디자인 패턴 </a:t>
-            </a:r>
-            <a:r>
-              <a:rPr lang="en-US" altLang="ko-KR"/>
-              <a:t>– Singletone</a:t>
-            </a:r>
-            <a:endParaRPr lang="ko-KR" altLang="en-US"/>
+              <a:rPr lang="en-US" altLang="ko-KR" dirty="0"/>
+              <a:t>Class Diagram (Test Shell &amp; Logger)</a:t>
+            </a:r>
+            <a:endParaRPr lang="ko-KR" altLang="en-US" dirty="0"/>
           </a:p>
         </p:txBody>
       </p:sp>
-      <p:sp>
-        <p:nvSpPr>
-          <p:cNvPr id="3" name="텍스트 개체 틀 2">
+      <p:grpSp>
+        <p:nvGrpSpPr>
+          <p:cNvPr id="6" name="그룹 5">
             <a:extLst>
               <a:ext uri="{FF2B5EF4-FFF2-40B4-BE49-F238E27FC236}">
-                <a16:creationId xmlns:a16="http://schemas.microsoft.com/office/drawing/2014/main" id="{FC46BE82-9CA8-485C-83B1-598587BF066A}"/>
+                <a16:creationId xmlns:a16="http://schemas.microsoft.com/office/drawing/2014/main" id="{E85B20F4-A966-4742-BC3C-CC96B37C2342}"/>
               </a:ext>
             </a:extLst>
           </p:cNvPr>
-          <p:cNvSpPr>
-            <a:spLocks noGrp="1"/>
-          </p:cNvSpPr>
-          <p:nvPr>
-            <p:ph type="body" idx="1"/>
-          </p:nvPr>
-        </p:nvSpPr>
-        <p:spPr/>
-        <p:txBody>
-          <a:bodyPr/>
-          <a:lstStyle/>
-          <a:p>
-            <a:endParaRPr lang="ko-KR" altLang="en-US"/>
-          </a:p>
-        </p:txBody>
-      </p:sp>
-      <p:pic>
-        <p:nvPicPr>
-          <p:cNvPr id="5" name="그림 4">
+          <p:cNvGrpSpPr/>
+          <p:nvPr/>
+        </p:nvGrpSpPr>
+        <p:grpSpPr>
+          <a:xfrm>
+            <a:off x="1717029" y="1179875"/>
+            <a:ext cx="8764162" cy="5402835"/>
+            <a:chOff x="1333570" y="1278195"/>
+            <a:chExt cx="8764162" cy="5402835"/>
+          </a:xfrm>
+        </p:grpSpPr>
+        <p:pic>
+          <p:nvPicPr>
+            <p:cNvPr id="1032" name="Picture 8">
+              <a:extLst>
+                <a:ext uri="{FF2B5EF4-FFF2-40B4-BE49-F238E27FC236}">
+                  <a16:creationId xmlns:a16="http://schemas.microsoft.com/office/drawing/2014/main" id="{82F6B0CD-E31E-4F53-97F6-EE6DF45B60DA}"/>
+                </a:ext>
+              </a:extLst>
+            </p:cNvPr>
+            <p:cNvPicPr>
+              <a:picLocks noChangeAspect="1" noChangeArrowheads="1"/>
+            </p:cNvPicPr>
+            <p:nvPr/>
+          </p:nvPicPr>
+          <p:blipFill>
+            <a:blip r:embed="rId3">
+              <a:extLst>
+                <a:ext uri="{28A0092B-C50C-407E-A947-70E740481C1C}">
+                  <a14:useLocalDpi xmlns:a14="http://schemas.microsoft.com/office/drawing/2010/main" val="0"/>
+                </a:ext>
+              </a:extLst>
+            </a:blip>
+            <a:srcRect/>
+            <a:stretch>
+              <a:fillRect/>
+            </a:stretch>
+          </p:blipFill>
+          <p:spPr bwMode="auto">
+            <a:xfrm>
+              <a:off x="2336859" y="1356852"/>
+              <a:ext cx="7655932" cy="5324178"/>
+            </a:xfrm>
+            <a:prstGeom prst="rect">
+              <a:avLst/>
+            </a:prstGeom>
+            <a:noFill/>
             <a:extLst>
-              <a:ext uri="{FF2B5EF4-FFF2-40B4-BE49-F238E27FC236}">
-                <a16:creationId xmlns:a16="http://schemas.microsoft.com/office/drawing/2014/main" id="{19D0C611-1AC0-430C-B6C1-610E40B71608}"/>
+              <a:ext uri="{909E8E84-426E-40DD-AFC4-6F175D3DCCD1}">
+                <a14:hiddenFill xmlns:a14="http://schemas.microsoft.com/office/drawing/2010/main">
+                  <a:solidFill>
+                    <a:srgbClr val="FFFFFF"/>
+                  </a:solidFill>
+                </a14:hiddenFill>
               </a:ext>
             </a:extLst>
-          </p:cNvPr>
-          <p:cNvPicPr>
-            <a:picLocks noChangeAspect="1"/>
-          </p:cNvPicPr>
-          <p:nvPr/>
-        </p:nvPicPr>
-        <p:blipFill>
-          <a:blip r:embed="rId2"/>
-          <a:stretch>
-            <a:fillRect/>
-          </a:stretch>
-        </p:blipFill>
-        <p:spPr>
-          <a:xfrm>
-            <a:off x="605980" y="1316376"/>
-            <a:ext cx="8029575" cy="3257550"/>
-          </a:xfrm>
-          <a:prstGeom prst="rect">
-            <a:avLst/>
-          </a:prstGeom>
-        </p:spPr>
-      </p:pic>
+          </p:spPr>
+        </p:pic>
+        <p:sp>
+          <p:nvSpPr>
+            <p:cNvPr id="4" name="사각형: 둥근 모서리 3">
+              <a:extLst>
+                <a:ext uri="{FF2B5EF4-FFF2-40B4-BE49-F238E27FC236}">
+                  <a16:creationId xmlns:a16="http://schemas.microsoft.com/office/drawing/2014/main" id="{D8CACDFB-3CC1-41ED-93D8-B0DEE23C8D41}"/>
+                </a:ext>
+              </a:extLst>
+            </p:cNvPr>
+            <p:cNvSpPr/>
+            <p:nvPr/>
+          </p:nvSpPr>
+          <p:spPr>
+            <a:xfrm>
+              <a:off x="2231918" y="4941560"/>
+              <a:ext cx="2005785" cy="1739469"/>
+            </a:xfrm>
+            <a:prstGeom prst="roundRect">
+              <a:avLst/>
+            </a:prstGeom>
+            <a:noFill/>
+            <a:ln>
+              <a:solidFill>
+                <a:srgbClr val="FF0000"/>
+              </a:solidFill>
+              <a:prstDash val="sysDash"/>
+            </a:ln>
+          </p:spPr>
+          <p:style>
+            <a:lnRef idx="2">
+              <a:schemeClr val="accent1">
+                <a:shade val="50000"/>
+              </a:schemeClr>
+            </a:lnRef>
+            <a:fillRef idx="1">
+              <a:schemeClr val="accent1"/>
+            </a:fillRef>
+            <a:effectRef idx="0">
+              <a:schemeClr val="accent1"/>
+            </a:effectRef>
+            <a:fontRef idx="minor">
+              <a:schemeClr val="lt1"/>
+            </a:fontRef>
+          </p:style>
+          <p:txBody>
+            <a:bodyPr rtlCol="0" anchor="ctr"/>
+            <a:lstStyle/>
+            <a:p>
+              <a:pPr algn="ctr"/>
+              <a:endParaRPr lang="ko-KR" altLang="en-US">
+                <a:ln w="0"/>
+                <a:solidFill>
+                  <a:schemeClr val="tx1"/>
+                </a:solidFill>
+                <a:effectLst>
+                  <a:outerShdw blurRad="38100" dist="19050" dir="2700000" algn="tl" rotWithShape="0">
+                    <a:schemeClr val="dk1">
+                      <a:alpha val="40000"/>
+                    </a:schemeClr>
+                  </a:outerShdw>
+                </a:effectLst>
+              </a:endParaRPr>
+            </a:p>
+          </p:txBody>
+        </p:sp>
+        <p:sp>
+          <p:nvSpPr>
+            <p:cNvPr id="5" name="TextBox 4">
+              <a:extLst>
+                <a:ext uri="{FF2B5EF4-FFF2-40B4-BE49-F238E27FC236}">
+                  <a16:creationId xmlns:a16="http://schemas.microsoft.com/office/drawing/2014/main" id="{B78C9FC3-0E03-4921-A18C-8FC0E607407A}"/>
+                </a:ext>
+              </a:extLst>
+            </p:cNvPr>
+            <p:cNvSpPr txBox="1"/>
+            <p:nvPr/>
+          </p:nvSpPr>
+          <p:spPr>
+            <a:xfrm>
+              <a:off x="1333570" y="4604287"/>
+              <a:ext cx="1814920" cy="307777"/>
+            </a:xfrm>
+            <a:prstGeom prst="rect">
+              <a:avLst/>
+            </a:prstGeom>
+            <a:noFill/>
+          </p:spPr>
+          <p:txBody>
+            <a:bodyPr wrap="none" rtlCol="0">
+              <a:spAutoFit/>
+            </a:bodyPr>
+            <a:lstStyle/>
+            <a:p>
+              <a:r>
+                <a:rPr lang="en-US" altLang="ko-KR" b="1" dirty="0" err="1">
+                  <a:solidFill>
+                    <a:srgbClr val="FF0000"/>
+                  </a:solidFill>
+                </a:rPr>
+                <a:t>SingleTone</a:t>
+              </a:r>
+              <a:r>
+                <a:rPr lang="en-US" altLang="ko-KR" b="1" dirty="0">
+                  <a:solidFill>
+                    <a:srgbClr val="FF0000"/>
+                  </a:solidFill>
+                </a:rPr>
+                <a:t> Pattern</a:t>
+              </a:r>
+              <a:endParaRPr lang="ko-KR" altLang="en-US" b="1" dirty="0">
+                <a:solidFill>
+                  <a:srgbClr val="FF0000"/>
+                </a:solidFill>
+              </a:endParaRPr>
+            </a:p>
+          </p:txBody>
+        </p:sp>
+        <p:sp>
+          <p:nvSpPr>
+            <p:cNvPr id="9" name="사각형: 둥근 모서리 8">
+              <a:extLst>
+                <a:ext uri="{FF2B5EF4-FFF2-40B4-BE49-F238E27FC236}">
+                  <a16:creationId xmlns:a16="http://schemas.microsoft.com/office/drawing/2014/main" id="{A9694DF8-9174-4CBC-A83F-0B4B2AEFED88}"/>
+                </a:ext>
+              </a:extLst>
+            </p:cNvPr>
+            <p:cNvSpPr/>
+            <p:nvPr/>
+          </p:nvSpPr>
+          <p:spPr>
+            <a:xfrm>
+              <a:off x="8013293" y="1278195"/>
+              <a:ext cx="2084439" cy="3008669"/>
+            </a:xfrm>
+            <a:prstGeom prst="roundRect">
+              <a:avLst/>
+            </a:prstGeom>
+            <a:noFill/>
+            <a:ln>
+              <a:solidFill>
+                <a:srgbClr val="FF0000"/>
+              </a:solidFill>
+              <a:prstDash val="sysDash"/>
+            </a:ln>
+          </p:spPr>
+          <p:style>
+            <a:lnRef idx="2">
+              <a:schemeClr val="accent1">
+                <a:shade val="50000"/>
+              </a:schemeClr>
+            </a:lnRef>
+            <a:fillRef idx="1">
+              <a:schemeClr val="accent1"/>
+            </a:fillRef>
+            <a:effectRef idx="0">
+              <a:schemeClr val="accent1"/>
+            </a:effectRef>
+            <a:fontRef idx="minor">
+              <a:schemeClr val="lt1"/>
+            </a:fontRef>
+          </p:style>
+          <p:txBody>
+            <a:bodyPr rtlCol="0" anchor="ctr"/>
+            <a:lstStyle/>
+            <a:p>
+              <a:pPr algn="ctr"/>
+              <a:endParaRPr lang="ko-KR" altLang="en-US">
+                <a:ln w="0"/>
+                <a:solidFill>
+                  <a:schemeClr val="tx1"/>
+                </a:solidFill>
+                <a:effectLst>
+                  <a:outerShdw blurRad="38100" dist="19050" dir="2700000" algn="tl" rotWithShape="0">
+                    <a:schemeClr val="dk1">
+                      <a:alpha val="40000"/>
+                    </a:schemeClr>
+                  </a:outerShdw>
+                </a:effectLst>
+              </a:endParaRPr>
+            </a:p>
+          </p:txBody>
+        </p:sp>
+        <p:sp>
+          <p:nvSpPr>
+            <p:cNvPr id="10" name="TextBox 9">
+              <a:extLst>
+                <a:ext uri="{FF2B5EF4-FFF2-40B4-BE49-F238E27FC236}">
+                  <a16:creationId xmlns:a16="http://schemas.microsoft.com/office/drawing/2014/main" id="{CF29BDAB-A96B-497E-93EA-8647D91E4AB5}"/>
+                </a:ext>
+              </a:extLst>
+            </p:cNvPr>
+            <p:cNvSpPr txBox="1"/>
+            <p:nvPr/>
+          </p:nvSpPr>
+          <p:spPr>
+            <a:xfrm>
+              <a:off x="8148052" y="4361909"/>
+              <a:ext cx="1814920" cy="307777"/>
+            </a:xfrm>
+            <a:prstGeom prst="rect">
+              <a:avLst/>
+            </a:prstGeom>
+            <a:noFill/>
+          </p:spPr>
+          <p:txBody>
+            <a:bodyPr wrap="none" rtlCol="0">
+              <a:spAutoFit/>
+            </a:bodyPr>
+            <a:lstStyle/>
+            <a:p>
+              <a:r>
+                <a:rPr lang="en-US" altLang="ko-KR" b="1" dirty="0" err="1">
+                  <a:solidFill>
+                    <a:srgbClr val="FF0000"/>
+                  </a:solidFill>
+                </a:rPr>
+                <a:t>SingleTone</a:t>
+              </a:r>
+              <a:r>
+                <a:rPr lang="en-US" altLang="ko-KR" b="1" dirty="0">
+                  <a:solidFill>
+                    <a:srgbClr val="FF0000"/>
+                  </a:solidFill>
+                </a:rPr>
+                <a:t> Pattern</a:t>
+              </a:r>
+              <a:endParaRPr lang="ko-KR" altLang="en-US" b="1" dirty="0">
+                <a:solidFill>
+                  <a:srgbClr val="FF0000"/>
+                </a:solidFill>
+              </a:endParaRPr>
+            </a:p>
+          </p:txBody>
+        </p:sp>
+      </p:grpSp>
     </p:spTree>
     <p:extLst>
       <p:ext uri="{BB962C8B-B14F-4D97-AF65-F5344CB8AC3E}">
-        <p14:creationId xmlns:p14="http://schemas.microsoft.com/office/powerpoint/2010/main" val="2663244451"/>
+        <p14:creationId xmlns:p14="http://schemas.microsoft.com/office/powerpoint/2010/main" val="3288950310"/>
       </p:ext>
     </p:extLst>
   </p:cSld>

--- a/발표양식.pptx
+++ b/발표양식.pptx
@@ -5,7 +5,7 @@
     <p:sldMasterId id="2147483648" r:id="rId1"/>
   </p:sldMasterIdLst>
   <p:notesMasterIdLst>
-    <p:notesMasterId r:id="rId28"/>
+    <p:notesMasterId r:id="rId29"/>
   </p:notesMasterIdLst>
   <p:sldIdLst>
     <p:sldId id="256" r:id="rId2"/>
@@ -14,8 +14,8 @@
     <p:sldId id="292" r:id="rId5"/>
     <p:sldId id="293" r:id="rId6"/>
     <p:sldId id="265" r:id="rId7"/>
-    <p:sldId id="300" r:id="rId8"/>
-    <p:sldId id="302" r:id="rId9"/>
+    <p:sldId id="305" r:id="rId8"/>
+    <p:sldId id="300" r:id="rId9"/>
     <p:sldId id="304" r:id="rId10"/>
     <p:sldId id="301" r:id="rId11"/>
     <p:sldId id="291" r:id="rId12"/>
@@ -23,17 +23,18 @@
     <p:sldId id="296" r:id="rId14"/>
     <p:sldId id="286" r:id="rId15"/>
     <p:sldId id="278" r:id="rId16"/>
-    <p:sldId id="285" r:id="rId17"/>
-    <p:sldId id="287" r:id="rId18"/>
-    <p:sldId id="279" r:id="rId19"/>
-    <p:sldId id="290" r:id="rId20"/>
-    <p:sldId id="298" r:id="rId21"/>
-    <p:sldId id="299" r:id="rId22"/>
-    <p:sldId id="288" r:id="rId23"/>
-    <p:sldId id="280" r:id="rId24"/>
-    <p:sldId id="289" r:id="rId25"/>
-    <p:sldId id="281" r:id="rId26"/>
-    <p:sldId id="283" r:id="rId27"/>
+    <p:sldId id="306" r:id="rId17"/>
+    <p:sldId id="285" r:id="rId18"/>
+    <p:sldId id="287" r:id="rId19"/>
+    <p:sldId id="279" r:id="rId20"/>
+    <p:sldId id="307" r:id="rId21"/>
+    <p:sldId id="290" r:id="rId22"/>
+    <p:sldId id="299" r:id="rId23"/>
+    <p:sldId id="288" r:id="rId24"/>
+    <p:sldId id="280" r:id="rId25"/>
+    <p:sldId id="289" r:id="rId26"/>
+    <p:sldId id="281" r:id="rId27"/>
+    <p:sldId id="283" r:id="rId28"/>
   </p:sldIdLst>
   <p:sldSz cx="12192000" cy="6858000"/>
   <p:notesSz cx="6858000" cy="9144000"/>
@@ -271,7 +272,7 @@
       <p15:sldGuideLst xmlns:p15="http://schemas.microsoft.com/office/powerpoint/2012/main"/>
     </p:ext>
     <p:ext uri="GoogleSlidesCustomDataVersion2">
-      <go:slidesCustomData xmlns="" xmlns:mc="http://schemas.openxmlformats.org/markup-compatibility/2006" xmlns:mv="urn:schemas-microsoft-com:mac:vml" xmlns:c="http://schemas.openxmlformats.org/drawingml/2006/chart" xmlns:dgm="http://schemas.openxmlformats.org/drawingml/2006/diagram" xmlns:o="urn:schemas-microsoft-com:office:office" xmlns:v="urn:schemas-microsoft-com:vml" xmlns:pvml="urn:schemas-microsoft-com:office:powerpoint" xmlns:com="http://schemas.openxmlformats.org/drawingml/2006/compatibility" xmlns:p14="http://schemas.microsoft.com/office/powerpoint/2010/main" xmlns:p15="http://schemas.microsoft.com/office/powerpoint/2012/main" xmlns:ahyp="http://schemas.microsoft.com/office/drawing/2018/hyperlinkcolor" xmlns:go="http://customooxmlschemas.google.com/" r:id="rId30" roundtripDataSignature="AMtx7mj5GdbxsaFl02bTEFBl/9s84/Z/Bw=="/>
+      <go:slidesCustomData xmlns:go="http://customooxmlschemas.google.com/" xmlns:ahyp="http://schemas.microsoft.com/office/drawing/2018/hyperlinkcolor" xmlns:p15="http://schemas.microsoft.com/office/powerpoint/2012/main" xmlns:p14="http://schemas.microsoft.com/office/powerpoint/2010/main" xmlns:com="http://schemas.openxmlformats.org/drawingml/2006/compatibility" xmlns:pvml="urn:schemas-microsoft-com:office:powerpoint" xmlns:v="urn:schemas-microsoft-com:vml" xmlns:o="urn:schemas-microsoft-com:office:office" xmlns:dgm="http://schemas.openxmlformats.org/drawingml/2006/diagram" xmlns:c="http://schemas.openxmlformats.org/drawingml/2006/chart" xmlns:mv="urn:schemas-microsoft-com:mac:vml" xmlns:mc="http://schemas.openxmlformats.org/markup-compatibility/2006" xmlns="" r:id="rId30" roundtripDataSignature="AMtx7mj5GdbxsaFl02bTEFBl/9s84/Z/Bw=="/>
     </p:ext>
   </p:extLst>
 </p:presentation>
@@ -7554,6 +7555,193 @@
           <p:cNvPr id="2" name="제목 1">
             <a:extLst>
               <a:ext uri="{FF2B5EF4-FFF2-40B4-BE49-F238E27FC236}">
+                <a16:creationId xmlns:a16="http://schemas.microsoft.com/office/drawing/2014/main" id="{F8BBB425-6C79-48FD-AE4F-80D01FD813FE}"/>
+              </a:ext>
+            </a:extLst>
+          </p:cNvPr>
+          <p:cNvSpPr>
+            <a:spLocks noGrp="1"/>
+          </p:cNvSpPr>
+          <p:nvPr>
+            <p:ph type="title"/>
+          </p:nvPr>
+        </p:nvSpPr>
+        <p:spPr/>
+        <p:txBody>
+          <a:bodyPr>
+            <a:normAutofit fontScale="90000"/>
+          </a:bodyPr>
+          <a:lstStyle/>
+          <a:p>
+            <a:r>
+              <a:rPr lang="en-US" altLang="ko-KR"/>
+              <a:t>TDD </a:t>
+            </a:r>
+            <a:r>
+              <a:rPr lang="ko-KR" altLang="en-US"/>
+              <a:t>를 이용한 </a:t>
+            </a:r>
+            <a:r>
+              <a:rPr lang="en-US" altLang="ko-KR"/>
+              <a:t>Unit test </a:t>
+            </a:r>
+            <a:r>
+              <a:rPr lang="ko-KR" altLang="en-US"/>
+              <a:t>활용</a:t>
+            </a:r>
+          </a:p>
+        </p:txBody>
+      </p:sp>
+      <p:sp>
+        <p:nvSpPr>
+          <p:cNvPr id="3" name="텍스트 개체 틀 2">
+            <a:extLst>
+              <a:ext uri="{FF2B5EF4-FFF2-40B4-BE49-F238E27FC236}">
+                <a16:creationId xmlns:a16="http://schemas.microsoft.com/office/drawing/2014/main" id="{4A4E36CE-B184-49A3-BC86-99740344B889}"/>
+              </a:ext>
+            </a:extLst>
+          </p:cNvPr>
+          <p:cNvSpPr>
+            <a:spLocks noGrp="1"/>
+          </p:cNvSpPr>
+          <p:nvPr>
+            <p:ph type="body" idx="1"/>
+          </p:nvPr>
+        </p:nvSpPr>
+        <p:spPr/>
+        <p:txBody>
+          <a:bodyPr/>
+          <a:lstStyle/>
+          <a:p>
+            <a:endParaRPr lang="ko-KR" altLang="en-US"/>
+          </a:p>
+        </p:txBody>
+      </p:sp>
+      <p:pic>
+        <p:nvPicPr>
+          <p:cNvPr id="1026" name="Picture 2">
+            <a:extLst>
+              <a:ext uri="{FF2B5EF4-FFF2-40B4-BE49-F238E27FC236}">
+                <a16:creationId xmlns:a16="http://schemas.microsoft.com/office/drawing/2014/main" id="{7A6CC12A-985E-40D1-A0BB-A110CA546CEB}"/>
+              </a:ext>
+            </a:extLst>
+          </p:cNvPr>
+          <p:cNvPicPr>
+            <a:picLocks noChangeAspect="1" noChangeArrowheads="1"/>
+          </p:cNvPicPr>
+          <p:nvPr/>
+        </p:nvPicPr>
+        <p:blipFill rotWithShape="1">
+          <a:blip r:embed="rId2">
+            <a:extLst>
+              <a:ext uri="{28A0092B-C50C-407E-A947-70E740481C1C}">
+                <a14:useLocalDpi xmlns:a14="http://schemas.microsoft.com/office/drawing/2010/main" val="0"/>
+              </a:ext>
+            </a:extLst>
+          </a:blip>
+          <a:srcRect b="49660"/>
+          <a:stretch/>
+        </p:blipFill>
+        <p:spPr bwMode="auto">
+          <a:xfrm>
+            <a:off x="380094" y="1071969"/>
+            <a:ext cx="7250113" cy="3452326"/>
+          </a:xfrm>
+          <a:prstGeom prst="rect">
+            <a:avLst/>
+          </a:prstGeom>
+          <a:noFill/>
+          <a:extLst>
+            <a:ext uri="{909E8E84-426E-40DD-AFC4-6F175D3DCCD1}">
+              <a14:hiddenFill xmlns:a14="http://schemas.microsoft.com/office/drawing/2010/main">
+                <a:solidFill>
+                  <a:srgbClr val="FFFFFF"/>
+                </a:solidFill>
+              </a14:hiddenFill>
+            </a:ext>
+          </a:extLst>
+        </p:spPr>
+      </p:pic>
+      <p:pic>
+        <p:nvPicPr>
+          <p:cNvPr id="5" name="Picture 2">
+            <a:extLst>
+              <a:ext uri="{FF2B5EF4-FFF2-40B4-BE49-F238E27FC236}">
+                <a16:creationId xmlns:a16="http://schemas.microsoft.com/office/drawing/2014/main" id="{0963B0F8-22CD-44CA-AEB4-035ECC866A88}"/>
+              </a:ext>
+            </a:extLst>
+          </p:cNvPr>
+          <p:cNvPicPr>
+            <a:picLocks noChangeAspect="1" noChangeArrowheads="1"/>
+          </p:cNvPicPr>
+          <p:nvPr/>
+        </p:nvPicPr>
+        <p:blipFill rotWithShape="1">
+          <a:blip r:embed="rId2">
+            <a:extLst>
+              <a:ext uri="{28A0092B-C50C-407E-A947-70E740481C1C}">
+                <a14:useLocalDpi xmlns:a14="http://schemas.microsoft.com/office/drawing/2010/main" val="0"/>
+              </a:ext>
+            </a:extLst>
+          </a:blip>
+          <a:srcRect t="50295"/>
+          <a:stretch/>
+        </p:blipFill>
+        <p:spPr bwMode="auto">
+          <a:xfrm>
+            <a:off x="4335907" y="3265714"/>
+            <a:ext cx="7250113" cy="3408784"/>
+          </a:xfrm>
+          <a:prstGeom prst="rect">
+            <a:avLst/>
+          </a:prstGeom>
+          <a:noFill/>
+          <a:extLst>
+            <a:ext uri="{909E8E84-426E-40DD-AFC4-6F175D3DCCD1}">
+              <a14:hiddenFill xmlns:a14="http://schemas.microsoft.com/office/drawing/2010/main">
+                <a:solidFill>
+                  <a:srgbClr val="FFFFFF"/>
+                </a:solidFill>
+              </a14:hiddenFill>
+            </a:ext>
+          </a:extLst>
+        </p:spPr>
+      </p:pic>
+    </p:spTree>
+    <p:extLst>
+      <p:ext uri="{BB962C8B-B14F-4D97-AF65-F5344CB8AC3E}">
+        <p14:creationId xmlns:p14="http://schemas.microsoft.com/office/powerpoint/2010/main" val="3768922088"/>
+      </p:ext>
+    </p:extLst>
+  </p:cSld>
+  <p:clrMapOvr>
+    <a:masterClrMapping/>
+  </p:clrMapOvr>
+</p:sld>
+</file>
+
+<file path=ppt/slides/slide17.xml><?xml version="1.0" encoding="utf-8"?>
+<p:sld xmlns:a="http://schemas.openxmlformats.org/drawingml/2006/main" xmlns:r="http://schemas.openxmlformats.org/officeDocument/2006/relationships" xmlns:p="http://schemas.openxmlformats.org/presentationml/2006/main">
+  <p:cSld>
+    <p:spTree>
+      <p:nvGrpSpPr>
+        <p:cNvPr id="1" name=""/>
+        <p:cNvGrpSpPr/>
+        <p:nvPr/>
+      </p:nvGrpSpPr>
+      <p:grpSpPr>
+        <a:xfrm>
+          <a:off x="0" y="0"/>
+          <a:ext cx="0" cy="0"/>
+          <a:chOff x="0" y="0"/>
+          <a:chExt cx="0" cy="0"/>
+        </a:xfrm>
+      </p:grpSpPr>
+      <p:sp>
+        <p:nvSpPr>
+          <p:cNvPr id="2" name="제목 1">
+            <a:extLst>
+              <a:ext uri="{FF2B5EF4-FFF2-40B4-BE49-F238E27FC236}">
                 <a16:creationId xmlns:a16="http://schemas.microsoft.com/office/drawing/2014/main" id="{E126DC2B-16C1-4763-9EB8-0D522AC5921C}"/>
               </a:ext>
             </a:extLst>
@@ -7677,7 +7865,7 @@
 </p:sld>
 </file>
 
-<file path=ppt/slides/slide17.xml><?xml version="1.0" encoding="utf-8"?>
+<file path=ppt/slides/slide18.xml><?xml version="1.0" encoding="utf-8"?>
 <p:sld xmlns:a="http://schemas.openxmlformats.org/drawingml/2006/main" xmlns:r="http://schemas.openxmlformats.org/officeDocument/2006/relationships" xmlns:p="http://schemas.openxmlformats.org/presentationml/2006/main">
   <p:cSld>
     <p:spTree>
@@ -7764,7 +7952,7 @@
 </p:sld>
 </file>
 
-<file path=ppt/slides/slide18.xml><?xml version="1.0" encoding="utf-8"?>
+<file path=ppt/slides/slide19.xml><?xml version="1.0" encoding="utf-8"?>
 <p:sld xmlns:a="http://schemas.openxmlformats.org/drawingml/2006/main" xmlns:r="http://schemas.openxmlformats.org/officeDocument/2006/relationships" xmlns:p="http://schemas.openxmlformats.org/presentationml/2006/main">
   <p:cSld>
     <p:spTree>
@@ -7871,122 +8059,6 @@
     <p:extLst>
       <p:ext uri="{BB962C8B-B14F-4D97-AF65-F5344CB8AC3E}">
         <p14:creationId xmlns:p14="http://schemas.microsoft.com/office/powerpoint/2010/main" val="829816428"/>
-      </p:ext>
-    </p:extLst>
-  </p:cSld>
-  <p:clrMapOvr>
-    <a:masterClrMapping/>
-  </p:clrMapOvr>
-</p:sld>
-</file>
-
-<file path=ppt/slides/slide19.xml><?xml version="1.0" encoding="utf-8"?>
-<p:sld xmlns:a="http://schemas.openxmlformats.org/drawingml/2006/main" xmlns:r="http://schemas.openxmlformats.org/officeDocument/2006/relationships" xmlns:p="http://schemas.openxmlformats.org/presentationml/2006/main">
-  <p:cSld>
-    <p:spTree>
-      <p:nvGrpSpPr>
-        <p:cNvPr id="1" name=""/>
-        <p:cNvGrpSpPr/>
-        <p:nvPr/>
-      </p:nvGrpSpPr>
-      <p:grpSpPr>
-        <a:xfrm>
-          <a:off x="0" y="0"/>
-          <a:ext cx="0" cy="0"/>
-          <a:chOff x="0" y="0"/>
-          <a:chExt cx="0" cy="0"/>
-        </a:xfrm>
-      </p:grpSpPr>
-      <p:sp>
-        <p:nvSpPr>
-          <p:cNvPr id="2" name="제목 1">
-            <a:extLst>
-              <a:ext uri="{FF2B5EF4-FFF2-40B4-BE49-F238E27FC236}">
-                <a16:creationId xmlns:a16="http://schemas.microsoft.com/office/drawing/2014/main" id="{7CA6E275-E42D-455A-8319-2ABE16B52E86}"/>
-              </a:ext>
-            </a:extLst>
-          </p:cNvPr>
-          <p:cNvSpPr>
-            <a:spLocks noGrp="1"/>
-          </p:cNvSpPr>
-          <p:nvPr>
-            <p:ph type="title"/>
-          </p:nvPr>
-        </p:nvSpPr>
-        <p:spPr/>
-        <p:txBody>
-          <a:bodyPr>
-            <a:normAutofit fontScale="90000"/>
-          </a:bodyPr>
-          <a:lstStyle/>
-          <a:p>
-            <a:r>
-              <a:rPr lang="en-US" altLang="ko-KR"/>
-              <a:t>FileReader &amp; SSDDriver</a:t>
-            </a:r>
-            <a:endParaRPr lang="ko-KR" altLang="en-US"/>
-          </a:p>
-        </p:txBody>
-      </p:sp>
-      <p:sp>
-        <p:nvSpPr>
-          <p:cNvPr id="3" name="텍스트 개체 틀 2">
-            <a:extLst>
-              <a:ext uri="{FF2B5EF4-FFF2-40B4-BE49-F238E27FC236}">
-                <a16:creationId xmlns:a16="http://schemas.microsoft.com/office/drawing/2014/main" id="{7B787FD8-4163-4D82-A621-EA9E76DADF36}"/>
-              </a:ext>
-            </a:extLst>
-          </p:cNvPr>
-          <p:cNvSpPr>
-            <a:spLocks noGrp="1"/>
-          </p:cNvSpPr>
-          <p:nvPr>
-            <p:ph type="body" idx="1"/>
-          </p:nvPr>
-        </p:nvSpPr>
-        <p:spPr/>
-        <p:txBody>
-          <a:bodyPr/>
-          <a:lstStyle/>
-          <a:p>
-            <a:endParaRPr lang="ko-KR" altLang="en-US"/>
-          </a:p>
-        </p:txBody>
-      </p:sp>
-      <p:pic>
-        <p:nvPicPr>
-          <p:cNvPr id="5" name="그림 4">
-            <a:extLst>
-              <a:ext uri="{FF2B5EF4-FFF2-40B4-BE49-F238E27FC236}">
-                <a16:creationId xmlns:a16="http://schemas.microsoft.com/office/drawing/2014/main" id="{E8A1C801-5A48-4108-8C25-6129A2CF30DB}"/>
-              </a:ext>
-            </a:extLst>
-          </p:cNvPr>
-          <p:cNvPicPr>
-            <a:picLocks noChangeAspect="1"/>
-          </p:cNvPicPr>
-          <p:nvPr/>
-        </p:nvPicPr>
-        <p:blipFill>
-          <a:blip r:embed="rId2"/>
-          <a:stretch>
-            <a:fillRect/>
-          </a:stretch>
-        </p:blipFill>
-        <p:spPr>
-          <a:xfrm>
-            <a:off x="605980" y="1316376"/>
-            <a:ext cx="6677025" cy="3733800"/>
-          </a:xfrm>
-          <a:prstGeom prst="rect">
-            <a:avLst/>
-          </a:prstGeom>
-        </p:spPr>
-      </p:pic>
-    </p:spTree>
-    <p:extLst>
-      <p:ext uri="{BB962C8B-B14F-4D97-AF65-F5344CB8AC3E}">
-        <p14:creationId xmlns:p14="http://schemas.microsoft.com/office/powerpoint/2010/main" val="1727220812"/>
       </p:ext>
     </p:extLst>
   </p:cSld>
@@ -8096,6 +8168,152 @@
           <p:cNvPr id="2" name="제목 1">
             <a:extLst>
               <a:ext uri="{FF2B5EF4-FFF2-40B4-BE49-F238E27FC236}">
+                <a16:creationId xmlns:a16="http://schemas.microsoft.com/office/drawing/2014/main" id="{984833DD-0C82-48E7-A9C3-A09FA0BDE19E}"/>
+              </a:ext>
+            </a:extLst>
+          </p:cNvPr>
+          <p:cNvSpPr>
+            <a:spLocks noGrp="1"/>
+          </p:cNvSpPr>
+          <p:nvPr>
+            <p:ph type="title"/>
+          </p:nvPr>
+        </p:nvSpPr>
+        <p:spPr/>
+        <p:txBody>
+          <a:bodyPr>
+            <a:normAutofit fontScale="90000"/>
+          </a:bodyPr>
+          <a:lstStyle/>
+          <a:p>
+            <a:r>
+              <a:rPr lang="en-US" altLang="ko-KR"/>
+              <a:t>Nand device</a:t>
+            </a:r>
+            <a:endParaRPr lang="ko-KR" altLang="en-US"/>
+          </a:p>
+        </p:txBody>
+      </p:sp>
+      <p:sp>
+        <p:nvSpPr>
+          <p:cNvPr id="3" name="텍스트 개체 틀 2">
+            <a:extLst>
+              <a:ext uri="{FF2B5EF4-FFF2-40B4-BE49-F238E27FC236}">
+                <a16:creationId xmlns:a16="http://schemas.microsoft.com/office/drawing/2014/main" id="{87E4B24F-D965-4000-9177-67717AA97EDA}"/>
+              </a:ext>
+            </a:extLst>
+          </p:cNvPr>
+          <p:cNvSpPr>
+            <a:spLocks noGrp="1"/>
+          </p:cNvSpPr>
+          <p:nvPr>
+            <p:ph type="body" idx="1"/>
+          </p:nvPr>
+        </p:nvSpPr>
+        <p:spPr/>
+        <p:txBody>
+          <a:bodyPr/>
+          <a:lstStyle/>
+          <a:p>
+            <a:endParaRPr lang="ko-KR" altLang="en-US"/>
+          </a:p>
+        </p:txBody>
+      </p:sp>
+      <p:pic>
+        <p:nvPicPr>
+          <p:cNvPr id="5" name="그림 4">
+            <a:extLst>
+              <a:ext uri="{FF2B5EF4-FFF2-40B4-BE49-F238E27FC236}">
+                <a16:creationId xmlns:a16="http://schemas.microsoft.com/office/drawing/2014/main" id="{9D0BB990-FE06-4EBA-981B-806E1C633836}"/>
+              </a:ext>
+            </a:extLst>
+          </p:cNvPr>
+          <p:cNvPicPr>
+            <a:picLocks noChangeAspect="1"/>
+          </p:cNvPicPr>
+          <p:nvPr/>
+        </p:nvPicPr>
+        <p:blipFill>
+          <a:blip r:embed="rId2"/>
+          <a:stretch>
+            <a:fillRect/>
+          </a:stretch>
+        </p:blipFill>
+        <p:spPr>
+          <a:xfrm>
+            <a:off x="605980" y="1322769"/>
+            <a:ext cx="5915025" cy="1781175"/>
+          </a:xfrm>
+          <a:prstGeom prst="rect">
+            <a:avLst/>
+          </a:prstGeom>
+        </p:spPr>
+      </p:pic>
+      <p:pic>
+        <p:nvPicPr>
+          <p:cNvPr id="7" name="그림 6">
+            <a:extLst>
+              <a:ext uri="{FF2B5EF4-FFF2-40B4-BE49-F238E27FC236}">
+                <a16:creationId xmlns:a16="http://schemas.microsoft.com/office/drawing/2014/main" id="{5A5D305B-6568-483B-9575-6281FB15DEB1}"/>
+              </a:ext>
+            </a:extLst>
+          </p:cNvPr>
+          <p:cNvPicPr>
+            <a:picLocks noChangeAspect="1"/>
+          </p:cNvPicPr>
+          <p:nvPr/>
+        </p:nvPicPr>
+        <p:blipFill>
+          <a:blip r:embed="rId3"/>
+          <a:stretch>
+            <a:fillRect/>
+          </a:stretch>
+        </p:blipFill>
+        <p:spPr>
+          <a:xfrm>
+            <a:off x="6692455" y="1322769"/>
+            <a:ext cx="4429125" cy="2457450"/>
+          </a:xfrm>
+          <a:prstGeom prst="rect">
+            <a:avLst/>
+          </a:prstGeom>
+        </p:spPr>
+      </p:pic>
+    </p:spTree>
+    <p:extLst>
+      <p:ext uri="{BB962C8B-B14F-4D97-AF65-F5344CB8AC3E}">
+        <p14:creationId xmlns:p14="http://schemas.microsoft.com/office/powerpoint/2010/main" val="693678250"/>
+      </p:ext>
+    </p:extLst>
+  </p:cSld>
+  <p:clrMapOvr>
+    <a:masterClrMapping/>
+  </p:clrMapOvr>
+</p:sld>
+</file>
+
+<file path=ppt/slides/slide21.xml><?xml version="1.0" encoding="utf-8"?>
+<p:sld xmlns:a="http://schemas.openxmlformats.org/drawingml/2006/main" xmlns:r="http://schemas.openxmlformats.org/officeDocument/2006/relationships" xmlns:p="http://schemas.openxmlformats.org/presentationml/2006/main">
+  <p:cSld>
+    <p:spTree>
+      <p:nvGrpSpPr>
+        <p:cNvPr id="1" name=""/>
+        <p:cNvGrpSpPr/>
+        <p:nvPr/>
+      </p:nvGrpSpPr>
+      <p:grpSpPr>
+        <a:xfrm>
+          <a:off x="0" y="0"/>
+          <a:ext cx="0" cy="0"/>
+          <a:chOff x="0" y="0"/>
+          <a:chExt cx="0" cy="0"/>
+        </a:xfrm>
+      </p:grpSpPr>
+      <p:sp>
+        <p:nvSpPr>
+          <p:cNvPr id="2" name="제목 1">
+            <a:extLst>
+              <a:ext uri="{FF2B5EF4-FFF2-40B4-BE49-F238E27FC236}">
                 <a16:creationId xmlns:a16="http://schemas.microsoft.com/office/drawing/2014/main" id="{7CA6E275-E42D-455A-8319-2ABE16B52E86}"/>
               </a:ext>
             </a:extLst>
@@ -8180,7 +8398,7 @@
     </p:spTree>
     <p:extLst>
       <p:ext uri="{BB962C8B-B14F-4D97-AF65-F5344CB8AC3E}">
-        <p14:creationId xmlns:p14="http://schemas.microsoft.com/office/powerpoint/2010/main" val="2145126093"/>
+        <p14:creationId xmlns:p14="http://schemas.microsoft.com/office/powerpoint/2010/main" val="1727220812"/>
       </p:ext>
     </p:extLst>
   </p:cSld>
@@ -8190,7 +8408,7 @@
 </p:sld>
 </file>
 
-<file path=ppt/slides/slide21.xml><?xml version="1.0" encoding="utf-8"?>
+<file path=ppt/slides/slide22.xml><?xml version="1.0" encoding="utf-8"?>
 <p:sld xmlns:a="http://schemas.openxmlformats.org/drawingml/2006/main" xmlns:r="http://schemas.openxmlformats.org/officeDocument/2006/relationships" xmlns:p="http://schemas.openxmlformats.org/presentationml/2006/main">
   <p:cSld>
     <p:spTree>
@@ -8583,7 +8801,7 @@
 </p:sld>
 </file>
 
-<file path=ppt/slides/slide22.xml><?xml version="1.0" encoding="utf-8"?>
+<file path=ppt/slides/slide23.xml><?xml version="1.0" encoding="utf-8"?>
 <p:sld xmlns:a="http://schemas.openxmlformats.org/drawingml/2006/main" xmlns:r="http://schemas.openxmlformats.org/officeDocument/2006/relationships" xmlns:p="http://schemas.openxmlformats.org/presentationml/2006/main">
   <p:cSld>
     <p:spTree>
@@ -8666,7 +8884,7 @@
 </p:sld>
 </file>
 
-<file path=ppt/slides/slide23.xml><?xml version="1.0" encoding="utf-8"?>
+<file path=ppt/slides/slide24.xml><?xml version="1.0" encoding="utf-8"?>
 <p:sld xmlns:a="http://schemas.openxmlformats.org/drawingml/2006/main" xmlns:r="http://schemas.openxmlformats.org/officeDocument/2006/relationships" xmlns:p="http://schemas.openxmlformats.org/presentationml/2006/main">
   <p:cSld>
     <p:spTree>
@@ -8760,8 +8978,53 @@
           </p:cNvPicPr>
           <p:nvPr/>
         </p:nvPicPr>
+        <p:blipFill rotWithShape="1">
+          <a:blip r:embed="rId2">
+            <a:extLst>
+              <a:ext uri="{28A0092B-C50C-407E-A947-70E740481C1C}">
+                <a14:useLocalDpi xmlns:a14="http://schemas.microsoft.com/office/drawing/2010/main" val="0"/>
+              </a:ext>
+            </a:extLst>
+          </a:blip>
+          <a:srcRect r="35714"/>
+          <a:stretch/>
+        </p:blipFill>
+        <p:spPr bwMode="auto">
+          <a:xfrm>
+            <a:off x="234103" y="1117361"/>
+            <a:ext cx="7238528" cy="4927686"/>
+          </a:xfrm>
+          <a:prstGeom prst="rect">
+            <a:avLst/>
+          </a:prstGeom>
+          <a:noFill/>
+          <a:extLst>
+            <a:ext uri="{909E8E84-426E-40DD-AFC4-6F175D3DCCD1}">
+              <a14:hiddenFill xmlns:a14="http://schemas.microsoft.com/office/drawing/2010/main">
+                <a:solidFill>
+                  <a:srgbClr val="FFFFFF"/>
+                </a:solidFill>
+              </a14:hiddenFill>
+            </a:ext>
+          </a:extLst>
+        </p:spPr>
+      </p:pic>
+      <p:pic>
+        <p:nvPicPr>
+          <p:cNvPr id="5" name="Picture 2">
+            <a:extLst>
+              <a:ext uri="{FF2B5EF4-FFF2-40B4-BE49-F238E27FC236}">
+                <a16:creationId xmlns:a16="http://schemas.microsoft.com/office/drawing/2014/main" id="{20C54589-023C-4663-ACF7-5708D5E19327}"/>
+              </a:ext>
+            </a:extLst>
+          </p:cNvPr>
+          <p:cNvPicPr>
+            <a:picLocks noChangeAspect="1" noChangeArrowheads="1"/>
+          </p:cNvPicPr>
+          <p:nvPr/>
+        </p:nvPicPr>
         <p:blipFill>
-          <a:blip r:embed="rId2">
+          <a:blip r:embed="rId3">
             <a:extLst>
               <a:ext uri="{28A0092B-C50C-407E-A947-70E740481C1C}">
                 <a14:useLocalDpi xmlns:a14="http://schemas.microsoft.com/office/drawing/2010/main" val="0"/>
@@ -8775,8 +9038,53 @@
         </p:blipFill>
         <p:spPr bwMode="auto">
           <a:xfrm>
-            <a:off x="0" y="1212270"/>
-            <a:ext cx="12192000" cy="5335587"/>
+            <a:off x="7674278" y="4041683"/>
+            <a:ext cx="2660925" cy="2558753"/>
+          </a:xfrm>
+          <a:prstGeom prst="rect">
+            <a:avLst/>
+          </a:prstGeom>
+          <a:noFill/>
+          <a:extLst>
+            <a:ext uri="{909E8E84-426E-40DD-AFC4-6F175D3DCCD1}">
+              <a14:hiddenFill xmlns:a14="http://schemas.microsoft.com/office/drawing/2010/main">
+                <a:solidFill>
+                  <a:srgbClr val="FFFFFF"/>
+                </a:solidFill>
+              </a14:hiddenFill>
+            </a:ext>
+          </a:extLst>
+        </p:spPr>
+      </p:pic>
+      <p:pic>
+        <p:nvPicPr>
+          <p:cNvPr id="6" name="Picture 2">
+            <a:extLst>
+              <a:ext uri="{FF2B5EF4-FFF2-40B4-BE49-F238E27FC236}">
+                <a16:creationId xmlns:a16="http://schemas.microsoft.com/office/drawing/2014/main" id="{6C7960C1-91C5-4EBC-B58A-FA93AE657EDF}"/>
+              </a:ext>
+            </a:extLst>
+          </p:cNvPr>
+          <p:cNvPicPr>
+            <a:picLocks noChangeAspect="1" noChangeArrowheads="1"/>
+          </p:cNvPicPr>
+          <p:nvPr/>
+        </p:nvPicPr>
+        <p:blipFill rotWithShape="1">
+          <a:blip r:embed="rId2">
+            <a:extLst>
+              <a:ext uri="{28A0092B-C50C-407E-A947-70E740481C1C}">
+                <a14:useLocalDpi xmlns:a14="http://schemas.microsoft.com/office/drawing/2010/main" val="0"/>
+              </a:ext>
+            </a:extLst>
+          </a:blip>
+          <a:srcRect l="64286" t="3328" r="586" b="34275"/>
+          <a:stretch/>
+        </p:blipFill>
+        <p:spPr bwMode="auto">
+          <a:xfrm>
+            <a:off x="7571642" y="1117100"/>
+            <a:ext cx="4014378" cy="3120598"/>
           </a:xfrm>
           <a:prstGeom prst="rect">
             <a:avLst/>
@@ -8806,7 +9114,7 @@
 </p:sld>
 </file>
 
-<file path=ppt/slides/slide24.xml><?xml version="1.0" encoding="utf-8"?>
+<file path=ppt/slides/slide25.xml><?xml version="1.0" encoding="utf-8"?>
 <p:sld xmlns:a="http://schemas.openxmlformats.org/drawingml/2006/main" xmlns:r="http://schemas.openxmlformats.org/officeDocument/2006/relationships" xmlns:p="http://schemas.openxmlformats.org/presentationml/2006/main">
   <p:cSld>
     <p:spTree>
@@ -8889,7 +9197,7 @@
 </p:sld>
 </file>
 
-<file path=ppt/slides/slide25.xml><?xml version="1.0" encoding="utf-8"?>
+<file path=ppt/slides/slide26.xml><?xml version="1.0" encoding="utf-8"?>
 <p:sld xmlns:a="http://schemas.openxmlformats.org/drawingml/2006/main" xmlns:r="http://schemas.openxmlformats.org/officeDocument/2006/relationships" xmlns:p="http://schemas.openxmlformats.org/presentationml/2006/main">
   <p:cSld>
     <p:spTree>
@@ -9299,7 +9607,7 @@
 </p:sld>
 </file>
 
-<file path=ppt/slides/slide26.xml><?xml version="1.0" encoding="utf-8"?>
+<file path=ppt/slides/slide27.xml><?xml version="1.0" encoding="utf-8"?>
 <p:sld xmlns:a="http://schemas.openxmlformats.org/drawingml/2006/main" xmlns:r="http://schemas.openxmlformats.org/officeDocument/2006/relationships" xmlns:p="http://schemas.openxmlformats.org/presentationml/2006/main">
   <p:cSld>
     <p:spTree>
@@ -9996,7 +10304,7 @@
                 <a:effectLst/>
                 <a:latin typeface="-apple-system"/>
               </a:rPr>
-              <a:t>, Test Shell - App / HostInterfac </a:t>
+              <a:t>, Test Shell - App / HostInterface </a:t>
             </a:r>
             <a:r>
               <a:rPr lang="ko-KR" altLang="en-US" b="0" i="0">
@@ -11008,6 +11316,333 @@
           <p:cNvPr id="2" name="제목 1">
             <a:extLst>
               <a:ext uri="{FF2B5EF4-FFF2-40B4-BE49-F238E27FC236}">
+                <a16:creationId xmlns:a16="http://schemas.microsoft.com/office/drawing/2014/main" id="{74D3022C-6A61-44A4-9DE3-D3806613D088}"/>
+              </a:ext>
+            </a:extLst>
+          </p:cNvPr>
+          <p:cNvSpPr>
+            <a:spLocks noGrp="1"/>
+          </p:cNvSpPr>
+          <p:nvPr>
+            <p:ph type="title"/>
+          </p:nvPr>
+        </p:nvSpPr>
+        <p:spPr/>
+        <p:txBody>
+          <a:bodyPr>
+            <a:normAutofit fontScale="90000"/>
+          </a:bodyPr>
+          <a:lstStyle/>
+          <a:p>
+            <a:r>
+              <a:rPr lang="ko-KR" altLang="en-US"/>
+              <a:t>기능 소개</a:t>
+            </a:r>
+          </a:p>
+        </p:txBody>
+      </p:sp>
+      <p:sp>
+        <p:nvSpPr>
+          <p:cNvPr id="3" name="텍스트 개체 틀 2">
+            <a:extLst>
+              <a:ext uri="{FF2B5EF4-FFF2-40B4-BE49-F238E27FC236}">
+                <a16:creationId xmlns:a16="http://schemas.microsoft.com/office/drawing/2014/main" id="{2694B896-F219-45B6-AAC1-D08B69E5A782}"/>
+              </a:ext>
+            </a:extLst>
+          </p:cNvPr>
+          <p:cNvSpPr>
+            <a:spLocks noGrp="1"/>
+          </p:cNvSpPr>
+          <p:nvPr>
+            <p:ph type="body" idx="1"/>
+          </p:nvPr>
+        </p:nvSpPr>
+        <p:spPr/>
+        <p:txBody>
+          <a:bodyPr>
+            <a:normAutofit fontScale="92500" lnSpcReduction="20000"/>
+          </a:bodyPr>
+          <a:lstStyle/>
+          <a:p>
+            <a:r>
+              <a:rPr lang="en-US" altLang="ko-KR"/>
+              <a:t>SSD driver </a:t>
+            </a:r>
+            <a:r>
+              <a:rPr lang="ko-KR" altLang="en-US"/>
+              <a:t>및 </a:t>
+            </a:r>
+            <a:r>
+              <a:rPr lang="en-US" altLang="ko-KR"/>
+              <a:t>Test shell </a:t>
+            </a:r>
+            <a:r>
+              <a:rPr lang="ko-KR" altLang="en-US"/>
+              <a:t>제작</a:t>
+            </a:r>
+            <a:endParaRPr lang="en-US" altLang="ko-KR"/>
+          </a:p>
+          <a:p>
+            <a:r>
+              <a:rPr lang="ko-KR" altLang="en-US"/>
+              <a:t>기본 기능</a:t>
+            </a:r>
+            <a:endParaRPr lang="en-US" altLang="ko-KR"/>
+          </a:p>
+          <a:p>
+            <a:pPr lvl="1">
+              <a:buFont typeface="Wingdings" panose="05000000000000000000" pitchFamily="2" charset="2"/>
+              <a:buChar char="ü"/>
+            </a:pPr>
+            <a:r>
+              <a:rPr lang="en-US" altLang="ko-KR"/>
+              <a:t>write/read/exit/help/fullwrite/fullread</a:t>
+            </a:r>
+          </a:p>
+          <a:p>
+            <a:pPr lvl="1">
+              <a:buFont typeface="Wingdings" panose="05000000000000000000" pitchFamily="2" charset="2"/>
+              <a:buChar char="ü"/>
+            </a:pPr>
+            <a:r>
+              <a:rPr lang="en-US" altLang="ko-KR"/>
+              <a:t>testapp1/testapp2</a:t>
+            </a:r>
+          </a:p>
+          <a:p>
+            <a:r>
+              <a:rPr lang="ko-KR" altLang="en-US"/>
+              <a:t>추가 기능</a:t>
+            </a:r>
+            <a:endParaRPr lang="en-US" altLang="ko-KR"/>
+          </a:p>
+          <a:p>
+            <a:pPr lvl="1">
+              <a:buFont typeface="Wingdings" panose="05000000000000000000" pitchFamily="2" charset="2"/>
+              <a:buChar char="ü"/>
+            </a:pPr>
+            <a:r>
+              <a:rPr lang="en-US" altLang="ko-KR"/>
+              <a:t>erase/erase_range</a:t>
+            </a:r>
+          </a:p>
+          <a:p>
+            <a:pPr lvl="1">
+              <a:buFont typeface="Wingdings" panose="05000000000000000000" pitchFamily="2" charset="2"/>
+              <a:buChar char="ü"/>
+            </a:pPr>
+            <a:r>
+              <a:rPr lang="en-US" altLang="ko-KR"/>
+              <a:t>Commandbuffer</a:t>
+            </a:r>
+          </a:p>
+          <a:p>
+            <a:pPr lvl="2" fontAlgn="base">
+              <a:buFont typeface="Wingdings" panose="05000000000000000000" pitchFamily="2" charset="2"/>
+              <a:buChar char="§"/>
+            </a:pPr>
+            <a:r>
+              <a:rPr lang="en-US" altLang="ko-KR" b="0" i="0">
+                <a:effectLst/>
+                <a:latin typeface="inherit"/>
+              </a:rPr>
+              <a:t>Flush</a:t>
+            </a:r>
+          </a:p>
+          <a:p>
+            <a:pPr lvl="2" fontAlgn="base">
+              <a:buFont typeface="Wingdings" panose="05000000000000000000" pitchFamily="2" charset="2"/>
+              <a:buChar char="§"/>
+            </a:pPr>
+            <a:r>
+              <a:rPr lang="en-US" altLang="ko-KR" b="0" i="0">
+                <a:effectLst/>
+                <a:latin typeface="inherit"/>
+              </a:rPr>
+              <a:t>Ignore Write </a:t>
+            </a:r>
+            <a:r>
+              <a:rPr lang="ko-KR" altLang="en-US" b="0" i="0">
+                <a:effectLst/>
+                <a:latin typeface="inherit"/>
+              </a:rPr>
+              <a:t>알고리즘 </a:t>
+            </a:r>
+            <a:r>
+              <a:rPr lang="en-US" altLang="ko-KR" b="0" i="0">
+                <a:effectLst/>
+                <a:latin typeface="inherit"/>
+              </a:rPr>
+              <a:t>1 &amp; 2</a:t>
+            </a:r>
+          </a:p>
+          <a:p>
+            <a:pPr lvl="2" fontAlgn="base">
+              <a:buFont typeface="Wingdings" panose="05000000000000000000" pitchFamily="2" charset="2"/>
+              <a:buChar char="§"/>
+            </a:pPr>
+            <a:r>
+              <a:rPr lang="en-US" altLang="ko-KR" b="0" i="0">
+                <a:effectLst/>
+                <a:latin typeface="inherit"/>
+              </a:rPr>
+              <a:t>Merge Erase </a:t>
+            </a:r>
+            <a:r>
+              <a:rPr lang="ko-KR" altLang="en-US" b="0" i="0">
+                <a:effectLst/>
+                <a:latin typeface="inherit"/>
+              </a:rPr>
+              <a:t>알고리즘</a:t>
+            </a:r>
+            <a:endParaRPr lang="en-US" altLang="ko-KR" b="0" i="0">
+              <a:effectLst/>
+              <a:latin typeface="inherit"/>
+            </a:endParaRPr>
+          </a:p>
+          <a:p>
+            <a:pPr lvl="2" fontAlgn="base">
+              <a:buFont typeface="Wingdings" panose="05000000000000000000" pitchFamily="2" charset="2"/>
+              <a:buChar char="§"/>
+            </a:pPr>
+            <a:r>
+              <a:rPr lang="en-US" altLang="ko-KR" b="0" i="0">
+                <a:effectLst/>
+                <a:latin typeface="inherit"/>
+              </a:rPr>
+              <a:t>Narrow Range of Erase </a:t>
+            </a:r>
+            <a:r>
+              <a:rPr lang="ko-KR" altLang="en-US" b="0" i="0">
+                <a:effectLst/>
+                <a:latin typeface="inherit"/>
+              </a:rPr>
+              <a:t>알고리즘</a:t>
+            </a:r>
+            <a:endParaRPr lang="en-US" altLang="ko-KR" b="0" i="0">
+              <a:effectLst/>
+              <a:latin typeface="inherit"/>
+            </a:endParaRPr>
+          </a:p>
+          <a:p>
+            <a:pPr lvl="2" fontAlgn="base">
+              <a:buFont typeface="Wingdings" panose="05000000000000000000" pitchFamily="2" charset="2"/>
+              <a:buChar char="§"/>
+            </a:pPr>
+            <a:r>
+              <a:rPr lang="en-US" altLang="ko-KR" b="0" i="0">
+                <a:effectLst/>
+                <a:latin typeface="inherit"/>
+              </a:rPr>
+              <a:t>Fast Read</a:t>
+            </a:r>
+            <a:endParaRPr lang="en-US" altLang="ko-KR"/>
+          </a:p>
+          <a:p>
+            <a:pPr lvl="1">
+              <a:buFont typeface="Wingdings" panose="05000000000000000000" pitchFamily="2" charset="2"/>
+              <a:buChar char="ü"/>
+            </a:pPr>
+            <a:r>
+              <a:rPr lang="en-US" altLang="ko-KR"/>
+              <a:t>Logger</a:t>
+            </a:r>
+          </a:p>
+          <a:p>
+            <a:pPr lvl="1">
+              <a:buFont typeface="Wingdings" panose="05000000000000000000" pitchFamily="2" charset="2"/>
+              <a:buChar char="ü"/>
+            </a:pPr>
+            <a:r>
+              <a:rPr lang="en-US" altLang="ko-KR"/>
+              <a:t>Runner</a:t>
+            </a:r>
+          </a:p>
+          <a:p>
+            <a:pPr lvl="1">
+              <a:buFont typeface="Wingdings" panose="05000000000000000000" pitchFamily="2" charset="2"/>
+              <a:buChar char="ü"/>
+            </a:pPr>
+            <a:r>
+              <a:rPr lang="ko-KR" altLang="en-US"/>
+              <a:t>재빌드 이슈 해결한 시나리오 테스트</a:t>
+            </a:r>
+            <a:endParaRPr lang="en-US" altLang="ko-KR"/>
+          </a:p>
+          <a:p>
+            <a:endParaRPr lang="en-US" altLang="ko-KR"/>
+          </a:p>
+          <a:p>
+            <a:pPr lvl="1"/>
+            <a:endParaRPr lang="ko-KR" altLang="en-US"/>
+          </a:p>
+        </p:txBody>
+      </p:sp>
+      <p:pic>
+        <p:nvPicPr>
+          <p:cNvPr id="5" name="그림 4">
+            <a:extLst>
+              <a:ext uri="{FF2B5EF4-FFF2-40B4-BE49-F238E27FC236}">
+                <a16:creationId xmlns:a16="http://schemas.microsoft.com/office/drawing/2014/main" id="{97C0ABFC-5E6E-4930-AA8B-BA5597B539B4}"/>
+              </a:ext>
+            </a:extLst>
+          </p:cNvPr>
+          <p:cNvPicPr>
+            <a:picLocks noChangeAspect="1"/>
+          </p:cNvPicPr>
+          <p:nvPr/>
+        </p:nvPicPr>
+        <p:blipFill>
+          <a:blip r:embed="rId2"/>
+          <a:stretch>
+            <a:fillRect/>
+          </a:stretch>
+        </p:blipFill>
+        <p:spPr>
+          <a:xfrm>
+            <a:off x="6772177" y="1091682"/>
+            <a:ext cx="5270672" cy="5541624"/>
+          </a:xfrm>
+          <a:prstGeom prst="rect">
+            <a:avLst/>
+          </a:prstGeom>
+        </p:spPr>
+      </p:pic>
+    </p:spTree>
+    <p:extLst>
+      <p:ext uri="{BB962C8B-B14F-4D97-AF65-F5344CB8AC3E}">
+        <p14:creationId xmlns:p14="http://schemas.microsoft.com/office/powerpoint/2010/main" val="3943191522"/>
+      </p:ext>
+    </p:extLst>
+  </p:cSld>
+  <p:clrMapOvr>
+    <a:masterClrMapping/>
+  </p:clrMapOvr>
+</p:sld>
+</file>
+
+<file path=ppt/slides/slide8.xml><?xml version="1.0" encoding="utf-8"?>
+<p:sld xmlns:a="http://schemas.openxmlformats.org/drawingml/2006/main" xmlns:r="http://schemas.openxmlformats.org/officeDocument/2006/relationships" xmlns:p="http://schemas.openxmlformats.org/presentationml/2006/main">
+  <p:cSld>
+    <p:spTree>
+      <p:nvGrpSpPr>
+        <p:cNvPr id="1" name=""/>
+        <p:cNvGrpSpPr/>
+        <p:nvPr/>
+      </p:nvGrpSpPr>
+      <p:grpSpPr>
+        <a:xfrm>
+          <a:off x="0" y="0"/>
+          <a:ext cx="0" cy="0"/>
+          <a:chOff x="0" y="0"/>
+          <a:chExt cx="0" cy="0"/>
+        </a:xfrm>
+      </p:grpSpPr>
+      <p:sp>
+        <p:nvSpPr>
+          <p:cNvPr id="2" name="제목 1">
+            <a:extLst>
+              <a:ext uri="{FF2B5EF4-FFF2-40B4-BE49-F238E27FC236}">
                 <a16:creationId xmlns:a16="http://schemas.microsoft.com/office/drawing/2014/main" id="{64BD2D88-CE40-4813-987A-ECB032A3533D}"/>
               </a:ext>
             </a:extLst>
@@ -11085,114 +11720,6 @@
     <p:extLst>
       <p:ext uri="{BB962C8B-B14F-4D97-AF65-F5344CB8AC3E}">
         <p14:creationId xmlns:p14="http://schemas.microsoft.com/office/powerpoint/2010/main" val="3226062812"/>
-      </p:ext>
-    </p:extLst>
-  </p:cSld>
-  <p:clrMapOvr>
-    <a:masterClrMapping/>
-  </p:clrMapOvr>
-</p:sld>
-</file>
-
-<file path=ppt/slides/slide8.xml><?xml version="1.0" encoding="utf-8"?>
-<p:sld xmlns:a="http://schemas.openxmlformats.org/drawingml/2006/main" xmlns:r="http://schemas.openxmlformats.org/officeDocument/2006/relationships" xmlns:p="http://schemas.openxmlformats.org/presentationml/2006/main">
-  <p:cSld>
-    <p:spTree>
-      <p:nvGrpSpPr>
-        <p:cNvPr id="1" name=""/>
-        <p:cNvGrpSpPr/>
-        <p:nvPr/>
-      </p:nvGrpSpPr>
-      <p:grpSpPr>
-        <a:xfrm>
-          <a:off x="0" y="0"/>
-          <a:ext cx="0" cy="0"/>
-          <a:chOff x="0" y="0"/>
-          <a:chExt cx="0" cy="0"/>
-        </a:xfrm>
-      </p:grpSpPr>
-      <p:sp>
-        <p:nvSpPr>
-          <p:cNvPr id="2" name="제목 1">
-            <a:extLst>
-              <a:ext uri="{FF2B5EF4-FFF2-40B4-BE49-F238E27FC236}">
-                <a16:creationId xmlns:a16="http://schemas.microsoft.com/office/drawing/2014/main" id="{6A76090C-AE41-4D77-9CC9-BBF7872705A9}"/>
-              </a:ext>
-            </a:extLst>
-          </p:cNvPr>
-          <p:cNvSpPr>
-            <a:spLocks noGrp="1"/>
-          </p:cNvSpPr>
-          <p:nvPr>
-            <p:ph type="title"/>
-          </p:nvPr>
-        </p:nvSpPr>
-        <p:spPr/>
-        <p:txBody>
-          <a:bodyPr>
-            <a:normAutofit fontScale="90000"/>
-          </a:bodyPr>
-          <a:lstStyle/>
-          <a:p>
-            <a:r>
-              <a:rPr lang="en-US" altLang="ko-KR" dirty="0"/>
-              <a:t>Class Diagram (Test Shell)</a:t>
-            </a:r>
-            <a:endParaRPr lang="ko-KR" altLang="en-US" dirty="0"/>
-          </a:p>
-        </p:txBody>
-      </p:sp>
-      <p:pic>
-        <p:nvPicPr>
-          <p:cNvPr id="1026" name="Picture 2">
-            <a:extLst>
-              <a:ext uri="{FF2B5EF4-FFF2-40B4-BE49-F238E27FC236}">
-                <a16:creationId xmlns:a16="http://schemas.microsoft.com/office/drawing/2014/main" id="{D1BAB829-C5D4-4AD6-80C0-27B2EB9F5A32}"/>
-              </a:ext>
-            </a:extLst>
-          </p:cNvPr>
-          <p:cNvPicPr>
-            <a:picLocks noChangeAspect="1" noChangeArrowheads="1"/>
-          </p:cNvPicPr>
-          <p:nvPr/>
-        </p:nvPicPr>
-        <p:blipFill>
-          <a:blip r:embed="rId2">
-            <a:extLst>
-              <a:ext uri="{28A0092B-C50C-407E-A947-70E740481C1C}">
-                <a14:useLocalDpi xmlns:a14="http://schemas.microsoft.com/office/drawing/2010/main" val="0"/>
-              </a:ext>
-            </a:extLst>
-          </a:blip>
-          <a:srcRect/>
-          <a:stretch>
-            <a:fillRect/>
-          </a:stretch>
-        </p:blipFill>
-        <p:spPr bwMode="auto">
-          <a:xfrm>
-            <a:off x="3376822" y="1543665"/>
-            <a:ext cx="5455618" cy="4713354"/>
-          </a:xfrm>
-          <a:prstGeom prst="rect">
-            <a:avLst/>
-          </a:prstGeom>
-          <a:noFill/>
-          <a:extLst>
-            <a:ext uri="{909E8E84-426E-40DD-AFC4-6F175D3DCCD1}">
-              <a14:hiddenFill xmlns:a14="http://schemas.microsoft.com/office/drawing/2010/main">
-                <a:solidFill>
-                  <a:srgbClr val="FFFFFF"/>
-                </a:solidFill>
-              </a14:hiddenFill>
-            </a:ext>
-          </a:extLst>
-        </p:spPr>
-      </p:pic>
-    </p:spTree>
-    <p:extLst>
-      <p:ext uri="{BB962C8B-B14F-4D97-AF65-F5344CB8AC3E}">
-        <p14:creationId xmlns:p14="http://schemas.microsoft.com/office/powerpoint/2010/main" val="2006404260"/>
       </p:ext>
     </p:extLst>
   </p:cSld>
